--- a/TCC/5º Encontro/2017-Apresentacao Psystem.pptx
+++ b/TCC/5º Encontro/2017-Apresentacao Psystem.pptx
@@ -285,7 +285,7 @@
             <a:fld id="{C0D5B206-56B5-433E-8333-9415E6A460B9}" type="datetimeFigureOut">
               <a:rPr lang="pt-BR" smtClean="0"/>
               <a:pPr/>
-              <a:t>31/08/2017</a:t>
+              <a:t>02/09/2017</a:t>
             </a:fld>
             <a:endParaRPr lang="pt-BR"/>
           </a:p>
@@ -444,7 +444,7 @@
             <a:fld id="{876E4F93-E697-4509-B43E-25456566412B}" type="slidenum">
               <a:rPr lang="pt-BR" smtClean="0"/>
               <a:pPr/>
-              <a:t>‹#›</a:t>
+              <a:t>‹nº›</a:t>
             </a:fld>
             <a:endParaRPr lang="pt-BR"/>
           </a:p>
@@ -1551,7 +1551,7 @@
                 <a:latin typeface="Verdana" pitchFamily="34" charset="0"/>
               </a:rPr>
               <a:pPr eaLnBrk="1" hangingPunct="1"/>
-              <a:t>‹#›</a:t>
+              <a:t>‹nº›</a:t>
             </a:fld>
             <a:endParaRPr lang="pt-BR" sz="1400" b="1">
               <a:solidFill>
@@ -3458,6 +3458,13 @@
   <p:transition spd="med">
     <p:fade/>
   </p:transition>
+  <p:timing>
+    <p:tnLst>
+      <p:par>
+        <p:cTn id="1" dur="indefinite" restart="never" nodeType="tmRoot"/>
+      </p:par>
+    </p:tnLst>
+  </p:timing>
 </p:sld>
 </file>
 
@@ -3537,6 +3544,13 @@
   <p:clrMapOvr>
     <a:masterClrMapping/>
   </p:clrMapOvr>
+  <p:timing>
+    <p:tnLst>
+      <p:par>
+        <p:cTn id="1" dur="indefinite" restart="never" nodeType="tmRoot"/>
+      </p:par>
+    </p:tnLst>
+  </p:timing>
 </p:sld>
 </file>
 
@@ -3649,6 +3663,13 @@
   <p:clrMapOvr>
     <a:masterClrMapping/>
   </p:clrMapOvr>
+  <p:timing>
+    <p:tnLst>
+      <p:par>
+        <p:cTn id="1" dur="indefinite" restart="never" nodeType="tmRoot"/>
+      </p:par>
+    </p:tnLst>
+  </p:timing>
 </p:sld>
 </file>
 
@@ -3761,6 +3782,13 @@
   <p:clrMapOvr>
     <a:masterClrMapping/>
   </p:clrMapOvr>
+  <p:timing>
+    <p:tnLst>
+      <p:par>
+        <p:cTn id="1" dur="indefinite" restart="never" nodeType="tmRoot"/>
+      </p:par>
+    </p:tnLst>
+  </p:timing>
 </p:sld>
 </file>
 
@@ -3840,6 +3868,13 @@
   <p:clrMapOvr>
     <a:masterClrMapping/>
   </p:clrMapOvr>
+  <p:timing>
+    <p:tnLst>
+      <p:par>
+        <p:cTn id="1" dur="indefinite" restart="never" nodeType="tmRoot"/>
+      </p:par>
+    </p:tnLst>
+  </p:timing>
 </p:sld>
 </file>
 
@@ -4352,6 +4387,13 @@
   <p:transition spd="med">
     <p:fade/>
   </p:transition>
+  <p:timing>
+    <p:tnLst>
+      <p:par>
+        <p:cTn id="1" dur="indefinite" restart="never" nodeType="tmRoot"/>
+      </p:par>
+    </p:tnLst>
+  </p:timing>
 </p:sld>
 </file>
 
@@ -4377,7 +4419,7 @@
           <p:cNvPr id="2" name="Título 1">
             <a:extLst>
               <a:ext uri="{FF2B5EF4-FFF2-40B4-BE49-F238E27FC236}">
-                <a16:creationId xmlns:a16="http://schemas.microsoft.com/office/drawing/2014/main" id="{4420E5F6-C592-489E-8742-39113C67F28C}"/>
+                <a16:creationId xmlns:a16="http://schemas.microsoft.com/office/drawing/2014/main" xmlns="" id="{4420E5F6-C592-489E-8742-39113C67F28C}"/>
               </a:ext>
             </a:extLst>
           </p:cNvPr>
@@ -4417,7 +4459,7 @@
           <p:cNvPr id="3" name="Espaço Reservado para Conteúdo 2">
             <a:extLst>
               <a:ext uri="{FF2B5EF4-FFF2-40B4-BE49-F238E27FC236}">
-                <a16:creationId xmlns:a16="http://schemas.microsoft.com/office/drawing/2014/main" id="{FB12D05B-E47F-4BA3-B1A7-F1DCD4D8F90E}"/>
+                <a16:creationId xmlns:a16="http://schemas.microsoft.com/office/drawing/2014/main" xmlns="" id="{FB12D05B-E47F-4BA3-B1A7-F1DCD4D8F90E}"/>
               </a:ext>
             </a:extLst>
           </p:cNvPr>
@@ -4674,6 +4716,13 @@
   <p:clrMapOvr>
     <a:masterClrMapping/>
   </p:clrMapOvr>
+  <p:timing>
+    <p:tnLst>
+      <p:par>
+        <p:cTn id="1" dur="indefinite" restart="never" nodeType="tmRoot"/>
+      </p:par>
+    </p:tnLst>
+  </p:timing>
 </p:sld>
 </file>
 
@@ -4729,7 +4778,7 @@
           <p:cNvPr id="5" name="Título 1">
             <a:extLst>
               <a:ext uri="{FF2B5EF4-FFF2-40B4-BE49-F238E27FC236}">
-                <a16:creationId xmlns:a16="http://schemas.microsoft.com/office/drawing/2014/main" id="{4420E5F6-C592-489E-8742-39113C67F28C}"/>
+                <a16:creationId xmlns:a16="http://schemas.microsoft.com/office/drawing/2014/main" xmlns="" id="{4420E5F6-C592-489E-8742-39113C67F28C}"/>
               </a:ext>
             </a:extLst>
           </p:cNvPr>
@@ -4923,6 +4972,13 @@
   <p:clrMapOvr>
     <a:masterClrMapping/>
   </p:clrMapOvr>
+  <p:timing>
+    <p:tnLst>
+      <p:par>
+        <p:cTn id="1" dur="indefinite" restart="never" nodeType="tmRoot"/>
+      </p:par>
+    </p:tnLst>
+  </p:timing>
 </p:sld>
 </file>
 
@@ -4948,7 +5004,7 @@
           <p:cNvPr id="5" name="Espaço Reservado para Conteúdo 4">
             <a:extLst>
               <a:ext uri="{FF2B5EF4-FFF2-40B4-BE49-F238E27FC236}">
-                <a16:creationId xmlns:a16="http://schemas.microsoft.com/office/drawing/2014/main" id="{0EB6ED7E-6CFB-4E85-B7ED-4873840A1BE0}"/>
+                <a16:creationId xmlns:a16="http://schemas.microsoft.com/office/drawing/2014/main" xmlns="" id="{0EB6ED7E-6CFB-4E85-B7ED-4873840A1BE0}"/>
               </a:ext>
             </a:extLst>
           </p:cNvPr>
@@ -4983,7 +5039,7 @@
           <p:cNvPr id="6" name="Título 1">
             <a:extLst>
               <a:ext uri="{FF2B5EF4-FFF2-40B4-BE49-F238E27FC236}">
-                <a16:creationId xmlns:a16="http://schemas.microsoft.com/office/drawing/2014/main" id="{4420E5F6-C592-489E-8742-39113C67F28C}"/>
+                <a16:creationId xmlns:a16="http://schemas.microsoft.com/office/drawing/2014/main" xmlns="" id="{4420E5F6-C592-489E-8742-39113C67F28C}"/>
               </a:ext>
             </a:extLst>
           </p:cNvPr>
@@ -5028,6 +5084,13 @@
   <p:clrMapOvr>
     <a:masterClrMapping/>
   </p:clrMapOvr>
+  <p:timing>
+    <p:tnLst>
+      <p:par>
+        <p:cTn id="1" dur="indefinite" restart="never" nodeType="tmRoot"/>
+      </p:par>
+    </p:tnLst>
+  </p:timing>
 </p:sld>
 </file>
 
@@ -5053,7 +5116,7 @@
           <p:cNvPr id="5" name="Espaço Reservado para Conteúdo 4">
             <a:extLst>
               <a:ext uri="{FF2B5EF4-FFF2-40B4-BE49-F238E27FC236}">
-                <a16:creationId xmlns:a16="http://schemas.microsoft.com/office/drawing/2014/main" id="{B614B2BC-1672-4B4C-B1D9-8F6906444D11}"/>
+                <a16:creationId xmlns:a16="http://schemas.microsoft.com/office/drawing/2014/main" xmlns="" id="{B614B2BC-1672-4B4C-B1D9-8F6906444D11}"/>
               </a:ext>
             </a:extLst>
           </p:cNvPr>
@@ -5088,7 +5151,7 @@
           <p:cNvPr id="6" name="Título 1">
             <a:extLst>
               <a:ext uri="{FF2B5EF4-FFF2-40B4-BE49-F238E27FC236}">
-                <a16:creationId xmlns:a16="http://schemas.microsoft.com/office/drawing/2014/main" id="{4420E5F6-C592-489E-8742-39113C67F28C}"/>
+                <a16:creationId xmlns:a16="http://schemas.microsoft.com/office/drawing/2014/main" xmlns="" id="{4420E5F6-C592-489E-8742-39113C67F28C}"/>
               </a:ext>
             </a:extLst>
           </p:cNvPr>
@@ -5133,6 +5196,13 @@
   <p:clrMapOvr>
     <a:masterClrMapping/>
   </p:clrMapOvr>
+  <p:timing>
+    <p:tnLst>
+      <p:par>
+        <p:cTn id="1" dur="indefinite" restart="never" nodeType="tmRoot"/>
+      </p:par>
+    </p:tnLst>
+  </p:timing>
 </p:sld>
 </file>
 
@@ -5158,7 +5228,7 @@
           <p:cNvPr id="5" name="Espaço Reservado para Conteúdo 4">
             <a:extLst>
               <a:ext uri="{FF2B5EF4-FFF2-40B4-BE49-F238E27FC236}">
-                <a16:creationId xmlns:a16="http://schemas.microsoft.com/office/drawing/2014/main" id="{D0E0BD5E-9A99-41F6-AEAA-D122187C4B06}"/>
+                <a16:creationId xmlns:a16="http://schemas.microsoft.com/office/drawing/2014/main" xmlns="" id="{D0E0BD5E-9A99-41F6-AEAA-D122187C4B06}"/>
               </a:ext>
             </a:extLst>
           </p:cNvPr>
@@ -5193,7 +5263,7 @@
           <p:cNvPr id="6" name="Título 1">
             <a:extLst>
               <a:ext uri="{FF2B5EF4-FFF2-40B4-BE49-F238E27FC236}">
-                <a16:creationId xmlns:a16="http://schemas.microsoft.com/office/drawing/2014/main" id="{4420E5F6-C592-489E-8742-39113C67F28C}"/>
+                <a16:creationId xmlns:a16="http://schemas.microsoft.com/office/drawing/2014/main" xmlns="" id="{4420E5F6-C592-489E-8742-39113C67F28C}"/>
               </a:ext>
             </a:extLst>
           </p:cNvPr>
@@ -5238,6 +5308,13 @@
   <p:clrMapOvr>
     <a:masterClrMapping/>
   </p:clrMapOvr>
+  <p:timing>
+    <p:tnLst>
+      <p:par>
+        <p:cTn id="1" dur="indefinite" restart="never" nodeType="tmRoot"/>
+      </p:par>
+    </p:tnLst>
+  </p:timing>
 </p:sld>
 </file>
 
@@ -5332,7 +5409,7 @@
           <p:cNvPr id="9" name="Picture 8">
             <a:extLst>
               <a:ext uri="{FF2B5EF4-FFF2-40B4-BE49-F238E27FC236}">
-                <a16:creationId xmlns:a16="http://schemas.microsoft.com/office/drawing/2014/main" id="{2FD2D1B7-E314-4B1C-8401-E450ED17D5CB}"/>
+                <a16:creationId xmlns:a16="http://schemas.microsoft.com/office/drawing/2014/main" xmlns="" id="{2FD2D1B7-E314-4B1C-8401-E450ED17D5CB}"/>
               </a:ext>
             </a:extLst>
           </p:cNvPr>
@@ -5374,6 +5451,13 @@
   <p:transition spd="med">
     <p:fade/>
   </p:transition>
+  <p:timing>
+    <p:tnLst>
+      <p:par>
+        <p:cTn id="1" dur="indefinite" restart="never" nodeType="tmRoot"/>
+      </p:par>
+    </p:tnLst>
+  </p:timing>
 </p:sld>
 </file>
 
@@ -5905,6 +5989,13 @@
   <p:transition spd="med">
     <p:fade/>
   </p:transition>
+  <p:timing>
+    <p:tnLst>
+      <p:par>
+        <p:cTn id="1" dur="indefinite" restart="never" nodeType="tmRoot"/>
+      </p:par>
+    </p:tnLst>
+  </p:timing>
 </p:sld>
 </file>
 
@@ -6151,6 +6242,13 @@
   <p:transition spd="med">
     <p:fade/>
   </p:transition>
+  <p:timing>
+    <p:tnLst>
+      <p:par>
+        <p:cTn id="1" dur="indefinite" restart="never" nodeType="tmRoot"/>
+      </p:par>
+    </p:tnLst>
+  </p:timing>
 </p:sld>
 </file>
 
@@ -6233,6 +6331,13 @@
   <p:clrMapOvr>
     <a:masterClrMapping/>
   </p:clrMapOvr>
+  <p:timing>
+    <p:tnLst>
+      <p:par>
+        <p:cTn id="1" dur="indefinite" restart="never" nodeType="tmRoot"/>
+      </p:par>
+    </p:tnLst>
+  </p:timing>
 </p:sld>
 </file>
 
@@ -6381,6 +6486,13 @@
   <p:transition spd="med">
     <p:fade/>
   </p:transition>
+  <p:timing>
+    <p:tnLst>
+      <p:par>
+        <p:cTn id="1" dur="indefinite" restart="never" nodeType="tmRoot"/>
+      </p:par>
+    </p:tnLst>
+  </p:timing>
 </p:sld>
 </file>
 
@@ -6529,6 +6641,13 @@
   <p:transition spd="med">
     <p:fade/>
   </p:transition>
+  <p:timing>
+    <p:tnLst>
+      <p:par>
+        <p:cTn id="1" dur="indefinite" restart="never" nodeType="tmRoot"/>
+      </p:par>
+    </p:tnLst>
+  </p:timing>
 </p:sld>
 </file>
 
@@ -6677,6 +6796,13 @@
   <p:transition spd="med">
     <p:fade/>
   </p:transition>
+  <p:timing>
+    <p:tnLst>
+      <p:par>
+        <p:cTn id="1" dur="indefinite" restart="never" nodeType="tmRoot"/>
+      </p:par>
+    </p:tnLst>
+  </p:timing>
 </p:sld>
 </file>
 
@@ -6825,6 +6951,13 @@
   <p:transition spd="med">
     <p:fade/>
   </p:transition>
+  <p:timing>
+    <p:tnLst>
+      <p:par>
+        <p:cTn id="1" dur="indefinite" restart="never" nodeType="tmRoot"/>
+      </p:par>
+    </p:tnLst>
+  </p:timing>
 </p:sld>
 </file>
 
@@ -7337,6 +7470,13 @@
   <p:transition spd="med">
     <p:fade/>
   </p:transition>
+  <p:timing>
+    <p:tnLst>
+      <p:par>
+        <p:cTn id="1" dur="indefinite" restart="never" nodeType="tmRoot"/>
+      </p:par>
+    </p:tnLst>
+  </p:timing>
 </p:sld>
 </file>
 
@@ -7770,6 +7910,13 @@
   <p:clrMapOvr>
     <a:masterClrMapping/>
   </p:clrMapOvr>
+  <p:timing>
+    <p:tnLst>
+      <p:par>
+        <p:cTn id="1" dur="indefinite" restart="never" nodeType="tmRoot"/>
+      </p:par>
+    </p:tnLst>
+  </p:timing>
 </p:sld>
 </file>
 
@@ -7790,36 +7937,6 @@
           <a:chExt cx="0" cy="0"/>
         </a:xfrm>
       </p:grpSpPr>
-      <p:pic>
-        <p:nvPicPr>
-          <p:cNvPr id="7" name="Imagem 6"/>
-          <p:cNvPicPr>
-            <a:picLocks noChangeAspect="1"/>
-          </p:cNvPicPr>
-          <p:nvPr/>
-        </p:nvPicPr>
-        <p:blipFill>
-          <a:blip r:embed="rId2" cstate="print">
-            <a:extLst>
-              <a:ext uri="{28A0092B-C50C-407E-A947-70E740481C1C}">
-                <a14:useLocalDpi xmlns:a14="http://schemas.microsoft.com/office/drawing/2010/main" val="0"/>
-              </a:ext>
-            </a:extLst>
-          </a:blip>
-          <a:stretch>
-            <a:fillRect/>
-          </a:stretch>
-        </p:blipFill>
-        <p:spPr>
-          <a:xfrm>
-            <a:off x="1763688" y="1168778"/>
-            <a:ext cx="5366326" cy="5677787"/>
-          </a:xfrm>
-          <a:prstGeom prst="rect">
-            <a:avLst/>
-          </a:prstGeom>
-        </p:spPr>
-      </p:pic>
       <p:sp>
         <p:nvSpPr>
           <p:cNvPr id="5" name="Título 3"/>
@@ -8004,6 +8121,36 @@
           </a:p>
         </p:txBody>
       </p:sp>
+      <p:pic>
+        <p:nvPicPr>
+          <p:cNvPr id="2" name="Imagem 1"/>
+          <p:cNvPicPr>
+            <a:picLocks noChangeAspect="1"/>
+          </p:cNvPicPr>
+          <p:nvPr/>
+        </p:nvPicPr>
+        <p:blipFill>
+          <a:blip r:embed="rId2">
+            <a:extLst>
+              <a:ext uri="{28A0092B-C50C-407E-A947-70E740481C1C}">
+                <a14:useLocalDpi xmlns:a14="http://schemas.microsoft.com/office/drawing/2010/main" val="0"/>
+              </a:ext>
+            </a:extLst>
+          </a:blip>
+          <a:stretch>
+            <a:fillRect/>
+          </a:stretch>
+        </p:blipFill>
+        <p:spPr>
+          <a:xfrm>
+            <a:off x="2123728" y="1196752"/>
+            <a:ext cx="4680520" cy="5661248"/>
+          </a:xfrm>
+          <a:prstGeom prst="rect">
+            <a:avLst/>
+          </a:prstGeom>
+        </p:spPr>
+      </p:pic>
     </p:spTree>
     <p:extLst>
       <p:ext uri="{BB962C8B-B14F-4D97-AF65-F5344CB8AC3E}">
@@ -8014,6 +8161,13 @@
   <p:clrMapOvr>
     <a:masterClrMapping/>
   </p:clrMapOvr>
+  <p:timing>
+    <p:tnLst>
+      <p:par>
+        <p:cTn id="1" dur="indefinite" restart="never" nodeType="tmRoot"/>
+      </p:par>
+    </p:tnLst>
+  </p:timing>
 </p:sld>
 </file>
 
@@ -8097,6 +8251,13 @@
   <p:transition spd="med">
     <p:fade/>
   </p:transition>
+  <p:timing>
+    <p:tnLst>
+      <p:par>
+        <p:cTn id="1" dur="indefinite" restart="never" nodeType="tmRoot"/>
+      </p:par>
+    </p:tnLst>
+  </p:timing>
 </p:sld>
 </file>
 
@@ -8341,6 +8502,13 @@
   <p:clrMapOvr>
     <a:masterClrMapping/>
   </p:clrMapOvr>
+  <p:timing>
+    <p:tnLst>
+      <p:par>
+        <p:cTn id="1" dur="indefinite" restart="never" nodeType="tmRoot"/>
+      </p:par>
+    </p:tnLst>
+  </p:timing>
 </p:sld>
 </file>
 
@@ -10263,7 +10431,7 @@
           <p:cNvPr id="3" name="Picture 2">
             <a:extLst>
               <a:ext uri="{FF2B5EF4-FFF2-40B4-BE49-F238E27FC236}">
-                <a16:creationId xmlns:a16="http://schemas.microsoft.com/office/drawing/2014/main" id="{1488CEA1-615B-4D4C-A130-F1FD32F916CA}"/>
+                <a16:creationId xmlns:a16="http://schemas.microsoft.com/office/drawing/2014/main" xmlns="" id="{1488CEA1-615B-4D4C-A130-F1FD32F916CA}"/>
               </a:ext>
             </a:extLst>
           </p:cNvPr>
@@ -10327,7 +10495,7 @@
           <p:cNvPr id="6" name="Picture 5">
             <a:extLst>
               <a:ext uri="{FF2B5EF4-FFF2-40B4-BE49-F238E27FC236}">
-                <a16:creationId xmlns:a16="http://schemas.microsoft.com/office/drawing/2014/main" id="{556C9E4B-D420-4556-B5CC-EE1AB4DCB07C}"/>
+                <a16:creationId xmlns:a16="http://schemas.microsoft.com/office/drawing/2014/main" xmlns="" id="{556C9E4B-D420-4556-B5CC-EE1AB4DCB07C}"/>
               </a:ext>
             </a:extLst>
           </p:cNvPr>
@@ -10410,7 +10578,7 @@
           <p:cNvPr id="2" name="Picture 1">
             <a:extLst>
               <a:ext uri="{FF2B5EF4-FFF2-40B4-BE49-F238E27FC236}">
-                <a16:creationId xmlns:a16="http://schemas.microsoft.com/office/drawing/2014/main" id="{E8555355-7F63-4032-B368-3F48BA17FAD2}"/>
+                <a16:creationId xmlns:a16="http://schemas.microsoft.com/office/drawing/2014/main" xmlns="" id="{E8555355-7F63-4032-B368-3F48BA17FAD2}"/>
               </a:ext>
             </a:extLst>
           </p:cNvPr>
@@ -10498,7 +10666,7 @@
           <p:cNvPr id="2" name="Picture 1">
             <a:extLst>
               <a:ext uri="{FF2B5EF4-FFF2-40B4-BE49-F238E27FC236}">
-                <a16:creationId xmlns:a16="http://schemas.microsoft.com/office/drawing/2014/main" id="{2050D0F6-7E2D-42EC-902D-04A2F3026358}"/>
+                <a16:creationId xmlns:a16="http://schemas.microsoft.com/office/drawing/2014/main" xmlns="" id="{2050D0F6-7E2D-42EC-902D-04A2F3026358}"/>
               </a:ext>
             </a:extLst>
           </p:cNvPr>
@@ -10531,6 +10699,13 @@
   <p:transition spd="med">
     <p:fade/>
   </p:transition>
+  <p:timing>
+    <p:tnLst>
+      <p:par>
+        <p:cTn id="1" dur="indefinite" restart="never" nodeType="tmRoot"/>
+      </p:par>
+    </p:tnLst>
+  </p:timing>
 </p:sld>
 </file>
 
@@ -10581,7 +10756,7 @@
           <p:cNvPr id="2" name="Picture 1">
             <a:extLst>
               <a:ext uri="{FF2B5EF4-FFF2-40B4-BE49-F238E27FC236}">
-                <a16:creationId xmlns:a16="http://schemas.microsoft.com/office/drawing/2014/main" id="{A49E3022-804D-4E50-B26D-1F309A10D1CD}"/>
+                <a16:creationId xmlns:a16="http://schemas.microsoft.com/office/drawing/2014/main" xmlns="" id="{A49E3022-804D-4E50-B26D-1F309A10D1CD}"/>
               </a:ext>
             </a:extLst>
           </p:cNvPr>
@@ -10669,7 +10844,7 @@
           <p:cNvPr id="2" name="Picture 1">
             <a:extLst>
               <a:ext uri="{FF2B5EF4-FFF2-40B4-BE49-F238E27FC236}">
-                <a16:creationId xmlns:a16="http://schemas.microsoft.com/office/drawing/2014/main" id="{5C82754D-5DB1-4B53-8D11-8DA966E7AA77}"/>
+                <a16:creationId xmlns:a16="http://schemas.microsoft.com/office/drawing/2014/main" xmlns="" id="{5C82754D-5DB1-4B53-8D11-8DA966E7AA77}"/>
               </a:ext>
             </a:extLst>
           </p:cNvPr>
@@ -11099,6 +11274,13 @@
   <p:transition spd="med">
     <p:fade/>
   </p:transition>
+  <p:timing>
+    <p:tnLst>
+      <p:par>
+        <p:cTn id="1" dur="indefinite" restart="never" nodeType="tmRoot"/>
+      </p:par>
+    </p:tnLst>
+  </p:timing>
 </p:sld>
 </file>
 
@@ -11630,6 +11812,13 @@
   <p:transition spd="med">
     <p:fade/>
   </p:transition>
+  <p:timing>
+    <p:tnLst>
+      <p:par>
+        <p:cTn id="1" dur="indefinite" restart="never" nodeType="tmRoot"/>
+      </p:par>
+    </p:tnLst>
+  </p:timing>
 </p:sld>
 </file>
 
@@ -11966,6 +12155,13 @@
   <p:transition spd="med">
     <p:fade/>
   </p:transition>
+  <p:timing>
+    <p:tnLst>
+      <p:par>
+        <p:cTn id="1" dur="indefinite" restart="never" nodeType="tmRoot"/>
+      </p:par>
+    </p:tnLst>
+  </p:timing>
 </p:sld>
 </file>
 
@@ -12051,6 +12247,13 @@
   <p:clrMapOvr>
     <a:masterClrMapping/>
   </p:clrMapOvr>
+  <p:timing>
+    <p:tnLst>
+      <p:par>
+        <p:cTn id="1" dur="indefinite" restart="never" nodeType="tmRoot"/>
+      </p:par>
+    </p:tnLst>
+  </p:timing>
 </p:sld>
 </file>
 
@@ -12163,6 +12366,13 @@
   <p:clrMapOvr>
     <a:masterClrMapping/>
   </p:clrMapOvr>
+  <p:timing>
+    <p:tnLst>
+      <p:par>
+        <p:cTn id="1" dur="indefinite" restart="never" nodeType="tmRoot"/>
+      </p:par>
+    </p:tnLst>
+  </p:timing>
 </p:sld>
 </file>
 

--- a/TCC/5º Encontro/2017-Apresentacao Psystem.pptx
+++ b/TCC/5º Encontro/2017-Apresentacao Psystem.pptx
@@ -5,7 +5,7 @@
     <p:sldMasterId id="2147483750" r:id="rId1"/>
   </p:sldMasterIdLst>
   <p:notesMasterIdLst>
-    <p:notesMasterId r:id="rId45"/>
+    <p:notesMasterId r:id="rId46"/>
   </p:notesMasterIdLst>
   <p:sldIdLst>
     <p:sldId id="256" r:id="rId2"/>
@@ -20,20 +20,20 @@
     <p:sldId id="295" r:id="rId11"/>
     <p:sldId id="296" r:id="rId12"/>
     <p:sldId id="297" r:id="rId13"/>
-    <p:sldId id="298" r:id="rId14"/>
-    <p:sldId id="289" r:id="rId15"/>
-    <p:sldId id="307" r:id="rId16"/>
-    <p:sldId id="308" r:id="rId17"/>
-    <p:sldId id="311" r:id="rId18"/>
-    <p:sldId id="309" r:id="rId19"/>
-    <p:sldId id="310" r:id="rId20"/>
-    <p:sldId id="290" r:id="rId21"/>
-    <p:sldId id="312" r:id="rId22"/>
-    <p:sldId id="319" r:id="rId23"/>
-    <p:sldId id="314" r:id="rId24"/>
+    <p:sldId id="289" r:id="rId14"/>
+    <p:sldId id="307" r:id="rId15"/>
+    <p:sldId id="308" r:id="rId16"/>
+    <p:sldId id="311" r:id="rId17"/>
+    <p:sldId id="309" r:id="rId18"/>
+    <p:sldId id="310" r:id="rId19"/>
+    <p:sldId id="290" r:id="rId20"/>
+    <p:sldId id="312" r:id="rId21"/>
+    <p:sldId id="319" r:id="rId22"/>
+    <p:sldId id="314" r:id="rId23"/>
+    <p:sldId id="315" r:id="rId24"/>
     <p:sldId id="316" r:id="rId25"/>
-    <p:sldId id="315" r:id="rId26"/>
-    <p:sldId id="317" r:id="rId27"/>
+    <p:sldId id="317" r:id="rId26"/>
+    <p:sldId id="322" r:id="rId27"/>
     <p:sldId id="291" r:id="rId28"/>
     <p:sldId id="299" r:id="rId29"/>
     <p:sldId id="318" r:id="rId30"/>
@@ -45,12 +45,13 @@
     <p:sldId id="278" r:id="rId36"/>
     <p:sldId id="321" r:id="rId37"/>
     <p:sldId id="276" r:id="rId38"/>
-    <p:sldId id="277" r:id="rId39"/>
-    <p:sldId id="281" r:id="rId40"/>
-    <p:sldId id="283" r:id="rId41"/>
+    <p:sldId id="281" r:id="rId39"/>
+    <p:sldId id="277" r:id="rId40"/>
+    <p:sldId id="324" r:id="rId41"/>
     <p:sldId id="282" r:id="rId42"/>
     <p:sldId id="279" r:id="rId43"/>
     <p:sldId id="280" r:id="rId44"/>
+    <p:sldId id="323" r:id="rId45"/>
   </p:sldIdLst>
   <p:sldSz cx="9144000" cy="6858000" type="screen4x3"/>
   <p:notesSz cx="6858000" cy="9144000"/>
@@ -285,7 +286,7 @@
             <a:fld id="{C0D5B206-56B5-433E-8333-9415E6A460B9}" type="datetimeFigureOut">
               <a:rPr lang="pt-BR" smtClean="0"/>
               <a:pPr/>
-              <a:t>02/09/2017</a:t>
+              <a:t>04/09/2017</a:t>
             </a:fld>
             <a:endParaRPr lang="pt-BR"/>
           </a:p>
@@ -444,7 +445,7 @@
             <a:fld id="{876E4F93-E697-4509-B43E-25456566412B}" type="slidenum">
               <a:rPr lang="pt-BR" smtClean="0"/>
               <a:pPr/>
-              <a:t>‹nº›</a:t>
+              <a:t>‹#›</a:t>
             </a:fld>
             <a:endParaRPr lang="pt-BR"/>
           </a:p>
@@ -1551,7 +1552,7 @@
                 <a:latin typeface="Verdana" pitchFamily="34" charset="0"/>
               </a:rPr>
               <a:pPr eaLnBrk="1" hangingPunct="1"/>
-              <a:t>‹nº›</a:t>
+              <a:t>‹#›</a:t>
             </a:fld>
             <a:endParaRPr lang="pt-BR" sz="1400" b="1">
               <a:solidFill>
@@ -2861,25 +2862,9 @@
             <a:r>
               <a:rPr lang="pt-BR" sz="3200" b="0" dirty="0">
                 <a:ln w="0"/>
-                <a:gradFill>
-                  <a:gsLst>
-                    <a:gs pos="0">
-                      <a:schemeClr val="accent5">
-                        <a:lumMod val="50000"/>
-                      </a:schemeClr>
-                    </a:gs>
-                    <a:gs pos="50000">
-                      <a:schemeClr val="accent5"/>
-                    </a:gs>
-                    <a:gs pos="100000">
-                      <a:schemeClr val="accent5">
-                        <a:lumMod val="60000"/>
-                        <a:lumOff val="40000"/>
-                      </a:schemeClr>
-                    </a:gs>
-                  </a:gsLst>
-                  <a:lin ang="5400000"/>
-                </a:gradFill>
+                <a:solidFill>
+                  <a:srgbClr val="245794"/>
+                </a:solidFill>
                 <a:effectLst>
                   <a:reflection blurRad="6350" stA="53000" endA="300" endPos="35500" dir="5400000" sy="-90000" algn="bl" rotWithShape="0"/>
                 </a:effectLst>
@@ -3458,13 +3443,6 @@
   <p:transition spd="med">
     <p:fade/>
   </p:transition>
-  <p:timing>
-    <p:tnLst>
-      <p:par>
-        <p:cTn id="1" dur="indefinite" restart="never" nodeType="tmRoot"/>
-      </p:par>
-    </p:tnLst>
-  </p:timing>
 </p:sld>
 </file>
 
@@ -3517,22 +3495,28 @@
       </p:sp>
       <p:pic>
         <p:nvPicPr>
-          <p:cNvPr id="4" name="Imagem 3" descr="UCAGD01_0010_TelaPesquisaPorPaciente.png"/>
+          <p:cNvPr id="2" name="Imagem 1"/>
           <p:cNvPicPr>
             <a:picLocks noChangeAspect="1"/>
           </p:cNvPicPr>
           <p:nvPr/>
         </p:nvPicPr>
         <p:blipFill>
-          <a:blip r:embed="rId2" cstate="print"/>
+          <a:blip r:embed="rId2">
+            <a:extLst>
+              <a:ext uri="{28A0092B-C50C-407E-A947-70E740481C1C}">
+                <a14:useLocalDpi xmlns:a14="http://schemas.microsoft.com/office/drawing/2010/main" val="0"/>
+              </a:ext>
+            </a:extLst>
+          </a:blip>
           <a:stretch>
             <a:fillRect/>
           </a:stretch>
         </p:blipFill>
         <p:spPr>
           <a:xfrm>
-            <a:off x="304204" y="1399891"/>
-            <a:ext cx="8535592" cy="4058217"/>
+            <a:off x="89212" y="1844824"/>
+            <a:ext cx="8965576" cy="3816424"/>
           </a:xfrm>
           <a:prstGeom prst="rect">
             <a:avLst/>
@@ -3544,255 +3528,10 @@
   <p:clrMapOvr>
     <a:masterClrMapping/>
   </p:clrMapOvr>
-  <p:timing>
-    <p:tnLst>
-      <p:par>
-        <p:cTn id="1" dur="indefinite" restart="never" nodeType="tmRoot"/>
-      </p:par>
-    </p:tnLst>
-  </p:timing>
 </p:sld>
 </file>
 
 <file path=ppt/slides/slide11.xml><?xml version="1.0" encoding="utf-8"?>
-<p:sld xmlns:a="http://schemas.openxmlformats.org/drawingml/2006/main" xmlns:r="http://schemas.openxmlformats.org/officeDocument/2006/relationships" xmlns:p="http://schemas.openxmlformats.org/presentationml/2006/main">
-  <p:cSld>
-    <p:spTree>
-      <p:nvGrpSpPr>
-        <p:cNvPr id="1" name=""/>
-        <p:cNvGrpSpPr/>
-        <p:nvPr/>
-      </p:nvGrpSpPr>
-      <p:grpSpPr>
-        <a:xfrm>
-          <a:off x="0" y="0"/>
-          <a:ext cx="0" cy="0"/>
-          <a:chOff x="0" y="0"/>
-          <a:chExt cx="0" cy="0"/>
-        </a:xfrm>
-      </p:grpSpPr>
-      <p:pic>
-        <p:nvPicPr>
-          <p:cNvPr id="6" name="Imagem 5" descr="UCAGD01_0015_TelaPesquisaDeAgendamentoPorPaciente.png"/>
-          <p:cNvPicPr>
-            <a:picLocks noChangeAspect="1"/>
-          </p:cNvPicPr>
-          <p:nvPr/>
-        </p:nvPicPr>
-        <p:blipFill>
-          <a:blip r:embed="rId2" cstate="print"/>
-          <a:stretch>
-            <a:fillRect/>
-          </a:stretch>
-        </p:blipFill>
-        <p:spPr>
-          <a:xfrm>
-            <a:off x="323528" y="1412776"/>
-            <a:ext cx="8604448" cy="5196915"/>
-          </a:xfrm>
-          <a:prstGeom prst="rect">
-            <a:avLst/>
-          </a:prstGeom>
-        </p:spPr>
-      </p:pic>
-      <p:sp>
-        <p:nvSpPr>
-          <p:cNvPr id="5" name="Título 3"/>
-          <p:cNvSpPr>
-            <a:spLocks noGrp="1"/>
-          </p:cNvSpPr>
-          <p:nvPr>
-            <p:ph type="title"/>
-          </p:nvPr>
-        </p:nvSpPr>
-        <p:spPr>
-          <a:xfrm>
-            <a:off x="166688" y="260350"/>
-            <a:ext cx="8797925" cy="922338"/>
-          </a:xfrm>
-        </p:spPr>
-        <p:txBody>
-          <a:bodyPr/>
-          <a:lstStyle/>
-          <a:p>
-            <a:pPr eaLnBrk="1" hangingPunct="1">
-              <a:defRPr/>
-            </a:pPr>
-            <a:r>
-              <a:rPr lang="pt-BR" dirty="0"/>
-              <a:t>MÓDULO AGENDA</a:t>
-            </a:r>
-          </a:p>
-        </p:txBody>
-      </p:sp>
-      <p:cxnSp>
-        <p:nvCxnSpPr>
-          <p:cNvPr id="7" name="Conector de seta reta 6"/>
-          <p:cNvCxnSpPr/>
-          <p:nvPr/>
-        </p:nvCxnSpPr>
-        <p:spPr>
-          <a:xfrm flipV="1">
-            <a:off x="6660232" y="3573016"/>
-            <a:ext cx="1224136" cy="504056"/>
-          </a:xfrm>
-          <a:prstGeom prst="straightConnector1">
-            <a:avLst/>
-          </a:prstGeom>
-          <a:ln>
-            <a:tailEnd type="arrow"/>
-          </a:ln>
-        </p:spPr>
-        <p:style>
-          <a:lnRef idx="3">
-            <a:schemeClr val="accent2"/>
-          </a:lnRef>
-          <a:fillRef idx="0">
-            <a:schemeClr val="accent2"/>
-          </a:fillRef>
-          <a:effectRef idx="2">
-            <a:schemeClr val="accent2"/>
-          </a:effectRef>
-          <a:fontRef idx="minor">
-            <a:schemeClr val="tx1"/>
-          </a:fontRef>
-        </p:style>
-      </p:cxnSp>
-    </p:spTree>
-  </p:cSld>
-  <p:clrMapOvr>
-    <a:masterClrMapping/>
-  </p:clrMapOvr>
-  <p:timing>
-    <p:tnLst>
-      <p:par>
-        <p:cTn id="1" dur="indefinite" restart="never" nodeType="tmRoot"/>
-      </p:par>
-    </p:tnLst>
-  </p:timing>
-</p:sld>
-</file>
-
-<file path=ppt/slides/slide12.xml><?xml version="1.0" encoding="utf-8"?>
-<p:sld xmlns:a="http://schemas.openxmlformats.org/drawingml/2006/main" xmlns:r="http://schemas.openxmlformats.org/officeDocument/2006/relationships" xmlns:p="http://schemas.openxmlformats.org/presentationml/2006/main">
-  <p:cSld>
-    <p:spTree>
-      <p:nvGrpSpPr>
-        <p:cNvPr id="1" name=""/>
-        <p:cNvGrpSpPr/>
-        <p:nvPr/>
-      </p:nvGrpSpPr>
-      <p:grpSpPr>
-        <a:xfrm>
-          <a:off x="0" y="0"/>
-          <a:ext cx="0" cy="0"/>
-          <a:chOff x="0" y="0"/>
-          <a:chExt cx="0" cy="0"/>
-        </a:xfrm>
-      </p:grpSpPr>
-      <p:pic>
-        <p:nvPicPr>
-          <p:cNvPr id="10" name="Imagem 9" descr="UCAGD01_0020_TelaInclusaoDeAgendamento.png"/>
-          <p:cNvPicPr>
-            <a:picLocks noChangeAspect="1"/>
-          </p:cNvPicPr>
-          <p:nvPr/>
-        </p:nvPicPr>
-        <p:blipFill>
-          <a:blip r:embed="rId2" cstate="print"/>
-          <a:stretch>
-            <a:fillRect/>
-          </a:stretch>
-        </p:blipFill>
-        <p:spPr>
-          <a:xfrm>
-            <a:off x="539552" y="1340768"/>
-            <a:ext cx="8136903" cy="5218457"/>
-          </a:xfrm>
-          <a:prstGeom prst="rect">
-            <a:avLst/>
-          </a:prstGeom>
-        </p:spPr>
-      </p:pic>
-      <p:sp>
-        <p:nvSpPr>
-          <p:cNvPr id="5" name="Título 3"/>
-          <p:cNvSpPr>
-            <a:spLocks noGrp="1"/>
-          </p:cNvSpPr>
-          <p:nvPr>
-            <p:ph type="title"/>
-          </p:nvPr>
-        </p:nvSpPr>
-        <p:spPr>
-          <a:xfrm>
-            <a:off x="166688" y="260350"/>
-            <a:ext cx="8797925" cy="922338"/>
-          </a:xfrm>
-        </p:spPr>
-        <p:txBody>
-          <a:bodyPr/>
-          <a:lstStyle/>
-          <a:p>
-            <a:pPr eaLnBrk="1" hangingPunct="1">
-              <a:defRPr/>
-            </a:pPr>
-            <a:r>
-              <a:rPr lang="pt-BR" dirty="0"/>
-              <a:t>MÓDULO AGENDA</a:t>
-            </a:r>
-          </a:p>
-        </p:txBody>
-      </p:sp>
-      <p:cxnSp>
-        <p:nvCxnSpPr>
-          <p:cNvPr id="9" name="Conector de seta reta 8"/>
-          <p:cNvCxnSpPr/>
-          <p:nvPr/>
-        </p:nvCxnSpPr>
-        <p:spPr>
-          <a:xfrm flipV="1">
-            <a:off x="6516216" y="4149080"/>
-            <a:ext cx="1224136" cy="504056"/>
-          </a:xfrm>
-          <a:prstGeom prst="straightConnector1">
-            <a:avLst/>
-          </a:prstGeom>
-          <a:ln>
-            <a:tailEnd type="arrow"/>
-          </a:ln>
-        </p:spPr>
-        <p:style>
-          <a:lnRef idx="3">
-            <a:schemeClr val="accent2"/>
-          </a:lnRef>
-          <a:fillRef idx="0">
-            <a:schemeClr val="accent2"/>
-          </a:fillRef>
-          <a:effectRef idx="2">
-            <a:schemeClr val="accent2"/>
-          </a:effectRef>
-          <a:fontRef idx="minor">
-            <a:schemeClr val="tx1"/>
-          </a:fontRef>
-        </p:style>
-      </p:cxnSp>
-    </p:spTree>
-  </p:cSld>
-  <p:clrMapOvr>
-    <a:masterClrMapping/>
-  </p:clrMapOvr>
-  <p:timing>
-    <p:tnLst>
-      <p:par>
-        <p:cTn id="1" dur="indefinite" restart="never" nodeType="tmRoot"/>
-      </p:par>
-    </p:tnLst>
-  </p:timing>
-</p:sld>
-</file>
-
-<file path=ppt/slides/slide13.xml><?xml version="1.0" encoding="utf-8"?>
 <p:sld xmlns:a="http://schemas.openxmlformats.org/drawingml/2006/main" xmlns:r="http://schemas.openxmlformats.org/officeDocument/2006/relationships" xmlns:p="http://schemas.openxmlformats.org/presentationml/2006/main">
   <p:cSld>
     <p:spTree>
@@ -3841,22 +3580,28 @@
       </p:sp>
       <p:pic>
         <p:nvPicPr>
-          <p:cNvPr id="7" name="Imagem 6" descr="UCAGD01_0021_TelaInclusaoDeAgendamentoMsg.png"/>
+          <p:cNvPr id="2" name="Imagem 1"/>
           <p:cNvPicPr>
             <a:picLocks noChangeAspect="1"/>
           </p:cNvPicPr>
           <p:nvPr/>
         </p:nvPicPr>
         <p:blipFill>
-          <a:blip r:embed="rId2" cstate="print"/>
+          <a:blip r:embed="rId2">
+            <a:extLst>
+              <a:ext uri="{28A0092B-C50C-407E-A947-70E740481C1C}">
+                <a14:useLocalDpi xmlns:a14="http://schemas.microsoft.com/office/drawing/2010/main" val="0"/>
+              </a:ext>
+            </a:extLst>
+          </a:blip>
           <a:stretch>
             <a:fillRect/>
           </a:stretch>
         </p:blipFill>
         <p:spPr>
           <a:xfrm>
-            <a:off x="683568" y="1268760"/>
-            <a:ext cx="7776864" cy="5433321"/>
+            <a:off x="0" y="117116"/>
+            <a:ext cx="9159430" cy="6740884"/>
           </a:xfrm>
           <a:prstGeom prst="rect">
             <a:avLst/>
@@ -3868,17 +3613,161 @@
   <p:clrMapOvr>
     <a:masterClrMapping/>
   </p:clrMapOvr>
-  <p:timing>
-    <p:tnLst>
-      <p:par>
-        <p:cTn id="1" dur="indefinite" restart="never" nodeType="tmRoot"/>
-      </p:par>
-    </p:tnLst>
-  </p:timing>
 </p:sld>
 </file>
 
-<file path=ppt/slides/slide14.xml><?xml version="1.0" encoding="utf-8"?>
+<file path=ppt/slides/slide12.xml><?xml version="1.0" encoding="utf-8"?>
+<p:sld xmlns:a="http://schemas.openxmlformats.org/drawingml/2006/main" xmlns:r="http://schemas.openxmlformats.org/officeDocument/2006/relationships" xmlns:p="http://schemas.openxmlformats.org/presentationml/2006/main">
+  <p:cSld>
+    <p:spTree>
+      <p:nvGrpSpPr>
+        <p:cNvPr id="1" name=""/>
+        <p:cNvGrpSpPr/>
+        <p:nvPr/>
+      </p:nvGrpSpPr>
+      <p:grpSpPr>
+        <a:xfrm>
+          <a:off x="0" y="0"/>
+          <a:ext cx="0" cy="0"/>
+          <a:chOff x="0" y="0"/>
+          <a:chExt cx="0" cy="0"/>
+        </a:xfrm>
+      </p:grpSpPr>
+      <p:sp>
+        <p:nvSpPr>
+          <p:cNvPr id="4" name="Retângulo de cantos arredondados 3"/>
+          <p:cNvSpPr/>
+          <p:nvPr/>
+        </p:nvSpPr>
+        <p:spPr>
+          <a:xfrm>
+            <a:off x="23229" y="65576"/>
+            <a:ext cx="7429091" cy="1875292"/>
+          </a:xfrm>
+          <a:prstGeom prst="roundRect">
+            <a:avLst/>
+          </a:prstGeom>
+          <a:solidFill>
+            <a:schemeClr val="bg1"/>
+          </a:solidFill>
+          <a:ln>
+            <a:solidFill>
+              <a:schemeClr val="bg1"/>
+            </a:solidFill>
+          </a:ln>
+        </p:spPr>
+        <p:style>
+          <a:lnRef idx="2">
+            <a:schemeClr val="accent1">
+              <a:shade val="50000"/>
+            </a:schemeClr>
+          </a:lnRef>
+          <a:fillRef idx="1">
+            <a:schemeClr val="accent1"/>
+          </a:fillRef>
+          <a:effectRef idx="0">
+            <a:schemeClr val="accent1"/>
+          </a:effectRef>
+          <a:fontRef idx="minor">
+            <a:schemeClr val="lt1"/>
+          </a:fontRef>
+        </p:style>
+        <p:txBody>
+          <a:bodyPr rtlCol="0" anchor="ctr"/>
+          <a:lstStyle/>
+          <a:p>
+            <a:pPr algn="ctr"/>
+            <a:endParaRPr lang="pt-BR"/>
+          </a:p>
+        </p:txBody>
+      </p:sp>
+      <p:sp>
+        <p:nvSpPr>
+          <p:cNvPr id="3" name="Retângulo 2"/>
+          <p:cNvSpPr/>
+          <p:nvPr/>
+        </p:nvSpPr>
+        <p:spPr>
+          <a:xfrm>
+            <a:off x="6984776" y="4725144"/>
+            <a:ext cx="2195736" cy="2132856"/>
+          </a:xfrm>
+          <a:prstGeom prst="rect">
+            <a:avLst/>
+          </a:prstGeom>
+          <a:solidFill>
+            <a:schemeClr val="bg1"/>
+          </a:solidFill>
+          <a:ln>
+            <a:solidFill>
+              <a:schemeClr val="bg1"/>
+            </a:solidFill>
+          </a:ln>
+        </p:spPr>
+        <p:style>
+          <a:lnRef idx="2">
+            <a:schemeClr val="accent1">
+              <a:shade val="50000"/>
+            </a:schemeClr>
+          </a:lnRef>
+          <a:fillRef idx="1">
+            <a:schemeClr val="accent1"/>
+          </a:fillRef>
+          <a:effectRef idx="0">
+            <a:schemeClr val="accent1"/>
+          </a:effectRef>
+          <a:fontRef idx="minor">
+            <a:schemeClr val="lt1"/>
+          </a:fontRef>
+        </p:style>
+        <p:txBody>
+          <a:bodyPr rtlCol="0" anchor="ctr"/>
+          <a:lstStyle/>
+          <a:p>
+            <a:pPr algn="ctr"/>
+            <a:endParaRPr lang="pt-BR"/>
+          </a:p>
+        </p:txBody>
+      </p:sp>
+      <p:pic>
+        <p:nvPicPr>
+          <p:cNvPr id="6" name="Imagem 5"/>
+          <p:cNvPicPr>
+            <a:picLocks noChangeAspect="1"/>
+          </p:cNvPicPr>
+          <p:nvPr/>
+        </p:nvPicPr>
+        <p:blipFill>
+          <a:blip r:embed="rId2">
+            <a:extLst>
+              <a:ext uri="{28A0092B-C50C-407E-A947-70E740481C1C}">
+                <a14:useLocalDpi xmlns:a14="http://schemas.microsoft.com/office/drawing/2010/main" val="0"/>
+              </a:ext>
+            </a:extLst>
+          </a:blip>
+          <a:stretch>
+            <a:fillRect/>
+          </a:stretch>
+        </p:blipFill>
+        <p:spPr>
+          <a:xfrm>
+            <a:off x="755575" y="41540"/>
+            <a:ext cx="7776865" cy="6816459"/>
+          </a:xfrm>
+          <a:prstGeom prst="rect">
+            <a:avLst/>
+          </a:prstGeom>
+        </p:spPr>
+      </p:pic>
+    </p:spTree>
+  </p:cSld>
+  <p:clrMapOvr>
+    <a:masterClrMapping/>
+  </p:clrMapOvr>
+</p:sld>
+</file>
+
+<file path=ppt/slides/slide13.xml><?xml version="1.0" encoding="utf-8"?>
 <p:sld xmlns:a="http://schemas.openxmlformats.org/drawingml/2006/main" xmlns:r="http://schemas.openxmlformats.org/officeDocument/2006/relationships" xmlns:p="http://schemas.openxmlformats.org/presentationml/2006/main">
   <p:cSld>
     <p:spTree>
@@ -4387,17 +4276,10 @@
   <p:transition spd="med">
     <p:fade/>
   </p:transition>
-  <p:timing>
-    <p:tnLst>
-      <p:par>
-        <p:cTn id="1" dur="indefinite" restart="never" nodeType="tmRoot"/>
-      </p:par>
-    </p:tnLst>
-  </p:timing>
 </p:sld>
 </file>
 
-<file path=ppt/slides/slide15.xml><?xml version="1.0" encoding="utf-8"?>
+<file path=ppt/slides/slide14.xml><?xml version="1.0" encoding="utf-8"?>
 <p:sld xmlns:a="http://schemas.openxmlformats.org/drawingml/2006/main" xmlns:r="http://schemas.openxmlformats.org/officeDocument/2006/relationships" xmlns:p="http://schemas.openxmlformats.org/presentationml/2006/main">
   <p:cSld>
     <p:spTree>
@@ -4419,7 +4301,7 @@
           <p:cNvPr id="2" name="Título 1">
             <a:extLst>
               <a:ext uri="{FF2B5EF4-FFF2-40B4-BE49-F238E27FC236}">
-                <a16:creationId xmlns:a16="http://schemas.microsoft.com/office/drawing/2014/main" xmlns="" id="{4420E5F6-C592-489E-8742-39113C67F28C}"/>
+                <a16:creationId xmlns:a16="http://schemas.microsoft.com/office/drawing/2014/main" id="{4420E5F6-C592-489E-8742-39113C67F28C}"/>
               </a:ext>
             </a:extLst>
           </p:cNvPr>
@@ -4459,7 +4341,7 @@
           <p:cNvPr id="3" name="Espaço Reservado para Conteúdo 2">
             <a:extLst>
               <a:ext uri="{FF2B5EF4-FFF2-40B4-BE49-F238E27FC236}">
-                <a16:creationId xmlns:a16="http://schemas.microsoft.com/office/drawing/2014/main" xmlns="" id="{FB12D05B-E47F-4BA3-B1A7-F1DCD4D8F90E}"/>
+                <a16:creationId xmlns:a16="http://schemas.microsoft.com/office/drawing/2014/main" id="{FB12D05B-E47F-4BA3-B1A7-F1DCD4D8F90E}"/>
               </a:ext>
             </a:extLst>
           </p:cNvPr>
@@ -4716,17 +4598,10 @@
   <p:clrMapOvr>
     <a:masterClrMapping/>
   </p:clrMapOvr>
-  <p:timing>
-    <p:tnLst>
-      <p:par>
-        <p:cTn id="1" dur="indefinite" restart="never" nodeType="tmRoot"/>
-      </p:par>
-    </p:tnLst>
-  </p:timing>
 </p:sld>
 </file>
 
-<file path=ppt/slides/slide16.xml><?xml version="1.0" encoding="utf-8"?>
+<file path=ppt/slides/slide15.xml><?xml version="1.0" encoding="utf-8"?>
 <p:sld xmlns:a="http://schemas.openxmlformats.org/drawingml/2006/main" xmlns:r="http://schemas.openxmlformats.org/officeDocument/2006/relationships" xmlns:p="http://schemas.openxmlformats.org/presentationml/2006/main">
   <p:cSld>
     <p:spTree>
@@ -4765,8 +4640,8 @@
         </p:blipFill>
         <p:spPr>
           <a:xfrm>
-            <a:off x="2238445" y="1052736"/>
-            <a:ext cx="4853835" cy="5805264"/>
+            <a:off x="2195736" y="1196752"/>
+            <a:ext cx="4680520" cy="5642371"/>
           </a:xfrm>
           <a:prstGeom prst="rect">
             <a:avLst/>
@@ -4778,7 +4653,7 @@
           <p:cNvPr id="5" name="Título 1">
             <a:extLst>
               <a:ext uri="{FF2B5EF4-FFF2-40B4-BE49-F238E27FC236}">
-                <a16:creationId xmlns:a16="http://schemas.microsoft.com/office/drawing/2014/main" xmlns="" id="{4420E5F6-C592-489E-8742-39113C67F28C}"/>
+                <a16:creationId xmlns:a16="http://schemas.microsoft.com/office/drawing/2014/main" id="{4420E5F6-C592-489E-8742-39113C67F28C}"/>
               </a:ext>
             </a:extLst>
           </p:cNvPr>
@@ -4972,17 +4847,10 @@
   <p:clrMapOvr>
     <a:masterClrMapping/>
   </p:clrMapOvr>
-  <p:timing>
-    <p:tnLst>
-      <p:par>
-        <p:cTn id="1" dur="indefinite" restart="never" nodeType="tmRoot"/>
-      </p:par>
-    </p:tnLst>
-  </p:timing>
 </p:sld>
 </file>
 
-<file path=ppt/slides/slide17.xml><?xml version="1.0" encoding="utf-8"?>
+<file path=ppt/slides/slide16.xml><?xml version="1.0" encoding="utf-8"?>
 <p:sld xmlns:a="http://schemas.openxmlformats.org/drawingml/2006/main" xmlns:r="http://schemas.openxmlformats.org/officeDocument/2006/relationships" xmlns:p="http://schemas.openxmlformats.org/presentationml/2006/main">
   <p:cSld>
     <p:spTree>
@@ -5004,7 +4872,7 @@
           <p:cNvPr id="5" name="Espaço Reservado para Conteúdo 4">
             <a:extLst>
               <a:ext uri="{FF2B5EF4-FFF2-40B4-BE49-F238E27FC236}">
-                <a16:creationId xmlns:a16="http://schemas.microsoft.com/office/drawing/2014/main" xmlns="" id="{0EB6ED7E-6CFB-4E85-B7ED-4873840A1BE0}"/>
+                <a16:creationId xmlns:a16="http://schemas.microsoft.com/office/drawing/2014/main" id="{0EB6ED7E-6CFB-4E85-B7ED-4873840A1BE0}"/>
               </a:ext>
             </a:extLst>
           </p:cNvPr>
@@ -5039,7 +4907,7 @@
           <p:cNvPr id="6" name="Título 1">
             <a:extLst>
               <a:ext uri="{FF2B5EF4-FFF2-40B4-BE49-F238E27FC236}">
-                <a16:creationId xmlns:a16="http://schemas.microsoft.com/office/drawing/2014/main" xmlns="" id="{4420E5F6-C592-489E-8742-39113C67F28C}"/>
+                <a16:creationId xmlns:a16="http://schemas.microsoft.com/office/drawing/2014/main" id="{4420E5F6-C592-489E-8742-39113C67F28C}"/>
               </a:ext>
             </a:extLst>
           </p:cNvPr>
@@ -5084,17 +4952,10 @@
   <p:clrMapOvr>
     <a:masterClrMapping/>
   </p:clrMapOvr>
-  <p:timing>
-    <p:tnLst>
-      <p:par>
-        <p:cTn id="1" dur="indefinite" restart="never" nodeType="tmRoot"/>
-      </p:par>
-    </p:tnLst>
-  </p:timing>
 </p:sld>
 </file>
 
-<file path=ppt/slides/slide18.xml><?xml version="1.0" encoding="utf-8"?>
+<file path=ppt/slides/slide17.xml><?xml version="1.0" encoding="utf-8"?>
 <p:sld xmlns:a="http://schemas.openxmlformats.org/drawingml/2006/main" xmlns:r="http://schemas.openxmlformats.org/officeDocument/2006/relationships" xmlns:p="http://schemas.openxmlformats.org/presentationml/2006/main">
   <p:cSld>
     <p:spTree>
@@ -5116,7 +4977,7 @@
           <p:cNvPr id="5" name="Espaço Reservado para Conteúdo 4">
             <a:extLst>
               <a:ext uri="{FF2B5EF4-FFF2-40B4-BE49-F238E27FC236}">
-                <a16:creationId xmlns:a16="http://schemas.microsoft.com/office/drawing/2014/main" xmlns="" id="{B614B2BC-1672-4B4C-B1D9-8F6906444D11}"/>
+                <a16:creationId xmlns:a16="http://schemas.microsoft.com/office/drawing/2014/main" id="{B614B2BC-1672-4B4C-B1D9-8F6906444D11}"/>
               </a:ext>
             </a:extLst>
           </p:cNvPr>
@@ -5151,7 +5012,7 @@
           <p:cNvPr id="6" name="Título 1">
             <a:extLst>
               <a:ext uri="{FF2B5EF4-FFF2-40B4-BE49-F238E27FC236}">
-                <a16:creationId xmlns:a16="http://schemas.microsoft.com/office/drawing/2014/main" xmlns="" id="{4420E5F6-C592-489E-8742-39113C67F28C}"/>
+                <a16:creationId xmlns:a16="http://schemas.microsoft.com/office/drawing/2014/main" id="{4420E5F6-C592-489E-8742-39113C67F28C}"/>
               </a:ext>
             </a:extLst>
           </p:cNvPr>
@@ -5196,17 +5057,10 @@
   <p:clrMapOvr>
     <a:masterClrMapping/>
   </p:clrMapOvr>
-  <p:timing>
-    <p:tnLst>
-      <p:par>
-        <p:cTn id="1" dur="indefinite" restart="never" nodeType="tmRoot"/>
-      </p:par>
-    </p:tnLst>
-  </p:timing>
 </p:sld>
 </file>
 
-<file path=ppt/slides/slide19.xml><?xml version="1.0" encoding="utf-8"?>
+<file path=ppt/slides/slide18.xml><?xml version="1.0" encoding="utf-8"?>
 <p:sld xmlns:a="http://schemas.openxmlformats.org/drawingml/2006/main" xmlns:r="http://schemas.openxmlformats.org/officeDocument/2006/relationships" xmlns:p="http://schemas.openxmlformats.org/presentationml/2006/main">
   <p:cSld>
     <p:spTree>
@@ -5228,7 +5082,7 @@
           <p:cNvPr id="5" name="Espaço Reservado para Conteúdo 4">
             <a:extLst>
               <a:ext uri="{FF2B5EF4-FFF2-40B4-BE49-F238E27FC236}">
-                <a16:creationId xmlns:a16="http://schemas.microsoft.com/office/drawing/2014/main" xmlns="" id="{D0E0BD5E-9A99-41F6-AEAA-D122187C4B06}"/>
+                <a16:creationId xmlns:a16="http://schemas.microsoft.com/office/drawing/2014/main" id="{D0E0BD5E-9A99-41F6-AEAA-D122187C4B06}"/>
               </a:ext>
             </a:extLst>
           </p:cNvPr>
@@ -5263,7 +5117,7 @@
           <p:cNvPr id="6" name="Título 1">
             <a:extLst>
               <a:ext uri="{FF2B5EF4-FFF2-40B4-BE49-F238E27FC236}">
-                <a16:creationId xmlns:a16="http://schemas.microsoft.com/office/drawing/2014/main" xmlns="" id="{4420E5F6-C592-489E-8742-39113C67F28C}"/>
+                <a16:creationId xmlns:a16="http://schemas.microsoft.com/office/drawing/2014/main" id="{4420E5F6-C592-489E-8742-39113C67F28C}"/>
               </a:ext>
             </a:extLst>
           </p:cNvPr>
@@ -5308,160 +5162,10 @@
   <p:clrMapOvr>
     <a:masterClrMapping/>
   </p:clrMapOvr>
-  <p:timing>
-    <p:tnLst>
-      <p:par>
-        <p:cTn id="1" dur="indefinite" restart="never" nodeType="tmRoot"/>
-      </p:par>
-    </p:tnLst>
-  </p:timing>
 </p:sld>
 </file>
 
-<file path=ppt/slides/slide2.xml><?xml version="1.0" encoding="utf-8"?>
-<p:sld xmlns:a="http://schemas.openxmlformats.org/drawingml/2006/main" xmlns:r="http://schemas.openxmlformats.org/officeDocument/2006/relationships" xmlns:p="http://schemas.openxmlformats.org/presentationml/2006/main">
-  <p:cSld>
-    <p:spTree>
-      <p:nvGrpSpPr>
-        <p:cNvPr id="1" name=""/>
-        <p:cNvGrpSpPr/>
-        <p:nvPr/>
-      </p:nvGrpSpPr>
-      <p:grpSpPr>
-        <a:xfrm>
-          <a:off x="0" y="0"/>
-          <a:ext cx="0" cy="0"/>
-          <a:chOff x="0" y="0"/>
-          <a:chExt cx="0" cy="0"/>
-        </a:xfrm>
-      </p:grpSpPr>
-      <p:sp>
-        <p:nvSpPr>
-          <p:cNvPr id="4" name="Título 3"/>
-          <p:cNvSpPr>
-            <a:spLocks noGrp="1"/>
-          </p:cNvSpPr>
-          <p:nvPr>
-            <p:ph type="title"/>
-          </p:nvPr>
-        </p:nvSpPr>
-        <p:spPr/>
-        <p:txBody>
-          <a:bodyPr/>
-          <a:lstStyle/>
-          <a:p>
-            <a:pPr eaLnBrk="1" hangingPunct="1">
-              <a:defRPr/>
-            </a:pPr>
-            <a:r>
-              <a:rPr lang="pt-BR" dirty="0"/>
-              <a:t>Introdução ao Negócio</a:t>
-            </a:r>
-          </a:p>
-        </p:txBody>
-      </p:sp>
-      <p:sp>
-        <p:nvSpPr>
-          <p:cNvPr id="2" name="Retângulo de cantos arredondados 1"/>
-          <p:cNvSpPr/>
-          <p:nvPr/>
-        </p:nvSpPr>
-        <p:spPr>
-          <a:xfrm>
-            <a:off x="166688" y="1988840"/>
-            <a:ext cx="5557440" cy="2448272"/>
-          </a:xfrm>
-          <a:prstGeom prst="roundRect">
-            <a:avLst/>
-          </a:prstGeom>
-          <a:noFill/>
-          <a:ln>
-            <a:noFill/>
-          </a:ln>
-        </p:spPr>
-        <p:style>
-          <a:lnRef idx="2">
-            <a:schemeClr val="accent1">
-              <a:shade val="50000"/>
-            </a:schemeClr>
-          </a:lnRef>
-          <a:fillRef idx="1">
-            <a:schemeClr val="accent1"/>
-          </a:fillRef>
-          <a:effectRef idx="0">
-            <a:schemeClr val="accent1"/>
-          </a:effectRef>
-          <a:fontRef idx="minor">
-            <a:schemeClr val="lt1"/>
-          </a:fontRef>
-        </p:style>
-        <p:txBody>
-          <a:bodyPr rtlCol="0" anchor="ctr"/>
-          <a:lstStyle/>
-          <a:p>
-            <a:pPr algn="ctr"/>
-            <a:endParaRPr lang="pt-BR"/>
-          </a:p>
-        </p:txBody>
-      </p:sp>
-      <p:pic>
-        <p:nvPicPr>
-          <p:cNvPr id="9" name="Picture 8">
-            <a:extLst>
-              <a:ext uri="{FF2B5EF4-FFF2-40B4-BE49-F238E27FC236}">
-                <a16:creationId xmlns:a16="http://schemas.microsoft.com/office/drawing/2014/main" xmlns="" id="{2FD2D1B7-E314-4B1C-8401-E450ED17D5CB}"/>
-              </a:ext>
-            </a:extLst>
-          </p:cNvPr>
-          <p:cNvPicPr>
-            <a:picLocks noChangeAspect="1"/>
-          </p:cNvPicPr>
-          <p:nvPr/>
-        </p:nvPicPr>
-        <p:blipFill rotWithShape="1">
-          <a:blip r:embed="rId3"/>
-          <a:srcRect b="1571"/>
-          <a:stretch/>
-        </p:blipFill>
-        <p:spPr>
-          <a:xfrm>
-            <a:off x="0" y="1182689"/>
-            <a:ext cx="9143998" cy="5675312"/>
-          </a:xfrm>
-          <a:prstGeom prst="rect">
-            <a:avLst/>
-          </a:prstGeom>
-          <a:ln>
-            <a:noFill/>
-          </a:ln>
-          <a:effectLst>
-            <a:outerShdw blurRad="190500" algn="tl" rotWithShape="0">
-              <a:srgbClr val="000000">
-                <a:alpha val="70000"/>
-              </a:srgbClr>
-            </a:outerShdw>
-          </a:effectLst>
-        </p:spPr>
-      </p:pic>
-    </p:spTree>
-  </p:cSld>
-  <p:clrMapOvr>
-    <a:masterClrMapping/>
-  </p:clrMapOvr>
-  <p:transition spd="med">
-    <p:fade/>
-  </p:transition>
-  <p:timing>
-    <p:tnLst>
-      <p:par>
-        <p:cTn id="1" dur="indefinite" restart="never" nodeType="tmRoot"/>
-      </p:par>
-    </p:tnLst>
-  </p:timing>
-</p:sld>
-</file>
-
-<file path=ppt/slides/slide20.xml><?xml version="1.0" encoding="utf-8"?>
+<file path=ppt/slides/slide19.xml><?xml version="1.0" encoding="utf-8"?>
 <p:sld xmlns:a="http://schemas.openxmlformats.org/drawingml/2006/main" xmlns:r="http://schemas.openxmlformats.org/officeDocument/2006/relationships" xmlns:p="http://schemas.openxmlformats.org/presentationml/2006/main">
   <p:cSld>
     <p:spTree>
@@ -5989,17 +5693,10 @@
   <p:transition spd="med">
     <p:fade/>
   </p:transition>
-  <p:timing>
-    <p:tnLst>
-      <p:par>
-        <p:cTn id="1" dur="indefinite" restart="never" nodeType="tmRoot"/>
-      </p:par>
-    </p:tnLst>
-  </p:timing>
 </p:sld>
 </file>
 
-<file path=ppt/slides/slide21.xml><?xml version="1.0" encoding="utf-8"?>
+<file path=ppt/slides/slide2.xml><?xml version="1.0" encoding="utf-8"?>
 <p:sld xmlns:a="http://schemas.openxmlformats.org/drawingml/2006/main" xmlns:r="http://schemas.openxmlformats.org/officeDocument/2006/relationships" xmlns:p="http://schemas.openxmlformats.org/presentationml/2006/main">
   <p:cSld>
     <p:spTree>
@@ -6036,6 +5733,127 @@
             </a:pPr>
             <a:r>
               <a:rPr lang="pt-BR" dirty="0"/>
+              <a:t>Introdução ao Negócio</a:t>
+            </a:r>
+          </a:p>
+        </p:txBody>
+      </p:sp>
+      <p:sp>
+        <p:nvSpPr>
+          <p:cNvPr id="2" name="Retângulo de cantos arredondados 1"/>
+          <p:cNvSpPr/>
+          <p:nvPr/>
+        </p:nvSpPr>
+        <p:spPr>
+          <a:xfrm>
+            <a:off x="166688" y="1988840"/>
+            <a:ext cx="5557440" cy="2448272"/>
+          </a:xfrm>
+          <a:prstGeom prst="roundRect">
+            <a:avLst/>
+          </a:prstGeom>
+          <a:noFill/>
+          <a:ln>
+            <a:noFill/>
+          </a:ln>
+        </p:spPr>
+        <p:style>
+          <a:lnRef idx="2">
+            <a:schemeClr val="accent1">
+              <a:shade val="50000"/>
+            </a:schemeClr>
+          </a:lnRef>
+          <a:fillRef idx="1">
+            <a:schemeClr val="accent1"/>
+          </a:fillRef>
+          <a:effectRef idx="0">
+            <a:schemeClr val="accent1"/>
+          </a:effectRef>
+          <a:fontRef idx="minor">
+            <a:schemeClr val="lt1"/>
+          </a:fontRef>
+        </p:style>
+        <p:txBody>
+          <a:bodyPr rtlCol="0" anchor="ctr"/>
+          <a:lstStyle/>
+          <a:p>
+            <a:pPr algn="ctr"/>
+            <a:endParaRPr lang="pt-BR"/>
+          </a:p>
+        </p:txBody>
+      </p:sp>
+      <p:pic>
+        <p:nvPicPr>
+          <p:cNvPr id="3" name="Imagem 2"/>
+          <p:cNvPicPr>
+            <a:picLocks noChangeAspect="1"/>
+          </p:cNvPicPr>
+          <p:nvPr/>
+        </p:nvPicPr>
+        <p:blipFill>
+          <a:blip r:embed="rId3"/>
+          <a:stretch>
+            <a:fillRect/>
+          </a:stretch>
+        </p:blipFill>
+        <p:spPr>
+          <a:xfrm>
+            <a:off x="-22359" y="1182688"/>
+            <a:ext cx="9166359" cy="5678853"/>
+          </a:xfrm>
+          <a:prstGeom prst="rect">
+            <a:avLst/>
+          </a:prstGeom>
+        </p:spPr>
+      </p:pic>
+    </p:spTree>
+  </p:cSld>
+  <p:clrMapOvr>
+    <a:masterClrMapping/>
+  </p:clrMapOvr>
+  <p:transition spd="med">
+    <p:fade/>
+  </p:transition>
+</p:sld>
+</file>
+
+<file path=ppt/slides/slide20.xml><?xml version="1.0" encoding="utf-8"?>
+<p:sld xmlns:a="http://schemas.openxmlformats.org/drawingml/2006/main" xmlns:r="http://schemas.openxmlformats.org/officeDocument/2006/relationships" xmlns:p="http://schemas.openxmlformats.org/presentationml/2006/main">
+  <p:cSld>
+    <p:spTree>
+      <p:nvGrpSpPr>
+        <p:cNvPr id="1" name=""/>
+        <p:cNvGrpSpPr/>
+        <p:nvPr/>
+      </p:nvGrpSpPr>
+      <p:grpSpPr>
+        <a:xfrm>
+          <a:off x="0" y="0"/>
+          <a:ext cx="0" cy="0"/>
+          <a:chOff x="0" y="0"/>
+          <a:chExt cx="0" cy="0"/>
+        </a:xfrm>
+      </p:grpSpPr>
+      <p:sp>
+        <p:nvSpPr>
+          <p:cNvPr id="4" name="Título 3"/>
+          <p:cNvSpPr>
+            <a:spLocks noGrp="1"/>
+          </p:cNvSpPr>
+          <p:nvPr>
+            <p:ph type="title"/>
+          </p:nvPr>
+        </p:nvSpPr>
+        <p:spPr/>
+        <p:txBody>
+          <a:bodyPr/>
+          <a:lstStyle/>
+          <a:p>
+            <a:pPr eaLnBrk="1" hangingPunct="1">
+              <a:defRPr/>
+            </a:pPr>
+            <a:r>
+              <a:rPr lang="pt-BR" dirty="0"/>
               <a:t>MÓDULO EMPRESA</a:t>
             </a:r>
           </a:p>
@@ -6242,17 +6060,10 @@
   <p:transition spd="med">
     <p:fade/>
   </p:transition>
-  <p:timing>
-    <p:tnLst>
-      <p:par>
-        <p:cTn id="1" dur="indefinite" restart="never" nodeType="tmRoot"/>
-      </p:par>
-    </p:tnLst>
-  </p:timing>
 </p:sld>
 </file>
 
-<file path=ppt/slides/slide22.xml><?xml version="1.0" encoding="utf-8"?>
+<file path=ppt/slides/slide21.xml><?xml version="1.0" encoding="utf-8"?>
 <p:sld xmlns:a="http://schemas.openxmlformats.org/drawingml/2006/main" xmlns:r="http://schemas.openxmlformats.org/officeDocument/2006/relationships" xmlns:p="http://schemas.openxmlformats.org/presentationml/2006/main">
   <p:cSld>
     <p:spTree>
@@ -6313,8 +6124,8 @@
         </p:blipFill>
         <p:spPr>
           <a:xfrm>
-            <a:off x="1691681" y="1182688"/>
-            <a:ext cx="5984874" cy="5675312"/>
+            <a:off x="1659534" y="1182688"/>
+            <a:ext cx="5861880" cy="5558680"/>
           </a:xfrm>
           <a:prstGeom prst="rect">
             <a:avLst/>
@@ -6331,13 +6142,154 @@
   <p:clrMapOvr>
     <a:masterClrMapping/>
   </p:clrMapOvr>
-  <p:timing>
-    <p:tnLst>
-      <p:par>
-        <p:cTn id="1" dur="indefinite" restart="never" nodeType="tmRoot"/>
-      </p:par>
-    </p:tnLst>
-  </p:timing>
+</p:sld>
+</file>
+
+<file path=ppt/slides/slide22.xml><?xml version="1.0" encoding="utf-8"?>
+<p:sld xmlns:a="http://schemas.openxmlformats.org/drawingml/2006/main" xmlns:r="http://schemas.openxmlformats.org/officeDocument/2006/relationships" xmlns:p="http://schemas.openxmlformats.org/presentationml/2006/main">
+  <p:cSld>
+    <p:spTree>
+      <p:nvGrpSpPr>
+        <p:cNvPr id="1" name=""/>
+        <p:cNvGrpSpPr/>
+        <p:nvPr/>
+      </p:nvGrpSpPr>
+      <p:grpSpPr>
+        <a:xfrm>
+          <a:off x="0" y="0"/>
+          <a:ext cx="0" cy="0"/>
+          <a:chOff x="0" y="0"/>
+          <a:chExt cx="0" cy="0"/>
+        </a:xfrm>
+      </p:grpSpPr>
+      <p:sp>
+        <p:nvSpPr>
+          <p:cNvPr id="4" name="Título 3"/>
+          <p:cNvSpPr>
+            <a:spLocks noGrp="1"/>
+          </p:cNvSpPr>
+          <p:nvPr>
+            <p:ph type="title"/>
+          </p:nvPr>
+        </p:nvSpPr>
+        <p:spPr/>
+        <p:txBody>
+          <a:bodyPr/>
+          <a:lstStyle/>
+          <a:p>
+            <a:pPr eaLnBrk="1" hangingPunct="1">
+              <a:defRPr/>
+            </a:pPr>
+            <a:r>
+              <a:rPr lang="pt-BR" dirty="0"/>
+              <a:t>MÓDULO EMPRESA</a:t>
+            </a:r>
+          </a:p>
+        </p:txBody>
+      </p:sp>
+      <p:sp>
+        <p:nvSpPr>
+          <p:cNvPr id="21507" name="Espaço Reservado para Conteúdo 4"/>
+          <p:cNvSpPr>
+            <a:spLocks noGrp="1"/>
+          </p:cNvSpPr>
+          <p:nvPr>
+            <p:ph idx="1"/>
+          </p:nvPr>
+        </p:nvSpPr>
+        <p:spPr bwMode="auto">
+          <a:xfrm>
+            <a:off x="179512" y="1340768"/>
+            <a:ext cx="8785225" cy="5328592"/>
+          </a:xfrm>
+          <a:extLst>
+            <a:ext uri="{909E8E84-426E-40DD-AFC4-6F175D3DCCD1}">
+              <a14:hiddenFill xmlns:a14="http://schemas.microsoft.com/office/drawing/2010/main">
+                <a:solidFill>
+                  <a:srgbClr val="FFFFFF"/>
+                </a:solidFill>
+              </a14:hiddenFill>
+            </a:ext>
+            <a:ext uri="{91240B29-F687-4F45-9708-019B960494DF}">
+              <a14:hiddenLine xmlns:a14="http://schemas.microsoft.com/office/drawing/2010/main" w="9525">
+                <a:solidFill>
+                  <a:srgbClr val="000000"/>
+                </a:solidFill>
+                <a:miter lim="800000"/>
+                <a:headEnd/>
+                <a:tailEnd/>
+              </a14:hiddenLine>
+            </a:ext>
+          </a:extLst>
+        </p:spPr>
+        <p:txBody>
+          <a:bodyPr vert="horz" wrap="square" lIns="91440" tIns="45720" rIns="91440" bIns="45720" numCol="1" anchor="t" anchorCtr="0" compatLnSpc="1">
+            <a:prstTxWarp prst="textNoShape">
+              <a:avLst/>
+            </a:prstTxWarp>
+          </a:bodyPr>
+          <a:lstStyle/>
+          <a:p>
+            <a:pPr marL="0" indent="0" algn="ctr" eaLnBrk="1" hangingPunct="1">
+              <a:buFont typeface="Arial" panose="020B0604020202020204" pitchFamily="34" charset="0"/>
+              <a:buNone/>
+              <a:defRPr/>
+            </a:pPr>
+            <a:endParaRPr lang="pt-BR" sz="2000" dirty="0"/>
+          </a:p>
+          <a:p>
+            <a:pPr algn="just" eaLnBrk="1" hangingPunct="1">
+              <a:buFont typeface="Arial" panose="020B0604020202020204" pitchFamily="34" charset="0"/>
+              <a:buChar char="•"/>
+              <a:defRPr/>
+            </a:pPr>
+            <a:endParaRPr lang="pt-BR" sz="2000" dirty="0"/>
+          </a:p>
+        </p:txBody>
+      </p:sp>
+      <p:pic>
+        <p:nvPicPr>
+          <p:cNvPr id="3" name="Picture 2">
+            <a:extLst>
+              <a:ext uri="{FF2B5EF4-FFF2-40B4-BE49-F238E27FC236}">
+                <a16:creationId xmlns:a16="http://schemas.microsoft.com/office/drawing/2014/main" id="{2B1A4BC2-7DE1-4299-98E4-7ED739A14DCC}"/>
+              </a:ext>
+            </a:extLst>
+          </p:cNvPr>
+          <p:cNvPicPr>
+            <a:picLocks noChangeAspect="1"/>
+          </p:cNvPicPr>
+          <p:nvPr/>
+        </p:nvPicPr>
+        <p:blipFill>
+          <a:blip r:embed="rId2"/>
+          <a:stretch>
+            <a:fillRect/>
+          </a:stretch>
+        </p:blipFill>
+        <p:spPr>
+          <a:xfrm>
+            <a:off x="0" y="1772816"/>
+            <a:ext cx="9146478" cy="4104456"/>
+          </a:xfrm>
+          <a:prstGeom prst="rect">
+            <a:avLst/>
+          </a:prstGeom>
+        </p:spPr>
+      </p:pic>
+    </p:spTree>
+    <p:extLst>
+      <p:ext uri="{BB962C8B-B14F-4D97-AF65-F5344CB8AC3E}">
+        <p14:creationId xmlns:p14="http://schemas.microsoft.com/office/powerpoint/2010/main" val="4234705847"/>
+      </p:ext>
+    </p:extLst>
+  </p:cSld>
+  <p:clrMapOvr>
+    <a:masterClrMapping/>
+  </p:clrMapOvr>
+  <p:transition spd="med">
+    <p:fade/>
+  </p:transition>
 </p:sld>
 </file>
 
@@ -6445,28 +6397,22 @@
       </p:sp>
       <p:pic>
         <p:nvPicPr>
-          <p:cNvPr id="3" name="Imagem 2"/>
+          <p:cNvPr id="5" name="Imagem 4"/>
           <p:cNvPicPr>
             <a:picLocks noChangeAspect="1"/>
           </p:cNvPicPr>
           <p:nvPr/>
         </p:nvPicPr>
         <p:blipFill>
-          <a:blip r:embed="rId2" cstate="print">
-            <a:extLst>
-              <a:ext uri="{28A0092B-C50C-407E-A947-70E740481C1C}">
-                <a14:useLocalDpi xmlns:a14="http://schemas.microsoft.com/office/drawing/2010/main" val="0"/>
-              </a:ext>
-            </a:extLst>
-          </a:blip>
+          <a:blip r:embed="rId2"/>
           <a:stretch>
             <a:fillRect/>
           </a:stretch>
         </p:blipFill>
         <p:spPr>
           <a:xfrm>
-            <a:off x="611560" y="1412776"/>
-            <a:ext cx="7130573" cy="3612267"/>
+            <a:off x="23961" y="1320155"/>
+            <a:ext cx="9080331" cy="5184576"/>
           </a:xfrm>
           <a:prstGeom prst="rect">
             <a:avLst/>
@@ -6476,7 +6422,7 @@
     </p:spTree>
     <p:extLst>
       <p:ext uri="{BB962C8B-B14F-4D97-AF65-F5344CB8AC3E}">
-        <p14:creationId xmlns:p14="http://schemas.microsoft.com/office/powerpoint/2010/main" val="4234705847"/>
+        <p14:creationId xmlns:p14="http://schemas.microsoft.com/office/powerpoint/2010/main" val="3523015254"/>
       </p:ext>
     </p:extLst>
   </p:cSld>
@@ -6486,13 +6432,6 @@
   <p:transition spd="med">
     <p:fade/>
   </p:transition>
-  <p:timing>
-    <p:tnLst>
-      <p:par>
-        <p:cTn id="1" dur="indefinite" restart="never" nodeType="tmRoot"/>
-      </p:par>
-    </p:tnLst>
-  </p:timing>
 </p:sld>
 </file>
 
@@ -6600,28 +6539,22 @@
       </p:sp>
       <p:pic>
         <p:nvPicPr>
-          <p:cNvPr id="2" name="Imagem 1"/>
+          <p:cNvPr id="5" name="Imagem 4"/>
           <p:cNvPicPr>
             <a:picLocks noChangeAspect="1"/>
           </p:cNvPicPr>
           <p:nvPr/>
         </p:nvPicPr>
         <p:blipFill>
-          <a:blip r:embed="rId2" cstate="print">
-            <a:extLst>
-              <a:ext uri="{28A0092B-C50C-407E-A947-70E740481C1C}">
-                <a14:useLocalDpi xmlns:a14="http://schemas.microsoft.com/office/drawing/2010/main" val="0"/>
-              </a:ext>
-            </a:extLst>
-          </a:blip>
+          <a:blip r:embed="rId2"/>
           <a:stretch>
             <a:fillRect/>
           </a:stretch>
         </p:blipFill>
         <p:spPr>
           <a:xfrm>
-            <a:off x="395536" y="1628800"/>
-            <a:ext cx="7822434" cy="3384376"/>
+            <a:off x="35496" y="1310059"/>
+            <a:ext cx="9079200" cy="5215285"/>
           </a:xfrm>
           <a:prstGeom prst="rect">
             <a:avLst/>
@@ -6641,13 +6574,6 @@
   <p:transition spd="med">
     <p:fade/>
   </p:transition>
-  <p:timing>
-    <p:tnLst>
-      <p:par>
-        <p:cTn id="1" dur="indefinite" restart="never" nodeType="tmRoot"/>
-      </p:par>
-    </p:tnLst>
-  </p:timing>
 </p:sld>
 </file>
 
@@ -6755,14 +6681,14 @@
       </p:sp>
       <p:pic>
         <p:nvPicPr>
-          <p:cNvPr id="2" name="Imagem 1"/>
+          <p:cNvPr id="3" name="Imagem 2"/>
           <p:cNvPicPr>
             <a:picLocks noChangeAspect="1"/>
           </p:cNvPicPr>
           <p:nvPr/>
         </p:nvPicPr>
         <p:blipFill>
-          <a:blip r:embed="rId2" cstate="print">
+          <a:blip r:embed="rId2">
             <a:extLst>
               <a:ext uri="{28A0092B-C50C-407E-A947-70E740481C1C}">
                 <a14:useLocalDpi xmlns:a14="http://schemas.microsoft.com/office/drawing/2010/main" val="0"/>
@@ -6775,8 +6701,8 @@
         </p:blipFill>
         <p:spPr>
           <a:xfrm>
-            <a:off x="539552" y="1340768"/>
-            <a:ext cx="7699145" cy="3900299"/>
+            <a:off x="0" y="1484784"/>
+            <a:ext cx="9144000" cy="4392488"/>
           </a:xfrm>
           <a:prstGeom prst="rect">
             <a:avLst/>
@@ -6786,7 +6712,7 @@
     </p:spTree>
     <p:extLst>
       <p:ext uri="{BB962C8B-B14F-4D97-AF65-F5344CB8AC3E}">
-        <p14:creationId xmlns:p14="http://schemas.microsoft.com/office/powerpoint/2010/main" val="3523015254"/>
+        <p14:creationId xmlns:p14="http://schemas.microsoft.com/office/powerpoint/2010/main" val="1220430636"/>
       </p:ext>
     </p:extLst>
   </p:cSld>
@@ -6796,13 +6722,6 @@
   <p:transition spd="med">
     <p:fade/>
   </p:transition>
-  <p:timing>
-    <p:tnLst>
-      <p:par>
-        <p:cTn id="1" dur="indefinite" restart="never" nodeType="tmRoot"/>
-      </p:par>
-    </p:tnLst>
-  </p:timing>
 </p:sld>
 </file>
 
@@ -6917,7 +6836,7 @@
           <p:nvPr/>
         </p:nvPicPr>
         <p:blipFill>
-          <a:blip r:embed="rId2" cstate="print">
+          <a:blip r:embed="rId2">
             <a:extLst>
               <a:ext uri="{28A0092B-C50C-407E-A947-70E740481C1C}">
                 <a14:useLocalDpi xmlns:a14="http://schemas.microsoft.com/office/drawing/2010/main" val="0"/>
@@ -6930,8 +6849,8 @@
         </p:blipFill>
         <p:spPr>
           <a:xfrm>
-            <a:off x="395536" y="1363061"/>
-            <a:ext cx="8120446" cy="4119670"/>
+            <a:off x="-6350" y="1484784"/>
+            <a:ext cx="9144000" cy="4392488"/>
           </a:xfrm>
           <a:prstGeom prst="rect">
             <a:avLst/>
@@ -6941,7 +6860,7 @@
     </p:spTree>
     <p:extLst>
       <p:ext uri="{BB962C8B-B14F-4D97-AF65-F5344CB8AC3E}">
-        <p14:creationId xmlns:p14="http://schemas.microsoft.com/office/powerpoint/2010/main" val="1220430636"/>
+        <p14:creationId xmlns:p14="http://schemas.microsoft.com/office/powerpoint/2010/main" val="2229094826"/>
       </p:ext>
     </p:extLst>
   </p:cSld>
@@ -6951,13 +6870,6 @@
   <p:transition spd="med">
     <p:fade/>
   </p:transition>
-  <p:timing>
-    <p:tnLst>
-      <p:par>
-        <p:cTn id="1" dur="indefinite" restart="never" nodeType="tmRoot"/>
-      </p:par>
-    </p:tnLst>
-  </p:timing>
 </p:sld>
 </file>
 
@@ -7470,13 +7382,6 @@
   <p:transition spd="med">
     <p:fade/>
   </p:transition>
-  <p:timing>
-    <p:tnLst>
-      <p:par>
-        <p:cTn id="1" dur="indefinite" restart="never" nodeType="tmRoot"/>
-      </p:par>
-    </p:tnLst>
-  </p:timing>
 </p:sld>
 </file>
 
@@ -7529,7 +7434,7 @@
                     <a:lumMod val="75000"/>
                   </a:schemeClr>
                 </a:solidFill>
-                <a:latin typeface="Calibri" panose="020F0502020204030204" pitchFamily="34" charset="0"/>
+                <a:latin typeface="Calibri (Corpo)"/>
                 <a:cs typeface="Calibri" panose="020F0502020204030204" pitchFamily="34" charset="0"/>
               </a:rPr>
               <a:t>Manter Cobrança</a:t>
@@ -7549,18 +7454,11 @@
                   </a:schemeClr>
                 </a:solidFill>
                 <a:latin typeface="+mn-lt"/>
+                <a:ea typeface="+mn-ea"/>
+                <a:cs typeface="+mn-cs"/>
               </a:rPr>
               <a:t>Permite a manutenção de cobrança.</a:t>
             </a:r>
-            <a:endParaRPr lang="pt-BR" sz="1850" dirty="0">
-              <a:solidFill>
-                <a:schemeClr val="tx2">
-                  <a:lumMod val="75000"/>
-                </a:schemeClr>
-              </a:solidFill>
-              <a:latin typeface="+mn-lt"/>
-              <a:cs typeface="Calibri" panose="020F0502020204030204" pitchFamily="34" charset="0"/>
-            </a:endParaRPr>
           </a:p>
           <a:p>
             <a:pPr marL="457200" lvl="1" indent="0" algn="just" eaLnBrk="1" hangingPunct="1">
@@ -7589,7 +7487,7 @@
                     <a:lumMod val="75000"/>
                   </a:schemeClr>
                 </a:solidFill>
-                <a:latin typeface="Calibri" panose="020F0502020204030204" pitchFamily="34" charset="0"/>
+                <a:latin typeface="Calibri (Corpo)"/>
                 <a:cs typeface="Calibri" panose="020F0502020204030204" pitchFamily="34" charset="0"/>
               </a:rPr>
               <a:t>Receber Pagamento</a:t>
@@ -7609,6 +7507,8 @@
                   </a:schemeClr>
                 </a:solidFill>
                 <a:latin typeface="+mn-lt"/>
+                <a:ea typeface="+mn-ea"/>
+                <a:cs typeface="+mn-cs"/>
               </a:rPr>
               <a:t>Registrar, pesquisar, visualizar, editar e deletar os pagamentos dos clientes por serviços prestados pela clínica.</a:t>
             </a:r>
@@ -7640,7 +7540,7 @@
                     <a:lumMod val="75000"/>
                   </a:schemeClr>
                 </a:solidFill>
-                <a:latin typeface="Calibri" panose="020F0502020204030204" pitchFamily="34" charset="0"/>
+                <a:latin typeface="Calibri (Corpo)"/>
                 <a:cs typeface="Calibri" panose="020F0502020204030204" pitchFamily="34" charset="0"/>
               </a:rPr>
               <a:t>Manter Custos</a:t>
@@ -7659,6 +7559,9 @@
                     <a:lumMod val="75000"/>
                   </a:schemeClr>
                 </a:solidFill>
+                <a:latin typeface="+mn-lt"/>
+                <a:ea typeface="+mn-ea"/>
+                <a:cs typeface="+mn-cs"/>
               </a:rPr>
               <a:t>Permite a manutenção de custos da clínica.</a:t>
             </a:r>
@@ -7690,7 +7593,7 @@
                     <a:lumMod val="75000"/>
                   </a:schemeClr>
                 </a:solidFill>
-                <a:latin typeface="Calibri" panose="020F0502020204030204" pitchFamily="34" charset="0"/>
+                <a:latin typeface="Calibri (Corpo)"/>
                 <a:cs typeface="Calibri" panose="020F0502020204030204" pitchFamily="34" charset="0"/>
               </a:rPr>
               <a:t>Gerar Relatórios</a:t>
@@ -7710,6 +7613,8 @@
                   </a:schemeClr>
                 </a:solidFill>
                 <a:latin typeface="+mn-lt"/>
+                <a:ea typeface="+mn-ea"/>
+                <a:cs typeface="+mn-cs"/>
               </a:rPr>
               <a:t>Emitir relatórios por períodos, tipo de serviço prestado e por pagantes e devedores.</a:t>
             </a:r>
@@ -7910,13 +7815,6 @@
   <p:clrMapOvr>
     <a:masterClrMapping/>
   </p:clrMapOvr>
-  <p:timing>
-    <p:tnLst>
-      <p:par>
-        <p:cTn id="1" dur="indefinite" restart="never" nodeType="tmRoot"/>
-      </p:par>
-    </p:tnLst>
-  </p:timing>
 </p:sld>
 </file>
 
@@ -8143,8 +8041,8 @@
         </p:blipFill>
         <p:spPr>
           <a:xfrm>
-            <a:off x="2123728" y="1196752"/>
-            <a:ext cx="4680520" cy="5661248"/>
+            <a:off x="2123728" y="1225327"/>
+            <a:ext cx="4680520" cy="5661249"/>
           </a:xfrm>
           <a:prstGeom prst="rect">
             <a:avLst/>
@@ -8161,13 +8059,6 @@
   <p:clrMapOvr>
     <a:masterClrMapping/>
   </p:clrMapOvr>
-  <p:timing>
-    <p:tnLst>
-      <p:par>
-        <p:cTn id="1" dur="indefinite" restart="never" nodeType="tmRoot"/>
-      </p:par>
-    </p:tnLst>
-  </p:timing>
 </p:sld>
 </file>
 
@@ -8251,13 +8142,6 @@
   <p:transition spd="med">
     <p:fade/>
   </p:transition>
-  <p:timing>
-    <p:tnLst>
-      <p:par>
-        <p:cTn id="1" dur="indefinite" restart="never" nodeType="tmRoot"/>
-      </p:par>
-    </p:tnLst>
-  </p:timing>
 </p:sld>
 </file>
 
@@ -8502,13 +8386,6 @@
   <p:clrMapOvr>
     <a:masterClrMapping/>
   </p:clrMapOvr>
-  <p:timing>
-    <p:tnLst>
-      <p:par>
-        <p:cTn id="1" dur="indefinite" restart="never" nodeType="tmRoot"/>
-      </p:par>
-    </p:tnLst>
-  </p:timing>
 </p:sld>
 </file>
 
@@ -10431,7 +10308,7 @@
           <p:cNvPr id="3" name="Picture 2">
             <a:extLst>
               <a:ext uri="{FF2B5EF4-FFF2-40B4-BE49-F238E27FC236}">
-                <a16:creationId xmlns:a16="http://schemas.microsoft.com/office/drawing/2014/main" xmlns="" id="{1488CEA1-615B-4D4C-A130-F1FD32F916CA}"/>
+                <a16:creationId xmlns:a16="http://schemas.microsoft.com/office/drawing/2014/main" id="{1488CEA1-615B-4D4C-A130-F1FD32F916CA}"/>
               </a:ext>
             </a:extLst>
           </p:cNvPr>
@@ -10454,8 +10331,8 @@
         </p:blipFill>
         <p:spPr>
           <a:xfrm>
-            <a:off x="2267744" y="965937"/>
-            <a:ext cx="4990476" cy="5892063"/>
+            <a:off x="2231534" y="1182688"/>
+            <a:ext cx="4806891" cy="5675312"/>
           </a:xfrm>
           <a:prstGeom prst="rect">
             <a:avLst/>
@@ -10490,37 +10367,97 @@
           <a:chExt cx="0" cy="0"/>
         </a:xfrm>
       </p:grpSpPr>
+      <p:sp>
+        <p:nvSpPr>
+          <p:cNvPr id="4" name="Título 3"/>
+          <p:cNvSpPr>
+            <a:spLocks noGrp="1"/>
+          </p:cNvSpPr>
+          <p:nvPr>
+            <p:ph type="title"/>
+          </p:nvPr>
+        </p:nvSpPr>
+        <p:spPr/>
+        <p:txBody>
+          <a:bodyPr/>
+          <a:lstStyle/>
+          <a:p>
+            <a:pPr eaLnBrk="1" hangingPunct="1">
+              <a:defRPr/>
+            </a:pPr>
+            <a:r>
+              <a:rPr lang="pt-BR" dirty="0"/>
+              <a:t>MÓDULO PACIENTE</a:t>
+            </a:r>
+          </a:p>
+        </p:txBody>
+      </p:sp>
       <p:pic>
         <p:nvPicPr>
-          <p:cNvPr id="6" name="Picture 5">
+          <p:cNvPr id="1026" name="Picture 2">
             <a:extLst>
               <a:ext uri="{FF2B5EF4-FFF2-40B4-BE49-F238E27FC236}">
-                <a16:creationId xmlns:a16="http://schemas.microsoft.com/office/drawing/2014/main" xmlns="" id="{556C9E4B-D420-4556-B5CC-EE1AB4DCB07C}"/>
+                <a16:creationId xmlns:a16="http://schemas.microsoft.com/office/drawing/2014/main" id="{680D742B-523C-43D4-9E8B-E4709EAE39EB}"/>
               </a:ext>
             </a:extLst>
           </p:cNvPr>
           <p:cNvPicPr>
-            <a:picLocks noChangeAspect="1"/>
+            <a:picLocks noChangeAspect="1" noChangeArrowheads="1"/>
           </p:cNvPicPr>
           <p:nvPr/>
         </p:nvPicPr>
         <p:blipFill>
-          <a:blip r:embed="rId2" cstate="print"/>
+          <a:blip r:embed="rId2">
+            <a:extLst>
+              <a:ext uri="{28A0092B-C50C-407E-A947-70E740481C1C}">
+                <a14:useLocalDpi xmlns:a14="http://schemas.microsoft.com/office/drawing/2010/main" val="0"/>
+              </a:ext>
+            </a:extLst>
+          </a:blip>
+          <a:srcRect/>
           <a:stretch>
             <a:fillRect/>
           </a:stretch>
         </p:blipFill>
-        <p:spPr>
+        <p:spPr bwMode="auto">
           <a:xfrm>
-            <a:off x="33843" y="0"/>
-            <a:ext cx="9142752" cy="6858000"/>
+            <a:off x="-83041" y="1700808"/>
+            <a:ext cx="9297381" cy="4248472"/>
           </a:xfrm>
           <a:prstGeom prst="rect">
             <a:avLst/>
           </a:prstGeom>
+          <a:noFill/>
+          <a:ln>
+            <a:noFill/>
+          </a:ln>
+          <a:extLst>
+            <a:ext uri="{909E8E84-426E-40DD-AFC4-6F175D3DCCD1}">
+              <a14:hiddenFill xmlns:a14="http://schemas.microsoft.com/office/drawing/2010/main">
+                <a:solidFill>
+                  <a:srgbClr val="FFFFFF"/>
+                </a:solidFill>
+              </a14:hiddenFill>
+            </a:ext>
+            <a:ext uri="{91240B29-F687-4F45-9708-019B960494DF}">
+              <a14:hiddenLine xmlns:a14="http://schemas.microsoft.com/office/drawing/2010/main" w="9525">
+                <a:solidFill>
+                  <a:srgbClr val="000000"/>
+                </a:solidFill>
+                <a:miter lim="800000"/>
+                <a:headEnd/>
+                <a:tailEnd/>
+              </a14:hiddenLine>
+            </a:ext>
+          </a:extLst>
         </p:spPr>
       </p:pic>
     </p:spTree>
+    <p:extLst>
+      <p:ext uri="{BB962C8B-B14F-4D97-AF65-F5344CB8AC3E}">
+        <p14:creationId xmlns:p14="http://schemas.microsoft.com/office/powerpoint/2010/main" val="1781569390"/>
+      </p:ext>
+    </p:extLst>
   </p:cSld>
   <p:clrMapOvr>
     <a:masterClrMapping/>
@@ -10548,37 +10485,12 @@
           <a:chExt cx="0" cy="0"/>
         </a:xfrm>
       </p:grpSpPr>
-      <p:sp>
-        <p:nvSpPr>
-          <p:cNvPr id="4" name="Título 3"/>
-          <p:cNvSpPr>
-            <a:spLocks noGrp="1"/>
-          </p:cNvSpPr>
-          <p:nvPr>
-            <p:ph type="title"/>
-          </p:nvPr>
-        </p:nvSpPr>
-        <p:spPr/>
-        <p:txBody>
-          <a:bodyPr/>
-          <a:lstStyle/>
-          <a:p>
-            <a:pPr eaLnBrk="1" hangingPunct="1">
-              <a:defRPr/>
-            </a:pPr>
-            <a:r>
-              <a:rPr lang="pt-BR" dirty="0"/>
-              <a:t>MÓDULO PACIENTE</a:t>
-            </a:r>
-          </a:p>
-        </p:txBody>
-      </p:sp>
       <p:pic>
         <p:nvPicPr>
           <p:cNvPr id="2" name="Picture 1">
             <a:extLst>
               <a:ext uri="{FF2B5EF4-FFF2-40B4-BE49-F238E27FC236}">
-                <a16:creationId xmlns:a16="http://schemas.microsoft.com/office/drawing/2014/main" xmlns="" id="{E8555355-7F63-4032-B368-3F48BA17FAD2}"/>
+                <a16:creationId xmlns:a16="http://schemas.microsoft.com/office/drawing/2014/main" id="{86071FFA-BFE1-455C-ABC9-A6AEE46FBF29}"/>
               </a:ext>
             </a:extLst>
           </p:cNvPr>
@@ -10588,27 +10500,58 @@
           <p:nvPr/>
         </p:nvPicPr>
         <p:blipFill>
-          <a:blip r:embed="rId2" cstate="print"/>
+          <a:blip r:embed="rId2"/>
           <a:stretch>
             <a:fillRect/>
           </a:stretch>
         </p:blipFill>
         <p:spPr>
           <a:xfrm>
-            <a:off x="35496" y="260648"/>
-            <a:ext cx="9114998" cy="6624736"/>
+            <a:off x="333375" y="1327838"/>
+            <a:ext cx="8810625" cy="5514975"/>
           </a:xfrm>
           <a:prstGeom prst="rect">
             <a:avLst/>
           </a:prstGeom>
         </p:spPr>
       </p:pic>
+      <p:sp>
+        <p:nvSpPr>
+          <p:cNvPr id="4" name="Título 3">
+            <a:extLst>
+              <a:ext uri="{FF2B5EF4-FFF2-40B4-BE49-F238E27FC236}">
+                <a16:creationId xmlns:a16="http://schemas.microsoft.com/office/drawing/2014/main" id="{26BCFAA2-D859-44BC-AFEE-2D5119DC4C72}"/>
+              </a:ext>
+            </a:extLst>
+          </p:cNvPr>
+          <p:cNvSpPr>
+            <a:spLocks noGrp="1"/>
+          </p:cNvSpPr>
+          <p:nvPr>
+            <p:ph type="title"/>
+          </p:nvPr>
+        </p:nvSpPr>
+        <p:spPr>
+          <a:xfrm>
+            <a:off x="166688" y="260350"/>
+            <a:ext cx="8797925" cy="922338"/>
+          </a:xfrm>
+        </p:spPr>
+        <p:txBody>
+          <a:bodyPr/>
+          <a:lstStyle/>
+          <a:p>
+            <a:pPr eaLnBrk="1" hangingPunct="1">
+              <a:defRPr/>
+            </a:pPr>
+            <a:r>
+              <a:rPr lang="pt-BR" dirty="0"/>
+              <a:t>MÓDULO PACIENTE</a:t>
+            </a:r>
+          </a:p>
+        </p:txBody>
+      </p:sp>
     </p:spTree>
-    <p:extLst>
-      <p:ext uri="{BB962C8B-B14F-4D97-AF65-F5344CB8AC3E}">
-        <p14:creationId xmlns:p14="http://schemas.microsoft.com/office/powerpoint/2010/main" val="1781569390"/>
-      </p:ext>
-    </p:extLst>
   </p:cSld>
   <p:clrMapOvr>
     <a:masterClrMapping/>
@@ -10663,28 +10606,22 @@
       </p:sp>
       <p:pic>
         <p:nvPicPr>
-          <p:cNvPr id="2" name="Picture 1">
-            <a:extLst>
-              <a:ext uri="{FF2B5EF4-FFF2-40B4-BE49-F238E27FC236}">
-                <a16:creationId xmlns:a16="http://schemas.microsoft.com/office/drawing/2014/main" xmlns="" id="{2050D0F6-7E2D-42EC-902D-04A2F3026358}"/>
-              </a:ext>
-            </a:extLst>
-          </p:cNvPr>
+          <p:cNvPr id="3" name="Imagem 2"/>
           <p:cNvPicPr>
             <a:picLocks noChangeAspect="1"/>
           </p:cNvPicPr>
           <p:nvPr/>
         </p:nvPicPr>
         <p:blipFill>
-          <a:blip r:embed="rId3" cstate="print"/>
+          <a:blip r:embed="rId3"/>
           <a:stretch>
             <a:fillRect/>
           </a:stretch>
         </p:blipFill>
         <p:spPr>
           <a:xfrm>
-            <a:off x="202283" y="1412776"/>
-            <a:ext cx="8762330" cy="5329446"/>
+            <a:off x="322213" y="1359554"/>
+            <a:ext cx="8644086" cy="5485845"/>
           </a:xfrm>
           <a:prstGeom prst="rect">
             <a:avLst/>
@@ -10699,13 +10636,6 @@
   <p:transition spd="med">
     <p:fade/>
   </p:transition>
-  <p:timing>
-    <p:tnLst>
-      <p:par>
-        <p:cTn id="1" dur="indefinite" restart="never" nodeType="tmRoot"/>
-      </p:par>
-    </p:tnLst>
-  </p:timing>
 </p:sld>
 </file>
 
@@ -10728,35 +10658,64 @@
       </p:grpSpPr>
       <p:sp>
         <p:nvSpPr>
-          <p:cNvPr id="4" name="Título 3"/>
-          <p:cNvSpPr>
-            <a:spLocks noGrp="1"/>
-          </p:cNvSpPr>
-          <p:nvPr>
-            <p:ph type="title"/>
-          </p:nvPr>
+          <p:cNvPr id="2" name="Rectangle 1">
+            <a:extLst>
+              <a:ext uri="{FF2B5EF4-FFF2-40B4-BE49-F238E27FC236}">
+                <a16:creationId xmlns:a16="http://schemas.microsoft.com/office/drawing/2014/main" id="{9B84690F-C0BA-45DE-B1F4-7C1D7425D6FC}"/>
+              </a:ext>
+            </a:extLst>
+          </p:cNvPr>
+          <p:cNvSpPr/>
+          <p:nvPr/>
         </p:nvSpPr>
-        <p:spPr/>
+        <p:spPr>
+          <a:xfrm>
+            <a:off x="0" y="0"/>
+            <a:ext cx="9144000" cy="6858000"/>
+          </a:xfrm>
+          <a:prstGeom prst="rect">
+            <a:avLst/>
+          </a:prstGeom>
+          <a:solidFill>
+            <a:schemeClr val="bg1"/>
+          </a:solidFill>
+          <a:ln>
+            <a:solidFill>
+              <a:schemeClr val="bg1"/>
+            </a:solidFill>
+          </a:ln>
+        </p:spPr>
+        <p:style>
+          <a:lnRef idx="2">
+            <a:schemeClr val="accent1">
+              <a:shade val="50000"/>
+            </a:schemeClr>
+          </a:lnRef>
+          <a:fillRef idx="1">
+            <a:schemeClr val="accent1"/>
+          </a:fillRef>
+          <a:effectRef idx="0">
+            <a:schemeClr val="accent1"/>
+          </a:effectRef>
+          <a:fontRef idx="minor">
+            <a:schemeClr val="lt1"/>
+          </a:fontRef>
+        </p:style>
         <p:txBody>
-          <a:bodyPr/>
+          <a:bodyPr rtlCol="0" anchor="ctr"/>
           <a:lstStyle/>
           <a:p>
-            <a:pPr eaLnBrk="1" hangingPunct="1">
-              <a:defRPr/>
-            </a:pPr>
-            <a:r>
-              <a:rPr lang="pt-BR" dirty="0"/>
-              <a:t>MÓDULO PACIENTE</a:t>
-            </a:r>
+            <a:pPr algn="ctr"/>
+            <a:endParaRPr lang="pt-BR"/>
           </a:p>
         </p:txBody>
       </p:sp>
       <p:pic>
         <p:nvPicPr>
-          <p:cNvPr id="2" name="Picture 1">
+          <p:cNvPr id="3" name="Picture 2">
             <a:extLst>
               <a:ext uri="{FF2B5EF4-FFF2-40B4-BE49-F238E27FC236}">
-                <a16:creationId xmlns:a16="http://schemas.microsoft.com/office/drawing/2014/main" xmlns="" id="{A49E3022-804D-4E50-B26D-1F309A10D1CD}"/>
+                <a16:creationId xmlns:a16="http://schemas.microsoft.com/office/drawing/2014/main" id="{95975E51-1E2B-4459-91F8-8CCA682B490E}"/>
               </a:ext>
             </a:extLst>
           </p:cNvPr>
@@ -10766,15 +10725,15 @@
           <p:nvPr/>
         </p:nvPicPr>
         <p:blipFill>
-          <a:blip r:embed="rId2" cstate="print"/>
+          <a:blip r:embed="rId2"/>
           <a:stretch>
             <a:fillRect/>
           </a:stretch>
         </p:blipFill>
         <p:spPr>
           <a:xfrm>
-            <a:off x="0" y="0"/>
-            <a:ext cx="9143999" cy="7539243"/>
+            <a:off x="611560" y="-14111"/>
+            <a:ext cx="7904649" cy="6872111"/>
           </a:xfrm>
           <a:prstGeom prst="rect">
             <a:avLst/>
@@ -10784,16 +10743,13 @@
     </p:spTree>
     <p:extLst>
       <p:ext uri="{BB962C8B-B14F-4D97-AF65-F5344CB8AC3E}">
-        <p14:creationId xmlns:p14="http://schemas.microsoft.com/office/powerpoint/2010/main" val="2106631967"/>
+        <p14:creationId xmlns:p14="http://schemas.microsoft.com/office/powerpoint/2010/main" val="2886251363"/>
       </p:ext>
     </p:extLst>
   </p:cSld>
   <p:clrMapOvr>
     <a:masterClrMapping/>
   </p:clrMapOvr>
-  <p:transition spd="med">
-    <p:fade/>
-  </p:transition>
 </p:sld>
 </file>
 
@@ -10839,12 +10795,66 @@
           </a:p>
         </p:txBody>
       </p:sp>
+      <p:sp>
+        <p:nvSpPr>
+          <p:cNvPr id="5" name="Rectangle 4">
+            <a:extLst>
+              <a:ext uri="{FF2B5EF4-FFF2-40B4-BE49-F238E27FC236}">
+                <a16:creationId xmlns:a16="http://schemas.microsoft.com/office/drawing/2014/main" id="{E268ED25-8F1E-4CB1-BEC7-9279730C430D}"/>
+              </a:ext>
+            </a:extLst>
+          </p:cNvPr>
+          <p:cNvSpPr/>
+          <p:nvPr/>
+        </p:nvSpPr>
+        <p:spPr>
+          <a:xfrm>
+            <a:off x="0" y="0"/>
+            <a:ext cx="9144000" cy="6858000"/>
+          </a:xfrm>
+          <a:prstGeom prst="rect">
+            <a:avLst/>
+          </a:prstGeom>
+          <a:solidFill>
+            <a:schemeClr val="bg1"/>
+          </a:solidFill>
+          <a:ln>
+            <a:solidFill>
+              <a:schemeClr val="bg1"/>
+            </a:solidFill>
+          </a:ln>
+        </p:spPr>
+        <p:style>
+          <a:lnRef idx="2">
+            <a:schemeClr val="accent1">
+              <a:shade val="50000"/>
+            </a:schemeClr>
+          </a:lnRef>
+          <a:fillRef idx="1">
+            <a:schemeClr val="accent1"/>
+          </a:fillRef>
+          <a:effectRef idx="0">
+            <a:schemeClr val="accent1"/>
+          </a:effectRef>
+          <a:fontRef idx="minor">
+            <a:schemeClr val="lt1"/>
+          </a:fontRef>
+        </p:style>
+        <p:txBody>
+          <a:bodyPr rtlCol="0" anchor="ctr"/>
+          <a:lstStyle/>
+          <a:p>
+            <a:pPr algn="ctr"/>
+            <a:endParaRPr lang="pt-BR"/>
+          </a:p>
+        </p:txBody>
+      </p:sp>
       <p:pic>
         <p:nvPicPr>
-          <p:cNvPr id="2" name="Picture 1">
+          <p:cNvPr id="6" name="Picture 5">
             <a:extLst>
               <a:ext uri="{FF2B5EF4-FFF2-40B4-BE49-F238E27FC236}">
-                <a16:creationId xmlns:a16="http://schemas.microsoft.com/office/drawing/2014/main" xmlns="" id="{5C82754D-5DB1-4B53-8D11-8DA966E7AA77}"/>
+                <a16:creationId xmlns:a16="http://schemas.microsoft.com/office/drawing/2014/main" id="{BC6BE6AB-5878-48C3-B93A-534BC944E7D1}"/>
               </a:ext>
             </a:extLst>
           </p:cNvPr>
@@ -10854,15 +10864,15 @@
           <p:nvPr/>
         </p:nvPicPr>
         <p:blipFill>
-          <a:blip r:embed="rId2" cstate="print"/>
+          <a:blip r:embed="rId2"/>
           <a:stretch>
             <a:fillRect/>
           </a:stretch>
         </p:blipFill>
         <p:spPr>
           <a:xfrm>
-            <a:off x="0" y="53781"/>
-            <a:ext cx="9144000" cy="6831603"/>
+            <a:off x="318233" y="0"/>
+            <a:ext cx="8507536" cy="6858000"/>
           </a:xfrm>
           <a:prstGeom prst="rect">
             <a:avLst/>
@@ -11170,6 +11180,69 @@
 </p:sld>
 </file>
 
+<file path=ppt/slides/slide44.xml><?xml version="1.0" encoding="utf-8"?>
+<p:sld xmlns:a="http://schemas.openxmlformats.org/drawingml/2006/main" xmlns:r="http://schemas.openxmlformats.org/officeDocument/2006/relationships" xmlns:p="http://schemas.openxmlformats.org/presentationml/2006/main">
+  <p:cSld>
+    <p:spTree>
+      <p:nvGrpSpPr>
+        <p:cNvPr id="1" name=""/>
+        <p:cNvGrpSpPr/>
+        <p:nvPr/>
+      </p:nvGrpSpPr>
+      <p:grpSpPr>
+        <a:xfrm>
+          <a:off x="0" y="0"/>
+          <a:ext cx="0" cy="0"/>
+          <a:chOff x="0" y="0"/>
+          <a:chExt cx="0" cy="0"/>
+        </a:xfrm>
+      </p:grpSpPr>
+      <p:sp>
+        <p:nvSpPr>
+          <p:cNvPr id="5" name="Espaço Reservado para Conteúdo 4"/>
+          <p:cNvSpPr>
+            <a:spLocks noGrp="1"/>
+          </p:cNvSpPr>
+          <p:nvPr>
+            <p:ph idx="1"/>
+          </p:nvPr>
+        </p:nvSpPr>
+        <p:spPr>
+          <a:xfrm>
+            <a:off x="1835696" y="2780928"/>
+            <a:ext cx="7461423" cy="2069753"/>
+          </a:xfrm>
+        </p:spPr>
+        <p:txBody>
+          <a:bodyPr/>
+          <a:lstStyle/>
+          <a:p>
+            <a:pPr marL="0" indent="0">
+              <a:buNone/>
+            </a:pPr>
+            <a:r>
+              <a:rPr lang="pt-BR" sz="9600" dirty="0"/>
+              <a:t>Obrigado!</a:t>
+            </a:r>
+          </a:p>
+        </p:txBody>
+      </p:sp>
+    </p:spTree>
+    <p:extLst>
+      <p:ext uri="{BB962C8B-B14F-4D97-AF65-F5344CB8AC3E}">
+        <p14:creationId xmlns:p14="http://schemas.microsoft.com/office/powerpoint/2010/main" val="1990385622"/>
+      </p:ext>
+    </p:extLst>
+  </p:cSld>
+  <p:clrMapOvr>
+    <a:masterClrMapping/>
+  </p:clrMapOvr>
+  <p:transition spd="med">
+    <p:fade/>
+  </p:transition>
+</p:sld>
+</file>
+
 <file path=ppt/slides/slide5.xml><?xml version="1.0" encoding="utf-8"?>
 <p:sld xmlns:a="http://schemas.openxmlformats.org/drawingml/2006/main" xmlns:r="http://schemas.openxmlformats.org/officeDocument/2006/relationships" xmlns:p="http://schemas.openxmlformats.org/presentationml/2006/main">
   <p:cSld>
@@ -11214,56 +11287,26 @@
       </p:sp>
       <p:pic>
         <p:nvPicPr>
-          <p:cNvPr id="1026" name="Picture 2" descr="Deployment Model 2"/>
+          <p:cNvPr id="3" name="Imagem 2"/>
           <p:cNvPicPr>
-            <a:picLocks noChangeAspect="1" noChangeArrowheads="1"/>
+            <a:picLocks noChangeAspect="1"/>
           </p:cNvPicPr>
           <p:nvPr/>
         </p:nvPicPr>
         <p:blipFill>
-          <a:blip r:embed="rId3" cstate="print">
-            <a:extLst>
-              <a:ext uri="{28A0092B-C50C-407E-A947-70E740481C1C}">
-                <a14:useLocalDpi xmlns:a14="http://schemas.microsoft.com/office/drawing/2010/main" val="0"/>
-              </a:ext>
-            </a:extLst>
-          </a:blip>
-          <a:srcRect/>
+          <a:blip r:embed="rId3"/>
           <a:stretch>
             <a:fillRect/>
           </a:stretch>
         </p:blipFill>
-        <p:spPr bwMode="auto">
+        <p:spPr>
           <a:xfrm>
-            <a:off x="106460" y="1340768"/>
-            <a:ext cx="8965518" cy="5112568"/>
+            <a:off x="79375" y="1340768"/>
+            <a:ext cx="8972550" cy="5153025"/>
           </a:xfrm>
           <a:prstGeom prst="rect">
             <a:avLst/>
           </a:prstGeom>
-          <a:noFill/>
-          <a:ln>
-            <a:noFill/>
-          </a:ln>
-          <a:extLst>
-            <a:ext uri="{909E8E84-426E-40DD-AFC4-6F175D3DCCD1}">
-              <a14:hiddenFill xmlns:a14="http://schemas.microsoft.com/office/drawing/2010/main">
-                <a:solidFill>
-                  <a:srgbClr val="FFFFFF"/>
-                </a:solidFill>
-              </a14:hiddenFill>
-            </a:ext>
-            <a:ext uri="{91240B29-F687-4F45-9708-019B960494DF}">
-              <a14:hiddenLine xmlns:a14="http://schemas.microsoft.com/office/drawing/2010/main" w="9525">
-                <a:solidFill>
-                  <a:srgbClr val="000000"/>
-                </a:solidFill>
-                <a:miter lim="800000"/>
-                <a:headEnd/>
-                <a:tailEnd/>
-              </a14:hiddenLine>
-            </a:ext>
-          </a:extLst>
         </p:spPr>
       </p:pic>
     </p:spTree>
@@ -11274,13 +11317,6 @@
   <p:transition spd="med">
     <p:fade/>
   </p:transition>
-  <p:timing>
-    <p:tnLst>
-      <p:par>
-        <p:cTn id="1" dur="indefinite" restart="never" nodeType="tmRoot"/>
-      </p:par>
-    </p:tnLst>
-  </p:timing>
 </p:sld>
 </file>
 
@@ -11812,13 +11848,6 @@
   <p:transition spd="med">
     <p:fade/>
   </p:transition>
-  <p:timing>
-    <p:tnLst>
-      <p:par>
-        <p:cTn id="1" dur="indefinite" restart="never" nodeType="tmRoot"/>
-      </p:par>
-    </p:tnLst>
-  </p:timing>
 </p:sld>
 </file>
 
@@ -12155,13 +12184,6 @@
   <p:transition spd="med">
     <p:fade/>
   </p:transition>
-  <p:timing>
-    <p:tnLst>
-      <p:par>
-        <p:cTn id="1" dur="indefinite" restart="never" nodeType="tmRoot"/>
-      </p:par>
-    </p:tnLst>
-  </p:timing>
 </p:sld>
 </file>
 
@@ -12214,7 +12236,7 @@
       </p:sp>
       <p:pic>
         <p:nvPicPr>
-          <p:cNvPr id="2" name="Imagem 1"/>
+          <p:cNvPr id="3" name="Imagem 2"/>
           <p:cNvPicPr>
             <a:picLocks noChangeAspect="1"/>
           </p:cNvPicPr>
@@ -12234,8 +12256,8 @@
         </p:blipFill>
         <p:spPr>
           <a:xfrm>
-            <a:off x="1901354" y="1210692"/>
-            <a:ext cx="5328592" cy="5512732"/>
+            <a:off x="2225650" y="1182688"/>
+            <a:ext cx="4875364" cy="5675312"/>
           </a:xfrm>
           <a:prstGeom prst="rect">
             <a:avLst/>
@@ -12247,13 +12269,6 @@
   <p:clrMapOvr>
     <a:masterClrMapping/>
   </p:clrMapOvr>
-  <p:timing>
-    <p:tnLst>
-      <p:par>
-        <p:cTn id="1" dur="indefinite" restart="never" nodeType="tmRoot"/>
-      </p:par>
-    </p:tnLst>
-  </p:timing>
 </p:sld>
 </file>
 
@@ -12306,73 +12321,39 @@
       </p:sp>
       <p:pic>
         <p:nvPicPr>
-          <p:cNvPr id="4" name="Imagem 3" descr="UCAGD01_0000_TelaInicial.png"/>
+          <p:cNvPr id="2" name="Imagem 1"/>
           <p:cNvPicPr>
             <a:picLocks noChangeAspect="1"/>
           </p:cNvPicPr>
           <p:nvPr/>
         </p:nvPicPr>
         <p:blipFill>
-          <a:blip r:embed="rId2" cstate="print"/>
+          <a:blip r:embed="rId2">
+            <a:extLst>
+              <a:ext uri="{28A0092B-C50C-407E-A947-70E740481C1C}">
+                <a14:useLocalDpi xmlns:a14="http://schemas.microsoft.com/office/drawing/2010/main" val="0"/>
+              </a:ext>
+            </a:extLst>
+          </a:blip>
           <a:stretch>
             <a:fillRect/>
           </a:stretch>
         </p:blipFill>
         <p:spPr>
           <a:xfrm>
-            <a:off x="261335" y="1266523"/>
-            <a:ext cx="8621329" cy="4324954"/>
+            <a:off x="-19641" y="1556792"/>
+            <a:ext cx="9183282" cy="4608512"/>
           </a:xfrm>
           <a:prstGeom prst="rect">
             <a:avLst/>
           </a:prstGeom>
         </p:spPr>
       </p:pic>
-      <p:cxnSp>
-        <p:nvCxnSpPr>
-          <p:cNvPr id="7" name="Conector de seta reta 6"/>
-          <p:cNvCxnSpPr/>
-          <p:nvPr/>
-        </p:nvCxnSpPr>
-        <p:spPr>
-          <a:xfrm flipV="1">
-            <a:off x="6228184" y="1916832"/>
-            <a:ext cx="1224136" cy="504056"/>
-          </a:xfrm>
-          <a:prstGeom prst="straightConnector1">
-            <a:avLst/>
-          </a:prstGeom>
-          <a:ln>
-            <a:tailEnd type="arrow"/>
-          </a:ln>
-        </p:spPr>
-        <p:style>
-          <a:lnRef idx="3">
-            <a:schemeClr val="accent2"/>
-          </a:lnRef>
-          <a:fillRef idx="0">
-            <a:schemeClr val="accent2"/>
-          </a:fillRef>
-          <a:effectRef idx="2">
-            <a:schemeClr val="accent2"/>
-          </a:effectRef>
-          <a:fontRef idx="minor">
-            <a:schemeClr val="tx1"/>
-          </a:fontRef>
-        </p:style>
-      </p:cxnSp>
     </p:spTree>
   </p:cSld>
   <p:clrMapOvr>
     <a:masterClrMapping/>
   </p:clrMapOvr>
-  <p:timing>
-    <p:tnLst>
-      <p:par>
-        <p:cTn id="1" dur="indefinite" restart="never" nodeType="tmRoot"/>
-      </p:par>
-    </p:tnLst>
-  </p:timing>
 </p:sld>
 </file>
 

--- a/TCC/5º Encontro/2017-Apresentacao Psystem.pptx
+++ b/TCC/5º Encontro/2017-Apresentacao Psystem.pptx
@@ -26,22 +26,22 @@
     <p:sldId id="311" r:id="rId17"/>
     <p:sldId id="309" r:id="rId18"/>
     <p:sldId id="310" r:id="rId19"/>
-    <p:sldId id="290" r:id="rId20"/>
-    <p:sldId id="312" r:id="rId21"/>
-    <p:sldId id="319" r:id="rId22"/>
-    <p:sldId id="314" r:id="rId23"/>
-    <p:sldId id="315" r:id="rId24"/>
-    <p:sldId id="316" r:id="rId25"/>
-    <p:sldId id="317" r:id="rId26"/>
-    <p:sldId id="322" r:id="rId27"/>
-    <p:sldId id="291" r:id="rId28"/>
-    <p:sldId id="299" r:id="rId29"/>
-    <p:sldId id="318" r:id="rId30"/>
-    <p:sldId id="300" r:id="rId31"/>
-    <p:sldId id="301" r:id="rId32"/>
-    <p:sldId id="302" r:id="rId33"/>
-    <p:sldId id="303" r:id="rId34"/>
-    <p:sldId id="304" r:id="rId35"/>
+    <p:sldId id="326" r:id="rId20"/>
+    <p:sldId id="327" r:id="rId21"/>
+    <p:sldId id="290" r:id="rId22"/>
+    <p:sldId id="312" r:id="rId23"/>
+    <p:sldId id="319" r:id="rId24"/>
+    <p:sldId id="314" r:id="rId25"/>
+    <p:sldId id="325" r:id="rId26"/>
+    <p:sldId id="315" r:id="rId27"/>
+    <p:sldId id="316" r:id="rId28"/>
+    <p:sldId id="291" r:id="rId29"/>
+    <p:sldId id="299" r:id="rId30"/>
+    <p:sldId id="318" r:id="rId31"/>
+    <p:sldId id="300" r:id="rId32"/>
+    <p:sldId id="301" r:id="rId33"/>
+    <p:sldId id="302" r:id="rId34"/>
+    <p:sldId id="303" r:id="rId35"/>
     <p:sldId id="278" r:id="rId36"/>
     <p:sldId id="321" r:id="rId37"/>
     <p:sldId id="276" r:id="rId38"/>
@@ -286,7 +286,7 @@
             <a:fld id="{C0D5B206-56B5-433E-8333-9415E6A460B9}" type="datetimeFigureOut">
               <a:rPr lang="pt-BR" smtClean="0"/>
               <a:pPr/>
-              <a:t>04/09/2017</a:t>
+              <a:t>06/09/2017</a:t>
             </a:fld>
             <a:endParaRPr lang="pt-BR"/>
           </a:p>
@@ -4354,7 +4354,7 @@
         </p:nvSpPr>
         <p:spPr>
           <a:xfrm>
-            <a:off x="150267" y="1182688"/>
+            <a:off x="150267" y="1341909"/>
             <a:ext cx="8785225" cy="4751387"/>
           </a:xfrm>
         </p:spPr>
@@ -4396,19 +4396,6 @@
             </a:r>
           </a:p>
           <a:p>
-            <a:pPr marL="457200" lvl="1" indent="0" algn="just" eaLnBrk="1" hangingPunct="1">
-              <a:buNone/>
-              <a:defRPr/>
-            </a:pPr>
-            <a:endParaRPr lang="pt-BR" sz="1850" dirty="0">
-              <a:solidFill>
-                <a:schemeClr val="tx2">
-                  <a:lumMod val="75000"/>
-                </a:schemeClr>
-              </a:solidFill>
-            </a:endParaRPr>
-          </a:p>
-          <a:p>
             <a:pPr algn="just" eaLnBrk="1" hangingPunct="1">
               <a:buFont typeface="Arial" panose="020B0604020202020204" pitchFamily="34" charset="0"/>
               <a:buChar char="•"/>
@@ -4443,19 +4430,6 @@
             </a:r>
           </a:p>
           <a:p>
-            <a:pPr marL="457200" lvl="1" indent="0" algn="just" eaLnBrk="1" hangingPunct="1">
-              <a:buNone/>
-              <a:defRPr/>
-            </a:pPr>
-            <a:endParaRPr lang="pt-BR" sz="1850" dirty="0">
-              <a:solidFill>
-                <a:schemeClr val="tx2">
-                  <a:lumMod val="75000"/>
-                </a:schemeClr>
-              </a:solidFill>
-            </a:endParaRPr>
-          </a:p>
-          <a:p>
             <a:pPr algn="just" eaLnBrk="1" hangingPunct="1">
               <a:buFont typeface="Arial" panose="020B0604020202020204" pitchFamily="34" charset="0"/>
               <a:buChar char="•"/>
@@ -4469,7 +4443,7 @@
                   </a:schemeClr>
                 </a:solidFill>
               </a:rPr>
-              <a:t>Gerar log</a:t>
+              <a:t>Alterar Senha</a:t>
             </a:r>
           </a:p>
           <a:p>
@@ -4486,21 +4460,8 @@
                   </a:schemeClr>
                 </a:solidFill>
               </a:rPr>
-              <a:t>Recebe informações dos demais MÓDULO s para gerar log.</a:t>
-            </a:r>
-          </a:p>
-          <a:p>
-            <a:pPr marL="457200" lvl="1" indent="0" algn="just" eaLnBrk="1" hangingPunct="1">
-              <a:buNone/>
-              <a:defRPr/>
-            </a:pPr>
-            <a:endParaRPr lang="pt-BR" sz="1850" dirty="0">
-              <a:solidFill>
-                <a:schemeClr val="tx2">
-                  <a:lumMod val="75000"/>
-                </a:schemeClr>
-              </a:solidFill>
-            </a:endParaRPr>
+              <a:t>Permite que qualquer usuário altere sua própria senha.</a:t>
+            </a:r>
           </a:p>
           <a:p>
             <a:pPr algn="just" eaLnBrk="1" hangingPunct="1">
@@ -4537,19 +4498,6 @@
             </a:r>
           </a:p>
           <a:p>
-            <a:pPr marL="457200" lvl="1" indent="0" algn="just" eaLnBrk="1" hangingPunct="1">
-              <a:buNone/>
-              <a:defRPr/>
-            </a:pPr>
-            <a:endParaRPr lang="pt-BR" sz="1850" dirty="0">
-              <a:solidFill>
-                <a:schemeClr val="tx2">
-                  <a:lumMod val="75000"/>
-                </a:schemeClr>
-              </a:solidFill>
-            </a:endParaRPr>
-          </a:p>
-          <a:p>
             <a:pPr algn="just" eaLnBrk="1" hangingPunct="1">
               <a:buFont typeface="Arial" panose="020B0604020202020204" pitchFamily="34" charset="0"/>
               <a:buChar char="•"/>
@@ -4563,7 +4511,7 @@
                   </a:schemeClr>
                 </a:solidFill>
               </a:rPr>
-              <a:t>Alterar Perfil de Acesso</a:t>
+              <a:t>Configurar Perfil</a:t>
             </a:r>
           </a:p>
           <a:p>
@@ -4580,7 +4528,39 @@
                   </a:schemeClr>
                 </a:solidFill>
               </a:rPr>
-              <a:t>Permite disponibilizar funcionalidades para um grupo de usuários garantindo confidencialidade de dados de acesso restrito.</a:t>
+              <a:t>Permite disponibilizar ou excluir acesso à funcionalidades para um perfil de usuário.</a:t>
+            </a:r>
+          </a:p>
+          <a:p>
+            <a:pPr algn="just" eaLnBrk="1" hangingPunct="1">
+              <a:defRPr/>
+            </a:pPr>
+            <a:r>
+              <a:rPr lang="pt-BR" sz="2600" dirty="0">
+                <a:solidFill>
+                  <a:schemeClr val="tx2">
+                    <a:lumMod val="75000"/>
+                  </a:schemeClr>
+                </a:solidFill>
+              </a:rPr>
+              <a:t>Manter Funcionário</a:t>
+            </a:r>
+          </a:p>
+          <a:p>
+            <a:pPr lvl="1" algn="just" eaLnBrk="1" hangingPunct="1">
+              <a:buFont typeface="Arial" panose="020B0604020202020204" pitchFamily="34" charset="0"/>
+              <a:buChar char="•"/>
+              <a:defRPr/>
+            </a:pPr>
+            <a:r>
+              <a:rPr lang="pt-BR" sz="1850" dirty="0">
+                <a:solidFill>
+                  <a:schemeClr val="tx2">
+                    <a:lumMod val="75000"/>
+                  </a:schemeClr>
+                </a:solidFill>
+              </a:rPr>
+              <a:t>Permite a manutenção de funcionários da clínica.</a:t>
             </a:r>
           </a:p>
           <a:p>
@@ -4618,36 +4598,6 @@
           <a:chExt cx="0" cy="0"/>
         </a:xfrm>
       </p:grpSpPr>
-      <p:pic>
-        <p:nvPicPr>
-          <p:cNvPr id="8" name="Imagem 7"/>
-          <p:cNvPicPr>
-            <a:picLocks noChangeAspect="1"/>
-          </p:cNvPicPr>
-          <p:nvPr/>
-        </p:nvPicPr>
-        <p:blipFill>
-          <a:blip r:embed="rId2">
-            <a:extLst>
-              <a:ext uri="{28A0092B-C50C-407E-A947-70E740481C1C}">
-                <a14:useLocalDpi xmlns:a14="http://schemas.microsoft.com/office/drawing/2010/main" val="0"/>
-              </a:ext>
-            </a:extLst>
-          </a:blip>
-          <a:stretch>
-            <a:fillRect/>
-          </a:stretch>
-        </p:blipFill>
-        <p:spPr>
-          <a:xfrm>
-            <a:off x="2195736" y="1196752"/>
-            <a:ext cx="4680520" cy="5642371"/>
-          </a:xfrm>
-          <a:prstGeom prst="rect">
-            <a:avLst/>
-          </a:prstGeom>
-        </p:spPr>
-      </p:pic>
       <p:sp>
         <p:nvSpPr>
           <p:cNvPr id="5" name="Título 1">
@@ -4837,6 +4787,42 @@
           </a:p>
         </p:txBody>
       </p:sp>
+      <p:pic>
+        <p:nvPicPr>
+          <p:cNvPr id="3" name="Picture 2">
+            <a:extLst>
+              <a:ext uri="{FF2B5EF4-FFF2-40B4-BE49-F238E27FC236}">
+                <a16:creationId xmlns:a16="http://schemas.microsoft.com/office/drawing/2014/main" id="{8F573B82-A720-4E7D-88E3-7ABD98571312}"/>
+              </a:ext>
+            </a:extLst>
+          </p:cNvPr>
+          <p:cNvPicPr>
+            <a:picLocks noChangeAspect="1"/>
+          </p:cNvPicPr>
+          <p:nvPr/>
+        </p:nvPicPr>
+        <p:blipFill>
+          <a:blip r:embed="rId2">
+            <a:extLst>
+              <a:ext uri="{28A0092B-C50C-407E-A947-70E740481C1C}">
+                <a14:useLocalDpi xmlns:a14="http://schemas.microsoft.com/office/drawing/2010/main" val="0"/>
+              </a:ext>
+            </a:extLst>
+          </a:blip>
+          <a:stretch>
+            <a:fillRect/>
+          </a:stretch>
+        </p:blipFill>
+        <p:spPr>
+          <a:xfrm>
+            <a:off x="2503387" y="1268761"/>
+            <a:ext cx="4228853" cy="5532254"/>
+          </a:xfrm>
+          <a:prstGeom prst="rect">
+            <a:avLst/>
+          </a:prstGeom>
+        </p:spPr>
+      </p:pic>
     </p:spTree>
     <p:extLst>
       <p:ext uri="{BB962C8B-B14F-4D97-AF65-F5344CB8AC3E}">
@@ -4867,41 +4853,6 @@
           <a:chExt cx="0" cy="0"/>
         </a:xfrm>
       </p:grpSpPr>
-      <p:pic>
-        <p:nvPicPr>
-          <p:cNvPr id="5" name="Espaço Reservado para Conteúdo 4">
-            <a:extLst>
-              <a:ext uri="{FF2B5EF4-FFF2-40B4-BE49-F238E27FC236}">
-                <a16:creationId xmlns:a16="http://schemas.microsoft.com/office/drawing/2014/main" id="{0EB6ED7E-6CFB-4E85-B7ED-4873840A1BE0}"/>
-              </a:ext>
-            </a:extLst>
-          </p:cNvPr>
-          <p:cNvPicPr>
-            <a:picLocks noGrp="1" noChangeAspect="1"/>
-          </p:cNvPicPr>
-          <p:nvPr>
-            <p:ph idx="1"/>
-          </p:nvPr>
-        </p:nvPicPr>
-        <p:blipFill>
-          <a:blip r:embed="rId2" cstate="print">
-            <a:extLst>
-              <a:ext uri="{28A0092B-C50C-407E-A947-70E740481C1C}">
-                <a14:useLocalDpi xmlns:a14="http://schemas.microsoft.com/office/drawing/2010/main" val="0"/>
-              </a:ext>
-            </a:extLst>
-          </a:blip>
-          <a:stretch>
-            <a:fillRect/>
-          </a:stretch>
-        </p:blipFill>
-        <p:spPr>
-          <a:xfrm>
-            <a:off x="2119313" y="2126456"/>
-            <a:ext cx="4905375" cy="3181350"/>
-          </a:xfrm>
-        </p:spPr>
-      </p:pic>
       <p:sp>
         <p:nvSpPr>
           <p:cNvPr id="6" name="Título 1">
@@ -4942,6 +4893,36 @@
           </a:p>
         </p:txBody>
       </p:sp>
+      <p:pic>
+        <p:nvPicPr>
+          <p:cNvPr id="8" name="Picture 7">
+            <a:extLst>
+              <a:ext uri="{FF2B5EF4-FFF2-40B4-BE49-F238E27FC236}">
+                <a16:creationId xmlns:a16="http://schemas.microsoft.com/office/drawing/2014/main" id="{AC1CFE5D-EA64-4455-B011-2E471DBEC948}"/>
+              </a:ext>
+            </a:extLst>
+          </p:cNvPr>
+          <p:cNvPicPr>
+            <a:picLocks noChangeAspect="1"/>
+          </p:cNvPicPr>
+          <p:nvPr/>
+        </p:nvPicPr>
+        <p:blipFill>
+          <a:blip r:embed="rId2"/>
+          <a:stretch>
+            <a:fillRect/>
+          </a:stretch>
+        </p:blipFill>
+        <p:spPr>
+          <a:xfrm>
+            <a:off x="0" y="1844824"/>
+            <a:ext cx="9144000" cy="3697386"/>
+          </a:xfrm>
+          <a:prstGeom prst="rect">
+            <a:avLst/>
+          </a:prstGeom>
+        </p:spPr>
+      </p:pic>
     </p:spTree>
     <p:extLst>
       <p:ext uri="{BB962C8B-B14F-4D97-AF65-F5344CB8AC3E}">
@@ -4972,41 +4953,6 @@
           <a:chExt cx="0" cy="0"/>
         </a:xfrm>
       </p:grpSpPr>
-      <p:pic>
-        <p:nvPicPr>
-          <p:cNvPr id="5" name="Espaço Reservado para Conteúdo 4">
-            <a:extLst>
-              <a:ext uri="{FF2B5EF4-FFF2-40B4-BE49-F238E27FC236}">
-                <a16:creationId xmlns:a16="http://schemas.microsoft.com/office/drawing/2014/main" id="{B614B2BC-1672-4B4C-B1D9-8F6906444D11}"/>
-              </a:ext>
-            </a:extLst>
-          </p:cNvPr>
-          <p:cNvPicPr>
-            <a:picLocks noGrp="1" noChangeAspect="1"/>
-          </p:cNvPicPr>
-          <p:nvPr>
-            <p:ph idx="1"/>
-          </p:nvPr>
-        </p:nvPicPr>
-        <p:blipFill>
-          <a:blip r:embed="rId2" cstate="print">
-            <a:extLst>
-              <a:ext uri="{28A0092B-C50C-407E-A947-70E740481C1C}">
-                <a14:useLocalDpi xmlns:a14="http://schemas.microsoft.com/office/drawing/2010/main" val="0"/>
-              </a:ext>
-            </a:extLst>
-          </a:blip>
-          <a:stretch>
-            <a:fillRect/>
-          </a:stretch>
-        </p:blipFill>
-        <p:spPr>
-          <a:xfrm>
-            <a:off x="179388" y="1919420"/>
-            <a:ext cx="8785225" cy="3595422"/>
-          </a:xfrm>
-        </p:spPr>
-      </p:pic>
       <p:sp>
         <p:nvSpPr>
           <p:cNvPr id="6" name="Título 1">
@@ -5047,6 +4993,96 @@
           </a:p>
         </p:txBody>
       </p:sp>
+      <p:sp>
+        <p:nvSpPr>
+          <p:cNvPr id="8" name="Rectangle 7">
+            <a:extLst>
+              <a:ext uri="{FF2B5EF4-FFF2-40B4-BE49-F238E27FC236}">
+                <a16:creationId xmlns:a16="http://schemas.microsoft.com/office/drawing/2014/main" id="{F316C0A6-AC98-4AAE-B87A-547E57B86D5F}"/>
+              </a:ext>
+            </a:extLst>
+          </p:cNvPr>
+          <p:cNvSpPr/>
+          <p:nvPr/>
+        </p:nvSpPr>
+        <p:spPr>
+          <a:xfrm>
+            <a:off x="0" y="1340768"/>
+            <a:ext cx="9144000" cy="5517232"/>
+          </a:xfrm>
+          <a:prstGeom prst="rect">
+            <a:avLst/>
+          </a:prstGeom>
+          <a:solidFill>
+            <a:schemeClr val="bg1"/>
+          </a:solidFill>
+          <a:ln>
+            <a:solidFill>
+              <a:schemeClr val="bg1"/>
+            </a:solidFill>
+          </a:ln>
+        </p:spPr>
+        <p:style>
+          <a:lnRef idx="2">
+            <a:schemeClr val="accent1">
+              <a:shade val="50000"/>
+            </a:schemeClr>
+          </a:lnRef>
+          <a:fillRef idx="1">
+            <a:schemeClr val="accent1"/>
+          </a:fillRef>
+          <a:effectRef idx="0">
+            <a:schemeClr val="accent1"/>
+          </a:effectRef>
+          <a:fontRef idx="minor">
+            <a:schemeClr val="lt1"/>
+          </a:fontRef>
+        </p:style>
+        <p:txBody>
+          <a:bodyPr rtlCol="0" anchor="ctr"/>
+          <a:lstStyle/>
+          <a:p>
+            <a:pPr algn="ctr"/>
+            <a:endParaRPr lang="pt-BR"/>
+          </a:p>
+        </p:txBody>
+      </p:sp>
+      <p:pic>
+        <p:nvPicPr>
+          <p:cNvPr id="9" name="Picture 8">
+            <a:extLst>
+              <a:ext uri="{FF2B5EF4-FFF2-40B4-BE49-F238E27FC236}">
+                <a16:creationId xmlns:a16="http://schemas.microsoft.com/office/drawing/2014/main" id="{F5F42E5F-1DEC-47B5-8651-247D9AF6FADE}"/>
+              </a:ext>
+            </a:extLst>
+          </p:cNvPr>
+          <p:cNvPicPr>
+            <a:picLocks noChangeAspect="1"/>
+          </p:cNvPicPr>
+          <p:nvPr/>
+        </p:nvPicPr>
+        <p:blipFill>
+          <a:blip r:embed="rId2">
+            <a:extLst>
+              <a:ext uri="{28A0092B-C50C-407E-A947-70E740481C1C}">
+                <a14:useLocalDpi xmlns:a14="http://schemas.microsoft.com/office/drawing/2010/main" val="0"/>
+              </a:ext>
+            </a:extLst>
+          </a:blip>
+          <a:stretch>
+            <a:fillRect/>
+          </a:stretch>
+        </p:blipFill>
+        <p:spPr>
+          <a:xfrm>
+            <a:off x="0" y="1340768"/>
+            <a:ext cx="9033417" cy="5112568"/>
+          </a:xfrm>
+          <a:prstGeom prst="rect">
+            <a:avLst/>
+          </a:prstGeom>
+        </p:spPr>
+      </p:pic>
     </p:spTree>
     <p:extLst>
       <p:ext uri="{BB962C8B-B14F-4D97-AF65-F5344CB8AC3E}">
@@ -5077,41 +5113,6 @@
           <a:chExt cx="0" cy="0"/>
         </a:xfrm>
       </p:grpSpPr>
-      <p:pic>
-        <p:nvPicPr>
-          <p:cNvPr id="5" name="Espaço Reservado para Conteúdo 4">
-            <a:extLst>
-              <a:ext uri="{FF2B5EF4-FFF2-40B4-BE49-F238E27FC236}">
-                <a16:creationId xmlns:a16="http://schemas.microsoft.com/office/drawing/2014/main" id="{D0E0BD5E-9A99-41F6-AEAA-D122187C4B06}"/>
-              </a:ext>
-            </a:extLst>
-          </p:cNvPr>
-          <p:cNvPicPr>
-            <a:picLocks noGrp="1" noChangeAspect="1"/>
-          </p:cNvPicPr>
-          <p:nvPr>
-            <p:ph idx="1"/>
-          </p:nvPr>
-        </p:nvPicPr>
-        <p:blipFill>
-          <a:blip r:embed="rId2" cstate="print">
-            <a:extLst>
-              <a:ext uri="{28A0092B-C50C-407E-A947-70E740481C1C}">
-                <a14:useLocalDpi xmlns:a14="http://schemas.microsoft.com/office/drawing/2010/main" val="0"/>
-              </a:ext>
-            </a:extLst>
-          </a:blip>
-          <a:stretch>
-            <a:fillRect/>
-          </a:stretch>
-        </p:blipFill>
-        <p:spPr>
-          <a:xfrm>
-            <a:off x="308968" y="1754707"/>
-            <a:ext cx="8526065" cy="3924848"/>
-          </a:xfrm>
-        </p:spPr>
-      </p:pic>
       <p:sp>
         <p:nvSpPr>
           <p:cNvPr id="6" name="Título 1">
@@ -5152,6 +5153,96 @@
           </a:p>
         </p:txBody>
       </p:sp>
+      <p:sp>
+        <p:nvSpPr>
+          <p:cNvPr id="8" name="Rectangle 7">
+            <a:extLst>
+              <a:ext uri="{FF2B5EF4-FFF2-40B4-BE49-F238E27FC236}">
+                <a16:creationId xmlns:a16="http://schemas.microsoft.com/office/drawing/2014/main" id="{EF4C9CB5-998F-4DAB-AD54-72FA9E925DA9}"/>
+              </a:ext>
+            </a:extLst>
+          </p:cNvPr>
+          <p:cNvSpPr/>
+          <p:nvPr/>
+        </p:nvSpPr>
+        <p:spPr>
+          <a:xfrm>
+            <a:off x="0" y="1340768"/>
+            <a:ext cx="9144000" cy="5517232"/>
+          </a:xfrm>
+          <a:prstGeom prst="rect">
+            <a:avLst/>
+          </a:prstGeom>
+          <a:solidFill>
+            <a:schemeClr val="bg1"/>
+          </a:solidFill>
+          <a:ln>
+            <a:solidFill>
+              <a:schemeClr val="bg1"/>
+            </a:solidFill>
+          </a:ln>
+        </p:spPr>
+        <p:style>
+          <a:lnRef idx="2">
+            <a:schemeClr val="accent1">
+              <a:shade val="50000"/>
+            </a:schemeClr>
+          </a:lnRef>
+          <a:fillRef idx="1">
+            <a:schemeClr val="accent1"/>
+          </a:fillRef>
+          <a:effectRef idx="0">
+            <a:schemeClr val="accent1"/>
+          </a:effectRef>
+          <a:fontRef idx="minor">
+            <a:schemeClr val="lt1"/>
+          </a:fontRef>
+        </p:style>
+        <p:txBody>
+          <a:bodyPr rtlCol="0" anchor="ctr"/>
+          <a:lstStyle/>
+          <a:p>
+            <a:pPr algn="ctr"/>
+            <a:endParaRPr lang="pt-BR"/>
+          </a:p>
+        </p:txBody>
+      </p:sp>
+      <p:pic>
+        <p:nvPicPr>
+          <p:cNvPr id="10" name="Picture 9">
+            <a:extLst>
+              <a:ext uri="{FF2B5EF4-FFF2-40B4-BE49-F238E27FC236}">
+                <a16:creationId xmlns:a16="http://schemas.microsoft.com/office/drawing/2014/main" id="{86E4D953-118F-46F7-809C-802C59C8CF9B}"/>
+              </a:ext>
+            </a:extLst>
+          </p:cNvPr>
+          <p:cNvPicPr>
+            <a:picLocks noChangeAspect="1"/>
+          </p:cNvPicPr>
+          <p:nvPr/>
+        </p:nvPicPr>
+        <p:blipFill>
+          <a:blip r:embed="rId2">
+            <a:extLst>
+              <a:ext uri="{28A0092B-C50C-407E-A947-70E740481C1C}">
+                <a14:useLocalDpi xmlns:a14="http://schemas.microsoft.com/office/drawing/2010/main" val="0"/>
+              </a:ext>
+            </a:extLst>
+          </a:blip>
+          <a:stretch>
+            <a:fillRect/>
+          </a:stretch>
+        </p:blipFill>
+        <p:spPr>
+          <a:xfrm>
+            <a:off x="-1" y="1358546"/>
+            <a:ext cx="9144001" cy="5054473"/>
+          </a:xfrm>
+          <a:prstGeom prst="rect">
+            <a:avLst/>
+          </a:prstGeom>
+        </p:spPr>
+      </p:pic>
     </p:spTree>
     <p:extLst>
       <p:ext uri="{BB962C8B-B14F-4D97-AF65-F5344CB8AC3E}">
@@ -5184,515 +5275,143 @@
       </p:grpSpPr>
       <p:sp>
         <p:nvSpPr>
-          <p:cNvPr id="7170" name="Rectangle 2"/>
+          <p:cNvPr id="6" name="Título 1">
+            <a:extLst>
+              <a:ext uri="{FF2B5EF4-FFF2-40B4-BE49-F238E27FC236}">
+                <a16:creationId xmlns:a16="http://schemas.microsoft.com/office/drawing/2014/main" id="{4420E5F6-C592-489E-8742-39113C67F28C}"/>
+              </a:ext>
+            </a:extLst>
+          </p:cNvPr>
           <p:cNvSpPr>
-            <a:spLocks noGrp="1" noChangeArrowheads="1"/>
+            <a:spLocks noGrp="1"/>
           </p:cNvSpPr>
           <p:nvPr>
-            <p:ph type="ctrTitle"/>
+            <p:ph type="title"/>
           </p:nvPr>
         </p:nvSpPr>
         <p:spPr>
           <a:xfrm>
-            <a:off x="611560" y="1484784"/>
-            <a:ext cx="7815263" cy="2088232"/>
+            <a:off x="323750" y="0"/>
+            <a:ext cx="8797925" cy="922338"/>
           </a:xfrm>
         </p:spPr>
         <p:txBody>
           <a:bodyPr/>
           <a:lstStyle/>
           <a:p>
-            <a:pPr eaLnBrk="1" fontAlgn="auto" hangingPunct="1">
-              <a:spcAft>
-                <a:spcPts val="0"/>
-              </a:spcAft>
-              <a:defRPr/>
-            </a:pPr>
-            <a:r>
-              <a:rPr lang="pt-BR" dirty="0">
-                <a:ea typeface="ＭＳ Ｐゴシック" pitchFamily="-106" charset="-128"/>
-              </a:rPr>
-              <a:t>MÓDULO EMPRESA</a:t>
+            <a:r>
+              <a:rPr lang="pt-BR" dirty="0"/>
+              <a:t>MÓDULO CONTROLE </a:t>
+            </a:r>
+            <a:br>
+              <a:rPr lang="pt-BR" dirty="0"/>
+            </a:br>
+            <a:r>
+              <a:rPr lang="pt-BR" dirty="0"/>
+              <a:t>DE ACESSO</a:t>
             </a:r>
           </a:p>
         </p:txBody>
       </p:sp>
-      <p:grpSp>
-        <p:nvGrpSpPr>
-          <p:cNvPr id="2" name="Group 11"/>
-          <p:cNvGrpSpPr>
-            <a:grpSpLocks/>
-          </p:cNvGrpSpPr>
-          <p:nvPr/>
-        </p:nvGrpSpPr>
-        <p:grpSpPr bwMode="auto">
-          <a:xfrm>
-            <a:off x="755650" y="3213100"/>
-            <a:ext cx="184150" cy="711200"/>
-            <a:chOff x="476" y="2078"/>
-            <a:chExt cx="116" cy="448"/>
-          </a:xfrm>
-        </p:grpSpPr>
-        <p:sp>
-          <p:nvSpPr>
-            <p:cNvPr id="4101" name="Text Box 4"/>
-            <p:cNvSpPr txBox="1">
-              <a:spLocks noChangeArrowheads="1"/>
-            </p:cNvSpPr>
-            <p:nvPr/>
-          </p:nvSpPr>
-          <p:spPr bwMode="auto">
-            <a:xfrm>
-              <a:off x="476" y="2078"/>
-              <a:ext cx="116" cy="233"/>
-            </a:xfrm>
-            <a:prstGeom prst="rect">
-              <a:avLst/>
-            </a:prstGeom>
-            <a:noFill/>
-            <a:ln>
-              <a:noFill/>
-            </a:ln>
+      <p:sp>
+        <p:nvSpPr>
+          <p:cNvPr id="8" name="Rectangle 7">
             <a:extLst>
-              <a:ext uri="{909E8E84-426E-40DD-AFC4-6F175D3DCCD1}">
-                <a14:hiddenFill xmlns:a14="http://schemas.microsoft.com/office/drawing/2010/main">
-                  <a:solidFill>
-                    <a:srgbClr val="FFFFFF"/>
-                  </a:solidFill>
-                </a14:hiddenFill>
-              </a:ext>
-              <a:ext uri="{91240B29-F687-4F45-9708-019B960494DF}">
-                <a14:hiddenLine xmlns:a14="http://schemas.microsoft.com/office/drawing/2010/main" w="9525">
-                  <a:solidFill>
-                    <a:srgbClr val="000000"/>
-                  </a:solidFill>
-                  <a:miter lim="800000"/>
-                  <a:headEnd/>
-                  <a:tailEnd/>
-                </a14:hiddenLine>
+              <a:ext uri="{FF2B5EF4-FFF2-40B4-BE49-F238E27FC236}">
+                <a16:creationId xmlns:a16="http://schemas.microsoft.com/office/drawing/2014/main" id="{EF4C9CB5-998F-4DAB-AD54-72FA9E925DA9}"/>
               </a:ext>
             </a:extLst>
-          </p:spPr>
-          <p:txBody>
-            <a:bodyPr wrap="none">
-              <a:spAutoFit/>
-            </a:bodyPr>
-            <a:lstStyle>
-              <a:lvl1pPr>
-                <a:defRPr>
-                  <a:solidFill>
-                    <a:schemeClr val="tx1"/>
-                  </a:solidFill>
-                  <a:latin typeface="Arial" charset="0"/>
-                  <a:ea typeface="ＭＳ Ｐゴシック" pitchFamily="34" charset="-128"/>
-                </a:defRPr>
-              </a:lvl1pPr>
-              <a:lvl2pPr marL="742950" indent="-285750">
-                <a:defRPr>
-                  <a:solidFill>
-                    <a:schemeClr val="tx1"/>
-                  </a:solidFill>
-                  <a:latin typeface="Arial" charset="0"/>
-                  <a:ea typeface="ＭＳ Ｐゴシック" pitchFamily="34" charset="-128"/>
-                </a:defRPr>
-              </a:lvl2pPr>
-              <a:lvl3pPr marL="1143000" indent="-228600">
-                <a:defRPr>
-                  <a:solidFill>
-                    <a:schemeClr val="tx1"/>
-                  </a:solidFill>
-                  <a:latin typeface="Arial" charset="0"/>
-                  <a:ea typeface="ＭＳ Ｐゴシック" pitchFamily="34" charset="-128"/>
-                </a:defRPr>
-              </a:lvl3pPr>
-              <a:lvl4pPr marL="1600200" indent="-228600">
-                <a:defRPr>
-                  <a:solidFill>
-                    <a:schemeClr val="tx1"/>
-                  </a:solidFill>
-                  <a:latin typeface="Arial" charset="0"/>
-                  <a:ea typeface="ＭＳ Ｐゴシック" pitchFamily="34" charset="-128"/>
-                </a:defRPr>
-              </a:lvl4pPr>
-              <a:lvl5pPr marL="2057400" indent="-228600">
-                <a:defRPr>
-                  <a:solidFill>
-                    <a:schemeClr val="tx1"/>
-                  </a:solidFill>
-                  <a:latin typeface="Arial" charset="0"/>
-                  <a:ea typeface="ＭＳ Ｐゴシック" pitchFamily="34" charset="-128"/>
-                </a:defRPr>
-              </a:lvl5pPr>
-              <a:lvl6pPr marL="2514600" indent="-228600" eaLnBrk="0" fontAlgn="base" hangingPunct="0">
-                <a:spcBef>
-                  <a:spcPct val="0"/>
-                </a:spcBef>
-                <a:spcAft>
-                  <a:spcPct val="0"/>
-                </a:spcAft>
-                <a:defRPr>
-                  <a:solidFill>
-                    <a:schemeClr val="tx1"/>
-                  </a:solidFill>
-                  <a:latin typeface="Arial" charset="0"/>
-                  <a:ea typeface="ＭＳ Ｐゴシック" pitchFamily="34" charset="-128"/>
-                </a:defRPr>
-              </a:lvl6pPr>
-              <a:lvl7pPr marL="2971800" indent="-228600" eaLnBrk="0" fontAlgn="base" hangingPunct="0">
-                <a:spcBef>
-                  <a:spcPct val="0"/>
-                </a:spcBef>
-                <a:spcAft>
-                  <a:spcPct val="0"/>
-                </a:spcAft>
-                <a:defRPr>
-                  <a:solidFill>
-                    <a:schemeClr val="tx1"/>
-                  </a:solidFill>
-                  <a:latin typeface="Arial" charset="0"/>
-                  <a:ea typeface="ＭＳ Ｐゴシック" pitchFamily="34" charset="-128"/>
-                </a:defRPr>
-              </a:lvl7pPr>
-              <a:lvl8pPr marL="3429000" indent="-228600" eaLnBrk="0" fontAlgn="base" hangingPunct="0">
-                <a:spcBef>
-                  <a:spcPct val="0"/>
-                </a:spcBef>
-                <a:spcAft>
-                  <a:spcPct val="0"/>
-                </a:spcAft>
-                <a:defRPr>
-                  <a:solidFill>
-                    <a:schemeClr val="tx1"/>
-                  </a:solidFill>
-                  <a:latin typeface="Arial" charset="0"/>
-                  <a:ea typeface="ＭＳ Ｐゴシック" pitchFamily="34" charset="-128"/>
-                </a:defRPr>
-              </a:lvl8pPr>
-              <a:lvl9pPr marL="3886200" indent="-228600" eaLnBrk="0" fontAlgn="base" hangingPunct="0">
-                <a:spcBef>
-                  <a:spcPct val="0"/>
-                </a:spcBef>
-                <a:spcAft>
-                  <a:spcPct val="0"/>
-                </a:spcAft>
-                <a:defRPr>
-                  <a:solidFill>
-                    <a:schemeClr val="tx1"/>
-                  </a:solidFill>
-                  <a:latin typeface="Arial" charset="0"/>
-                  <a:ea typeface="ＭＳ Ｐゴシック" pitchFamily="34" charset="-128"/>
-                </a:defRPr>
-              </a:lvl9pPr>
-            </a:lstStyle>
-            <a:p>
-              <a:pPr eaLnBrk="1" hangingPunct="1"/>
-              <a:endParaRPr lang="en-US"/>
-            </a:p>
-          </p:txBody>
-        </p:sp>
-        <p:sp>
-          <p:nvSpPr>
-            <p:cNvPr id="4102" name="Text Box 5"/>
-            <p:cNvSpPr txBox="1">
-              <a:spLocks noChangeArrowheads="1"/>
-            </p:cNvSpPr>
-            <p:nvPr/>
-          </p:nvSpPr>
-          <p:spPr bwMode="auto">
-            <a:xfrm>
-              <a:off x="476" y="2235"/>
-              <a:ext cx="116" cy="291"/>
-            </a:xfrm>
-            <a:prstGeom prst="rect">
-              <a:avLst/>
-            </a:prstGeom>
-            <a:noFill/>
-            <a:ln>
-              <a:noFill/>
-            </a:ln>
-            <a:extLst>
-              <a:ext uri="{909E8E84-426E-40DD-AFC4-6F175D3DCCD1}">
-                <a14:hiddenFill xmlns:a14="http://schemas.microsoft.com/office/drawing/2010/main">
-                  <a:solidFill>
-                    <a:srgbClr val="FFFFFF"/>
-                  </a:solidFill>
-                </a14:hiddenFill>
-              </a:ext>
-              <a:ext uri="{91240B29-F687-4F45-9708-019B960494DF}">
-                <a14:hiddenLine xmlns:a14="http://schemas.microsoft.com/office/drawing/2010/main" w="9525">
-                  <a:solidFill>
-                    <a:srgbClr val="000000"/>
-                  </a:solidFill>
-                  <a:miter lim="800000"/>
-                  <a:headEnd/>
-                  <a:tailEnd/>
-                </a14:hiddenLine>
-              </a:ext>
-            </a:extLst>
-          </p:spPr>
-          <p:txBody>
-            <a:bodyPr wrap="none">
-              <a:spAutoFit/>
-            </a:bodyPr>
-            <a:lstStyle>
-              <a:lvl1pPr>
-                <a:defRPr>
-                  <a:solidFill>
-                    <a:schemeClr val="tx1"/>
-                  </a:solidFill>
-                  <a:latin typeface="Arial" charset="0"/>
-                  <a:ea typeface="ＭＳ Ｐゴシック" pitchFamily="34" charset="-128"/>
-                </a:defRPr>
-              </a:lvl1pPr>
-              <a:lvl2pPr marL="742950" indent="-285750">
-                <a:defRPr>
-                  <a:solidFill>
-                    <a:schemeClr val="tx1"/>
-                  </a:solidFill>
-                  <a:latin typeface="Arial" charset="0"/>
-                  <a:ea typeface="ＭＳ Ｐゴシック" pitchFamily="34" charset="-128"/>
-                </a:defRPr>
-              </a:lvl2pPr>
-              <a:lvl3pPr marL="1143000" indent="-228600">
-                <a:defRPr>
-                  <a:solidFill>
-                    <a:schemeClr val="tx1"/>
-                  </a:solidFill>
-                  <a:latin typeface="Arial" charset="0"/>
-                  <a:ea typeface="ＭＳ Ｐゴシック" pitchFamily="34" charset="-128"/>
-                </a:defRPr>
-              </a:lvl3pPr>
-              <a:lvl4pPr marL="1600200" indent="-228600">
-                <a:defRPr>
-                  <a:solidFill>
-                    <a:schemeClr val="tx1"/>
-                  </a:solidFill>
-                  <a:latin typeface="Arial" charset="0"/>
-                  <a:ea typeface="ＭＳ Ｐゴシック" pitchFamily="34" charset="-128"/>
-                </a:defRPr>
-              </a:lvl4pPr>
-              <a:lvl5pPr marL="2057400" indent="-228600">
-                <a:defRPr>
-                  <a:solidFill>
-                    <a:schemeClr val="tx1"/>
-                  </a:solidFill>
-                  <a:latin typeface="Arial" charset="0"/>
-                  <a:ea typeface="ＭＳ Ｐゴシック" pitchFamily="34" charset="-128"/>
-                </a:defRPr>
-              </a:lvl5pPr>
-              <a:lvl6pPr marL="2514600" indent="-228600" eaLnBrk="0" fontAlgn="base" hangingPunct="0">
-                <a:spcBef>
-                  <a:spcPct val="0"/>
-                </a:spcBef>
-                <a:spcAft>
-                  <a:spcPct val="0"/>
-                </a:spcAft>
-                <a:defRPr>
-                  <a:solidFill>
-                    <a:schemeClr val="tx1"/>
-                  </a:solidFill>
-                  <a:latin typeface="Arial" charset="0"/>
-                  <a:ea typeface="ＭＳ Ｐゴシック" pitchFamily="34" charset="-128"/>
-                </a:defRPr>
-              </a:lvl6pPr>
-              <a:lvl7pPr marL="2971800" indent="-228600" eaLnBrk="0" fontAlgn="base" hangingPunct="0">
-                <a:spcBef>
-                  <a:spcPct val="0"/>
-                </a:spcBef>
-                <a:spcAft>
-                  <a:spcPct val="0"/>
-                </a:spcAft>
-                <a:defRPr>
-                  <a:solidFill>
-                    <a:schemeClr val="tx1"/>
-                  </a:solidFill>
-                  <a:latin typeface="Arial" charset="0"/>
-                  <a:ea typeface="ＭＳ Ｐゴシック" pitchFamily="34" charset="-128"/>
-                </a:defRPr>
-              </a:lvl7pPr>
-              <a:lvl8pPr marL="3429000" indent="-228600" eaLnBrk="0" fontAlgn="base" hangingPunct="0">
-                <a:spcBef>
-                  <a:spcPct val="0"/>
-                </a:spcBef>
-                <a:spcAft>
-                  <a:spcPct val="0"/>
-                </a:spcAft>
-                <a:defRPr>
-                  <a:solidFill>
-                    <a:schemeClr val="tx1"/>
-                  </a:solidFill>
-                  <a:latin typeface="Arial" charset="0"/>
-                  <a:ea typeface="ＭＳ Ｐゴシック" pitchFamily="34" charset="-128"/>
-                </a:defRPr>
-              </a:lvl8pPr>
-              <a:lvl9pPr marL="3886200" indent="-228600" eaLnBrk="0" fontAlgn="base" hangingPunct="0">
-                <a:spcBef>
-                  <a:spcPct val="0"/>
-                </a:spcBef>
-                <a:spcAft>
-                  <a:spcPct val="0"/>
-                </a:spcAft>
-                <a:defRPr>
-                  <a:solidFill>
-                    <a:schemeClr val="tx1"/>
-                  </a:solidFill>
-                  <a:latin typeface="Arial" charset="0"/>
-                  <a:ea typeface="ＭＳ Ｐゴシック" pitchFamily="34" charset="-128"/>
-                </a:defRPr>
-              </a:lvl9pPr>
-            </a:lstStyle>
-            <a:p>
-              <a:pPr eaLnBrk="1" hangingPunct="1"/>
-              <a:endParaRPr lang="pt-BR" sz="2400" b="1">
-                <a:solidFill>
-                  <a:srgbClr val="5F5F5F"/>
-                </a:solidFill>
-              </a:endParaRPr>
-            </a:p>
-          </p:txBody>
-        </p:sp>
-      </p:grpSp>
-      <p:sp>
-        <p:nvSpPr>
-          <p:cNvPr id="7" name="Rectangle 13"/>
-          <p:cNvSpPr txBox="1">
-            <a:spLocks noChangeArrowheads="1"/>
-          </p:cNvSpPr>
+          </p:cNvPr>
+          <p:cNvSpPr/>
           <p:nvPr/>
         </p:nvSpPr>
         <p:spPr>
           <a:xfrm>
-            <a:off x="866775" y="2652713"/>
-            <a:ext cx="7786688" cy="2008808"/>
+            <a:off x="0" y="1340768"/>
+            <a:ext cx="9144000" cy="5517232"/>
+          </a:xfrm>
+          <a:prstGeom prst="rect">
+            <a:avLst/>
+          </a:prstGeom>
+          <a:solidFill>
+            <a:schemeClr val="bg1"/>
+          </a:solidFill>
+          <a:ln>
+            <a:solidFill>
+              <a:schemeClr val="bg1"/>
+            </a:solidFill>
+          </a:ln>
+        </p:spPr>
+        <p:style>
+          <a:lnRef idx="2">
+            <a:schemeClr val="accent1">
+              <a:shade val="50000"/>
+            </a:schemeClr>
+          </a:lnRef>
+          <a:fillRef idx="1">
+            <a:schemeClr val="accent1"/>
+          </a:fillRef>
+          <a:effectRef idx="0">
+            <a:schemeClr val="accent1"/>
+          </a:effectRef>
+          <a:fontRef idx="minor">
+            <a:schemeClr val="lt1"/>
+          </a:fontRef>
+        </p:style>
+        <p:txBody>
+          <a:bodyPr rtlCol="0" anchor="ctr"/>
+          <a:lstStyle/>
+          <a:p>
+            <a:pPr algn="ctr"/>
+            <a:endParaRPr lang="pt-BR"/>
+          </a:p>
+        </p:txBody>
+      </p:sp>
+      <p:pic>
+        <p:nvPicPr>
+          <p:cNvPr id="3" name="Picture 2">
+            <a:extLst>
+              <a:ext uri="{FF2B5EF4-FFF2-40B4-BE49-F238E27FC236}">
+                <a16:creationId xmlns:a16="http://schemas.microsoft.com/office/drawing/2014/main" id="{F1FA4B04-B183-46B7-8891-15526F3F8963}"/>
+              </a:ext>
+            </a:extLst>
+          </p:cNvPr>
+          <p:cNvPicPr>
+            <a:picLocks noChangeAspect="1"/>
+          </p:cNvPicPr>
+          <p:nvPr/>
+        </p:nvPicPr>
+        <p:blipFill rotWithShape="1">
+          <a:blip r:embed="rId2">
+            <a:extLst>
+              <a:ext uri="{28A0092B-C50C-407E-A947-70E740481C1C}">
+                <a14:useLocalDpi xmlns:a14="http://schemas.microsoft.com/office/drawing/2010/main" val="0"/>
+              </a:ext>
+            </a:extLst>
+          </a:blip>
+          <a:srcRect t="2667"/>
+          <a:stretch/>
+        </p:blipFill>
+        <p:spPr>
+          <a:xfrm>
+            <a:off x="-20786" y="1312606"/>
+            <a:ext cx="9142462" cy="5116955"/>
           </a:xfrm>
           <a:prstGeom prst="rect">
             <a:avLst/>
           </a:prstGeom>
         </p:spPr>
-        <p:txBody>
-          <a:bodyPr/>
-          <a:lstStyle/>
-          <a:p>
-            <a:pPr marL="342900" marR="0" lvl="0" indent="-342900" algn="ctr" defTabSz="914400" rtl="0" eaLnBrk="1" fontAlgn="auto" latinLnBrk="0" hangingPunct="1">
-              <a:lnSpc>
-                <a:spcPct val="100000"/>
-              </a:lnSpc>
-              <a:spcBef>
-                <a:spcPct val="20000"/>
-              </a:spcBef>
-              <a:spcAft>
-                <a:spcPts val="0"/>
-              </a:spcAft>
-              <a:buClrTx/>
-              <a:buSzTx/>
-              <a:buFont typeface="Arial" panose="020B0604020202020204" pitchFamily="34" charset="0"/>
-              <a:buNone/>
-              <a:tabLst/>
-              <a:defRPr/>
-            </a:pPr>
-            <a:endParaRPr kumimoji="0" lang="pt-BR" sz="4000" b="0" i="0" u="none" strike="noStrike" kern="1200" cap="none" spc="0" normalizeH="0" baseline="0" noProof="0" dirty="0">
-              <a:ln>
-                <a:noFill/>
-              </a:ln>
-              <a:solidFill>
-                <a:schemeClr val="tx2">
-                  <a:lumMod val="75000"/>
-                </a:schemeClr>
-              </a:solidFill>
-              <a:effectLst/>
-              <a:uLnTx/>
-              <a:uFillTx/>
-              <a:latin typeface="Verdana" pitchFamily="34" charset="0"/>
-              <a:ea typeface="ＭＳ Ｐゴシック" pitchFamily="-106" charset="-128"/>
-              <a:cs typeface="Verdana" pitchFamily="34" charset="0"/>
-            </a:endParaRPr>
-          </a:p>
-          <a:p>
-            <a:pPr marL="342900" marR="0" lvl="0" indent="-342900" algn="ctr" defTabSz="914400" rtl="0" eaLnBrk="1" fontAlgn="auto" latinLnBrk="0" hangingPunct="1">
-              <a:lnSpc>
-                <a:spcPct val="100000"/>
-              </a:lnSpc>
-              <a:spcBef>
-                <a:spcPct val="20000"/>
-              </a:spcBef>
-              <a:spcAft>
-                <a:spcPts val="0"/>
-              </a:spcAft>
-              <a:buClrTx/>
-              <a:buSzTx/>
-              <a:buFont typeface="Arial" panose="020B0604020202020204" pitchFamily="34" charset="0"/>
-              <a:buNone/>
-              <a:tabLst/>
-              <a:defRPr/>
-            </a:pPr>
-            <a:r>
-              <a:rPr kumimoji="0" lang="pt-BR" sz="4000" b="0" i="0" u="none" strike="noStrike" kern="1200" cap="none" spc="0" normalizeH="0" baseline="0" noProof="0" dirty="0" err="1">
-                <a:ln>
-                  <a:noFill/>
-                </a:ln>
-                <a:solidFill>
-                  <a:schemeClr val="tx2">
-                    <a:lumMod val="75000"/>
-                  </a:schemeClr>
-                </a:solidFill>
-                <a:effectLst/>
-                <a:uLnTx/>
-                <a:uFillTx/>
-                <a:latin typeface="Verdana" pitchFamily="34" charset="0"/>
-                <a:ea typeface="ＭＳ Ｐゴシック" pitchFamily="-106" charset="-128"/>
-                <a:cs typeface="Verdana" pitchFamily="34" charset="0"/>
-              </a:rPr>
-              <a:t>Wender</a:t>
-            </a:r>
-            <a:r>
-              <a:rPr kumimoji="0" lang="pt-BR" sz="4000" b="0" i="0" u="none" strike="noStrike" kern="1200" cap="none" spc="0" normalizeH="0" baseline="0" noProof="0" dirty="0">
-                <a:ln>
-                  <a:noFill/>
-                </a:ln>
-                <a:solidFill>
-                  <a:schemeClr val="tx2">
-                    <a:lumMod val="75000"/>
-                  </a:schemeClr>
-                </a:solidFill>
-                <a:effectLst/>
-                <a:uLnTx/>
-                <a:uFillTx/>
-                <a:latin typeface="Verdana" pitchFamily="34" charset="0"/>
-                <a:ea typeface="ＭＳ Ｐゴシック" pitchFamily="-106" charset="-128"/>
-                <a:cs typeface="Verdana" pitchFamily="34" charset="0"/>
-              </a:rPr>
-              <a:t> Dantas</a:t>
-            </a:r>
-            <a:endParaRPr kumimoji="0" lang="pt-BR" sz="2000" b="1" i="0" u="none" strike="noStrike" kern="1200" cap="none" spc="0" normalizeH="0" baseline="0" noProof="0" dirty="0">
-              <a:ln>
-                <a:noFill/>
-              </a:ln>
-              <a:solidFill>
-                <a:srgbClr val="5F5F5F"/>
-              </a:solidFill>
-              <a:effectLst/>
-              <a:uLnTx/>
-              <a:uFillTx/>
-              <a:latin typeface="Verdana" pitchFamily="34" charset="0"/>
-              <a:ea typeface="Verdana" pitchFamily="34" charset="0"/>
-              <a:cs typeface="Verdana" pitchFamily="34" charset="0"/>
-            </a:endParaRPr>
-          </a:p>
-        </p:txBody>
-      </p:sp>
+      </p:pic>
     </p:spTree>
     <p:extLst>
       <p:ext uri="{BB962C8B-B14F-4D97-AF65-F5344CB8AC3E}">
-        <p14:creationId xmlns:p14="http://schemas.microsoft.com/office/powerpoint/2010/main" val="2461302196"/>
+        <p14:creationId xmlns:p14="http://schemas.microsoft.com/office/powerpoint/2010/main" val="398228404"/>
       </p:ext>
     </p:extLst>
   </p:cSld>
   <p:clrMapOvr>
     <a:masterClrMapping/>
   </p:clrMapOvr>
-  <p:transition spd="med">
-    <p:fade/>
-  </p:transition>
 </p:sld>
 </file>
 
@@ -5836,6 +5555,690 @@
       </p:grpSpPr>
       <p:sp>
         <p:nvSpPr>
+          <p:cNvPr id="6" name="Título 1">
+            <a:extLst>
+              <a:ext uri="{FF2B5EF4-FFF2-40B4-BE49-F238E27FC236}">
+                <a16:creationId xmlns:a16="http://schemas.microsoft.com/office/drawing/2014/main" id="{4420E5F6-C592-489E-8742-39113C67F28C}"/>
+              </a:ext>
+            </a:extLst>
+          </p:cNvPr>
+          <p:cNvSpPr>
+            <a:spLocks noGrp="1"/>
+          </p:cNvSpPr>
+          <p:nvPr>
+            <p:ph type="title"/>
+          </p:nvPr>
+        </p:nvSpPr>
+        <p:spPr>
+          <a:xfrm>
+            <a:off x="323750" y="0"/>
+            <a:ext cx="8797925" cy="922338"/>
+          </a:xfrm>
+        </p:spPr>
+        <p:txBody>
+          <a:bodyPr/>
+          <a:lstStyle/>
+          <a:p>
+            <a:r>
+              <a:rPr lang="pt-BR" dirty="0"/>
+              <a:t>MÓDULO CONTROLE </a:t>
+            </a:r>
+            <a:br>
+              <a:rPr lang="pt-BR" dirty="0"/>
+            </a:br>
+            <a:r>
+              <a:rPr lang="pt-BR" dirty="0"/>
+              <a:t>DE ACESSO</a:t>
+            </a:r>
+          </a:p>
+        </p:txBody>
+      </p:sp>
+      <p:sp>
+        <p:nvSpPr>
+          <p:cNvPr id="8" name="Rectangle 7">
+            <a:extLst>
+              <a:ext uri="{FF2B5EF4-FFF2-40B4-BE49-F238E27FC236}">
+                <a16:creationId xmlns:a16="http://schemas.microsoft.com/office/drawing/2014/main" id="{EF4C9CB5-998F-4DAB-AD54-72FA9E925DA9}"/>
+              </a:ext>
+            </a:extLst>
+          </p:cNvPr>
+          <p:cNvSpPr/>
+          <p:nvPr/>
+        </p:nvSpPr>
+        <p:spPr>
+          <a:xfrm>
+            <a:off x="0" y="1340768"/>
+            <a:ext cx="9144000" cy="5517232"/>
+          </a:xfrm>
+          <a:prstGeom prst="rect">
+            <a:avLst/>
+          </a:prstGeom>
+          <a:solidFill>
+            <a:schemeClr val="bg1"/>
+          </a:solidFill>
+          <a:ln>
+            <a:solidFill>
+              <a:schemeClr val="bg1"/>
+            </a:solidFill>
+          </a:ln>
+        </p:spPr>
+        <p:style>
+          <a:lnRef idx="2">
+            <a:schemeClr val="accent1">
+              <a:shade val="50000"/>
+            </a:schemeClr>
+          </a:lnRef>
+          <a:fillRef idx="1">
+            <a:schemeClr val="accent1"/>
+          </a:fillRef>
+          <a:effectRef idx="0">
+            <a:schemeClr val="accent1"/>
+          </a:effectRef>
+          <a:fontRef idx="minor">
+            <a:schemeClr val="lt1"/>
+          </a:fontRef>
+        </p:style>
+        <p:txBody>
+          <a:bodyPr rtlCol="0" anchor="ctr"/>
+          <a:lstStyle/>
+          <a:p>
+            <a:pPr algn="ctr"/>
+            <a:endParaRPr lang="pt-BR"/>
+          </a:p>
+        </p:txBody>
+      </p:sp>
+      <p:pic>
+        <p:nvPicPr>
+          <p:cNvPr id="4" name="Picture 3">
+            <a:extLst>
+              <a:ext uri="{FF2B5EF4-FFF2-40B4-BE49-F238E27FC236}">
+                <a16:creationId xmlns:a16="http://schemas.microsoft.com/office/drawing/2014/main" id="{9E45BBDA-7E5F-49C6-9ACE-8F5A7A5E8FAA}"/>
+              </a:ext>
+            </a:extLst>
+          </p:cNvPr>
+          <p:cNvPicPr>
+            <a:picLocks noChangeAspect="1"/>
+          </p:cNvPicPr>
+          <p:nvPr/>
+        </p:nvPicPr>
+        <p:blipFill rotWithShape="1">
+          <a:blip r:embed="rId2"/>
+          <a:srcRect l="-968" t="12350" r="968" b="154"/>
+          <a:stretch/>
+        </p:blipFill>
+        <p:spPr>
+          <a:xfrm>
+            <a:off x="-72010" y="1285618"/>
+            <a:ext cx="9324530" cy="5455750"/>
+          </a:xfrm>
+          <a:prstGeom prst="rect">
+            <a:avLst/>
+          </a:prstGeom>
+        </p:spPr>
+      </p:pic>
+    </p:spTree>
+    <p:extLst>
+      <p:ext uri="{BB962C8B-B14F-4D97-AF65-F5344CB8AC3E}">
+        <p14:creationId xmlns:p14="http://schemas.microsoft.com/office/powerpoint/2010/main" val="3663591352"/>
+      </p:ext>
+    </p:extLst>
+  </p:cSld>
+  <p:clrMapOvr>
+    <a:masterClrMapping/>
+  </p:clrMapOvr>
+</p:sld>
+</file>
+
+<file path=ppt/slides/slide21.xml><?xml version="1.0" encoding="utf-8"?>
+<p:sld xmlns:a="http://schemas.openxmlformats.org/drawingml/2006/main" xmlns:r="http://schemas.openxmlformats.org/officeDocument/2006/relationships" xmlns:p="http://schemas.openxmlformats.org/presentationml/2006/main">
+  <p:cSld>
+    <p:spTree>
+      <p:nvGrpSpPr>
+        <p:cNvPr id="1" name=""/>
+        <p:cNvGrpSpPr/>
+        <p:nvPr/>
+      </p:nvGrpSpPr>
+      <p:grpSpPr>
+        <a:xfrm>
+          <a:off x="0" y="0"/>
+          <a:ext cx="0" cy="0"/>
+          <a:chOff x="0" y="0"/>
+          <a:chExt cx="0" cy="0"/>
+        </a:xfrm>
+      </p:grpSpPr>
+      <p:sp>
+        <p:nvSpPr>
+          <p:cNvPr id="7170" name="Rectangle 2"/>
+          <p:cNvSpPr>
+            <a:spLocks noGrp="1" noChangeArrowheads="1"/>
+          </p:cNvSpPr>
+          <p:nvPr>
+            <p:ph type="ctrTitle"/>
+          </p:nvPr>
+        </p:nvSpPr>
+        <p:spPr>
+          <a:xfrm>
+            <a:off x="611560" y="1484784"/>
+            <a:ext cx="7815263" cy="2088232"/>
+          </a:xfrm>
+        </p:spPr>
+        <p:txBody>
+          <a:bodyPr/>
+          <a:lstStyle/>
+          <a:p>
+            <a:pPr eaLnBrk="1" fontAlgn="auto" hangingPunct="1">
+              <a:spcAft>
+                <a:spcPts val="0"/>
+              </a:spcAft>
+              <a:defRPr/>
+            </a:pPr>
+            <a:r>
+              <a:rPr lang="pt-BR" dirty="0">
+                <a:ea typeface="ＭＳ Ｐゴシック" pitchFamily="-106" charset="-128"/>
+              </a:rPr>
+              <a:t>MÓDULO EMPRESA</a:t>
+            </a:r>
+          </a:p>
+        </p:txBody>
+      </p:sp>
+      <p:grpSp>
+        <p:nvGrpSpPr>
+          <p:cNvPr id="2" name="Group 11"/>
+          <p:cNvGrpSpPr>
+            <a:grpSpLocks/>
+          </p:cNvGrpSpPr>
+          <p:nvPr/>
+        </p:nvGrpSpPr>
+        <p:grpSpPr bwMode="auto">
+          <a:xfrm>
+            <a:off x="755650" y="3213100"/>
+            <a:ext cx="184150" cy="711200"/>
+            <a:chOff x="476" y="2078"/>
+            <a:chExt cx="116" cy="448"/>
+          </a:xfrm>
+        </p:grpSpPr>
+        <p:sp>
+          <p:nvSpPr>
+            <p:cNvPr id="4101" name="Text Box 4"/>
+            <p:cNvSpPr txBox="1">
+              <a:spLocks noChangeArrowheads="1"/>
+            </p:cNvSpPr>
+            <p:nvPr/>
+          </p:nvSpPr>
+          <p:spPr bwMode="auto">
+            <a:xfrm>
+              <a:off x="476" y="2078"/>
+              <a:ext cx="116" cy="233"/>
+            </a:xfrm>
+            <a:prstGeom prst="rect">
+              <a:avLst/>
+            </a:prstGeom>
+            <a:noFill/>
+            <a:ln>
+              <a:noFill/>
+            </a:ln>
+            <a:extLst>
+              <a:ext uri="{909E8E84-426E-40DD-AFC4-6F175D3DCCD1}">
+                <a14:hiddenFill xmlns:a14="http://schemas.microsoft.com/office/drawing/2010/main">
+                  <a:solidFill>
+                    <a:srgbClr val="FFFFFF"/>
+                  </a:solidFill>
+                </a14:hiddenFill>
+              </a:ext>
+              <a:ext uri="{91240B29-F687-4F45-9708-019B960494DF}">
+                <a14:hiddenLine xmlns:a14="http://schemas.microsoft.com/office/drawing/2010/main" w="9525">
+                  <a:solidFill>
+                    <a:srgbClr val="000000"/>
+                  </a:solidFill>
+                  <a:miter lim="800000"/>
+                  <a:headEnd/>
+                  <a:tailEnd/>
+                </a14:hiddenLine>
+              </a:ext>
+            </a:extLst>
+          </p:spPr>
+          <p:txBody>
+            <a:bodyPr wrap="none">
+              <a:spAutoFit/>
+            </a:bodyPr>
+            <a:lstStyle>
+              <a:lvl1pPr>
+                <a:defRPr>
+                  <a:solidFill>
+                    <a:schemeClr val="tx1"/>
+                  </a:solidFill>
+                  <a:latin typeface="Arial" charset="0"/>
+                  <a:ea typeface="ＭＳ Ｐゴシック" pitchFamily="34" charset="-128"/>
+                </a:defRPr>
+              </a:lvl1pPr>
+              <a:lvl2pPr marL="742950" indent="-285750">
+                <a:defRPr>
+                  <a:solidFill>
+                    <a:schemeClr val="tx1"/>
+                  </a:solidFill>
+                  <a:latin typeface="Arial" charset="0"/>
+                  <a:ea typeface="ＭＳ Ｐゴシック" pitchFamily="34" charset="-128"/>
+                </a:defRPr>
+              </a:lvl2pPr>
+              <a:lvl3pPr marL="1143000" indent="-228600">
+                <a:defRPr>
+                  <a:solidFill>
+                    <a:schemeClr val="tx1"/>
+                  </a:solidFill>
+                  <a:latin typeface="Arial" charset="0"/>
+                  <a:ea typeface="ＭＳ Ｐゴシック" pitchFamily="34" charset="-128"/>
+                </a:defRPr>
+              </a:lvl3pPr>
+              <a:lvl4pPr marL="1600200" indent="-228600">
+                <a:defRPr>
+                  <a:solidFill>
+                    <a:schemeClr val="tx1"/>
+                  </a:solidFill>
+                  <a:latin typeface="Arial" charset="0"/>
+                  <a:ea typeface="ＭＳ Ｐゴシック" pitchFamily="34" charset="-128"/>
+                </a:defRPr>
+              </a:lvl4pPr>
+              <a:lvl5pPr marL="2057400" indent="-228600">
+                <a:defRPr>
+                  <a:solidFill>
+                    <a:schemeClr val="tx1"/>
+                  </a:solidFill>
+                  <a:latin typeface="Arial" charset="0"/>
+                  <a:ea typeface="ＭＳ Ｐゴシック" pitchFamily="34" charset="-128"/>
+                </a:defRPr>
+              </a:lvl5pPr>
+              <a:lvl6pPr marL="2514600" indent="-228600" eaLnBrk="0" fontAlgn="base" hangingPunct="0">
+                <a:spcBef>
+                  <a:spcPct val="0"/>
+                </a:spcBef>
+                <a:spcAft>
+                  <a:spcPct val="0"/>
+                </a:spcAft>
+                <a:defRPr>
+                  <a:solidFill>
+                    <a:schemeClr val="tx1"/>
+                  </a:solidFill>
+                  <a:latin typeface="Arial" charset="0"/>
+                  <a:ea typeface="ＭＳ Ｐゴシック" pitchFamily="34" charset="-128"/>
+                </a:defRPr>
+              </a:lvl6pPr>
+              <a:lvl7pPr marL="2971800" indent="-228600" eaLnBrk="0" fontAlgn="base" hangingPunct="0">
+                <a:spcBef>
+                  <a:spcPct val="0"/>
+                </a:spcBef>
+                <a:spcAft>
+                  <a:spcPct val="0"/>
+                </a:spcAft>
+                <a:defRPr>
+                  <a:solidFill>
+                    <a:schemeClr val="tx1"/>
+                  </a:solidFill>
+                  <a:latin typeface="Arial" charset="0"/>
+                  <a:ea typeface="ＭＳ Ｐゴシック" pitchFamily="34" charset="-128"/>
+                </a:defRPr>
+              </a:lvl7pPr>
+              <a:lvl8pPr marL="3429000" indent="-228600" eaLnBrk="0" fontAlgn="base" hangingPunct="0">
+                <a:spcBef>
+                  <a:spcPct val="0"/>
+                </a:spcBef>
+                <a:spcAft>
+                  <a:spcPct val="0"/>
+                </a:spcAft>
+                <a:defRPr>
+                  <a:solidFill>
+                    <a:schemeClr val="tx1"/>
+                  </a:solidFill>
+                  <a:latin typeface="Arial" charset="0"/>
+                  <a:ea typeface="ＭＳ Ｐゴシック" pitchFamily="34" charset="-128"/>
+                </a:defRPr>
+              </a:lvl8pPr>
+              <a:lvl9pPr marL="3886200" indent="-228600" eaLnBrk="0" fontAlgn="base" hangingPunct="0">
+                <a:spcBef>
+                  <a:spcPct val="0"/>
+                </a:spcBef>
+                <a:spcAft>
+                  <a:spcPct val="0"/>
+                </a:spcAft>
+                <a:defRPr>
+                  <a:solidFill>
+                    <a:schemeClr val="tx1"/>
+                  </a:solidFill>
+                  <a:latin typeface="Arial" charset="0"/>
+                  <a:ea typeface="ＭＳ Ｐゴシック" pitchFamily="34" charset="-128"/>
+                </a:defRPr>
+              </a:lvl9pPr>
+            </a:lstStyle>
+            <a:p>
+              <a:pPr eaLnBrk="1" hangingPunct="1"/>
+              <a:endParaRPr lang="en-US"/>
+            </a:p>
+          </p:txBody>
+        </p:sp>
+        <p:sp>
+          <p:nvSpPr>
+            <p:cNvPr id="4102" name="Text Box 5"/>
+            <p:cNvSpPr txBox="1">
+              <a:spLocks noChangeArrowheads="1"/>
+            </p:cNvSpPr>
+            <p:nvPr/>
+          </p:nvSpPr>
+          <p:spPr bwMode="auto">
+            <a:xfrm>
+              <a:off x="476" y="2235"/>
+              <a:ext cx="116" cy="291"/>
+            </a:xfrm>
+            <a:prstGeom prst="rect">
+              <a:avLst/>
+            </a:prstGeom>
+            <a:noFill/>
+            <a:ln>
+              <a:noFill/>
+            </a:ln>
+            <a:extLst>
+              <a:ext uri="{909E8E84-426E-40DD-AFC4-6F175D3DCCD1}">
+                <a14:hiddenFill xmlns:a14="http://schemas.microsoft.com/office/drawing/2010/main">
+                  <a:solidFill>
+                    <a:srgbClr val="FFFFFF"/>
+                  </a:solidFill>
+                </a14:hiddenFill>
+              </a:ext>
+              <a:ext uri="{91240B29-F687-4F45-9708-019B960494DF}">
+                <a14:hiddenLine xmlns:a14="http://schemas.microsoft.com/office/drawing/2010/main" w="9525">
+                  <a:solidFill>
+                    <a:srgbClr val="000000"/>
+                  </a:solidFill>
+                  <a:miter lim="800000"/>
+                  <a:headEnd/>
+                  <a:tailEnd/>
+                </a14:hiddenLine>
+              </a:ext>
+            </a:extLst>
+          </p:spPr>
+          <p:txBody>
+            <a:bodyPr wrap="none">
+              <a:spAutoFit/>
+            </a:bodyPr>
+            <a:lstStyle>
+              <a:lvl1pPr>
+                <a:defRPr>
+                  <a:solidFill>
+                    <a:schemeClr val="tx1"/>
+                  </a:solidFill>
+                  <a:latin typeface="Arial" charset="0"/>
+                  <a:ea typeface="ＭＳ Ｐゴシック" pitchFamily="34" charset="-128"/>
+                </a:defRPr>
+              </a:lvl1pPr>
+              <a:lvl2pPr marL="742950" indent="-285750">
+                <a:defRPr>
+                  <a:solidFill>
+                    <a:schemeClr val="tx1"/>
+                  </a:solidFill>
+                  <a:latin typeface="Arial" charset="0"/>
+                  <a:ea typeface="ＭＳ Ｐゴシック" pitchFamily="34" charset="-128"/>
+                </a:defRPr>
+              </a:lvl2pPr>
+              <a:lvl3pPr marL="1143000" indent="-228600">
+                <a:defRPr>
+                  <a:solidFill>
+                    <a:schemeClr val="tx1"/>
+                  </a:solidFill>
+                  <a:latin typeface="Arial" charset="0"/>
+                  <a:ea typeface="ＭＳ Ｐゴシック" pitchFamily="34" charset="-128"/>
+                </a:defRPr>
+              </a:lvl3pPr>
+              <a:lvl4pPr marL="1600200" indent="-228600">
+                <a:defRPr>
+                  <a:solidFill>
+                    <a:schemeClr val="tx1"/>
+                  </a:solidFill>
+                  <a:latin typeface="Arial" charset="0"/>
+                  <a:ea typeface="ＭＳ Ｐゴシック" pitchFamily="34" charset="-128"/>
+                </a:defRPr>
+              </a:lvl4pPr>
+              <a:lvl5pPr marL="2057400" indent="-228600">
+                <a:defRPr>
+                  <a:solidFill>
+                    <a:schemeClr val="tx1"/>
+                  </a:solidFill>
+                  <a:latin typeface="Arial" charset="0"/>
+                  <a:ea typeface="ＭＳ Ｐゴシック" pitchFamily="34" charset="-128"/>
+                </a:defRPr>
+              </a:lvl5pPr>
+              <a:lvl6pPr marL="2514600" indent="-228600" eaLnBrk="0" fontAlgn="base" hangingPunct="0">
+                <a:spcBef>
+                  <a:spcPct val="0"/>
+                </a:spcBef>
+                <a:spcAft>
+                  <a:spcPct val="0"/>
+                </a:spcAft>
+                <a:defRPr>
+                  <a:solidFill>
+                    <a:schemeClr val="tx1"/>
+                  </a:solidFill>
+                  <a:latin typeface="Arial" charset="0"/>
+                  <a:ea typeface="ＭＳ Ｐゴシック" pitchFamily="34" charset="-128"/>
+                </a:defRPr>
+              </a:lvl6pPr>
+              <a:lvl7pPr marL="2971800" indent="-228600" eaLnBrk="0" fontAlgn="base" hangingPunct="0">
+                <a:spcBef>
+                  <a:spcPct val="0"/>
+                </a:spcBef>
+                <a:spcAft>
+                  <a:spcPct val="0"/>
+                </a:spcAft>
+                <a:defRPr>
+                  <a:solidFill>
+                    <a:schemeClr val="tx1"/>
+                  </a:solidFill>
+                  <a:latin typeface="Arial" charset="0"/>
+                  <a:ea typeface="ＭＳ Ｐゴシック" pitchFamily="34" charset="-128"/>
+                </a:defRPr>
+              </a:lvl7pPr>
+              <a:lvl8pPr marL="3429000" indent="-228600" eaLnBrk="0" fontAlgn="base" hangingPunct="0">
+                <a:spcBef>
+                  <a:spcPct val="0"/>
+                </a:spcBef>
+                <a:spcAft>
+                  <a:spcPct val="0"/>
+                </a:spcAft>
+                <a:defRPr>
+                  <a:solidFill>
+                    <a:schemeClr val="tx1"/>
+                  </a:solidFill>
+                  <a:latin typeface="Arial" charset="0"/>
+                  <a:ea typeface="ＭＳ Ｐゴシック" pitchFamily="34" charset="-128"/>
+                </a:defRPr>
+              </a:lvl8pPr>
+              <a:lvl9pPr marL="3886200" indent="-228600" eaLnBrk="0" fontAlgn="base" hangingPunct="0">
+                <a:spcBef>
+                  <a:spcPct val="0"/>
+                </a:spcBef>
+                <a:spcAft>
+                  <a:spcPct val="0"/>
+                </a:spcAft>
+                <a:defRPr>
+                  <a:solidFill>
+                    <a:schemeClr val="tx1"/>
+                  </a:solidFill>
+                  <a:latin typeface="Arial" charset="0"/>
+                  <a:ea typeface="ＭＳ Ｐゴシック" pitchFamily="34" charset="-128"/>
+                </a:defRPr>
+              </a:lvl9pPr>
+            </a:lstStyle>
+            <a:p>
+              <a:pPr eaLnBrk="1" hangingPunct="1"/>
+              <a:endParaRPr lang="pt-BR" sz="2400" b="1">
+                <a:solidFill>
+                  <a:srgbClr val="5F5F5F"/>
+                </a:solidFill>
+              </a:endParaRPr>
+            </a:p>
+          </p:txBody>
+        </p:sp>
+      </p:grpSp>
+      <p:sp>
+        <p:nvSpPr>
+          <p:cNvPr id="7" name="Rectangle 13"/>
+          <p:cNvSpPr txBox="1">
+            <a:spLocks noChangeArrowheads="1"/>
+          </p:cNvSpPr>
+          <p:nvPr/>
+        </p:nvSpPr>
+        <p:spPr>
+          <a:xfrm>
+            <a:off x="866775" y="2652713"/>
+            <a:ext cx="7786688" cy="2008808"/>
+          </a:xfrm>
+          <a:prstGeom prst="rect">
+            <a:avLst/>
+          </a:prstGeom>
+        </p:spPr>
+        <p:txBody>
+          <a:bodyPr/>
+          <a:lstStyle/>
+          <a:p>
+            <a:pPr marL="342900" marR="0" lvl="0" indent="-342900" algn="ctr" defTabSz="914400" rtl="0" eaLnBrk="1" fontAlgn="auto" latinLnBrk="0" hangingPunct="1">
+              <a:lnSpc>
+                <a:spcPct val="100000"/>
+              </a:lnSpc>
+              <a:spcBef>
+                <a:spcPct val="20000"/>
+              </a:spcBef>
+              <a:spcAft>
+                <a:spcPts val="0"/>
+              </a:spcAft>
+              <a:buClrTx/>
+              <a:buSzTx/>
+              <a:buFont typeface="Arial" panose="020B0604020202020204" pitchFamily="34" charset="0"/>
+              <a:buNone/>
+              <a:tabLst/>
+              <a:defRPr/>
+            </a:pPr>
+            <a:endParaRPr kumimoji="0" lang="pt-BR" sz="4000" b="0" i="0" u="none" strike="noStrike" kern="1200" cap="none" spc="0" normalizeH="0" baseline="0" noProof="0" dirty="0">
+              <a:ln>
+                <a:noFill/>
+              </a:ln>
+              <a:solidFill>
+                <a:schemeClr val="tx2">
+                  <a:lumMod val="75000"/>
+                </a:schemeClr>
+              </a:solidFill>
+              <a:effectLst/>
+              <a:uLnTx/>
+              <a:uFillTx/>
+              <a:latin typeface="Verdana" pitchFamily="34" charset="0"/>
+              <a:ea typeface="ＭＳ Ｐゴシック" pitchFamily="-106" charset="-128"/>
+              <a:cs typeface="Verdana" pitchFamily="34" charset="0"/>
+            </a:endParaRPr>
+          </a:p>
+          <a:p>
+            <a:pPr marL="342900" marR="0" lvl="0" indent="-342900" algn="ctr" defTabSz="914400" rtl="0" eaLnBrk="1" fontAlgn="auto" latinLnBrk="0" hangingPunct="1">
+              <a:lnSpc>
+                <a:spcPct val="100000"/>
+              </a:lnSpc>
+              <a:spcBef>
+                <a:spcPct val="20000"/>
+              </a:spcBef>
+              <a:spcAft>
+                <a:spcPts val="0"/>
+              </a:spcAft>
+              <a:buClrTx/>
+              <a:buSzTx/>
+              <a:buFont typeface="Arial" panose="020B0604020202020204" pitchFamily="34" charset="0"/>
+              <a:buNone/>
+              <a:tabLst/>
+              <a:defRPr/>
+            </a:pPr>
+            <a:r>
+              <a:rPr kumimoji="0" lang="pt-BR" sz="4000" b="0" i="0" u="none" strike="noStrike" kern="1200" cap="none" spc="0" normalizeH="0" baseline="0" noProof="0" dirty="0" err="1">
+                <a:ln>
+                  <a:noFill/>
+                </a:ln>
+                <a:solidFill>
+                  <a:schemeClr val="tx2">
+                    <a:lumMod val="75000"/>
+                  </a:schemeClr>
+                </a:solidFill>
+                <a:effectLst/>
+                <a:uLnTx/>
+                <a:uFillTx/>
+                <a:latin typeface="Verdana" pitchFamily="34" charset="0"/>
+                <a:ea typeface="ＭＳ Ｐゴシック" pitchFamily="-106" charset="-128"/>
+                <a:cs typeface="Verdana" pitchFamily="34" charset="0"/>
+              </a:rPr>
+              <a:t>Wender</a:t>
+            </a:r>
+            <a:r>
+              <a:rPr kumimoji="0" lang="pt-BR" sz="4000" b="0" i="0" u="none" strike="noStrike" kern="1200" cap="none" spc="0" normalizeH="0" baseline="0" noProof="0" dirty="0">
+                <a:ln>
+                  <a:noFill/>
+                </a:ln>
+                <a:solidFill>
+                  <a:schemeClr val="tx2">
+                    <a:lumMod val="75000"/>
+                  </a:schemeClr>
+                </a:solidFill>
+                <a:effectLst/>
+                <a:uLnTx/>
+                <a:uFillTx/>
+                <a:latin typeface="Verdana" pitchFamily="34" charset="0"/>
+                <a:ea typeface="ＭＳ Ｐゴシック" pitchFamily="-106" charset="-128"/>
+                <a:cs typeface="Verdana" pitchFamily="34" charset="0"/>
+              </a:rPr>
+              <a:t> Dantas</a:t>
+            </a:r>
+            <a:endParaRPr kumimoji="0" lang="pt-BR" sz="2000" b="1" i="0" u="none" strike="noStrike" kern="1200" cap="none" spc="0" normalizeH="0" baseline="0" noProof="0" dirty="0">
+              <a:ln>
+                <a:noFill/>
+              </a:ln>
+              <a:solidFill>
+                <a:srgbClr val="5F5F5F"/>
+              </a:solidFill>
+              <a:effectLst/>
+              <a:uLnTx/>
+              <a:uFillTx/>
+              <a:latin typeface="Verdana" pitchFamily="34" charset="0"/>
+              <a:ea typeface="Verdana" pitchFamily="34" charset="0"/>
+              <a:cs typeface="Verdana" pitchFamily="34" charset="0"/>
+            </a:endParaRPr>
+          </a:p>
+        </p:txBody>
+      </p:sp>
+    </p:spTree>
+    <p:extLst>
+      <p:ext uri="{BB962C8B-B14F-4D97-AF65-F5344CB8AC3E}">
+        <p14:creationId xmlns:p14="http://schemas.microsoft.com/office/powerpoint/2010/main" val="2461302196"/>
+      </p:ext>
+    </p:extLst>
+  </p:cSld>
+  <p:clrMapOvr>
+    <a:masterClrMapping/>
+  </p:clrMapOvr>
+  <p:transition spd="med">
+    <p:fade/>
+  </p:transition>
+</p:sld>
+</file>
+
+<file path=ppt/slides/slide22.xml><?xml version="1.0" encoding="utf-8"?>
+<p:sld xmlns:a="http://schemas.openxmlformats.org/drawingml/2006/main" xmlns:r="http://schemas.openxmlformats.org/officeDocument/2006/relationships" xmlns:p="http://schemas.openxmlformats.org/presentationml/2006/main">
+  <p:cSld>
+    <p:spTree>
+      <p:nvGrpSpPr>
+        <p:cNvPr id="1" name=""/>
+        <p:cNvGrpSpPr/>
+        <p:nvPr/>
+      </p:nvGrpSpPr>
+      <p:grpSpPr>
+        <a:xfrm>
+          <a:off x="0" y="0"/>
+          <a:ext cx="0" cy="0"/>
+          <a:chOff x="0" y="0"/>
+          <a:chExt cx="0" cy="0"/>
+        </a:xfrm>
+      </p:grpSpPr>
+      <p:sp>
+        <p:nvSpPr>
           <p:cNvPr id="4" name="Título 3"/>
           <p:cNvSpPr>
             <a:spLocks noGrp="1"/>
@@ -6063,7 +6466,7 @@
 </p:sld>
 </file>
 
-<file path=ppt/slides/slide21.xml><?xml version="1.0" encoding="utf-8"?>
+<file path=ppt/slides/slide23.xml><?xml version="1.0" encoding="utf-8"?>
 <p:sld xmlns:a="http://schemas.openxmlformats.org/drawingml/2006/main" xmlns:r="http://schemas.openxmlformats.org/officeDocument/2006/relationships" xmlns:p="http://schemas.openxmlformats.org/presentationml/2006/main">
   <p:cSld>
     <p:spTree>
@@ -6145,296 +6548,6 @@
 </p:sld>
 </file>
 
-<file path=ppt/slides/slide22.xml><?xml version="1.0" encoding="utf-8"?>
-<p:sld xmlns:a="http://schemas.openxmlformats.org/drawingml/2006/main" xmlns:r="http://schemas.openxmlformats.org/officeDocument/2006/relationships" xmlns:p="http://schemas.openxmlformats.org/presentationml/2006/main">
-  <p:cSld>
-    <p:spTree>
-      <p:nvGrpSpPr>
-        <p:cNvPr id="1" name=""/>
-        <p:cNvGrpSpPr/>
-        <p:nvPr/>
-      </p:nvGrpSpPr>
-      <p:grpSpPr>
-        <a:xfrm>
-          <a:off x="0" y="0"/>
-          <a:ext cx="0" cy="0"/>
-          <a:chOff x="0" y="0"/>
-          <a:chExt cx="0" cy="0"/>
-        </a:xfrm>
-      </p:grpSpPr>
-      <p:sp>
-        <p:nvSpPr>
-          <p:cNvPr id="4" name="Título 3"/>
-          <p:cNvSpPr>
-            <a:spLocks noGrp="1"/>
-          </p:cNvSpPr>
-          <p:nvPr>
-            <p:ph type="title"/>
-          </p:nvPr>
-        </p:nvSpPr>
-        <p:spPr/>
-        <p:txBody>
-          <a:bodyPr/>
-          <a:lstStyle/>
-          <a:p>
-            <a:pPr eaLnBrk="1" hangingPunct="1">
-              <a:defRPr/>
-            </a:pPr>
-            <a:r>
-              <a:rPr lang="pt-BR" dirty="0"/>
-              <a:t>MÓDULO EMPRESA</a:t>
-            </a:r>
-          </a:p>
-        </p:txBody>
-      </p:sp>
-      <p:sp>
-        <p:nvSpPr>
-          <p:cNvPr id="21507" name="Espaço Reservado para Conteúdo 4"/>
-          <p:cNvSpPr>
-            <a:spLocks noGrp="1"/>
-          </p:cNvSpPr>
-          <p:nvPr>
-            <p:ph idx="1"/>
-          </p:nvPr>
-        </p:nvSpPr>
-        <p:spPr bwMode="auto">
-          <a:xfrm>
-            <a:off x="179512" y="1340768"/>
-            <a:ext cx="8785225" cy="5328592"/>
-          </a:xfrm>
-          <a:extLst>
-            <a:ext uri="{909E8E84-426E-40DD-AFC4-6F175D3DCCD1}">
-              <a14:hiddenFill xmlns:a14="http://schemas.microsoft.com/office/drawing/2010/main">
-                <a:solidFill>
-                  <a:srgbClr val="FFFFFF"/>
-                </a:solidFill>
-              </a14:hiddenFill>
-            </a:ext>
-            <a:ext uri="{91240B29-F687-4F45-9708-019B960494DF}">
-              <a14:hiddenLine xmlns:a14="http://schemas.microsoft.com/office/drawing/2010/main" w="9525">
-                <a:solidFill>
-                  <a:srgbClr val="000000"/>
-                </a:solidFill>
-                <a:miter lim="800000"/>
-                <a:headEnd/>
-                <a:tailEnd/>
-              </a14:hiddenLine>
-            </a:ext>
-          </a:extLst>
-        </p:spPr>
-        <p:txBody>
-          <a:bodyPr vert="horz" wrap="square" lIns="91440" tIns="45720" rIns="91440" bIns="45720" numCol="1" anchor="t" anchorCtr="0" compatLnSpc="1">
-            <a:prstTxWarp prst="textNoShape">
-              <a:avLst/>
-            </a:prstTxWarp>
-          </a:bodyPr>
-          <a:lstStyle/>
-          <a:p>
-            <a:pPr marL="0" indent="0" algn="ctr" eaLnBrk="1" hangingPunct="1">
-              <a:buFont typeface="Arial" panose="020B0604020202020204" pitchFamily="34" charset="0"/>
-              <a:buNone/>
-              <a:defRPr/>
-            </a:pPr>
-            <a:endParaRPr lang="pt-BR" sz="2000" dirty="0"/>
-          </a:p>
-          <a:p>
-            <a:pPr algn="just" eaLnBrk="1" hangingPunct="1">
-              <a:buFont typeface="Arial" panose="020B0604020202020204" pitchFamily="34" charset="0"/>
-              <a:buChar char="•"/>
-              <a:defRPr/>
-            </a:pPr>
-            <a:endParaRPr lang="pt-BR" sz="2000" dirty="0"/>
-          </a:p>
-        </p:txBody>
-      </p:sp>
-      <p:pic>
-        <p:nvPicPr>
-          <p:cNvPr id="3" name="Picture 2">
-            <a:extLst>
-              <a:ext uri="{FF2B5EF4-FFF2-40B4-BE49-F238E27FC236}">
-                <a16:creationId xmlns:a16="http://schemas.microsoft.com/office/drawing/2014/main" id="{2B1A4BC2-7DE1-4299-98E4-7ED739A14DCC}"/>
-              </a:ext>
-            </a:extLst>
-          </p:cNvPr>
-          <p:cNvPicPr>
-            <a:picLocks noChangeAspect="1"/>
-          </p:cNvPicPr>
-          <p:nvPr/>
-        </p:nvPicPr>
-        <p:blipFill>
-          <a:blip r:embed="rId2"/>
-          <a:stretch>
-            <a:fillRect/>
-          </a:stretch>
-        </p:blipFill>
-        <p:spPr>
-          <a:xfrm>
-            <a:off x="0" y="1772816"/>
-            <a:ext cx="9146478" cy="4104456"/>
-          </a:xfrm>
-          <a:prstGeom prst="rect">
-            <a:avLst/>
-          </a:prstGeom>
-        </p:spPr>
-      </p:pic>
-    </p:spTree>
-    <p:extLst>
-      <p:ext uri="{BB962C8B-B14F-4D97-AF65-F5344CB8AC3E}">
-        <p14:creationId xmlns:p14="http://schemas.microsoft.com/office/powerpoint/2010/main" val="4234705847"/>
-      </p:ext>
-    </p:extLst>
-  </p:cSld>
-  <p:clrMapOvr>
-    <a:masterClrMapping/>
-  </p:clrMapOvr>
-  <p:transition spd="med">
-    <p:fade/>
-  </p:transition>
-</p:sld>
-</file>
-
-<file path=ppt/slides/slide23.xml><?xml version="1.0" encoding="utf-8"?>
-<p:sld xmlns:a="http://schemas.openxmlformats.org/drawingml/2006/main" xmlns:r="http://schemas.openxmlformats.org/officeDocument/2006/relationships" xmlns:p="http://schemas.openxmlformats.org/presentationml/2006/main">
-  <p:cSld>
-    <p:spTree>
-      <p:nvGrpSpPr>
-        <p:cNvPr id="1" name=""/>
-        <p:cNvGrpSpPr/>
-        <p:nvPr/>
-      </p:nvGrpSpPr>
-      <p:grpSpPr>
-        <a:xfrm>
-          <a:off x="0" y="0"/>
-          <a:ext cx="0" cy="0"/>
-          <a:chOff x="0" y="0"/>
-          <a:chExt cx="0" cy="0"/>
-        </a:xfrm>
-      </p:grpSpPr>
-      <p:sp>
-        <p:nvSpPr>
-          <p:cNvPr id="4" name="Título 3"/>
-          <p:cNvSpPr>
-            <a:spLocks noGrp="1"/>
-          </p:cNvSpPr>
-          <p:nvPr>
-            <p:ph type="title"/>
-          </p:nvPr>
-        </p:nvSpPr>
-        <p:spPr/>
-        <p:txBody>
-          <a:bodyPr/>
-          <a:lstStyle/>
-          <a:p>
-            <a:pPr eaLnBrk="1" hangingPunct="1">
-              <a:defRPr/>
-            </a:pPr>
-            <a:r>
-              <a:rPr lang="pt-BR" dirty="0"/>
-              <a:t>MÓDULO EMPRESA</a:t>
-            </a:r>
-          </a:p>
-        </p:txBody>
-      </p:sp>
-      <p:sp>
-        <p:nvSpPr>
-          <p:cNvPr id="21507" name="Espaço Reservado para Conteúdo 4"/>
-          <p:cNvSpPr>
-            <a:spLocks noGrp="1"/>
-          </p:cNvSpPr>
-          <p:nvPr>
-            <p:ph idx="1"/>
-          </p:nvPr>
-        </p:nvSpPr>
-        <p:spPr bwMode="auto">
-          <a:xfrm>
-            <a:off x="179512" y="1340768"/>
-            <a:ext cx="8785225" cy="5328592"/>
-          </a:xfrm>
-          <a:extLst>
-            <a:ext uri="{909E8E84-426E-40DD-AFC4-6F175D3DCCD1}">
-              <a14:hiddenFill xmlns:a14="http://schemas.microsoft.com/office/drawing/2010/main">
-                <a:solidFill>
-                  <a:srgbClr val="FFFFFF"/>
-                </a:solidFill>
-              </a14:hiddenFill>
-            </a:ext>
-            <a:ext uri="{91240B29-F687-4F45-9708-019B960494DF}">
-              <a14:hiddenLine xmlns:a14="http://schemas.microsoft.com/office/drawing/2010/main" w="9525">
-                <a:solidFill>
-                  <a:srgbClr val="000000"/>
-                </a:solidFill>
-                <a:miter lim="800000"/>
-                <a:headEnd/>
-                <a:tailEnd/>
-              </a14:hiddenLine>
-            </a:ext>
-          </a:extLst>
-        </p:spPr>
-        <p:txBody>
-          <a:bodyPr vert="horz" wrap="square" lIns="91440" tIns="45720" rIns="91440" bIns="45720" numCol="1" anchor="t" anchorCtr="0" compatLnSpc="1">
-            <a:prstTxWarp prst="textNoShape">
-              <a:avLst/>
-            </a:prstTxWarp>
-          </a:bodyPr>
-          <a:lstStyle/>
-          <a:p>
-            <a:pPr marL="0" indent="0" algn="ctr" eaLnBrk="1" hangingPunct="1">
-              <a:buFont typeface="Arial" panose="020B0604020202020204" pitchFamily="34" charset="0"/>
-              <a:buNone/>
-              <a:defRPr/>
-            </a:pPr>
-            <a:endParaRPr lang="pt-BR" sz="2000" dirty="0"/>
-          </a:p>
-          <a:p>
-            <a:pPr algn="just" eaLnBrk="1" hangingPunct="1">
-              <a:buFont typeface="Arial" panose="020B0604020202020204" pitchFamily="34" charset="0"/>
-              <a:buChar char="•"/>
-              <a:defRPr/>
-            </a:pPr>
-            <a:endParaRPr lang="pt-BR" sz="2000" dirty="0"/>
-          </a:p>
-        </p:txBody>
-      </p:sp>
-      <p:pic>
-        <p:nvPicPr>
-          <p:cNvPr id="5" name="Imagem 4"/>
-          <p:cNvPicPr>
-            <a:picLocks noChangeAspect="1"/>
-          </p:cNvPicPr>
-          <p:nvPr/>
-        </p:nvPicPr>
-        <p:blipFill>
-          <a:blip r:embed="rId2"/>
-          <a:stretch>
-            <a:fillRect/>
-          </a:stretch>
-        </p:blipFill>
-        <p:spPr>
-          <a:xfrm>
-            <a:off x="23961" y="1320155"/>
-            <a:ext cx="9080331" cy="5184576"/>
-          </a:xfrm>
-          <a:prstGeom prst="rect">
-            <a:avLst/>
-          </a:prstGeom>
-        </p:spPr>
-      </p:pic>
-    </p:spTree>
-    <p:extLst>
-      <p:ext uri="{BB962C8B-B14F-4D97-AF65-F5344CB8AC3E}">
-        <p14:creationId xmlns:p14="http://schemas.microsoft.com/office/powerpoint/2010/main" val="3523015254"/>
-      </p:ext>
-    </p:extLst>
-  </p:cSld>
-  <p:clrMapOvr>
-    <a:masterClrMapping/>
-  </p:clrMapOvr>
-  <p:transition spd="med">
-    <p:fade/>
-  </p:transition>
-</p:sld>
-</file>
-
 <file path=ppt/slides/slide24.xml><?xml version="1.0" encoding="utf-8"?>
 <p:sld xmlns:a="http://schemas.openxmlformats.org/drawingml/2006/main" xmlns:r="http://schemas.openxmlformats.org/officeDocument/2006/relationships" xmlns:p="http://schemas.openxmlformats.org/presentationml/2006/main">
   <p:cSld>
@@ -6539,22 +6652,27 @@
       </p:sp>
       <p:pic>
         <p:nvPicPr>
-          <p:cNvPr id="5" name="Imagem 4"/>
+          <p:cNvPr id="2" name="Picture 1">
+            <a:extLst>
+              <a:ext uri="{FF2B5EF4-FFF2-40B4-BE49-F238E27FC236}">
+                <a16:creationId xmlns:a16="http://schemas.microsoft.com/office/drawing/2014/main" id="{F5A00150-EB0A-4F28-911C-141811EBFBD4}"/>
+              </a:ext>
+            </a:extLst>
+          </p:cNvPr>
           <p:cNvPicPr>
             <a:picLocks noChangeAspect="1"/>
           </p:cNvPicPr>
           <p:nvPr/>
         </p:nvPicPr>
-        <p:blipFill>
+        <p:blipFill rotWithShape="1">
           <a:blip r:embed="rId2"/>
-          <a:stretch>
-            <a:fillRect/>
-          </a:stretch>
+          <a:srcRect b="5494"/>
+          <a:stretch/>
         </p:blipFill>
         <p:spPr>
           <a:xfrm>
-            <a:off x="35496" y="1310059"/>
-            <a:ext cx="9079200" cy="5215285"/>
+            <a:off x="-6350" y="1820855"/>
+            <a:ext cx="9144000" cy="4128425"/>
           </a:xfrm>
           <a:prstGeom prst="rect">
             <a:avLst/>
@@ -6564,7 +6682,7 @@
     </p:spTree>
     <p:extLst>
       <p:ext uri="{BB962C8B-B14F-4D97-AF65-F5344CB8AC3E}">
-        <p14:creationId xmlns:p14="http://schemas.microsoft.com/office/powerpoint/2010/main" val="3817239344"/>
+        <p14:creationId xmlns:p14="http://schemas.microsoft.com/office/powerpoint/2010/main" val="4234705847"/>
       </p:ext>
     </p:extLst>
   </p:cSld>
@@ -6681,28 +6799,28 @@
       </p:sp>
       <p:pic>
         <p:nvPicPr>
-          <p:cNvPr id="3" name="Imagem 2"/>
+          <p:cNvPr id="3" name="Picture 2">
+            <a:extLst>
+              <a:ext uri="{FF2B5EF4-FFF2-40B4-BE49-F238E27FC236}">
+                <a16:creationId xmlns:a16="http://schemas.microsoft.com/office/drawing/2014/main" id="{2B1A4BC2-7DE1-4299-98E4-7ED739A14DCC}"/>
+              </a:ext>
+            </a:extLst>
+          </p:cNvPr>
           <p:cNvPicPr>
             <a:picLocks noChangeAspect="1"/>
           </p:cNvPicPr>
           <p:nvPr/>
         </p:nvPicPr>
         <p:blipFill>
-          <a:blip r:embed="rId2">
-            <a:extLst>
-              <a:ext uri="{28A0092B-C50C-407E-A947-70E740481C1C}">
-                <a14:useLocalDpi xmlns:a14="http://schemas.microsoft.com/office/drawing/2010/main" val="0"/>
-              </a:ext>
-            </a:extLst>
-          </a:blip>
+          <a:blip r:embed="rId2"/>
           <a:stretch>
             <a:fillRect/>
           </a:stretch>
         </p:blipFill>
         <p:spPr>
           <a:xfrm>
-            <a:off x="0" y="1484784"/>
-            <a:ext cx="9144000" cy="4392488"/>
+            <a:off x="0" y="1772816"/>
+            <a:ext cx="9146478" cy="4104456"/>
           </a:xfrm>
           <a:prstGeom prst="rect">
             <a:avLst/>
@@ -6712,7 +6830,7 @@
     </p:spTree>
     <p:extLst>
       <p:ext uri="{BB962C8B-B14F-4D97-AF65-F5344CB8AC3E}">
-        <p14:creationId xmlns:p14="http://schemas.microsoft.com/office/powerpoint/2010/main" val="1220430636"/>
+        <p14:creationId xmlns:p14="http://schemas.microsoft.com/office/powerpoint/2010/main" val="324456396"/>
       </p:ext>
     </p:extLst>
   </p:cSld>
@@ -6829,28 +6947,22 @@
       </p:sp>
       <p:pic>
         <p:nvPicPr>
-          <p:cNvPr id="2" name="Imagem 1"/>
+          <p:cNvPr id="5" name="Imagem 4"/>
           <p:cNvPicPr>
             <a:picLocks noChangeAspect="1"/>
           </p:cNvPicPr>
           <p:nvPr/>
         </p:nvPicPr>
         <p:blipFill>
-          <a:blip r:embed="rId2">
-            <a:extLst>
-              <a:ext uri="{28A0092B-C50C-407E-A947-70E740481C1C}">
-                <a14:useLocalDpi xmlns:a14="http://schemas.microsoft.com/office/drawing/2010/main" val="0"/>
-              </a:ext>
-            </a:extLst>
-          </a:blip>
+          <a:blip r:embed="rId2"/>
           <a:stretch>
             <a:fillRect/>
           </a:stretch>
         </p:blipFill>
         <p:spPr>
           <a:xfrm>
-            <a:off x="-6350" y="1484784"/>
-            <a:ext cx="9144000" cy="4392488"/>
+            <a:off x="23961" y="1320155"/>
+            <a:ext cx="9080331" cy="5184576"/>
           </a:xfrm>
           <a:prstGeom prst="rect">
             <a:avLst/>
@@ -6860,7 +6972,7 @@
     </p:spTree>
     <p:extLst>
       <p:ext uri="{BB962C8B-B14F-4D97-AF65-F5344CB8AC3E}">
-        <p14:creationId xmlns:p14="http://schemas.microsoft.com/office/powerpoint/2010/main" val="2229094826"/>
+        <p14:creationId xmlns:p14="http://schemas.microsoft.com/office/powerpoint/2010/main" val="3523015254"/>
       </p:ext>
     </p:extLst>
   </p:cSld>
@@ -6874,6 +6986,148 @@
 </file>
 
 <file path=ppt/slides/slide27.xml><?xml version="1.0" encoding="utf-8"?>
+<p:sld xmlns:a="http://schemas.openxmlformats.org/drawingml/2006/main" xmlns:r="http://schemas.openxmlformats.org/officeDocument/2006/relationships" xmlns:p="http://schemas.openxmlformats.org/presentationml/2006/main">
+  <p:cSld>
+    <p:spTree>
+      <p:nvGrpSpPr>
+        <p:cNvPr id="1" name=""/>
+        <p:cNvGrpSpPr/>
+        <p:nvPr/>
+      </p:nvGrpSpPr>
+      <p:grpSpPr>
+        <a:xfrm>
+          <a:off x="0" y="0"/>
+          <a:ext cx="0" cy="0"/>
+          <a:chOff x="0" y="0"/>
+          <a:chExt cx="0" cy="0"/>
+        </a:xfrm>
+      </p:grpSpPr>
+      <p:sp>
+        <p:nvSpPr>
+          <p:cNvPr id="4" name="Título 3"/>
+          <p:cNvSpPr>
+            <a:spLocks noGrp="1"/>
+          </p:cNvSpPr>
+          <p:nvPr>
+            <p:ph type="title"/>
+          </p:nvPr>
+        </p:nvSpPr>
+        <p:spPr/>
+        <p:txBody>
+          <a:bodyPr/>
+          <a:lstStyle/>
+          <a:p>
+            <a:pPr eaLnBrk="1" hangingPunct="1">
+              <a:defRPr/>
+            </a:pPr>
+            <a:r>
+              <a:rPr lang="pt-BR" dirty="0"/>
+              <a:t>MÓDULO EMPRESA</a:t>
+            </a:r>
+          </a:p>
+        </p:txBody>
+      </p:sp>
+      <p:sp>
+        <p:nvSpPr>
+          <p:cNvPr id="21507" name="Espaço Reservado para Conteúdo 4"/>
+          <p:cNvSpPr>
+            <a:spLocks noGrp="1"/>
+          </p:cNvSpPr>
+          <p:nvPr>
+            <p:ph idx="1"/>
+          </p:nvPr>
+        </p:nvSpPr>
+        <p:spPr bwMode="auto">
+          <a:xfrm>
+            <a:off x="179512" y="1340768"/>
+            <a:ext cx="8785225" cy="5328592"/>
+          </a:xfrm>
+          <a:extLst>
+            <a:ext uri="{909E8E84-426E-40DD-AFC4-6F175D3DCCD1}">
+              <a14:hiddenFill xmlns:a14="http://schemas.microsoft.com/office/drawing/2010/main">
+                <a:solidFill>
+                  <a:srgbClr val="FFFFFF"/>
+                </a:solidFill>
+              </a14:hiddenFill>
+            </a:ext>
+            <a:ext uri="{91240B29-F687-4F45-9708-019B960494DF}">
+              <a14:hiddenLine xmlns:a14="http://schemas.microsoft.com/office/drawing/2010/main" w="9525">
+                <a:solidFill>
+                  <a:srgbClr val="000000"/>
+                </a:solidFill>
+                <a:miter lim="800000"/>
+                <a:headEnd/>
+                <a:tailEnd/>
+              </a14:hiddenLine>
+            </a:ext>
+          </a:extLst>
+        </p:spPr>
+        <p:txBody>
+          <a:bodyPr vert="horz" wrap="square" lIns="91440" tIns="45720" rIns="91440" bIns="45720" numCol="1" anchor="t" anchorCtr="0" compatLnSpc="1">
+            <a:prstTxWarp prst="textNoShape">
+              <a:avLst/>
+            </a:prstTxWarp>
+          </a:bodyPr>
+          <a:lstStyle/>
+          <a:p>
+            <a:pPr marL="0" indent="0" algn="ctr" eaLnBrk="1" hangingPunct="1">
+              <a:buFont typeface="Arial" panose="020B0604020202020204" pitchFamily="34" charset="0"/>
+              <a:buNone/>
+              <a:defRPr/>
+            </a:pPr>
+            <a:endParaRPr lang="pt-BR" sz="2000" dirty="0"/>
+          </a:p>
+          <a:p>
+            <a:pPr algn="just" eaLnBrk="1" hangingPunct="1">
+              <a:buFont typeface="Arial" panose="020B0604020202020204" pitchFamily="34" charset="0"/>
+              <a:buChar char="•"/>
+              <a:defRPr/>
+            </a:pPr>
+            <a:endParaRPr lang="pt-BR" sz="2000" dirty="0"/>
+          </a:p>
+        </p:txBody>
+      </p:sp>
+      <p:pic>
+        <p:nvPicPr>
+          <p:cNvPr id="5" name="Imagem 4"/>
+          <p:cNvPicPr>
+            <a:picLocks noChangeAspect="1"/>
+          </p:cNvPicPr>
+          <p:nvPr/>
+        </p:nvPicPr>
+        <p:blipFill>
+          <a:blip r:embed="rId2"/>
+          <a:stretch>
+            <a:fillRect/>
+          </a:stretch>
+        </p:blipFill>
+        <p:spPr>
+          <a:xfrm>
+            <a:off x="35496" y="1310059"/>
+            <a:ext cx="9079200" cy="5215285"/>
+          </a:xfrm>
+          <a:prstGeom prst="rect">
+            <a:avLst/>
+          </a:prstGeom>
+        </p:spPr>
+      </p:pic>
+    </p:spTree>
+    <p:extLst>
+      <p:ext uri="{BB962C8B-B14F-4D97-AF65-F5344CB8AC3E}">
+        <p14:creationId xmlns:p14="http://schemas.microsoft.com/office/powerpoint/2010/main" val="3817239344"/>
+      </p:ext>
+    </p:extLst>
+  </p:cSld>
+  <p:clrMapOvr>
+    <a:masterClrMapping/>
+  </p:clrMapOvr>
+  <p:transition spd="med">
+    <p:fade/>
+  </p:transition>
+</p:sld>
+</file>
+
+<file path=ppt/slides/slide28.xml><?xml version="1.0" encoding="utf-8"?>
 <p:sld xmlns:a="http://schemas.openxmlformats.org/drawingml/2006/main" xmlns:r="http://schemas.openxmlformats.org/officeDocument/2006/relationships" xmlns:p="http://schemas.openxmlformats.org/presentationml/2006/main">
   <p:cSld>
     <p:spTree>
@@ -7385,7 +7639,7 @@
 </p:sld>
 </file>
 
-<file path=ppt/slides/slide28.xml><?xml version="1.0" encoding="utf-8"?>
+<file path=ppt/slides/slide29.xml><?xml version="1.0" encoding="utf-8"?>
 <p:sld xmlns:a="http://schemas.openxmlformats.org/drawingml/2006/main" xmlns:r="http://schemas.openxmlformats.org/officeDocument/2006/relationships" xmlns:p="http://schemas.openxmlformats.org/presentationml/2006/main">
   <p:cSld>
     <p:spTree>
@@ -7809,250 +8063,6 @@
     <p:extLst>
       <p:ext uri="{BB962C8B-B14F-4D97-AF65-F5344CB8AC3E}">
         <p14:creationId xmlns:p14="http://schemas.microsoft.com/office/powerpoint/2010/main" val="3812644496"/>
-      </p:ext>
-    </p:extLst>
-  </p:cSld>
-  <p:clrMapOvr>
-    <a:masterClrMapping/>
-  </p:clrMapOvr>
-</p:sld>
-</file>
-
-<file path=ppt/slides/slide29.xml><?xml version="1.0" encoding="utf-8"?>
-<p:sld xmlns:a="http://schemas.openxmlformats.org/drawingml/2006/main" xmlns:r="http://schemas.openxmlformats.org/officeDocument/2006/relationships" xmlns:p="http://schemas.openxmlformats.org/presentationml/2006/main">
-  <p:cSld>
-    <p:spTree>
-      <p:nvGrpSpPr>
-        <p:cNvPr id="1" name=""/>
-        <p:cNvGrpSpPr/>
-        <p:nvPr/>
-      </p:nvGrpSpPr>
-      <p:grpSpPr>
-        <a:xfrm>
-          <a:off x="0" y="0"/>
-          <a:ext cx="0" cy="0"/>
-          <a:chOff x="0" y="0"/>
-          <a:chExt cx="0" cy="0"/>
-        </a:xfrm>
-      </p:grpSpPr>
-      <p:sp>
-        <p:nvSpPr>
-          <p:cNvPr id="5" name="Título 3"/>
-          <p:cNvSpPr txBox="1">
-            <a:spLocks/>
-          </p:cNvSpPr>
-          <p:nvPr/>
-        </p:nvSpPr>
-        <p:spPr>
-          <a:xfrm>
-            <a:off x="2123728" y="188640"/>
-            <a:ext cx="8797925" cy="922338"/>
-          </a:xfrm>
-          <a:prstGeom prst="rect">
-            <a:avLst/>
-          </a:prstGeom>
-        </p:spPr>
-        <p:txBody>
-          <a:bodyPr/>
-          <a:lstStyle>
-            <a:lvl1pPr algn="ctr" rtl="0" eaLnBrk="0" fontAlgn="base" hangingPunct="0">
-              <a:spcBef>
-                <a:spcPct val="0"/>
-              </a:spcBef>
-              <a:spcAft>
-                <a:spcPct val="0"/>
-              </a:spcAft>
-              <a:defRPr sz="4400" kern="1200">
-                <a:solidFill>
-                  <a:schemeClr val="tx1"/>
-                </a:solidFill>
-                <a:latin typeface="Verdana" pitchFamily="34" charset="0"/>
-                <a:ea typeface="Verdana" pitchFamily="34" charset="0"/>
-                <a:cs typeface="Verdana" pitchFamily="34" charset="0"/>
-              </a:defRPr>
-            </a:lvl1pPr>
-            <a:lvl2pPr algn="ctr" rtl="0" eaLnBrk="0" fontAlgn="base" hangingPunct="0">
-              <a:spcBef>
-                <a:spcPct val="0"/>
-              </a:spcBef>
-              <a:spcAft>
-                <a:spcPct val="0"/>
-              </a:spcAft>
-              <a:defRPr sz="4400">
-                <a:solidFill>
-                  <a:schemeClr val="tx1"/>
-                </a:solidFill>
-                <a:latin typeface="Verdana" pitchFamily="34" charset="0"/>
-                <a:ea typeface="Verdana" pitchFamily="34" charset="0"/>
-                <a:cs typeface="Verdana" pitchFamily="34" charset="0"/>
-              </a:defRPr>
-            </a:lvl2pPr>
-            <a:lvl3pPr algn="ctr" rtl="0" eaLnBrk="0" fontAlgn="base" hangingPunct="0">
-              <a:spcBef>
-                <a:spcPct val="0"/>
-              </a:spcBef>
-              <a:spcAft>
-                <a:spcPct val="0"/>
-              </a:spcAft>
-              <a:defRPr sz="4400">
-                <a:solidFill>
-                  <a:schemeClr val="tx1"/>
-                </a:solidFill>
-                <a:latin typeface="Verdana" pitchFamily="34" charset="0"/>
-                <a:ea typeface="Verdana" pitchFamily="34" charset="0"/>
-                <a:cs typeface="Verdana" pitchFamily="34" charset="0"/>
-              </a:defRPr>
-            </a:lvl3pPr>
-            <a:lvl4pPr algn="ctr" rtl="0" eaLnBrk="0" fontAlgn="base" hangingPunct="0">
-              <a:spcBef>
-                <a:spcPct val="0"/>
-              </a:spcBef>
-              <a:spcAft>
-                <a:spcPct val="0"/>
-              </a:spcAft>
-              <a:defRPr sz="4400">
-                <a:solidFill>
-                  <a:schemeClr val="tx1"/>
-                </a:solidFill>
-                <a:latin typeface="Verdana" pitchFamily="34" charset="0"/>
-                <a:ea typeface="Verdana" pitchFamily="34" charset="0"/>
-                <a:cs typeface="Verdana" pitchFamily="34" charset="0"/>
-              </a:defRPr>
-            </a:lvl4pPr>
-            <a:lvl5pPr algn="ctr" rtl="0" eaLnBrk="0" fontAlgn="base" hangingPunct="0">
-              <a:spcBef>
-                <a:spcPct val="0"/>
-              </a:spcBef>
-              <a:spcAft>
-                <a:spcPct val="0"/>
-              </a:spcAft>
-              <a:defRPr sz="4400">
-                <a:solidFill>
-                  <a:schemeClr val="tx1"/>
-                </a:solidFill>
-                <a:latin typeface="Verdana" pitchFamily="34" charset="0"/>
-                <a:ea typeface="Verdana" pitchFamily="34" charset="0"/>
-                <a:cs typeface="Verdana" pitchFamily="34" charset="0"/>
-              </a:defRPr>
-            </a:lvl5pPr>
-            <a:lvl6pPr marL="457200" algn="ctr" rtl="0" fontAlgn="base">
-              <a:spcBef>
-                <a:spcPct val="0"/>
-              </a:spcBef>
-              <a:spcAft>
-                <a:spcPct val="0"/>
-              </a:spcAft>
-              <a:defRPr sz="4400">
-                <a:solidFill>
-                  <a:schemeClr val="tx1"/>
-                </a:solidFill>
-                <a:latin typeface="Verdana" pitchFamily="34" charset="0"/>
-                <a:ea typeface="Verdana" pitchFamily="34" charset="0"/>
-                <a:cs typeface="Verdana" pitchFamily="34" charset="0"/>
-              </a:defRPr>
-            </a:lvl6pPr>
-            <a:lvl7pPr marL="914400" algn="ctr" rtl="0" fontAlgn="base">
-              <a:spcBef>
-                <a:spcPct val="0"/>
-              </a:spcBef>
-              <a:spcAft>
-                <a:spcPct val="0"/>
-              </a:spcAft>
-              <a:defRPr sz="4400">
-                <a:solidFill>
-                  <a:schemeClr val="tx1"/>
-                </a:solidFill>
-                <a:latin typeface="Verdana" pitchFamily="34" charset="0"/>
-                <a:ea typeface="Verdana" pitchFamily="34" charset="0"/>
-                <a:cs typeface="Verdana" pitchFamily="34" charset="0"/>
-              </a:defRPr>
-            </a:lvl7pPr>
-            <a:lvl8pPr marL="1371600" algn="ctr" rtl="0" fontAlgn="base">
-              <a:spcBef>
-                <a:spcPct val="0"/>
-              </a:spcBef>
-              <a:spcAft>
-                <a:spcPct val="0"/>
-              </a:spcAft>
-              <a:defRPr sz="4400">
-                <a:solidFill>
-                  <a:schemeClr val="tx1"/>
-                </a:solidFill>
-                <a:latin typeface="Verdana" pitchFamily="34" charset="0"/>
-                <a:ea typeface="Verdana" pitchFamily="34" charset="0"/>
-                <a:cs typeface="Verdana" pitchFamily="34" charset="0"/>
-              </a:defRPr>
-            </a:lvl8pPr>
-            <a:lvl9pPr marL="1828800" algn="ctr" rtl="0" fontAlgn="base">
-              <a:spcBef>
-                <a:spcPct val="0"/>
-              </a:spcBef>
-              <a:spcAft>
-                <a:spcPct val="0"/>
-              </a:spcAft>
-              <a:defRPr sz="4400">
-                <a:solidFill>
-                  <a:schemeClr val="tx1"/>
-                </a:solidFill>
-                <a:latin typeface="Verdana" pitchFamily="34" charset="0"/>
-                <a:ea typeface="Verdana" pitchFamily="34" charset="0"/>
-                <a:cs typeface="Verdana" pitchFamily="34" charset="0"/>
-              </a:defRPr>
-            </a:lvl9pPr>
-          </a:lstStyle>
-          <a:p>
-            <a:pPr eaLnBrk="1" hangingPunct="1">
-              <a:defRPr/>
-            </a:pPr>
-            <a:r>
-              <a:rPr lang="pt-BR" sz="3600" b="1" dirty="0">
-                <a:solidFill>
-                  <a:schemeClr val="accent1">
-                    <a:lumMod val="50000"/>
-                  </a:schemeClr>
-                </a:solidFill>
-                <a:latin typeface="Arial" pitchFamily="34" charset="0"/>
-                <a:cs typeface="Arial" pitchFamily="34" charset="0"/>
-              </a:rPr>
-              <a:t>MÓDULO FINANCEIRO</a:t>
-            </a:r>
-          </a:p>
-        </p:txBody>
-      </p:sp>
-      <p:pic>
-        <p:nvPicPr>
-          <p:cNvPr id="2" name="Imagem 1"/>
-          <p:cNvPicPr>
-            <a:picLocks noChangeAspect="1"/>
-          </p:cNvPicPr>
-          <p:nvPr/>
-        </p:nvPicPr>
-        <p:blipFill>
-          <a:blip r:embed="rId2">
-            <a:extLst>
-              <a:ext uri="{28A0092B-C50C-407E-A947-70E740481C1C}">
-                <a14:useLocalDpi xmlns:a14="http://schemas.microsoft.com/office/drawing/2010/main" val="0"/>
-              </a:ext>
-            </a:extLst>
-          </a:blip>
-          <a:stretch>
-            <a:fillRect/>
-          </a:stretch>
-        </p:blipFill>
-        <p:spPr>
-          <a:xfrm>
-            <a:off x="2123728" y="1225327"/>
-            <a:ext cx="4680520" cy="5661249"/>
-          </a:xfrm>
-          <a:prstGeom prst="rect">
-            <a:avLst/>
-          </a:prstGeom>
-        </p:spPr>
-      </p:pic>
-    </p:spTree>
-    <p:extLst>
-      <p:ext uri="{BB962C8B-B14F-4D97-AF65-F5344CB8AC3E}">
-        <p14:creationId xmlns:p14="http://schemas.microsoft.com/office/powerpoint/2010/main" val="1625217003"/>
       </p:ext>
     </p:extLst>
   </p:cSld>
@@ -8162,16 +8172,200 @@
           <a:chExt cx="0" cy="0"/>
         </a:xfrm>
       </p:grpSpPr>
+      <p:sp>
+        <p:nvSpPr>
+          <p:cNvPr id="5" name="Título 3"/>
+          <p:cNvSpPr txBox="1">
+            <a:spLocks/>
+          </p:cNvSpPr>
+          <p:nvPr/>
+        </p:nvSpPr>
+        <p:spPr>
+          <a:xfrm>
+            <a:off x="2123728" y="188640"/>
+            <a:ext cx="8797925" cy="922338"/>
+          </a:xfrm>
+          <a:prstGeom prst="rect">
+            <a:avLst/>
+          </a:prstGeom>
+        </p:spPr>
+        <p:txBody>
+          <a:bodyPr/>
+          <a:lstStyle>
+            <a:lvl1pPr algn="ctr" rtl="0" eaLnBrk="0" fontAlgn="base" hangingPunct="0">
+              <a:spcBef>
+                <a:spcPct val="0"/>
+              </a:spcBef>
+              <a:spcAft>
+                <a:spcPct val="0"/>
+              </a:spcAft>
+              <a:defRPr sz="4400" kern="1200">
+                <a:solidFill>
+                  <a:schemeClr val="tx1"/>
+                </a:solidFill>
+                <a:latin typeface="Verdana" pitchFamily="34" charset="0"/>
+                <a:ea typeface="Verdana" pitchFamily="34" charset="0"/>
+                <a:cs typeface="Verdana" pitchFamily="34" charset="0"/>
+              </a:defRPr>
+            </a:lvl1pPr>
+            <a:lvl2pPr algn="ctr" rtl="0" eaLnBrk="0" fontAlgn="base" hangingPunct="0">
+              <a:spcBef>
+                <a:spcPct val="0"/>
+              </a:spcBef>
+              <a:spcAft>
+                <a:spcPct val="0"/>
+              </a:spcAft>
+              <a:defRPr sz="4400">
+                <a:solidFill>
+                  <a:schemeClr val="tx1"/>
+                </a:solidFill>
+                <a:latin typeface="Verdana" pitchFamily="34" charset="0"/>
+                <a:ea typeface="Verdana" pitchFamily="34" charset="0"/>
+                <a:cs typeface="Verdana" pitchFamily="34" charset="0"/>
+              </a:defRPr>
+            </a:lvl2pPr>
+            <a:lvl3pPr algn="ctr" rtl="0" eaLnBrk="0" fontAlgn="base" hangingPunct="0">
+              <a:spcBef>
+                <a:spcPct val="0"/>
+              </a:spcBef>
+              <a:spcAft>
+                <a:spcPct val="0"/>
+              </a:spcAft>
+              <a:defRPr sz="4400">
+                <a:solidFill>
+                  <a:schemeClr val="tx1"/>
+                </a:solidFill>
+                <a:latin typeface="Verdana" pitchFamily="34" charset="0"/>
+                <a:ea typeface="Verdana" pitchFamily="34" charset="0"/>
+                <a:cs typeface="Verdana" pitchFamily="34" charset="0"/>
+              </a:defRPr>
+            </a:lvl3pPr>
+            <a:lvl4pPr algn="ctr" rtl="0" eaLnBrk="0" fontAlgn="base" hangingPunct="0">
+              <a:spcBef>
+                <a:spcPct val="0"/>
+              </a:spcBef>
+              <a:spcAft>
+                <a:spcPct val="0"/>
+              </a:spcAft>
+              <a:defRPr sz="4400">
+                <a:solidFill>
+                  <a:schemeClr val="tx1"/>
+                </a:solidFill>
+                <a:latin typeface="Verdana" pitchFamily="34" charset="0"/>
+                <a:ea typeface="Verdana" pitchFamily="34" charset="0"/>
+                <a:cs typeface="Verdana" pitchFamily="34" charset="0"/>
+              </a:defRPr>
+            </a:lvl4pPr>
+            <a:lvl5pPr algn="ctr" rtl="0" eaLnBrk="0" fontAlgn="base" hangingPunct="0">
+              <a:spcBef>
+                <a:spcPct val="0"/>
+              </a:spcBef>
+              <a:spcAft>
+                <a:spcPct val="0"/>
+              </a:spcAft>
+              <a:defRPr sz="4400">
+                <a:solidFill>
+                  <a:schemeClr val="tx1"/>
+                </a:solidFill>
+                <a:latin typeface="Verdana" pitchFamily="34" charset="0"/>
+                <a:ea typeface="Verdana" pitchFamily="34" charset="0"/>
+                <a:cs typeface="Verdana" pitchFamily="34" charset="0"/>
+              </a:defRPr>
+            </a:lvl5pPr>
+            <a:lvl6pPr marL="457200" algn="ctr" rtl="0" fontAlgn="base">
+              <a:spcBef>
+                <a:spcPct val="0"/>
+              </a:spcBef>
+              <a:spcAft>
+                <a:spcPct val="0"/>
+              </a:spcAft>
+              <a:defRPr sz="4400">
+                <a:solidFill>
+                  <a:schemeClr val="tx1"/>
+                </a:solidFill>
+                <a:latin typeface="Verdana" pitchFamily="34" charset="0"/>
+                <a:ea typeface="Verdana" pitchFamily="34" charset="0"/>
+                <a:cs typeface="Verdana" pitchFamily="34" charset="0"/>
+              </a:defRPr>
+            </a:lvl6pPr>
+            <a:lvl7pPr marL="914400" algn="ctr" rtl="0" fontAlgn="base">
+              <a:spcBef>
+                <a:spcPct val="0"/>
+              </a:spcBef>
+              <a:spcAft>
+                <a:spcPct val="0"/>
+              </a:spcAft>
+              <a:defRPr sz="4400">
+                <a:solidFill>
+                  <a:schemeClr val="tx1"/>
+                </a:solidFill>
+                <a:latin typeface="Verdana" pitchFamily="34" charset="0"/>
+                <a:ea typeface="Verdana" pitchFamily="34" charset="0"/>
+                <a:cs typeface="Verdana" pitchFamily="34" charset="0"/>
+              </a:defRPr>
+            </a:lvl7pPr>
+            <a:lvl8pPr marL="1371600" algn="ctr" rtl="0" fontAlgn="base">
+              <a:spcBef>
+                <a:spcPct val="0"/>
+              </a:spcBef>
+              <a:spcAft>
+                <a:spcPct val="0"/>
+              </a:spcAft>
+              <a:defRPr sz="4400">
+                <a:solidFill>
+                  <a:schemeClr val="tx1"/>
+                </a:solidFill>
+                <a:latin typeface="Verdana" pitchFamily="34" charset="0"/>
+                <a:ea typeface="Verdana" pitchFamily="34" charset="0"/>
+                <a:cs typeface="Verdana" pitchFamily="34" charset="0"/>
+              </a:defRPr>
+            </a:lvl8pPr>
+            <a:lvl9pPr marL="1828800" algn="ctr" rtl="0" fontAlgn="base">
+              <a:spcBef>
+                <a:spcPct val="0"/>
+              </a:spcBef>
+              <a:spcAft>
+                <a:spcPct val="0"/>
+              </a:spcAft>
+              <a:defRPr sz="4400">
+                <a:solidFill>
+                  <a:schemeClr val="tx1"/>
+                </a:solidFill>
+                <a:latin typeface="Verdana" pitchFamily="34" charset="0"/>
+                <a:ea typeface="Verdana" pitchFamily="34" charset="0"/>
+                <a:cs typeface="Verdana" pitchFamily="34" charset="0"/>
+              </a:defRPr>
+            </a:lvl9pPr>
+          </a:lstStyle>
+          <a:p>
+            <a:pPr eaLnBrk="1" hangingPunct="1">
+              <a:defRPr/>
+            </a:pPr>
+            <a:r>
+              <a:rPr lang="pt-BR" sz="3600" b="1" dirty="0">
+                <a:solidFill>
+                  <a:schemeClr val="accent1">
+                    <a:lumMod val="50000"/>
+                  </a:schemeClr>
+                </a:solidFill>
+                <a:latin typeface="Arial" pitchFamily="34" charset="0"/>
+                <a:cs typeface="Arial" pitchFamily="34" charset="0"/>
+              </a:rPr>
+              <a:t>MÓDULO FINANCEIRO</a:t>
+            </a:r>
+          </a:p>
+        </p:txBody>
+      </p:sp>
       <p:pic>
         <p:nvPicPr>
-          <p:cNvPr id="5" name="Imagem 4"/>
+          <p:cNvPr id="3" name="Imagem 2"/>
           <p:cNvPicPr>
             <a:picLocks noChangeAspect="1"/>
           </p:cNvPicPr>
           <p:nvPr/>
         </p:nvPicPr>
         <p:blipFill>
-          <a:blip r:embed="rId2" cstate="print">
+          <a:blip r:embed="rId2">
             <a:extLst>
               <a:ext uri="{28A0092B-C50C-407E-A947-70E740481C1C}">
                 <a14:useLocalDpi xmlns:a14="http://schemas.microsoft.com/office/drawing/2010/main" val="0"/>
@@ -8184,14 +8378,44 @@
         </p:blipFill>
         <p:spPr>
           <a:xfrm>
-            <a:off x="258594" y="1484784"/>
-            <a:ext cx="8878385" cy="4305265"/>
+            <a:off x="2770383" y="1199651"/>
+            <a:ext cx="3737303" cy="5616000"/>
           </a:xfrm>
           <a:prstGeom prst="rect">
             <a:avLst/>
           </a:prstGeom>
         </p:spPr>
       </p:pic>
+    </p:spTree>
+    <p:extLst>
+      <p:ext uri="{BB962C8B-B14F-4D97-AF65-F5344CB8AC3E}">
+        <p14:creationId xmlns:p14="http://schemas.microsoft.com/office/powerpoint/2010/main" val="1625217003"/>
+      </p:ext>
+    </p:extLst>
+  </p:cSld>
+  <p:clrMapOvr>
+    <a:masterClrMapping/>
+  </p:clrMapOvr>
+</p:sld>
+</file>
+
+<file path=ppt/slides/slide31.xml><?xml version="1.0" encoding="utf-8"?>
+<p:sld xmlns:a="http://schemas.openxmlformats.org/drawingml/2006/main" xmlns:r="http://schemas.openxmlformats.org/officeDocument/2006/relationships" xmlns:p="http://schemas.openxmlformats.org/presentationml/2006/main">
+  <p:cSld>
+    <p:spTree>
+      <p:nvGrpSpPr>
+        <p:cNvPr id="1" name=""/>
+        <p:cNvGrpSpPr/>
+        <p:nvPr/>
+      </p:nvGrpSpPr>
+      <p:grpSpPr>
+        <a:xfrm>
+          <a:off x="0" y="0"/>
+          <a:ext cx="0" cy="0"/>
+          <a:chOff x="0" y="0"/>
+          <a:chExt cx="0" cy="0"/>
+        </a:xfrm>
+      </p:grpSpPr>
       <p:sp>
         <p:nvSpPr>
           <p:cNvPr id="6" name="Título 3"/>
@@ -8376,6 +8600,36 @@
           </a:p>
         </p:txBody>
       </p:sp>
+      <p:pic>
+        <p:nvPicPr>
+          <p:cNvPr id="2" name="Imagem 1"/>
+          <p:cNvPicPr>
+            <a:picLocks noChangeAspect="1"/>
+          </p:cNvPicPr>
+          <p:nvPr/>
+        </p:nvPicPr>
+        <p:blipFill>
+          <a:blip r:embed="rId2">
+            <a:extLst>
+              <a:ext uri="{28A0092B-C50C-407E-A947-70E740481C1C}">
+                <a14:useLocalDpi xmlns:a14="http://schemas.microsoft.com/office/drawing/2010/main" val="0"/>
+              </a:ext>
+            </a:extLst>
+          </a:blip>
+          <a:stretch>
+            <a:fillRect/>
+          </a:stretch>
+        </p:blipFill>
+        <p:spPr>
+          <a:xfrm>
+            <a:off x="-11922" y="1527252"/>
+            <a:ext cx="9155922" cy="4227901"/>
+          </a:xfrm>
+          <a:prstGeom prst="rect">
+            <a:avLst/>
+          </a:prstGeom>
+        </p:spPr>
+      </p:pic>
     </p:spTree>
     <p:extLst>
       <p:ext uri="{BB962C8B-B14F-4D97-AF65-F5344CB8AC3E}">
@@ -8389,7 +8643,7 @@
 </p:sld>
 </file>
 
-<file path=ppt/slides/slide31.xml><?xml version="1.0" encoding="utf-8"?>
+<file path=ppt/slides/slide32.xml><?xml version="1.0" encoding="utf-8"?>
 <p:sld xmlns:a="http://schemas.openxmlformats.org/drawingml/2006/main" xmlns:r="http://schemas.openxmlformats.org/officeDocument/2006/relationships" xmlns:p="http://schemas.openxmlformats.org/presentationml/2006/main">
   <p:cSld>
     <p:spTree>
@@ -8592,14 +8846,14 @@
       </p:sp>
       <p:pic>
         <p:nvPicPr>
-          <p:cNvPr id="8" name="Imagem 7"/>
+          <p:cNvPr id="3" name="Imagem 2"/>
           <p:cNvPicPr>
             <a:picLocks noChangeAspect="1"/>
           </p:cNvPicPr>
           <p:nvPr/>
         </p:nvPicPr>
         <p:blipFill>
-          <a:blip r:embed="rId2" cstate="print">
+          <a:blip r:embed="rId2">
             <a:extLst>
               <a:ext uri="{28A0092B-C50C-407E-A947-70E740481C1C}">
                 <a14:useLocalDpi xmlns:a14="http://schemas.microsoft.com/office/drawing/2010/main" val="0"/>
@@ -8612,8 +8866,8 @@
         </p:blipFill>
         <p:spPr>
           <a:xfrm>
-            <a:off x="215899" y="1412776"/>
-            <a:ext cx="8892480" cy="4328545"/>
+            <a:off x="0" y="1700808"/>
+            <a:ext cx="9144000" cy="3756011"/>
           </a:xfrm>
           <a:prstGeom prst="rect">
             <a:avLst/>
@@ -8624,250 +8878,6 @@
     <p:extLst>
       <p:ext uri="{BB962C8B-B14F-4D97-AF65-F5344CB8AC3E}">
         <p14:creationId xmlns:p14="http://schemas.microsoft.com/office/powerpoint/2010/main" val="3402891464"/>
-      </p:ext>
-    </p:extLst>
-  </p:cSld>
-  <p:clrMapOvr>
-    <a:masterClrMapping/>
-  </p:clrMapOvr>
-</p:sld>
-</file>
-
-<file path=ppt/slides/slide32.xml><?xml version="1.0" encoding="utf-8"?>
-<p:sld xmlns:a="http://schemas.openxmlformats.org/drawingml/2006/main" xmlns:r="http://schemas.openxmlformats.org/officeDocument/2006/relationships" xmlns:p="http://schemas.openxmlformats.org/presentationml/2006/main">
-  <p:cSld>
-    <p:spTree>
-      <p:nvGrpSpPr>
-        <p:cNvPr id="1" name=""/>
-        <p:cNvGrpSpPr/>
-        <p:nvPr/>
-      </p:nvGrpSpPr>
-      <p:grpSpPr>
-        <a:xfrm>
-          <a:off x="0" y="0"/>
-          <a:ext cx="0" cy="0"/>
-          <a:chOff x="0" y="0"/>
-          <a:chExt cx="0" cy="0"/>
-        </a:xfrm>
-      </p:grpSpPr>
-      <p:sp>
-        <p:nvSpPr>
-          <p:cNvPr id="5" name="Título 3"/>
-          <p:cNvSpPr txBox="1">
-            <a:spLocks/>
-          </p:cNvSpPr>
-          <p:nvPr/>
-        </p:nvSpPr>
-        <p:spPr>
-          <a:xfrm>
-            <a:off x="2123728" y="188640"/>
-            <a:ext cx="8797925" cy="922338"/>
-          </a:xfrm>
-          <a:prstGeom prst="rect">
-            <a:avLst/>
-          </a:prstGeom>
-        </p:spPr>
-        <p:txBody>
-          <a:bodyPr/>
-          <a:lstStyle>
-            <a:lvl1pPr algn="ctr" rtl="0" eaLnBrk="0" fontAlgn="base" hangingPunct="0">
-              <a:spcBef>
-                <a:spcPct val="0"/>
-              </a:spcBef>
-              <a:spcAft>
-                <a:spcPct val="0"/>
-              </a:spcAft>
-              <a:defRPr sz="4400" kern="1200">
-                <a:solidFill>
-                  <a:schemeClr val="tx1"/>
-                </a:solidFill>
-                <a:latin typeface="Verdana" pitchFamily="34" charset="0"/>
-                <a:ea typeface="Verdana" pitchFamily="34" charset="0"/>
-                <a:cs typeface="Verdana" pitchFamily="34" charset="0"/>
-              </a:defRPr>
-            </a:lvl1pPr>
-            <a:lvl2pPr algn="ctr" rtl="0" eaLnBrk="0" fontAlgn="base" hangingPunct="0">
-              <a:spcBef>
-                <a:spcPct val="0"/>
-              </a:spcBef>
-              <a:spcAft>
-                <a:spcPct val="0"/>
-              </a:spcAft>
-              <a:defRPr sz="4400">
-                <a:solidFill>
-                  <a:schemeClr val="tx1"/>
-                </a:solidFill>
-                <a:latin typeface="Verdana" pitchFamily="34" charset="0"/>
-                <a:ea typeface="Verdana" pitchFamily="34" charset="0"/>
-                <a:cs typeface="Verdana" pitchFamily="34" charset="0"/>
-              </a:defRPr>
-            </a:lvl2pPr>
-            <a:lvl3pPr algn="ctr" rtl="0" eaLnBrk="0" fontAlgn="base" hangingPunct="0">
-              <a:spcBef>
-                <a:spcPct val="0"/>
-              </a:spcBef>
-              <a:spcAft>
-                <a:spcPct val="0"/>
-              </a:spcAft>
-              <a:defRPr sz="4400">
-                <a:solidFill>
-                  <a:schemeClr val="tx1"/>
-                </a:solidFill>
-                <a:latin typeface="Verdana" pitchFamily="34" charset="0"/>
-                <a:ea typeface="Verdana" pitchFamily="34" charset="0"/>
-                <a:cs typeface="Verdana" pitchFamily="34" charset="0"/>
-              </a:defRPr>
-            </a:lvl3pPr>
-            <a:lvl4pPr algn="ctr" rtl="0" eaLnBrk="0" fontAlgn="base" hangingPunct="0">
-              <a:spcBef>
-                <a:spcPct val="0"/>
-              </a:spcBef>
-              <a:spcAft>
-                <a:spcPct val="0"/>
-              </a:spcAft>
-              <a:defRPr sz="4400">
-                <a:solidFill>
-                  <a:schemeClr val="tx1"/>
-                </a:solidFill>
-                <a:latin typeface="Verdana" pitchFamily="34" charset="0"/>
-                <a:ea typeface="Verdana" pitchFamily="34" charset="0"/>
-                <a:cs typeface="Verdana" pitchFamily="34" charset="0"/>
-              </a:defRPr>
-            </a:lvl4pPr>
-            <a:lvl5pPr algn="ctr" rtl="0" eaLnBrk="0" fontAlgn="base" hangingPunct="0">
-              <a:spcBef>
-                <a:spcPct val="0"/>
-              </a:spcBef>
-              <a:spcAft>
-                <a:spcPct val="0"/>
-              </a:spcAft>
-              <a:defRPr sz="4400">
-                <a:solidFill>
-                  <a:schemeClr val="tx1"/>
-                </a:solidFill>
-                <a:latin typeface="Verdana" pitchFamily="34" charset="0"/>
-                <a:ea typeface="Verdana" pitchFamily="34" charset="0"/>
-                <a:cs typeface="Verdana" pitchFamily="34" charset="0"/>
-              </a:defRPr>
-            </a:lvl5pPr>
-            <a:lvl6pPr marL="457200" algn="ctr" rtl="0" fontAlgn="base">
-              <a:spcBef>
-                <a:spcPct val="0"/>
-              </a:spcBef>
-              <a:spcAft>
-                <a:spcPct val="0"/>
-              </a:spcAft>
-              <a:defRPr sz="4400">
-                <a:solidFill>
-                  <a:schemeClr val="tx1"/>
-                </a:solidFill>
-                <a:latin typeface="Verdana" pitchFamily="34" charset="0"/>
-                <a:ea typeface="Verdana" pitchFamily="34" charset="0"/>
-                <a:cs typeface="Verdana" pitchFamily="34" charset="0"/>
-              </a:defRPr>
-            </a:lvl6pPr>
-            <a:lvl7pPr marL="914400" algn="ctr" rtl="0" fontAlgn="base">
-              <a:spcBef>
-                <a:spcPct val="0"/>
-              </a:spcBef>
-              <a:spcAft>
-                <a:spcPct val="0"/>
-              </a:spcAft>
-              <a:defRPr sz="4400">
-                <a:solidFill>
-                  <a:schemeClr val="tx1"/>
-                </a:solidFill>
-                <a:latin typeface="Verdana" pitchFamily="34" charset="0"/>
-                <a:ea typeface="Verdana" pitchFamily="34" charset="0"/>
-                <a:cs typeface="Verdana" pitchFamily="34" charset="0"/>
-              </a:defRPr>
-            </a:lvl7pPr>
-            <a:lvl8pPr marL="1371600" algn="ctr" rtl="0" fontAlgn="base">
-              <a:spcBef>
-                <a:spcPct val="0"/>
-              </a:spcBef>
-              <a:spcAft>
-                <a:spcPct val="0"/>
-              </a:spcAft>
-              <a:defRPr sz="4400">
-                <a:solidFill>
-                  <a:schemeClr val="tx1"/>
-                </a:solidFill>
-                <a:latin typeface="Verdana" pitchFamily="34" charset="0"/>
-                <a:ea typeface="Verdana" pitchFamily="34" charset="0"/>
-                <a:cs typeface="Verdana" pitchFamily="34" charset="0"/>
-              </a:defRPr>
-            </a:lvl8pPr>
-            <a:lvl9pPr marL="1828800" algn="ctr" rtl="0" fontAlgn="base">
-              <a:spcBef>
-                <a:spcPct val="0"/>
-              </a:spcBef>
-              <a:spcAft>
-                <a:spcPct val="0"/>
-              </a:spcAft>
-              <a:defRPr sz="4400">
-                <a:solidFill>
-                  <a:schemeClr val="tx1"/>
-                </a:solidFill>
-                <a:latin typeface="Verdana" pitchFamily="34" charset="0"/>
-                <a:ea typeface="Verdana" pitchFamily="34" charset="0"/>
-                <a:cs typeface="Verdana" pitchFamily="34" charset="0"/>
-              </a:defRPr>
-            </a:lvl9pPr>
-          </a:lstStyle>
-          <a:p>
-            <a:pPr eaLnBrk="1" hangingPunct="1">
-              <a:defRPr/>
-            </a:pPr>
-            <a:r>
-              <a:rPr lang="pt-BR" sz="3600" b="1" dirty="0">
-                <a:solidFill>
-                  <a:schemeClr val="accent1">
-                    <a:lumMod val="50000"/>
-                  </a:schemeClr>
-                </a:solidFill>
-                <a:latin typeface="Arial" pitchFamily="34" charset="0"/>
-                <a:cs typeface="Arial" pitchFamily="34" charset="0"/>
-              </a:rPr>
-              <a:t>MÓDULO FINANCEIRO</a:t>
-            </a:r>
-          </a:p>
-        </p:txBody>
-      </p:sp>
-      <p:pic>
-        <p:nvPicPr>
-          <p:cNvPr id="6" name="Imagem 5"/>
-          <p:cNvPicPr>
-            <a:picLocks noChangeAspect="1"/>
-          </p:cNvPicPr>
-          <p:nvPr/>
-        </p:nvPicPr>
-        <p:blipFill>
-          <a:blip r:embed="rId2" cstate="print">
-            <a:extLst>
-              <a:ext uri="{28A0092B-C50C-407E-A947-70E740481C1C}">
-                <a14:useLocalDpi xmlns:a14="http://schemas.microsoft.com/office/drawing/2010/main" val="0"/>
-              </a:ext>
-            </a:extLst>
-          </a:blip>
-          <a:stretch>
-            <a:fillRect/>
-          </a:stretch>
-        </p:blipFill>
-        <p:spPr>
-          <a:xfrm>
-            <a:off x="0" y="1216958"/>
-            <a:ext cx="9144000" cy="4424083"/>
-          </a:xfrm>
-          <a:prstGeom prst="rect">
-            <a:avLst/>
-          </a:prstGeom>
-        </p:spPr>
-      </p:pic>
-    </p:spTree>
-    <p:extLst>
-      <p:ext uri="{BB962C8B-B14F-4D97-AF65-F5344CB8AC3E}">
-        <p14:creationId xmlns:p14="http://schemas.microsoft.com/office/powerpoint/2010/main" val="2843391693"/>
       </p:ext>
     </p:extLst>
   </p:cSld>
@@ -9080,14 +9090,14 @@
       </p:sp>
       <p:pic>
         <p:nvPicPr>
-          <p:cNvPr id="6" name="Imagem 5"/>
+          <p:cNvPr id="2" name="Imagem 1"/>
           <p:cNvPicPr>
             <a:picLocks noChangeAspect="1"/>
           </p:cNvPicPr>
           <p:nvPr/>
         </p:nvPicPr>
         <p:blipFill>
-          <a:blip r:embed="rId2" cstate="print">
+          <a:blip r:embed="rId2">
             <a:extLst>
               <a:ext uri="{28A0092B-C50C-407E-A947-70E740481C1C}">
                 <a14:useLocalDpi xmlns:a14="http://schemas.microsoft.com/office/drawing/2010/main" val="0"/>
@@ -9100,8 +9110,8 @@
         </p:blipFill>
         <p:spPr>
           <a:xfrm>
-            <a:off x="1187624" y="1268760"/>
-            <a:ext cx="6613996" cy="5436404"/>
+            <a:off x="107505" y="1260216"/>
+            <a:ext cx="9036495" cy="5625168"/>
           </a:xfrm>
           <a:prstGeom prst="rect">
             <a:avLst/>
@@ -9111,7 +9121,7 @@
     </p:spTree>
     <p:extLst>
       <p:ext uri="{BB962C8B-B14F-4D97-AF65-F5344CB8AC3E}">
-        <p14:creationId xmlns:p14="http://schemas.microsoft.com/office/powerpoint/2010/main" val="3776007642"/>
+        <p14:creationId xmlns:p14="http://schemas.microsoft.com/office/powerpoint/2010/main" val="2843391693"/>
       </p:ext>
     </p:extLst>
   </p:cSld>
@@ -9324,14 +9334,14 @@
       </p:sp>
       <p:pic>
         <p:nvPicPr>
-          <p:cNvPr id="6" name="Imagem 5"/>
+          <p:cNvPr id="2" name="Imagem 1"/>
           <p:cNvPicPr>
             <a:picLocks noChangeAspect="1"/>
           </p:cNvPicPr>
           <p:nvPr/>
         </p:nvPicPr>
         <p:blipFill>
-          <a:blip r:embed="rId2" cstate="print">
+          <a:blip r:embed="rId2">
             <a:extLst>
               <a:ext uri="{28A0092B-C50C-407E-A947-70E740481C1C}">
                 <a14:useLocalDpi xmlns:a14="http://schemas.microsoft.com/office/drawing/2010/main" val="0"/>
@@ -9344,8 +9354,8 @@
         </p:blipFill>
         <p:spPr>
           <a:xfrm>
-            <a:off x="0" y="1824371"/>
-            <a:ext cx="9144000" cy="3209258"/>
+            <a:off x="0" y="2060848"/>
+            <a:ext cx="9144000" cy="3552816"/>
           </a:xfrm>
           <a:prstGeom prst="rect">
             <a:avLst/>
@@ -9355,7 +9365,7 @@
     </p:spTree>
     <p:extLst>
       <p:ext uri="{BB962C8B-B14F-4D97-AF65-F5344CB8AC3E}">
-        <p14:creationId xmlns:p14="http://schemas.microsoft.com/office/powerpoint/2010/main" val="295618873"/>
+        <p14:creationId xmlns:p14="http://schemas.microsoft.com/office/powerpoint/2010/main" val="3776007642"/>
       </p:ext>
     </p:extLst>
   </p:cSld>
@@ -10606,7 +10616,7 @@
       </p:sp>
       <p:pic>
         <p:nvPicPr>
-          <p:cNvPr id="3" name="Imagem 2"/>
+          <p:cNvPr id="6" name="Imagem 5"/>
           <p:cNvPicPr>
             <a:picLocks noChangeAspect="1"/>
           </p:cNvPicPr>
@@ -10620,8 +10630,8 @@
         </p:blipFill>
         <p:spPr>
           <a:xfrm>
-            <a:off x="322213" y="1359554"/>
-            <a:ext cx="8644086" cy="5485845"/>
+            <a:off x="539552" y="1279538"/>
+            <a:ext cx="7885931" cy="5464187"/>
           </a:xfrm>
           <a:prstGeom prst="rect">
             <a:avLst/>

--- a/TCC/5º Encontro/2017-Apresentacao Psystem.pptx
+++ b/TCC/5º Encontro/2017-Apresentacao Psystem.pptx
@@ -12,43 +12,43 @@
     <p:sldId id="270" r:id="rId3"/>
     <p:sldId id="271" r:id="rId4"/>
     <p:sldId id="272" r:id="rId5"/>
-    <p:sldId id="273" r:id="rId6"/>
-    <p:sldId id="288" r:id="rId7"/>
-    <p:sldId id="292" r:id="rId8"/>
-    <p:sldId id="293" r:id="rId9"/>
-    <p:sldId id="294" r:id="rId10"/>
-    <p:sldId id="295" r:id="rId11"/>
-    <p:sldId id="296" r:id="rId12"/>
-    <p:sldId id="297" r:id="rId13"/>
-    <p:sldId id="289" r:id="rId14"/>
-    <p:sldId id="307" r:id="rId15"/>
-    <p:sldId id="308" r:id="rId16"/>
-    <p:sldId id="311" r:id="rId17"/>
-    <p:sldId id="309" r:id="rId18"/>
-    <p:sldId id="310" r:id="rId19"/>
-    <p:sldId id="326" r:id="rId20"/>
-    <p:sldId id="327" r:id="rId21"/>
-    <p:sldId id="290" r:id="rId22"/>
-    <p:sldId id="312" r:id="rId23"/>
-    <p:sldId id="319" r:id="rId24"/>
-    <p:sldId id="314" r:id="rId25"/>
-    <p:sldId id="325" r:id="rId26"/>
-    <p:sldId id="315" r:id="rId27"/>
-    <p:sldId id="316" r:id="rId28"/>
-    <p:sldId id="291" r:id="rId29"/>
-    <p:sldId id="299" r:id="rId30"/>
-    <p:sldId id="318" r:id="rId31"/>
-    <p:sldId id="300" r:id="rId32"/>
-    <p:sldId id="301" r:id="rId33"/>
-    <p:sldId id="302" r:id="rId34"/>
-    <p:sldId id="303" r:id="rId35"/>
-    <p:sldId id="278" r:id="rId36"/>
-    <p:sldId id="321" r:id="rId37"/>
-    <p:sldId id="276" r:id="rId38"/>
-    <p:sldId id="281" r:id="rId39"/>
-    <p:sldId id="277" r:id="rId40"/>
-    <p:sldId id="324" r:id="rId41"/>
-    <p:sldId id="282" r:id="rId42"/>
+    <p:sldId id="288" r:id="rId6"/>
+    <p:sldId id="292" r:id="rId7"/>
+    <p:sldId id="293" r:id="rId8"/>
+    <p:sldId id="294" r:id="rId9"/>
+    <p:sldId id="295" r:id="rId10"/>
+    <p:sldId id="296" r:id="rId11"/>
+    <p:sldId id="297" r:id="rId12"/>
+    <p:sldId id="290" r:id="rId13"/>
+    <p:sldId id="312" r:id="rId14"/>
+    <p:sldId id="319" r:id="rId15"/>
+    <p:sldId id="314" r:id="rId16"/>
+    <p:sldId id="325" r:id="rId17"/>
+    <p:sldId id="315" r:id="rId18"/>
+    <p:sldId id="316" r:id="rId19"/>
+    <p:sldId id="328" r:id="rId20"/>
+    <p:sldId id="291" r:id="rId21"/>
+    <p:sldId id="299" r:id="rId22"/>
+    <p:sldId id="318" r:id="rId23"/>
+    <p:sldId id="300" r:id="rId24"/>
+    <p:sldId id="301" r:id="rId25"/>
+    <p:sldId id="302" r:id="rId26"/>
+    <p:sldId id="303" r:id="rId27"/>
+    <p:sldId id="278" r:id="rId28"/>
+    <p:sldId id="321" r:id="rId29"/>
+    <p:sldId id="276" r:id="rId30"/>
+    <p:sldId id="281" r:id="rId31"/>
+    <p:sldId id="277" r:id="rId32"/>
+    <p:sldId id="324" r:id="rId33"/>
+    <p:sldId id="282" r:id="rId34"/>
+    <p:sldId id="289" r:id="rId35"/>
+    <p:sldId id="307" r:id="rId36"/>
+    <p:sldId id="308" r:id="rId37"/>
+    <p:sldId id="311" r:id="rId38"/>
+    <p:sldId id="309" r:id="rId39"/>
+    <p:sldId id="310" r:id="rId40"/>
+    <p:sldId id="326" r:id="rId41"/>
+    <p:sldId id="327" r:id="rId42"/>
     <p:sldId id="279" r:id="rId43"/>
     <p:sldId id="280" r:id="rId44"/>
     <p:sldId id="323" r:id="rId45"/>
@@ -286,7 +286,7 @@
             <a:fld id="{C0D5B206-56B5-433E-8333-9415E6A460B9}" type="datetimeFigureOut">
               <a:rPr lang="pt-BR" smtClean="0"/>
               <a:pPr/>
-              <a:t>06/09/2017</a:t>
+              <a:t>12/09/2017</a:t>
             </a:fld>
             <a:endParaRPr lang="pt-BR"/>
           </a:p>
@@ -853,102 +853,6 @@
     <p:extLst>
       <p:ext uri="{BB962C8B-B14F-4D97-AF65-F5344CB8AC3E}">
         <p14:creationId xmlns:p14="http://schemas.microsoft.com/office/powerpoint/2010/main" val="1775795487"/>
-      </p:ext>
-    </p:extLst>
-  </p:cSld>
-  <p:clrMapOvr>
-    <a:masterClrMapping/>
-  </p:clrMapOvr>
-</p:notes>
-</file>
-
-<file path=ppt/notesSlides/notesSlide4.xml><?xml version="1.0" encoding="utf-8"?>
-<p:notes xmlns:a="http://schemas.openxmlformats.org/drawingml/2006/main" xmlns:r="http://schemas.openxmlformats.org/officeDocument/2006/relationships" xmlns:p="http://schemas.openxmlformats.org/presentationml/2006/main">
-  <p:cSld>
-    <p:spTree>
-      <p:nvGrpSpPr>
-        <p:cNvPr id="1" name=""/>
-        <p:cNvGrpSpPr/>
-        <p:nvPr/>
-      </p:nvGrpSpPr>
-      <p:grpSpPr>
-        <a:xfrm>
-          <a:off x="0" y="0"/>
-          <a:ext cx="0" cy="0"/>
-          <a:chOff x="0" y="0"/>
-          <a:chExt cx="0" cy="0"/>
-        </a:xfrm>
-      </p:grpSpPr>
-      <p:sp>
-        <p:nvSpPr>
-          <p:cNvPr id="2" name="Espaço Reservado para Imagem de Slide 1"/>
-          <p:cNvSpPr>
-            <a:spLocks noGrp="1" noRot="1" noChangeAspect="1"/>
-          </p:cNvSpPr>
-          <p:nvPr>
-            <p:ph type="sldImg"/>
-          </p:nvPr>
-        </p:nvSpPr>
-        <p:spPr/>
-      </p:sp>
-      <p:sp>
-        <p:nvSpPr>
-          <p:cNvPr id="3" name="Espaço Reservado para Anotações 2"/>
-          <p:cNvSpPr>
-            <a:spLocks noGrp="1"/>
-          </p:cNvSpPr>
-          <p:nvPr>
-            <p:ph type="body" idx="1"/>
-          </p:nvPr>
-        </p:nvSpPr>
-        <p:spPr/>
-        <p:txBody>
-          <a:bodyPr/>
-          <a:lstStyle/>
-          <a:p>
-            <a:r>
-              <a:rPr lang="pt-BR" dirty="0"/>
-              <a:t>Acredito que o ideal é o </a:t>
-            </a:r>
-            <a:r>
-              <a:rPr lang="pt-BR" dirty="0" err="1"/>
-              <a:t>Wender</a:t>
-            </a:r>
-            <a:r>
-              <a:rPr lang="pt-BR" dirty="0"/>
-              <a:t> falar sobre este slide.</a:t>
-            </a:r>
-          </a:p>
-        </p:txBody>
-      </p:sp>
-      <p:sp>
-        <p:nvSpPr>
-          <p:cNvPr id="4" name="Espaço Reservado para Número de Slide 3"/>
-          <p:cNvSpPr>
-            <a:spLocks noGrp="1"/>
-          </p:cNvSpPr>
-          <p:nvPr>
-            <p:ph type="sldNum" sz="quarter" idx="10"/>
-          </p:nvPr>
-        </p:nvSpPr>
-        <p:spPr/>
-        <p:txBody>
-          <a:bodyPr/>
-          <a:lstStyle/>
-          <a:p>
-            <a:fld id="{876E4F93-E697-4509-B43E-25456566412B}" type="slidenum">
-              <a:rPr lang="pt-BR" smtClean="0"/>
-              <a:pPr/>
-              <a:t>5</a:t>
-            </a:fld>
-            <a:endParaRPr lang="pt-BR"/>
-          </a:p>
-        </p:txBody>
-      </p:sp>
-    </p:spTree>
-    <p:extLst>
-      <p:ext uri="{BB962C8B-B14F-4D97-AF65-F5344CB8AC3E}">
-        <p14:creationId xmlns:p14="http://schemas.microsoft.com/office/powerpoint/2010/main" val="4018469940"/>
       </p:ext>
     </p:extLst>
   </p:cSld>
@@ -3515,91 +3419,6 @@
         </p:blipFill>
         <p:spPr>
           <a:xfrm>
-            <a:off x="89212" y="1844824"/>
-            <a:ext cx="8965576" cy="3816424"/>
-          </a:xfrm>
-          <a:prstGeom prst="rect">
-            <a:avLst/>
-          </a:prstGeom>
-        </p:spPr>
-      </p:pic>
-    </p:spTree>
-  </p:cSld>
-  <p:clrMapOvr>
-    <a:masterClrMapping/>
-  </p:clrMapOvr>
-</p:sld>
-</file>
-
-<file path=ppt/slides/slide11.xml><?xml version="1.0" encoding="utf-8"?>
-<p:sld xmlns:a="http://schemas.openxmlformats.org/drawingml/2006/main" xmlns:r="http://schemas.openxmlformats.org/officeDocument/2006/relationships" xmlns:p="http://schemas.openxmlformats.org/presentationml/2006/main">
-  <p:cSld>
-    <p:spTree>
-      <p:nvGrpSpPr>
-        <p:cNvPr id="1" name=""/>
-        <p:cNvGrpSpPr/>
-        <p:nvPr/>
-      </p:nvGrpSpPr>
-      <p:grpSpPr>
-        <a:xfrm>
-          <a:off x="0" y="0"/>
-          <a:ext cx="0" cy="0"/>
-          <a:chOff x="0" y="0"/>
-          <a:chExt cx="0" cy="0"/>
-        </a:xfrm>
-      </p:grpSpPr>
-      <p:sp>
-        <p:nvSpPr>
-          <p:cNvPr id="5" name="Título 3"/>
-          <p:cNvSpPr>
-            <a:spLocks noGrp="1"/>
-          </p:cNvSpPr>
-          <p:nvPr>
-            <p:ph type="title"/>
-          </p:nvPr>
-        </p:nvSpPr>
-        <p:spPr>
-          <a:xfrm>
-            <a:off x="166688" y="260350"/>
-            <a:ext cx="8797925" cy="922338"/>
-          </a:xfrm>
-        </p:spPr>
-        <p:txBody>
-          <a:bodyPr/>
-          <a:lstStyle/>
-          <a:p>
-            <a:pPr eaLnBrk="1" hangingPunct="1">
-              <a:defRPr/>
-            </a:pPr>
-            <a:r>
-              <a:rPr lang="pt-BR" dirty="0"/>
-              <a:t>MÓDULO AGENDA</a:t>
-            </a:r>
-          </a:p>
-        </p:txBody>
-      </p:sp>
-      <p:pic>
-        <p:nvPicPr>
-          <p:cNvPr id="2" name="Imagem 1"/>
-          <p:cNvPicPr>
-            <a:picLocks noChangeAspect="1"/>
-          </p:cNvPicPr>
-          <p:nvPr/>
-        </p:nvPicPr>
-        <p:blipFill>
-          <a:blip r:embed="rId2">
-            <a:extLst>
-              <a:ext uri="{28A0092B-C50C-407E-A947-70E740481C1C}">
-                <a14:useLocalDpi xmlns:a14="http://schemas.microsoft.com/office/drawing/2010/main" val="0"/>
-              </a:ext>
-            </a:extLst>
-          </a:blip>
-          <a:stretch>
-            <a:fillRect/>
-          </a:stretch>
-        </p:blipFill>
-        <p:spPr>
-          <a:xfrm>
             <a:off x="0" y="117116"/>
             <a:ext cx="9159430" cy="6740884"/>
           </a:xfrm>
@@ -3616,7 +3435,7 @@
 </p:sld>
 </file>
 
-<file path=ppt/slides/slide12.xml><?xml version="1.0" encoding="utf-8"?>
+<file path=ppt/slides/slide11.xml><?xml version="1.0" encoding="utf-8"?>
 <p:sld xmlns:a="http://schemas.openxmlformats.org/drawingml/2006/main" xmlns:r="http://schemas.openxmlformats.org/officeDocument/2006/relationships" xmlns:p="http://schemas.openxmlformats.org/presentationml/2006/main">
   <p:cSld>
     <p:spTree>
@@ -3767,7 +3586,7 @@
 </p:sld>
 </file>
 
-<file path=ppt/slides/slide13.xml><?xml version="1.0" encoding="utf-8"?>
+<file path=ppt/slides/slide12.xml><?xml version="1.0" encoding="utf-8"?>
 <p:sld xmlns:a="http://schemas.openxmlformats.org/drawingml/2006/main" xmlns:r="http://schemas.openxmlformats.org/officeDocument/2006/relationships" xmlns:p="http://schemas.openxmlformats.org/presentationml/2006/main">
   <p:cSld>
     <p:spTree>
@@ -3814,7 +3633,7 @@
               <a:rPr lang="pt-BR" dirty="0">
                 <a:ea typeface="ＭＳ Ｐゴシック" pitchFamily="-106" charset="-128"/>
               </a:rPr>
-              <a:t>MÓDULO CONTROLE DE ACESSO</a:t>
+              <a:t>MÓDULO EMPRESA</a:t>
             </a:r>
           </a:p>
         </p:txBody>
@@ -4228,7 +4047,7 @@
               <a:defRPr/>
             </a:pPr>
             <a:r>
-              <a:rPr kumimoji="0" lang="pt-BR" sz="4000" b="0" i="0" u="none" strike="noStrike" kern="1200" cap="none" spc="0" normalizeH="0" baseline="0" noProof="0" dirty="0">
+              <a:rPr kumimoji="0" lang="pt-BR" sz="4000" b="0" i="0" u="none" strike="noStrike" kern="1200" cap="none" spc="0" normalizeH="0" baseline="0" noProof="0" dirty="0" err="1">
                 <a:ln>
                   <a:noFill/>
                 </a:ln>
@@ -4244,7 +4063,26 @@
                 <a:ea typeface="ＭＳ Ｐゴシック" pitchFamily="-106" charset="-128"/>
                 <a:cs typeface="Verdana" pitchFamily="34" charset="0"/>
               </a:rPr>
-              <a:t>Jose Alexandre Bitencourt</a:t>
+              <a:t>Wender</a:t>
+            </a:r>
+            <a:r>
+              <a:rPr kumimoji="0" lang="pt-BR" sz="4000" b="0" i="0" u="none" strike="noStrike" kern="1200" cap="none" spc="0" normalizeH="0" baseline="0" noProof="0" dirty="0">
+                <a:ln>
+                  <a:noFill/>
+                </a:ln>
+                <a:solidFill>
+                  <a:schemeClr val="tx2">
+                    <a:lumMod val="75000"/>
+                  </a:schemeClr>
+                </a:solidFill>
+                <a:effectLst/>
+                <a:uLnTx/>
+                <a:uFillTx/>
+                <a:latin typeface="Verdana" pitchFamily="34" charset="0"/>
+                <a:ea typeface="ＭＳ Ｐゴシック" pitchFamily="-106" charset="-128"/>
+                <a:cs typeface="Verdana" pitchFamily="34" charset="0"/>
+              </a:rPr>
+              <a:t> Dantas</a:t>
             </a:r>
             <a:endParaRPr kumimoji="0" lang="pt-BR" sz="2000" b="1" i="0" u="none" strike="noStrike" kern="1200" cap="none" spc="0" normalizeH="0" baseline="0" noProof="0" dirty="0">
               <a:ln>
@@ -4266,7 +4104,253 @@
     </p:spTree>
     <p:extLst>
       <p:ext uri="{BB962C8B-B14F-4D97-AF65-F5344CB8AC3E}">
-        <p14:creationId xmlns:p14="http://schemas.microsoft.com/office/powerpoint/2010/main" val="3409322625"/>
+        <p14:creationId xmlns:p14="http://schemas.microsoft.com/office/powerpoint/2010/main" val="2461302196"/>
+      </p:ext>
+    </p:extLst>
+  </p:cSld>
+  <p:clrMapOvr>
+    <a:masterClrMapping/>
+  </p:clrMapOvr>
+  <p:transition spd="med">
+    <p:fade/>
+  </p:transition>
+</p:sld>
+</file>
+
+<file path=ppt/slides/slide13.xml><?xml version="1.0" encoding="utf-8"?>
+<p:sld xmlns:a="http://schemas.openxmlformats.org/drawingml/2006/main" xmlns:r="http://schemas.openxmlformats.org/officeDocument/2006/relationships" xmlns:p="http://schemas.openxmlformats.org/presentationml/2006/main">
+  <p:cSld>
+    <p:spTree>
+      <p:nvGrpSpPr>
+        <p:cNvPr id="1" name=""/>
+        <p:cNvGrpSpPr/>
+        <p:nvPr/>
+      </p:nvGrpSpPr>
+      <p:grpSpPr>
+        <a:xfrm>
+          <a:off x="0" y="0"/>
+          <a:ext cx="0" cy="0"/>
+          <a:chOff x="0" y="0"/>
+          <a:chExt cx="0" cy="0"/>
+        </a:xfrm>
+      </p:grpSpPr>
+      <p:sp>
+        <p:nvSpPr>
+          <p:cNvPr id="4" name="Título 3"/>
+          <p:cNvSpPr>
+            <a:spLocks noGrp="1"/>
+          </p:cNvSpPr>
+          <p:nvPr>
+            <p:ph type="title"/>
+          </p:nvPr>
+        </p:nvSpPr>
+        <p:spPr/>
+        <p:txBody>
+          <a:bodyPr/>
+          <a:lstStyle/>
+          <a:p>
+            <a:pPr eaLnBrk="1" hangingPunct="1">
+              <a:defRPr/>
+            </a:pPr>
+            <a:r>
+              <a:rPr lang="pt-BR" dirty="0"/>
+              <a:t>MÓDULO EMPRESA</a:t>
+            </a:r>
+          </a:p>
+        </p:txBody>
+      </p:sp>
+      <p:sp>
+        <p:nvSpPr>
+          <p:cNvPr id="21507" name="Espaço Reservado para Conteúdo 4"/>
+          <p:cNvSpPr>
+            <a:spLocks noGrp="1"/>
+          </p:cNvSpPr>
+          <p:nvPr>
+            <p:ph idx="1"/>
+          </p:nvPr>
+        </p:nvSpPr>
+        <p:spPr bwMode="auto">
+          <a:xfrm>
+            <a:off x="179512" y="1340768"/>
+            <a:ext cx="8785225" cy="5328592"/>
+          </a:xfrm>
+          <a:extLst>
+            <a:ext uri="{909E8E84-426E-40DD-AFC4-6F175D3DCCD1}">
+              <a14:hiddenFill xmlns:a14="http://schemas.microsoft.com/office/drawing/2010/main">
+                <a:solidFill>
+                  <a:srgbClr val="FFFFFF"/>
+                </a:solidFill>
+              </a14:hiddenFill>
+            </a:ext>
+            <a:ext uri="{91240B29-F687-4F45-9708-019B960494DF}">
+              <a14:hiddenLine xmlns:a14="http://schemas.microsoft.com/office/drawing/2010/main" w="9525">
+                <a:solidFill>
+                  <a:srgbClr val="000000"/>
+                </a:solidFill>
+                <a:miter lim="800000"/>
+                <a:headEnd/>
+                <a:tailEnd/>
+              </a14:hiddenLine>
+            </a:ext>
+          </a:extLst>
+        </p:spPr>
+        <p:txBody>
+          <a:bodyPr vert="horz" wrap="square" lIns="91440" tIns="45720" rIns="91440" bIns="45720" numCol="1" anchor="t" anchorCtr="0" compatLnSpc="1">
+            <a:prstTxWarp prst="textNoShape">
+              <a:avLst/>
+            </a:prstTxWarp>
+          </a:bodyPr>
+          <a:lstStyle/>
+          <a:p>
+            <a:pPr algn="just" eaLnBrk="1" hangingPunct="1">
+              <a:buFont typeface="Arial" panose="020B0604020202020204" pitchFamily="34" charset="0"/>
+              <a:buChar char="•"/>
+              <a:defRPr/>
+            </a:pPr>
+            <a:r>
+              <a:rPr lang="pt-BR" sz="2600" dirty="0">
+                <a:solidFill>
+                  <a:schemeClr val="tx2">
+                    <a:lumMod val="75000"/>
+                  </a:schemeClr>
+                </a:solidFill>
+              </a:rPr>
+              <a:t>Manter Cliente</a:t>
+            </a:r>
+          </a:p>
+          <a:p>
+            <a:pPr lvl="1" algn="just" eaLnBrk="1" hangingPunct="1">
+              <a:buFont typeface="Arial" panose="020B0604020202020204" pitchFamily="34" charset="0"/>
+              <a:buChar char="•"/>
+              <a:defRPr/>
+            </a:pPr>
+            <a:r>
+              <a:rPr lang="pt-BR" sz="1850" dirty="0">
+                <a:solidFill>
+                  <a:schemeClr val="tx2">
+                    <a:lumMod val="75000"/>
+                  </a:schemeClr>
+                </a:solidFill>
+              </a:rPr>
+              <a:t>Permite a manutenção de cliente.</a:t>
+            </a:r>
+          </a:p>
+          <a:p>
+            <a:pPr marL="457200" lvl="1" indent="0" algn="just" eaLnBrk="1" hangingPunct="1">
+              <a:buNone/>
+              <a:defRPr/>
+            </a:pPr>
+            <a:endParaRPr lang="pt-BR" sz="1850" dirty="0">
+              <a:solidFill>
+                <a:schemeClr val="tx2">
+                  <a:lumMod val="75000"/>
+                </a:schemeClr>
+              </a:solidFill>
+            </a:endParaRPr>
+          </a:p>
+          <a:p>
+            <a:pPr algn="just" eaLnBrk="1" hangingPunct="1">
+              <a:buFont typeface="Arial" panose="020B0604020202020204" pitchFamily="34" charset="0"/>
+              <a:buChar char="•"/>
+              <a:defRPr/>
+            </a:pPr>
+            <a:r>
+              <a:rPr lang="pt-BR" sz="2600" dirty="0">
+                <a:solidFill>
+                  <a:schemeClr val="tx2">
+                    <a:lumMod val="75000"/>
+                  </a:schemeClr>
+                </a:solidFill>
+              </a:rPr>
+              <a:t>Manter Parceria</a:t>
+            </a:r>
+          </a:p>
+          <a:p>
+            <a:pPr lvl="1" algn="just" eaLnBrk="1" hangingPunct="1">
+              <a:buFont typeface="Arial" panose="020B0604020202020204" pitchFamily="34" charset="0"/>
+              <a:buChar char="•"/>
+              <a:defRPr/>
+            </a:pPr>
+            <a:r>
+              <a:rPr lang="pt-BR" sz="1850" dirty="0">
+                <a:solidFill>
+                  <a:schemeClr val="tx2">
+                    <a:lumMod val="75000"/>
+                  </a:schemeClr>
+                </a:solidFill>
+              </a:rPr>
+              <a:t>Permite a manutenção de parceria.</a:t>
+            </a:r>
+          </a:p>
+          <a:p>
+            <a:pPr marL="457200" lvl="1" indent="0" algn="just" eaLnBrk="1" hangingPunct="1">
+              <a:buNone/>
+              <a:defRPr/>
+            </a:pPr>
+            <a:endParaRPr lang="pt-BR" sz="1850" dirty="0">
+              <a:solidFill>
+                <a:schemeClr val="tx2">
+                  <a:lumMod val="75000"/>
+                </a:schemeClr>
+              </a:solidFill>
+            </a:endParaRPr>
+          </a:p>
+          <a:p>
+            <a:pPr algn="just" eaLnBrk="1" hangingPunct="1">
+              <a:buFont typeface="Arial" panose="020B0604020202020204" pitchFamily="34" charset="0"/>
+              <a:buChar char="•"/>
+              <a:defRPr/>
+            </a:pPr>
+            <a:r>
+              <a:rPr lang="pt-BR" sz="2600" dirty="0">
+                <a:solidFill>
+                  <a:schemeClr val="tx2">
+                    <a:lumMod val="75000"/>
+                  </a:schemeClr>
+                </a:solidFill>
+              </a:rPr>
+              <a:t>Manter Convênio</a:t>
+            </a:r>
+          </a:p>
+          <a:p>
+            <a:pPr lvl="1" algn="just" eaLnBrk="1" hangingPunct="1">
+              <a:buFont typeface="Arial" panose="020B0604020202020204" pitchFamily="34" charset="0"/>
+              <a:buChar char="•"/>
+              <a:defRPr/>
+            </a:pPr>
+            <a:r>
+              <a:rPr lang="pt-BR" sz="1850" dirty="0">
+                <a:solidFill>
+                  <a:schemeClr val="tx2">
+                    <a:lumMod val="75000"/>
+                  </a:schemeClr>
+                </a:solidFill>
+              </a:rPr>
+              <a:t>Permite a manutenção de convênio.</a:t>
+            </a:r>
+          </a:p>
+          <a:p>
+            <a:pPr marL="0" indent="0" algn="ctr" eaLnBrk="1" hangingPunct="1">
+              <a:buFont typeface="Arial" panose="020B0604020202020204" pitchFamily="34" charset="0"/>
+              <a:buNone/>
+              <a:defRPr/>
+            </a:pPr>
+            <a:endParaRPr lang="pt-BR" sz="2000" dirty="0"/>
+          </a:p>
+          <a:p>
+            <a:pPr algn="just" eaLnBrk="1" hangingPunct="1">
+              <a:buFont typeface="Arial" panose="020B0604020202020204" pitchFamily="34" charset="0"/>
+              <a:buChar char="•"/>
+              <a:defRPr/>
+            </a:pPr>
+            <a:endParaRPr lang="pt-BR" sz="2000" dirty="0"/>
+          </a:p>
+        </p:txBody>
+      </p:sp>
+    </p:spTree>
+    <p:extLst>
+      <p:ext uri="{BB962C8B-B14F-4D97-AF65-F5344CB8AC3E}">
+        <p14:creationId xmlns:p14="http://schemas.microsoft.com/office/powerpoint/2010/main" val="1166103754"/>
       </p:ext>
     </p:extLst>
   </p:cSld>
@@ -4298,13 +4382,7 @@
       </p:grpSpPr>
       <p:sp>
         <p:nvSpPr>
-          <p:cNvPr id="2" name="Título 1">
-            <a:extLst>
-              <a:ext uri="{FF2B5EF4-FFF2-40B4-BE49-F238E27FC236}">
-                <a16:creationId xmlns:a16="http://schemas.microsoft.com/office/drawing/2014/main" id="{4420E5F6-C592-489E-8742-39113C67F28C}"/>
-              </a:ext>
-            </a:extLst>
-          </p:cNvPr>
+          <p:cNvPr id="2" name="Título 1"/>
           <p:cNvSpPr>
             <a:spLocks noGrp="1"/>
           </p:cNvSpPr>
@@ -4312,266 +4390,52 @@
             <p:ph type="title"/>
           </p:nvPr>
         </p:nvSpPr>
-        <p:spPr>
-          <a:xfrm>
-            <a:off x="323750" y="0"/>
-            <a:ext cx="8797925" cy="922338"/>
-          </a:xfrm>
-        </p:spPr>
+        <p:spPr/>
         <p:txBody>
           <a:bodyPr/>
           <a:lstStyle/>
           <a:p>
             <a:r>
               <a:rPr lang="pt-BR" dirty="0"/>
-              <a:t>MÓDULO CONTROLE </a:t>
-            </a:r>
-            <a:br>
-              <a:rPr lang="pt-BR" dirty="0"/>
-            </a:br>
-            <a:r>
-              <a:rPr lang="pt-BR" dirty="0"/>
-              <a:t>DE ACESSO</a:t>
+              <a:t>MÓDULO EMPRESA</a:t>
             </a:r>
           </a:p>
         </p:txBody>
       </p:sp>
-      <p:sp>
-        <p:nvSpPr>
-          <p:cNvPr id="3" name="Espaço Reservado para Conteúdo 2">
+      <p:pic>
+        <p:nvPicPr>
+          <p:cNvPr id="3" name="Imagem 2"/>
+          <p:cNvPicPr>
+            <a:picLocks noChangeAspect="1"/>
+          </p:cNvPicPr>
+          <p:nvPr/>
+        </p:nvPicPr>
+        <p:blipFill>
+          <a:blip r:embed="rId2">
             <a:extLst>
-              <a:ext uri="{FF2B5EF4-FFF2-40B4-BE49-F238E27FC236}">
-                <a16:creationId xmlns:a16="http://schemas.microsoft.com/office/drawing/2014/main" id="{FB12D05B-E47F-4BA3-B1A7-F1DCD4D8F90E}"/>
+              <a:ext uri="{28A0092B-C50C-407E-A947-70E740481C1C}">
+                <a14:useLocalDpi xmlns:a14="http://schemas.microsoft.com/office/drawing/2010/main" val="0"/>
               </a:ext>
             </a:extLst>
-          </p:cNvPr>
-          <p:cNvSpPr>
-            <a:spLocks noGrp="1"/>
-          </p:cNvSpPr>
-          <p:nvPr>
-            <p:ph idx="1"/>
-          </p:nvPr>
-        </p:nvSpPr>
+          </a:blip>
+          <a:stretch>
+            <a:fillRect/>
+          </a:stretch>
+        </p:blipFill>
         <p:spPr>
           <a:xfrm>
-            <a:off x="150267" y="1341909"/>
-            <a:ext cx="8785225" cy="4751387"/>
+            <a:off x="1659534" y="1182688"/>
+            <a:ext cx="5861880" cy="5558680"/>
           </a:xfrm>
+          <a:prstGeom prst="rect">
+            <a:avLst/>
+          </a:prstGeom>
         </p:spPr>
-        <p:txBody>
-          <a:bodyPr/>
-          <a:lstStyle/>
-          <a:p>
-            <a:pPr algn="just" eaLnBrk="1" hangingPunct="1">
-              <a:buFont typeface="Arial" panose="020B0604020202020204" pitchFamily="34" charset="0"/>
-              <a:buChar char="•"/>
-              <a:defRPr/>
-            </a:pPr>
-            <a:r>
-              <a:rPr lang="pt-BR" sz="2600" dirty="0">
-                <a:solidFill>
-                  <a:schemeClr val="tx2">
-                    <a:lumMod val="75000"/>
-                  </a:schemeClr>
-                </a:solidFill>
-              </a:rPr>
-              <a:t>Login</a:t>
-            </a:r>
-          </a:p>
-          <a:p>
-            <a:pPr lvl="1" algn="just" eaLnBrk="1" hangingPunct="1">
-              <a:buFont typeface="Arial" panose="020B0604020202020204" pitchFamily="34" charset="0"/>
-              <a:buChar char="•"/>
-              <a:defRPr/>
-            </a:pPr>
-            <a:r>
-              <a:rPr lang="pt-BR" sz="1850" dirty="0">
-                <a:solidFill>
-                  <a:schemeClr val="tx2">
-                    <a:lumMod val="75000"/>
-                  </a:schemeClr>
-                </a:solidFill>
-              </a:rPr>
-              <a:t>Controla o acesso ao sistema através de autenticação do usuário que irá utilizá-lo.</a:t>
-            </a:r>
-          </a:p>
-          <a:p>
-            <a:pPr algn="just" eaLnBrk="1" hangingPunct="1">
-              <a:buFont typeface="Arial" panose="020B0604020202020204" pitchFamily="34" charset="0"/>
-              <a:buChar char="•"/>
-              <a:defRPr/>
-            </a:pPr>
-            <a:r>
-              <a:rPr lang="pt-BR" sz="2600" dirty="0">
-                <a:solidFill>
-                  <a:schemeClr val="tx2">
-                    <a:lumMod val="75000"/>
-                  </a:schemeClr>
-                </a:solidFill>
-              </a:rPr>
-              <a:t>Manter Usuário</a:t>
-            </a:r>
-          </a:p>
-          <a:p>
-            <a:pPr lvl="1" algn="just" eaLnBrk="1" hangingPunct="1">
-              <a:buFont typeface="Arial" panose="020B0604020202020204" pitchFamily="34" charset="0"/>
-              <a:buChar char="•"/>
-              <a:defRPr/>
-            </a:pPr>
-            <a:r>
-              <a:rPr lang="pt-BR" sz="1850" dirty="0">
-                <a:solidFill>
-                  <a:schemeClr val="tx2">
-                    <a:lumMod val="75000"/>
-                  </a:schemeClr>
-                </a:solidFill>
-              </a:rPr>
-              <a:t>Permite a manutenção do usuário.</a:t>
-            </a:r>
-          </a:p>
-          <a:p>
-            <a:pPr algn="just" eaLnBrk="1" hangingPunct="1">
-              <a:buFont typeface="Arial" panose="020B0604020202020204" pitchFamily="34" charset="0"/>
-              <a:buChar char="•"/>
-              <a:defRPr/>
-            </a:pPr>
-            <a:r>
-              <a:rPr lang="pt-BR" sz="2600" dirty="0">
-                <a:solidFill>
-                  <a:schemeClr val="tx2">
-                    <a:lumMod val="75000"/>
-                  </a:schemeClr>
-                </a:solidFill>
-              </a:rPr>
-              <a:t>Alterar Senha</a:t>
-            </a:r>
-          </a:p>
-          <a:p>
-            <a:pPr lvl="1" algn="just" eaLnBrk="1" hangingPunct="1">
-              <a:buFont typeface="Arial" panose="020B0604020202020204" pitchFamily="34" charset="0"/>
-              <a:buChar char="•"/>
-              <a:defRPr/>
-            </a:pPr>
-            <a:r>
-              <a:rPr lang="pt-BR" sz="1850" dirty="0">
-                <a:solidFill>
-                  <a:schemeClr val="tx2">
-                    <a:lumMod val="75000"/>
-                  </a:schemeClr>
-                </a:solidFill>
-              </a:rPr>
-              <a:t>Permite que qualquer usuário altere sua própria senha.</a:t>
-            </a:r>
-          </a:p>
-          <a:p>
-            <a:pPr algn="just" eaLnBrk="1" hangingPunct="1">
-              <a:buFont typeface="Arial" panose="020B0604020202020204" pitchFamily="34" charset="0"/>
-              <a:buChar char="•"/>
-              <a:defRPr/>
-            </a:pPr>
-            <a:r>
-              <a:rPr lang="pt-BR" sz="2600" dirty="0">
-                <a:solidFill>
-                  <a:schemeClr val="tx2">
-                    <a:lumMod val="75000"/>
-                  </a:schemeClr>
-                </a:solidFill>
-              </a:rPr>
-              <a:t>Consultar Log</a:t>
-            </a:r>
-          </a:p>
-          <a:p>
-            <a:pPr lvl="1" algn="just" eaLnBrk="1" hangingPunct="1">
-              <a:buFont typeface="Arial" panose="020B0604020202020204" pitchFamily="34" charset="0"/>
-              <a:buChar char="•"/>
-              <a:defRPr/>
-            </a:pPr>
-            <a:r>
-              <a:rPr lang="pt-BR" sz="1850" dirty="0">
-                <a:solidFill>
-                  <a:schemeClr val="tx2">
-                    <a:lumMod val="75000"/>
-                  </a:schemeClr>
-                </a:solidFill>
-              </a:rPr>
-              <a:t>Permite a consulta de logs gravados no sistema por período e tipo de informação.</a:t>
-            </a:r>
-          </a:p>
-          <a:p>
-            <a:pPr algn="just" eaLnBrk="1" hangingPunct="1">
-              <a:buFont typeface="Arial" panose="020B0604020202020204" pitchFamily="34" charset="0"/>
-              <a:buChar char="•"/>
-              <a:defRPr/>
-            </a:pPr>
-            <a:r>
-              <a:rPr lang="pt-BR" sz="2600" dirty="0">
-                <a:solidFill>
-                  <a:schemeClr val="tx2">
-                    <a:lumMod val="75000"/>
-                  </a:schemeClr>
-                </a:solidFill>
-              </a:rPr>
-              <a:t>Configurar Perfil</a:t>
-            </a:r>
-          </a:p>
-          <a:p>
-            <a:pPr lvl="1" algn="just" eaLnBrk="1" hangingPunct="1">
-              <a:buFont typeface="Arial" panose="020B0604020202020204" pitchFamily="34" charset="0"/>
-              <a:buChar char="•"/>
-              <a:defRPr/>
-            </a:pPr>
-            <a:r>
-              <a:rPr lang="pt-BR" sz="1850" dirty="0">
-                <a:solidFill>
-                  <a:schemeClr val="tx2">
-                    <a:lumMod val="75000"/>
-                  </a:schemeClr>
-                </a:solidFill>
-              </a:rPr>
-              <a:t>Permite disponibilizar ou excluir acesso à funcionalidades para um perfil de usuário.</a:t>
-            </a:r>
-          </a:p>
-          <a:p>
-            <a:pPr algn="just" eaLnBrk="1" hangingPunct="1">
-              <a:defRPr/>
-            </a:pPr>
-            <a:r>
-              <a:rPr lang="pt-BR" sz="2600" dirty="0">
-                <a:solidFill>
-                  <a:schemeClr val="tx2">
-                    <a:lumMod val="75000"/>
-                  </a:schemeClr>
-                </a:solidFill>
-              </a:rPr>
-              <a:t>Manter Funcionário</a:t>
-            </a:r>
-          </a:p>
-          <a:p>
-            <a:pPr lvl="1" algn="just" eaLnBrk="1" hangingPunct="1">
-              <a:buFont typeface="Arial" panose="020B0604020202020204" pitchFamily="34" charset="0"/>
-              <a:buChar char="•"/>
-              <a:defRPr/>
-            </a:pPr>
-            <a:r>
-              <a:rPr lang="pt-BR" sz="1850" dirty="0">
-                <a:solidFill>
-                  <a:schemeClr val="tx2">
-                    <a:lumMod val="75000"/>
-                  </a:schemeClr>
-                </a:solidFill>
-              </a:rPr>
-              <a:t>Permite a manutenção de funcionários da clínica.</a:t>
-            </a:r>
-          </a:p>
-          <a:p>
-            <a:endParaRPr lang="pt-BR" dirty="0"/>
-          </a:p>
-        </p:txBody>
-      </p:sp>
+      </p:pic>
     </p:spTree>
     <p:extLst>
       <p:ext uri="{BB962C8B-B14F-4D97-AF65-F5344CB8AC3E}">
-        <p14:creationId xmlns:p14="http://schemas.microsoft.com/office/powerpoint/2010/main" val="732095642"/>
+        <p14:creationId xmlns:p14="http://schemas.microsoft.com/office/powerpoint/2010/main" val="4100715659"/>
       </p:ext>
     </p:extLst>
   </p:cSld>
@@ -4600,199 +4464,95 @@
       </p:grpSpPr>
       <p:sp>
         <p:nvSpPr>
-          <p:cNvPr id="5" name="Título 1">
-            <a:extLst>
-              <a:ext uri="{FF2B5EF4-FFF2-40B4-BE49-F238E27FC236}">
-                <a16:creationId xmlns:a16="http://schemas.microsoft.com/office/drawing/2014/main" id="{4420E5F6-C592-489E-8742-39113C67F28C}"/>
-              </a:ext>
-            </a:extLst>
-          </p:cNvPr>
-          <p:cNvSpPr txBox="1">
-            <a:spLocks/>
+          <p:cNvPr id="4" name="Título 3"/>
+          <p:cNvSpPr>
+            <a:spLocks noGrp="1"/>
           </p:cNvSpPr>
-          <p:nvPr/>
+          <p:nvPr>
+            <p:ph type="title"/>
+          </p:nvPr>
         </p:nvSpPr>
-        <p:spPr>
+        <p:spPr/>
+        <p:txBody>
+          <a:bodyPr/>
+          <a:lstStyle/>
+          <a:p>
+            <a:pPr eaLnBrk="1" hangingPunct="1">
+              <a:defRPr/>
+            </a:pPr>
+            <a:r>
+              <a:rPr lang="pt-BR" dirty="0"/>
+              <a:t>MÓDULO EMPRESA</a:t>
+            </a:r>
+          </a:p>
+        </p:txBody>
+      </p:sp>
+      <p:sp>
+        <p:nvSpPr>
+          <p:cNvPr id="21507" name="Espaço Reservado para Conteúdo 4"/>
+          <p:cNvSpPr>
+            <a:spLocks noGrp="1"/>
+          </p:cNvSpPr>
+          <p:nvPr>
+            <p:ph idx="1"/>
+          </p:nvPr>
+        </p:nvSpPr>
+        <p:spPr bwMode="auto">
           <a:xfrm>
-            <a:off x="323750" y="0"/>
-            <a:ext cx="8797925" cy="922338"/>
+            <a:off x="179512" y="1340768"/>
+            <a:ext cx="8785225" cy="5328592"/>
           </a:xfrm>
-          <a:prstGeom prst="rect">
-            <a:avLst/>
-          </a:prstGeom>
+          <a:extLst>
+            <a:ext uri="{909E8E84-426E-40DD-AFC4-6F175D3DCCD1}">
+              <a14:hiddenFill xmlns:a14="http://schemas.microsoft.com/office/drawing/2010/main">
+                <a:solidFill>
+                  <a:srgbClr val="FFFFFF"/>
+                </a:solidFill>
+              </a14:hiddenFill>
+            </a:ext>
+            <a:ext uri="{91240B29-F687-4F45-9708-019B960494DF}">
+              <a14:hiddenLine xmlns:a14="http://schemas.microsoft.com/office/drawing/2010/main" w="9525">
+                <a:solidFill>
+                  <a:srgbClr val="000000"/>
+                </a:solidFill>
+                <a:miter lim="800000"/>
+                <a:headEnd/>
+                <a:tailEnd/>
+              </a14:hiddenLine>
+            </a:ext>
+          </a:extLst>
         </p:spPr>
         <p:txBody>
-          <a:bodyPr/>
-          <a:lstStyle>
-            <a:lvl1pPr algn="r" rtl="0" eaLnBrk="0" fontAlgn="base" hangingPunct="0">
-              <a:spcBef>
-                <a:spcPct val="0"/>
-              </a:spcBef>
-              <a:spcAft>
-                <a:spcPct val="0"/>
-              </a:spcAft>
-              <a:defRPr sz="3600" b="1" kern="1200">
-                <a:solidFill>
-                  <a:schemeClr val="accent1">
-                    <a:lumMod val="50000"/>
-                  </a:schemeClr>
-                </a:solidFill>
-                <a:latin typeface="Arial" pitchFamily="34" charset="0"/>
-                <a:ea typeface="Verdana" pitchFamily="34" charset="0"/>
-                <a:cs typeface="Arial" pitchFamily="34" charset="0"/>
-              </a:defRPr>
-            </a:lvl1pPr>
-            <a:lvl2pPr algn="ctr" rtl="0" eaLnBrk="0" fontAlgn="base" hangingPunct="0">
-              <a:spcBef>
-                <a:spcPct val="0"/>
-              </a:spcBef>
-              <a:spcAft>
-                <a:spcPct val="0"/>
-              </a:spcAft>
-              <a:defRPr sz="4400">
-                <a:solidFill>
-                  <a:schemeClr val="tx1"/>
-                </a:solidFill>
-                <a:latin typeface="Verdana" pitchFamily="34" charset="0"/>
-                <a:ea typeface="Verdana" pitchFamily="34" charset="0"/>
-                <a:cs typeface="Verdana" pitchFamily="34" charset="0"/>
-              </a:defRPr>
-            </a:lvl2pPr>
-            <a:lvl3pPr algn="ctr" rtl="0" eaLnBrk="0" fontAlgn="base" hangingPunct="0">
-              <a:spcBef>
-                <a:spcPct val="0"/>
-              </a:spcBef>
-              <a:spcAft>
-                <a:spcPct val="0"/>
-              </a:spcAft>
-              <a:defRPr sz="4400">
-                <a:solidFill>
-                  <a:schemeClr val="tx1"/>
-                </a:solidFill>
-                <a:latin typeface="Verdana" pitchFamily="34" charset="0"/>
-                <a:ea typeface="Verdana" pitchFamily="34" charset="0"/>
-                <a:cs typeface="Verdana" pitchFamily="34" charset="0"/>
-              </a:defRPr>
-            </a:lvl3pPr>
-            <a:lvl4pPr algn="ctr" rtl="0" eaLnBrk="0" fontAlgn="base" hangingPunct="0">
-              <a:spcBef>
-                <a:spcPct val="0"/>
-              </a:spcBef>
-              <a:spcAft>
-                <a:spcPct val="0"/>
-              </a:spcAft>
-              <a:defRPr sz="4400">
-                <a:solidFill>
-                  <a:schemeClr val="tx1"/>
-                </a:solidFill>
-                <a:latin typeface="Verdana" pitchFamily="34" charset="0"/>
-                <a:ea typeface="Verdana" pitchFamily="34" charset="0"/>
-                <a:cs typeface="Verdana" pitchFamily="34" charset="0"/>
-              </a:defRPr>
-            </a:lvl4pPr>
-            <a:lvl5pPr algn="ctr" rtl="0" eaLnBrk="0" fontAlgn="base" hangingPunct="0">
-              <a:spcBef>
-                <a:spcPct val="0"/>
-              </a:spcBef>
-              <a:spcAft>
-                <a:spcPct val="0"/>
-              </a:spcAft>
-              <a:defRPr sz="4400">
-                <a:solidFill>
-                  <a:schemeClr val="tx1"/>
-                </a:solidFill>
-                <a:latin typeface="Verdana" pitchFamily="34" charset="0"/>
-                <a:ea typeface="Verdana" pitchFamily="34" charset="0"/>
-                <a:cs typeface="Verdana" pitchFamily="34" charset="0"/>
-              </a:defRPr>
-            </a:lvl5pPr>
-            <a:lvl6pPr marL="457200" algn="ctr" rtl="0" fontAlgn="base">
-              <a:spcBef>
-                <a:spcPct val="0"/>
-              </a:spcBef>
-              <a:spcAft>
-                <a:spcPct val="0"/>
-              </a:spcAft>
-              <a:defRPr sz="4400">
-                <a:solidFill>
-                  <a:schemeClr val="tx1"/>
-                </a:solidFill>
-                <a:latin typeface="Verdana" pitchFamily="34" charset="0"/>
-                <a:ea typeface="Verdana" pitchFamily="34" charset="0"/>
-                <a:cs typeface="Verdana" pitchFamily="34" charset="0"/>
-              </a:defRPr>
-            </a:lvl6pPr>
-            <a:lvl7pPr marL="914400" algn="ctr" rtl="0" fontAlgn="base">
-              <a:spcBef>
-                <a:spcPct val="0"/>
-              </a:spcBef>
-              <a:spcAft>
-                <a:spcPct val="0"/>
-              </a:spcAft>
-              <a:defRPr sz="4400">
-                <a:solidFill>
-                  <a:schemeClr val="tx1"/>
-                </a:solidFill>
-                <a:latin typeface="Verdana" pitchFamily="34" charset="0"/>
-                <a:ea typeface="Verdana" pitchFamily="34" charset="0"/>
-                <a:cs typeface="Verdana" pitchFamily="34" charset="0"/>
-              </a:defRPr>
-            </a:lvl7pPr>
-            <a:lvl8pPr marL="1371600" algn="ctr" rtl="0" fontAlgn="base">
-              <a:spcBef>
-                <a:spcPct val="0"/>
-              </a:spcBef>
-              <a:spcAft>
-                <a:spcPct val="0"/>
-              </a:spcAft>
-              <a:defRPr sz="4400">
-                <a:solidFill>
-                  <a:schemeClr val="tx1"/>
-                </a:solidFill>
-                <a:latin typeface="Verdana" pitchFamily="34" charset="0"/>
-                <a:ea typeface="Verdana" pitchFamily="34" charset="0"/>
-                <a:cs typeface="Verdana" pitchFamily="34" charset="0"/>
-              </a:defRPr>
-            </a:lvl8pPr>
-            <a:lvl9pPr marL="1828800" algn="ctr" rtl="0" fontAlgn="base">
-              <a:spcBef>
-                <a:spcPct val="0"/>
-              </a:spcBef>
-              <a:spcAft>
-                <a:spcPct val="0"/>
-              </a:spcAft>
-              <a:defRPr sz="4400">
-                <a:solidFill>
-                  <a:schemeClr val="tx1"/>
-                </a:solidFill>
-                <a:latin typeface="Verdana" pitchFamily="34" charset="0"/>
-                <a:ea typeface="Verdana" pitchFamily="34" charset="0"/>
-                <a:cs typeface="Verdana" pitchFamily="34" charset="0"/>
-              </a:defRPr>
-            </a:lvl9pPr>
-          </a:lstStyle>
-          <a:p>
-            <a:r>
-              <a:rPr lang="pt-BR"/>
-              <a:t>MÓDULO CONTROLE </a:t>
-            </a:r>
-            <a:br>
-              <a:rPr lang="pt-BR"/>
-            </a:br>
-            <a:r>
-              <a:rPr lang="pt-BR"/>
-              <a:t>DE ACESSO</a:t>
-            </a:r>
-            <a:endParaRPr lang="pt-BR" dirty="0"/>
+          <a:bodyPr vert="horz" wrap="square" lIns="91440" tIns="45720" rIns="91440" bIns="45720" numCol="1" anchor="t" anchorCtr="0" compatLnSpc="1">
+            <a:prstTxWarp prst="textNoShape">
+              <a:avLst/>
+            </a:prstTxWarp>
+          </a:bodyPr>
+          <a:lstStyle/>
+          <a:p>
+            <a:pPr marL="0" indent="0" algn="ctr" eaLnBrk="1" hangingPunct="1">
+              <a:buFont typeface="Arial" panose="020B0604020202020204" pitchFamily="34" charset="0"/>
+              <a:buNone/>
+              <a:defRPr/>
+            </a:pPr>
+            <a:endParaRPr lang="pt-BR" sz="2000" dirty="0"/>
+          </a:p>
+          <a:p>
+            <a:pPr algn="just" eaLnBrk="1" hangingPunct="1">
+              <a:buFont typeface="Arial" panose="020B0604020202020204" pitchFamily="34" charset="0"/>
+              <a:buChar char="•"/>
+              <a:defRPr/>
+            </a:pPr>
+            <a:endParaRPr lang="pt-BR" sz="2000" dirty="0"/>
           </a:p>
         </p:txBody>
       </p:sp>
       <p:pic>
         <p:nvPicPr>
-          <p:cNvPr id="3" name="Picture 2">
+          <p:cNvPr id="2" name="Picture 1">
             <a:extLst>
               <a:ext uri="{FF2B5EF4-FFF2-40B4-BE49-F238E27FC236}">
-                <a16:creationId xmlns:a16="http://schemas.microsoft.com/office/drawing/2014/main" id="{8F573B82-A720-4E7D-88E3-7ABD98571312}"/>
+                <a16:creationId xmlns:a16="http://schemas.microsoft.com/office/drawing/2014/main" id="{F5A00150-EB0A-4F28-911C-141811EBFBD4}"/>
               </a:ext>
             </a:extLst>
           </p:cNvPr>
@@ -4801,22 +4561,15 @@
           </p:cNvPicPr>
           <p:nvPr/>
         </p:nvPicPr>
-        <p:blipFill>
-          <a:blip r:embed="rId2">
-            <a:extLst>
-              <a:ext uri="{28A0092B-C50C-407E-A947-70E740481C1C}">
-                <a14:useLocalDpi xmlns:a14="http://schemas.microsoft.com/office/drawing/2010/main" val="0"/>
-              </a:ext>
-            </a:extLst>
-          </a:blip>
-          <a:stretch>
-            <a:fillRect/>
-          </a:stretch>
+        <p:blipFill rotWithShape="1">
+          <a:blip r:embed="rId2"/>
+          <a:srcRect b="5494"/>
+          <a:stretch/>
         </p:blipFill>
         <p:spPr>
           <a:xfrm>
-            <a:off x="2503387" y="1268761"/>
-            <a:ext cx="4228853" cy="5532254"/>
+            <a:off x="-6350" y="1820855"/>
+            <a:ext cx="9144000" cy="4128425"/>
           </a:xfrm>
           <a:prstGeom prst="rect">
             <a:avLst/>
@@ -4826,13 +4579,16 @@
     </p:spTree>
     <p:extLst>
       <p:ext uri="{BB962C8B-B14F-4D97-AF65-F5344CB8AC3E}">
-        <p14:creationId xmlns:p14="http://schemas.microsoft.com/office/powerpoint/2010/main" val="1528951847"/>
+        <p14:creationId xmlns:p14="http://schemas.microsoft.com/office/powerpoint/2010/main" val="4234705847"/>
       </p:ext>
     </p:extLst>
   </p:cSld>
   <p:clrMapOvr>
     <a:masterClrMapping/>
   </p:clrMapOvr>
+  <p:transition spd="med">
+    <p:fade/>
+  </p:transition>
 </p:sld>
 </file>
 
@@ -4855,13 +4611,7 @@
       </p:grpSpPr>
       <p:sp>
         <p:nvSpPr>
-          <p:cNvPr id="6" name="Título 1">
-            <a:extLst>
-              <a:ext uri="{FF2B5EF4-FFF2-40B4-BE49-F238E27FC236}">
-                <a16:creationId xmlns:a16="http://schemas.microsoft.com/office/drawing/2014/main" id="{4420E5F6-C592-489E-8742-39113C67F28C}"/>
-              </a:ext>
-            </a:extLst>
-          </p:cNvPr>
+          <p:cNvPr id="4" name="Título 3"/>
           <p:cNvSpPr>
             <a:spLocks noGrp="1"/>
           </p:cNvSpPr>
@@ -4869,36 +4619,87 @@
             <p:ph type="title"/>
           </p:nvPr>
         </p:nvSpPr>
-        <p:spPr>
-          <a:xfrm>
-            <a:off x="323750" y="0"/>
-            <a:ext cx="8797925" cy="922338"/>
-          </a:xfrm>
-        </p:spPr>
+        <p:spPr/>
         <p:txBody>
           <a:bodyPr/>
           <a:lstStyle/>
           <a:p>
+            <a:pPr eaLnBrk="1" hangingPunct="1">
+              <a:defRPr/>
+            </a:pPr>
             <a:r>
               <a:rPr lang="pt-BR" dirty="0"/>
-              <a:t>MÓDULO CONTROLE </a:t>
-            </a:r>
-            <a:br>
-              <a:rPr lang="pt-BR" dirty="0"/>
-            </a:br>
-            <a:r>
-              <a:rPr lang="pt-BR" dirty="0"/>
-              <a:t>DE ACESSO</a:t>
-            </a:r>
+              <a:t>MÓDULO EMPRESA</a:t>
+            </a:r>
+          </a:p>
+        </p:txBody>
+      </p:sp>
+      <p:sp>
+        <p:nvSpPr>
+          <p:cNvPr id="21507" name="Espaço Reservado para Conteúdo 4"/>
+          <p:cNvSpPr>
+            <a:spLocks noGrp="1"/>
+          </p:cNvSpPr>
+          <p:nvPr>
+            <p:ph idx="1"/>
+          </p:nvPr>
+        </p:nvSpPr>
+        <p:spPr bwMode="auto">
+          <a:xfrm>
+            <a:off x="179512" y="1340768"/>
+            <a:ext cx="8785225" cy="5328592"/>
+          </a:xfrm>
+          <a:extLst>
+            <a:ext uri="{909E8E84-426E-40DD-AFC4-6F175D3DCCD1}">
+              <a14:hiddenFill xmlns:a14="http://schemas.microsoft.com/office/drawing/2010/main">
+                <a:solidFill>
+                  <a:srgbClr val="FFFFFF"/>
+                </a:solidFill>
+              </a14:hiddenFill>
+            </a:ext>
+            <a:ext uri="{91240B29-F687-4F45-9708-019B960494DF}">
+              <a14:hiddenLine xmlns:a14="http://schemas.microsoft.com/office/drawing/2010/main" w="9525">
+                <a:solidFill>
+                  <a:srgbClr val="000000"/>
+                </a:solidFill>
+                <a:miter lim="800000"/>
+                <a:headEnd/>
+                <a:tailEnd/>
+              </a14:hiddenLine>
+            </a:ext>
+          </a:extLst>
+        </p:spPr>
+        <p:txBody>
+          <a:bodyPr vert="horz" wrap="square" lIns="91440" tIns="45720" rIns="91440" bIns="45720" numCol="1" anchor="t" anchorCtr="0" compatLnSpc="1">
+            <a:prstTxWarp prst="textNoShape">
+              <a:avLst/>
+            </a:prstTxWarp>
+          </a:bodyPr>
+          <a:lstStyle/>
+          <a:p>
+            <a:pPr marL="0" indent="0" algn="ctr" eaLnBrk="1" hangingPunct="1">
+              <a:buFont typeface="Arial" panose="020B0604020202020204" pitchFamily="34" charset="0"/>
+              <a:buNone/>
+              <a:defRPr/>
+            </a:pPr>
+            <a:endParaRPr lang="pt-BR" sz="2000" dirty="0"/>
+          </a:p>
+          <a:p>
+            <a:pPr algn="just" eaLnBrk="1" hangingPunct="1">
+              <a:buFont typeface="Arial" panose="020B0604020202020204" pitchFamily="34" charset="0"/>
+              <a:buChar char="•"/>
+              <a:defRPr/>
+            </a:pPr>
+            <a:endParaRPr lang="pt-BR" sz="2000" dirty="0"/>
           </a:p>
         </p:txBody>
       </p:sp>
       <p:pic>
         <p:nvPicPr>
-          <p:cNvPr id="8" name="Picture 7">
+          <p:cNvPr id="3" name="Picture 2">
             <a:extLst>
               <a:ext uri="{FF2B5EF4-FFF2-40B4-BE49-F238E27FC236}">
-                <a16:creationId xmlns:a16="http://schemas.microsoft.com/office/drawing/2014/main" id="{AC1CFE5D-EA64-4455-B011-2E471DBEC948}"/>
+                <a16:creationId xmlns:a16="http://schemas.microsoft.com/office/drawing/2014/main" id="{2B1A4BC2-7DE1-4299-98E4-7ED739A14DCC}"/>
               </a:ext>
             </a:extLst>
           </p:cNvPr>
@@ -4915,8 +4716,8 @@
         </p:blipFill>
         <p:spPr>
           <a:xfrm>
-            <a:off x="0" y="1844824"/>
-            <a:ext cx="9144000" cy="3697386"/>
+            <a:off x="0" y="1772816"/>
+            <a:ext cx="9146478" cy="4104456"/>
           </a:xfrm>
           <a:prstGeom prst="rect">
             <a:avLst/>
@@ -4926,13 +4727,16 @@
     </p:spTree>
     <p:extLst>
       <p:ext uri="{BB962C8B-B14F-4D97-AF65-F5344CB8AC3E}">
-        <p14:creationId xmlns:p14="http://schemas.microsoft.com/office/powerpoint/2010/main" val="3460844110"/>
+        <p14:creationId xmlns:p14="http://schemas.microsoft.com/office/powerpoint/2010/main" val="324456396"/>
       </p:ext>
     </p:extLst>
   </p:cSld>
   <p:clrMapOvr>
     <a:masterClrMapping/>
   </p:clrMapOvr>
+  <p:transition spd="med">
+    <p:fade/>
+  </p:transition>
 </p:sld>
 </file>
 
@@ -4955,13 +4759,7 @@
       </p:grpSpPr>
       <p:sp>
         <p:nvSpPr>
-          <p:cNvPr id="6" name="Título 1">
-            <a:extLst>
-              <a:ext uri="{FF2B5EF4-FFF2-40B4-BE49-F238E27FC236}">
-                <a16:creationId xmlns:a16="http://schemas.microsoft.com/office/drawing/2014/main" id="{4420E5F6-C592-489E-8742-39113C67F28C}"/>
-              </a:ext>
-            </a:extLst>
-          </p:cNvPr>
+          <p:cNvPr id="4" name="Título 3"/>
           <p:cNvSpPr>
             <a:spLocks noGrp="1"/>
           </p:cNvSpPr>
@@ -4969,90 +4767,87 @@
             <p:ph type="title"/>
           </p:nvPr>
         </p:nvSpPr>
-        <p:spPr>
-          <a:xfrm>
-            <a:off x="323750" y="0"/>
-            <a:ext cx="8797925" cy="922338"/>
-          </a:xfrm>
-        </p:spPr>
+        <p:spPr/>
         <p:txBody>
           <a:bodyPr/>
           <a:lstStyle/>
           <a:p>
+            <a:pPr eaLnBrk="1" hangingPunct="1">
+              <a:defRPr/>
+            </a:pPr>
             <a:r>
               <a:rPr lang="pt-BR" dirty="0"/>
-              <a:t>MÓDULO CONTROLE </a:t>
-            </a:r>
-            <a:br>
-              <a:rPr lang="pt-BR" dirty="0"/>
-            </a:br>
-            <a:r>
-              <a:rPr lang="pt-BR" dirty="0"/>
-              <a:t>DE ACESSO</a:t>
+              <a:t>MÓDULO EMPRESA</a:t>
             </a:r>
           </a:p>
         </p:txBody>
       </p:sp>
       <p:sp>
         <p:nvSpPr>
-          <p:cNvPr id="8" name="Rectangle 7">
-            <a:extLst>
-              <a:ext uri="{FF2B5EF4-FFF2-40B4-BE49-F238E27FC236}">
-                <a16:creationId xmlns:a16="http://schemas.microsoft.com/office/drawing/2014/main" id="{F316C0A6-AC98-4AAE-B87A-547E57B86D5F}"/>
-              </a:ext>
-            </a:extLst>
-          </p:cNvPr>
-          <p:cNvSpPr/>
-          <p:nvPr/>
+          <p:cNvPr id="21507" name="Espaço Reservado para Conteúdo 4"/>
+          <p:cNvSpPr>
+            <a:spLocks noGrp="1"/>
+          </p:cNvSpPr>
+          <p:nvPr>
+            <p:ph idx="1"/>
+          </p:nvPr>
         </p:nvSpPr>
-        <p:spPr>
+        <p:spPr bwMode="auto">
           <a:xfrm>
-            <a:off x="0" y="1340768"/>
-            <a:ext cx="9144000" cy="5517232"/>
+            <a:off x="179512" y="1340768"/>
+            <a:ext cx="8785225" cy="5328592"/>
           </a:xfrm>
-          <a:prstGeom prst="rect">
-            <a:avLst/>
-          </a:prstGeom>
-          <a:solidFill>
-            <a:schemeClr val="bg1"/>
-          </a:solidFill>
-          <a:ln>
-            <a:solidFill>
-              <a:schemeClr val="bg1"/>
-            </a:solidFill>
-          </a:ln>
+          <a:extLst>
+            <a:ext uri="{909E8E84-426E-40DD-AFC4-6F175D3DCCD1}">
+              <a14:hiddenFill xmlns:a14="http://schemas.microsoft.com/office/drawing/2010/main">
+                <a:solidFill>
+                  <a:srgbClr val="FFFFFF"/>
+                </a:solidFill>
+              </a14:hiddenFill>
+            </a:ext>
+            <a:ext uri="{91240B29-F687-4F45-9708-019B960494DF}">
+              <a14:hiddenLine xmlns:a14="http://schemas.microsoft.com/office/drawing/2010/main" w="9525">
+                <a:solidFill>
+                  <a:srgbClr val="000000"/>
+                </a:solidFill>
+                <a:miter lim="800000"/>
+                <a:headEnd/>
+                <a:tailEnd/>
+              </a14:hiddenLine>
+            </a:ext>
+          </a:extLst>
         </p:spPr>
-        <p:style>
-          <a:lnRef idx="2">
-            <a:schemeClr val="accent1">
-              <a:shade val="50000"/>
-            </a:schemeClr>
-          </a:lnRef>
-          <a:fillRef idx="1">
-            <a:schemeClr val="accent1"/>
-          </a:fillRef>
-          <a:effectRef idx="0">
-            <a:schemeClr val="accent1"/>
-          </a:effectRef>
-          <a:fontRef idx="minor">
-            <a:schemeClr val="lt1"/>
-          </a:fontRef>
-        </p:style>
         <p:txBody>
-          <a:bodyPr rtlCol="0" anchor="ctr"/>
+          <a:bodyPr vert="horz" wrap="square" lIns="91440" tIns="45720" rIns="91440" bIns="45720" numCol="1" anchor="t" anchorCtr="0" compatLnSpc="1">
+            <a:prstTxWarp prst="textNoShape">
+              <a:avLst/>
+            </a:prstTxWarp>
+          </a:bodyPr>
           <a:lstStyle/>
           <a:p>
-            <a:pPr algn="ctr"/>
-            <a:endParaRPr lang="pt-BR"/>
+            <a:pPr marL="0" indent="0" algn="ctr" eaLnBrk="1" hangingPunct="1">
+              <a:buFont typeface="Arial" panose="020B0604020202020204" pitchFamily="34" charset="0"/>
+              <a:buNone/>
+              <a:defRPr/>
+            </a:pPr>
+            <a:endParaRPr lang="pt-BR" sz="2000" dirty="0"/>
+          </a:p>
+          <a:p>
+            <a:pPr algn="just" eaLnBrk="1" hangingPunct="1">
+              <a:buFont typeface="Arial" panose="020B0604020202020204" pitchFamily="34" charset="0"/>
+              <a:buChar char="•"/>
+              <a:defRPr/>
+            </a:pPr>
+            <a:endParaRPr lang="pt-BR" sz="2000" dirty="0"/>
           </a:p>
         </p:txBody>
       </p:sp>
       <p:pic>
         <p:nvPicPr>
-          <p:cNvPr id="9" name="Picture 8">
+          <p:cNvPr id="2" name="Picture 1">
             <a:extLst>
               <a:ext uri="{FF2B5EF4-FFF2-40B4-BE49-F238E27FC236}">
-                <a16:creationId xmlns:a16="http://schemas.microsoft.com/office/drawing/2014/main" id="{F5F42E5F-1DEC-47B5-8651-247D9AF6FADE}"/>
+                <a16:creationId xmlns:a16="http://schemas.microsoft.com/office/drawing/2014/main" id="{21DDFF5F-FFF6-4DB6-AD4E-6794E13280AB}"/>
               </a:ext>
             </a:extLst>
           </p:cNvPr>
@@ -5062,21 +4857,15 @@
           <p:nvPr/>
         </p:nvPicPr>
         <p:blipFill>
-          <a:blip r:embed="rId2">
-            <a:extLst>
-              <a:ext uri="{28A0092B-C50C-407E-A947-70E740481C1C}">
-                <a14:useLocalDpi xmlns:a14="http://schemas.microsoft.com/office/drawing/2010/main" val="0"/>
-              </a:ext>
-            </a:extLst>
-          </a:blip>
+          <a:blip r:embed="rId2"/>
           <a:stretch>
             <a:fillRect/>
           </a:stretch>
         </p:blipFill>
         <p:spPr>
           <a:xfrm>
-            <a:off x="0" y="1340768"/>
-            <a:ext cx="9033417" cy="5112568"/>
+            <a:off x="0" y="1358575"/>
+            <a:ext cx="9144000" cy="5166769"/>
           </a:xfrm>
           <a:prstGeom prst="rect">
             <a:avLst/>
@@ -5086,13 +4875,16 @@
     </p:spTree>
     <p:extLst>
       <p:ext uri="{BB962C8B-B14F-4D97-AF65-F5344CB8AC3E}">
-        <p14:creationId xmlns:p14="http://schemas.microsoft.com/office/powerpoint/2010/main" val="255138212"/>
+        <p14:creationId xmlns:p14="http://schemas.microsoft.com/office/powerpoint/2010/main" val="3523015254"/>
       </p:ext>
     </p:extLst>
   </p:cSld>
   <p:clrMapOvr>
     <a:masterClrMapping/>
   </p:clrMapOvr>
+  <p:transition spd="med">
+    <p:fade/>
+  </p:transition>
 </p:sld>
 </file>
 
@@ -5115,13 +4907,7 @@
       </p:grpSpPr>
       <p:sp>
         <p:nvSpPr>
-          <p:cNvPr id="6" name="Título 1">
-            <a:extLst>
-              <a:ext uri="{FF2B5EF4-FFF2-40B4-BE49-F238E27FC236}">
-                <a16:creationId xmlns:a16="http://schemas.microsoft.com/office/drawing/2014/main" id="{4420E5F6-C592-489E-8742-39113C67F28C}"/>
-              </a:ext>
-            </a:extLst>
-          </p:cNvPr>
+          <p:cNvPr id="4" name="Título 3"/>
           <p:cNvSpPr>
             <a:spLocks noGrp="1"/>
           </p:cNvSpPr>
@@ -5129,90 +4915,87 @@
             <p:ph type="title"/>
           </p:nvPr>
         </p:nvSpPr>
-        <p:spPr>
-          <a:xfrm>
-            <a:off x="323750" y="0"/>
-            <a:ext cx="8797925" cy="922338"/>
-          </a:xfrm>
-        </p:spPr>
+        <p:spPr/>
         <p:txBody>
           <a:bodyPr/>
           <a:lstStyle/>
           <a:p>
+            <a:pPr eaLnBrk="1" hangingPunct="1">
+              <a:defRPr/>
+            </a:pPr>
             <a:r>
               <a:rPr lang="pt-BR" dirty="0"/>
-              <a:t>MÓDULO CONTROLE </a:t>
-            </a:r>
-            <a:br>
-              <a:rPr lang="pt-BR" dirty="0"/>
-            </a:br>
-            <a:r>
-              <a:rPr lang="pt-BR" dirty="0"/>
-              <a:t>DE ACESSO</a:t>
+              <a:t>MÓDULO EMPRESA</a:t>
             </a:r>
           </a:p>
         </p:txBody>
       </p:sp>
       <p:sp>
         <p:nvSpPr>
-          <p:cNvPr id="8" name="Rectangle 7">
-            <a:extLst>
-              <a:ext uri="{FF2B5EF4-FFF2-40B4-BE49-F238E27FC236}">
-                <a16:creationId xmlns:a16="http://schemas.microsoft.com/office/drawing/2014/main" id="{EF4C9CB5-998F-4DAB-AD54-72FA9E925DA9}"/>
-              </a:ext>
-            </a:extLst>
-          </p:cNvPr>
-          <p:cNvSpPr/>
-          <p:nvPr/>
+          <p:cNvPr id="21507" name="Espaço Reservado para Conteúdo 4"/>
+          <p:cNvSpPr>
+            <a:spLocks noGrp="1"/>
+          </p:cNvSpPr>
+          <p:nvPr>
+            <p:ph idx="1"/>
+          </p:nvPr>
         </p:nvSpPr>
-        <p:spPr>
+        <p:spPr bwMode="auto">
           <a:xfrm>
-            <a:off x="0" y="1340768"/>
-            <a:ext cx="9144000" cy="5517232"/>
+            <a:off x="179512" y="1340768"/>
+            <a:ext cx="8785225" cy="5328592"/>
           </a:xfrm>
-          <a:prstGeom prst="rect">
-            <a:avLst/>
-          </a:prstGeom>
-          <a:solidFill>
-            <a:schemeClr val="bg1"/>
-          </a:solidFill>
-          <a:ln>
-            <a:solidFill>
-              <a:schemeClr val="bg1"/>
-            </a:solidFill>
-          </a:ln>
+          <a:extLst>
+            <a:ext uri="{909E8E84-426E-40DD-AFC4-6F175D3DCCD1}">
+              <a14:hiddenFill xmlns:a14="http://schemas.microsoft.com/office/drawing/2010/main">
+                <a:solidFill>
+                  <a:srgbClr val="FFFFFF"/>
+                </a:solidFill>
+              </a14:hiddenFill>
+            </a:ext>
+            <a:ext uri="{91240B29-F687-4F45-9708-019B960494DF}">
+              <a14:hiddenLine xmlns:a14="http://schemas.microsoft.com/office/drawing/2010/main" w="9525">
+                <a:solidFill>
+                  <a:srgbClr val="000000"/>
+                </a:solidFill>
+                <a:miter lim="800000"/>
+                <a:headEnd/>
+                <a:tailEnd/>
+              </a14:hiddenLine>
+            </a:ext>
+          </a:extLst>
         </p:spPr>
-        <p:style>
-          <a:lnRef idx="2">
-            <a:schemeClr val="accent1">
-              <a:shade val="50000"/>
-            </a:schemeClr>
-          </a:lnRef>
-          <a:fillRef idx="1">
-            <a:schemeClr val="accent1"/>
-          </a:fillRef>
-          <a:effectRef idx="0">
-            <a:schemeClr val="accent1"/>
-          </a:effectRef>
-          <a:fontRef idx="minor">
-            <a:schemeClr val="lt1"/>
-          </a:fontRef>
-        </p:style>
         <p:txBody>
-          <a:bodyPr rtlCol="0" anchor="ctr"/>
+          <a:bodyPr vert="horz" wrap="square" lIns="91440" tIns="45720" rIns="91440" bIns="45720" numCol="1" anchor="t" anchorCtr="0" compatLnSpc="1">
+            <a:prstTxWarp prst="textNoShape">
+              <a:avLst/>
+            </a:prstTxWarp>
+          </a:bodyPr>
           <a:lstStyle/>
           <a:p>
-            <a:pPr algn="ctr"/>
-            <a:endParaRPr lang="pt-BR"/>
+            <a:pPr marL="0" indent="0" algn="ctr" eaLnBrk="1" hangingPunct="1">
+              <a:buFont typeface="Arial" panose="020B0604020202020204" pitchFamily="34" charset="0"/>
+              <a:buNone/>
+              <a:defRPr/>
+            </a:pPr>
+            <a:endParaRPr lang="pt-BR" sz="2000" dirty="0"/>
+          </a:p>
+          <a:p>
+            <a:pPr algn="just" eaLnBrk="1" hangingPunct="1">
+              <a:buFont typeface="Arial" panose="020B0604020202020204" pitchFamily="34" charset="0"/>
+              <a:buChar char="•"/>
+              <a:defRPr/>
+            </a:pPr>
+            <a:endParaRPr lang="pt-BR" sz="2000" dirty="0"/>
           </a:p>
         </p:txBody>
       </p:sp>
       <p:pic>
         <p:nvPicPr>
-          <p:cNvPr id="10" name="Picture 9">
+          <p:cNvPr id="3" name="Picture 2">
             <a:extLst>
               <a:ext uri="{FF2B5EF4-FFF2-40B4-BE49-F238E27FC236}">
-                <a16:creationId xmlns:a16="http://schemas.microsoft.com/office/drawing/2014/main" id="{86E4D953-118F-46F7-809C-802C59C8CF9B}"/>
+                <a16:creationId xmlns:a16="http://schemas.microsoft.com/office/drawing/2014/main" id="{69168DE8-9710-4C4D-825A-7E6F62278493}"/>
               </a:ext>
             </a:extLst>
           </p:cNvPr>
@@ -5222,21 +5005,15 @@
           <p:nvPr/>
         </p:nvPicPr>
         <p:blipFill>
-          <a:blip r:embed="rId2">
-            <a:extLst>
-              <a:ext uri="{28A0092B-C50C-407E-A947-70E740481C1C}">
-                <a14:useLocalDpi xmlns:a14="http://schemas.microsoft.com/office/drawing/2010/main" val="0"/>
-              </a:ext>
-            </a:extLst>
-          </a:blip>
+          <a:blip r:embed="rId2"/>
           <a:stretch>
             <a:fillRect/>
           </a:stretch>
         </p:blipFill>
         <p:spPr>
           <a:xfrm>
-            <a:off x="-1" y="1358546"/>
-            <a:ext cx="9144001" cy="5054473"/>
+            <a:off x="-6350" y="1340768"/>
+            <a:ext cx="9144000" cy="5213445"/>
           </a:xfrm>
           <a:prstGeom prst="rect">
             <a:avLst/>
@@ -5246,13 +5023,16 @@
     </p:spTree>
     <p:extLst>
       <p:ext uri="{BB962C8B-B14F-4D97-AF65-F5344CB8AC3E}">
-        <p14:creationId xmlns:p14="http://schemas.microsoft.com/office/powerpoint/2010/main" val="2944428277"/>
+        <p14:creationId xmlns:p14="http://schemas.microsoft.com/office/powerpoint/2010/main" val="3817239344"/>
       </p:ext>
     </p:extLst>
   </p:cSld>
   <p:clrMapOvr>
     <a:masterClrMapping/>
   </p:clrMapOvr>
+  <p:transition spd="med">
+    <p:fade/>
+  </p:transition>
 </p:sld>
 </file>
 
@@ -5275,13 +5055,7 @@
       </p:grpSpPr>
       <p:sp>
         <p:nvSpPr>
-          <p:cNvPr id="6" name="Título 1">
-            <a:extLst>
-              <a:ext uri="{FF2B5EF4-FFF2-40B4-BE49-F238E27FC236}">
-                <a16:creationId xmlns:a16="http://schemas.microsoft.com/office/drawing/2014/main" id="{4420E5F6-C592-489E-8742-39113C67F28C}"/>
-              </a:ext>
-            </a:extLst>
-          </p:cNvPr>
+          <p:cNvPr id="4" name="Título 3"/>
           <p:cNvSpPr>
             <a:spLocks noGrp="1"/>
           </p:cNvSpPr>
@@ -5289,90 +5063,87 @@
             <p:ph type="title"/>
           </p:nvPr>
         </p:nvSpPr>
-        <p:spPr>
-          <a:xfrm>
-            <a:off x="323750" y="0"/>
-            <a:ext cx="8797925" cy="922338"/>
-          </a:xfrm>
-        </p:spPr>
+        <p:spPr/>
         <p:txBody>
           <a:bodyPr/>
           <a:lstStyle/>
           <a:p>
+            <a:pPr eaLnBrk="1" hangingPunct="1">
+              <a:defRPr/>
+            </a:pPr>
             <a:r>
               <a:rPr lang="pt-BR" dirty="0"/>
-              <a:t>MÓDULO CONTROLE </a:t>
-            </a:r>
-            <a:br>
-              <a:rPr lang="pt-BR" dirty="0"/>
-            </a:br>
-            <a:r>
-              <a:rPr lang="pt-BR" dirty="0"/>
-              <a:t>DE ACESSO</a:t>
+              <a:t>MÓDULO EMPRESA</a:t>
             </a:r>
           </a:p>
         </p:txBody>
       </p:sp>
       <p:sp>
         <p:nvSpPr>
-          <p:cNvPr id="8" name="Rectangle 7">
-            <a:extLst>
-              <a:ext uri="{FF2B5EF4-FFF2-40B4-BE49-F238E27FC236}">
-                <a16:creationId xmlns:a16="http://schemas.microsoft.com/office/drawing/2014/main" id="{EF4C9CB5-998F-4DAB-AD54-72FA9E925DA9}"/>
-              </a:ext>
-            </a:extLst>
-          </p:cNvPr>
-          <p:cNvSpPr/>
-          <p:nvPr/>
+          <p:cNvPr id="21507" name="Espaço Reservado para Conteúdo 4"/>
+          <p:cNvSpPr>
+            <a:spLocks noGrp="1"/>
+          </p:cNvSpPr>
+          <p:nvPr>
+            <p:ph idx="1"/>
+          </p:nvPr>
         </p:nvSpPr>
-        <p:spPr>
+        <p:spPr bwMode="auto">
           <a:xfrm>
-            <a:off x="0" y="1340768"/>
-            <a:ext cx="9144000" cy="5517232"/>
+            <a:off x="179512" y="1340768"/>
+            <a:ext cx="8785225" cy="5328592"/>
           </a:xfrm>
-          <a:prstGeom prst="rect">
-            <a:avLst/>
-          </a:prstGeom>
-          <a:solidFill>
-            <a:schemeClr val="bg1"/>
-          </a:solidFill>
-          <a:ln>
-            <a:solidFill>
-              <a:schemeClr val="bg1"/>
-            </a:solidFill>
-          </a:ln>
+          <a:extLst>
+            <a:ext uri="{909E8E84-426E-40DD-AFC4-6F175D3DCCD1}">
+              <a14:hiddenFill xmlns:a14="http://schemas.microsoft.com/office/drawing/2010/main">
+                <a:solidFill>
+                  <a:srgbClr val="FFFFFF"/>
+                </a:solidFill>
+              </a14:hiddenFill>
+            </a:ext>
+            <a:ext uri="{91240B29-F687-4F45-9708-019B960494DF}">
+              <a14:hiddenLine xmlns:a14="http://schemas.microsoft.com/office/drawing/2010/main" w="9525">
+                <a:solidFill>
+                  <a:srgbClr val="000000"/>
+                </a:solidFill>
+                <a:miter lim="800000"/>
+                <a:headEnd/>
+                <a:tailEnd/>
+              </a14:hiddenLine>
+            </a:ext>
+          </a:extLst>
         </p:spPr>
-        <p:style>
-          <a:lnRef idx="2">
-            <a:schemeClr val="accent1">
-              <a:shade val="50000"/>
-            </a:schemeClr>
-          </a:lnRef>
-          <a:fillRef idx="1">
-            <a:schemeClr val="accent1"/>
-          </a:fillRef>
-          <a:effectRef idx="0">
-            <a:schemeClr val="accent1"/>
-          </a:effectRef>
-          <a:fontRef idx="minor">
-            <a:schemeClr val="lt1"/>
-          </a:fontRef>
-        </p:style>
         <p:txBody>
-          <a:bodyPr rtlCol="0" anchor="ctr"/>
+          <a:bodyPr vert="horz" wrap="square" lIns="91440" tIns="45720" rIns="91440" bIns="45720" numCol="1" anchor="t" anchorCtr="0" compatLnSpc="1">
+            <a:prstTxWarp prst="textNoShape">
+              <a:avLst/>
+            </a:prstTxWarp>
+          </a:bodyPr>
           <a:lstStyle/>
           <a:p>
-            <a:pPr algn="ctr"/>
-            <a:endParaRPr lang="pt-BR"/>
+            <a:pPr marL="0" indent="0" algn="ctr" eaLnBrk="1" hangingPunct="1">
+              <a:buFont typeface="Arial" panose="020B0604020202020204" pitchFamily="34" charset="0"/>
+              <a:buNone/>
+              <a:defRPr/>
+            </a:pPr>
+            <a:endParaRPr lang="pt-BR" sz="2000" dirty="0"/>
+          </a:p>
+          <a:p>
+            <a:pPr algn="just" eaLnBrk="1" hangingPunct="1">
+              <a:buFont typeface="Arial" panose="020B0604020202020204" pitchFamily="34" charset="0"/>
+              <a:buChar char="•"/>
+              <a:defRPr/>
+            </a:pPr>
+            <a:endParaRPr lang="pt-BR" sz="2000" dirty="0"/>
           </a:p>
         </p:txBody>
       </p:sp>
       <p:pic>
         <p:nvPicPr>
-          <p:cNvPr id="3" name="Picture 2">
+          <p:cNvPr id="2" name="Picture 1">
             <a:extLst>
               <a:ext uri="{FF2B5EF4-FFF2-40B4-BE49-F238E27FC236}">
-                <a16:creationId xmlns:a16="http://schemas.microsoft.com/office/drawing/2014/main" id="{F1FA4B04-B183-46B7-8891-15526F3F8963}"/>
+                <a16:creationId xmlns:a16="http://schemas.microsoft.com/office/drawing/2014/main" id="{B6A781C1-AA15-45C9-BF02-66987FF55897}"/>
               </a:ext>
             </a:extLst>
           </p:cNvPr>
@@ -5381,21 +5152,16 @@
           </p:cNvPicPr>
           <p:nvPr/>
         </p:nvPicPr>
-        <p:blipFill rotWithShape="1">
-          <a:blip r:embed="rId2">
-            <a:extLst>
-              <a:ext uri="{28A0092B-C50C-407E-A947-70E740481C1C}">
-                <a14:useLocalDpi xmlns:a14="http://schemas.microsoft.com/office/drawing/2010/main" val="0"/>
-              </a:ext>
-            </a:extLst>
-          </a:blip>
-          <a:srcRect t="2667"/>
-          <a:stretch/>
+        <p:blipFill>
+          <a:blip r:embed="rId2"/>
+          <a:stretch>
+            <a:fillRect/>
+          </a:stretch>
         </p:blipFill>
         <p:spPr>
           <a:xfrm>
-            <a:off x="-20786" y="1312606"/>
-            <a:ext cx="9142462" cy="5116955"/>
+            <a:off x="-36512" y="1352866"/>
+            <a:ext cx="9144000" cy="5244486"/>
           </a:xfrm>
           <a:prstGeom prst="rect">
             <a:avLst/>
@@ -5405,13 +5171,16 @@
     </p:spTree>
     <p:extLst>
       <p:ext uri="{BB962C8B-B14F-4D97-AF65-F5344CB8AC3E}">
-        <p14:creationId xmlns:p14="http://schemas.microsoft.com/office/powerpoint/2010/main" val="398228404"/>
+        <p14:creationId xmlns:p14="http://schemas.microsoft.com/office/powerpoint/2010/main" val="1697811339"/>
       </p:ext>
     </p:extLst>
   </p:cSld>
   <p:clrMapOvr>
     <a:masterClrMapping/>
   </p:clrMapOvr>
+  <p:transition spd="med">
+    <p:fade/>
+  </p:transition>
 </p:sld>
 </file>
 
@@ -5555,159 +5324,6 @@
       </p:grpSpPr>
       <p:sp>
         <p:nvSpPr>
-          <p:cNvPr id="6" name="Título 1">
-            <a:extLst>
-              <a:ext uri="{FF2B5EF4-FFF2-40B4-BE49-F238E27FC236}">
-                <a16:creationId xmlns:a16="http://schemas.microsoft.com/office/drawing/2014/main" id="{4420E5F6-C592-489E-8742-39113C67F28C}"/>
-              </a:ext>
-            </a:extLst>
-          </p:cNvPr>
-          <p:cNvSpPr>
-            <a:spLocks noGrp="1"/>
-          </p:cNvSpPr>
-          <p:nvPr>
-            <p:ph type="title"/>
-          </p:nvPr>
-        </p:nvSpPr>
-        <p:spPr>
-          <a:xfrm>
-            <a:off x="323750" y="0"/>
-            <a:ext cx="8797925" cy="922338"/>
-          </a:xfrm>
-        </p:spPr>
-        <p:txBody>
-          <a:bodyPr/>
-          <a:lstStyle/>
-          <a:p>
-            <a:r>
-              <a:rPr lang="pt-BR" dirty="0"/>
-              <a:t>MÓDULO CONTROLE </a:t>
-            </a:r>
-            <a:br>
-              <a:rPr lang="pt-BR" dirty="0"/>
-            </a:br>
-            <a:r>
-              <a:rPr lang="pt-BR" dirty="0"/>
-              <a:t>DE ACESSO</a:t>
-            </a:r>
-          </a:p>
-        </p:txBody>
-      </p:sp>
-      <p:sp>
-        <p:nvSpPr>
-          <p:cNvPr id="8" name="Rectangle 7">
-            <a:extLst>
-              <a:ext uri="{FF2B5EF4-FFF2-40B4-BE49-F238E27FC236}">
-                <a16:creationId xmlns:a16="http://schemas.microsoft.com/office/drawing/2014/main" id="{EF4C9CB5-998F-4DAB-AD54-72FA9E925DA9}"/>
-              </a:ext>
-            </a:extLst>
-          </p:cNvPr>
-          <p:cNvSpPr/>
-          <p:nvPr/>
-        </p:nvSpPr>
-        <p:spPr>
-          <a:xfrm>
-            <a:off x="0" y="1340768"/>
-            <a:ext cx="9144000" cy="5517232"/>
-          </a:xfrm>
-          <a:prstGeom prst="rect">
-            <a:avLst/>
-          </a:prstGeom>
-          <a:solidFill>
-            <a:schemeClr val="bg1"/>
-          </a:solidFill>
-          <a:ln>
-            <a:solidFill>
-              <a:schemeClr val="bg1"/>
-            </a:solidFill>
-          </a:ln>
-        </p:spPr>
-        <p:style>
-          <a:lnRef idx="2">
-            <a:schemeClr val="accent1">
-              <a:shade val="50000"/>
-            </a:schemeClr>
-          </a:lnRef>
-          <a:fillRef idx="1">
-            <a:schemeClr val="accent1"/>
-          </a:fillRef>
-          <a:effectRef idx="0">
-            <a:schemeClr val="accent1"/>
-          </a:effectRef>
-          <a:fontRef idx="minor">
-            <a:schemeClr val="lt1"/>
-          </a:fontRef>
-        </p:style>
-        <p:txBody>
-          <a:bodyPr rtlCol="0" anchor="ctr"/>
-          <a:lstStyle/>
-          <a:p>
-            <a:pPr algn="ctr"/>
-            <a:endParaRPr lang="pt-BR"/>
-          </a:p>
-        </p:txBody>
-      </p:sp>
-      <p:pic>
-        <p:nvPicPr>
-          <p:cNvPr id="4" name="Picture 3">
-            <a:extLst>
-              <a:ext uri="{FF2B5EF4-FFF2-40B4-BE49-F238E27FC236}">
-                <a16:creationId xmlns:a16="http://schemas.microsoft.com/office/drawing/2014/main" id="{9E45BBDA-7E5F-49C6-9ACE-8F5A7A5E8FAA}"/>
-              </a:ext>
-            </a:extLst>
-          </p:cNvPr>
-          <p:cNvPicPr>
-            <a:picLocks noChangeAspect="1"/>
-          </p:cNvPicPr>
-          <p:nvPr/>
-        </p:nvPicPr>
-        <p:blipFill rotWithShape="1">
-          <a:blip r:embed="rId2"/>
-          <a:srcRect l="-968" t="12350" r="968" b="154"/>
-          <a:stretch/>
-        </p:blipFill>
-        <p:spPr>
-          <a:xfrm>
-            <a:off x="-72010" y="1285618"/>
-            <a:ext cx="9324530" cy="5455750"/>
-          </a:xfrm>
-          <a:prstGeom prst="rect">
-            <a:avLst/>
-          </a:prstGeom>
-        </p:spPr>
-      </p:pic>
-    </p:spTree>
-    <p:extLst>
-      <p:ext uri="{BB962C8B-B14F-4D97-AF65-F5344CB8AC3E}">
-        <p14:creationId xmlns:p14="http://schemas.microsoft.com/office/powerpoint/2010/main" val="3663591352"/>
-      </p:ext>
-    </p:extLst>
-  </p:cSld>
-  <p:clrMapOvr>
-    <a:masterClrMapping/>
-  </p:clrMapOvr>
-</p:sld>
-</file>
-
-<file path=ppt/slides/slide21.xml><?xml version="1.0" encoding="utf-8"?>
-<p:sld xmlns:a="http://schemas.openxmlformats.org/drawingml/2006/main" xmlns:r="http://schemas.openxmlformats.org/officeDocument/2006/relationships" xmlns:p="http://schemas.openxmlformats.org/presentationml/2006/main">
-  <p:cSld>
-    <p:spTree>
-      <p:nvGrpSpPr>
-        <p:cNvPr id="1" name=""/>
-        <p:cNvGrpSpPr/>
-        <p:nvPr/>
-      </p:nvGrpSpPr>
-      <p:grpSpPr>
-        <a:xfrm>
-          <a:off x="0" y="0"/>
-          <a:ext cx="0" cy="0"/>
-          <a:chOff x="0" y="0"/>
-          <a:chExt cx="0" cy="0"/>
-        </a:xfrm>
-      </p:grpSpPr>
-      <p:sp>
-        <p:nvSpPr>
           <p:cNvPr id="7170" name="Rectangle 2"/>
           <p:cNvSpPr>
             <a:spLocks noGrp="1" noChangeArrowheads="1"/>
@@ -5736,7 +5352,7 @@
               <a:rPr lang="pt-BR" dirty="0">
                 <a:ea typeface="ＭＳ Ｐゴシック" pitchFamily="-106" charset="-128"/>
               </a:rPr>
-              <a:t>MÓDULO EMPRESA</a:t>
+              <a:t>MÓDULO FINANCEIRO</a:t>
             </a:r>
           </a:p>
         </p:txBody>
@@ -6150,7 +5766,7 @@
               <a:defRPr/>
             </a:pPr>
             <a:r>
-              <a:rPr kumimoji="0" lang="pt-BR" sz="4000" b="0" i="0" u="none" strike="noStrike" kern="1200" cap="none" spc="0" normalizeH="0" baseline="0" noProof="0" dirty="0" err="1">
+              <a:rPr kumimoji="0" lang="pt-BR" sz="4000" b="0" i="0" u="none" strike="noStrike" kern="1200" cap="none" spc="0" normalizeH="0" baseline="0" noProof="0" dirty="0">
                 <a:ln>
                   <a:noFill/>
                 </a:ln>
@@ -6166,26 +5782,7 @@
                 <a:ea typeface="ＭＳ Ｐゴシック" pitchFamily="-106" charset="-128"/>
                 <a:cs typeface="Verdana" pitchFamily="34" charset="0"/>
               </a:rPr>
-              <a:t>Wender</a:t>
-            </a:r>
-            <a:r>
-              <a:rPr kumimoji="0" lang="pt-BR" sz="4000" b="0" i="0" u="none" strike="noStrike" kern="1200" cap="none" spc="0" normalizeH="0" baseline="0" noProof="0" dirty="0">
-                <a:ln>
-                  <a:noFill/>
-                </a:ln>
-                <a:solidFill>
-                  <a:schemeClr val="tx2">
-                    <a:lumMod val="75000"/>
-                  </a:schemeClr>
-                </a:solidFill>
-                <a:effectLst/>
-                <a:uLnTx/>
-                <a:uFillTx/>
-                <a:latin typeface="Verdana" pitchFamily="34" charset="0"/>
-                <a:ea typeface="ＭＳ Ｐゴシック" pitchFamily="-106" charset="-128"/>
-                <a:cs typeface="Verdana" pitchFamily="34" charset="0"/>
-              </a:rPr>
-              <a:t> Dantas</a:t>
+              <a:t>Alisson Santana</a:t>
             </a:r>
             <a:endParaRPr kumimoji="0" lang="pt-BR" sz="2000" b="1" i="0" u="none" strike="noStrike" kern="1200" cap="none" spc="0" normalizeH="0" baseline="0" noProof="0" dirty="0">
               <a:ln>
@@ -6207,7 +5804,7 @@
     </p:spTree>
     <p:extLst>
       <p:ext uri="{BB962C8B-B14F-4D97-AF65-F5344CB8AC3E}">
-        <p14:creationId xmlns:p14="http://schemas.microsoft.com/office/powerpoint/2010/main" val="2461302196"/>
+        <p14:creationId xmlns:p14="http://schemas.microsoft.com/office/powerpoint/2010/main" val="681014556"/>
       </p:ext>
     </p:extLst>
   </p:cSld>
@@ -6217,6 +5814,439 @@
   <p:transition spd="med">
     <p:fade/>
   </p:transition>
+</p:sld>
+</file>
+
+<file path=ppt/slides/slide21.xml><?xml version="1.0" encoding="utf-8"?>
+<p:sld xmlns:a="http://schemas.openxmlformats.org/drawingml/2006/main" xmlns:r="http://schemas.openxmlformats.org/officeDocument/2006/relationships" xmlns:p="http://schemas.openxmlformats.org/presentationml/2006/main">
+  <p:cSld>
+    <p:spTree>
+      <p:nvGrpSpPr>
+        <p:cNvPr id="1" name=""/>
+        <p:cNvGrpSpPr/>
+        <p:nvPr/>
+      </p:nvGrpSpPr>
+      <p:grpSpPr>
+        <a:xfrm>
+          <a:off x="0" y="0"/>
+          <a:ext cx="0" cy="0"/>
+          <a:chOff x="0" y="0"/>
+          <a:chExt cx="0" cy="0"/>
+        </a:xfrm>
+      </p:grpSpPr>
+      <p:sp>
+        <p:nvSpPr>
+          <p:cNvPr id="4" name="Espaço Reservado para Texto 3"/>
+          <p:cNvSpPr>
+            <a:spLocks noGrp="1"/>
+          </p:cNvSpPr>
+          <p:nvPr>
+            <p:ph type="body" sz="quarter" idx="12"/>
+          </p:nvPr>
+        </p:nvSpPr>
+        <p:spPr>
+          <a:xfrm>
+            <a:off x="395536" y="1196752"/>
+            <a:ext cx="8208912" cy="5112568"/>
+          </a:xfrm>
+        </p:spPr>
+        <p:txBody>
+          <a:bodyPr/>
+          <a:lstStyle/>
+          <a:p>
+            <a:pPr algn="just" eaLnBrk="1" hangingPunct="1">
+              <a:buFont typeface="Arial" panose="020B0604020202020204" pitchFamily="34" charset="0"/>
+              <a:buChar char="•"/>
+              <a:defRPr/>
+            </a:pPr>
+            <a:r>
+              <a:rPr lang="pt-BR" sz="2600" dirty="0">
+                <a:solidFill>
+                  <a:schemeClr val="tx2">
+                    <a:lumMod val="75000"/>
+                  </a:schemeClr>
+                </a:solidFill>
+                <a:latin typeface="Calibri (Corpo)"/>
+                <a:cs typeface="Calibri" panose="020F0502020204030204" pitchFamily="34" charset="0"/>
+              </a:rPr>
+              <a:t>Manter Cobrança</a:t>
+            </a:r>
+          </a:p>
+          <a:p>
+            <a:pPr lvl="1" algn="just" eaLnBrk="1" hangingPunct="1">
+              <a:buFont typeface="Arial" panose="020B0604020202020204" pitchFamily="34" charset="0"/>
+              <a:buChar char="•"/>
+              <a:defRPr/>
+            </a:pPr>
+            <a:r>
+              <a:rPr lang="pt-BR" sz="1850" dirty="0">
+                <a:solidFill>
+                  <a:schemeClr val="tx2">
+                    <a:lumMod val="75000"/>
+                  </a:schemeClr>
+                </a:solidFill>
+                <a:latin typeface="+mn-lt"/>
+                <a:ea typeface="+mn-ea"/>
+                <a:cs typeface="+mn-cs"/>
+              </a:rPr>
+              <a:t>Permite a manutenção de cobrança.</a:t>
+            </a:r>
+          </a:p>
+          <a:p>
+            <a:pPr marL="457200" lvl="1" indent="0" algn="just" eaLnBrk="1" hangingPunct="1">
+              <a:defRPr/>
+            </a:pPr>
+            <a:endParaRPr lang="pt-BR" sz="1800" dirty="0">
+              <a:solidFill>
+                <a:schemeClr val="tx2">
+                  <a:lumMod val="75000"/>
+                </a:schemeClr>
+              </a:solidFill>
+              <a:latin typeface="Calibri" panose="020F0502020204030204" pitchFamily="34" charset="0"/>
+              <a:cs typeface="Calibri" panose="020F0502020204030204" pitchFamily="34" charset="0"/>
+            </a:endParaRPr>
+          </a:p>
+          <a:p>
+            <a:pPr algn="just" eaLnBrk="1" hangingPunct="1">
+              <a:buFont typeface="Arial" panose="020B0604020202020204" pitchFamily="34" charset="0"/>
+              <a:buChar char="•"/>
+              <a:defRPr/>
+            </a:pPr>
+            <a:r>
+              <a:rPr lang="pt-BR" sz="2600" dirty="0">
+                <a:solidFill>
+                  <a:schemeClr val="tx2">
+                    <a:lumMod val="75000"/>
+                  </a:schemeClr>
+                </a:solidFill>
+                <a:latin typeface="Calibri (Corpo)"/>
+                <a:cs typeface="Calibri" panose="020F0502020204030204" pitchFamily="34" charset="0"/>
+              </a:rPr>
+              <a:t>Receber Pagamento</a:t>
+            </a:r>
+          </a:p>
+          <a:p>
+            <a:pPr lvl="1" algn="just" eaLnBrk="1" hangingPunct="1">
+              <a:buFont typeface="Arial" panose="020B0604020202020204" pitchFamily="34" charset="0"/>
+              <a:buChar char="•"/>
+              <a:defRPr/>
+            </a:pPr>
+            <a:r>
+              <a:rPr lang="pt-BR" sz="1850" dirty="0">
+                <a:solidFill>
+                  <a:schemeClr val="tx2">
+                    <a:lumMod val="75000"/>
+                  </a:schemeClr>
+                </a:solidFill>
+                <a:latin typeface="+mn-lt"/>
+                <a:ea typeface="+mn-ea"/>
+                <a:cs typeface="+mn-cs"/>
+              </a:rPr>
+              <a:t>Registrar, pesquisar, visualizar, editar e deletar os pagamentos dos clientes por serviços prestados pela clínica.</a:t>
+            </a:r>
+          </a:p>
+          <a:p>
+            <a:pPr marL="457200" lvl="1" indent="0" algn="just" eaLnBrk="1" hangingPunct="1">
+              <a:defRPr/>
+            </a:pPr>
+            <a:endParaRPr lang="pt-BR" sz="1800" dirty="0">
+              <a:solidFill>
+                <a:schemeClr val="tx2">
+                  <a:lumMod val="75000"/>
+                </a:schemeClr>
+              </a:solidFill>
+              <a:latin typeface="Calibri" panose="020F0502020204030204" pitchFamily="34" charset="0"/>
+              <a:cs typeface="Calibri" panose="020F0502020204030204" pitchFamily="34" charset="0"/>
+            </a:endParaRPr>
+          </a:p>
+          <a:p>
+            <a:pPr algn="just" eaLnBrk="1" hangingPunct="1">
+              <a:buFont typeface="Arial" panose="020B0604020202020204" pitchFamily="34" charset="0"/>
+              <a:buChar char="•"/>
+              <a:defRPr/>
+            </a:pPr>
+            <a:r>
+              <a:rPr lang="pt-BR" sz="2600" dirty="0">
+                <a:solidFill>
+                  <a:schemeClr val="tx2">
+                    <a:lumMod val="75000"/>
+                  </a:schemeClr>
+                </a:solidFill>
+                <a:latin typeface="Calibri (Corpo)"/>
+                <a:cs typeface="Calibri" panose="020F0502020204030204" pitchFamily="34" charset="0"/>
+              </a:rPr>
+              <a:t>Manter Custos</a:t>
+            </a:r>
+          </a:p>
+          <a:p>
+            <a:pPr lvl="1" algn="just" eaLnBrk="1" hangingPunct="1">
+              <a:buFont typeface="Arial" panose="020B0604020202020204" pitchFamily="34" charset="0"/>
+              <a:buChar char="•"/>
+              <a:defRPr/>
+            </a:pPr>
+            <a:r>
+              <a:rPr lang="pt-BR" sz="1850" dirty="0">
+                <a:solidFill>
+                  <a:schemeClr val="tx2">
+                    <a:lumMod val="75000"/>
+                  </a:schemeClr>
+                </a:solidFill>
+                <a:latin typeface="+mn-lt"/>
+                <a:ea typeface="+mn-ea"/>
+                <a:cs typeface="+mn-cs"/>
+              </a:rPr>
+              <a:t>Permite a manutenção de custos da clínica.</a:t>
+            </a:r>
+          </a:p>
+          <a:p>
+            <a:pPr marL="457200" lvl="1" indent="0" algn="just" eaLnBrk="1" hangingPunct="1">
+              <a:defRPr/>
+            </a:pPr>
+            <a:endParaRPr lang="pt-BR" sz="1800" dirty="0">
+              <a:solidFill>
+                <a:schemeClr val="tx2">
+                  <a:lumMod val="75000"/>
+                </a:schemeClr>
+              </a:solidFill>
+              <a:latin typeface="Calibri" panose="020F0502020204030204" pitchFamily="34" charset="0"/>
+              <a:cs typeface="Calibri" panose="020F0502020204030204" pitchFamily="34" charset="0"/>
+            </a:endParaRPr>
+          </a:p>
+          <a:p>
+            <a:pPr algn="just" eaLnBrk="1" hangingPunct="1">
+              <a:buFont typeface="Arial" panose="020B0604020202020204" pitchFamily="34" charset="0"/>
+              <a:buChar char="•"/>
+              <a:defRPr/>
+            </a:pPr>
+            <a:r>
+              <a:rPr lang="pt-BR" sz="2600" dirty="0">
+                <a:solidFill>
+                  <a:schemeClr val="tx2">
+                    <a:lumMod val="75000"/>
+                  </a:schemeClr>
+                </a:solidFill>
+                <a:latin typeface="Calibri (Corpo)"/>
+                <a:cs typeface="Calibri" panose="020F0502020204030204" pitchFamily="34" charset="0"/>
+              </a:rPr>
+              <a:t>Gerar Relatórios</a:t>
+            </a:r>
+          </a:p>
+          <a:p>
+            <a:pPr lvl="1" algn="just" eaLnBrk="1" hangingPunct="1">
+              <a:buFont typeface="Arial" panose="020B0604020202020204" pitchFamily="34" charset="0"/>
+              <a:buChar char="•"/>
+              <a:defRPr/>
+            </a:pPr>
+            <a:r>
+              <a:rPr lang="pt-BR" sz="1850" dirty="0">
+                <a:solidFill>
+                  <a:schemeClr val="tx2">
+                    <a:lumMod val="75000"/>
+                  </a:schemeClr>
+                </a:solidFill>
+                <a:latin typeface="+mn-lt"/>
+                <a:ea typeface="+mn-ea"/>
+                <a:cs typeface="+mn-cs"/>
+              </a:rPr>
+              <a:t>Emitir relatórios por períodos, tipo de serviço prestado e por pagantes e devedores.</a:t>
+            </a:r>
+          </a:p>
+        </p:txBody>
+      </p:sp>
+      <p:sp>
+        <p:nvSpPr>
+          <p:cNvPr id="3" name="Título 3"/>
+          <p:cNvSpPr txBox="1">
+            <a:spLocks/>
+          </p:cNvSpPr>
+          <p:nvPr/>
+        </p:nvSpPr>
+        <p:spPr>
+          <a:xfrm>
+            <a:off x="2123728" y="188640"/>
+            <a:ext cx="8797925" cy="922338"/>
+          </a:xfrm>
+          <a:prstGeom prst="rect">
+            <a:avLst/>
+          </a:prstGeom>
+        </p:spPr>
+        <p:txBody>
+          <a:bodyPr/>
+          <a:lstStyle>
+            <a:lvl1pPr algn="ctr" rtl="0" eaLnBrk="0" fontAlgn="base" hangingPunct="0">
+              <a:spcBef>
+                <a:spcPct val="0"/>
+              </a:spcBef>
+              <a:spcAft>
+                <a:spcPct val="0"/>
+              </a:spcAft>
+              <a:defRPr sz="4400" kern="1200">
+                <a:solidFill>
+                  <a:schemeClr val="tx1"/>
+                </a:solidFill>
+                <a:latin typeface="Verdana" pitchFamily="34" charset="0"/>
+                <a:ea typeface="Verdana" pitchFamily="34" charset="0"/>
+                <a:cs typeface="Verdana" pitchFamily="34" charset="0"/>
+              </a:defRPr>
+            </a:lvl1pPr>
+            <a:lvl2pPr algn="ctr" rtl="0" eaLnBrk="0" fontAlgn="base" hangingPunct="0">
+              <a:spcBef>
+                <a:spcPct val="0"/>
+              </a:spcBef>
+              <a:spcAft>
+                <a:spcPct val="0"/>
+              </a:spcAft>
+              <a:defRPr sz="4400">
+                <a:solidFill>
+                  <a:schemeClr val="tx1"/>
+                </a:solidFill>
+                <a:latin typeface="Verdana" pitchFamily="34" charset="0"/>
+                <a:ea typeface="Verdana" pitchFamily="34" charset="0"/>
+                <a:cs typeface="Verdana" pitchFamily="34" charset="0"/>
+              </a:defRPr>
+            </a:lvl2pPr>
+            <a:lvl3pPr algn="ctr" rtl="0" eaLnBrk="0" fontAlgn="base" hangingPunct="0">
+              <a:spcBef>
+                <a:spcPct val="0"/>
+              </a:spcBef>
+              <a:spcAft>
+                <a:spcPct val="0"/>
+              </a:spcAft>
+              <a:defRPr sz="4400">
+                <a:solidFill>
+                  <a:schemeClr val="tx1"/>
+                </a:solidFill>
+                <a:latin typeface="Verdana" pitchFamily="34" charset="0"/>
+                <a:ea typeface="Verdana" pitchFamily="34" charset="0"/>
+                <a:cs typeface="Verdana" pitchFamily="34" charset="0"/>
+              </a:defRPr>
+            </a:lvl3pPr>
+            <a:lvl4pPr algn="ctr" rtl="0" eaLnBrk="0" fontAlgn="base" hangingPunct="0">
+              <a:spcBef>
+                <a:spcPct val="0"/>
+              </a:spcBef>
+              <a:spcAft>
+                <a:spcPct val="0"/>
+              </a:spcAft>
+              <a:defRPr sz="4400">
+                <a:solidFill>
+                  <a:schemeClr val="tx1"/>
+                </a:solidFill>
+                <a:latin typeface="Verdana" pitchFamily="34" charset="0"/>
+                <a:ea typeface="Verdana" pitchFamily="34" charset="0"/>
+                <a:cs typeface="Verdana" pitchFamily="34" charset="0"/>
+              </a:defRPr>
+            </a:lvl4pPr>
+            <a:lvl5pPr algn="ctr" rtl="0" eaLnBrk="0" fontAlgn="base" hangingPunct="0">
+              <a:spcBef>
+                <a:spcPct val="0"/>
+              </a:spcBef>
+              <a:spcAft>
+                <a:spcPct val="0"/>
+              </a:spcAft>
+              <a:defRPr sz="4400">
+                <a:solidFill>
+                  <a:schemeClr val="tx1"/>
+                </a:solidFill>
+                <a:latin typeface="Verdana" pitchFamily="34" charset="0"/>
+                <a:ea typeface="Verdana" pitchFamily="34" charset="0"/>
+                <a:cs typeface="Verdana" pitchFamily="34" charset="0"/>
+              </a:defRPr>
+            </a:lvl5pPr>
+            <a:lvl6pPr marL="457200" algn="ctr" rtl="0" fontAlgn="base">
+              <a:spcBef>
+                <a:spcPct val="0"/>
+              </a:spcBef>
+              <a:spcAft>
+                <a:spcPct val="0"/>
+              </a:spcAft>
+              <a:defRPr sz="4400">
+                <a:solidFill>
+                  <a:schemeClr val="tx1"/>
+                </a:solidFill>
+                <a:latin typeface="Verdana" pitchFamily="34" charset="0"/>
+                <a:ea typeface="Verdana" pitchFamily="34" charset="0"/>
+                <a:cs typeface="Verdana" pitchFamily="34" charset="0"/>
+              </a:defRPr>
+            </a:lvl6pPr>
+            <a:lvl7pPr marL="914400" algn="ctr" rtl="0" fontAlgn="base">
+              <a:spcBef>
+                <a:spcPct val="0"/>
+              </a:spcBef>
+              <a:spcAft>
+                <a:spcPct val="0"/>
+              </a:spcAft>
+              <a:defRPr sz="4400">
+                <a:solidFill>
+                  <a:schemeClr val="tx1"/>
+                </a:solidFill>
+                <a:latin typeface="Verdana" pitchFamily="34" charset="0"/>
+                <a:ea typeface="Verdana" pitchFamily="34" charset="0"/>
+                <a:cs typeface="Verdana" pitchFamily="34" charset="0"/>
+              </a:defRPr>
+            </a:lvl7pPr>
+            <a:lvl8pPr marL="1371600" algn="ctr" rtl="0" fontAlgn="base">
+              <a:spcBef>
+                <a:spcPct val="0"/>
+              </a:spcBef>
+              <a:spcAft>
+                <a:spcPct val="0"/>
+              </a:spcAft>
+              <a:defRPr sz="4400">
+                <a:solidFill>
+                  <a:schemeClr val="tx1"/>
+                </a:solidFill>
+                <a:latin typeface="Verdana" pitchFamily="34" charset="0"/>
+                <a:ea typeface="Verdana" pitchFamily="34" charset="0"/>
+                <a:cs typeface="Verdana" pitchFamily="34" charset="0"/>
+              </a:defRPr>
+            </a:lvl8pPr>
+            <a:lvl9pPr marL="1828800" algn="ctr" rtl="0" fontAlgn="base">
+              <a:spcBef>
+                <a:spcPct val="0"/>
+              </a:spcBef>
+              <a:spcAft>
+                <a:spcPct val="0"/>
+              </a:spcAft>
+              <a:defRPr sz="4400">
+                <a:solidFill>
+                  <a:schemeClr val="tx1"/>
+                </a:solidFill>
+                <a:latin typeface="Verdana" pitchFamily="34" charset="0"/>
+                <a:ea typeface="Verdana" pitchFamily="34" charset="0"/>
+                <a:cs typeface="Verdana" pitchFamily="34" charset="0"/>
+              </a:defRPr>
+            </a:lvl9pPr>
+          </a:lstStyle>
+          <a:p>
+            <a:pPr eaLnBrk="1" hangingPunct="1">
+              <a:defRPr/>
+            </a:pPr>
+            <a:r>
+              <a:rPr lang="pt-BR" sz="3600" b="1" dirty="0">
+                <a:solidFill>
+                  <a:schemeClr val="accent1">
+                    <a:lumMod val="50000"/>
+                  </a:schemeClr>
+                </a:solidFill>
+                <a:latin typeface="Arial" pitchFamily="34" charset="0"/>
+                <a:cs typeface="Arial" pitchFamily="34" charset="0"/>
+              </a:rPr>
+              <a:t>MÓDULO FINANCEIRO</a:t>
+            </a:r>
+          </a:p>
+        </p:txBody>
+      </p:sp>
+    </p:spTree>
+    <p:extLst>
+      <p:ext uri="{BB962C8B-B14F-4D97-AF65-F5344CB8AC3E}">
+        <p14:creationId xmlns:p14="http://schemas.microsoft.com/office/powerpoint/2010/main" val="3812644496"/>
+      </p:ext>
+    </p:extLst>
+  </p:cSld>
+  <p:clrMapOvr>
+    <a:masterClrMapping/>
+  </p:clrMapOvr>
 </p:sld>
 </file>
 
@@ -6239,268 +6269,184 @@
       </p:grpSpPr>
       <p:sp>
         <p:nvSpPr>
-          <p:cNvPr id="4" name="Título 3"/>
-          <p:cNvSpPr>
-            <a:spLocks noGrp="1"/>
+          <p:cNvPr id="5" name="Título 3"/>
+          <p:cNvSpPr txBox="1">
+            <a:spLocks/>
           </p:cNvSpPr>
-          <p:nvPr>
-            <p:ph type="title"/>
-          </p:nvPr>
+          <p:nvPr/>
         </p:nvSpPr>
-        <p:spPr/>
+        <p:spPr>
+          <a:xfrm>
+            <a:off x="2123728" y="188640"/>
+            <a:ext cx="8797925" cy="922338"/>
+          </a:xfrm>
+          <a:prstGeom prst="rect">
+            <a:avLst/>
+          </a:prstGeom>
+        </p:spPr>
         <p:txBody>
           <a:bodyPr/>
-          <a:lstStyle/>
+          <a:lstStyle>
+            <a:lvl1pPr algn="ctr" rtl="0" eaLnBrk="0" fontAlgn="base" hangingPunct="0">
+              <a:spcBef>
+                <a:spcPct val="0"/>
+              </a:spcBef>
+              <a:spcAft>
+                <a:spcPct val="0"/>
+              </a:spcAft>
+              <a:defRPr sz="4400" kern="1200">
+                <a:solidFill>
+                  <a:schemeClr val="tx1"/>
+                </a:solidFill>
+                <a:latin typeface="Verdana" pitchFamily="34" charset="0"/>
+                <a:ea typeface="Verdana" pitchFamily="34" charset="0"/>
+                <a:cs typeface="Verdana" pitchFamily="34" charset="0"/>
+              </a:defRPr>
+            </a:lvl1pPr>
+            <a:lvl2pPr algn="ctr" rtl="0" eaLnBrk="0" fontAlgn="base" hangingPunct="0">
+              <a:spcBef>
+                <a:spcPct val="0"/>
+              </a:spcBef>
+              <a:spcAft>
+                <a:spcPct val="0"/>
+              </a:spcAft>
+              <a:defRPr sz="4400">
+                <a:solidFill>
+                  <a:schemeClr val="tx1"/>
+                </a:solidFill>
+                <a:latin typeface="Verdana" pitchFamily="34" charset="0"/>
+                <a:ea typeface="Verdana" pitchFamily="34" charset="0"/>
+                <a:cs typeface="Verdana" pitchFamily="34" charset="0"/>
+              </a:defRPr>
+            </a:lvl2pPr>
+            <a:lvl3pPr algn="ctr" rtl="0" eaLnBrk="0" fontAlgn="base" hangingPunct="0">
+              <a:spcBef>
+                <a:spcPct val="0"/>
+              </a:spcBef>
+              <a:spcAft>
+                <a:spcPct val="0"/>
+              </a:spcAft>
+              <a:defRPr sz="4400">
+                <a:solidFill>
+                  <a:schemeClr val="tx1"/>
+                </a:solidFill>
+                <a:latin typeface="Verdana" pitchFamily="34" charset="0"/>
+                <a:ea typeface="Verdana" pitchFamily="34" charset="0"/>
+                <a:cs typeface="Verdana" pitchFamily="34" charset="0"/>
+              </a:defRPr>
+            </a:lvl3pPr>
+            <a:lvl4pPr algn="ctr" rtl="0" eaLnBrk="0" fontAlgn="base" hangingPunct="0">
+              <a:spcBef>
+                <a:spcPct val="0"/>
+              </a:spcBef>
+              <a:spcAft>
+                <a:spcPct val="0"/>
+              </a:spcAft>
+              <a:defRPr sz="4400">
+                <a:solidFill>
+                  <a:schemeClr val="tx1"/>
+                </a:solidFill>
+                <a:latin typeface="Verdana" pitchFamily="34" charset="0"/>
+                <a:ea typeface="Verdana" pitchFamily="34" charset="0"/>
+                <a:cs typeface="Verdana" pitchFamily="34" charset="0"/>
+              </a:defRPr>
+            </a:lvl4pPr>
+            <a:lvl5pPr algn="ctr" rtl="0" eaLnBrk="0" fontAlgn="base" hangingPunct="0">
+              <a:spcBef>
+                <a:spcPct val="0"/>
+              </a:spcBef>
+              <a:spcAft>
+                <a:spcPct val="0"/>
+              </a:spcAft>
+              <a:defRPr sz="4400">
+                <a:solidFill>
+                  <a:schemeClr val="tx1"/>
+                </a:solidFill>
+                <a:latin typeface="Verdana" pitchFamily="34" charset="0"/>
+                <a:ea typeface="Verdana" pitchFamily="34" charset="0"/>
+                <a:cs typeface="Verdana" pitchFamily="34" charset="0"/>
+              </a:defRPr>
+            </a:lvl5pPr>
+            <a:lvl6pPr marL="457200" algn="ctr" rtl="0" fontAlgn="base">
+              <a:spcBef>
+                <a:spcPct val="0"/>
+              </a:spcBef>
+              <a:spcAft>
+                <a:spcPct val="0"/>
+              </a:spcAft>
+              <a:defRPr sz="4400">
+                <a:solidFill>
+                  <a:schemeClr val="tx1"/>
+                </a:solidFill>
+                <a:latin typeface="Verdana" pitchFamily="34" charset="0"/>
+                <a:ea typeface="Verdana" pitchFamily="34" charset="0"/>
+                <a:cs typeface="Verdana" pitchFamily="34" charset="0"/>
+              </a:defRPr>
+            </a:lvl6pPr>
+            <a:lvl7pPr marL="914400" algn="ctr" rtl="0" fontAlgn="base">
+              <a:spcBef>
+                <a:spcPct val="0"/>
+              </a:spcBef>
+              <a:spcAft>
+                <a:spcPct val="0"/>
+              </a:spcAft>
+              <a:defRPr sz="4400">
+                <a:solidFill>
+                  <a:schemeClr val="tx1"/>
+                </a:solidFill>
+                <a:latin typeface="Verdana" pitchFamily="34" charset="0"/>
+                <a:ea typeface="Verdana" pitchFamily="34" charset="0"/>
+                <a:cs typeface="Verdana" pitchFamily="34" charset="0"/>
+              </a:defRPr>
+            </a:lvl7pPr>
+            <a:lvl8pPr marL="1371600" algn="ctr" rtl="0" fontAlgn="base">
+              <a:spcBef>
+                <a:spcPct val="0"/>
+              </a:spcBef>
+              <a:spcAft>
+                <a:spcPct val="0"/>
+              </a:spcAft>
+              <a:defRPr sz="4400">
+                <a:solidFill>
+                  <a:schemeClr val="tx1"/>
+                </a:solidFill>
+                <a:latin typeface="Verdana" pitchFamily="34" charset="0"/>
+                <a:ea typeface="Verdana" pitchFamily="34" charset="0"/>
+                <a:cs typeface="Verdana" pitchFamily="34" charset="0"/>
+              </a:defRPr>
+            </a:lvl8pPr>
+            <a:lvl9pPr marL="1828800" algn="ctr" rtl="0" fontAlgn="base">
+              <a:spcBef>
+                <a:spcPct val="0"/>
+              </a:spcBef>
+              <a:spcAft>
+                <a:spcPct val="0"/>
+              </a:spcAft>
+              <a:defRPr sz="4400">
+                <a:solidFill>
+                  <a:schemeClr val="tx1"/>
+                </a:solidFill>
+                <a:latin typeface="Verdana" pitchFamily="34" charset="0"/>
+                <a:ea typeface="Verdana" pitchFamily="34" charset="0"/>
+                <a:cs typeface="Verdana" pitchFamily="34" charset="0"/>
+              </a:defRPr>
+            </a:lvl9pPr>
+          </a:lstStyle>
           <a:p>
             <a:pPr eaLnBrk="1" hangingPunct="1">
               <a:defRPr/>
             </a:pPr>
             <a:r>
-              <a:rPr lang="pt-BR" dirty="0"/>
-              <a:t>MÓDULO EMPRESA</a:t>
-            </a:r>
-          </a:p>
-        </p:txBody>
-      </p:sp>
-      <p:sp>
-        <p:nvSpPr>
-          <p:cNvPr id="21507" name="Espaço Reservado para Conteúdo 4"/>
-          <p:cNvSpPr>
-            <a:spLocks noGrp="1"/>
-          </p:cNvSpPr>
-          <p:nvPr>
-            <p:ph idx="1"/>
-          </p:nvPr>
-        </p:nvSpPr>
-        <p:spPr bwMode="auto">
-          <a:xfrm>
-            <a:off x="179512" y="1340768"/>
-            <a:ext cx="8785225" cy="5328592"/>
-          </a:xfrm>
-          <a:extLst>
-            <a:ext uri="{909E8E84-426E-40DD-AFC4-6F175D3DCCD1}">
-              <a14:hiddenFill xmlns:a14="http://schemas.microsoft.com/office/drawing/2010/main">
-                <a:solidFill>
-                  <a:srgbClr val="FFFFFF"/>
-                </a:solidFill>
-              </a14:hiddenFill>
-            </a:ext>
-            <a:ext uri="{91240B29-F687-4F45-9708-019B960494DF}">
-              <a14:hiddenLine xmlns:a14="http://schemas.microsoft.com/office/drawing/2010/main" w="9525">
-                <a:solidFill>
-                  <a:srgbClr val="000000"/>
-                </a:solidFill>
-                <a:miter lim="800000"/>
-                <a:headEnd/>
-                <a:tailEnd/>
-              </a14:hiddenLine>
-            </a:ext>
-          </a:extLst>
-        </p:spPr>
-        <p:txBody>
-          <a:bodyPr vert="horz" wrap="square" lIns="91440" tIns="45720" rIns="91440" bIns="45720" numCol="1" anchor="t" anchorCtr="0" compatLnSpc="1">
-            <a:prstTxWarp prst="textNoShape">
-              <a:avLst/>
-            </a:prstTxWarp>
-          </a:bodyPr>
-          <a:lstStyle/>
-          <a:p>
-            <a:pPr algn="just" eaLnBrk="1" hangingPunct="1">
-              <a:buFont typeface="Arial" panose="020B0604020202020204" pitchFamily="34" charset="0"/>
-              <a:buChar char="•"/>
-              <a:defRPr/>
-            </a:pPr>
-            <a:r>
-              <a:rPr lang="pt-BR" sz="2600" dirty="0">
-                <a:solidFill>
-                  <a:schemeClr val="tx2">
-                    <a:lumMod val="75000"/>
+              <a:rPr lang="pt-BR" sz="3600" b="1" dirty="0">
+                <a:solidFill>
+                  <a:schemeClr val="accent1">
+                    <a:lumMod val="50000"/>
                   </a:schemeClr>
                 </a:solidFill>
+                <a:latin typeface="Arial" pitchFamily="34" charset="0"/>
+                <a:cs typeface="Arial" pitchFamily="34" charset="0"/>
               </a:rPr>
-              <a:t>Manter Cliente</a:t>
-            </a:r>
-          </a:p>
-          <a:p>
-            <a:pPr lvl="1" algn="just" eaLnBrk="1" hangingPunct="1">
-              <a:buFont typeface="Arial" panose="020B0604020202020204" pitchFamily="34" charset="0"/>
-              <a:buChar char="•"/>
-              <a:defRPr/>
-            </a:pPr>
-            <a:r>
-              <a:rPr lang="pt-BR" sz="1850" dirty="0">
-                <a:solidFill>
-                  <a:schemeClr val="tx2">
-                    <a:lumMod val="75000"/>
-                  </a:schemeClr>
-                </a:solidFill>
-              </a:rPr>
-              <a:t>Permite a manutenção de cliente.</a:t>
-            </a:r>
-          </a:p>
-          <a:p>
-            <a:pPr marL="457200" lvl="1" indent="0" algn="just" eaLnBrk="1" hangingPunct="1">
-              <a:buNone/>
-              <a:defRPr/>
-            </a:pPr>
-            <a:endParaRPr lang="pt-BR" sz="1850" dirty="0">
-              <a:solidFill>
-                <a:schemeClr val="tx2">
-                  <a:lumMod val="75000"/>
-                </a:schemeClr>
-              </a:solidFill>
-            </a:endParaRPr>
-          </a:p>
-          <a:p>
-            <a:pPr algn="just" eaLnBrk="1" hangingPunct="1">
-              <a:buFont typeface="Arial" panose="020B0604020202020204" pitchFamily="34" charset="0"/>
-              <a:buChar char="•"/>
-              <a:defRPr/>
-            </a:pPr>
-            <a:r>
-              <a:rPr lang="pt-BR" sz="2600" dirty="0">
-                <a:solidFill>
-                  <a:schemeClr val="tx2">
-                    <a:lumMod val="75000"/>
-                  </a:schemeClr>
-                </a:solidFill>
-              </a:rPr>
-              <a:t>Manter Parceria</a:t>
-            </a:r>
-          </a:p>
-          <a:p>
-            <a:pPr lvl="1" algn="just" eaLnBrk="1" hangingPunct="1">
-              <a:buFont typeface="Arial" panose="020B0604020202020204" pitchFamily="34" charset="0"/>
-              <a:buChar char="•"/>
-              <a:defRPr/>
-            </a:pPr>
-            <a:r>
-              <a:rPr lang="pt-BR" sz="1850" dirty="0">
-                <a:solidFill>
-                  <a:schemeClr val="tx2">
-                    <a:lumMod val="75000"/>
-                  </a:schemeClr>
-                </a:solidFill>
-              </a:rPr>
-              <a:t>Permite a manutenção de parceria.</a:t>
-            </a:r>
-          </a:p>
-          <a:p>
-            <a:pPr marL="457200" lvl="1" indent="0" algn="just" eaLnBrk="1" hangingPunct="1">
-              <a:buNone/>
-              <a:defRPr/>
-            </a:pPr>
-            <a:endParaRPr lang="pt-BR" sz="1850" dirty="0">
-              <a:solidFill>
-                <a:schemeClr val="tx2">
-                  <a:lumMod val="75000"/>
-                </a:schemeClr>
-              </a:solidFill>
-            </a:endParaRPr>
-          </a:p>
-          <a:p>
-            <a:pPr algn="just" eaLnBrk="1" hangingPunct="1">
-              <a:buFont typeface="Arial" panose="020B0604020202020204" pitchFamily="34" charset="0"/>
-              <a:buChar char="•"/>
-              <a:defRPr/>
-            </a:pPr>
-            <a:r>
-              <a:rPr lang="pt-BR" sz="2600" dirty="0">
-                <a:solidFill>
-                  <a:schemeClr val="tx2">
-                    <a:lumMod val="75000"/>
-                  </a:schemeClr>
-                </a:solidFill>
-              </a:rPr>
-              <a:t>Manter Convênio</a:t>
-            </a:r>
-          </a:p>
-          <a:p>
-            <a:pPr lvl="1" algn="just" eaLnBrk="1" hangingPunct="1">
-              <a:buFont typeface="Arial" panose="020B0604020202020204" pitchFamily="34" charset="0"/>
-              <a:buChar char="•"/>
-              <a:defRPr/>
-            </a:pPr>
-            <a:r>
-              <a:rPr lang="pt-BR" sz="1850" dirty="0">
-                <a:solidFill>
-                  <a:schemeClr val="tx2">
-                    <a:lumMod val="75000"/>
-                  </a:schemeClr>
-                </a:solidFill>
-              </a:rPr>
-              <a:t>Permite a manutenção de convênio.</a:t>
-            </a:r>
-          </a:p>
-          <a:p>
-            <a:pPr marL="0" indent="0" algn="ctr" eaLnBrk="1" hangingPunct="1">
-              <a:buFont typeface="Arial" panose="020B0604020202020204" pitchFamily="34" charset="0"/>
-              <a:buNone/>
-              <a:defRPr/>
-            </a:pPr>
-            <a:endParaRPr lang="pt-BR" sz="2000" dirty="0"/>
-          </a:p>
-          <a:p>
-            <a:pPr algn="just" eaLnBrk="1" hangingPunct="1">
-              <a:buFont typeface="Arial" panose="020B0604020202020204" pitchFamily="34" charset="0"/>
-              <a:buChar char="•"/>
-              <a:defRPr/>
-            </a:pPr>
-            <a:endParaRPr lang="pt-BR" sz="2000" dirty="0"/>
-          </a:p>
-        </p:txBody>
-      </p:sp>
-    </p:spTree>
-    <p:extLst>
-      <p:ext uri="{BB962C8B-B14F-4D97-AF65-F5344CB8AC3E}">
-        <p14:creationId xmlns:p14="http://schemas.microsoft.com/office/powerpoint/2010/main" val="1166103754"/>
-      </p:ext>
-    </p:extLst>
-  </p:cSld>
-  <p:clrMapOvr>
-    <a:masterClrMapping/>
-  </p:clrMapOvr>
-  <p:transition spd="med">
-    <p:fade/>
-  </p:transition>
-</p:sld>
-</file>
-
-<file path=ppt/slides/slide23.xml><?xml version="1.0" encoding="utf-8"?>
-<p:sld xmlns:a="http://schemas.openxmlformats.org/drawingml/2006/main" xmlns:r="http://schemas.openxmlformats.org/officeDocument/2006/relationships" xmlns:p="http://schemas.openxmlformats.org/presentationml/2006/main">
-  <p:cSld>
-    <p:spTree>
-      <p:nvGrpSpPr>
-        <p:cNvPr id="1" name=""/>
-        <p:cNvGrpSpPr/>
-        <p:nvPr/>
-      </p:nvGrpSpPr>
-      <p:grpSpPr>
-        <a:xfrm>
-          <a:off x="0" y="0"/>
-          <a:ext cx="0" cy="0"/>
-          <a:chOff x="0" y="0"/>
-          <a:chExt cx="0" cy="0"/>
-        </a:xfrm>
-      </p:grpSpPr>
-      <p:sp>
-        <p:nvSpPr>
-          <p:cNvPr id="2" name="Título 1"/>
-          <p:cNvSpPr>
-            <a:spLocks noGrp="1"/>
-          </p:cNvSpPr>
-          <p:nvPr>
-            <p:ph type="title"/>
-          </p:nvPr>
-        </p:nvSpPr>
-        <p:spPr/>
-        <p:txBody>
-          <a:bodyPr/>
-          <a:lstStyle/>
-          <a:p>
-            <a:r>
-              <a:rPr lang="pt-BR" dirty="0"/>
-              <a:t>MÓDULO EMPRESA</a:t>
+              <a:t>MÓDULO FINANCEIRO</a:t>
             </a:r>
           </a:p>
         </p:txBody>
@@ -6527,8 +6473,8 @@
         </p:blipFill>
         <p:spPr>
           <a:xfrm>
-            <a:off x="1659534" y="1182688"/>
-            <a:ext cx="5861880" cy="5558680"/>
+            <a:off x="2770383" y="1199651"/>
+            <a:ext cx="3737303" cy="5616000"/>
           </a:xfrm>
           <a:prstGeom prst="rect">
             <a:avLst/>
@@ -6538,7 +6484,251 @@
     </p:spTree>
     <p:extLst>
       <p:ext uri="{BB962C8B-B14F-4D97-AF65-F5344CB8AC3E}">
-        <p14:creationId xmlns:p14="http://schemas.microsoft.com/office/powerpoint/2010/main" val="4100715659"/>
+        <p14:creationId xmlns:p14="http://schemas.microsoft.com/office/powerpoint/2010/main" val="1625217003"/>
+      </p:ext>
+    </p:extLst>
+  </p:cSld>
+  <p:clrMapOvr>
+    <a:masterClrMapping/>
+  </p:clrMapOvr>
+</p:sld>
+</file>
+
+<file path=ppt/slides/slide23.xml><?xml version="1.0" encoding="utf-8"?>
+<p:sld xmlns:a="http://schemas.openxmlformats.org/drawingml/2006/main" xmlns:r="http://schemas.openxmlformats.org/officeDocument/2006/relationships" xmlns:p="http://schemas.openxmlformats.org/presentationml/2006/main">
+  <p:cSld>
+    <p:spTree>
+      <p:nvGrpSpPr>
+        <p:cNvPr id="1" name=""/>
+        <p:cNvGrpSpPr/>
+        <p:nvPr/>
+      </p:nvGrpSpPr>
+      <p:grpSpPr>
+        <a:xfrm>
+          <a:off x="0" y="0"/>
+          <a:ext cx="0" cy="0"/>
+          <a:chOff x="0" y="0"/>
+          <a:chExt cx="0" cy="0"/>
+        </a:xfrm>
+      </p:grpSpPr>
+      <p:sp>
+        <p:nvSpPr>
+          <p:cNvPr id="6" name="Título 3"/>
+          <p:cNvSpPr txBox="1">
+            <a:spLocks/>
+          </p:cNvSpPr>
+          <p:nvPr/>
+        </p:nvSpPr>
+        <p:spPr>
+          <a:xfrm>
+            <a:off x="2123728" y="188640"/>
+            <a:ext cx="8797925" cy="922338"/>
+          </a:xfrm>
+          <a:prstGeom prst="rect">
+            <a:avLst/>
+          </a:prstGeom>
+        </p:spPr>
+        <p:txBody>
+          <a:bodyPr/>
+          <a:lstStyle>
+            <a:lvl1pPr algn="ctr" rtl="0" eaLnBrk="0" fontAlgn="base" hangingPunct="0">
+              <a:spcBef>
+                <a:spcPct val="0"/>
+              </a:spcBef>
+              <a:spcAft>
+                <a:spcPct val="0"/>
+              </a:spcAft>
+              <a:defRPr sz="4400" kern="1200">
+                <a:solidFill>
+                  <a:schemeClr val="tx1"/>
+                </a:solidFill>
+                <a:latin typeface="Verdana" pitchFamily="34" charset="0"/>
+                <a:ea typeface="Verdana" pitchFamily="34" charset="0"/>
+                <a:cs typeface="Verdana" pitchFamily="34" charset="0"/>
+              </a:defRPr>
+            </a:lvl1pPr>
+            <a:lvl2pPr algn="ctr" rtl="0" eaLnBrk="0" fontAlgn="base" hangingPunct="0">
+              <a:spcBef>
+                <a:spcPct val="0"/>
+              </a:spcBef>
+              <a:spcAft>
+                <a:spcPct val="0"/>
+              </a:spcAft>
+              <a:defRPr sz="4400">
+                <a:solidFill>
+                  <a:schemeClr val="tx1"/>
+                </a:solidFill>
+                <a:latin typeface="Verdana" pitchFamily="34" charset="0"/>
+                <a:ea typeface="Verdana" pitchFamily="34" charset="0"/>
+                <a:cs typeface="Verdana" pitchFamily="34" charset="0"/>
+              </a:defRPr>
+            </a:lvl2pPr>
+            <a:lvl3pPr algn="ctr" rtl="0" eaLnBrk="0" fontAlgn="base" hangingPunct="0">
+              <a:spcBef>
+                <a:spcPct val="0"/>
+              </a:spcBef>
+              <a:spcAft>
+                <a:spcPct val="0"/>
+              </a:spcAft>
+              <a:defRPr sz="4400">
+                <a:solidFill>
+                  <a:schemeClr val="tx1"/>
+                </a:solidFill>
+                <a:latin typeface="Verdana" pitchFamily="34" charset="0"/>
+                <a:ea typeface="Verdana" pitchFamily="34" charset="0"/>
+                <a:cs typeface="Verdana" pitchFamily="34" charset="0"/>
+              </a:defRPr>
+            </a:lvl3pPr>
+            <a:lvl4pPr algn="ctr" rtl="0" eaLnBrk="0" fontAlgn="base" hangingPunct="0">
+              <a:spcBef>
+                <a:spcPct val="0"/>
+              </a:spcBef>
+              <a:spcAft>
+                <a:spcPct val="0"/>
+              </a:spcAft>
+              <a:defRPr sz="4400">
+                <a:solidFill>
+                  <a:schemeClr val="tx1"/>
+                </a:solidFill>
+                <a:latin typeface="Verdana" pitchFamily="34" charset="0"/>
+                <a:ea typeface="Verdana" pitchFamily="34" charset="0"/>
+                <a:cs typeface="Verdana" pitchFamily="34" charset="0"/>
+              </a:defRPr>
+            </a:lvl4pPr>
+            <a:lvl5pPr algn="ctr" rtl="0" eaLnBrk="0" fontAlgn="base" hangingPunct="0">
+              <a:spcBef>
+                <a:spcPct val="0"/>
+              </a:spcBef>
+              <a:spcAft>
+                <a:spcPct val="0"/>
+              </a:spcAft>
+              <a:defRPr sz="4400">
+                <a:solidFill>
+                  <a:schemeClr val="tx1"/>
+                </a:solidFill>
+                <a:latin typeface="Verdana" pitchFamily="34" charset="0"/>
+                <a:ea typeface="Verdana" pitchFamily="34" charset="0"/>
+                <a:cs typeface="Verdana" pitchFamily="34" charset="0"/>
+              </a:defRPr>
+            </a:lvl5pPr>
+            <a:lvl6pPr marL="457200" algn="ctr" rtl="0" fontAlgn="base">
+              <a:spcBef>
+                <a:spcPct val="0"/>
+              </a:spcBef>
+              <a:spcAft>
+                <a:spcPct val="0"/>
+              </a:spcAft>
+              <a:defRPr sz="4400">
+                <a:solidFill>
+                  <a:schemeClr val="tx1"/>
+                </a:solidFill>
+                <a:latin typeface="Verdana" pitchFamily="34" charset="0"/>
+                <a:ea typeface="Verdana" pitchFamily="34" charset="0"/>
+                <a:cs typeface="Verdana" pitchFamily="34" charset="0"/>
+              </a:defRPr>
+            </a:lvl6pPr>
+            <a:lvl7pPr marL="914400" algn="ctr" rtl="0" fontAlgn="base">
+              <a:spcBef>
+                <a:spcPct val="0"/>
+              </a:spcBef>
+              <a:spcAft>
+                <a:spcPct val="0"/>
+              </a:spcAft>
+              <a:defRPr sz="4400">
+                <a:solidFill>
+                  <a:schemeClr val="tx1"/>
+                </a:solidFill>
+                <a:latin typeface="Verdana" pitchFamily="34" charset="0"/>
+                <a:ea typeface="Verdana" pitchFamily="34" charset="0"/>
+                <a:cs typeface="Verdana" pitchFamily="34" charset="0"/>
+              </a:defRPr>
+            </a:lvl7pPr>
+            <a:lvl8pPr marL="1371600" algn="ctr" rtl="0" fontAlgn="base">
+              <a:spcBef>
+                <a:spcPct val="0"/>
+              </a:spcBef>
+              <a:spcAft>
+                <a:spcPct val="0"/>
+              </a:spcAft>
+              <a:defRPr sz="4400">
+                <a:solidFill>
+                  <a:schemeClr val="tx1"/>
+                </a:solidFill>
+                <a:latin typeface="Verdana" pitchFamily="34" charset="0"/>
+                <a:ea typeface="Verdana" pitchFamily="34" charset="0"/>
+                <a:cs typeface="Verdana" pitchFamily="34" charset="0"/>
+              </a:defRPr>
+            </a:lvl8pPr>
+            <a:lvl9pPr marL="1828800" algn="ctr" rtl="0" fontAlgn="base">
+              <a:spcBef>
+                <a:spcPct val="0"/>
+              </a:spcBef>
+              <a:spcAft>
+                <a:spcPct val="0"/>
+              </a:spcAft>
+              <a:defRPr sz="4400">
+                <a:solidFill>
+                  <a:schemeClr val="tx1"/>
+                </a:solidFill>
+                <a:latin typeface="Verdana" pitchFamily="34" charset="0"/>
+                <a:ea typeface="Verdana" pitchFamily="34" charset="0"/>
+                <a:cs typeface="Verdana" pitchFamily="34" charset="0"/>
+              </a:defRPr>
+            </a:lvl9pPr>
+          </a:lstStyle>
+          <a:p>
+            <a:pPr eaLnBrk="1" hangingPunct="1">
+              <a:defRPr/>
+            </a:pPr>
+            <a:r>
+              <a:rPr lang="pt-BR" sz="3600" b="1" dirty="0">
+                <a:solidFill>
+                  <a:schemeClr val="accent1">
+                    <a:lumMod val="50000"/>
+                  </a:schemeClr>
+                </a:solidFill>
+                <a:latin typeface="Arial" pitchFamily="34" charset="0"/>
+                <a:cs typeface="Arial" pitchFamily="34" charset="0"/>
+              </a:rPr>
+              <a:t>MÓDULO FINANCEIRO</a:t>
+            </a:r>
+          </a:p>
+        </p:txBody>
+      </p:sp>
+      <p:pic>
+        <p:nvPicPr>
+          <p:cNvPr id="2" name="Imagem 1"/>
+          <p:cNvPicPr>
+            <a:picLocks noChangeAspect="1"/>
+          </p:cNvPicPr>
+          <p:nvPr/>
+        </p:nvPicPr>
+        <p:blipFill>
+          <a:blip r:embed="rId2">
+            <a:extLst>
+              <a:ext uri="{28A0092B-C50C-407E-A947-70E740481C1C}">
+                <a14:useLocalDpi xmlns:a14="http://schemas.microsoft.com/office/drawing/2010/main" val="0"/>
+              </a:ext>
+            </a:extLst>
+          </a:blip>
+          <a:stretch>
+            <a:fillRect/>
+          </a:stretch>
+        </p:blipFill>
+        <p:spPr>
+          <a:xfrm>
+            <a:off x="-11922" y="1527252"/>
+            <a:ext cx="9155922" cy="4227901"/>
+          </a:xfrm>
+          <a:prstGeom prst="rect">
+            <a:avLst/>
+          </a:prstGeom>
+        </p:spPr>
+      </p:pic>
+    </p:spTree>
+    <p:extLst>
+      <p:ext uri="{BB962C8B-B14F-4D97-AF65-F5344CB8AC3E}">
+        <p14:creationId xmlns:p14="http://schemas.microsoft.com/office/powerpoint/2010/main" val="1256551592"/>
       </p:ext>
     </p:extLst>
   </p:cSld>
@@ -6567,112 +6757,212 @@
       </p:grpSpPr>
       <p:sp>
         <p:nvSpPr>
-          <p:cNvPr id="4" name="Título 3"/>
-          <p:cNvSpPr>
-            <a:spLocks noGrp="1"/>
+          <p:cNvPr id="7" name="Título 3"/>
+          <p:cNvSpPr txBox="1">
+            <a:spLocks/>
           </p:cNvSpPr>
-          <p:nvPr>
-            <p:ph type="title"/>
-          </p:nvPr>
+          <p:nvPr/>
         </p:nvSpPr>
-        <p:spPr/>
+        <p:spPr>
+          <a:xfrm>
+            <a:off x="2123728" y="188640"/>
+            <a:ext cx="8797925" cy="922338"/>
+          </a:xfrm>
+          <a:prstGeom prst="rect">
+            <a:avLst/>
+          </a:prstGeom>
+        </p:spPr>
         <p:txBody>
           <a:bodyPr/>
-          <a:lstStyle/>
+          <a:lstStyle>
+            <a:lvl1pPr algn="ctr" rtl="0" eaLnBrk="0" fontAlgn="base" hangingPunct="0">
+              <a:spcBef>
+                <a:spcPct val="0"/>
+              </a:spcBef>
+              <a:spcAft>
+                <a:spcPct val="0"/>
+              </a:spcAft>
+              <a:defRPr sz="4400" kern="1200">
+                <a:solidFill>
+                  <a:schemeClr val="tx1"/>
+                </a:solidFill>
+                <a:latin typeface="Verdana" pitchFamily="34" charset="0"/>
+                <a:ea typeface="Verdana" pitchFamily="34" charset="0"/>
+                <a:cs typeface="Verdana" pitchFamily="34" charset="0"/>
+              </a:defRPr>
+            </a:lvl1pPr>
+            <a:lvl2pPr algn="ctr" rtl="0" eaLnBrk="0" fontAlgn="base" hangingPunct="0">
+              <a:spcBef>
+                <a:spcPct val="0"/>
+              </a:spcBef>
+              <a:spcAft>
+                <a:spcPct val="0"/>
+              </a:spcAft>
+              <a:defRPr sz="4400">
+                <a:solidFill>
+                  <a:schemeClr val="tx1"/>
+                </a:solidFill>
+                <a:latin typeface="Verdana" pitchFamily="34" charset="0"/>
+                <a:ea typeface="Verdana" pitchFamily="34" charset="0"/>
+                <a:cs typeface="Verdana" pitchFamily="34" charset="0"/>
+              </a:defRPr>
+            </a:lvl2pPr>
+            <a:lvl3pPr algn="ctr" rtl="0" eaLnBrk="0" fontAlgn="base" hangingPunct="0">
+              <a:spcBef>
+                <a:spcPct val="0"/>
+              </a:spcBef>
+              <a:spcAft>
+                <a:spcPct val="0"/>
+              </a:spcAft>
+              <a:defRPr sz="4400">
+                <a:solidFill>
+                  <a:schemeClr val="tx1"/>
+                </a:solidFill>
+                <a:latin typeface="Verdana" pitchFamily="34" charset="0"/>
+                <a:ea typeface="Verdana" pitchFamily="34" charset="0"/>
+                <a:cs typeface="Verdana" pitchFamily="34" charset="0"/>
+              </a:defRPr>
+            </a:lvl3pPr>
+            <a:lvl4pPr algn="ctr" rtl="0" eaLnBrk="0" fontAlgn="base" hangingPunct="0">
+              <a:spcBef>
+                <a:spcPct val="0"/>
+              </a:spcBef>
+              <a:spcAft>
+                <a:spcPct val="0"/>
+              </a:spcAft>
+              <a:defRPr sz="4400">
+                <a:solidFill>
+                  <a:schemeClr val="tx1"/>
+                </a:solidFill>
+                <a:latin typeface="Verdana" pitchFamily="34" charset="0"/>
+                <a:ea typeface="Verdana" pitchFamily="34" charset="0"/>
+                <a:cs typeface="Verdana" pitchFamily="34" charset="0"/>
+              </a:defRPr>
+            </a:lvl4pPr>
+            <a:lvl5pPr algn="ctr" rtl="0" eaLnBrk="0" fontAlgn="base" hangingPunct="0">
+              <a:spcBef>
+                <a:spcPct val="0"/>
+              </a:spcBef>
+              <a:spcAft>
+                <a:spcPct val="0"/>
+              </a:spcAft>
+              <a:defRPr sz="4400">
+                <a:solidFill>
+                  <a:schemeClr val="tx1"/>
+                </a:solidFill>
+                <a:latin typeface="Verdana" pitchFamily="34" charset="0"/>
+                <a:ea typeface="Verdana" pitchFamily="34" charset="0"/>
+                <a:cs typeface="Verdana" pitchFamily="34" charset="0"/>
+              </a:defRPr>
+            </a:lvl5pPr>
+            <a:lvl6pPr marL="457200" algn="ctr" rtl="0" fontAlgn="base">
+              <a:spcBef>
+                <a:spcPct val="0"/>
+              </a:spcBef>
+              <a:spcAft>
+                <a:spcPct val="0"/>
+              </a:spcAft>
+              <a:defRPr sz="4400">
+                <a:solidFill>
+                  <a:schemeClr val="tx1"/>
+                </a:solidFill>
+                <a:latin typeface="Verdana" pitchFamily="34" charset="0"/>
+                <a:ea typeface="Verdana" pitchFamily="34" charset="0"/>
+                <a:cs typeface="Verdana" pitchFamily="34" charset="0"/>
+              </a:defRPr>
+            </a:lvl6pPr>
+            <a:lvl7pPr marL="914400" algn="ctr" rtl="0" fontAlgn="base">
+              <a:spcBef>
+                <a:spcPct val="0"/>
+              </a:spcBef>
+              <a:spcAft>
+                <a:spcPct val="0"/>
+              </a:spcAft>
+              <a:defRPr sz="4400">
+                <a:solidFill>
+                  <a:schemeClr val="tx1"/>
+                </a:solidFill>
+                <a:latin typeface="Verdana" pitchFamily="34" charset="0"/>
+                <a:ea typeface="Verdana" pitchFamily="34" charset="0"/>
+                <a:cs typeface="Verdana" pitchFamily="34" charset="0"/>
+              </a:defRPr>
+            </a:lvl7pPr>
+            <a:lvl8pPr marL="1371600" algn="ctr" rtl="0" fontAlgn="base">
+              <a:spcBef>
+                <a:spcPct val="0"/>
+              </a:spcBef>
+              <a:spcAft>
+                <a:spcPct val="0"/>
+              </a:spcAft>
+              <a:defRPr sz="4400">
+                <a:solidFill>
+                  <a:schemeClr val="tx1"/>
+                </a:solidFill>
+                <a:latin typeface="Verdana" pitchFamily="34" charset="0"/>
+                <a:ea typeface="Verdana" pitchFamily="34" charset="0"/>
+                <a:cs typeface="Verdana" pitchFamily="34" charset="0"/>
+              </a:defRPr>
+            </a:lvl8pPr>
+            <a:lvl9pPr marL="1828800" algn="ctr" rtl="0" fontAlgn="base">
+              <a:spcBef>
+                <a:spcPct val="0"/>
+              </a:spcBef>
+              <a:spcAft>
+                <a:spcPct val="0"/>
+              </a:spcAft>
+              <a:defRPr sz="4400">
+                <a:solidFill>
+                  <a:schemeClr val="tx1"/>
+                </a:solidFill>
+                <a:latin typeface="Verdana" pitchFamily="34" charset="0"/>
+                <a:ea typeface="Verdana" pitchFamily="34" charset="0"/>
+                <a:cs typeface="Verdana" pitchFamily="34" charset="0"/>
+              </a:defRPr>
+            </a:lvl9pPr>
+          </a:lstStyle>
           <a:p>
             <a:pPr eaLnBrk="1" hangingPunct="1">
               <a:defRPr/>
             </a:pPr>
             <a:r>
-              <a:rPr lang="pt-BR" dirty="0"/>
-              <a:t>MÓDULO EMPRESA</a:t>
-            </a:r>
-          </a:p>
-        </p:txBody>
-      </p:sp>
-      <p:sp>
-        <p:nvSpPr>
-          <p:cNvPr id="21507" name="Espaço Reservado para Conteúdo 4"/>
-          <p:cNvSpPr>
-            <a:spLocks noGrp="1"/>
-          </p:cNvSpPr>
-          <p:nvPr>
-            <p:ph idx="1"/>
-          </p:nvPr>
-        </p:nvSpPr>
-        <p:spPr bwMode="auto">
-          <a:xfrm>
-            <a:off x="179512" y="1340768"/>
-            <a:ext cx="8785225" cy="5328592"/>
-          </a:xfrm>
-          <a:extLst>
-            <a:ext uri="{909E8E84-426E-40DD-AFC4-6F175D3DCCD1}">
-              <a14:hiddenFill xmlns:a14="http://schemas.microsoft.com/office/drawing/2010/main">
-                <a:solidFill>
-                  <a:srgbClr val="FFFFFF"/>
-                </a:solidFill>
-              </a14:hiddenFill>
-            </a:ext>
-            <a:ext uri="{91240B29-F687-4F45-9708-019B960494DF}">
-              <a14:hiddenLine xmlns:a14="http://schemas.microsoft.com/office/drawing/2010/main" w="9525">
-                <a:solidFill>
-                  <a:srgbClr val="000000"/>
-                </a:solidFill>
-                <a:miter lim="800000"/>
-                <a:headEnd/>
-                <a:tailEnd/>
-              </a14:hiddenLine>
-            </a:ext>
-          </a:extLst>
-        </p:spPr>
-        <p:txBody>
-          <a:bodyPr vert="horz" wrap="square" lIns="91440" tIns="45720" rIns="91440" bIns="45720" numCol="1" anchor="t" anchorCtr="0" compatLnSpc="1">
-            <a:prstTxWarp prst="textNoShape">
-              <a:avLst/>
-            </a:prstTxWarp>
-          </a:bodyPr>
-          <a:lstStyle/>
-          <a:p>
-            <a:pPr marL="0" indent="0" algn="ctr" eaLnBrk="1" hangingPunct="1">
-              <a:buFont typeface="Arial" panose="020B0604020202020204" pitchFamily="34" charset="0"/>
-              <a:buNone/>
-              <a:defRPr/>
-            </a:pPr>
-            <a:endParaRPr lang="pt-BR" sz="2000" dirty="0"/>
-          </a:p>
-          <a:p>
-            <a:pPr algn="just" eaLnBrk="1" hangingPunct="1">
-              <a:buFont typeface="Arial" panose="020B0604020202020204" pitchFamily="34" charset="0"/>
-              <a:buChar char="•"/>
-              <a:defRPr/>
-            </a:pPr>
-            <a:endParaRPr lang="pt-BR" sz="2000" dirty="0"/>
+              <a:rPr lang="pt-BR" sz="3600" b="1" dirty="0">
+                <a:solidFill>
+                  <a:schemeClr val="accent1">
+                    <a:lumMod val="50000"/>
+                  </a:schemeClr>
+                </a:solidFill>
+                <a:latin typeface="Arial" pitchFamily="34" charset="0"/>
+                <a:cs typeface="Arial" pitchFamily="34" charset="0"/>
+              </a:rPr>
+              <a:t>MÓDULO FINANCEIRO</a:t>
+            </a:r>
           </a:p>
         </p:txBody>
       </p:sp>
       <p:pic>
         <p:nvPicPr>
-          <p:cNvPr id="2" name="Picture 1">
-            <a:extLst>
-              <a:ext uri="{FF2B5EF4-FFF2-40B4-BE49-F238E27FC236}">
-                <a16:creationId xmlns:a16="http://schemas.microsoft.com/office/drawing/2014/main" id="{F5A00150-EB0A-4F28-911C-141811EBFBD4}"/>
-              </a:ext>
-            </a:extLst>
-          </p:cNvPr>
+          <p:cNvPr id="3" name="Imagem 2"/>
           <p:cNvPicPr>
             <a:picLocks noChangeAspect="1"/>
           </p:cNvPicPr>
           <p:nvPr/>
         </p:nvPicPr>
-        <p:blipFill rotWithShape="1">
-          <a:blip r:embed="rId2"/>
-          <a:srcRect b="5494"/>
-          <a:stretch/>
+        <p:blipFill>
+          <a:blip r:embed="rId2">
+            <a:extLst>
+              <a:ext uri="{28A0092B-C50C-407E-A947-70E740481C1C}">
+                <a14:useLocalDpi xmlns:a14="http://schemas.microsoft.com/office/drawing/2010/main" val="0"/>
+              </a:ext>
+            </a:extLst>
+          </a:blip>
+          <a:stretch>
+            <a:fillRect/>
+          </a:stretch>
         </p:blipFill>
         <p:spPr>
           <a:xfrm>
-            <a:off x="-6350" y="1820855"/>
-            <a:ext cx="9144000" cy="4128425"/>
+            <a:off x="0" y="1700808"/>
+            <a:ext cx="9144000" cy="3756011"/>
           </a:xfrm>
           <a:prstGeom prst="rect">
             <a:avLst/>
@@ -6682,16 +6972,13 @@
     </p:spTree>
     <p:extLst>
       <p:ext uri="{BB962C8B-B14F-4D97-AF65-F5344CB8AC3E}">
-        <p14:creationId xmlns:p14="http://schemas.microsoft.com/office/powerpoint/2010/main" val="4234705847"/>
+        <p14:creationId xmlns:p14="http://schemas.microsoft.com/office/powerpoint/2010/main" val="3402891464"/>
       </p:ext>
     </p:extLst>
   </p:cSld>
   <p:clrMapOvr>
     <a:masterClrMapping/>
   </p:clrMapOvr>
-  <p:transition spd="med">
-    <p:fade/>
-  </p:transition>
 </p:sld>
 </file>
 
@@ -6714,113 +7001,212 @@
       </p:grpSpPr>
       <p:sp>
         <p:nvSpPr>
-          <p:cNvPr id="4" name="Título 3"/>
-          <p:cNvSpPr>
-            <a:spLocks noGrp="1"/>
+          <p:cNvPr id="5" name="Título 3"/>
+          <p:cNvSpPr txBox="1">
+            <a:spLocks/>
           </p:cNvSpPr>
-          <p:nvPr>
-            <p:ph type="title"/>
-          </p:nvPr>
+          <p:nvPr/>
         </p:nvSpPr>
-        <p:spPr/>
+        <p:spPr>
+          <a:xfrm>
+            <a:off x="2123728" y="188640"/>
+            <a:ext cx="8797925" cy="922338"/>
+          </a:xfrm>
+          <a:prstGeom prst="rect">
+            <a:avLst/>
+          </a:prstGeom>
+        </p:spPr>
         <p:txBody>
           <a:bodyPr/>
-          <a:lstStyle/>
+          <a:lstStyle>
+            <a:lvl1pPr algn="ctr" rtl="0" eaLnBrk="0" fontAlgn="base" hangingPunct="0">
+              <a:spcBef>
+                <a:spcPct val="0"/>
+              </a:spcBef>
+              <a:spcAft>
+                <a:spcPct val="0"/>
+              </a:spcAft>
+              <a:defRPr sz="4400" kern="1200">
+                <a:solidFill>
+                  <a:schemeClr val="tx1"/>
+                </a:solidFill>
+                <a:latin typeface="Verdana" pitchFamily="34" charset="0"/>
+                <a:ea typeface="Verdana" pitchFamily="34" charset="0"/>
+                <a:cs typeface="Verdana" pitchFamily="34" charset="0"/>
+              </a:defRPr>
+            </a:lvl1pPr>
+            <a:lvl2pPr algn="ctr" rtl="0" eaLnBrk="0" fontAlgn="base" hangingPunct="0">
+              <a:spcBef>
+                <a:spcPct val="0"/>
+              </a:spcBef>
+              <a:spcAft>
+                <a:spcPct val="0"/>
+              </a:spcAft>
+              <a:defRPr sz="4400">
+                <a:solidFill>
+                  <a:schemeClr val="tx1"/>
+                </a:solidFill>
+                <a:latin typeface="Verdana" pitchFamily="34" charset="0"/>
+                <a:ea typeface="Verdana" pitchFamily="34" charset="0"/>
+                <a:cs typeface="Verdana" pitchFamily="34" charset="0"/>
+              </a:defRPr>
+            </a:lvl2pPr>
+            <a:lvl3pPr algn="ctr" rtl="0" eaLnBrk="0" fontAlgn="base" hangingPunct="0">
+              <a:spcBef>
+                <a:spcPct val="0"/>
+              </a:spcBef>
+              <a:spcAft>
+                <a:spcPct val="0"/>
+              </a:spcAft>
+              <a:defRPr sz="4400">
+                <a:solidFill>
+                  <a:schemeClr val="tx1"/>
+                </a:solidFill>
+                <a:latin typeface="Verdana" pitchFamily="34" charset="0"/>
+                <a:ea typeface="Verdana" pitchFamily="34" charset="0"/>
+                <a:cs typeface="Verdana" pitchFamily="34" charset="0"/>
+              </a:defRPr>
+            </a:lvl3pPr>
+            <a:lvl4pPr algn="ctr" rtl="0" eaLnBrk="0" fontAlgn="base" hangingPunct="0">
+              <a:spcBef>
+                <a:spcPct val="0"/>
+              </a:spcBef>
+              <a:spcAft>
+                <a:spcPct val="0"/>
+              </a:spcAft>
+              <a:defRPr sz="4400">
+                <a:solidFill>
+                  <a:schemeClr val="tx1"/>
+                </a:solidFill>
+                <a:latin typeface="Verdana" pitchFamily="34" charset="0"/>
+                <a:ea typeface="Verdana" pitchFamily="34" charset="0"/>
+                <a:cs typeface="Verdana" pitchFamily="34" charset="0"/>
+              </a:defRPr>
+            </a:lvl4pPr>
+            <a:lvl5pPr algn="ctr" rtl="0" eaLnBrk="0" fontAlgn="base" hangingPunct="0">
+              <a:spcBef>
+                <a:spcPct val="0"/>
+              </a:spcBef>
+              <a:spcAft>
+                <a:spcPct val="0"/>
+              </a:spcAft>
+              <a:defRPr sz="4400">
+                <a:solidFill>
+                  <a:schemeClr val="tx1"/>
+                </a:solidFill>
+                <a:latin typeface="Verdana" pitchFamily="34" charset="0"/>
+                <a:ea typeface="Verdana" pitchFamily="34" charset="0"/>
+                <a:cs typeface="Verdana" pitchFamily="34" charset="0"/>
+              </a:defRPr>
+            </a:lvl5pPr>
+            <a:lvl6pPr marL="457200" algn="ctr" rtl="0" fontAlgn="base">
+              <a:spcBef>
+                <a:spcPct val="0"/>
+              </a:spcBef>
+              <a:spcAft>
+                <a:spcPct val="0"/>
+              </a:spcAft>
+              <a:defRPr sz="4400">
+                <a:solidFill>
+                  <a:schemeClr val="tx1"/>
+                </a:solidFill>
+                <a:latin typeface="Verdana" pitchFamily="34" charset="0"/>
+                <a:ea typeface="Verdana" pitchFamily="34" charset="0"/>
+                <a:cs typeface="Verdana" pitchFamily="34" charset="0"/>
+              </a:defRPr>
+            </a:lvl6pPr>
+            <a:lvl7pPr marL="914400" algn="ctr" rtl="0" fontAlgn="base">
+              <a:spcBef>
+                <a:spcPct val="0"/>
+              </a:spcBef>
+              <a:spcAft>
+                <a:spcPct val="0"/>
+              </a:spcAft>
+              <a:defRPr sz="4400">
+                <a:solidFill>
+                  <a:schemeClr val="tx1"/>
+                </a:solidFill>
+                <a:latin typeface="Verdana" pitchFamily="34" charset="0"/>
+                <a:ea typeface="Verdana" pitchFamily="34" charset="0"/>
+                <a:cs typeface="Verdana" pitchFamily="34" charset="0"/>
+              </a:defRPr>
+            </a:lvl7pPr>
+            <a:lvl8pPr marL="1371600" algn="ctr" rtl="0" fontAlgn="base">
+              <a:spcBef>
+                <a:spcPct val="0"/>
+              </a:spcBef>
+              <a:spcAft>
+                <a:spcPct val="0"/>
+              </a:spcAft>
+              <a:defRPr sz="4400">
+                <a:solidFill>
+                  <a:schemeClr val="tx1"/>
+                </a:solidFill>
+                <a:latin typeface="Verdana" pitchFamily="34" charset="0"/>
+                <a:ea typeface="Verdana" pitchFamily="34" charset="0"/>
+                <a:cs typeface="Verdana" pitchFamily="34" charset="0"/>
+              </a:defRPr>
+            </a:lvl8pPr>
+            <a:lvl9pPr marL="1828800" algn="ctr" rtl="0" fontAlgn="base">
+              <a:spcBef>
+                <a:spcPct val="0"/>
+              </a:spcBef>
+              <a:spcAft>
+                <a:spcPct val="0"/>
+              </a:spcAft>
+              <a:defRPr sz="4400">
+                <a:solidFill>
+                  <a:schemeClr val="tx1"/>
+                </a:solidFill>
+                <a:latin typeface="Verdana" pitchFamily="34" charset="0"/>
+                <a:ea typeface="Verdana" pitchFamily="34" charset="0"/>
+                <a:cs typeface="Verdana" pitchFamily="34" charset="0"/>
+              </a:defRPr>
+            </a:lvl9pPr>
+          </a:lstStyle>
           <a:p>
             <a:pPr eaLnBrk="1" hangingPunct="1">
               <a:defRPr/>
             </a:pPr>
             <a:r>
-              <a:rPr lang="pt-BR" dirty="0"/>
-              <a:t>MÓDULO EMPRESA</a:t>
-            </a:r>
-          </a:p>
-        </p:txBody>
-      </p:sp>
-      <p:sp>
-        <p:nvSpPr>
-          <p:cNvPr id="21507" name="Espaço Reservado para Conteúdo 4"/>
-          <p:cNvSpPr>
-            <a:spLocks noGrp="1"/>
-          </p:cNvSpPr>
-          <p:nvPr>
-            <p:ph idx="1"/>
-          </p:nvPr>
-        </p:nvSpPr>
-        <p:spPr bwMode="auto">
-          <a:xfrm>
-            <a:off x="179512" y="1340768"/>
-            <a:ext cx="8785225" cy="5328592"/>
-          </a:xfrm>
-          <a:extLst>
-            <a:ext uri="{909E8E84-426E-40DD-AFC4-6F175D3DCCD1}">
-              <a14:hiddenFill xmlns:a14="http://schemas.microsoft.com/office/drawing/2010/main">
-                <a:solidFill>
-                  <a:srgbClr val="FFFFFF"/>
-                </a:solidFill>
-              </a14:hiddenFill>
-            </a:ext>
-            <a:ext uri="{91240B29-F687-4F45-9708-019B960494DF}">
-              <a14:hiddenLine xmlns:a14="http://schemas.microsoft.com/office/drawing/2010/main" w="9525">
-                <a:solidFill>
-                  <a:srgbClr val="000000"/>
-                </a:solidFill>
-                <a:miter lim="800000"/>
-                <a:headEnd/>
-                <a:tailEnd/>
-              </a14:hiddenLine>
-            </a:ext>
-          </a:extLst>
-        </p:spPr>
-        <p:txBody>
-          <a:bodyPr vert="horz" wrap="square" lIns="91440" tIns="45720" rIns="91440" bIns="45720" numCol="1" anchor="t" anchorCtr="0" compatLnSpc="1">
-            <a:prstTxWarp prst="textNoShape">
-              <a:avLst/>
-            </a:prstTxWarp>
-          </a:bodyPr>
-          <a:lstStyle/>
-          <a:p>
-            <a:pPr marL="0" indent="0" algn="ctr" eaLnBrk="1" hangingPunct="1">
-              <a:buFont typeface="Arial" panose="020B0604020202020204" pitchFamily="34" charset="0"/>
-              <a:buNone/>
-              <a:defRPr/>
-            </a:pPr>
-            <a:endParaRPr lang="pt-BR" sz="2000" dirty="0"/>
-          </a:p>
-          <a:p>
-            <a:pPr algn="just" eaLnBrk="1" hangingPunct="1">
-              <a:buFont typeface="Arial" panose="020B0604020202020204" pitchFamily="34" charset="0"/>
-              <a:buChar char="•"/>
-              <a:defRPr/>
-            </a:pPr>
-            <a:endParaRPr lang="pt-BR" sz="2000" dirty="0"/>
+              <a:rPr lang="pt-BR" sz="3600" b="1" dirty="0">
+                <a:solidFill>
+                  <a:schemeClr val="accent1">
+                    <a:lumMod val="50000"/>
+                  </a:schemeClr>
+                </a:solidFill>
+                <a:latin typeface="Arial" pitchFamily="34" charset="0"/>
+                <a:cs typeface="Arial" pitchFamily="34" charset="0"/>
+              </a:rPr>
+              <a:t>MÓDULO FINANCEIRO</a:t>
+            </a:r>
           </a:p>
         </p:txBody>
       </p:sp>
       <p:pic>
         <p:nvPicPr>
-          <p:cNvPr id="3" name="Picture 2">
-            <a:extLst>
-              <a:ext uri="{FF2B5EF4-FFF2-40B4-BE49-F238E27FC236}">
-                <a16:creationId xmlns:a16="http://schemas.microsoft.com/office/drawing/2014/main" id="{2B1A4BC2-7DE1-4299-98E4-7ED739A14DCC}"/>
-              </a:ext>
-            </a:extLst>
-          </p:cNvPr>
+          <p:cNvPr id="2" name="Imagem 1"/>
           <p:cNvPicPr>
             <a:picLocks noChangeAspect="1"/>
           </p:cNvPicPr>
           <p:nvPr/>
         </p:nvPicPr>
         <p:blipFill>
-          <a:blip r:embed="rId2"/>
+          <a:blip r:embed="rId2">
+            <a:extLst>
+              <a:ext uri="{28A0092B-C50C-407E-A947-70E740481C1C}">
+                <a14:useLocalDpi xmlns:a14="http://schemas.microsoft.com/office/drawing/2010/main" val="0"/>
+              </a:ext>
+            </a:extLst>
+          </a:blip>
           <a:stretch>
             <a:fillRect/>
           </a:stretch>
         </p:blipFill>
         <p:spPr>
           <a:xfrm>
-            <a:off x="0" y="1772816"/>
-            <a:ext cx="9146478" cy="4104456"/>
+            <a:off x="107505" y="1260216"/>
+            <a:ext cx="9036495" cy="5625168"/>
           </a:xfrm>
           <a:prstGeom prst="rect">
             <a:avLst/>
@@ -6830,16 +7216,13 @@
     </p:spTree>
     <p:extLst>
       <p:ext uri="{BB962C8B-B14F-4D97-AF65-F5344CB8AC3E}">
-        <p14:creationId xmlns:p14="http://schemas.microsoft.com/office/powerpoint/2010/main" val="324456396"/>
+        <p14:creationId xmlns:p14="http://schemas.microsoft.com/office/powerpoint/2010/main" val="2843391693"/>
       </p:ext>
     </p:extLst>
   </p:cSld>
   <p:clrMapOvr>
     <a:masterClrMapping/>
   </p:clrMapOvr>
-  <p:transition spd="med">
-    <p:fade/>
-  </p:transition>
 </p:sld>
 </file>
 
@@ -6862,107 +7245,212 @@
       </p:grpSpPr>
       <p:sp>
         <p:nvSpPr>
-          <p:cNvPr id="4" name="Título 3"/>
-          <p:cNvSpPr>
-            <a:spLocks noGrp="1"/>
+          <p:cNvPr id="5" name="Título 3"/>
+          <p:cNvSpPr txBox="1">
+            <a:spLocks/>
           </p:cNvSpPr>
-          <p:nvPr>
-            <p:ph type="title"/>
-          </p:nvPr>
+          <p:nvPr/>
         </p:nvSpPr>
-        <p:spPr/>
+        <p:spPr>
+          <a:xfrm>
+            <a:off x="2123728" y="188640"/>
+            <a:ext cx="8797925" cy="922338"/>
+          </a:xfrm>
+          <a:prstGeom prst="rect">
+            <a:avLst/>
+          </a:prstGeom>
+        </p:spPr>
         <p:txBody>
           <a:bodyPr/>
-          <a:lstStyle/>
+          <a:lstStyle>
+            <a:lvl1pPr algn="ctr" rtl="0" eaLnBrk="0" fontAlgn="base" hangingPunct="0">
+              <a:spcBef>
+                <a:spcPct val="0"/>
+              </a:spcBef>
+              <a:spcAft>
+                <a:spcPct val="0"/>
+              </a:spcAft>
+              <a:defRPr sz="4400" kern="1200">
+                <a:solidFill>
+                  <a:schemeClr val="tx1"/>
+                </a:solidFill>
+                <a:latin typeface="Verdana" pitchFamily="34" charset="0"/>
+                <a:ea typeface="Verdana" pitchFamily="34" charset="0"/>
+                <a:cs typeface="Verdana" pitchFamily="34" charset="0"/>
+              </a:defRPr>
+            </a:lvl1pPr>
+            <a:lvl2pPr algn="ctr" rtl="0" eaLnBrk="0" fontAlgn="base" hangingPunct="0">
+              <a:spcBef>
+                <a:spcPct val="0"/>
+              </a:spcBef>
+              <a:spcAft>
+                <a:spcPct val="0"/>
+              </a:spcAft>
+              <a:defRPr sz="4400">
+                <a:solidFill>
+                  <a:schemeClr val="tx1"/>
+                </a:solidFill>
+                <a:latin typeface="Verdana" pitchFamily="34" charset="0"/>
+                <a:ea typeface="Verdana" pitchFamily="34" charset="0"/>
+                <a:cs typeface="Verdana" pitchFamily="34" charset="0"/>
+              </a:defRPr>
+            </a:lvl2pPr>
+            <a:lvl3pPr algn="ctr" rtl="0" eaLnBrk="0" fontAlgn="base" hangingPunct="0">
+              <a:spcBef>
+                <a:spcPct val="0"/>
+              </a:spcBef>
+              <a:spcAft>
+                <a:spcPct val="0"/>
+              </a:spcAft>
+              <a:defRPr sz="4400">
+                <a:solidFill>
+                  <a:schemeClr val="tx1"/>
+                </a:solidFill>
+                <a:latin typeface="Verdana" pitchFamily="34" charset="0"/>
+                <a:ea typeface="Verdana" pitchFamily="34" charset="0"/>
+                <a:cs typeface="Verdana" pitchFamily="34" charset="0"/>
+              </a:defRPr>
+            </a:lvl3pPr>
+            <a:lvl4pPr algn="ctr" rtl="0" eaLnBrk="0" fontAlgn="base" hangingPunct="0">
+              <a:spcBef>
+                <a:spcPct val="0"/>
+              </a:spcBef>
+              <a:spcAft>
+                <a:spcPct val="0"/>
+              </a:spcAft>
+              <a:defRPr sz="4400">
+                <a:solidFill>
+                  <a:schemeClr val="tx1"/>
+                </a:solidFill>
+                <a:latin typeface="Verdana" pitchFamily="34" charset="0"/>
+                <a:ea typeface="Verdana" pitchFamily="34" charset="0"/>
+                <a:cs typeface="Verdana" pitchFamily="34" charset="0"/>
+              </a:defRPr>
+            </a:lvl4pPr>
+            <a:lvl5pPr algn="ctr" rtl="0" eaLnBrk="0" fontAlgn="base" hangingPunct="0">
+              <a:spcBef>
+                <a:spcPct val="0"/>
+              </a:spcBef>
+              <a:spcAft>
+                <a:spcPct val="0"/>
+              </a:spcAft>
+              <a:defRPr sz="4400">
+                <a:solidFill>
+                  <a:schemeClr val="tx1"/>
+                </a:solidFill>
+                <a:latin typeface="Verdana" pitchFamily="34" charset="0"/>
+                <a:ea typeface="Verdana" pitchFamily="34" charset="0"/>
+                <a:cs typeface="Verdana" pitchFamily="34" charset="0"/>
+              </a:defRPr>
+            </a:lvl5pPr>
+            <a:lvl6pPr marL="457200" algn="ctr" rtl="0" fontAlgn="base">
+              <a:spcBef>
+                <a:spcPct val="0"/>
+              </a:spcBef>
+              <a:spcAft>
+                <a:spcPct val="0"/>
+              </a:spcAft>
+              <a:defRPr sz="4400">
+                <a:solidFill>
+                  <a:schemeClr val="tx1"/>
+                </a:solidFill>
+                <a:latin typeface="Verdana" pitchFamily="34" charset="0"/>
+                <a:ea typeface="Verdana" pitchFamily="34" charset="0"/>
+                <a:cs typeface="Verdana" pitchFamily="34" charset="0"/>
+              </a:defRPr>
+            </a:lvl6pPr>
+            <a:lvl7pPr marL="914400" algn="ctr" rtl="0" fontAlgn="base">
+              <a:spcBef>
+                <a:spcPct val="0"/>
+              </a:spcBef>
+              <a:spcAft>
+                <a:spcPct val="0"/>
+              </a:spcAft>
+              <a:defRPr sz="4400">
+                <a:solidFill>
+                  <a:schemeClr val="tx1"/>
+                </a:solidFill>
+                <a:latin typeface="Verdana" pitchFamily="34" charset="0"/>
+                <a:ea typeface="Verdana" pitchFamily="34" charset="0"/>
+                <a:cs typeface="Verdana" pitchFamily="34" charset="0"/>
+              </a:defRPr>
+            </a:lvl7pPr>
+            <a:lvl8pPr marL="1371600" algn="ctr" rtl="0" fontAlgn="base">
+              <a:spcBef>
+                <a:spcPct val="0"/>
+              </a:spcBef>
+              <a:spcAft>
+                <a:spcPct val="0"/>
+              </a:spcAft>
+              <a:defRPr sz="4400">
+                <a:solidFill>
+                  <a:schemeClr val="tx1"/>
+                </a:solidFill>
+                <a:latin typeface="Verdana" pitchFamily="34" charset="0"/>
+                <a:ea typeface="Verdana" pitchFamily="34" charset="0"/>
+                <a:cs typeface="Verdana" pitchFamily="34" charset="0"/>
+              </a:defRPr>
+            </a:lvl8pPr>
+            <a:lvl9pPr marL="1828800" algn="ctr" rtl="0" fontAlgn="base">
+              <a:spcBef>
+                <a:spcPct val="0"/>
+              </a:spcBef>
+              <a:spcAft>
+                <a:spcPct val="0"/>
+              </a:spcAft>
+              <a:defRPr sz="4400">
+                <a:solidFill>
+                  <a:schemeClr val="tx1"/>
+                </a:solidFill>
+                <a:latin typeface="Verdana" pitchFamily="34" charset="0"/>
+                <a:ea typeface="Verdana" pitchFamily="34" charset="0"/>
+                <a:cs typeface="Verdana" pitchFamily="34" charset="0"/>
+              </a:defRPr>
+            </a:lvl9pPr>
+          </a:lstStyle>
           <a:p>
             <a:pPr eaLnBrk="1" hangingPunct="1">
               <a:defRPr/>
             </a:pPr>
             <a:r>
-              <a:rPr lang="pt-BR" dirty="0"/>
-              <a:t>MÓDULO EMPRESA</a:t>
-            </a:r>
-          </a:p>
-        </p:txBody>
-      </p:sp>
-      <p:sp>
-        <p:nvSpPr>
-          <p:cNvPr id="21507" name="Espaço Reservado para Conteúdo 4"/>
-          <p:cNvSpPr>
-            <a:spLocks noGrp="1"/>
-          </p:cNvSpPr>
-          <p:nvPr>
-            <p:ph idx="1"/>
-          </p:nvPr>
-        </p:nvSpPr>
-        <p:spPr bwMode="auto">
-          <a:xfrm>
-            <a:off x="179512" y="1340768"/>
-            <a:ext cx="8785225" cy="5328592"/>
-          </a:xfrm>
-          <a:extLst>
-            <a:ext uri="{909E8E84-426E-40DD-AFC4-6F175D3DCCD1}">
-              <a14:hiddenFill xmlns:a14="http://schemas.microsoft.com/office/drawing/2010/main">
-                <a:solidFill>
-                  <a:srgbClr val="FFFFFF"/>
-                </a:solidFill>
-              </a14:hiddenFill>
-            </a:ext>
-            <a:ext uri="{91240B29-F687-4F45-9708-019B960494DF}">
-              <a14:hiddenLine xmlns:a14="http://schemas.microsoft.com/office/drawing/2010/main" w="9525">
-                <a:solidFill>
-                  <a:srgbClr val="000000"/>
-                </a:solidFill>
-                <a:miter lim="800000"/>
-                <a:headEnd/>
-                <a:tailEnd/>
-              </a14:hiddenLine>
-            </a:ext>
-          </a:extLst>
-        </p:spPr>
-        <p:txBody>
-          <a:bodyPr vert="horz" wrap="square" lIns="91440" tIns="45720" rIns="91440" bIns="45720" numCol="1" anchor="t" anchorCtr="0" compatLnSpc="1">
-            <a:prstTxWarp prst="textNoShape">
-              <a:avLst/>
-            </a:prstTxWarp>
-          </a:bodyPr>
-          <a:lstStyle/>
-          <a:p>
-            <a:pPr marL="0" indent="0" algn="ctr" eaLnBrk="1" hangingPunct="1">
-              <a:buFont typeface="Arial" panose="020B0604020202020204" pitchFamily="34" charset="0"/>
-              <a:buNone/>
-              <a:defRPr/>
-            </a:pPr>
-            <a:endParaRPr lang="pt-BR" sz="2000" dirty="0"/>
-          </a:p>
-          <a:p>
-            <a:pPr algn="just" eaLnBrk="1" hangingPunct="1">
-              <a:buFont typeface="Arial" panose="020B0604020202020204" pitchFamily="34" charset="0"/>
-              <a:buChar char="•"/>
-              <a:defRPr/>
-            </a:pPr>
-            <a:endParaRPr lang="pt-BR" sz="2000" dirty="0"/>
+              <a:rPr lang="pt-BR" sz="3600" b="1" dirty="0">
+                <a:solidFill>
+                  <a:schemeClr val="accent1">
+                    <a:lumMod val="50000"/>
+                  </a:schemeClr>
+                </a:solidFill>
+                <a:latin typeface="Arial" pitchFamily="34" charset="0"/>
+                <a:cs typeface="Arial" pitchFamily="34" charset="0"/>
+              </a:rPr>
+              <a:t>MÓDULO FINANCEIRO</a:t>
+            </a:r>
           </a:p>
         </p:txBody>
       </p:sp>
       <p:pic>
         <p:nvPicPr>
-          <p:cNvPr id="5" name="Imagem 4"/>
+          <p:cNvPr id="2" name="Imagem 1"/>
           <p:cNvPicPr>
             <a:picLocks noChangeAspect="1"/>
           </p:cNvPicPr>
           <p:nvPr/>
         </p:nvPicPr>
         <p:blipFill>
-          <a:blip r:embed="rId2"/>
+          <a:blip r:embed="rId2">
+            <a:extLst>
+              <a:ext uri="{28A0092B-C50C-407E-A947-70E740481C1C}">
+                <a14:useLocalDpi xmlns:a14="http://schemas.microsoft.com/office/drawing/2010/main" val="0"/>
+              </a:ext>
+            </a:extLst>
+          </a:blip>
           <a:stretch>
             <a:fillRect/>
           </a:stretch>
         </p:blipFill>
         <p:spPr>
           <a:xfrm>
-            <a:off x="23961" y="1320155"/>
-            <a:ext cx="9080331" cy="5184576"/>
+            <a:off x="0" y="2060848"/>
+            <a:ext cx="9144000" cy="3552816"/>
           </a:xfrm>
           <a:prstGeom prst="rect">
             <a:avLst/>
@@ -6972,162 +7460,17 @@
     </p:spTree>
     <p:extLst>
       <p:ext uri="{BB962C8B-B14F-4D97-AF65-F5344CB8AC3E}">
-        <p14:creationId xmlns:p14="http://schemas.microsoft.com/office/powerpoint/2010/main" val="3523015254"/>
+        <p14:creationId xmlns:p14="http://schemas.microsoft.com/office/powerpoint/2010/main" val="3776007642"/>
       </p:ext>
     </p:extLst>
   </p:cSld>
   <p:clrMapOvr>
     <a:masterClrMapping/>
   </p:clrMapOvr>
-  <p:transition spd="med">
-    <p:fade/>
-  </p:transition>
 </p:sld>
 </file>
 
 <file path=ppt/slides/slide27.xml><?xml version="1.0" encoding="utf-8"?>
-<p:sld xmlns:a="http://schemas.openxmlformats.org/drawingml/2006/main" xmlns:r="http://schemas.openxmlformats.org/officeDocument/2006/relationships" xmlns:p="http://schemas.openxmlformats.org/presentationml/2006/main">
-  <p:cSld>
-    <p:spTree>
-      <p:nvGrpSpPr>
-        <p:cNvPr id="1" name=""/>
-        <p:cNvGrpSpPr/>
-        <p:nvPr/>
-      </p:nvGrpSpPr>
-      <p:grpSpPr>
-        <a:xfrm>
-          <a:off x="0" y="0"/>
-          <a:ext cx="0" cy="0"/>
-          <a:chOff x="0" y="0"/>
-          <a:chExt cx="0" cy="0"/>
-        </a:xfrm>
-      </p:grpSpPr>
-      <p:sp>
-        <p:nvSpPr>
-          <p:cNvPr id="4" name="Título 3"/>
-          <p:cNvSpPr>
-            <a:spLocks noGrp="1"/>
-          </p:cNvSpPr>
-          <p:nvPr>
-            <p:ph type="title"/>
-          </p:nvPr>
-        </p:nvSpPr>
-        <p:spPr/>
-        <p:txBody>
-          <a:bodyPr/>
-          <a:lstStyle/>
-          <a:p>
-            <a:pPr eaLnBrk="1" hangingPunct="1">
-              <a:defRPr/>
-            </a:pPr>
-            <a:r>
-              <a:rPr lang="pt-BR" dirty="0"/>
-              <a:t>MÓDULO EMPRESA</a:t>
-            </a:r>
-          </a:p>
-        </p:txBody>
-      </p:sp>
-      <p:sp>
-        <p:nvSpPr>
-          <p:cNvPr id="21507" name="Espaço Reservado para Conteúdo 4"/>
-          <p:cNvSpPr>
-            <a:spLocks noGrp="1"/>
-          </p:cNvSpPr>
-          <p:nvPr>
-            <p:ph idx="1"/>
-          </p:nvPr>
-        </p:nvSpPr>
-        <p:spPr bwMode="auto">
-          <a:xfrm>
-            <a:off x="179512" y="1340768"/>
-            <a:ext cx="8785225" cy="5328592"/>
-          </a:xfrm>
-          <a:extLst>
-            <a:ext uri="{909E8E84-426E-40DD-AFC4-6F175D3DCCD1}">
-              <a14:hiddenFill xmlns:a14="http://schemas.microsoft.com/office/drawing/2010/main">
-                <a:solidFill>
-                  <a:srgbClr val="FFFFFF"/>
-                </a:solidFill>
-              </a14:hiddenFill>
-            </a:ext>
-            <a:ext uri="{91240B29-F687-4F45-9708-019B960494DF}">
-              <a14:hiddenLine xmlns:a14="http://schemas.microsoft.com/office/drawing/2010/main" w="9525">
-                <a:solidFill>
-                  <a:srgbClr val="000000"/>
-                </a:solidFill>
-                <a:miter lim="800000"/>
-                <a:headEnd/>
-                <a:tailEnd/>
-              </a14:hiddenLine>
-            </a:ext>
-          </a:extLst>
-        </p:spPr>
-        <p:txBody>
-          <a:bodyPr vert="horz" wrap="square" lIns="91440" tIns="45720" rIns="91440" bIns="45720" numCol="1" anchor="t" anchorCtr="0" compatLnSpc="1">
-            <a:prstTxWarp prst="textNoShape">
-              <a:avLst/>
-            </a:prstTxWarp>
-          </a:bodyPr>
-          <a:lstStyle/>
-          <a:p>
-            <a:pPr marL="0" indent="0" algn="ctr" eaLnBrk="1" hangingPunct="1">
-              <a:buFont typeface="Arial" panose="020B0604020202020204" pitchFamily="34" charset="0"/>
-              <a:buNone/>
-              <a:defRPr/>
-            </a:pPr>
-            <a:endParaRPr lang="pt-BR" sz="2000" dirty="0"/>
-          </a:p>
-          <a:p>
-            <a:pPr algn="just" eaLnBrk="1" hangingPunct="1">
-              <a:buFont typeface="Arial" panose="020B0604020202020204" pitchFamily="34" charset="0"/>
-              <a:buChar char="•"/>
-              <a:defRPr/>
-            </a:pPr>
-            <a:endParaRPr lang="pt-BR" sz="2000" dirty="0"/>
-          </a:p>
-        </p:txBody>
-      </p:sp>
-      <p:pic>
-        <p:nvPicPr>
-          <p:cNvPr id="5" name="Imagem 4"/>
-          <p:cNvPicPr>
-            <a:picLocks noChangeAspect="1"/>
-          </p:cNvPicPr>
-          <p:nvPr/>
-        </p:nvPicPr>
-        <p:blipFill>
-          <a:blip r:embed="rId2"/>
-          <a:stretch>
-            <a:fillRect/>
-          </a:stretch>
-        </p:blipFill>
-        <p:spPr>
-          <a:xfrm>
-            <a:off x="35496" y="1310059"/>
-            <a:ext cx="9079200" cy="5215285"/>
-          </a:xfrm>
-          <a:prstGeom prst="rect">
-            <a:avLst/>
-          </a:prstGeom>
-        </p:spPr>
-      </p:pic>
-    </p:spTree>
-    <p:extLst>
-      <p:ext uri="{BB962C8B-B14F-4D97-AF65-F5344CB8AC3E}">
-        <p14:creationId xmlns:p14="http://schemas.microsoft.com/office/powerpoint/2010/main" val="3817239344"/>
-      </p:ext>
-    </p:extLst>
-  </p:cSld>
-  <p:clrMapOvr>
-    <a:masterClrMapping/>
-  </p:clrMapOvr>
-  <p:transition spd="med">
-    <p:fade/>
-  </p:transition>
-</p:sld>
-</file>
-
-<file path=ppt/slides/slide28.xml><?xml version="1.0" encoding="utf-8"?>
 <p:sld xmlns:a="http://schemas.openxmlformats.org/drawingml/2006/main" xmlns:r="http://schemas.openxmlformats.org/officeDocument/2006/relationships" xmlns:p="http://schemas.openxmlformats.org/presentationml/2006/main">
   <p:cSld>
     <p:spTree>
@@ -7174,7 +7517,7 @@
               <a:rPr lang="pt-BR" dirty="0">
                 <a:ea typeface="ＭＳ Ｐゴシック" pitchFamily="-106" charset="-128"/>
               </a:rPr>
-              <a:t>MÓDULO FINANCEIRO</a:t>
+              <a:t>MÓDULO PACIENTE</a:t>
             </a:r>
           </a:p>
         </p:txBody>
@@ -7604,7 +7947,7 @@
                 <a:ea typeface="ＭＳ Ｐゴシック" pitchFamily="-106" charset="-128"/>
                 <a:cs typeface="Verdana" pitchFamily="34" charset="0"/>
               </a:rPr>
-              <a:t>Alisson Santana</a:t>
+              <a:t>Tatiana Santana</a:t>
             </a:r>
             <a:endParaRPr kumimoji="0" lang="pt-BR" sz="2000" b="1" i="0" u="none" strike="noStrike" kern="1200" cap="none" spc="0" normalizeH="0" baseline="0" noProof="0" dirty="0">
               <a:ln>
@@ -7624,9 +7967,393 @@
         </p:txBody>
       </p:sp>
     </p:spTree>
+  </p:cSld>
+  <p:clrMapOvr>
+    <a:masterClrMapping/>
+  </p:clrMapOvr>
+  <p:transition spd="med">
+    <p:fade/>
+  </p:transition>
+</p:sld>
+</file>
+
+<file path=ppt/slides/slide28.xml><?xml version="1.0" encoding="utf-8"?>
+<p:sld xmlns:a="http://schemas.openxmlformats.org/drawingml/2006/main" xmlns:r="http://schemas.openxmlformats.org/officeDocument/2006/relationships" xmlns:p="http://schemas.openxmlformats.org/presentationml/2006/main">
+  <p:cSld>
+    <p:spTree>
+      <p:nvGrpSpPr>
+        <p:cNvPr id="1" name=""/>
+        <p:cNvGrpSpPr/>
+        <p:nvPr/>
+      </p:nvGrpSpPr>
+      <p:grpSpPr>
+        <a:xfrm>
+          <a:off x="0" y="0"/>
+          <a:ext cx="0" cy="0"/>
+          <a:chOff x="0" y="0"/>
+          <a:chExt cx="0" cy="0"/>
+        </a:xfrm>
+      </p:grpSpPr>
+      <p:sp>
+        <p:nvSpPr>
+          <p:cNvPr id="4" name="Título 3"/>
+          <p:cNvSpPr>
+            <a:spLocks noGrp="1"/>
+          </p:cNvSpPr>
+          <p:nvPr>
+            <p:ph type="title"/>
+          </p:nvPr>
+        </p:nvSpPr>
+        <p:spPr/>
+        <p:txBody>
+          <a:bodyPr/>
+          <a:lstStyle/>
+          <a:p>
+            <a:pPr eaLnBrk="1" hangingPunct="1">
+              <a:defRPr/>
+            </a:pPr>
+            <a:r>
+              <a:rPr lang="pt-BR" dirty="0"/>
+              <a:t>MÓDULO PACIENTE</a:t>
+            </a:r>
+          </a:p>
+        </p:txBody>
+      </p:sp>
+      <p:sp>
+        <p:nvSpPr>
+          <p:cNvPr id="5" name="Espaço Reservado para Texto 3"/>
+          <p:cNvSpPr txBox="1">
+            <a:spLocks/>
+          </p:cNvSpPr>
+          <p:nvPr/>
+        </p:nvSpPr>
+        <p:spPr>
+          <a:xfrm>
+            <a:off x="395536" y="1196752"/>
+            <a:ext cx="8208912" cy="5112568"/>
+          </a:xfrm>
+          <a:prstGeom prst="rect">
+            <a:avLst/>
+          </a:prstGeom>
+        </p:spPr>
+        <p:txBody>
+          <a:bodyPr/>
+          <a:lstStyle>
+            <a:lvl1pPr marL="342900" indent="-342900" algn="l" rtl="0" eaLnBrk="0" fontAlgn="base" hangingPunct="0">
+              <a:spcBef>
+                <a:spcPct val="20000"/>
+              </a:spcBef>
+              <a:spcAft>
+                <a:spcPct val="0"/>
+              </a:spcAft>
+              <a:buFont typeface="Arial" charset="0"/>
+              <a:buChar char="•"/>
+              <a:defRPr sz="3200" kern="1200">
+                <a:solidFill>
+                  <a:schemeClr val="tx1"/>
+                </a:solidFill>
+                <a:latin typeface="+mn-lt"/>
+                <a:ea typeface="+mn-ea"/>
+                <a:cs typeface="+mn-cs"/>
+              </a:defRPr>
+            </a:lvl1pPr>
+            <a:lvl2pPr marL="742950" indent="-285750" algn="l" rtl="0" eaLnBrk="0" fontAlgn="base" hangingPunct="0">
+              <a:spcBef>
+                <a:spcPct val="20000"/>
+              </a:spcBef>
+              <a:spcAft>
+                <a:spcPct val="0"/>
+              </a:spcAft>
+              <a:buFont typeface="Arial" charset="0"/>
+              <a:buChar char="–"/>
+              <a:defRPr sz="2800" kern="1200">
+                <a:solidFill>
+                  <a:schemeClr val="tx1"/>
+                </a:solidFill>
+                <a:latin typeface="+mn-lt"/>
+                <a:ea typeface="+mn-ea"/>
+                <a:cs typeface="+mn-cs"/>
+              </a:defRPr>
+            </a:lvl2pPr>
+            <a:lvl3pPr marL="1143000" indent="-228600" algn="l" rtl="0" eaLnBrk="0" fontAlgn="base" hangingPunct="0">
+              <a:spcBef>
+                <a:spcPct val="20000"/>
+              </a:spcBef>
+              <a:spcAft>
+                <a:spcPct val="0"/>
+              </a:spcAft>
+              <a:buFont typeface="Arial" charset="0"/>
+              <a:buChar char="•"/>
+              <a:defRPr sz="2400" kern="1200">
+                <a:solidFill>
+                  <a:schemeClr val="tx1"/>
+                </a:solidFill>
+                <a:latin typeface="+mn-lt"/>
+                <a:ea typeface="+mn-ea"/>
+                <a:cs typeface="+mn-cs"/>
+              </a:defRPr>
+            </a:lvl3pPr>
+            <a:lvl4pPr marL="1600200" indent="-228600" algn="l" rtl="0" eaLnBrk="0" fontAlgn="base" hangingPunct="0">
+              <a:spcBef>
+                <a:spcPct val="20000"/>
+              </a:spcBef>
+              <a:spcAft>
+                <a:spcPct val="0"/>
+              </a:spcAft>
+              <a:buFont typeface="Arial" charset="0"/>
+              <a:buChar char="–"/>
+              <a:defRPr sz="2000" kern="1200">
+                <a:solidFill>
+                  <a:schemeClr val="tx1"/>
+                </a:solidFill>
+                <a:latin typeface="+mn-lt"/>
+                <a:ea typeface="+mn-ea"/>
+                <a:cs typeface="+mn-cs"/>
+              </a:defRPr>
+            </a:lvl4pPr>
+            <a:lvl5pPr marL="2057400" indent="-228600" algn="l" rtl="0" eaLnBrk="0" fontAlgn="base" hangingPunct="0">
+              <a:spcBef>
+                <a:spcPct val="20000"/>
+              </a:spcBef>
+              <a:spcAft>
+                <a:spcPct val="0"/>
+              </a:spcAft>
+              <a:buFont typeface="Arial" charset="0"/>
+              <a:buChar char="»"/>
+              <a:defRPr sz="2000" kern="1200">
+                <a:solidFill>
+                  <a:schemeClr val="tx1"/>
+                </a:solidFill>
+                <a:latin typeface="+mn-lt"/>
+                <a:ea typeface="+mn-ea"/>
+                <a:cs typeface="+mn-cs"/>
+              </a:defRPr>
+            </a:lvl5pPr>
+            <a:lvl6pPr marL="2514600" indent="-228600" algn="l" defTabSz="914400" rtl="0" eaLnBrk="1" latinLnBrk="0" hangingPunct="1">
+              <a:spcBef>
+                <a:spcPct val="20000"/>
+              </a:spcBef>
+              <a:buFont typeface="Arial" pitchFamily="34" charset="0"/>
+              <a:buChar char="•"/>
+              <a:defRPr sz="2000" kern="1200">
+                <a:solidFill>
+                  <a:schemeClr val="tx1"/>
+                </a:solidFill>
+                <a:latin typeface="+mn-lt"/>
+                <a:ea typeface="+mn-ea"/>
+                <a:cs typeface="+mn-cs"/>
+              </a:defRPr>
+            </a:lvl6pPr>
+            <a:lvl7pPr marL="2971800" indent="-228600" algn="l" defTabSz="914400" rtl="0" eaLnBrk="1" latinLnBrk="0" hangingPunct="1">
+              <a:spcBef>
+                <a:spcPct val="20000"/>
+              </a:spcBef>
+              <a:buFont typeface="Arial" pitchFamily="34" charset="0"/>
+              <a:buChar char="•"/>
+              <a:defRPr sz="2000" kern="1200">
+                <a:solidFill>
+                  <a:schemeClr val="tx1"/>
+                </a:solidFill>
+                <a:latin typeface="+mn-lt"/>
+                <a:ea typeface="+mn-ea"/>
+                <a:cs typeface="+mn-cs"/>
+              </a:defRPr>
+            </a:lvl7pPr>
+            <a:lvl8pPr marL="3429000" indent="-228600" algn="l" defTabSz="914400" rtl="0" eaLnBrk="1" latinLnBrk="0" hangingPunct="1">
+              <a:spcBef>
+                <a:spcPct val="20000"/>
+              </a:spcBef>
+              <a:buFont typeface="Arial" pitchFamily="34" charset="0"/>
+              <a:buChar char="•"/>
+              <a:defRPr sz="2000" kern="1200">
+                <a:solidFill>
+                  <a:schemeClr val="tx1"/>
+                </a:solidFill>
+                <a:latin typeface="+mn-lt"/>
+                <a:ea typeface="+mn-ea"/>
+                <a:cs typeface="+mn-cs"/>
+              </a:defRPr>
+            </a:lvl8pPr>
+            <a:lvl9pPr marL="3886200" indent="-228600" algn="l" defTabSz="914400" rtl="0" eaLnBrk="1" latinLnBrk="0" hangingPunct="1">
+              <a:spcBef>
+                <a:spcPct val="20000"/>
+              </a:spcBef>
+              <a:buFont typeface="Arial" pitchFamily="34" charset="0"/>
+              <a:buChar char="•"/>
+              <a:defRPr sz="2000" kern="1200">
+                <a:solidFill>
+                  <a:schemeClr val="tx1"/>
+                </a:solidFill>
+                <a:latin typeface="+mn-lt"/>
+                <a:ea typeface="+mn-ea"/>
+                <a:cs typeface="+mn-cs"/>
+              </a:defRPr>
+            </a:lvl9pPr>
+          </a:lstStyle>
+          <a:p>
+            <a:pPr algn="just" eaLnBrk="1" hangingPunct="1">
+              <a:buFont typeface="Arial" panose="020B0604020202020204" pitchFamily="34" charset="0"/>
+              <a:buChar char="•"/>
+              <a:defRPr/>
+            </a:pPr>
+            <a:r>
+              <a:rPr lang="pt-BR" sz="2600">
+                <a:solidFill>
+                  <a:schemeClr val="tx2">
+                    <a:lumMod val="75000"/>
+                  </a:schemeClr>
+                </a:solidFill>
+                <a:latin typeface="Calibri" panose="020F0502020204030204" pitchFamily="34" charset="0"/>
+                <a:cs typeface="Calibri" panose="020F0502020204030204" pitchFamily="34" charset="0"/>
+              </a:rPr>
+              <a:t>Manter Paciente</a:t>
+            </a:r>
+          </a:p>
+          <a:p>
+            <a:pPr lvl="1" algn="just" eaLnBrk="1" hangingPunct="1">
+              <a:buFont typeface="Arial" panose="020B0604020202020204" pitchFamily="34" charset="0"/>
+              <a:buChar char="•"/>
+              <a:defRPr/>
+            </a:pPr>
+            <a:r>
+              <a:rPr lang="pt-BR" sz="1850">
+                <a:solidFill>
+                  <a:schemeClr val="tx2">
+                    <a:lumMod val="75000"/>
+                  </a:schemeClr>
+                </a:solidFill>
+              </a:rPr>
+              <a:t>Permite a manutenção de paciente.</a:t>
+            </a:r>
+            <a:endParaRPr lang="pt-BR" sz="1850">
+              <a:solidFill>
+                <a:schemeClr val="tx2">
+                  <a:lumMod val="75000"/>
+                </a:schemeClr>
+              </a:solidFill>
+              <a:cs typeface="Calibri" panose="020F0502020204030204" pitchFamily="34" charset="0"/>
+            </a:endParaRPr>
+          </a:p>
+          <a:p>
+            <a:pPr marL="457200" lvl="1" indent="0" algn="just" eaLnBrk="1" hangingPunct="1">
+              <a:defRPr/>
+            </a:pPr>
+            <a:endParaRPr lang="pt-BR" sz="1800">
+              <a:solidFill>
+                <a:schemeClr val="tx2">
+                  <a:lumMod val="75000"/>
+                </a:schemeClr>
+              </a:solidFill>
+              <a:latin typeface="Calibri" panose="020F0502020204030204" pitchFamily="34" charset="0"/>
+              <a:cs typeface="Calibri" panose="020F0502020204030204" pitchFamily="34" charset="0"/>
+            </a:endParaRPr>
+          </a:p>
+          <a:p>
+            <a:pPr algn="just" eaLnBrk="1" hangingPunct="1">
+              <a:buFont typeface="Arial" panose="020B0604020202020204" pitchFamily="34" charset="0"/>
+              <a:buChar char="•"/>
+              <a:defRPr/>
+            </a:pPr>
+            <a:r>
+              <a:rPr lang="pt-BR" sz="2600">
+                <a:solidFill>
+                  <a:schemeClr val="tx2">
+                    <a:lumMod val="75000"/>
+                  </a:schemeClr>
+                </a:solidFill>
+                <a:latin typeface="Calibri" panose="020F0502020204030204" pitchFamily="34" charset="0"/>
+                <a:cs typeface="Calibri" panose="020F0502020204030204" pitchFamily="34" charset="0"/>
+              </a:rPr>
+              <a:t>Receber Prontuário</a:t>
+            </a:r>
+          </a:p>
+          <a:p>
+            <a:pPr lvl="1" algn="just" eaLnBrk="1" hangingPunct="1">
+              <a:buFont typeface="Arial" panose="020B0604020202020204" pitchFamily="34" charset="0"/>
+              <a:buChar char="•"/>
+              <a:defRPr/>
+            </a:pPr>
+            <a:r>
+              <a:rPr lang="pt-BR" sz="1850">
+                <a:solidFill>
+                  <a:schemeClr val="tx2">
+                    <a:lumMod val="75000"/>
+                  </a:schemeClr>
+                </a:solidFill>
+              </a:rPr>
+              <a:t>Permite a manutenção de prontuário.</a:t>
+            </a:r>
+          </a:p>
+          <a:p>
+            <a:pPr marL="457200" lvl="1" indent="0" algn="just" eaLnBrk="1" hangingPunct="1">
+              <a:defRPr/>
+            </a:pPr>
+            <a:endParaRPr lang="pt-BR" sz="1800">
+              <a:solidFill>
+                <a:schemeClr val="tx2">
+                  <a:lumMod val="75000"/>
+                </a:schemeClr>
+              </a:solidFill>
+              <a:latin typeface="Calibri" panose="020F0502020204030204" pitchFamily="34" charset="0"/>
+              <a:cs typeface="Calibri" panose="020F0502020204030204" pitchFamily="34" charset="0"/>
+            </a:endParaRPr>
+          </a:p>
+          <a:p>
+            <a:pPr algn="just" eaLnBrk="1" hangingPunct="1">
+              <a:buFont typeface="Arial" panose="020B0604020202020204" pitchFamily="34" charset="0"/>
+              <a:buChar char="•"/>
+              <a:defRPr/>
+            </a:pPr>
+            <a:r>
+              <a:rPr lang="pt-BR" sz="2600">
+                <a:solidFill>
+                  <a:schemeClr val="tx2">
+                    <a:lumMod val="75000"/>
+                  </a:schemeClr>
+                </a:solidFill>
+                <a:latin typeface="Calibri" panose="020F0502020204030204" pitchFamily="34" charset="0"/>
+                <a:cs typeface="Calibri" panose="020F0502020204030204" pitchFamily="34" charset="0"/>
+              </a:rPr>
+              <a:t>Realizar Atendimento</a:t>
+            </a:r>
+          </a:p>
+          <a:p>
+            <a:pPr lvl="1" algn="just" eaLnBrk="1" hangingPunct="1">
+              <a:buFont typeface="Arial" panose="020B0604020202020204" pitchFamily="34" charset="0"/>
+              <a:buChar char="•"/>
+              <a:defRPr/>
+            </a:pPr>
+            <a:r>
+              <a:rPr lang="pt-BR" sz="1850">
+                <a:solidFill>
+                  <a:schemeClr val="tx2">
+                    <a:lumMod val="75000"/>
+                  </a:schemeClr>
+                </a:solidFill>
+              </a:rPr>
+              <a:t>Realiza atendimento a partir de um agendamento confirmado.</a:t>
+            </a:r>
+          </a:p>
+          <a:p>
+            <a:pPr marL="457200" lvl="1" indent="0" algn="just" eaLnBrk="1" hangingPunct="1">
+              <a:defRPr/>
+            </a:pPr>
+            <a:endParaRPr lang="pt-BR" sz="1800" dirty="0">
+              <a:solidFill>
+                <a:schemeClr val="tx2">
+                  <a:lumMod val="75000"/>
+                </a:schemeClr>
+              </a:solidFill>
+              <a:latin typeface="Calibri" panose="020F0502020204030204" pitchFamily="34" charset="0"/>
+              <a:cs typeface="Calibri" panose="020F0502020204030204" pitchFamily="34" charset="0"/>
+            </a:endParaRPr>
+          </a:p>
+        </p:txBody>
+      </p:sp>
+    </p:spTree>
     <p:extLst>
       <p:ext uri="{BB962C8B-B14F-4D97-AF65-F5344CB8AC3E}">
-        <p14:creationId xmlns:p14="http://schemas.microsoft.com/office/powerpoint/2010/main" val="681014556"/>
+        <p14:creationId xmlns:p14="http://schemas.microsoft.com/office/powerpoint/2010/main" val="2886033736"/>
       </p:ext>
     </p:extLst>
   </p:cSld>
@@ -7658,417 +8385,73 @@
       </p:grpSpPr>
       <p:sp>
         <p:nvSpPr>
-          <p:cNvPr id="4" name="Espaço Reservado para Texto 3"/>
+          <p:cNvPr id="4" name="Título 3"/>
           <p:cNvSpPr>
             <a:spLocks noGrp="1"/>
           </p:cNvSpPr>
           <p:nvPr>
-            <p:ph type="body" sz="quarter" idx="12"/>
+            <p:ph type="title"/>
           </p:nvPr>
         </p:nvSpPr>
-        <p:spPr>
-          <a:xfrm>
-            <a:off x="395536" y="1196752"/>
-            <a:ext cx="8208912" cy="5112568"/>
-          </a:xfrm>
-        </p:spPr>
+        <p:spPr/>
         <p:txBody>
           <a:bodyPr/>
           <a:lstStyle/>
           <a:p>
-            <a:pPr algn="just" eaLnBrk="1" hangingPunct="1">
-              <a:buFont typeface="Arial" panose="020B0604020202020204" pitchFamily="34" charset="0"/>
-              <a:buChar char="•"/>
+            <a:pPr eaLnBrk="1" hangingPunct="1">
               <a:defRPr/>
             </a:pPr>
             <a:r>
-              <a:rPr lang="pt-BR" sz="2600" dirty="0">
-                <a:solidFill>
-                  <a:schemeClr val="tx2">
-                    <a:lumMod val="75000"/>
-                  </a:schemeClr>
-                </a:solidFill>
-                <a:latin typeface="Calibri (Corpo)"/>
-                <a:cs typeface="Calibri" panose="020F0502020204030204" pitchFamily="34" charset="0"/>
-              </a:rPr>
-              <a:t>Manter Cobrança</a:t>
-            </a:r>
-          </a:p>
-          <a:p>
-            <a:pPr lvl="1" algn="just" eaLnBrk="1" hangingPunct="1">
-              <a:buFont typeface="Arial" panose="020B0604020202020204" pitchFamily="34" charset="0"/>
-              <a:buChar char="•"/>
-              <a:defRPr/>
-            </a:pPr>
-            <a:r>
-              <a:rPr lang="pt-BR" sz="1850" dirty="0">
-                <a:solidFill>
-                  <a:schemeClr val="tx2">
-                    <a:lumMod val="75000"/>
-                  </a:schemeClr>
-                </a:solidFill>
-                <a:latin typeface="+mn-lt"/>
-                <a:ea typeface="+mn-ea"/>
-                <a:cs typeface="+mn-cs"/>
-              </a:rPr>
-              <a:t>Permite a manutenção de cobrança.</a:t>
-            </a:r>
-          </a:p>
-          <a:p>
-            <a:pPr marL="457200" lvl="1" indent="0" algn="just" eaLnBrk="1" hangingPunct="1">
-              <a:defRPr/>
-            </a:pPr>
-            <a:endParaRPr lang="pt-BR" sz="1800" dirty="0">
-              <a:solidFill>
-                <a:schemeClr val="tx2">
-                  <a:lumMod val="75000"/>
-                </a:schemeClr>
-              </a:solidFill>
-              <a:latin typeface="Calibri" panose="020F0502020204030204" pitchFamily="34" charset="0"/>
-              <a:cs typeface="Calibri" panose="020F0502020204030204" pitchFamily="34" charset="0"/>
-            </a:endParaRPr>
-          </a:p>
-          <a:p>
-            <a:pPr algn="just" eaLnBrk="1" hangingPunct="1">
-              <a:buFont typeface="Arial" panose="020B0604020202020204" pitchFamily="34" charset="0"/>
-              <a:buChar char="•"/>
-              <a:defRPr/>
-            </a:pPr>
-            <a:r>
-              <a:rPr lang="pt-BR" sz="2600" dirty="0">
-                <a:solidFill>
-                  <a:schemeClr val="tx2">
-                    <a:lumMod val="75000"/>
-                  </a:schemeClr>
-                </a:solidFill>
-                <a:latin typeface="Calibri (Corpo)"/>
-                <a:cs typeface="Calibri" panose="020F0502020204030204" pitchFamily="34" charset="0"/>
-              </a:rPr>
-              <a:t>Receber Pagamento</a:t>
-            </a:r>
-          </a:p>
-          <a:p>
-            <a:pPr lvl="1" algn="just" eaLnBrk="1" hangingPunct="1">
-              <a:buFont typeface="Arial" panose="020B0604020202020204" pitchFamily="34" charset="0"/>
-              <a:buChar char="•"/>
-              <a:defRPr/>
-            </a:pPr>
-            <a:r>
-              <a:rPr lang="pt-BR" sz="1850" dirty="0">
-                <a:solidFill>
-                  <a:schemeClr val="tx2">
-                    <a:lumMod val="75000"/>
-                  </a:schemeClr>
-                </a:solidFill>
-                <a:latin typeface="+mn-lt"/>
-                <a:ea typeface="+mn-ea"/>
-                <a:cs typeface="+mn-cs"/>
-              </a:rPr>
-              <a:t>Registrar, pesquisar, visualizar, editar e deletar os pagamentos dos clientes por serviços prestados pela clínica.</a:t>
-            </a:r>
-          </a:p>
-          <a:p>
-            <a:pPr marL="457200" lvl="1" indent="0" algn="just" eaLnBrk="1" hangingPunct="1">
-              <a:defRPr/>
-            </a:pPr>
-            <a:endParaRPr lang="pt-BR" sz="1800" dirty="0">
-              <a:solidFill>
-                <a:schemeClr val="tx2">
-                  <a:lumMod val="75000"/>
-                </a:schemeClr>
-              </a:solidFill>
-              <a:latin typeface="Calibri" panose="020F0502020204030204" pitchFamily="34" charset="0"/>
-              <a:cs typeface="Calibri" panose="020F0502020204030204" pitchFamily="34" charset="0"/>
-            </a:endParaRPr>
-          </a:p>
-          <a:p>
-            <a:pPr algn="just" eaLnBrk="1" hangingPunct="1">
-              <a:buFont typeface="Arial" panose="020B0604020202020204" pitchFamily="34" charset="0"/>
-              <a:buChar char="•"/>
-              <a:defRPr/>
-            </a:pPr>
-            <a:r>
-              <a:rPr lang="pt-BR" sz="2600" dirty="0">
-                <a:solidFill>
-                  <a:schemeClr val="tx2">
-                    <a:lumMod val="75000"/>
-                  </a:schemeClr>
-                </a:solidFill>
-                <a:latin typeface="Calibri (Corpo)"/>
-                <a:cs typeface="Calibri" panose="020F0502020204030204" pitchFamily="34" charset="0"/>
-              </a:rPr>
-              <a:t>Manter Custos</a:t>
-            </a:r>
-          </a:p>
-          <a:p>
-            <a:pPr lvl="1" algn="just" eaLnBrk="1" hangingPunct="1">
-              <a:buFont typeface="Arial" panose="020B0604020202020204" pitchFamily="34" charset="0"/>
-              <a:buChar char="•"/>
-              <a:defRPr/>
-            </a:pPr>
-            <a:r>
-              <a:rPr lang="pt-BR" sz="1850" dirty="0">
-                <a:solidFill>
-                  <a:schemeClr val="tx2">
-                    <a:lumMod val="75000"/>
-                  </a:schemeClr>
-                </a:solidFill>
-                <a:latin typeface="+mn-lt"/>
-                <a:ea typeface="+mn-ea"/>
-                <a:cs typeface="+mn-cs"/>
-              </a:rPr>
-              <a:t>Permite a manutenção de custos da clínica.</a:t>
-            </a:r>
-          </a:p>
-          <a:p>
-            <a:pPr marL="457200" lvl="1" indent="0" algn="just" eaLnBrk="1" hangingPunct="1">
-              <a:defRPr/>
-            </a:pPr>
-            <a:endParaRPr lang="pt-BR" sz="1800" dirty="0">
-              <a:solidFill>
-                <a:schemeClr val="tx2">
-                  <a:lumMod val="75000"/>
-                </a:schemeClr>
-              </a:solidFill>
-              <a:latin typeface="Calibri" panose="020F0502020204030204" pitchFamily="34" charset="0"/>
-              <a:cs typeface="Calibri" panose="020F0502020204030204" pitchFamily="34" charset="0"/>
-            </a:endParaRPr>
-          </a:p>
-          <a:p>
-            <a:pPr algn="just" eaLnBrk="1" hangingPunct="1">
-              <a:buFont typeface="Arial" panose="020B0604020202020204" pitchFamily="34" charset="0"/>
-              <a:buChar char="•"/>
-              <a:defRPr/>
-            </a:pPr>
-            <a:r>
-              <a:rPr lang="pt-BR" sz="2600" dirty="0">
-                <a:solidFill>
-                  <a:schemeClr val="tx2">
-                    <a:lumMod val="75000"/>
-                  </a:schemeClr>
-                </a:solidFill>
-                <a:latin typeface="Calibri (Corpo)"/>
-                <a:cs typeface="Calibri" panose="020F0502020204030204" pitchFamily="34" charset="0"/>
-              </a:rPr>
-              <a:t>Gerar Relatórios</a:t>
-            </a:r>
-          </a:p>
-          <a:p>
-            <a:pPr lvl="1" algn="just" eaLnBrk="1" hangingPunct="1">
-              <a:buFont typeface="Arial" panose="020B0604020202020204" pitchFamily="34" charset="0"/>
-              <a:buChar char="•"/>
-              <a:defRPr/>
-            </a:pPr>
-            <a:r>
-              <a:rPr lang="pt-BR" sz="1850" dirty="0">
-                <a:solidFill>
-                  <a:schemeClr val="tx2">
-                    <a:lumMod val="75000"/>
-                  </a:schemeClr>
-                </a:solidFill>
-                <a:latin typeface="+mn-lt"/>
-                <a:ea typeface="+mn-ea"/>
-                <a:cs typeface="+mn-cs"/>
-              </a:rPr>
-              <a:t>Emitir relatórios por períodos, tipo de serviço prestado e por pagantes e devedores.</a:t>
+              <a:rPr lang="pt-BR" dirty="0"/>
+              <a:t>MÓDULO PACIENTE</a:t>
             </a:r>
           </a:p>
         </p:txBody>
       </p:sp>
-      <p:sp>
-        <p:nvSpPr>
-          <p:cNvPr id="3" name="Título 3"/>
-          <p:cNvSpPr txBox="1">
-            <a:spLocks/>
-          </p:cNvSpPr>
+      <p:pic>
+        <p:nvPicPr>
+          <p:cNvPr id="3" name="Picture 2">
+            <a:extLst>
+              <a:ext uri="{FF2B5EF4-FFF2-40B4-BE49-F238E27FC236}">
+                <a16:creationId xmlns:a16="http://schemas.microsoft.com/office/drawing/2014/main" id="{1488CEA1-615B-4D4C-A130-F1FD32F916CA}"/>
+              </a:ext>
+            </a:extLst>
+          </p:cNvPr>
+          <p:cNvPicPr>
+            <a:picLocks noChangeAspect="1"/>
+          </p:cNvPicPr>
           <p:nvPr/>
-        </p:nvSpPr>
+        </p:nvPicPr>
+        <p:blipFill>
+          <a:blip r:embed="rId2" cstate="print">
+            <a:extLst>
+              <a:ext uri="{28A0092B-C50C-407E-A947-70E740481C1C}">
+                <a14:useLocalDpi xmlns:a14="http://schemas.microsoft.com/office/drawing/2010/main" val="0"/>
+              </a:ext>
+            </a:extLst>
+          </a:blip>
+          <a:stretch>
+            <a:fillRect/>
+          </a:stretch>
+        </p:blipFill>
         <p:spPr>
           <a:xfrm>
-            <a:off x="2123728" y="188640"/>
-            <a:ext cx="8797925" cy="922338"/>
+            <a:off x="2231534" y="1182688"/>
+            <a:ext cx="4806891" cy="5675312"/>
           </a:xfrm>
           <a:prstGeom prst="rect">
             <a:avLst/>
           </a:prstGeom>
         </p:spPr>
-        <p:txBody>
-          <a:bodyPr/>
-          <a:lstStyle>
-            <a:lvl1pPr algn="ctr" rtl="0" eaLnBrk="0" fontAlgn="base" hangingPunct="0">
-              <a:spcBef>
-                <a:spcPct val="0"/>
-              </a:spcBef>
-              <a:spcAft>
-                <a:spcPct val="0"/>
-              </a:spcAft>
-              <a:defRPr sz="4400" kern="1200">
-                <a:solidFill>
-                  <a:schemeClr val="tx1"/>
-                </a:solidFill>
-                <a:latin typeface="Verdana" pitchFamily="34" charset="0"/>
-                <a:ea typeface="Verdana" pitchFamily="34" charset="0"/>
-                <a:cs typeface="Verdana" pitchFamily="34" charset="0"/>
-              </a:defRPr>
-            </a:lvl1pPr>
-            <a:lvl2pPr algn="ctr" rtl="0" eaLnBrk="0" fontAlgn="base" hangingPunct="0">
-              <a:spcBef>
-                <a:spcPct val="0"/>
-              </a:spcBef>
-              <a:spcAft>
-                <a:spcPct val="0"/>
-              </a:spcAft>
-              <a:defRPr sz="4400">
-                <a:solidFill>
-                  <a:schemeClr val="tx1"/>
-                </a:solidFill>
-                <a:latin typeface="Verdana" pitchFamily="34" charset="0"/>
-                <a:ea typeface="Verdana" pitchFamily="34" charset="0"/>
-                <a:cs typeface="Verdana" pitchFamily="34" charset="0"/>
-              </a:defRPr>
-            </a:lvl2pPr>
-            <a:lvl3pPr algn="ctr" rtl="0" eaLnBrk="0" fontAlgn="base" hangingPunct="0">
-              <a:spcBef>
-                <a:spcPct val="0"/>
-              </a:spcBef>
-              <a:spcAft>
-                <a:spcPct val="0"/>
-              </a:spcAft>
-              <a:defRPr sz="4400">
-                <a:solidFill>
-                  <a:schemeClr val="tx1"/>
-                </a:solidFill>
-                <a:latin typeface="Verdana" pitchFamily="34" charset="0"/>
-                <a:ea typeface="Verdana" pitchFamily="34" charset="0"/>
-                <a:cs typeface="Verdana" pitchFamily="34" charset="0"/>
-              </a:defRPr>
-            </a:lvl3pPr>
-            <a:lvl4pPr algn="ctr" rtl="0" eaLnBrk="0" fontAlgn="base" hangingPunct="0">
-              <a:spcBef>
-                <a:spcPct val="0"/>
-              </a:spcBef>
-              <a:spcAft>
-                <a:spcPct val="0"/>
-              </a:spcAft>
-              <a:defRPr sz="4400">
-                <a:solidFill>
-                  <a:schemeClr val="tx1"/>
-                </a:solidFill>
-                <a:latin typeface="Verdana" pitchFamily="34" charset="0"/>
-                <a:ea typeface="Verdana" pitchFamily="34" charset="0"/>
-                <a:cs typeface="Verdana" pitchFamily="34" charset="0"/>
-              </a:defRPr>
-            </a:lvl4pPr>
-            <a:lvl5pPr algn="ctr" rtl="0" eaLnBrk="0" fontAlgn="base" hangingPunct="0">
-              <a:spcBef>
-                <a:spcPct val="0"/>
-              </a:spcBef>
-              <a:spcAft>
-                <a:spcPct val="0"/>
-              </a:spcAft>
-              <a:defRPr sz="4400">
-                <a:solidFill>
-                  <a:schemeClr val="tx1"/>
-                </a:solidFill>
-                <a:latin typeface="Verdana" pitchFamily="34" charset="0"/>
-                <a:ea typeface="Verdana" pitchFamily="34" charset="0"/>
-                <a:cs typeface="Verdana" pitchFamily="34" charset="0"/>
-              </a:defRPr>
-            </a:lvl5pPr>
-            <a:lvl6pPr marL="457200" algn="ctr" rtl="0" fontAlgn="base">
-              <a:spcBef>
-                <a:spcPct val="0"/>
-              </a:spcBef>
-              <a:spcAft>
-                <a:spcPct val="0"/>
-              </a:spcAft>
-              <a:defRPr sz="4400">
-                <a:solidFill>
-                  <a:schemeClr val="tx1"/>
-                </a:solidFill>
-                <a:latin typeface="Verdana" pitchFamily="34" charset="0"/>
-                <a:ea typeface="Verdana" pitchFamily="34" charset="0"/>
-                <a:cs typeface="Verdana" pitchFamily="34" charset="0"/>
-              </a:defRPr>
-            </a:lvl6pPr>
-            <a:lvl7pPr marL="914400" algn="ctr" rtl="0" fontAlgn="base">
-              <a:spcBef>
-                <a:spcPct val="0"/>
-              </a:spcBef>
-              <a:spcAft>
-                <a:spcPct val="0"/>
-              </a:spcAft>
-              <a:defRPr sz="4400">
-                <a:solidFill>
-                  <a:schemeClr val="tx1"/>
-                </a:solidFill>
-                <a:latin typeface="Verdana" pitchFamily="34" charset="0"/>
-                <a:ea typeface="Verdana" pitchFamily="34" charset="0"/>
-                <a:cs typeface="Verdana" pitchFamily="34" charset="0"/>
-              </a:defRPr>
-            </a:lvl7pPr>
-            <a:lvl8pPr marL="1371600" algn="ctr" rtl="0" fontAlgn="base">
-              <a:spcBef>
-                <a:spcPct val="0"/>
-              </a:spcBef>
-              <a:spcAft>
-                <a:spcPct val="0"/>
-              </a:spcAft>
-              <a:defRPr sz="4400">
-                <a:solidFill>
-                  <a:schemeClr val="tx1"/>
-                </a:solidFill>
-                <a:latin typeface="Verdana" pitchFamily="34" charset="0"/>
-                <a:ea typeface="Verdana" pitchFamily="34" charset="0"/>
-                <a:cs typeface="Verdana" pitchFamily="34" charset="0"/>
-              </a:defRPr>
-            </a:lvl8pPr>
-            <a:lvl9pPr marL="1828800" algn="ctr" rtl="0" fontAlgn="base">
-              <a:spcBef>
-                <a:spcPct val="0"/>
-              </a:spcBef>
-              <a:spcAft>
-                <a:spcPct val="0"/>
-              </a:spcAft>
-              <a:defRPr sz="4400">
-                <a:solidFill>
-                  <a:schemeClr val="tx1"/>
-                </a:solidFill>
-                <a:latin typeface="Verdana" pitchFamily="34" charset="0"/>
-                <a:ea typeface="Verdana" pitchFamily="34" charset="0"/>
-                <a:cs typeface="Verdana" pitchFamily="34" charset="0"/>
-              </a:defRPr>
-            </a:lvl9pPr>
-          </a:lstStyle>
-          <a:p>
-            <a:pPr eaLnBrk="1" hangingPunct="1">
-              <a:defRPr/>
-            </a:pPr>
-            <a:r>
-              <a:rPr lang="pt-BR" sz="3600" b="1" dirty="0">
-                <a:solidFill>
-                  <a:schemeClr val="accent1">
-                    <a:lumMod val="50000"/>
-                  </a:schemeClr>
-                </a:solidFill>
-                <a:latin typeface="Arial" pitchFamily="34" charset="0"/>
-                <a:cs typeface="Arial" pitchFamily="34" charset="0"/>
-              </a:rPr>
-              <a:t>MÓDULO FINANCEIRO</a:t>
-            </a:r>
-          </a:p>
-        </p:txBody>
-      </p:sp>
+      </p:pic>
     </p:spTree>
-    <p:extLst>
-      <p:ext uri="{BB962C8B-B14F-4D97-AF65-F5344CB8AC3E}">
-        <p14:creationId xmlns:p14="http://schemas.microsoft.com/office/powerpoint/2010/main" val="3812644496"/>
-      </p:ext>
-    </p:extLst>
   </p:cSld>
   <p:clrMapOvr>
     <a:masterClrMapping/>
   </p:clrMapOvr>
+  <p:transition spd="med">
+    <p:fade/>
+  </p:transition>
 </p:sld>
 </file>
 
@@ -8174,2211 +8557,6 @@
       </p:grpSpPr>
       <p:sp>
         <p:nvSpPr>
-          <p:cNvPr id="5" name="Título 3"/>
-          <p:cNvSpPr txBox="1">
-            <a:spLocks/>
-          </p:cNvSpPr>
-          <p:nvPr/>
-        </p:nvSpPr>
-        <p:spPr>
-          <a:xfrm>
-            <a:off x="2123728" y="188640"/>
-            <a:ext cx="8797925" cy="922338"/>
-          </a:xfrm>
-          <a:prstGeom prst="rect">
-            <a:avLst/>
-          </a:prstGeom>
-        </p:spPr>
-        <p:txBody>
-          <a:bodyPr/>
-          <a:lstStyle>
-            <a:lvl1pPr algn="ctr" rtl="0" eaLnBrk="0" fontAlgn="base" hangingPunct="0">
-              <a:spcBef>
-                <a:spcPct val="0"/>
-              </a:spcBef>
-              <a:spcAft>
-                <a:spcPct val="0"/>
-              </a:spcAft>
-              <a:defRPr sz="4400" kern="1200">
-                <a:solidFill>
-                  <a:schemeClr val="tx1"/>
-                </a:solidFill>
-                <a:latin typeface="Verdana" pitchFamily="34" charset="0"/>
-                <a:ea typeface="Verdana" pitchFamily="34" charset="0"/>
-                <a:cs typeface="Verdana" pitchFamily="34" charset="0"/>
-              </a:defRPr>
-            </a:lvl1pPr>
-            <a:lvl2pPr algn="ctr" rtl="0" eaLnBrk="0" fontAlgn="base" hangingPunct="0">
-              <a:spcBef>
-                <a:spcPct val="0"/>
-              </a:spcBef>
-              <a:spcAft>
-                <a:spcPct val="0"/>
-              </a:spcAft>
-              <a:defRPr sz="4400">
-                <a:solidFill>
-                  <a:schemeClr val="tx1"/>
-                </a:solidFill>
-                <a:latin typeface="Verdana" pitchFamily="34" charset="0"/>
-                <a:ea typeface="Verdana" pitchFamily="34" charset="0"/>
-                <a:cs typeface="Verdana" pitchFamily="34" charset="0"/>
-              </a:defRPr>
-            </a:lvl2pPr>
-            <a:lvl3pPr algn="ctr" rtl="0" eaLnBrk="0" fontAlgn="base" hangingPunct="0">
-              <a:spcBef>
-                <a:spcPct val="0"/>
-              </a:spcBef>
-              <a:spcAft>
-                <a:spcPct val="0"/>
-              </a:spcAft>
-              <a:defRPr sz="4400">
-                <a:solidFill>
-                  <a:schemeClr val="tx1"/>
-                </a:solidFill>
-                <a:latin typeface="Verdana" pitchFamily="34" charset="0"/>
-                <a:ea typeface="Verdana" pitchFamily="34" charset="0"/>
-                <a:cs typeface="Verdana" pitchFamily="34" charset="0"/>
-              </a:defRPr>
-            </a:lvl3pPr>
-            <a:lvl4pPr algn="ctr" rtl="0" eaLnBrk="0" fontAlgn="base" hangingPunct="0">
-              <a:spcBef>
-                <a:spcPct val="0"/>
-              </a:spcBef>
-              <a:spcAft>
-                <a:spcPct val="0"/>
-              </a:spcAft>
-              <a:defRPr sz="4400">
-                <a:solidFill>
-                  <a:schemeClr val="tx1"/>
-                </a:solidFill>
-                <a:latin typeface="Verdana" pitchFamily="34" charset="0"/>
-                <a:ea typeface="Verdana" pitchFamily="34" charset="0"/>
-                <a:cs typeface="Verdana" pitchFamily="34" charset="0"/>
-              </a:defRPr>
-            </a:lvl4pPr>
-            <a:lvl5pPr algn="ctr" rtl="0" eaLnBrk="0" fontAlgn="base" hangingPunct="0">
-              <a:spcBef>
-                <a:spcPct val="0"/>
-              </a:spcBef>
-              <a:spcAft>
-                <a:spcPct val="0"/>
-              </a:spcAft>
-              <a:defRPr sz="4400">
-                <a:solidFill>
-                  <a:schemeClr val="tx1"/>
-                </a:solidFill>
-                <a:latin typeface="Verdana" pitchFamily="34" charset="0"/>
-                <a:ea typeface="Verdana" pitchFamily="34" charset="0"/>
-                <a:cs typeface="Verdana" pitchFamily="34" charset="0"/>
-              </a:defRPr>
-            </a:lvl5pPr>
-            <a:lvl6pPr marL="457200" algn="ctr" rtl="0" fontAlgn="base">
-              <a:spcBef>
-                <a:spcPct val="0"/>
-              </a:spcBef>
-              <a:spcAft>
-                <a:spcPct val="0"/>
-              </a:spcAft>
-              <a:defRPr sz="4400">
-                <a:solidFill>
-                  <a:schemeClr val="tx1"/>
-                </a:solidFill>
-                <a:latin typeface="Verdana" pitchFamily="34" charset="0"/>
-                <a:ea typeface="Verdana" pitchFamily="34" charset="0"/>
-                <a:cs typeface="Verdana" pitchFamily="34" charset="0"/>
-              </a:defRPr>
-            </a:lvl6pPr>
-            <a:lvl7pPr marL="914400" algn="ctr" rtl="0" fontAlgn="base">
-              <a:spcBef>
-                <a:spcPct val="0"/>
-              </a:spcBef>
-              <a:spcAft>
-                <a:spcPct val="0"/>
-              </a:spcAft>
-              <a:defRPr sz="4400">
-                <a:solidFill>
-                  <a:schemeClr val="tx1"/>
-                </a:solidFill>
-                <a:latin typeface="Verdana" pitchFamily="34" charset="0"/>
-                <a:ea typeface="Verdana" pitchFamily="34" charset="0"/>
-                <a:cs typeface="Verdana" pitchFamily="34" charset="0"/>
-              </a:defRPr>
-            </a:lvl7pPr>
-            <a:lvl8pPr marL="1371600" algn="ctr" rtl="0" fontAlgn="base">
-              <a:spcBef>
-                <a:spcPct val="0"/>
-              </a:spcBef>
-              <a:spcAft>
-                <a:spcPct val="0"/>
-              </a:spcAft>
-              <a:defRPr sz="4400">
-                <a:solidFill>
-                  <a:schemeClr val="tx1"/>
-                </a:solidFill>
-                <a:latin typeface="Verdana" pitchFamily="34" charset="0"/>
-                <a:ea typeface="Verdana" pitchFamily="34" charset="0"/>
-                <a:cs typeface="Verdana" pitchFamily="34" charset="0"/>
-              </a:defRPr>
-            </a:lvl8pPr>
-            <a:lvl9pPr marL="1828800" algn="ctr" rtl="0" fontAlgn="base">
-              <a:spcBef>
-                <a:spcPct val="0"/>
-              </a:spcBef>
-              <a:spcAft>
-                <a:spcPct val="0"/>
-              </a:spcAft>
-              <a:defRPr sz="4400">
-                <a:solidFill>
-                  <a:schemeClr val="tx1"/>
-                </a:solidFill>
-                <a:latin typeface="Verdana" pitchFamily="34" charset="0"/>
-                <a:ea typeface="Verdana" pitchFamily="34" charset="0"/>
-                <a:cs typeface="Verdana" pitchFamily="34" charset="0"/>
-              </a:defRPr>
-            </a:lvl9pPr>
-          </a:lstStyle>
-          <a:p>
-            <a:pPr eaLnBrk="1" hangingPunct="1">
-              <a:defRPr/>
-            </a:pPr>
-            <a:r>
-              <a:rPr lang="pt-BR" sz="3600" b="1" dirty="0">
-                <a:solidFill>
-                  <a:schemeClr val="accent1">
-                    <a:lumMod val="50000"/>
-                  </a:schemeClr>
-                </a:solidFill>
-                <a:latin typeface="Arial" pitchFamily="34" charset="0"/>
-                <a:cs typeface="Arial" pitchFamily="34" charset="0"/>
-              </a:rPr>
-              <a:t>MÓDULO FINANCEIRO</a:t>
-            </a:r>
-          </a:p>
-        </p:txBody>
-      </p:sp>
-      <p:pic>
-        <p:nvPicPr>
-          <p:cNvPr id="3" name="Imagem 2"/>
-          <p:cNvPicPr>
-            <a:picLocks noChangeAspect="1"/>
-          </p:cNvPicPr>
-          <p:nvPr/>
-        </p:nvPicPr>
-        <p:blipFill>
-          <a:blip r:embed="rId2">
-            <a:extLst>
-              <a:ext uri="{28A0092B-C50C-407E-A947-70E740481C1C}">
-                <a14:useLocalDpi xmlns:a14="http://schemas.microsoft.com/office/drawing/2010/main" val="0"/>
-              </a:ext>
-            </a:extLst>
-          </a:blip>
-          <a:stretch>
-            <a:fillRect/>
-          </a:stretch>
-        </p:blipFill>
-        <p:spPr>
-          <a:xfrm>
-            <a:off x="2770383" y="1199651"/>
-            <a:ext cx="3737303" cy="5616000"/>
-          </a:xfrm>
-          <a:prstGeom prst="rect">
-            <a:avLst/>
-          </a:prstGeom>
-        </p:spPr>
-      </p:pic>
-    </p:spTree>
-    <p:extLst>
-      <p:ext uri="{BB962C8B-B14F-4D97-AF65-F5344CB8AC3E}">
-        <p14:creationId xmlns:p14="http://schemas.microsoft.com/office/powerpoint/2010/main" val="1625217003"/>
-      </p:ext>
-    </p:extLst>
-  </p:cSld>
-  <p:clrMapOvr>
-    <a:masterClrMapping/>
-  </p:clrMapOvr>
-</p:sld>
-</file>
-
-<file path=ppt/slides/slide31.xml><?xml version="1.0" encoding="utf-8"?>
-<p:sld xmlns:a="http://schemas.openxmlformats.org/drawingml/2006/main" xmlns:r="http://schemas.openxmlformats.org/officeDocument/2006/relationships" xmlns:p="http://schemas.openxmlformats.org/presentationml/2006/main">
-  <p:cSld>
-    <p:spTree>
-      <p:nvGrpSpPr>
-        <p:cNvPr id="1" name=""/>
-        <p:cNvGrpSpPr/>
-        <p:nvPr/>
-      </p:nvGrpSpPr>
-      <p:grpSpPr>
-        <a:xfrm>
-          <a:off x="0" y="0"/>
-          <a:ext cx="0" cy="0"/>
-          <a:chOff x="0" y="0"/>
-          <a:chExt cx="0" cy="0"/>
-        </a:xfrm>
-      </p:grpSpPr>
-      <p:sp>
-        <p:nvSpPr>
-          <p:cNvPr id="6" name="Título 3"/>
-          <p:cNvSpPr txBox="1">
-            <a:spLocks/>
-          </p:cNvSpPr>
-          <p:nvPr/>
-        </p:nvSpPr>
-        <p:spPr>
-          <a:xfrm>
-            <a:off x="2123728" y="188640"/>
-            <a:ext cx="8797925" cy="922338"/>
-          </a:xfrm>
-          <a:prstGeom prst="rect">
-            <a:avLst/>
-          </a:prstGeom>
-        </p:spPr>
-        <p:txBody>
-          <a:bodyPr/>
-          <a:lstStyle>
-            <a:lvl1pPr algn="ctr" rtl="0" eaLnBrk="0" fontAlgn="base" hangingPunct="0">
-              <a:spcBef>
-                <a:spcPct val="0"/>
-              </a:spcBef>
-              <a:spcAft>
-                <a:spcPct val="0"/>
-              </a:spcAft>
-              <a:defRPr sz="4400" kern="1200">
-                <a:solidFill>
-                  <a:schemeClr val="tx1"/>
-                </a:solidFill>
-                <a:latin typeface="Verdana" pitchFamily="34" charset="0"/>
-                <a:ea typeface="Verdana" pitchFamily="34" charset="0"/>
-                <a:cs typeface="Verdana" pitchFamily="34" charset="0"/>
-              </a:defRPr>
-            </a:lvl1pPr>
-            <a:lvl2pPr algn="ctr" rtl="0" eaLnBrk="0" fontAlgn="base" hangingPunct="0">
-              <a:spcBef>
-                <a:spcPct val="0"/>
-              </a:spcBef>
-              <a:spcAft>
-                <a:spcPct val="0"/>
-              </a:spcAft>
-              <a:defRPr sz="4400">
-                <a:solidFill>
-                  <a:schemeClr val="tx1"/>
-                </a:solidFill>
-                <a:latin typeface="Verdana" pitchFamily="34" charset="0"/>
-                <a:ea typeface="Verdana" pitchFamily="34" charset="0"/>
-                <a:cs typeface="Verdana" pitchFamily="34" charset="0"/>
-              </a:defRPr>
-            </a:lvl2pPr>
-            <a:lvl3pPr algn="ctr" rtl="0" eaLnBrk="0" fontAlgn="base" hangingPunct="0">
-              <a:spcBef>
-                <a:spcPct val="0"/>
-              </a:spcBef>
-              <a:spcAft>
-                <a:spcPct val="0"/>
-              </a:spcAft>
-              <a:defRPr sz="4400">
-                <a:solidFill>
-                  <a:schemeClr val="tx1"/>
-                </a:solidFill>
-                <a:latin typeface="Verdana" pitchFamily="34" charset="0"/>
-                <a:ea typeface="Verdana" pitchFamily="34" charset="0"/>
-                <a:cs typeface="Verdana" pitchFamily="34" charset="0"/>
-              </a:defRPr>
-            </a:lvl3pPr>
-            <a:lvl4pPr algn="ctr" rtl="0" eaLnBrk="0" fontAlgn="base" hangingPunct="0">
-              <a:spcBef>
-                <a:spcPct val="0"/>
-              </a:spcBef>
-              <a:spcAft>
-                <a:spcPct val="0"/>
-              </a:spcAft>
-              <a:defRPr sz="4400">
-                <a:solidFill>
-                  <a:schemeClr val="tx1"/>
-                </a:solidFill>
-                <a:latin typeface="Verdana" pitchFamily="34" charset="0"/>
-                <a:ea typeface="Verdana" pitchFamily="34" charset="0"/>
-                <a:cs typeface="Verdana" pitchFamily="34" charset="0"/>
-              </a:defRPr>
-            </a:lvl4pPr>
-            <a:lvl5pPr algn="ctr" rtl="0" eaLnBrk="0" fontAlgn="base" hangingPunct="0">
-              <a:spcBef>
-                <a:spcPct val="0"/>
-              </a:spcBef>
-              <a:spcAft>
-                <a:spcPct val="0"/>
-              </a:spcAft>
-              <a:defRPr sz="4400">
-                <a:solidFill>
-                  <a:schemeClr val="tx1"/>
-                </a:solidFill>
-                <a:latin typeface="Verdana" pitchFamily="34" charset="0"/>
-                <a:ea typeface="Verdana" pitchFamily="34" charset="0"/>
-                <a:cs typeface="Verdana" pitchFamily="34" charset="0"/>
-              </a:defRPr>
-            </a:lvl5pPr>
-            <a:lvl6pPr marL="457200" algn="ctr" rtl="0" fontAlgn="base">
-              <a:spcBef>
-                <a:spcPct val="0"/>
-              </a:spcBef>
-              <a:spcAft>
-                <a:spcPct val="0"/>
-              </a:spcAft>
-              <a:defRPr sz="4400">
-                <a:solidFill>
-                  <a:schemeClr val="tx1"/>
-                </a:solidFill>
-                <a:latin typeface="Verdana" pitchFamily="34" charset="0"/>
-                <a:ea typeface="Verdana" pitchFamily="34" charset="0"/>
-                <a:cs typeface="Verdana" pitchFamily="34" charset="0"/>
-              </a:defRPr>
-            </a:lvl6pPr>
-            <a:lvl7pPr marL="914400" algn="ctr" rtl="0" fontAlgn="base">
-              <a:spcBef>
-                <a:spcPct val="0"/>
-              </a:spcBef>
-              <a:spcAft>
-                <a:spcPct val="0"/>
-              </a:spcAft>
-              <a:defRPr sz="4400">
-                <a:solidFill>
-                  <a:schemeClr val="tx1"/>
-                </a:solidFill>
-                <a:latin typeface="Verdana" pitchFamily="34" charset="0"/>
-                <a:ea typeface="Verdana" pitchFamily="34" charset="0"/>
-                <a:cs typeface="Verdana" pitchFamily="34" charset="0"/>
-              </a:defRPr>
-            </a:lvl7pPr>
-            <a:lvl8pPr marL="1371600" algn="ctr" rtl="0" fontAlgn="base">
-              <a:spcBef>
-                <a:spcPct val="0"/>
-              </a:spcBef>
-              <a:spcAft>
-                <a:spcPct val="0"/>
-              </a:spcAft>
-              <a:defRPr sz="4400">
-                <a:solidFill>
-                  <a:schemeClr val="tx1"/>
-                </a:solidFill>
-                <a:latin typeface="Verdana" pitchFamily="34" charset="0"/>
-                <a:ea typeface="Verdana" pitchFamily="34" charset="0"/>
-                <a:cs typeface="Verdana" pitchFamily="34" charset="0"/>
-              </a:defRPr>
-            </a:lvl8pPr>
-            <a:lvl9pPr marL="1828800" algn="ctr" rtl="0" fontAlgn="base">
-              <a:spcBef>
-                <a:spcPct val="0"/>
-              </a:spcBef>
-              <a:spcAft>
-                <a:spcPct val="0"/>
-              </a:spcAft>
-              <a:defRPr sz="4400">
-                <a:solidFill>
-                  <a:schemeClr val="tx1"/>
-                </a:solidFill>
-                <a:latin typeface="Verdana" pitchFamily="34" charset="0"/>
-                <a:ea typeface="Verdana" pitchFamily="34" charset="0"/>
-                <a:cs typeface="Verdana" pitchFamily="34" charset="0"/>
-              </a:defRPr>
-            </a:lvl9pPr>
-          </a:lstStyle>
-          <a:p>
-            <a:pPr eaLnBrk="1" hangingPunct="1">
-              <a:defRPr/>
-            </a:pPr>
-            <a:r>
-              <a:rPr lang="pt-BR" sz="3600" b="1" dirty="0">
-                <a:solidFill>
-                  <a:schemeClr val="accent1">
-                    <a:lumMod val="50000"/>
-                  </a:schemeClr>
-                </a:solidFill>
-                <a:latin typeface="Arial" pitchFamily="34" charset="0"/>
-                <a:cs typeface="Arial" pitchFamily="34" charset="0"/>
-              </a:rPr>
-              <a:t>MÓDULO FINANCEIRO</a:t>
-            </a:r>
-          </a:p>
-        </p:txBody>
-      </p:sp>
-      <p:pic>
-        <p:nvPicPr>
-          <p:cNvPr id="2" name="Imagem 1"/>
-          <p:cNvPicPr>
-            <a:picLocks noChangeAspect="1"/>
-          </p:cNvPicPr>
-          <p:nvPr/>
-        </p:nvPicPr>
-        <p:blipFill>
-          <a:blip r:embed="rId2">
-            <a:extLst>
-              <a:ext uri="{28A0092B-C50C-407E-A947-70E740481C1C}">
-                <a14:useLocalDpi xmlns:a14="http://schemas.microsoft.com/office/drawing/2010/main" val="0"/>
-              </a:ext>
-            </a:extLst>
-          </a:blip>
-          <a:stretch>
-            <a:fillRect/>
-          </a:stretch>
-        </p:blipFill>
-        <p:spPr>
-          <a:xfrm>
-            <a:off x="-11922" y="1527252"/>
-            <a:ext cx="9155922" cy="4227901"/>
-          </a:xfrm>
-          <a:prstGeom prst="rect">
-            <a:avLst/>
-          </a:prstGeom>
-        </p:spPr>
-      </p:pic>
-    </p:spTree>
-    <p:extLst>
-      <p:ext uri="{BB962C8B-B14F-4D97-AF65-F5344CB8AC3E}">
-        <p14:creationId xmlns:p14="http://schemas.microsoft.com/office/powerpoint/2010/main" val="1256551592"/>
-      </p:ext>
-    </p:extLst>
-  </p:cSld>
-  <p:clrMapOvr>
-    <a:masterClrMapping/>
-  </p:clrMapOvr>
-</p:sld>
-</file>
-
-<file path=ppt/slides/slide32.xml><?xml version="1.0" encoding="utf-8"?>
-<p:sld xmlns:a="http://schemas.openxmlformats.org/drawingml/2006/main" xmlns:r="http://schemas.openxmlformats.org/officeDocument/2006/relationships" xmlns:p="http://schemas.openxmlformats.org/presentationml/2006/main">
-  <p:cSld>
-    <p:spTree>
-      <p:nvGrpSpPr>
-        <p:cNvPr id="1" name=""/>
-        <p:cNvGrpSpPr/>
-        <p:nvPr/>
-      </p:nvGrpSpPr>
-      <p:grpSpPr>
-        <a:xfrm>
-          <a:off x="0" y="0"/>
-          <a:ext cx="0" cy="0"/>
-          <a:chOff x="0" y="0"/>
-          <a:chExt cx="0" cy="0"/>
-        </a:xfrm>
-      </p:grpSpPr>
-      <p:sp>
-        <p:nvSpPr>
-          <p:cNvPr id="7" name="Título 3"/>
-          <p:cNvSpPr txBox="1">
-            <a:spLocks/>
-          </p:cNvSpPr>
-          <p:nvPr/>
-        </p:nvSpPr>
-        <p:spPr>
-          <a:xfrm>
-            <a:off x="2123728" y="188640"/>
-            <a:ext cx="8797925" cy="922338"/>
-          </a:xfrm>
-          <a:prstGeom prst="rect">
-            <a:avLst/>
-          </a:prstGeom>
-        </p:spPr>
-        <p:txBody>
-          <a:bodyPr/>
-          <a:lstStyle>
-            <a:lvl1pPr algn="ctr" rtl="0" eaLnBrk="0" fontAlgn="base" hangingPunct="0">
-              <a:spcBef>
-                <a:spcPct val="0"/>
-              </a:spcBef>
-              <a:spcAft>
-                <a:spcPct val="0"/>
-              </a:spcAft>
-              <a:defRPr sz="4400" kern="1200">
-                <a:solidFill>
-                  <a:schemeClr val="tx1"/>
-                </a:solidFill>
-                <a:latin typeface="Verdana" pitchFamily="34" charset="0"/>
-                <a:ea typeface="Verdana" pitchFamily="34" charset="0"/>
-                <a:cs typeface="Verdana" pitchFamily="34" charset="0"/>
-              </a:defRPr>
-            </a:lvl1pPr>
-            <a:lvl2pPr algn="ctr" rtl="0" eaLnBrk="0" fontAlgn="base" hangingPunct="0">
-              <a:spcBef>
-                <a:spcPct val="0"/>
-              </a:spcBef>
-              <a:spcAft>
-                <a:spcPct val="0"/>
-              </a:spcAft>
-              <a:defRPr sz="4400">
-                <a:solidFill>
-                  <a:schemeClr val="tx1"/>
-                </a:solidFill>
-                <a:latin typeface="Verdana" pitchFamily="34" charset="0"/>
-                <a:ea typeface="Verdana" pitchFamily="34" charset="0"/>
-                <a:cs typeface="Verdana" pitchFamily="34" charset="0"/>
-              </a:defRPr>
-            </a:lvl2pPr>
-            <a:lvl3pPr algn="ctr" rtl="0" eaLnBrk="0" fontAlgn="base" hangingPunct="0">
-              <a:spcBef>
-                <a:spcPct val="0"/>
-              </a:spcBef>
-              <a:spcAft>
-                <a:spcPct val="0"/>
-              </a:spcAft>
-              <a:defRPr sz="4400">
-                <a:solidFill>
-                  <a:schemeClr val="tx1"/>
-                </a:solidFill>
-                <a:latin typeface="Verdana" pitchFamily="34" charset="0"/>
-                <a:ea typeface="Verdana" pitchFamily="34" charset="0"/>
-                <a:cs typeface="Verdana" pitchFamily="34" charset="0"/>
-              </a:defRPr>
-            </a:lvl3pPr>
-            <a:lvl4pPr algn="ctr" rtl="0" eaLnBrk="0" fontAlgn="base" hangingPunct="0">
-              <a:spcBef>
-                <a:spcPct val="0"/>
-              </a:spcBef>
-              <a:spcAft>
-                <a:spcPct val="0"/>
-              </a:spcAft>
-              <a:defRPr sz="4400">
-                <a:solidFill>
-                  <a:schemeClr val="tx1"/>
-                </a:solidFill>
-                <a:latin typeface="Verdana" pitchFamily="34" charset="0"/>
-                <a:ea typeface="Verdana" pitchFamily="34" charset="0"/>
-                <a:cs typeface="Verdana" pitchFamily="34" charset="0"/>
-              </a:defRPr>
-            </a:lvl4pPr>
-            <a:lvl5pPr algn="ctr" rtl="0" eaLnBrk="0" fontAlgn="base" hangingPunct="0">
-              <a:spcBef>
-                <a:spcPct val="0"/>
-              </a:spcBef>
-              <a:spcAft>
-                <a:spcPct val="0"/>
-              </a:spcAft>
-              <a:defRPr sz="4400">
-                <a:solidFill>
-                  <a:schemeClr val="tx1"/>
-                </a:solidFill>
-                <a:latin typeface="Verdana" pitchFamily="34" charset="0"/>
-                <a:ea typeface="Verdana" pitchFamily="34" charset="0"/>
-                <a:cs typeface="Verdana" pitchFamily="34" charset="0"/>
-              </a:defRPr>
-            </a:lvl5pPr>
-            <a:lvl6pPr marL="457200" algn="ctr" rtl="0" fontAlgn="base">
-              <a:spcBef>
-                <a:spcPct val="0"/>
-              </a:spcBef>
-              <a:spcAft>
-                <a:spcPct val="0"/>
-              </a:spcAft>
-              <a:defRPr sz="4400">
-                <a:solidFill>
-                  <a:schemeClr val="tx1"/>
-                </a:solidFill>
-                <a:latin typeface="Verdana" pitchFamily="34" charset="0"/>
-                <a:ea typeface="Verdana" pitchFamily="34" charset="0"/>
-                <a:cs typeface="Verdana" pitchFamily="34" charset="0"/>
-              </a:defRPr>
-            </a:lvl6pPr>
-            <a:lvl7pPr marL="914400" algn="ctr" rtl="0" fontAlgn="base">
-              <a:spcBef>
-                <a:spcPct val="0"/>
-              </a:spcBef>
-              <a:spcAft>
-                <a:spcPct val="0"/>
-              </a:spcAft>
-              <a:defRPr sz="4400">
-                <a:solidFill>
-                  <a:schemeClr val="tx1"/>
-                </a:solidFill>
-                <a:latin typeface="Verdana" pitchFamily="34" charset="0"/>
-                <a:ea typeface="Verdana" pitchFamily="34" charset="0"/>
-                <a:cs typeface="Verdana" pitchFamily="34" charset="0"/>
-              </a:defRPr>
-            </a:lvl7pPr>
-            <a:lvl8pPr marL="1371600" algn="ctr" rtl="0" fontAlgn="base">
-              <a:spcBef>
-                <a:spcPct val="0"/>
-              </a:spcBef>
-              <a:spcAft>
-                <a:spcPct val="0"/>
-              </a:spcAft>
-              <a:defRPr sz="4400">
-                <a:solidFill>
-                  <a:schemeClr val="tx1"/>
-                </a:solidFill>
-                <a:latin typeface="Verdana" pitchFamily="34" charset="0"/>
-                <a:ea typeface="Verdana" pitchFamily="34" charset="0"/>
-                <a:cs typeface="Verdana" pitchFamily="34" charset="0"/>
-              </a:defRPr>
-            </a:lvl8pPr>
-            <a:lvl9pPr marL="1828800" algn="ctr" rtl="0" fontAlgn="base">
-              <a:spcBef>
-                <a:spcPct val="0"/>
-              </a:spcBef>
-              <a:spcAft>
-                <a:spcPct val="0"/>
-              </a:spcAft>
-              <a:defRPr sz="4400">
-                <a:solidFill>
-                  <a:schemeClr val="tx1"/>
-                </a:solidFill>
-                <a:latin typeface="Verdana" pitchFamily="34" charset="0"/>
-                <a:ea typeface="Verdana" pitchFamily="34" charset="0"/>
-                <a:cs typeface="Verdana" pitchFamily="34" charset="0"/>
-              </a:defRPr>
-            </a:lvl9pPr>
-          </a:lstStyle>
-          <a:p>
-            <a:pPr eaLnBrk="1" hangingPunct="1">
-              <a:defRPr/>
-            </a:pPr>
-            <a:r>
-              <a:rPr lang="pt-BR" sz="3600" b="1" dirty="0">
-                <a:solidFill>
-                  <a:schemeClr val="accent1">
-                    <a:lumMod val="50000"/>
-                  </a:schemeClr>
-                </a:solidFill>
-                <a:latin typeface="Arial" pitchFamily="34" charset="0"/>
-                <a:cs typeface="Arial" pitchFamily="34" charset="0"/>
-              </a:rPr>
-              <a:t>MÓDULO FINANCEIRO</a:t>
-            </a:r>
-          </a:p>
-        </p:txBody>
-      </p:sp>
-      <p:pic>
-        <p:nvPicPr>
-          <p:cNvPr id="3" name="Imagem 2"/>
-          <p:cNvPicPr>
-            <a:picLocks noChangeAspect="1"/>
-          </p:cNvPicPr>
-          <p:nvPr/>
-        </p:nvPicPr>
-        <p:blipFill>
-          <a:blip r:embed="rId2">
-            <a:extLst>
-              <a:ext uri="{28A0092B-C50C-407E-A947-70E740481C1C}">
-                <a14:useLocalDpi xmlns:a14="http://schemas.microsoft.com/office/drawing/2010/main" val="0"/>
-              </a:ext>
-            </a:extLst>
-          </a:blip>
-          <a:stretch>
-            <a:fillRect/>
-          </a:stretch>
-        </p:blipFill>
-        <p:spPr>
-          <a:xfrm>
-            <a:off x="0" y="1700808"/>
-            <a:ext cx="9144000" cy="3756011"/>
-          </a:xfrm>
-          <a:prstGeom prst="rect">
-            <a:avLst/>
-          </a:prstGeom>
-        </p:spPr>
-      </p:pic>
-    </p:spTree>
-    <p:extLst>
-      <p:ext uri="{BB962C8B-B14F-4D97-AF65-F5344CB8AC3E}">
-        <p14:creationId xmlns:p14="http://schemas.microsoft.com/office/powerpoint/2010/main" val="3402891464"/>
-      </p:ext>
-    </p:extLst>
-  </p:cSld>
-  <p:clrMapOvr>
-    <a:masterClrMapping/>
-  </p:clrMapOvr>
-</p:sld>
-</file>
-
-<file path=ppt/slides/slide33.xml><?xml version="1.0" encoding="utf-8"?>
-<p:sld xmlns:a="http://schemas.openxmlformats.org/drawingml/2006/main" xmlns:r="http://schemas.openxmlformats.org/officeDocument/2006/relationships" xmlns:p="http://schemas.openxmlformats.org/presentationml/2006/main">
-  <p:cSld>
-    <p:spTree>
-      <p:nvGrpSpPr>
-        <p:cNvPr id="1" name=""/>
-        <p:cNvGrpSpPr/>
-        <p:nvPr/>
-      </p:nvGrpSpPr>
-      <p:grpSpPr>
-        <a:xfrm>
-          <a:off x="0" y="0"/>
-          <a:ext cx="0" cy="0"/>
-          <a:chOff x="0" y="0"/>
-          <a:chExt cx="0" cy="0"/>
-        </a:xfrm>
-      </p:grpSpPr>
-      <p:sp>
-        <p:nvSpPr>
-          <p:cNvPr id="5" name="Título 3"/>
-          <p:cNvSpPr txBox="1">
-            <a:spLocks/>
-          </p:cNvSpPr>
-          <p:nvPr/>
-        </p:nvSpPr>
-        <p:spPr>
-          <a:xfrm>
-            <a:off x="2123728" y="188640"/>
-            <a:ext cx="8797925" cy="922338"/>
-          </a:xfrm>
-          <a:prstGeom prst="rect">
-            <a:avLst/>
-          </a:prstGeom>
-        </p:spPr>
-        <p:txBody>
-          <a:bodyPr/>
-          <a:lstStyle>
-            <a:lvl1pPr algn="ctr" rtl="0" eaLnBrk="0" fontAlgn="base" hangingPunct="0">
-              <a:spcBef>
-                <a:spcPct val="0"/>
-              </a:spcBef>
-              <a:spcAft>
-                <a:spcPct val="0"/>
-              </a:spcAft>
-              <a:defRPr sz="4400" kern="1200">
-                <a:solidFill>
-                  <a:schemeClr val="tx1"/>
-                </a:solidFill>
-                <a:latin typeface="Verdana" pitchFamily="34" charset="0"/>
-                <a:ea typeface="Verdana" pitchFamily="34" charset="0"/>
-                <a:cs typeface="Verdana" pitchFamily="34" charset="0"/>
-              </a:defRPr>
-            </a:lvl1pPr>
-            <a:lvl2pPr algn="ctr" rtl="0" eaLnBrk="0" fontAlgn="base" hangingPunct="0">
-              <a:spcBef>
-                <a:spcPct val="0"/>
-              </a:spcBef>
-              <a:spcAft>
-                <a:spcPct val="0"/>
-              </a:spcAft>
-              <a:defRPr sz="4400">
-                <a:solidFill>
-                  <a:schemeClr val="tx1"/>
-                </a:solidFill>
-                <a:latin typeface="Verdana" pitchFamily="34" charset="0"/>
-                <a:ea typeface="Verdana" pitchFamily="34" charset="0"/>
-                <a:cs typeface="Verdana" pitchFamily="34" charset="0"/>
-              </a:defRPr>
-            </a:lvl2pPr>
-            <a:lvl3pPr algn="ctr" rtl="0" eaLnBrk="0" fontAlgn="base" hangingPunct="0">
-              <a:spcBef>
-                <a:spcPct val="0"/>
-              </a:spcBef>
-              <a:spcAft>
-                <a:spcPct val="0"/>
-              </a:spcAft>
-              <a:defRPr sz="4400">
-                <a:solidFill>
-                  <a:schemeClr val="tx1"/>
-                </a:solidFill>
-                <a:latin typeface="Verdana" pitchFamily="34" charset="0"/>
-                <a:ea typeface="Verdana" pitchFamily="34" charset="0"/>
-                <a:cs typeface="Verdana" pitchFamily="34" charset="0"/>
-              </a:defRPr>
-            </a:lvl3pPr>
-            <a:lvl4pPr algn="ctr" rtl="0" eaLnBrk="0" fontAlgn="base" hangingPunct="0">
-              <a:spcBef>
-                <a:spcPct val="0"/>
-              </a:spcBef>
-              <a:spcAft>
-                <a:spcPct val="0"/>
-              </a:spcAft>
-              <a:defRPr sz="4400">
-                <a:solidFill>
-                  <a:schemeClr val="tx1"/>
-                </a:solidFill>
-                <a:latin typeface="Verdana" pitchFamily="34" charset="0"/>
-                <a:ea typeface="Verdana" pitchFamily="34" charset="0"/>
-                <a:cs typeface="Verdana" pitchFamily="34" charset="0"/>
-              </a:defRPr>
-            </a:lvl4pPr>
-            <a:lvl5pPr algn="ctr" rtl="0" eaLnBrk="0" fontAlgn="base" hangingPunct="0">
-              <a:spcBef>
-                <a:spcPct val="0"/>
-              </a:spcBef>
-              <a:spcAft>
-                <a:spcPct val="0"/>
-              </a:spcAft>
-              <a:defRPr sz="4400">
-                <a:solidFill>
-                  <a:schemeClr val="tx1"/>
-                </a:solidFill>
-                <a:latin typeface="Verdana" pitchFamily="34" charset="0"/>
-                <a:ea typeface="Verdana" pitchFamily="34" charset="0"/>
-                <a:cs typeface="Verdana" pitchFamily="34" charset="0"/>
-              </a:defRPr>
-            </a:lvl5pPr>
-            <a:lvl6pPr marL="457200" algn="ctr" rtl="0" fontAlgn="base">
-              <a:spcBef>
-                <a:spcPct val="0"/>
-              </a:spcBef>
-              <a:spcAft>
-                <a:spcPct val="0"/>
-              </a:spcAft>
-              <a:defRPr sz="4400">
-                <a:solidFill>
-                  <a:schemeClr val="tx1"/>
-                </a:solidFill>
-                <a:latin typeface="Verdana" pitchFamily="34" charset="0"/>
-                <a:ea typeface="Verdana" pitchFamily="34" charset="0"/>
-                <a:cs typeface="Verdana" pitchFamily="34" charset="0"/>
-              </a:defRPr>
-            </a:lvl6pPr>
-            <a:lvl7pPr marL="914400" algn="ctr" rtl="0" fontAlgn="base">
-              <a:spcBef>
-                <a:spcPct val="0"/>
-              </a:spcBef>
-              <a:spcAft>
-                <a:spcPct val="0"/>
-              </a:spcAft>
-              <a:defRPr sz="4400">
-                <a:solidFill>
-                  <a:schemeClr val="tx1"/>
-                </a:solidFill>
-                <a:latin typeface="Verdana" pitchFamily="34" charset="0"/>
-                <a:ea typeface="Verdana" pitchFamily="34" charset="0"/>
-                <a:cs typeface="Verdana" pitchFamily="34" charset="0"/>
-              </a:defRPr>
-            </a:lvl7pPr>
-            <a:lvl8pPr marL="1371600" algn="ctr" rtl="0" fontAlgn="base">
-              <a:spcBef>
-                <a:spcPct val="0"/>
-              </a:spcBef>
-              <a:spcAft>
-                <a:spcPct val="0"/>
-              </a:spcAft>
-              <a:defRPr sz="4400">
-                <a:solidFill>
-                  <a:schemeClr val="tx1"/>
-                </a:solidFill>
-                <a:latin typeface="Verdana" pitchFamily="34" charset="0"/>
-                <a:ea typeface="Verdana" pitchFamily="34" charset="0"/>
-                <a:cs typeface="Verdana" pitchFamily="34" charset="0"/>
-              </a:defRPr>
-            </a:lvl8pPr>
-            <a:lvl9pPr marL="1828800" algn="ctr" rtl="0" fontAlgn="base">
-              <a:spcBef>
-                <a:spcPct val="0"/>
-              </a:spcBef>
-              <a:spcAft>
-                <a:spcPct val="0"/>
-              </a:spcAft>
-              <a:defRPr sz="4400">
-                <a:solidFill>
-                  <a:schemeClr val="tx1"/>
-                </a:solidFill>
-                <a:latin typeface="Verdana" pitchFamily="34" charset="0"/>
-                <a:ea typeface="Verdana" pitchFamily="34" charset="0"/>
-                <a:cs typeface="Verdana" pitchFamily="34" charset="0"/>
-              </a:defRPr>
-            </a:lvl9pPr>
-          </a:lstStyle>
-          <a:p>
-            <a:pPr eaLnBrk="1" hangingPunct="1">
-              <a:defRPr/>
-            </a:pPr>
-            <a:r>
-              <a:rPr lang="pt-BR" sz="3600" b="1" dirty="0">
-                <a:solidFill>
-                  <a:schemeClr val="accent1">
-                    <a:lumMod val="50000"/>
-                  </a:schemeClr>
-                </a:solidFill>
-                <a:latin typeface="Arial" pitchFamily="34" charset="0"/>
-                <a:cs typeface="Arial" pitchFamily="34" charset="0"/>
-              </a:rPr>
-              <a:t>MÓDULO FINANCEIRO</a:t>
-            </a:r>
-          </a:p>
-        </p:txBody>
-      </p:sp>
-      <p:pic>
-        <p:nvPicPr>
-          <p:cNvPr id="2" name="Imagem 1"/>
-          <p:cNvPicPr>
-            <a:picLocks noChangeAspect="1"/>
-          </p:cNvPicPr>
-          <p:nvPr/>
-        </p:nvPicPr>
-        <p:blipFill>
-          <a:blip r:embed="rId2">
-            <a:extLst>
-              <a:ext uri="{28A0092B-C50C-407E-A947-70E740481C1C}">
-                <a14:useLocalDpi xmlns:a14="http://schemas.microsoft.com/office/drawing/2010/main" val="0"/>
-              </a:ext>
-            </a:extLst>
-          </a:blip>
-          <a:stretch>
-            <a:fillRect/>
-          </a:stretch>
-        </p:blipFill>
-        <p:spPr>
-          <a:xfrm>
-            <a:off x="107505" y="1260216"/>
-            <a:ext cx="9036495" cy="5625168"/>
-          </a:xfrm>
-          <a:prstGeom prst="rect">
-            <a:avLst/>
-          </a:prstGeom>
-        </p:spPr>
-      </p:pic>
-    </p:spTree>
-    <p:extLst>
-      <p:ext uri="{BB962C8B-B14F-4D97-AF65-F5344CB8AC3E}">
-        <p14:creationId xmlns:p14="http://schemas.microsoft.com/office/powerpoint/2010/main" val="2843391693"/>
-      </p:ext>
-    </p:extLst>
-  </p:cSld>
-  <p:clrMapOvr>
-    <a:masterClrMapping/>
-  </p:clrMapOvr>
-</p:sld>
-</file>
-
-<file path=ppt/slides/slide34.xml><?xml version="1.0" encoding="utf-8"?>
-<p:sld xmlns:a="http://schemas.openxmlformats.org/drawingml/2006/main" xmlns:r="http://schemas.openxmlformats.org/officeDocument/2006/relationships" xmlns:p="http://schemas.openxmlformats.org/presentationml/2006/main">
-  <p:cSld>
-    <p:spTree>
-      <p:nvGrpSpPr>
-        <p:cNvPr id="1" name=""/>
-        <p:cNvGrpSpPr/>
-        <p:nvPr/>
-      </p:nvGrpSpPr>
-      <p:grpSpPr>
-        <a:xfrm>
-          <a:off x="0" y="0"/>
-          <a:ext cx="0" cy="0"/>
-          <a:chOff x="0" y="0"/>
-          <a:chExt cx="0" cy="0"/>
-        </a:xfrm>
-      </p:grpSpPr>
-      <p:sp>
-        <p:nvSpPr>
-          <p:cNvPr id="5" name="Título 3"/>
-          <p:cNvSpPr txBox="1">
-            <a:spLocks/>
-          </p:cNvSpPr>
-          <p:nvPr/>
-        </p:nvSpPr>
-        <p:spPr>
-          <a:xfrm>
-            <a:off x="2123728" y="188640"/>
-            <a:ext cx="8797925" cy="922338"/>
-          </a:xfrm>
-          <a:prstGeom prst="rect">
-            <a:avLst/>
-          </a:prstGeom>
-        </p:spPr>
-        <p:txBody>
-          <a:bodyPr/>
-          <a:lstStyle>
-            <a:lvl1pPr algn="ctr" rtl="0" eaLnBrk="0" fontAlgn="base" hangingPunct="0">
-              <a:spcBef>
-                <a:spcPct val="0"/>
-              </a:spcBef>
-              <a:spcAft>
-                <a:spcPct val="0"/>
-              </a:spcAft>
-              <a:defRPr sz="4400" kern="1200">
-                <a:solidFill>
-                  <a:schemeClr val="tx1"/>
-                </a:solidFill>
-                <a:latin typeface="Verdana" pitchFamily="34" charset="0"/>
-                <a:ea typeface="Verdana" pitchFamily="34" charset="0"/>
-                <a:cs typeface="Verdana" pitchFamily="34" charset="0"/>
-              </a:defRPr>
-            </a:lvl1pPr>
-            <a:lvl2pPr algn="ctr" rtl="0" eaLnBrk="0" fontAlgn="base" hangingPunct="0">
-              <a:spcBef>
-                <a:spcPct val="0"/>
-              </a:spcBef>
-              <a:spcAft>
-                <a:spcPct val="0"/>
-              </a:spcAft>
-              <a:defRPr sz="4400">
-                <a:solidFill>
-                  <a:schemeClr val="tx1"/>
-                </a:solidFill>
-                <a:latin typeface="Verdana" pitchFamily="34" charset="0"/>
-                <a:ea typeface="Verdana" pitchFamily="34" charset="0"/>
-                <a:cs typeface="Verdana" pitchFamily="34" charset="0"/>
-              </a:defRPr>
-            </a:lvl2pPr>
-            <a:lvl3pPr algn="ctr" rtl="0" eaLnBrk="0" fontAlgn="base" hangingPunct="0">
-              <a:spcBef>
-                <a:spcPct val="0"/>
-              </a:spcBef>
-              <a:spcAft>
-                <a:spcPct val="0"/>
-              </a:spcAft>
-              <a:defRPr sz="4400">
-                <a:solidFill>
-                  <a:schemeClr val="tx1"/>
-                </a:solidFill>
-                <a:latin typeface="Verdana" pitchFamily="34" charset="0"/>
-                <a:ea typeface="Verdana" pitchFamily="34" charset="0"/>
-                <a:cs typeface="Verdana" pitchFamily="34" charset="0"/>
-              </a:defRPr>
-            </a:lvl3pPr>
-            <a:lvl4pPr algn="ctr" rtl="0" eaLnBrk="0" fontAlgn="base" hangingPunct="0">
-              <a:spcBef>
-                <a:spcPct val="0"/>
-              </a:spcBef>
-              <a:spcAft>
-                <a:spcPct val="0"/>
-              </a:spcAft>
-              <a:defRPr sz="4400">
-                <a:solidFill>
-                  <a:schemeClr val="tx1"/>
-                </a:solidFill>
-                <a:latin typeface="Verdana" pitchFamily="34" charset="0"/>
-                <a:ea typeface="Verdana" pitchFamily="34" charset="0"/>
-                <a:cs typeface="Verdana" pitchFamily="34" charset="0"/>
-              </a:defRPr>
-            </a:lvl4pPr>
-            <a:lvl5pPr algn="ctr" rtl="0" eaLnBrk="0" fontAlgn="base" hangingPunct="0">
-              <a:spcBef>
-                <a:spcPct val="0"/>
-              </a:spcBef>
-              <a:spcAft>
-                <a:spcPct val="0"/>
-              </a:spcAft>
-              <a:defRPr sz="4400">
-                <a:solidFill>
-                  <a:schemeClr val="tx1"/>
-                </a:solidFill>
-                <a:latin typeface="Verdana" pitchFamily="34" charset="0"/>
-                <a:ea typeface="Verdana" pitchFamily="34" charset="0"/>
-                <a:cs typeface="Verdana" pitchFamily="34" charset="0"/>
-              </a:defRPr>
-            </a:lvl5pPr>
-            <a:lvl6pPr marL="457200" algn="ctr" rtl="0" fontAlgn="base">
-              <a:spcBef>
-                <a:spcPct val="0"/>
-              </a:spcBef>
-              <a:spcAft>
-                <a:spcPct val="0"/>
-              </a:spcAft>
-              <a:defRPr sz="4400">
-                <a:solidFill>
-                  <a:schemeClr val="tx1"/>
-                </a:solidFill>
-                <a:latin typeface="Verdana" pitchFamily="34" charset="0"/>
-                <a:ea typeface="Verdana" pitchFamily="34" charset="0"/>
-                <a:cs typeface="Verdana" pitchFamily="34" charset="0"/>
-              </a:defRPr>
-            </a:lvl6pPr>
-            <a:lvl7pPr marL="914400" algn="ctr" rtl="0" fontAlgn="base">
-              <a:spcBef>
-                <a:spcPct val="0"/>
-              </a:spcBef>
-              <a:spcAft>
-                <a:spcPct val="0"/>
-              </a:spcAft>
-              <a:defRPr sz="4400">
-                <a:solidFill>
-                  <a:schemeClr val="tx1"/>
-                </a:solidFill>
-                <a:latin typeface="Verdana" pitchFamily="34" charset="0"/>
-                <a:ea typeface="Verdana" pitchFamily="34" charset="0"/>
-                <a:cs typeface="Verdana" pitchFamily="34" charset="0"/>
-              </a:defRPr>
-            </a:lvl7pPr>
-            <a:lvl8pPr marL="1371600" algn="ctr" rtl="0" fontAlgn="base">
-              <a:spcBef>
-                <a:spcPct val="0"/>
-              </a:spcBef>
-              <a:spcAft>
-                <a:spcPct val="0"/>
-              </a:spcAft>
-              <a:defRPr sz="4400">
-                <a:solidFill>
-                  <a:schemeClr val="tx1"/>
-                </a:solidFill>
-                <a:latin typeface="Verdana" pitchFamily="34" charset="0"/>
-                <a:ea typeface="Verdana" pitchFamily="34" charset="0"/>
-                <a:cs typeface="Verdana" pitchFamily="34" charset="0"/>
-              </a:defRPr>
-            </a:lvl8pPr>
-            <a:lvl9pPr marL="1828800" algn="ctr" rtl="0" fontAlgn="base">
-              <a:spcBef>
-                <a:spcPct val="0"/>
-              </a:spcBef>
-              <a:spcAft>
-                <a:spcPct val="0"/>
-              </a:spcAft>
-              <a:defRPr sz="4400">
-                <a:solidFill>
-                  <a:schemeClr val="tx1"/>
-                </a:solidFill>
-                <a:latin typeface="Verdana" pitchFamily="34" charset="0"/>
-                <a:ea typeface="Verdana" pitchFamily="34" charset="0"/>
-                <a:cs typeface="Verdana" pitchFamily="34" charset="0"/>
-              </a:defRPr>
-            </a:lvl9pPr>
-          </a:lstStyle>
-          <a:p>
-            <a:pPr eaLnBrk="1" hangingPunct="1">
-              <a:defRPr/>
-            </a:pPr>
-            <a:r>
-              <a:rPr lang="pt-BR" sz="3600" b="1" dirty="0">
-                <a:solidFill>
-                  <a:schemeClr val="accent1">
-                    <a:lumMod val="50000"/>
-                  </a:schemeClr>
-                </a:solidFill>
-                <a:latin typeface="Arial" pitchFamily="34" charset="0"/>
-                <a:cs typeface="Arial" pitchFamily="34" charset="0"/>
-              </a:rPr>
-              <a:t>MÓDULO FINANCEIRO</a:t>
-            </a:r>
-          </a:p>
-        </p:txBody>
-      </p:sp>
-      <p:pic>
-        <p:nvPicPr>
-          <p:cNvPr id="2" name="Imagem 1"/>
-          <p:cNvPicPr>
-            <a:picLocks noChangeAspect="1"/>
-          </p:cNvPicPr>
-          <p:nvPr/>
-        </p:nvPicPr>
-        <p:blipFill>
-          <a:blip r:embed="rId2">
-            <a:extLst>
-              <a:ext uri="{28A0092B-C50C-407E-A947-70E740481C1C}">
-                <a14:useLocalDpi xmlns:a14="http://schemas.microsoft.com/office/drawing/2010/main" val="0"/>
-              </a:ext>
-            </a:extLst>
-          </a:blip>
-          <a:stretch>
-            <a:fillRect/>
-          </a:stretch>
-        </p:blipFill>
-        <p:spPr>
-          <a:xfrm>
-            <a:off x="0" y="2060848"/>
-            <a:ext cx="9144000" cy="3552816"/>
-          </a:xfrm>
-          <a:prstGeom prst="rect">
-            <a:avLst/>
-          </a:prstGeom>
-        </p:spPr>
-      </p:pic>
-    </p:spTree>
-    <p:extLst>
-      <p:ext uri="{BB962C8B-B14F-4D97-AF65-F5344CB8AC3E}">
-        <p14:creationId xmlns:p14="http://schemas.microsoft.com/office/powerpoint/2010/main" val="3776007642"/>
-      </p:ext>
-    </p:extLst>
-  </p:cSld>
-  <p:clrMapOvr>
-    <a:masterClrMapping/>
-  </p:clrMapOvr>
-</p:sld>
-</file>
-
-<file path=ppt/slides/slide35.xml><?xml version="1.0" encoding="utf-8"?>
-<p:sld xmlns:a="http://schemas.openxmlformats.org/drawingml/2006/main" xmlns:r="http://schemas.openxmlformats.org/officeDocument/2006/relationships" xmlns:p="http://schemas.openxmlformats.org/presentationml/2006/main">
-  <p:cSld>
-    <p:spTree>
-      <p:nvGrpSpPr>
-        <p:cNvPr id="1" name=""/>
-        <p:cNvGrpSpPr/>
-        <p:nvPr/>
-      </p:nvGrpSpPr>
-      <p:grpSpPr>
-        <a:xfrm>
-          <a:off x="0" y="0"/>
-          <a:ext cx="0" cy="0"/>
-          <a:chOff x="0" y="0"/>
-          <a:chExt cx="0" cy="0"/>
-        </a:xfrm>
-      </p:grpSpPr>
-      <p:sp>
-        <p:nvSpPr>
-          <p:cNvPr id="7170" name="Rectangle 2"/>
-          <p:cNvSpPr>
-            <a:spLocks noGrp="1" noChangeArrowheads="1"/>
-          </p:cNvSpPr>
-          <p:nvPr>
-            <p:ph type="ctrTitle"/>
-          </p:nvPr>
-        </p:nvSpPr>
-        <p:spPr>
-          <a:xfrm>
-            <a:off x="611560" y="1484784"/>
-            <a:ext cx="7815263" cy="2088232"/>
-          </a:xfrm>
-        </p:spPr>
-        <p:txBody>
-          <a:bodyPr/>
-          <a:lstStyle/>
-          <a:p>
-            <a:pPr eaLnBrk="1" fontAlgn="auto" hangingPunct="1">
-              <a:spcAft>
-                <a:spcPts val="0"/>
-              </a:spcAft>
-              <a:defRPr/>
-            </a:pPr>
-            <a:r>
-              <a:rPr lang="pt-BR" dirty="0">
-                <a:ea typeface="ＭＳ Ｐゴシック" pitchFamily="-106" charset="-128"/>
-              </a:rPr>
-              <a:t>MÓDULO PACIENTE</a:t>
-            </a:r>
-          </a:p>
-        </p:txBody>
-      </p:sp>
-      <p:grpSp>
-        <p:nvGrpSpPr>
-          <p:cNvPr id="2" name="Group 11"/>
-          <p:cNvGrpSpPr>
-            <a:grpSpLocks/>
-          </p:cNvGrpSpPr>
-          <p:nvPr/>
-        </p:nvGrpSpPr>
-        <p:grpSpPr bwMode="auto">
-          <a:xfrm>
-            <a:off x="755650" y="3213100"/>
-            <a:ext cx="184150" cy="711200"/>
-            <a:chOff x="476" y="2078"/>
-            <a:chExt cx="116" cy="448"/>
-          </a:xfrm>
-        </p:grpSpPr>
-        <p:sp>
-          <p:nvSpPr>
-            <p:cNvPr id="4101" name="Text Box 4"/>
-            <p:cNvSpPr txBox="1">
-              <a:spLocks noChangeArrowheads="1"/>
-            </p:cNvSpPr>
-            <p:nvPr/>
-          </p:nvSpPr>
-          <p:spPr bwMode="auto">
-            <a:xfrm>
-              <a:off x="476" y="2078"/>
-              <a:ext cx="116" cy="233"/>
-            </a:xfrm>
-            <a:prstGeom prst="rect">
-              <a:avLst/>
-            </a:prstGeom>
-            <a:noFill/>
-            <a:ln>
-              <a:noFill/>
-            </a:ln>
-            <a:extLst>
-              <a:ext uri="{909E8E84-426E-40DD-AFC4-6F175D3DCCD1}">
-                <a14:hiddenFill xmlns:a14="http://schemas.microsoft.com/office/drawing/2010/main">
-                  <a:solidFill>
-                    <a:srgbClr val="FFFFFF"/>
-                  </a:solidFill>
-                </a14:hiddenFill>
-              </a:ext>
-              <a:ext uri="{91240B29-F687-4F45-9708-019B960494DF}">
-                <a14:hiddenLine xmlns:a14="http://schemas.microsoft.com/office/drawing/2010/main" w="9525">
-                  <a:solidFill>
-                    <a:srgbClr val="000000"/>
-                  </a:solidFill>
-                  <a:miter lim="800000"/>
-                  <a:headEnd/>
-                  <a:tailEnd/>
-                </a14:hiddenLine>
-              </a:ext>
-            </a:extLst>
-          </p:spPr>
-          <p:txBody>
-            <a:bodyPr wrap="none">
-              <a:spAutoFit/>
-            </a:bodyPr>
-            <a:lstStyle>
-              <a:lvl1pPr>
-                <a:defRPr>
-                  <a:solidFill>
-                    <a:schemeClr val="tx1"/>
-                  </a:solidFill>
-                  <a:latin typeface="Arial" charset="0"/>
-                  <a:ea typeface="ＭＳ Ｐゴシック" pitchFamily="34" charset="-128"/>
-                </a:defRPr>
-              </a:lvl1pPr>
-              <a:lvl2pPr marL="742950" indent="-285750">
-                <a:defRPr>
-                  <a:solidFill>
-                    <a:schemeClr val="tx1"/>
-                  </a:solidFill>
-                  <a:latin typeface="Arial" charset="0"/>
-                  <a:ea typeface="ＭＳ Ｐゴシック" pitchFamily="34" charset="-128"/>
-                </a:defRPr>
-              </a:lvl2pPr>
-              <a:lvl3pPr marL="1143000" indent="-228600">
-                <a:defRPr>
-                  <a:solidFill>
-                    <a:schemeClr val="tx1"/>
-                  </a:solidFill>
-                  <a:latin typeface="Arial" charset="0"/>
-                  <a:ea typeface="ＭＳ Ｐゴシック" pitchFamily="34" charset="-128"/>
-                </a:defRPr>
-              </a:lvl3pPr>
-              <a:lvl4pPr marL="1600200" indent="-228600">
-                <a:defRPr>
-                  <a:solidFill>
-                    <a:schemeClr val="tx1"/>
-                  </a:solidFill>
-                  <a:latin typeface="Arial" charset="0"/>
-                  <a:ea typeface="ＭＳ Ｐゴシック" pitchFamily="34" charset="-128"/>
-                </a:defRPr>
-              </a:lvl4pPr>
-              <a:lvl5pPr marL="2057400" indent="-228600">
-                <a:defRPr>
-                  <a:solidFill>
-                    <a:schemeClr val="tx1"/>
-                  </a:solidFill>
-                  <a:latin typeface="Arial" charset="0"/>
-                  <a:ea typeface="ＭＳ Ｐゴシック" pitchFamily="34" charset="-128"/>
-                </a:defRPr>
-              </a:lvl5pPr>
-              <a:lvl6pPr marL="2514600" indent="-228600" eaLnBrk="0" fontAlgn="base" hangingPunct="0">
-                <a:spcBef>
-                  <a:spcPct val="0"/>
-                </a:spcBef>
-                <a:spcAft>
-                  <a:spcPct val="0"/>
-                </a:spcAft>
-                <a:defRPr>
-                  <a:solidFill>
-                    <a:schemeClr val="tx1"/>
-                  </a:solidFill>
-                  <a:latin typeface="Arial" charset="0"/>
-                  <a:ea typeface="ＭＳ Ｐゴシック" pitchFamily="34" charset="-128"/>
-                </a:defRPr>
-              </a:lvl6pPr>
-              <a:lvl7pPr marL="2971800" indent="-228600" eaLnBrk="0" fontAlgn="base" hangingPunct="0">
-                <a:spcBef>
-                  <a:spcPct val="0"/>
-                </a:spcBef>
-                <a:spcAft>
-                  <a:spcPct val="0"/>
-                </a:spcAft>
-                <a:defRPr>
-                  <a:solidFill>
-                    <a:schemeClr val="tx1"/>
-                  </a:solidFill>
-                  <a:latin typeface="Arial" charset="0"/>
-                  <a:ea typeface="ＭＳ Ｐゴシック" pitchFamily="34" charset="-128"/>
-                </a:defRPr>
-              </a:lvl7pPr>
-              <a:lvl8pPr marL="3429000" indent="-228600" eaLnBrk="0" fontAlgn="base" hangingPunct="0">
-                <a:spcBef>
-                  <a:spcPct val="0"/>
-                </a:spcBef>
-                <a:spcAft>
-                  <a:spcPct val="0"/>
-                </a:spcAft>
-                <a:defRPr>
-                  <a:solidFill>
-                    <a:schemeClr val="tx1"/>
-                  </a:solidFill>
-                  <a:latin typeface="Arial" charset="0"/>
-                  <a:ea typeface="ＭＳ Ｐゴシック" pitchFamily="34" charset="-128"/>
-                </a:defRPr>
-              </a:lvl8pPr>
-              <a:lvl9pPr marL="3886200" indent="-228600" eaLnBrk="0" fontAlgn="base" hangingPunct="0">
-                <a:spcBef>
-                  <a:spcPct val="0"/>
-                </a:spcBef>
-                <a:spcAft>
-                  <a:spcPct val="0"/>
-                </a:spcAft>
-                <a:defRPr>
-                  <a:solidFill>
-                    <a:schemeClr val="tx1"/>
-                  </a:solidFill>
-                  <a:latin typeface="Arial" charset="0"/>
-                  <a:ea typeface="ＭＳ Ｐゴシック" pitchFamily="34" charset="-128"/>
-                </a:defRPr>
-              </a:lvl9pPr>
-            </a:lstStyle>
-            <a:p>
-              <a:pPr eaLnBrk="1" hangingPunct="1"/>
-              <a:endParaRPr lang="en-US"/>
-            </a:p>
-          </p:txBody>
-        </p:sp>
-        <p:sp>
-          <p:nvSpPr>
-            <p:cNvPr id="4102" name="Text Box 5"/>
-            <p:cNvSpPr txBox="1">
-              <a:spLocks noChangeArrowheads="1"/>
-            </p:cNvSpPr>
-            <p:nvPr/>
-          </p:nvSpPr>
-          <p:spPr bwMode="auto">
-            <a:xfrm>
-              <a:off x="476" y="2235"/>
-              <a:ext cx="116" cy="291"/>
-            </a:xfrm>
-            <a:prstGeom prst="rect">
-              <a:avLst/>
-            </a:prstGeom>
-            <a:noFill/>
-            <a:ln>
-              <a:noFill/>
-            </a:ln>
-            <a:extLst>
-              <a:ext uri="{909E8E84-426E-40DD-AFC4-6F175D3DCCD1}">
-                <a14:hiddenFill xmlns:a14="http://schemas.microsoft.com/office/drawing/2010/main">
-                  <a:solidFill>
-                    <a:srgbClr val="FFFFFF"/>
-                  </a:solidFill>
-                </a14:hiddenFill>
-              </a:ext>
-              <a:ext uri="{91240B29-F687-4F45-9708-019B960494DF}">
-                <a14:hiddenLine xmlns:a14="http://schemas.microsoft.com/office/drawing/2010/main" w="9525">
-                  <a:solidFill>
-                    <a:srgbClr val="000000"/>
-                  </a:solidFill>
-                  <a:miter lim="800000"/>
-                  <a:headEnd/>
-                  <a:tailEnd/>
-                </a14:hiddenLine>
-              </a:ext>
-            </a:extLst>
-          </p:spPr>
-          <p:txBody>
-            <a:bodyPr wrap="none">
-              <a:spAutoFit/>
-            </a:bodyPr>
-            <a:lstStyle>
-              <a:lvl1pPr>
-                <a:defRPr>
-                  <a:solidFill>
-                    <a:schemeClr val="tx1"/>
-                  </a:solidFill>
-                  <a:latin typeface="Arial" charset="0"/>
-                  <a:ea typeface="ＭＳ Ｐゴシック" pitchFamily="34" charset="-128"/>
-                </a:defRPr>
-              </a:lvl1pPr>
-              <a:lvl2pPr marL="742950" indent="-285750">
-                <a:defRPr>
-                  <a:solidFill>
-                    <a:schemeClr val="tx1"/>
-                  </a:solidFill>
-                  <a:latin typeface="Arial" charset="0"/>
-                  <a:ea typeface="ＭＳ Ｐゴシック" pitchFamily="34" charset="-128"/>
-                </a:defRPr>
-              </a:lvl2pPr>
-              <a:lvl3pPr marL="1143000" indent="-228600">
-                <a:defRPr>
-                  <a:solidFill>
-                    <a:schemeClr val="tx1"/>
-                  </a:solidFill>
-                  <a:latin typeface="Arial" charset="0"/>
-                  <a:ea typeface="ＭＳ Ｐゴシック" pitchFamily="34" charset="-128"/>
-                </a:defRPr>
-              </a:lvl3pPr>
-              <a:lvl4pPr marL="1600200" indent="-228600">
-                <a:defRPr>
-                  <a:solidFill>
-                    <a:schemeClr val="tx1"/>
-                  </a:solidFill>
-                  <a:latin typeface="Arial" charset="0"/>
-                  <a:ea typeface="ＭＳ Ｐゴシック" pitchFamily="34" charset="-128"/>
-                </a:defRPr>
-              </a:lvl4pPr>
-              <a:lvl5pPr marL="2057400" indent="-228600">
-                <a:defRPr>
-                  <a:solidFill>
-                    <a:schemeClr val="tx1"/>
-                  </a:solidFill>
-                  <a:latin typeface="Arial" charset="0"/>
-                  <a:ea typeface="ＭＳ Ｐゴシック" pitchFamily="34" charset="-128"/>
-                </a:defRPr>
-              </a:lvl5pPr>
-              <a:lvl6pPr marL="2514600" indent="-228600" eaLnBrk="0" fontAlgn="base" hangingPunct="0">
-                <a:spcBef>
-                  <a:spcPct val="0"/>
-                </a:spcBef>
-                <a:spcAft>
-                  <a:spcPct val="0"/>
-                </a:spcAft>
-                <a:defRPr>
-                  <a:solidFill>
-                    <a:schemeClr val="tx1"/>
-                  </a:solidFill>
-                  <a:latin typeface="Arial" charset="0"/>
-                  <a:ea typeface="ＭＳ Ｐゴシック" pitchFamily="34" charset="-128"/>
-                </a:defRPr>
-              </a:lvl6pPr>
-              <a:lvl7pPr marL="2971800" indent="-228600" eaLnBrk="0" fontAlgn="base" hangingPunct="0">
-                <a:spcBef>
-                  <a:spcPct val="0"/>
-                </a:spcBef>
-                <a:spcAft>
-                  <a:spcPct val="0"/>
-                </a:spcAft>
-                <a:defRPr>
-                  <a:solidFill>
-                    <a:schemeClr val="tx1"/>
-                  </a:solidFill>
-                  <a:latin typeface="Arial" charset="0"/>
-                  <a:ea typeface="ＭＳ Ｐゴシック" pitchFamily="34" charset="-128"/>
-                </a:defRPr>
-              </a:lvl7pPr>
-              <a:lvl8pPr marL="3429000" indent="-228600" eaLnBrk="0" fontAlgn="base" hangingPunct="0">
-                <a:spcBef>
-                  <a:spcPct val="0"/>
-                </a:spcBef>
-                <a:spcAft>
-                  <a:spcPct val="0"/>
-                </a:spcAft>
-                <a:defRPr>
-                  <a:solidFill>
-                    <a:schemeClr val="tx1"/>
-                  </a:solidFill>
-                  <a:latin typeface="Arial" charset="0"/>
-                  <a:ea typeface="ＭＳ Ｐゴシック" pitchFamily="34" charset="-128"/>
-                </a:defRPr>
-              </a:lvl8pPr>
-              <a:lvl9pPr marL="3886200" indent="-228600" eaLnBrk="0" fontAlgn="base" hangingPunct="0">
-                <a:spcBef>
-                  <a:spcPct val="0"/>
-                </a:spcBef>
-                <a:spcAft>
-                  <a:spcPct val="0"/>
-                </a:spcAft>
-                <a:defRPr>
-                  <a:solidFill>
-                    <a:schemeClr val="tx1"/>
-                  </a:solidFill>
-                  <a:latin typeface="Arial" charset="0"/>
-                  <a:ea typeface="ＭＳ Ｐゴシック" pitchFamily="34" charset="-128"/>
-                </a:defRPr>
-              </a:lvl9pPr>
-            </a:lstStyle>
-            <a:p>
-              <a:pPr eaLnBrk="1" hangingPunct="1"/>
-              <a:endParaRPr lang="pt-BR" sz="2400" b="1">
-                <a:solidFill>
-                  <a:srgbClr val="5F5F5F"/>
-                </a:solidFill>
-              </a:endParaRPr>
-            </a:p>
-          </p:txBody>
-        </p:sp>
-      </p:grpSp>
-      <p:sp>
-        <p:nvSpPr>
-          <p:cNvPr id="7" name="Rectangle 13"/>
-          <p:cNvSpPr txBox="1">
-            <a:spLocks noChangeArrowheads="1"/>
-          </p:cNvSpPr>
-          <p:nvPr/>
-        </p:nvSpPr>
-        <p:spPr>
-          <a:xfrm>
-            <a:off x="866775" y="2652713"/>
-            <a:ext cx="7786688" cy="2008808"/>
-          </a:xfrm>
-          <a:prstGeom prst="rect">
-            <a:avLst/>
-          </a:prstGeom>
-        </p:spPr>
-        <p:txBody>
-          <a:bodyPr/>
-          <a:lstStyle/>
-          <a:p>
-            <a:pPr marL="342900" marR="0" lvl="0" indent="-342900" algn="ctr" defTabSz="914400" rtl="0" eaLnBrk="1" fontAlgn="auto" latinLnBrk="0" hangingPunct="1">
-              <a:lnSpc>
-                <a:spcPct val="100000"/>
-              </a:lnSpc>
-              <a:spcBef>
-                <a:spcPct val="20000"/>
-              </a:spcBef>
-              <a:spcAft>
-                <a:spcPts val="0"/>
-              </a:spcAft>
-              <a:buClrTx/>
-              <a:buSzTx/>
-              <a:buFont typeface="Arial" panose="020B0604020202020204" pitchFamily="34" charset="0"/>
-              <a:buNone/>
-              <a:tabLst/>
-              <a:defRPr/>
-            </a:pPr>
-            <a:endParaRPr kumimoji="0" lang="pt-BR" sz="4000" b="0" i="0" u="none" strike="noStrike" kern="1200" cap="none" spc="0" normalizeH="0" baseline="0" noProof="0" dirty="0">
-              <a:ln>
-                <a:noFill/>
-              </a:ln>
-              <a:solidFill>
-                <a:schemeClr val="tx2">
-                  <a:lumMod val="75000"/>
-                </a:schemeClr>
-              </a:solidFill>
-              <a:effectLst/>
-              <a:uLnTx/>
-              <a:uFillTx/>
-              <a:latin typeface="Verdana" pitchFamily="34" charset="0"/>
-              <a:ea typeface="ＭＳ Ｐゴシック" pitchFamily="-106" charset="-128"/>
-              <a:cs typeface="Verdana" pitchFamily="34" charset="0"/>
-            </a:endParaRPr>
-          </a:p>
-          <a:p>
-            <a:pPr marL="342900" marR="0" lvl="0" indent="-342900" algn="ctr" defTabSz="914400" rtl="0" eaLnBrk="1" fontAlgn="auto" latinLnBrk="0" hangingPunct="1">
-              <a:lnSpc>
-                <a:spcPct val="100000"/>
-              </a:lnSpc>
-              <a:spcBef>
-                <a:spcPct val="20000"/>
-              </a:spcBef>
-              <a:spcAft>
-                <a:spcPts val="0"/>
-              </a:spcAft>
-              <a:buClrTx/>
-              <a:buSzTx/>
-              <a:buFont typeface="Arial" panose="020B0604020202020204" pitchFamily="34" charset="0"/>
-              <a:buNone/>
-              <a:tabLst/>
-              <a:defRPr/>
-            </a:pPr>
-            <a:r>
-              <a:rPr kumimoji="0" lang="pt-BR" sz="4000" b="0" i="0" u="none" strike="noStrike" kern="1200" cap="none" spc="0" normalizeH="0" baseline="0" noProof="0" dirty="0">
-                <a:ln>
-                  <a:noFill/>
-                </a:ln>
-                <a:solidFill>
-                  <a:schemeClr val="tx2">
-                    <a:lumMod val="75000"/>
-                  </a:schemeClr>
-                </a:solidFill>
-                <a:effectLst/>
-                <a:uLnTx/>
-                <a:uFillTx/>
-                <a:latin typeface="Verdana" pitchFamily="34" charset="0"/>
-                <a:ea typeface="ＭＳ Ｐゴシック" pitchFamily="-106" charset="-128"/>
-                <a:cs typeface="Verdana" pitchFamily="34" charset="0"/>
-              </a:rPr>
-              <a:t>Tatiana Santana</a:t>
-            </a:r>
-            <a:endParaRPr kumimoji="0" lang="pt-BR" sz="2000" b="1" i="0" u="none" strike="noStrike" kern="1200" cap="none" spc="0" normalizeH="0" baseline="0" noProof="0" dirty="0">
-              <a:ln>
-                <a:noFill/>
-              </a:ln>
-              <a:solidFill>
-                <a:srgbClr val="5F5F5F"/>
-              </a:solidFill>
-              <a:effectLst/>
-              <a:uLnTx/>
-              <a:uFillTx/>
-              <a:latin typeface="Verdana" pitchFamily="34" charset="0"/>
-              <a:ea typeface="Verdana" pitchFamily="34" charset="0"/>
-              <a:cs typeface="Verdana" pitchFamily="34" charset="0"/>
-            </a:endParaRPr>
-          </a:p>
-        </p:txBody>
-      </p:sp>
-    </p:spTree>
-  </p:cSld>
-  <p:clrMapOvr>
-    <a:masterClrMapping/>
-  </p:clrMapOvr>
-  <p:transition spd="med">
-    <p:fade/>
-  </p:transition>
-</p:sld>
-</file>
-
-<file path=ppt/slides/slide36.xml><?xml version="1.0" encoding="utf-8"?>
-<p:sld xmlns:a="http://schemas.openxmlformats.org/drawingml/2006/main" xmlns:r="http://schemas.openxmlformats.org/officeDocument/2006/relationships" xmlns:p="http://schemas.openxmlformats.org/presentationml/2006/main">
-  <p:cSld>
-    <p:spTree>
-      <p:nvGrpSpPr>
-        <p:cNvPr id="1" name=""/>
-        <p:cNvGrpSpPr/>
-        <p:nvPr/>
-      </p:nvGrpSpPr>
-      <p:grpSpPr>
-        <a:xfrm>
-          <a:off x="0" y="0"/>
-          <a:ext cx="0" cy="0"/>
-          <a:chOff x="0" y="0"/>
-          <a:chExt cx="0" cy="0"/>
-        </a:xfrm>
-      </p:grpSpPr>
-      <p:sp>
-        <p:nvSpPr>
-          <p:cNvPr id="4" name="Título 3"/>
-          <p:cNvSpPr>
-            <a:spLocks noGrp="1"/>
-          </p:cNvSpPr>
-          <p:nvPr>
-            <p:ph type="title"/>
-          </p:nvPr>
-        </p:nvSpPr>
-        <p:spPr/>
-        <p:txBody>
-          <a:bodyPr/>
-          <a:lstStyle/>
-          <a:p>
-            <a:pPr eaLnBrk="1" hangingPunct="1">
-              <a:defRPr/>
-            </a:pPr>
-            <a:r>
-              <a:rPr lang="pt-BR" dirty="0"/>
-              <a:t>MÓDULO PACIENTE</a:t>
-            </a:r>
-          </a:p>
-        </p:txBody>
-      </p:sp>
-      <p:sp>
-        <p:nvSpPr>
-          <p:cNvPr id="5" name="Espaço Reservado para Texto 3"/>
-          <p:cNvSpPr txBox="1">
-            <a:spLocks/>
-          </p:cNvSpPr>
-          <p:nvPr/>
-        </p:nvSpPr>
-        <p:spPr>
-          <a:xfrm>
-            <a:off x="395536" y="1196752"/>
-            <a:ext cx="8208912" cy="5112568"/>
-          </a:xfrm>
-          <a:prstGeom prst="rect">
-            <a:avLst/>
-          </a:prstGeom>
-        </p:spPr>
-        <p:txBody>
-          <a:bodyPr/>
-          <a:lstStyle>
-            <a:lvl1pPr marL="342900" indent="-342900" algn="l" rtl="0" eaLnBrk="0" fontAlgn="base" hangingPunct="0">
-              <a:spcBef>
-                <a:spcPct val="20000"/>
-              </a:spcBef>
-              <a:spcAft>
-                <a:spcPct val="0"/>
-              </a:spcAft>
-              <a:buFont typeface="Arial" charset="0"/>
-              <a:buChar char="•"/>
-              <a:defRPr sz="3200" kern="1200">
-                <a:solidFill>
-                  <a:schemeClr val="tx1"/>
-                </a:solidFill>
-                <a:latin typeface="+mn-lt"/>
-                <a:ea typeface="+mn-ea"/>
-                <a:cs typeface="+mn-cs"/>
-              </a:defRPr>
-            </a:lvl1pPr>
-            <a:lvl2pPr marL="742950" indent="-285750" algn="l" rtl="0" eaLnBrk="0" fontAlgn="base" hangingPunct="0">
-              <a:spcBef>
-                <a:spcPct val="20000"/>
-              </a:spcBef>
-              <a:spcAft>
-                <a:spcPct val="0"/>
-              </a:spcAft>
-              <a:buFont typeface="Arial" charset="0"/>
-              <a:buChar char="–"/>
-              <a:defRPr sz="2800" kern="1200">
-                <a:solidFill>
-                  <a:schemeClr val="tx1"/>
-                </a:solidFill>
-                <a:latin typeface="+mn-lt"/>
-                <a:ea typeface="+mn-ea"/>
-                <a:cs typeface="+mn-cs"/>
-              </a:defRPr>
-            </a:lvl2pPr>
-            <a:lvl3pPr marL="1143000" indent="-228600" algn="l" rtl="0" eaLnBrk="0" fontAlgn="base" hangingPunct="0">
-              <a:spcBef>
-                <a:spcPct val="20000"/>
-              </a:spcBef>
-              <a:spcAft>
-                <a:spcPct val="0"/>
-              </a:spcAft>
-              <a:buFont typeface="Arial" charset="0"/>
-              <a:buChar char="•"/>
-              <a:defRPr sz="2400" kern="1200">
-                <a:solidFill>
-                  <a:schemeClr val="tx1"/>
-                </a:solidFill>
-                <a:latin typeface="+mn-lt"/>
-                <a:ea typeface="+mn-ea"/>
-                <a:cs typeface="+mn-cs"/>
-              </a:defRPr>
-            </a:lvl3pPr>
-            <a:lvl4pPr marL="1600200" indent="-228600" algn="l" rtl="0" eaLnBrk="0" fontAlgn="base" hangingPunct="0">
-              <a:spcBef>
-                <a:spcPct val="20000"/>
-              </a:spcBef>
-              <a:spcAft>
-                <a:spcPct val="0"/>
-              </a:spcAft>
-              <a:buFont typeface="Arial" charset="0"/>
-              <a:buChar char="–"/>
-              <a:defRPr sz="2000" kern="1200">
-                <a:solidFill>
-                  <a:schemeClr val="tx1"/>
-                </a:solidFill>
-                <a:latin typeface="+mn-lt"/>
-                <a:ea typeface="+mn-ea"/>
-                <a:cs typeface="+mn-cs"/>
-              </a:defRPr>
-            </a:lvl4pPr>
-            <a:lvl5pPr marL="2057400" indent="-228600" algn="l" rtl="0" eaLnBrk="0" fontAlgn="base" hangingPunct="0">
-              <a:spcBef>
-                <a:spcPct val="20000"/>
-              </a:spcBef>
-              <a:spcAft>
-                <a:spcPct val="0"/>
-              </a:spcAft>
-              <a:buFont typeface="Arial" charset="0"/>
-              <a:buChar char="»"/>
-              <a:defRPr sz="2000" kern="1200">
-                <a:solidFill>
-                  <a:schemeClr val="tx1"/>
-                </a:solidFill>
-                <a:latin typeface="+mn-lt"/>
-                <a:ea typeface="+mn-ea"/>
-                <a:cs typeface="+mn-cs"/>
-              </a:defRPr>
-            </a:lvl5pPr>
-            <a:lvl6pPr marL="2514600" indent="-228600" algn="l" defTabSz="914400" rtl="0" eaLnBrk="1" latinLnBrk="0" hangingPunct="1">
-              <a:spcBef>
-                <a:spcPct val="20000"/>
-              </a:spcBef>
-              <a:buFont typeface="Arial" pitchFamily="34" charset="0"/>
-              <a:buChar char="•"/>
-              <a:defRPr sz="2000" kern="1200">
-                <a:solidFill>
-                  <a:schemeClr val="tx1"/>
-                </a:solidFill>
-                <a:latin typeface="+mn-lt"/>
-                <a:ea typeface="+mn-ea"/>
-                <a:cs typeface="+mn-cs"/>
-              </a:defRPr>
-            </a:lvl6pPr>
-            <a:lvl7pPr marL="2971800" indent="-228600" algn="l" defTabSz="914400" rtl="0" eaLnBrk="1" latinLnBrk="0" hangingPunct="1">
-              <a:spcBef>
-                <a:spcPct val="20000"/>
-              </a:spcBef>
-              <a:buFont typeface="Arial" pitchFamily="34" charset="0"/>
-              <a:buChar char="•"/>
-              <a:defRPr sz="2000" kern="1200">
-                <a:solidFill>
-                  <a:schemeClr val="tx1"/>
-                </a:solidFill>
-                <a:latin typeface="+mn-lt"/>
-                <a:ea typeface="+mn-ea"/>
-                <a:cs typeface="+mn-cs"/>
-              </a:defRPr>
-            </a:lvl7pPr>
-            <a:lvl8pPr marL="3429000" indent="-228600" algn="l" defTabSz="914400" rtl="0" eaLnBrk="1" latinLnBrk="0" hangingPunct="1">
-              <a:spcBef>
-                <a:spcPct val="20000"/>
-              </a:spcBef>
-              <a:buFont typeface="Arial" pitchFamily="34" charset="0"/>
-              <a:buChar char="•"/>
-              <a:defRPr sz="2000" kern="1200">
-                <a:solidFill>
-                  <a:schemeClr val="tx1"/>
-                </a:solidFill>
-                <a:latin typeface="+mn-lt"/>
-                <a:ea typeface="+mn-ea"/>
-                <a:cs typeface="+mn-cs"/>
-              </a:defRPr>
-            </a:lvl8pPr>
-            <a:lvl9pPr marL="3886200" indent="-228600" algn="l" defTabSz="914400" rtl="0" eaLnBrk="1" latinLnBrk="0" hangingPunct="1">
-              <a:spcBef>
-                <a:spcPct val="20000"/>
-              </a:spcBef>
-              <a:buFont typeface="Arial" pitchFamily="34" charset="0"/>
-              <a:buChar char="•"/>
-              <a:defRPr sz="2000" kern="1200">
-                <a:solidFill>
-                  <a:schemeClr val="tx1"/>
-                </a:solidFill>
-                <a:latin typeface="+mn-lt"/>
-                <a:ea typeface="+mn-ea"/>
-                <a:cs typeface="+mn-cs"/>
-              </a:defRPr>
-            </a:lvl9pPr>
-          </a:lstStyle>
-          <a:p>
-            <a:pPr algn="just" eaLnBrk="1" hangingPunct="1">
-              <a:buFont typeface="Arial" panose="020B0604020202020204" pitchFamily="34" charset="0"/>
-              <a:buChar char="•"/>
-              <a:defRPr/>
-            </a:pPr>
-            <a:r>
-              <a:rPr lang="pt-BR" sz="2600">
-                <a:solidFill>
-                  <a:schemeClr val="tx2">
-                    <a:lumMod val="75000"/>
-                  </a:schemeClr>
-                </a:solidFill>
-                <a:latin typeface="Calibri" panose="020F0502020204030204" pitchFamily="34" charset="0"/>
-                <a:cs typeface="Calibri" panose="020F0502020204030204" pitchFamily="34" charset="0"/>
-              </a:rPr>
-              <a:t>Manter Paciente</a:t>
-            </a:r>
-          </a:p>
-          <a:p>
-            <a:pPr lvl="1" algn="just" eaLnBrk="1" hangingPunct="1">
-              <a:buFont typeface="Arial" panose="020B0604020202020204" pitchFamily="34" charset="0"/>
-              <a:buChar char="•"/>
-              <a:defRPr/>
-            </a:pPr>
-            <a:r>
-              <a:rPr lang="pt-BR" sz="1850">
-                <a:solidFill>
-                  <a:schemeClr val="tx2">
-                    <a:lumMod val="75000"/>
-                  </a:schemeClr>
-                </a:solidFill>
-              </a:rPr>
-              <a:t>Permite a manutenção de paciente.</a:t>
-            </a:r>
-            <a:endParaRPr lang="pt-BR" sz="1850">
-              <a:solidFill>
-                <a:schemeClr val="tx2">
-                  <a:lumMod val="75000"/>
-                </a:schemeClr>
-              </a:solidFill>
-              <a:cs typeface="Calibri" panose="020F0502020204030204" pitchFamily="34" charset="0"/>
-            </a:endParaRPr>
-          </a:p>
-          <a:p>
-            <a:pPr marL="457200" lvl="1" indent="0" algn="just" eaLnBrk="1" hangingPunct="1">
-              <a:defRPr/>
-            </a:pPr>
-            <a:endParaRPr lang="pt-BR" sz="1800">
-              <a:solidFill>
-                <a:schemeClr val="tx2">
-                  <a:lumMod val="75000"/>
-                </a:schemeClr>
-              </a:solidFill>
-              <a:latin typeface="Calibri" panose="020F0502020204030204" pitchFamily="34" charset="0"/>
-              <a:cs typeface="Calibri" panose="020F0502020204030204" pitchFamily="34" charset="0"/>
-            </a:endParaRPr>
-          </a:p>
-          <a:p>
-            <a:pPr algn="just" eaLnBrk="1" hangingPunct="1">
-              <a:buFont typeface="Arial" panose="020B0604020202020204" pitchFamily="34" charset="0"/>
-              <a:buChar char="•"/>
-              <a:defRPr/>
-            </a:pPr>
-            <a:r>
-              <a:rPr lang="pt-BR" sz="2600">
-                <a:solidFill>
-                  <a:schemeClr val="tx2">
-                    <a:lumMod val="75000"/>
-                  </a:schemeClr>
-                </a:solidFill>
-                <a:latin typeface="Calibri" panose="020F0502020204030204" pitchFamily="34" charset="0"/>
-                <a:cs typeface="Calibri" panose="020F0502020204030204" pitchFamily="34" charset="0"/>
-              </a:rPr>
-              <a:t>Receber Prontuário</a:t>
-            </a:r>
-          </a:p>
-          <a:p>
-            <a:pPr lvl="1" algn="just" eaLnBrk="1" hangingPunct="1">
-              <a:buFont typeface="Arial" panose="020B0604020202020204" pitchFamily="34" charset="0"/>
-              <a:buChar char="•"/>
-              <a:defRPr/>
-            </a:pPr>
-            <a:r>
-              <a:rPr lang="pt-BR" sz="1850">
-                <a:solidFill>
-                  <a:schemeClr val="tx2">
-                    <a:lumMod val="75000"/>
-                  </a:schemeClr>
-                </a:solidFill>
-              </a:rPr>
-              <a:t>Permite a manutenção de prontuário.</a:t>
-            </a:r>
-          </a:p>
-          <a:p>
-            <a:pPr marL="457200" lvl="1" indent="0" algn="just" eaLnBrk="1" hangingPunct="1">
-              <a:defRPr/>
-            </a:pPr>
-            <a:endParaRPr lang="pt-BR" sz="1800">
-              <a:solidFill>
-                <a:schemeClr val="tx2">
-                  <a:lumMod val="75000"/>
-                </a:schemeClr>
-              </a:solidFill>
-              <a:latin typeface="Calibri" panose="020F0502020204030204" pitchFamily="34" charset="0"/>
-              <a:cs typeface="Calibri" panose="020F0502020204030204" pitchFamily="34" charset="0"/>
-            </a:endParaRPr>
-          </a:p>
-          <a:p>
-            <a:pPr algn="just" eaLnBrk="1" hangingPunct="1">
-              <a:buFont typeface="Arial" panose="020B0604020202020204" pitchFamily="34" charset="0"/>
-              <a:buChar char="•"/>
-              <a:defRPr/>
-            </a:pPr>
-            <a:r>
-              <a:rPr lang="pt-BR" sz="2600">
-                <a:solidFill>
-                  <a:schemeClr val="tx2">
-                    <a:lumMod val="75000"/>
-                  </a:schemeClr>
-                </a:solidFill>
-                <a:latin typeface="Calibri" panose="020F0502020204030204" pitchFamily="34" charset="0"/>
-                <a:cs typeface="Calibri" panose="020F0502020204030204" pitchFamily="34" charset="0"/>
-              </a:rPr>
-              <a:t>Realizar Atendimento</a:t>
-            </a:r>
-          </a:p>
-          <a:p>
-            <a:pPr lvl="1" algn="just" eaLnBrk="1" hangingPunct="1">
-              <a:buFont typeface="Arial" panose="020B0604020202020204" pitchFamily="34" charset="0"/>
-              <a:buChar char="•"/>
-              <a:defRPr/>
-            </a:pPr>
-            <a:r>
-              <a:rPr lang="pt-BR" sz="1850">
-                <a:solidFill>
-                  <a:schemeClr val="tx2">
-                    <a:lumMod val="75000"/>
-                  </a:schemeClr>
-                </a:solidFill>
-              </a:rPr>
-              <a:t>Realiza atendimento a partir de um agendamento confirmado.</a:t>
-            </a:r>
-          </a:p>
-          <a:p>
-            <a:pPr marL="457200" lvl="1" indent="0" algn="just" eaLnBrk="1" hangingPunct="1">
-              <a:defRPr/>
-            </a:pPr>
-            <a:endParaRPr lang="pt-BR" sz="1800" dirty="0">
-              <a:solidFill>
-                <a:schemeClr val="tx2">
-                  <a:lumMod val="75000"/>
-                </a:schemeClr>
-              </a:solidFill>
-              <a:latin typeface="Calibri" panose="020F0502020204030204" pitchFamily="34" charset="0"/>
-              <a:cs typeface="Calibri" panose="020F0502020204030204" pitchFamily="34" charset="0"/>
-            </a:endParaRPr>
-          </a:p>
-        </p:txBody>
-      </p:sp>
-    </p:spTree>
-    <p:extLst>
-      <p:ext uri="{BB962C8B-B14F-4D97-AF65-F5344CB8AC3E}">
-        <p14:creationId xmlns:p14="http://schemas.microsoft.com/office/powerpoint/2010/main" val="2886033736"/>
-      </p:ext>
-    </p:extLst>
-  </p:cSld>
-  <p:clrMapOvr>
-    <a:masterClrMapping/>
-  </p:clrMapOvr>
-  <p:transition spd="med">
-    <p:fade/>
-  </p:transition>
-</p:sld>
-</file>
-
-<file path=ppt/slides/slide37.xml><?xml version="1.0" encoding="utf-8"?>
-<p:sld xmlns:a="http://schemas.openxmlformats.org/drawingml/2006/main" xmlns:r="http://schemas.openxmlformats.org/officeDocument/2006/relationships" xmlns:p="http://schemas.openxmlformats.org/presentationml/2006/main">
-  <p:cSld>
-    <p:spTree>
-      <p:nvGrpSpPr>
-        <p:cNvPr id="1" name=""/>
-        <p:cNvGrpSpPr/>
-        <p:nvPr/>
-      </p:nvGrpSpPr>
-      <p:grpSpPr>
-        <a:xfrm>
-          <a:off x="0" y="0"/>
-          <a:ext cx="0" cy="0"/>
-          <a:chOff x="0" y="0"/>
-          <a:chExt cx="0" cy="0"/>
-        </a:xfrm>
-      </p:grpSpPr>
-      <p:sp>
-        <p:nvSpPr>
-          <p:cNvPr id="4" name="Título 3"/>
-          <p:cNvSpPr>
-            <a:spLocks noGrp="1"/>
-          </p:cNvSpPr>
-          <p:nvPr>
-            <p:ph type="title"/>
-          </p:nvPr>
-        </p:nvSpPr>
-        <p:spPr/>
-        <p:txBody>
-          <a:bodyPr/>
-          <a:lstStyle/>
-          <a:p>
-            <a:pPr eaLnBrk="1" hangingPunct="1">
-              <a:defRPr/>
-            </a:pPr>
-            <a:r>
-              <a:rPr lang="pt-BR" dirty="0"/>
-              <a:t>MÓDULO PACIENTE</a:t>
-            </a:r>
-          </a:p>
-        </p:txBody>
-      </p:sp>
-      <p:pic>
-        <p:nvPicPr>
-          <p:cNvPr id="3" name="Picture 2">
-            <a:extLst>
-              <a:ext uri="{FF2B5EF4-FFF2-40B4-BE49-F238E27FC236}">
-                <a16:creationId xmlns:a16="http://schemas.microsoft.com/office/drawing/2014/main" id="{1488CEA1-615B-4D4C-A130-F1FD32F916CA}"/>
-              </a:ext>
-            </a:extLst>
-          </p:cNvPr>
-          <p:cNvPicPr>
-            <a:picLocks noChangeAspect="1"/>
-          </p:cNvPicPr>
-          <p:nvPr/>
-        </p:nvPicPr>
-        <p:blipFill>
-          <a:blip r:embed="rId2" cstate="print">
-            <a:extLst>
-              <a:ext uri="{28A0092B-C50C-407E-A947-70E740481C1C}">
-                <a14:useLocalDpi xmlns:a14="http://schemas.microsoft.com/office/drawing/2010/main" val="0"/>
-              </a:ext>
-            </a:extLst>
-          </a:blip>
-          <a:stretch>
-            <a:fillRect/>
-          </a:stretch>
-        </p:blipFill>
-        <p:spPr>
-          <a:xfrm>
-            <a:off x="2231534" y="1182688"/>
-            <a:ext cx="4806891" cy="5675312"/>
-          </a:xfrm>
-          <a:prstGeom prst="rect">
-            <a:avLst/>
-          </a:prstGeom>
-        </p:spPr>
-      </p:pic>
-    </p:spTree>
-  </p:cSld>
-  <p:clrMapOvr>
-    <a:masterClrMapping/>
-  </p:clrMapOvr>
-  <p:transition spd="med">
-    <p:fade/>
-  </p:transition>
-</p:sld>
-</file>
-
-<file path=ppt/slides/slide38.xml><?xml version="1.0" encoding="utf-8"?>
-<p:sld xmlns:a="http://schemas.openxmlformats.org/drawingml/2006/main" xmlns:r="http://schemas.openxmlformats.org/officeDocument/2006/relationships" xmlns:p="http://schemas.openxmlformats.org/presentationml/2006/main">
-  <p:cSld>
-    <p:spTree>
-      <p:nvGrpSpPr>
-        <p:cNvPr id="1" name=""/>
-        <p:cNvGrpSpPr/>
-        <p:nvPr/>
-      </p:nvGrpSpPr>
-      <p:grpSpPr>
-        <a:xfrm>
-          <a:off x="0" y="0"/>
-          <a:ext cx="0" cy="0"/>
-          <a:chOff x="0" y="0"/>
-          <a:chExt cx="0" cy="0"/>
-        </a:xfrm>
-      </p:grpSpPr>
-      <p:sp>
-        <p:nvSpPr>
           <p:cNvPr id="4" name="Título 3"/>
           <p:cNvSpPr>
             <a:spLocks noGrp="1"/>
@@ -10478,7 +8656,7 @@
 </p:sld>
 </file>
 
-<file path=ppt/slides/slide39.xml><?xml version="1.0" encoding="utf-8"?>
+<file path=ppt/slides/slide31.xml><?xml version="1.0" encoding="utf-8"?>
 <p:sld xmlns:a="http://schemas.openxmlformats.org/drawingml/2006/main" xmlns:r="http://schemas.openxmlformats.org/officeDocument/2006/relationships" xmlns:p="http://schemas.openxmlformats.org/presentationml/2006/main">
   <p:cSld>
     <p:spTree>
@@ -10495,36 +8673,6 @@
           <a:chExt cx="0" cy="0"/>
         </a:xfrm>
       </p:grpSpPr>
-      <p:pic>
-        <p:nvPicPr>
-          <p:cNvPr id="2" name="Picture 1">
-            <a:extLst>
-              <a:ext uri="{FF2B5EF4-FFF2-40B4-BE49-F238E27FC236}">
-                <a16:creationId xmlns:a16="http://schemas.microsoft.com/office/drawing/2014/main" id="{86071FFA-BFE1-455C-ABC9-A6AEE46FBF29}"/>
-              </a:ext>
-            </a:extLst>
-          </p:cNvPr>
-          <p:cNvPicPr>
-            <a:picLocks noChangeAspect="1"/>
-          </p:cNvPicPr>
-          <p:nvPr/>
-        </p:nvPicPr>
-        <p:blipFill>
-          <a:blip r:embed="rId2"/>
-          <a:stretch>
-            <a:fillRect/>
-          </a:stretch>
-        </p:blipFill>
-        <p:spPr>
-          <a:xfrm>
-            <a:off x="333375" y="1327838"/>
-            <a:ext cx="8810625" cy="5514975"/>
-          </a:xfrm>
-          <a:prstGeom prst="rect">
-            <a:avLst/>
-          </a:prstGeom>
-        </p:spPr>
-      </p:pic>
       <p:sp>
         <p:nvSpPr>
           <p:cNvPr id="4" name="Título 3">
@@ -10561,77 +8709,30 @@
           </a:p>
         </p:txBody>
       </p:sp>
-    </p:spTree>
-  </p:cSld>
-  <p:clrMapOvr>
-    <a:masterClrMapping/>
-  </p:clrMapOvr>
-  <p:transition spd="med">
-    <p:fade/>
-  </p:transition>
-</p:sld>
-</file>
-
-<file path=ppt/slides/slide4.xml><?xml version="1.0" encoding="utf-8"?>
-<p:sld xmlns:a="http://schemas.openxmlformats.org/drawingml/2006/main" xmlns:r="http://schemas.openxmlformats.org/officeDocument/2006/relationships" xmlns:p="http://schemas.openxmlformats.org/presentationml/2006/main">
-  <p:cSld>
-    <p:spTree>
-      <p:nvGrpSpPr>
-        <p:cNvPr id="1" name=""/>
-        <p:cNvGrpSpPr/>
-        <p:nvPr/>
-      </p:nvGrpSpPr>
-      <p:grpSpPr>
-        <a:xfrm>
-          <a:off x="0" y="0"/>
-          <a:ext cx="0" cy="0"/>
-          <a:chOff x="0" y="0"/>
-          <a:chExt cx="0" cy="0"/>
-        </a:xfrm>
-      </p:grpSpPr>
-      <p:sp>
-        <p:nvSpPr>
-          <p:cNvPr id="4" name="Título 3"/>
-          <p:cNvSpPr>
-            <a:spLocks noGrp="1"/>
-          </p:cNvSpPr>
-          <p:nvPr>
-            <p:ph type="title"/>
-          </p:nvPr>
-        </p:nvSpPr>
-        <p:spPr/>
-        <p:txBody>
-          <a:bodyPr/>
-          <a:lstStyle/>
-          <a:p>
-            <a:pPr eaLnBrk="1" hangingPunct="1">
-              <a:defRPr/>
-            </a:pPr>
-            <a:r>
-              <a:rPr lang="pt-BR" dirty="0"/>
-              <a:t>O Sistema</a:t>
-            </a:r>
-          </a:p>
-        </p:txBody>
-      </p:sp>
       <p:pic>
         <p:nvPicPr>
-          <p:cNvPr id="6" name="Imagem 5"/>
+          <p:cNvPr id="3" name="Picture 2">
+            <a:extLst>
+              <a:ext uri="{FF2B5EF4-FFF2-40B4-BE49-F238E27FC236}">
+                <a16:creationId xmlns:a16="http://schemas.microsoft.com/office/drawing/2014/main" id="{697244E8-4C32-432B-82C5-5F541E652E84}"/>
+              </a:ext>
+            </a:extLst>
+          </p:cNvPr>
           <p:cNvPicPr>
             <a:picLocks noChangeAspect="1"/>
           </p:cNvPicPr>
           <p:nvPr/>
         </p:nvPicPr>
         <p:blipFill>
-          <a:blip r:embed="rId3"/>
+          <a:blip r:embed="rId2"/>
           <a:stretch>
             <a:fillRect/>
           </a:stretch>
         </p:blipFill>
         <p:spPr>
           <a:xfrm>
-            <a:off x="539552" y="1279538"/>
-            <a:ext cx="7885931" cy="5464187"/>
+            <a:off x="0" y="1370714"/>
+            <a:ext cx="9144000" cy="5298646"/>
           </a:xfrm>
           <a:prstGeom prst="rect">
             <a:avLst/>
@@ -10649,7 +8750,7 @@
 </p:sld>
 </file>
 
-<file path=ppt/slides/slide40.xml><?xml version="1.0" encoding="utf-8"?>
+<file path=ppt/slides/slide32.xml><?xml version="1.0" encoding="utf-8"?>
 <p:sld xmlns:a="http://schemas.openxmlformats.org/drawingml/2006/main" xmlns:r="http://schemas.openxmlformats.org/officeDocument/2006/relationships" xmlns:p="http://schemas.openxmlformats.org/presentationml/2006/main">
   <p:cSld>
     <p:spTree>
@@ -10722,10 +8823,10 @@
       </p:sp>
       <p:pic>
         <p:nvPicPr>
-          <p:cNvPr id="3" name="Picture 2">
+          <p:cNvPr id="4" name="Picture 3">
             <a:extLst>
               <a:ext uri="{FF2B5EF4-FFF2-40B4-BE49-F238E27FC236}">
-                <a16:creationId xmlns:a16="http://schemas.microsoft.com/office/drawing/2014/main" id="{95975E51-1E2B-4459-91F8-8CCA682B490E}"/>
+                <a16:creationId xmlns:a16="http://schemas.microsoft.com/office/drawing/2014/main" id="{FF33F444-5274-47FB-9AB9-B9E9F701C115}"/>
               </a:ext>
             </a:extLst>
           </p:cNvPr>
@@ -10742,8 +8843,8 @@
         </p:blipFill>
         <p:spPr>
           <a:xfrm>
-            <a:off x="611560" y="-14111"/>
-            <a:ext cx="7904649" cy="6872111"/>
+            <a:off x="691968" y="0"/>
+            <a:ext cx="7760064" cy="6858000"/>
           </a:xfrm>
           <a:prstGeom prst="rect">
             <a:avLst/>
@@ -10763,7 +8864,7 @@
 </p:sld>
 </file>
 
-<file path=ppt/slides/slide41.xml><?xml version="1.0" encoding="utf-8"?>
+<file path=ppt/slides/slide33.xml><?xml version="1.0" encoding="utf-8"?>
 <p:sld xmlns:a="http://schemas.openxmlformats.org/drawingml/2006/main" xmlns:r="http://schemas.openxmlformats.org/officeDocument/2006/relationships" xmlns:p="http://schemas.openxmlformats.org/presentationml/2006/main">
   <p:cSld>
     <p:spTree>
@@ -10861,10 +8962,10 @@
       </p:sp>
       <p:pic>
         <p:nvPicPr>
-          <p:cNvPr id="6" name="Picture 5">
+          <p:cNvPr id="2" name="Picture 1">
             <a:extLst>
               <a:ext uri="{FF2B5EF4-FFF2-40B4-BE49-F238E27FC236}">
-                <a16:creationId xmlns:a16="http://schemas.microsoft.com/office/drawing/2014/main" id="{BC6BE6AB-5878-48C3-B93A-534BC944E7D1}"/>
+                <a16:creationId xmlns:a16="http://schemas.microsoft.com/office/drawing/2014/main" id="{AC3F4872-BBD0-4C85-AF1B-EECA98565237}"/>
               </a:ext>
             </a:extLst>
           </p:cNvPr>
@@ -10881,8 +8982,8 @@
         </p:blipFill>
         <p:spPr>
           <a:xfrm>
-            <a:off x="318233" y="0"/>
-            <a:ext cx="8507536" cy="6858000"/>
+            <a:off x="340603" y="0"/>
+            <a:ext cx="8462797" cy="6858000"/>
           </a:xfrm>
           <a:prstGeom prst="rect">
             <a:avLst/>
@@ -10902,6 +9003,1884 @@
   <p:transition spd="med">
     <p:fade/>
   </p:transition>
+</p:sld>
+</file>
+
+<file path=ppt/slides/slide34.xml><?xml version="1.0" encoding="utf-8"?>
+<p:sld xmlns:a="http://schemas.openxmlformats.org/drawingml/2006/main" xmlns:r="http://schemas.openxmlformats.org/officeDocument/2006/relationships" xmlns:p="http://schemas.openxmlformats.org/presentationml/2006/main">
+  <p:cSld>
+    <p:spTree>
+      <p:nvGrpSpPr>
+        <p:cNvPr id="1" name=""/>
+        <p:cNvGrpSpPr/>
+        <p:nvPr/>
+      </p:nvGrpSpPr>
+      <p:grpSpPr>
+        <a:xfrm>
+          <a:off x="0" y="0"/>
+          <a:ext cx="0" cy="0"/>
+          <a:chOff x="0" y="0"/>
+          <a:chExt cx="0" cy="0"/>
+        </a:xfrm>
+      </p:grpSpPr>
+      <p:sp>
+        <p:nvSpPr>
+          <p:cNvPr id="7170" name="Rectangle 2"/>
+          <p:cNvSpPr>
+            <a:spLocks noGrp="1" noChangeArrowheads="1"/>
+          </p:cNvSpPr>
+          <p:nvPr>
+            <p:ph type="ctrTitle"/>
+          </p:nvPr>
+        </p:nvSpPr>
+        <p:spPr>
+          <a:xfrm>
+            <a:off x="611560" y="1484784"/>
+            <a:ext cx="7815263" cy="2088232"/>
+          </a:xfrm>
+        </p:spPr>
+        <p:txBody>
+          <a:bodyPr/>
+          <a:lstStyle/>
+          <a:p>
+            <a:pPr eaLnBrk="1" fontAlgn="auto" hangingPunct="1">
+              <a:spcAft>
+                <a:spcPts val="0"/>
+              </a:spcAft>
+              <a:defRPr/>
+            </a:pPr>
+            <a:r>
+              <a:rPr lang="pt-BR" dirty="0">
+                <a:ea typeface="ＭＳ Ｐゴシック" pitchFamily="-106" charset="-128"/>
+              </a:rPr>
+              <a:t>MÓDULO CONTROLE DE ACESSO</a:t>
+            </a:r>
+          </a:p>
+        </p:txBody>
+      </p:sp>
+      <p:grpSp>
+        <p:nvGrpSpPr>
+          <p:cNvPr id="2" name="Group 11"/>
+          <p:cNvGrpSpPr>
+            <a:grpSpLocks/>
+          </p:cNvGrpSpPr>
+          <p:nvPr/>
+        </p:nvGrpSpPr>
+        <p:grpSpPr bwMode="auto">
+          <a:xfrm>
+            <a:off x="755650" y="3213100"/>
+            <a:ext cx="184150" cy="711200"/>
+            <a:chOff x="476" y="2078"/>
+            <a:chExt cx="116" cy="448"/>
+          </a:xfrm>
+        </p:grpSpPr>
+        <p:sp>
+          <p:nvSpPr>
+            <p:cNvPr id="4101" name="Text Box 4"/>
+            <p:cNvSpPr txBox="1">
+              <a:spLocks noChangeArrowheads="1"/>
+            </p:cNvSpPr>
+            <p:nvPr/>
+          </p:nvSpPr>
+          <p:spPr bwMode="auto">
+            <a:xfrm>
+              <a:off x="476" y="2078"/>
+              <a:ext cx="116" cy="233"/>
+            </a:xfrm>
+            <a:prstGeom prst="rect">
+              <a:avLst/>
+            </a:prstGeom>
+            <a:noFill/>
+            <a:ln>
+              <a:noFill/>
+            </a:ln>
+            <a:extLst>
+              <a:ext uri="{909E8E84-426E-40DD-AFC4-6F175D3DCCD1}">
+                <a14:hiddenFill xmlns:a14="http://schemas.microsoft.com/office/drawing/2010/main">
+                  <a:solidFill>
+                    <a:srgbClr val="FFFFFF"/>
+                  </a:solidFill>
+                </a14:hiddenFill>
+              </a:ext>
+              <a:ext uri="{91240B29-F687-4F45-9708-019B960494DF}">
+                <a14:hiddenLine xmlns:a14="http://schemas.microsoft.com/office/drawing/2010/main" w="9525">
+                  <a:solidFill>
+                    <a:srgbClr val="000000"/>
+                  </a:solidFill>
+                  <a:miter lim="800000"/>
+                  <a:headEnd/>
+                  <a:tailEnd/>
+                </a14:hiddenLine>
+              </a:ext>
+            </a:extLst>
+          </p:spPr>
+          <p:txBody>
+            <a:bodyPr wrap="none">
+              <a:spAutoFit/>
+            </a:bodyPr>
+            <a:lstStyle>
+              <a:lvl1pPr>
+                <a:defRPr>
+                  <a:solidFill>
+                    <a:schemeClr val="tx1"/>
+                  </a:solidFill>
+                  <a:latin typeface="Arial" charset="0"/>
+                  <a:ea typeface="ＭＳ Ｐゴシック" pitchFamily="34" charset="-128"/>
+                </a:defRPr>
+              </a:lvl1pPr>
+              <a:lvl2pPr marL="742950" indent="-285750">
+                <a:defRPr>
+                  <a:solidFill>
+                    <a:schemeClr val="tx1"/>
+                  </a:solidFill>
+                  <a:latin typeface="Arial" charset="0"/>
+                  <a:ea typeface="ＭＳ Ｐゴシック" pitchFamily="34" charset="-128"/>
+                </a:defRPr>
+              </a:lvl2pPr>
+              <a:lvl3pPr marL="1143000" indent="-228600">
+                <a:defRPr>
+                  <a:solidFill>
+                    <a:schemeClr val="tx1"/>
+                  </a:solidFill>
+                  <a:latin typeface="Arial" charset="0"/>
+                  <a:ea typeface="ＭＳ Ｐゴシック" pitchFamily="34" charset="-128"/>
+                </a:defRPr>
+              </a:lvl3pPr>
+              <a:lvl4pPr marL="1600200" indent="-228600">
+                <a:defRPr>
+                  <a:solidFill>
+                    <a:schemeClr val="tx1"/>
+                  </a:solidFill>
+                  <a:latin typeface="Arial" charset="0"/>
+                  <a:ea typeface="ＭＳ Ｐゴシック" pitchFamily="34" charset="-128"/>
+                </a:defRPr>
+              </a:lvl4pPr>
+              <a:lvl5pPr marL="2057400" indent="-228600">
+                <a:defRPr>
+                  <a:solidFill>
+                    <a:schemeClr val="tx1"/>
+                  </a:solidFill>
+                  <a:latin typeface="Arial" charset="0"/>
+                  <a:ea typeface="ＭＳ Ｐゴシック" pitchFamily="34" charset="-128"/>
+                </a:defRPr>
+              </a:lvl5pPr>
+              <a:lvl6pPr marL="2514600" indent="-228600" eaLnBrk="0" fontAlgn="base" hangingPunct="0">
+                <a:spcBef>
+                  <a:spcPct val="0"/>
+                </a:spcBef>
+                <a:spcAft>
+                  <a:spcPct val="0"/>
+                </a:spcAft>
+                <a:defRPr>
+                  <a:solidFill>
+                    <a:schemeClr val="tx1"/>
+                  </a:solidFill>
+                  <a:latin typeface="Arial" charset="0"/>
+                  <a:ea typeface="ＭＳ Ｐゴシック" pitchFamily="34" charset="-128"/>
+                </a:defRPr>
+              </a:lvl6pPr>
+              <a:lvl7pPr marL="2971800" indent="-228600" eaLnBrk="0" fontAlgn="base" hangingPunct="0">
+                <a:spcBef>
+                  <a:spcPct val="0"/>
+                </a:spcBef>
+                <a:spcAft>
+                  <a:spcPct val="0"/>
+                </a:spcAft>
+                <a:defRPr>
+                  <a:solidFill>
+                    <a:schemeClr val="tx1"/>
+                  </a:solidFill>
+                  <a:latin typeface="Arial" charset="0"/>
+                  <a:ea typeface="ＭＳ Ｐゴシック" pitchFamily="34" charset="-128"/>
+                </a:defRPr>
+              </a:lvl7pPr>
+              <a:lvl8pPr marL="3429000" indent="-228600" eaLnBrk="0" fontAlgn="base" hangingPunct="0">
+                <a:spcBef>
+                  <a:spcPct val="0"/>
+                </a:spcBef>
+                <a:spcAft>
+                  <a:spcPct val="0"/>
+                </a:spcAft>
+                <a:defRPr>
+                  <a:solidFill>
+                    <a:schemeClr val="tx1"/>
+                  </a:solidFill>
+                  <a:latin typeface="Arial" charset="0"/>
+                  <a:ea typeface="ＭＳ Ｐゴシック" pitchFamily="34" charset="-128"/>
+                </a:defRPr>
+              </a:lvl8pPr>
+              <a:lvl9pPr marL="3886200" indent="-228600" eaLnBrk="0" fontAlgn="base" hangingPunct="0">
+                <a:spcBef>
+                  <a:spcPct val="0"/>
+                </a:spcBef>
+                <a:spcAft>
+                  <a:spcPct val="0"/>
+                </a:spcAft>
+                <a:defRPr>
+                  <a:solidFill>
+                    <a:schemeClr val="tx1"/>
+                  </a:solidFill>
+                  <a:latin typeface="Arial" charset="0"/>
+                  <a:ea typeface="ＭＳ Ｐゴシック" pitchFamily="34" charset="-128"/>
+                </a:defRPr>
+              </a:lvl9pPr>
+            </a:lstStyle>
+            <a:p>
+              <a:pPr eaLnBrk="1" hangingPunct="1"/>
+              <a:endParaRPr lang="en-US"/>
+            </a:p>
+          </p:txBody>
+        </p:sp>
+        <p:sp>
+          <p:nvSpPr>
+            <p:cNvPr id="4102" name="Text Box 5"/>
+            <p:cNvSpPr txBox="1">
+              <a:spLocks noChangeArrowheads="1"/>
+            </p:cNvSpPr>
+            <p:nvPr/>
+          </p:nvSpPr>
+          <p:spPr bwMode="auto">
+            <a:xfrm>
+              <a:off x="476" y="2235"/>
+              <a:ext cx="116" cy="291"/>
+            </a:xfrm>
+            <a:prstGeom prst="rect">
+              <a:avLst/>
+            </a:prstGeom>
+            <a:noFill/>
+            <a:ln>
+              <a:noFill/>
+            </a:ln>
+            <a:extLst>
+              <a:ext uri="{909E8E84-426E-40DD-AFC4-6F175D3DCCD1}">
+                <a14:hiddenFill xmlns:a14="http://schemas.microsoft.com/office/drawing/2010/main">
+                  <a:solidFill>
+                    <a:srgbClr val="FFFFFF"/>
+                  </a:solidFill>
+                </a14:hiddenFill>
+              </a:ext>
+              <a:ext uri="{91240B29-F687-4F45-9708-019B960494DF}">
+                <a14:hiddenLine xmlns:a14="http://schemas.microsoft.com/office/drawing/2010/main" w="9525">
+                  <a:solidFill>
+                    <a:srgbClr val="000000"/>
+                  </a:solidFill>
+                  <a:miter lim="800000"/>
+                  <a:headEnd/>
+                  <a:tailEnd/>
+                </a14:hiddenLine>
+              </a:ext>
+            </a:extLst>
+          </p:spPr>
+          <p:txBody>
+            <a:bodyPr wrap="none">
+              <a:spAutoFit/>
+            </a:bodyPr>
+            <a:lstStyle>
+              <a:lvl1pPr>
+                <a:defRPr>
+                  <a:solidFill>
+                    <a:schemeClr val="tx1"/>
+                  </a:solidFill>
+                  <a:latin typeface="Arial" charset="0"/>
+                  <a:ea typeface="ＭＳ Ｐゴシック" pitchFamily="34" charset="-128"/>
+                </a:defRPr>
+              </a:lvl1pPr>
+              <a:lvl2pPr marL="742950" indent="-285750">
+                <a:defRPr>
+                  <a:solidFill>
+                    <a:schemeClr val="tx1"/>
+                  </a:solidFill>
+                  <a:latin typeface="Arial" charset="0"/>
+                  <a:ea typeface="ＭＳ Ｐゴシック" pitchFamily="34" charset="-128"/>
+                </a:defRPr>
+              </a:lvl2pPr>
+              <a:lvl3pPr marL="1143000" indent="-228600">
+                <a:defRPr>
+                  <a:solidFill>
+                    <a:schemeClr val="tx1"/>
+                  </a:solidFill>
+                  <a:latin typeface="Arial" charset="0"/>
+                  <a:ea typeface="ＭＳ Ｐゴシック" pitchFamily="34" charset="-128"/>
+                </a:defRPr>
+              </a:lvl3pPr>
+              <a:lvl4pPr marL="1600200" indent="-228600">
+                <a:defRPr>
+                  <a:solidFill>
+                    <a:schemeClr val="tx1"/>
+                  </a:solidFill>
+                  <a:latin typeface="Arial" charset="0"/>
+                  <a:ea typeface="ＭＳ Ｐゴシック" pitchFamily="34" charset="-128"/>
+                </a:defRPr>
+              </a:lvl4pPr>
+              <a:lvl5pPr marL="2057400" indent="-228600">
+                <a:defRPr>
+                  <a:solidFill>
+                    <a:schemeClr val="tx1"/>
+                  </a:solidFill>
+                  <a:latin typeface="Arial" charset="0"/>
+                  <a:ea typeface="ＭＳ Ｐゴシック" pitchFamily="34" charset="-128"/>
+                </a:defRPr>
+              </a:lvl5pPr>
+              <a:lvl6pPr marL="2514600" indent="-228600" eaLnBrk="0" fontAlgn="base" hangingPunct="0">
+                <a:spcBef>
+                  <a:spcPct val="0"/>
+                </a:spcBef>
+                <a:spcAft>
+                  <a:spcPct val="0"/>
+                </a:spcAft>
+                <a:defRPr>
+                  <a:solidFill>
+                    <a:schemeClr val="tx1"/>
+                  </a:solidFill>
+                  <a:latin typeface="Arial" charset="0"/>
+                  <a:ea typeface="ＭＳ Ｐゴシック" pitchFamily="34" charset="-128"/>
+                </a:defRPr>
+              </a:lvl6pPr>
+              <a:lvl7pPr marL="2971800" indent="-228600" eaLnBrk="0" fontAlgn="base" hangingPunct="0">
+                <a:spcBef>
+                  <a:spcPct val="0"/>
+                </a:spcBef>
+                <a:spcAft>
+                  <a:spcPct val="0"/>
+                </a:spcAft>
+                <a:defRPr>
+                  <a:solidFill>
+                    <a:schemeClr val="tx1"/>
+                  </a:solidFill>
+                  <a:latin typeface="Arial" charset="0"/>
+                  <a:ea typeface="ＭＳ Ｐゴシック" pitchFamily="34" charset="-128"/>
+                </a:defRPr>
+              </a:lvl7pPr>
+              <a:lvl8pPr marL="3429000" indent="-228600" eaLnBrk="0" fontAlgn="base" hangingPunct="0">
+                <a:spcBef>
+                  <a:spcPct val="0"/>
+                </a:spcBef>
+                <a:spcAft>
+                  <a:spcPct val="0"/>
+                </a:spcAft>
+                <a:defRPr>
+                  <a:solidFill>
+                    <a:schemeClr val="tx1"/>
+                  </a:solidFill>
+                  <a:latin typeface="Arial" charset="0"/>
+                  <a:ea typeface="ＭＳ Ｐゴシック" pitchFamily="34" charset="-128"/>
+                </a:defRPr>
+              </a:lvl8pPr>
+              <a:lvl9pPr marL="3886200" indent="-228600" eaLnBrk="0" fontAlgn="base" hangingPunct="0">
+                <a:spcBef>
+                  <a:spcPct val="0"/>
+                </a:spcBef>
+                <a:spcAft>
+                  <a:spcPct val="0"/>
+                </a:spcAft>
+                <a:defRPr>
+                  <a:solidFill>
+                    <a:schemeClr val="tx1"/>
+                  </a:solidFill>
+                  <a:latin typeface="Arial" charset="0"/>
+                  <a:ea typeface="ＭＳ Ｐゴシック" pitchFamily="34" charset="-128"/>
+                </a:defRPr>
+              </a:lvl9pPr>
+            </a:lstStyle>
+            <a:p>
+              <a:pPr eaLnBrk="1" hangingPunct="1"/>
+              <a:endParaRPr lang="pt-BR" sz="2400" b="1">
+                <a:solidFill>
+                  <a:srgbClr val="5F5F5F"/>
+                </a:solidFill>
+              </a:endParaRPr>
+            </a:p>
+          </p:txBody>
+        </p:sp>
+      </p:grpSp>
+      <p:sp>
+        <p:nvSpPr>
+          <p:cNvPr id="7" name="Rectangle 13"/>
+          <p:cNvSpPr txBox="1">
+            <a:spLocks noChangeArrowheads="1"/>
+          </p:cNvSpPr>
+          <p:nvPr/>
+        </p:nvSpPr>
+        <p:spPr>
+          <a:xfrm>
+            <a:off x="866775" y="2652713"/>
+            <a:ext cx="7786688" cy="2008808"/>
+          </a:xfrm>
+          <a:prstGeom prst="rect">
+            <a:avLst/>
+          </a:prstGeom>
+        </p:spPr>
+        <p:txBody>
+          <a:bodyPr/>
+          <a:lstStyle/>
+          <a:p>
+            <a:pPr marL="342900" marR="0" lvl="0" indent="-342900" algn="ctr" defTabSz="914400" rtl="0" eaLnBrk="1" fontAlgn="auto" latinLnBrk="0" hangingPunct="1">
+              <a:lnSpc>
+                <a:spcPct val="100000"/>
+              </a:lnSpc>
+              <a:spcBef>
+                <a:spcPct val="20000"/>
+              </a:spcBef>
+              <a:spcAft>
+                <a:spcPts val="0"/>
+              </a:spcAft>
+              <a:buClrTx/>
+              <a:buSzTx/>
+              <a:buFont typeface="Arial" panose="020B0604020202020204" pitchFamily="34" charset="0"/>
+              <a:buNone/>
+              <a:tabLst/>
+              <a:defRPr/>
+            </a:pPr>
+            <a:endParaRPr kumimoji="0" lang="pt-BR" sz="4000" b="0" i="0" u="none" strike="noStrike" kern="1200" cap="none" spc="0" normalizeH="0" baseline="0" noProof="0" dirty="0">
+              <a:ln>
+                <a:noFill/>
+              </a:ln>
+              <a:solidFill>
+                <a:schemeClr val="tx2">
+                  <a:lumMod val="75000"/>
+                </a:schemeClr>
+              </a:solidFill>
+              <a:effectLst/>
+              <a:uLnTx/>
+              <a:uFillTx/>
+              <a:latin typeface="Verdana" pitchFamily="34" charset="0"/>
+              <a:ea typeface="ＭＳ Ｐゴシック" pitchFamily="-106" charset="-128"/>
+              <a:cs typeface="Verdana" pitchFamily="34" charset="0"/>
+            </a:endParaRPr>
+          </a:p>
+          <a:p>
+            <a:pPr marL="342900" marR="0" lvl="0" indent="-342900" algn="ctr" defTabSz="914400" rtl="0" eaLnBrk="1" fontAlgn="auto" latinLnBrk="0" hangingPunct="1">
+              <a:lnSpc>
+                <a:spcPct val="100000"/>
+              </a:lnSpc>
+              <a:spcBef>
+                <a:spcPct val="20000"/>
+              </a:spcBef>
+              <a:spcAft>
+                <a:spcPts val="0"/>
+              </a:spcAft>
+              <a:buClrTx/>
+              <a:buSzTx/>
+              <a:buFont typeface="Arial" panose="020B0604020202020204" pitchFamily="34" charset="0"/>
+              <a:buNone/>
+              <a:tabLst/>
+              <a:defRPr/>
+            </a:pPr>
+            <a:r>
+              <a:rPr kumimoji="0" lang="pt-BR" sz="4000" b="0" i="0" u="none" strike="noStrike" kern="1200" cap="none" spc="0" normalizeH="0" baseline="0" noProof="0" dirty="0">
+                <a:ln>
+                  <a:noFill/>
+                </a:ln>
+                <a:solidFill>
+                  <a:schemeClr val="tx2">
+                    <a:lumMod val="75000"/>
+                  </a:schemeClr>
+                </a:solidFill>
+                <a:effectLst/>
+                <a:uLnTx/>
+                <a:uFillTx/>
+                <a:latin typeface="Verdana" pitchFamily="34" charset="0"/>
+                <a:ea typeface="ＭＳ Ｐゴシック" pitchFamily="-106" charset="-128"/>
+                <a:cs typeface="Verdana" pitchFamily="34" charset="0"/>
+              </a:rPr>
+              <a:t>Jose Alexandre Bitencourt</a:t>
+            </a:r>
+            <a:endParaRPr kumimoji="0" lang="pt-BR" sz="2000" b="1" i="0" u="none" strike="noStrike" kern="1200" cap="none" spc="0" normalizeH="0" baseline="0" noProof="0" dirty="0">
+              <a:ln>
+                <a:noFill/>
+              </a:ln>
+              <a:solidFill>
+                <a:srgbClr val="5F5F5F"/>
+              </a:solidFill>
+              <a:effectLst/>
+              <a:uLnTx/>
+              <a:uFillTx/>
+              <a:latin typeface="Verdana" pitchFamily="34" charset="0"/>
+              <a:ea typeface="Verdana" pitchFamily="34" charset="0"/>
+              <a:cs typeface="Verdana" pitchFamily="34" charset="0"/>
+            </a:endParaRPr>
+          </a:p>
+        </p:txBody>
+      </p:sp>
+    </p:spTree>
+    <p:extLst>
+      <p:ext uri="{BB962C8B-B14F-4D97-AF65-F5344CB8AC3E}">
+        <p14:creationId xmlns:p14="http://schemas.microsoft.com/office/powerpoint/2010/main" val="3409322625"/>
+      </p:ext>
+    </p:extLst>
+  </p:cSld>
+  <p:clrMapOvr>
+    <a:masterClrMapping/>
+  </p:clrMapOvr>
+  <p:transition spd="med">
+    <p:fade/>
+  </p:transition>
+</p:sld>
+</file>
+
+<file path=ppt/slides/slide35.xml><?xml version="1.0" encoding="utf-8"?>
+<p:sld xmlns:a="http://schemas.openxmlformats.org/drawingml/2006/main" xmlns:r="http://schemas.openxmlformats.org/officeDocument/2006/relationships" xmlns:p="http://schemas.openxmlformats.org/presentationml/2006/main">
+  <p:cSld>
+    <p:spTree>
+      <p:nvGrpSpPr>
+        <p:cNvPr id="1" name=""/>
+        <p:cNvGrpSpPr/>
+        <p:nvPr/>
+      </p:nvGrpSpPr>
+      <p:grpSpPr>
+        <a:xfrm>
+          <a:off x="0" y="0"/>
+          <a:ext cx="0" cy="0"/>
+          <a:chOff x="0" y="0"/>
+          <a:chExt cx="0" cy="0"/>
+        </a:xfrm>
+      </p:grpSpPr>
+      <p:sp>
+        <p:nvSpPr>
+          <p:cNvPr id="2" name="Título 1">
+            <a:extLst>
+              <a:ext uri="{FF2B5EF4-FFF2-40B4-BE49-F238E27FC236}">
+                <a16:creationId xmlns:a16="http://schemas.microsoft.com/office/drawing/2014/main" id="{4420E5F6-C592-489E-8742-39113C67F28C}"/>
+              </a:ext>
+            </a:extLst>
+          </p:cNvPr>
+          <p:cNvSpPr>
+            <a:spLocks noGrp="1"/>
+          </p:cNvSpPr>
+          <p:nvPr>
+            <p:ph type="title"/>
+          </p:nvPr>
+        </p:nvSpPr>
+        <p:spPr>
+          <a:xfrm>
+            <a:off x="323750" y="0"/>
+            <a:ext cx="8797925" cy="922338"/>
+          </a:xfrm>
+        </p:spPr>
+        <p:txBody>
+          <a:bodyPr/>
+          <a:lstStyle/>
+          <a:p>
+            <a:r>
+              <a:rPr lang="pt-BR" dirty="0"/>
+              <a:t>MÓDULO CONTROLE </a:t>
+            </a:r>
+            <a:br>
+              <a:rPr lang="pt-BR" dirty="0"/>
+            </a:br>
+            <a:r>
+              <a:rPr lang="pt-BR" dirty="0"/>
+              <a:t>DE ACESSO</a:t>
+            </a:r>
+          </a:p>
+        </p:txBody>
+      </p:sp>
+      <p:sp>
+        <p:nvSpPr>
+          <p:cNvPr id="3" name="Espaço Reservado para Conteúdo 2">
+            <a:extLst>
+              <a:ext uri="{FF2B5EF4-FFF2-40B4-BE49-F238E27FC236}">
+                <a16:creationId xmlns:a16="http://schemas.microsoft.com/office/drawing/2014/main" id="{FB12D05B-E47F-4BA3-B1A7-F1DCD4D8F90E}"/>
+              </a:ext>
+            </a:extLst>
+          </p:cNvPr>
+          <p:cNvSpPr>
+            <a:spLocks noGrp="1"/>
+          </p:cNvSpPr>
+          <p:nvPr>
+            <p:ph idx="1"/>
+          </p:nvPr>
+        </p:nvSpPr>
+        <p:spPr>
+          <a:xfrm>
+            <a:off x="150267" y="1341909"/>
+            <a:ext cx="8785225" cy="4751387"/>
+          </a:xfrm>
+        </p:spPr>
+        <p:txBody>
+          <a:bodyPr/>
+          <a:lstStyle/>
+          <a:p>
+            <a:pPr algn="just" eaLnBrk="1" hangingPunct="1">
+              <a:buFont typeface="Arial" panose="020B0604020202020204" pitchFamily="34" charset="0"/>
+              <a:buChar char="•"/>
+              <a:defRPr/>
+            </a:pPr>
+            <a:r>
+              <a:rPr lang="pt-BR" sz="2600" dirty="0">
+                <a:solidFill>
+                  <a:schemeClr val="tx2">
+                    <a:lumMod val="75000"/>
+                  </a:schemeClr>
+                </a:solidFill>
+              </a:rPr>
+              <a:t>Login</a:t>
+            </a:r>
+          </a:p>
+          <a:p>
+            <a:pPr lvl="1" algn="just" eaLnBrk="1" hangingPunct="1">
+              <a:buFont typeface="Arial" panose="020B0604020202020204" pitchFamily="34" charset="0"/>
+              <a:buChar char="•"/>
+              <a:defRPr/>
+            </a:pPr>
+            <a:r>
+              <a:rPr lang="pt-BR" sz="1850" dirty="0">
+                <a:solidFill>
+                  <a:schemeClr val="tx2">
+                    <a:lumMod val="75000"/>
+                  </a:schemeClr>
+                </a:solidFill>
+              </a:rPr>
+              <a:t>Controla o acesso ao sistema através de autenticação do usuário que irá utilizá-lo.</a:t>
+            </a:r>
+          </a:p>
+          <a:p>
+            <a:pPr algn="just" eaLnBrk="1" hangingPunct="1">
+              <a:buFont typeface="Arial" panose="020B0604020202020204" pitchFamily="34" charset="0"/>
+              <a:buChar char="•"/>
+              <a:defRPr/>
+            </a:pPr>
+            <a:r>
+              <a:rPr lang="pt-BR" sz="2600" dirty="0">
+                <a:solidFill>
+                  <a:schemeClr val="tx2">
+                    <a:lumMod val="75000"/>
+                  </a:schemeClr>
+                </a:solidFill>
+              </a:rPr>
+              <a:t>Manter Usuário</a:t>
+            </a:r>
+          </a:p>
+          <a:p>
+            <a:pPr lvl="1" algn="just" eaLnBrk="1" hangingPunct="1">
+              <a:buFont typeface="Arial" panose="020B0604020202020204" pitchFamily="34" charset="0"/>
+              <a:buChar char="•"/>
+              <a:defRPr/>
+            </a:pPr>
+            <a:r>
+              <a:rPr lang="pt-BR" sz="1850" dirty="0">
+                <a:solidFill>
+                  <a:schemeClr val="tx2">
+                    <a:lumMod val="75000"/>
+                  </a:schemeClr>
+                </a:solidFill>
+              </a:rPr>
+              <a:t>Permite a manutenção do usuário.</a:t>
+            </a:r>
+          </a:p>
+          <a:p>
+            <a:pPr algn="just" eaLnBrk="1" hangingPunct="1">
+              <a:buFont typeface="Arial" panose="020B0604020202020204" pitchFamily="34" charset="0"/>
+              <a:buChar char="•"/>
+              <a:defRPr/>
+            </a:pPr>
+            <a:r>
+              <a:rPr lang="pt-BR" sz="2600" dirty="0">
+                <a:solidFill>
+                  <a:schemeClr val="tx2">
+                    <a:lumMod val="75000"/>
+                  </a:schemeClr>
+                </a:solidFill>
+              </a:rPr>
+              <a:t>Alterar Senha</a:t>
+            </a:r>
+          </a:p>
+          <a:p>
+            <a:pPr lvl="1" algn="just" eaLnBrk="1" hangingPunct="1">
+              <a:buFont typeface="Arial" panose="020B0604020202020204" pitchFamily="34" charset="0"/>
+              <a:buChar char="•"/>
+              <a:defRPr/>
+            </a:pPr>
+            <a:r>
+              <a:rPr lang="pt-BR" sz="1850" dirty="0">
+                <a:solidFill>
+                  <a:schemeClr val="tx2">
+                    <a:lumMod val="75000"/>
+                  </a:schemeClr>
+                </a:solidFill>
+              </a:rPr>
+              <a:t>Permite que qualquer usuário altere sua própria senha.</a:t>
+            </a:r>
+          </a:p>
+          <a:p>
+            <a:pPr algn="just" eaLnBrk="1" hangingPunct="1">
+              <a:buFont typeface="Arial" panose="020B0604020202020204" pitchFamily="34" charset="0"/>
+              <a:buChar char="•"/>
+              <a:defRPr/>
+            </a:pPr>
+            <a:r>
+              <a:rPr lang="pt-BR" sz="2600" dirty="0">
+                <a:solidFill>
+                  <a:schemeClr val="tx2">
+                    <a:lumMod val="75000"/>
+                  </a:schemeClr>
+                </a:solidFill>
+              </a:rPr>
+              <a:t>Consultar Log</a:t>
+            </a:r>
+          </a:p>
+          <a:p>
+            <a:pPr lvl="1" algn="just" eaLnBrk="1" hangingPunct="1">
+              <a:buFont typeface="Arial" panose="020B0604020202020204" pitchFamily="34" charset="0"/>
+              <a:buChar char="•"/>
+              <a:defRPr/>
+            </a:pPr>
+            <a:r>
+              <a:rPr lang="pt-BR" sz="1850" dirty="0">
+                <a:solidFill>
+                  <a:schemeClr val="tx2">
+                    <a:lumMod val="75000"/>
+                  </a:schemeClr>
+                </a:solidFill>
+              </a:rPr>
+              <a:t>Permite a consulta de logs gravados no sistema por período e tipo de informação.</a:t>
+            </a:r>
+          </a:p>
+          <a:p>
+            <a:pPr algn="just" eaLnBrk="1" hangingPunct="1">
+              <a:buFont typeface="Arial" panose="020B0604020202020204" pitchFamily="34" charset="0"/>
+              <a:buChar char="•"/>
+              <a:defRPr/>
+            </a:pPr>
+            <a:r>
+              <a:rPr lang="pt-BR" sz="2600" dirty="0">
+                <a:solidFill>
+                  <a:schemeClr val="tx2">
+                    <a:lumMod val="75000"/>
+                  </a:schemeClr>
+                </a:solidFill>
+              </a:rPr>
+              <a:t>Configurar Perfil</a:t>
+            </a:r>
+          </a:p>
+          <a:p>
+            <a:pPr lvl="1" algn="just" eaLnBrk="1" hangingPunct="1">
+              <a:buFont typeface="Arial" panose="020B0604020202020204" pitchFamily="34" charset="0"/>
+              <a:buChar char="•"/>
+              <a:defRPr/>
+            </a:pPr>
+            <a:r>
+              <a:rPr lang="pt-BR" sz="1850" dirty="0">
+                <a:solidFill>
+                  <a:schemeClr val="tx2">
+                    <a:lumMod val="75000"/>
+                  </a:schemeClr>
+                </a:solidFill>
+              </a:rPr>
+              <a:t>Permite disponibilizar ou excluir acesso à funcionalidades para um perfil de usuário.</a:t>
+            </a:r>
+          </a:p>
+          <a:p>
+            <a:pPr algn="just" eaLnBrk="1" hangingPunct="1">
+              <a:defRPr/>
+            </a:pPr>
+            <a:r>
+              <a:rPr lang="pt-BR" sz="2600" dirty="0">
+                <a:solidFill>
+                  <a:schemeClr val="tx2">
+                    <a:lumMod val="75000"/>
+                  </a:schemeClr>
+                </a:solidFill>
+              </a:rPr>
+              <a:t>Manter Funcionário</a:t>
+            </a:r>
+          </a:p>
+          <a:p>
+            <a:pPr lvl="1" algn="just" eaLnBrk="1" hangingPunct="1">
+              <a:buFont typeface="Arial" panose="020B0604020202020204" pitchFamily="34" charset="0"/>
+              <a:buChar char="•"/>
+              <a:defRPr/>
+            </a:pPr>
+            <a:r>
+              <a:rPr lang="pt-BR" sz="1850" dirty="0">
+                <a:solidFill>
+                  <a:schemeClr val="tx2">
+                    <a:lumMod val="75000"/>
+                  </a:schemeClr>
+                </a:solidFill>
+              </a:rPr>
+              <a:t>Permite a manutenção de funcionários da clínica.</a:t>
+            </a:r>
+          </a:p>
+          <a:p>
+            <a:endParaRPr lang="pt-BR" dirty="0"/>
+          </a:p>
+        </p:txBody>
+      </p:sp>
+    </p:spTree>
+    <p:extLst>
+      <p:ext uri="{BB962C8B-B14F-4D97-AF65-F5344CB8AC3E}">
+        <p14:creationId xmlns:p14="http://schemas.microsoft.com/office/powerpoint/2010/main" val="732095642"/>
+      </p:ext>
+    </p:extLst>
+  </p:cSld>
+  <p:clrMapOvr>
+    <a:masterClrMapping/>
+  </p:clrMapOvr>
+</p:sld>
+</file>
+
+<file path=ppt/slides/slide36.xml><?xml version="1.0" encoding="utf-8"?>
+<p:sld xmlns:a="http://schemas.openxmlformats.org/drawingml/2006/main" xmlns:r="http://schemas.openxmlformats.org/officeDocument/2006/relationships" xmlns:p="http://schemas.openxmlformats.org/presentationml/2006/main">
+  <p:cSld>
+    <p:spTree>
+      <p:nvGrpSpPr>
+        <p:cNvPr id="1" name=""/>
+        <p:cNvGrpSpPr/>
+        <p:nvPr/>
+      </p:nvGrpSpPr>
+      <p:grpSpPr>
+        <a:xfrm>
+          <a:off x="0" y="0"/>
+          <a:ext cx="0" cy="0"/>
+          <a:chOff x="0" y="0"/>
+          <a:chExt cx="0" cy="0"/>
+        </a:xfrm>
+      </p:grpSpPr>
+      <p:sp>
+        <p:nvSpPr>
+          <p:cNvPr id="5" name="Título 1">
+            <a:extLst>
+              <a:ext uri="{FF2B5EF4-FFF2-40B4-BE49-F238E27FC236}">
+                <a16:creationId xmlns:a16="http://schemas.microsoft.com/office/drawing/2014/main" id="{4420E5F6-C592-489E-8742-39113C67F28C}"/>
+              </a:ext>
+            </a:extLst>
+          </p:cNvPr>
+          <p:cNvSpPr txBox="1">
+            <a:spLocks/>
+          </p:cNvSpPr>
+          <p:nvPr/>
+        </p:nvSpPr>
+        <p:spPr>
+          <a:xfrm>
+            <a:off x="323750" y="0"/>
+            <a:ext cx="8797925" cy="922338"/>
+          </a:xfrm>
+          <a:prstGeom prst="rect">
+            <a:avLst/>
+          </a:prstGeom>
+        </p:spPr>
+        <p:txBody>
+          <a:bodyPr/>
+          <a:lstStyle>
+            <a:lvl1pPr algn="r" rtl="0" eaLnBrk="0" fontAlgn="base" hangingPunct="0">
+              <a:spcBef>
+                <a:spcPct val="0"/>
+              </a:spcBef>
+              <a:spcAft>
+                <a:spcPct val="0"/>
+              </a:spcAft>
+              <a:defRPr sz="3600" b="1" kern="1200">
+                <a:solidFill>
+                  <a:schemeClr val="accent1">
+                    <a:lumMod val="50000"/>
+                  </a:schemeClr>
+                </a:solidFill>
+                <a:latin typeface="Arial" pitchFamily="34" charset="0"/>
+                <a:ea typeface="Verdana" pitchFamily="34" charset="0"/>
+                <a:cs typeface="Arial" pitchFamily="34" charset="0"/>
+              </a:defRPr>
+            </a:lvl1pPr>
+            <a:lvl2pPr algn="ctr" rtl="0" eaLnBrk="0" fontAlgn="base" hangingPunct="0">
+              <a:spcBef>
+                <a:spcPct val="0"/>
+              </a:spcBef>
+              <a:spcAft>
+                <a:spcPct val="0"/>
+              </a:spcAft>
+              <a:defRPr sz="4400">
+                <a:solidFill>
+                  <a:schemeClr val="tx1"/>
+                </a:solidFill>
+                <a:latin typeface="Verdana" pitchFamily="34" charset="0"/>
+                <a:ea typeface="Verdana" pitchFamily="34" charset="0"/>
+                <a:cs typeface="Verdana" pitchFamily="34" charset="0"/>
+              </a:defRPr>
+            </a:lvl2pPr>
+            <a:lvl3pPr algn="ctr" rtl="0" eaLnBrk="0" fontAlgn="base" hangingPunct="0">
+              <a:spcBef>
+                <a:spcPct val="0"/>
+              </a:spcBef>
+              <a:spcAft>
+                <a:spcPct val="0"/>
+              </a:spcAft>
+              <a:defRPr sz="4400">
+                <a:solidFill>
+                  <a:schemeClr val="tx1"/>
+                </a:solidFill>
+                <a:latin typeface="Verdana" pitchFamily="34" charset="0"/>
+                <a:ea typeface="Verdana" pitchFamily="34" charset="0"/>
+                <a:cs typeface="Verdana" pitchFamily="34" charset="0"/>
+              </a:defRPr>
+            </a:lvl3pPr>
+            <a:lvl4pPr algn="ctr" rtl="0" eaLnBrk="0" fontAlgn="base" hangingPunct="0">
+              <a:spcBef>
+                <a:spcPct val="0"/>
+              </a:spcBef>
+              <a:spcAft>
+                <a:spcPct val="0"/>
+              </a:spcAft>
+              <a:defRPr sz="4400">
+                <a:solidFill>
+                  <a:schemeClr val="tx1"/>
+                </a:solidFill>
+                <a:latin typeface="Verdana" pitchFamily="34" charset="0"/>
+                <a:ea typeface="Verdana" pitchFamily="34" charset="0"/>
+                <a:cs typeface="Verdana" pitchFamily="34" charset="0"/>
+              </a:defRPr>
+            </a:lvl4pPr>
+            <a:lvl5pPr algn="ctr" rtl="0" eaLnBrk="0" fontAlgn="base" hangingPunct="0">
+              <a:spcBef>
+                <a:spcPct val="0"/>
+              </a:spcBef>
+              <a:spcAft>
+                <a:spcPct val="0"/>
+              </a:spcAft>
+              <a:defRPr sz="4400">
+                <a:solidFill>
+                  <a:schemeClr val="tx1"/>
+                </a:solidFill>
+                <a:latin typeface="Verdana" pitchFamily="34" charset="0"/>
+                <a:ea typeface="Verdana" pitchFamily="34" charset="0"/>
+                <a:cs typeface="Verdana" pitchFamily="34" charset="0"/>
+              </a:defRPr>
+            </a:lvl5pPr>
+            <a:lvl6pPr marL="457200" algn="ctr" rtl="0" fontAlgn="base">
+              <a:spcBef>
+                <a:spcPct val="0"/>
+              </a:spcBef>
+              <a:spcAft>
+                <a:spcPct val="0"/>
+              </a:spcAft>
+              <a:defRPr sz="4400">
+                <a:solidFill>
+                  <a:schemeClr val="tx1"/>
+                </a:solidFill>
+                <a:latin typeface="Verdana" pitchFamily="34" charset="0"/>
+                <a:ea typeface="Verdana" pitchFamily="34" charset="0"/>
+                <a:cs typeface="Verdana" pitchFamily="34" charset="0"/>
+              </a:defRPr>
+            </a:lvl6pPr>
+            <a:lvl7pPr marL="914400" algn="ctr" rtl="0" fontAlgn="base">
+              <a:spcBef>
+                <a:spcPct val="0"/>
+              </a:spcBef>
+              <a:spcAft>
+                <a:spcPct val="0"/>
+              </a:spcAft>
+              <a:defRPr sz="4400">
+                <a:solidFill>
+                  <a:schemeClr val="tx1"/>
+                </a:solidFill>
+                <a:latin typeface="Verdana" pitchFamily="34" charset="0"/>
+                <a:ea typeface="Verdana" pitchFamily="34" charset="0"/>
+                <a:cs typeface="Verdana" pitchFamily="34" charset="0"/>
+              </a:defRPr>
+            </a:lvl7pPr>
+            <a:lvl8pPr marL="1371600" algn="ctr" rtl="0" fontAlgn="base">
+              <a:spcBef>
+                <a:spcPct val="0"/>
+              </a:spcBef>
+              <a:spcAft>
+                <a:spcPct val="0"/>
+              </a:spcAft>
+              <a:defRPr sz="4400">
+                <a:solidFill>
+                  <a:schemeClr val="tx1"/>
+                </a:solidFill>
+                <a:latin typeface="Verdana" pitchFamily="34" charset="0"/>
+                <a:ea typeface="Verdana" pitchFamily="34" charset="0"/>
+                <a:cs typeface="Verdana" pitchFamily="34" charset="0"/>
+              </a:defRPr>
+            </a:lvl8pPr>
+            <a:lvl9pPr marL="1828800" algn="ctr" rtl="0" fontAlgn="base">
+              <a:spcBef>
+                <a:spcPct val="0"/>
+              </a:spcBef>
+              <a:spcAft>
+                <a:spcPct val="0"/>
+              </a:spcAft>
+              <a:defRPr sz="4400">
+                <a:solidFill>
+                  <a:schemeClr val="tx1"/>
+                </a:solidFill>
+                <a:latin typeface="Verdana" pitchFamily="34" charset="0"/>
+                <a:ea typeface="Verdana" pitchFamily="34" charset="0"/>
+                <a:cs typeface="Verdana" pitchFamily="34" charset="0"/>
+              </a:defRPr>
+            </a:lvl9pPr>
+          </a:lstStyle>
+          <a:p>
+            <a:r>
+              <a:rPr lang="pt-BR"/>
+              <a:t>MÓDULO CONTROLE </a:t>
+            </a:r>
+            <a:br>
+              <a:rPr lang="pt-BR"/>
+            </a:br>
+            <a:r>
+              <a:rPr lang="pt-BR"/>
+              <a:t>DE ACESSO</a:t>
+            </a:r>
+            <a:endParaRPr lang="pt-BR" dirty="0"/>
+          </a:p>
+        </p:txBody>
+      </p:sp>
+      <p:pic>
+        <p:nvPicPr>
+          <p:cNvPr id="3" name="Picture 2">
+            <a:extLst>
+              <a:ext uri="{FF2B5EF4-FFF2-40B4-BE49-F238E27FC236}">
+                <a16:creationId xmlns:a16="http://schemas.microsoft.com/office/drawing/2014/main" id="{8F573B82-A720-4E7D-88E3-7ABD98571312}"/>
+              </a:ext>
+            </a:extLst>
+          </p:cNvPr>
+          <p:cNvPicPr>
+            <a:picLocks noChangeAspect="1"/>
+          </p:cNvPicPr>
+          <p:nvPr/>
+        </p:nvPicPr>
+        <p:blipFill>
+          <a:blip r:embed="rId2">
+            <a:extLst>
+              <a:ext uri="{28A0092B-C50C-407E-A947-70E740481C1C}">
+                <a14:useLocalDpi xmlns:a14="http://schemas.microsoft.com/office/drawing/2010/main" val="0"/>
+              </a:ext>
+            </a:extLst>
+          </a:blip>
+          <a:stretch>
+            <a:fillRect/>
+          </a:stretch>
+        </p:blipFill>
+        <p:spPr>
+          <a:xfrm>
+            <a:off x="2503387" y="1268761"/>
+            <a:ext cx="4228853" cy="5532254"/>
+          </a:xfrm>
+          <a:prstGeom prst="rect">
+            <a:avLst/>
+          </a:prstGeom>
+        </p:spPr>
+      </p:pic>
+    </p:spTree>
+    <p:extLst>
+      <p:ext uri="{BB962C8B-B14F-4D97-AF65-F5344CB8AC3E}">
+        <p14:creationId xmlns:p14="http://schemas.microsoft.com/office/powerpoint/2010/main" val="1528951847"/>
+      </p:ext>
+    </p:extLst>
+  </p:cSld>
+  <p:clrMapOvr>
+    <a:masterClrMapping/>
+  </p:clrMapOvr>
+</p:sld>
+</file>
+
+<file path=ppt/slides/slide37.xml><?xml version="1.0" encoding="utf-8"?>
+<p:sld xmlns:a="http://schemas.openxmlformats.org/drawingml/2006/main" xmlns:r="http://schemas.openxmlformats.org/officeDocument/2006/relationships" xmlns:p="http://schemas.openxmlformats.org/presentationml/2006/main">
+  <p:cSld>
+    <p:spTree>
+      <p:nvGrpSpPr>
+        <p:cNvPr id="1" name=""/>
+        <p:cNvGrpSpPr/>
+        <p:nvPr/>
+      </p:nvGrpSpPr>
+      <p:grpSpPr>
+        <a:xfrm>
+          <a:off x="0" y="0"/>
+          <a:ext cx="0" cy="0"/>
+          <a:chOff x="0" y="0"/>
+          <a:chExt cx="0" cy="0"/>
+        </a:xfrm>
+      </p:grpSpPr>
+      <p:sp>
+        <p:nvSpPr>
+          <p:cNvPr id="6" name="Título 1">
+            <a:extLst>
+              <a:ext uri="{FF2B5EF4-FFF2-40B4-BE49-F238E27FC236}">
+                <a16:creationId xmlns:a16="http://schemas.microsoft.com/office/drawing/2014/main" id="{4420E5F6-C592-489E-8742-39113C67F28C}"/>
+              </a:ext>
+            </a:extLst>
+          </p:cNvPr>
+          <p:cNvSpPr>
+            <a:spLocks noGrp="1"/>
+          </p:cNvSpPr>
+          <p:nvPr>
+            <p:ph type="title"/>
+          </p:nvPr>
+        </p:nvSpPr>
+        <p:spPr>
+          <a:xfrm>
+            <a:off x="323750" y="0"/>
+            <a:ext cx="8797925" cy="922338"/>
+          </a:xfrm>
+        </p:spPr>
+        <p:txBody>
+          <a:bodyPr/>
+          <a:lstStyle/>
+          <a:p>
+            <a:r>
+              <a:rPr lang="pt-BR" dirty="0"/>
+              <a:t>MÓDULO CONTROLE </a:t>
+            </a:r>
+            <a:br>
+              <a:rPr lang="pt-BR" dirty="0"/>
+            </a:br>
+            <a:r>
+              <a:rPr lang="pt-BR" dirty="0"/>
+              <a:t>DE ACESSO</a:t>
+            </a:r>
+          </a:p>
+        </p:txBody>
+      </p:sp>
+      <p:pic>
+        <p:nvPicPr>
+          <p:cNvPr id="8" name="Picture 7">
+            <a:extLst>
+              <a:ext uri="{FF2B5EF4-FFF2-40B4-BE49-F238E27FC236}">
+                <a16:creationId xmlns:a16="http://schemas.microsoft.com/office/drawing/2014/main" id="{AC1CFE5D-EA64-4455-B011-2E471DBEC948}"/>
+              </a:ext>
+            </a:extLst>
+          </p:cNvPr>
+          <p:cNvPicPr>
+            <a:picLocks noChangeAspect="1"/>
+          </p:cNvPicPr>
+          <p:nvPr/>
+        </p:nvPicPr>
+        <p:blipFill>
+          <a:blip r:embed="rId2"/>
+          <a:stretch>
+            <a:fillRect/>
+          </a:stretch>
+        </p:blipFill>
+        <p:spPr>
+          <a:xfrm>
+            <a:off x="0" y="1844824"/>
+            <a:ext cx="9144000" cy="3697386"/>
+          </a:xfrm>
+          <a:prstGeom prst="rect">
+            <a:avLst/>
+          </a:prstGeom>
+        </p:spPr>
+      </p:pic>
+    </p:spTree>
+    <p:extLst>
+      <p:ext uri="{BB962C8B-B14F-4D97-AF65-F5344CB8AC3E}">
+        <p14:creationId xmlns:p14="http://schemas.microsoft.com/office/powerpoint/2010/main" val="3460844110"/>
+      </p:ext>
+    </p:extLst>
+  </p:cSld>
+  <p:clrMapOvr>
+    <a:masterClrMapping/>
+  </p:clrMapOvr>
+</p:sld>
+</file>
+
+<file path=ppt/slides/slide38.xml><?xml version="1.0" encoding="utf-8"?>
+<p:sld xmlns:a="http://schemas.openxmlformats.org/drawingml/2006/main" xmlns:r="http://schemas.openxmlformats.org/officeDocument/2006/relationships" xmlns:p="http://schemas.openxmlformats.org/presentationml/2006/main">
+  <p:cSld>
+    <p:spTree>
+      <p:nvGrpSpPr>
+        <p:cNvPr id="1" name=""/>
+        <p:cNvGrpSpPr/>
+        <p:nvPr/>
+      </p:nvGrpSpPr>
+      <p:grpSpPr>
+        <a:xfrm>
+          <a:off x="0" y="0"/>
+          <a:ext cx="0" cy="0"/>
+          <a:chOff x="0" y="0"/>
+          <a:chExt cx="0" cy="0"/>
+        </a:xfrm>
+      </p:grpSpPr>
+      <p:sp>
+        <p:nvSpPr>
+          <p:cNvPr id="6" name="Título 1">
+            <a:extLst>
+              <a:ext uri="{FF2B5EF4-FFF2-40B4-BE49-F238E27FC236}">
+                <a16:creationId xmlns:a16="http://schemas.microsoft.com/office/drawing/2014/main" id="{4420E5F6-C592-489E-8742-39113C67F28C}"/>
+              </a:ext>
+            </a:extLst>
+          </p:cNvPr>
+          <p:cNvSpPr>
+            <a:spLocks noGrp="1"/>
+          </p:cNvSpPr>
+          <p:nvPr>
+            <p:ph type="title"/>
+          </p:nvPr>
+        </p:nvSpPr>
+        <p:spPr>
+          <a:xfrm>
+            <a:off x="323750" y="0"/>
+            <a:ext cx="8797925" cy="922338"/>
+          </a:xfrm>
+        </p:spPr>
+        <p:txBody>
+          <a:bodyPr/>
+          <a:lstStyle/>
+          <a:p>
+            <a:r>
+              <a:rPr lang="pt-BR" dirty="0"/>
+              <a:t>MÓDULO CONTROLE </a:t>
+            </a:r>
+            <a:br>
+              <a:rPr lang="pt-BR" dirty="0"/>
+            </a:br>
+            <a:r>
+              <a:rPr lang="pt-BR" dirty="0"/>
+              <a:t>DE ACESSO</a:t>
+            </a:r>
+          </a:p>
+        </p:txBody>
+      </p:sp>
+      <p:sp>
+        <p:nvSpPr>
+          <p:cNvPr id="8" name="Rectangle 7">
+            <a:extLst>
+              <a:ext uri="{FF2B5EF4-FFF2-40B4-BE49-F238E27FC236}">
+                <a16:creationId xmlns:a16="http://schemas.microsoft.com/office/drawing/2014/main" id="{F316C0A6-AC98-4AAE-B87A-547E57B86D5F}"/>
+              </a:ext>
+            </a:extLst>
+          </p:cNvPr>
+          <p:cNvSpPr/>
+          <p:nvPr/>
+        </p:nvSpPr>
+        <p:spPr>
+          <a:xfrm>
+            <a:off x="0" y="1340768"/>
+            <a:ext cx="9144000" cy="5517232"/>
+          </a:xfrm>
+          <a:prstGeom prst="rect">
+            <a:avLst/>
+          </a:prstGeom>
+          <a:solidFill>
+            <a:schemeClr val="bg1"/>
+          </a:solidFill>
+          <a:ln>
+            <a:solidFill>
+              <a:schemeClr val="bg1"/>
+            </a:solidFill>
+          </a:ln>
+        </p:spPr>
+        <p:style>
+          <a:lnRef idx="2">
+            <a:schemeClr val="accent1">
+              <a:shade val="50000"/>
+            </a:schemeClr>
+          </a:lnRef>
+          <a:fillRef idx="1">
+            <a:schemeClr val="accent1"/>
+          </a:fillRef>
+          <a:effectRef idx="0">
+            <a:schemeClr val="accent1"/>
+          </a:effectRef>
+          <a:fontRef idx="minor">
+            <a:schemeClr val="lt1"/>
+          </a:fontRef>
+        </p:style>
+        <p:txBody>
+          <a:bodyPr rtlCol="0" anchor="ctr"/>
+          <a:lstStyle/>
+          <a:p>
+            <a:pPr algn="ctr"/>
+            <a:endParaRPr lang="pt-BR"/>
+          </a:p>
+        </p:txBody>
+      </p:sp>
+      <p:pic>
+        <p:nvPicPr>
+          <p:cNvPr id="9" name="Picture 8">
+            <a:extLst>
+              <a:ext uri="{FF2B5EF4-FFF2-40B4-BE49-F238E27FC236}">
+                <a16:creationId xmlns:a16="http://schemas.microsoft.com/office/drawing/2014/main" id="{F5F42E5F-1DEC-47B5-8651-247D9AF6FADE}"/>
+              </a:ext>
+            </a:extLst>
+          </p:cNvPr>
+          <p:cNvPicPr>
+            <a:picLocks noChangeAspect="1"/>
+          </p:cNvPicPr>
+          <p:nvPr/>
+        </p:nvPicPr>
+        <p:blipFill>
+          <a:blip r:embed="rId2">
+            <a:extLst>
+              <a:ext uri="{28A0092B-C50C-407E-A947-70E740481C1C}">
+                <a14:useLocalDpi xmlns:a14="http://schemas.microsoft.com/office/drawing/2010/main" val="0"/>
+              </a:ext>
+            </a:extLst>
+          </a:blip>
+          <a:stretch>
+            <a:fillRect/>
+          </a:stretch>
+        </p:blipFill>
+        <p:spPr>
+          <a:xfrm>
+            <a:off x="0" y="1340768"/>
+            <a:ext cx="9033417" cy="5112568"/>
+          </a:xfrm>
+          <a:prstGeom prst="rect">
+            <a:avLst/>
+          </a:prstGeom>
+        </p:spPr>
+      </p:pic>
+    </p:spTree>
+    <p:extLst>
+      <p:ext uri="{BB962C8B-B14F-4D97-AF65-F5344CB8AC3E}">
+        <p14:creationId xmlns:p14="http://schemas.microsoft.com/office/powerpoint/2010/main" val="255138212"/>
+      </p:ext>
+    </p:extLst>
+  </p:cSld>
+  <p:clrMapOvr>
+    <a:masterClrMapping/>
+  </p:clrMapOvr>
+</p:sld>
+</file>
+
+<file path=ppt/slides/slide39.xml><?xml version="1.0" encoding="utf-8"?>
+<p:sld xmlns:a="http://schemas.openxmlformats.org/drawingml/2006/main" xmlns:r="http://schemas.openxmlformats.org/officeDocument/2006/relationships" xmlns:p="http://schemas.openxmlformats.org/presentationml/2006/main">
+  <p:cSld>
+    <p:spTree>
+      <p:nvGrpSpPr>
+        <p:cNvPr id="1" name=""/>
+        <p:cNvGrpSpPr/>
+        <p:nvPr/>
+      </p:nvGrpSpPr>
+      <p:grpSpPr>
+        <a:xfrm>
+          <a:off x="0" y="0"/>
+          <a:ext cx="0" cy="0"/>
+          <a:chOff x="0" y="0"/>
+          <a:chExt cx="0" cy="0"/>
+        </a:xfrm>
+      </p:grpSpPr>
+      <p:sp>
+        <p:nvSpPr>
+          <p:cNvPr id="6" name="Título 1">
+            <a:extLst>
+              <a:ext uri="{FF2B5EF4-FFF2-40B4-BE49-F238E27FC236}">
+                <a16:creationId xmlns:a16="http://schemas.microsoft.com/office/drawing/2014/main" id="{4420E5F6-C592-489E-8742-39113C67F28C}"/>
+              </a:ext>
+            </a:extLst>
+          </p:cNvPr>
+          <p:cNvSpPr>
+            <a:spLocks noGrp="1"/>
+          </p:cNvSpPr>
+          <p:nvPr>
+            <p:ph type="title"/>
+          </p:nvPr>
+        </p:nvSpPr>
+        <p:spPr>
+          <a:xfrm>
+            <a:off x="323750" y="0"/>
+            <a:ext cx="8797925" cy="922338"/>
+          </a:xfrm>
+        </p:spPr>
+        <p:txBody>
+          <a:bodyPr/>
+          <a:lstStyle/>
+          <a:p>
+            <a:r>
+              <a:rPr lang="pt-BR" dirty="0"/>
+              <a:t>MÓDULO CONTROLE </a:t>
+            </a:r>
+            <a:br>
+              <a:rPr lang="pt-BR" dirty="0"/>
+            </a:br>
+            <a:r>
+              <a:rPr lang="pt-BR" dirty="0"/>
+              <a:t>DE ACESSO</a:t>
+            </a:r>
+          </a:p>
+        </p:txBody>
+      </p:sp>
+      <p:sp>
+        <p:nvSpPr>
+          <p:cNvPr id="8" name="Rectangle 7">
+            <a:extLst>
+              <a:ext uri="{FF2B5EF4-FFF2-40B4-BE49-F238E27FC236}">
+                <a16:creationId xmlns:a16="http://schemas.microsoft.com/office/drawing/2014/main" id="{EF4C9CB5-998F-4DAB-AD54-72FA9E925DA9}"/>
+              </a:ext>
+            </a:extLst>
+          </p:cNvPr>
+          <p:cNvSpPr/>
+          <p:nvPr/>
+        </p:nvSpPr>
+        <p:spPr>
+          <a:xfrm>
+            <a:off x="0" y="1340768"/>
+            <a:ext cx="9144000" cy="5517232"/>
+          </a:xfrm>
+          <a:prstGeom prst="rect">
+            <a:avLst/>
+          </a:prstGeom>
+          <a:solidFill>
+            <a:schemeClr val="bg1"/>
+          </a:solidFill>
+          <a:ln>
+            <a:solidFill>
+              <a:schemeClr val="bg1"/>
+            </a:solidFill>
+          </a:ln>
+        </p:spPr>
+        <p:style>
+          <a:lnRef idx="2">
+            <a:schemeClr val="accent1">
+              <a:shade val="50000"/>
+            </a:schemeClr>
+          </a:lnRef>
+          <a:fillRef idx="1">
+            <a:schemeClr val="accent1"/>
+          </a:fillRef>
+          <a:effectRef idx="0">
+            <a:schemeClr val="accent1"/>
+          </a:effectRef>
+          <a:fontRef idx="minor">
+            <a:schemeClr val="lt1"/>
+          </a:fontRef>
+        </p:style>
+        <p:txBody>
+          <a:bodyPr rtlCol="0" anchor="ctr"/>
+          <a:lstStyle/>
+          <a:p>
+            <a:pPr algn="ctr"/>
+            <a:endParaRPr lang="pt-BR"/>
+          </a:p>
+        </p:txBody>
+      </p:sp>
+      <p:pic>
+        <p:nvPicPr>
+          <p:cNvPr id="10" name="Picture 9">
+            <a:extLst>
+              <a:ext uri="{FF2B5EF4-FFF2-40B4-BE49-F238E27FC236}">
+                <a16:creationId xmlns:a16="http://schemas.microsoft.com/office/drawing/2014/main" id="{86E4D953-118F-46F7-809C-802C59C8CF9B}"/>
+              </a:ext>
+            </a:extLst>
+          </p:cNvPr>
+          <p:cNvPicPr>
+            <a:picLocks noChangeAspect="1"/>
+          </p:cNvPicPr>
+          <p:nvPr/>
+        </p:nvPicPr>
+        <p:blipFill>
+          <a:blip r:embed="rId2">
+            <a:extLst>
+              <a:ext uri="{28A0092B-C50C-407E-A947-70E740481C1C}">
+                <a14:useLocalDpi xmlns:a14="http://schemas.microsoft.com/office/drawing/2010/main" val="0"/>
+              </a:ext>
+            </a:extLst>
+          </a:blip>
+          <a:stretch>
+            <a:fillRect/>
+          </a:stretch>
+        </p:blipFill>
+        <p:spPr>
+          <a:xfrm>
+            <a:off x="-1" y="1358546"/>
+            <a:ext cx="9144001" cy="5054473"/>
+          </a:xfrm>
+          <a:prstGeom prst="rect">
+            <a:avLst/>
+          </a:prstGeom>
+        </p:spPr>
+      </p:pic>
+    </p:spTree>
+    <p:extLst>
+      <p:ext uri="{BB962C8B-B14F-4D97-AF65-F5344CB8AC3E}">
+        <p14:creationId xmlns:p14="http://schemas.microsoft.com/office/powerpoint/2010/main" val="2944428277"/>
+      </p:ext>
+    </p:extLst>
+  </p:cSld>
+  <p:clrMapOvr>
+    <a:masterClrMapping/>
+  </p:clrMapOvr>
+</p:sld>
+</file>
+
+<file path=ppt/slides/slide4.xml><?xml version="1.0" encoding="utf-8"?>
+<p:sld xmlns:a="http://schemas.openxmlformats.org/drawingml/2006/main" xmlns:r="http://schemas.openxmlformats.org/officeDocument/2006/relationships" xmlns:p="http://schemas.openxmlformats.org/presentationml/2006/main">
+  <p:cSld>
+    <p:spTree>
+      <p:nvGrpSpPr>
+        <p:cNvPr id="1" name=""/>
+        <p:cNvGrpSpPr/>
+        <p:nvPr/>
+      </p:nvGrpSpPr>
+      <p:grpSpPr>
+        <a:xfrm>
+          <a:off x="0" y="0"/>
+          <a:ext cx="0" cy="0"/>
+          <a:chOff x="0" y="0"/>
+          <a:chExt cx="0" cy="0"/>
+        </a:xfrm>
+      </p:grpSpPr>
+      <p:sp>
+        <p:nvSpPr>
+          <p:cNvPr id="4" name="Título 3"/>
+          <p:cNvSpPr>
+            <a:spLocks noGrp="1"/>
+          </p:cNvSpPr>
+          <p:nvPr>
+            <p:ph type="title"/>
+          </p:nvPr>
+        </p:nvSpPr>
+        <p:spPr/>
+        <p:txBody>
+          <a:bodyPr/>
+          <a:lstStyle/>
+          <a:p>
+            <a:pPr eaLnBrk="1" hangingPunct="1">
+              <a:defRPr/>
+            </a:pPr>
+            <a:r>
+              <a:rPr lang="pt-BR" dirty="0"/>
+              <a:t>O Sistema</a:t>
+            </a:r>
+          </a:p>
+        </p:txBody>
+      </p:sp>
+      <p:pic>
+        <p:nvPicPr>
+          <p:cNvPr id="6" name="Imagem 5"/>
+          <p:cNvPicPr>
+            <a:picLocks noChangeAspect="1"/>
+          </p:cNvPicPr>
+          <p:nvPr/>
+        </p:nvPicPr>
+        <p:blipFill>
+          <a:blip r:embed="rId3"/>
+          <a:stretch>
+            <a:fillRect/>
+          </a:stretch>
+        </p:blipFill>
+        <p:spPr>
+          <a:xfrm>
+            <a:off x="539552" y="1279538"/>
+            <a:ext cx="7885931" cy="5464187"/>
+          </a:xfrm>
+          <a:prstGeom prst="rect">
+            <a:avLst/>
+          </a:prstGeom>
+        </p:spPr>
+      </p:pic>
+    </p:spTree>
+  </p:cSld>
+  <p:clrMapOvr>
+    <a:masterClrMapping/>
+  </p:clrMapOvr>
+  <p:transition spd="med">
+    <p:fade/>
+  </p:transition>
+</p:sld>
+</file>
+
+<file path=ppt/slides/slide40.xml><?xml version="1.0" encoding="utf-8"?>
+<p:sld xmlns:a="http://schemas.openxmlformats.org/drawingml/2006/main" xmlns:r="http://schemas.openxmlformats.org/officeDocument/2006/relationships" xmlns:p="http://schemas.openxmlformats.org/presentationml/2006/main">
+  <p:cSld>
+    <p:spTree>
+      <p:nvGrpSpPr>
+        <p:cNvPr id="1" name=""/>
+        <p:cNvGrpSpPr/>
+        <p:nvPr/>
+      </p:nvGrpSpPr>
+      <p:grpSpPr>
+        <a:xfrm>
+          <a:off x="0" y="0"/>
+          <a:ext cx="0" cy="0"/>
+          <a:chOff x="0" y="0"/>
+          <a:chExt cx="0" cy="0"/>
+        </a:xfrm>
+      </p:grpSpPr>
+      <p:sp>
+        <p:nvSpPr>
+          <p:cNvPr id="6" name="Título 1">
+            <a:extLst>
+              <a:ext uri="{FF2B5EF4-FFF2-40B4-BE49-F238E27FC236}">
+                <a16:creationId xmlns:a16="http://schemas.microsoft.com/office/drawing/2014/main" id="{4420E5F6-C592-489E-8742-39113C67F28C}"/>
+              </a:ext>
+            </a:extLst>
+          </p:cNvPr>
+          <p:cNvSpPr>
+            <a:spLocks noGrp="1"/>
+          </p:cNvSpPr>
+          <p:nvPr>
+            <p:ph type="title"/>
+          </p:nvPr>
+        </p:nvSpPr>
+        <p:spPr>
+          <a:xfrm>
+            <a:off x="323750" y="0"/>
+            <a:ext cx="8797925" cy="922338"/>
+          </a:xfrm>
+        </p:spPr>
+        <p:txBody>
+          <a:bodyPr/>
+          <a:lstStyle/>
+          <a:p>
+            <a:r>
+              <a:rPr lang="pt-BR" dirty="0"/>
+              <a:t>MÓDULO CONTROLE </a:t>
+            </a:r>
+            <a:br>
+              <a:rPr lang="pt-BR" dirty="0"/>
+            </a:br>
+            <a:r>
+              <a:rPr lang="pt-BR" dirty="0"/>
+              <a:t>DE ACESSO</a:t>
+            </a:r>
+          </a:p>
+        </p:txBody>
+      </p:sp>
+      <p:sp>
+        <p:nvSpPr>
+          <p:cNvPr id="8" name="Rectangle 7">
+            <a:extLst>
+              <a:ext uri="{FF2B5EF4-FFF2-40B4-BE49-F238E27FC236}">
+                <a16:creationId xmlns:a16="http://schemas.microsoft.com/office/drawing/2014/main" id="{EF4C9CB5-998F-4DAB-AD54-72FA9E925DA9}"/>
+              </a:ext>
+            </a:extLst>
+          </p:cNvPr>
+          <p:cNvSpPr/>
+          <p:nvPr/>
+        </p:nvSpPr>
+        <p:spPr>
+          <a:xfrm>
+            <a:off x="0" y="1340768"/>
+            <a:ext cx="9144000" cy="5517232"/>
+          </a:xfrm>
+          <a:prstGeom prst="rect">
+            <a:avLst/>
+          </a:prstGeom>
+          <a:solidFill>
+            <a:schemeClr val="bg1"/>
+          </a:solidFill>
+          <a:ln>
+            <a:solidFill>
+              <a:schemeClr val="bg1"/>
+            </a:solidFill>
+          </a:ln>
+        </p:spPr>
+        <p:style>
+          <a:lnRef idx="2">
+            <a:schemeClr val="accent1">
+              <a:shade val="50000"/>
+            </a:schemeClr>
+          </a:lnRef>
+          <a:fillRef idx="1">
+            <a:schemeClr val="accent1"/>
+          </a:fillRef>
+          <a:effectRef idx="0">
+            <a:schemeClr val="accent1"/>
+          </a:effectRef>
+          <a:fontRef idx="minor">
+            <a:schemeClr val="lt1"/>
+          </a:fontRef>
+        </p:style>
+        <p:txBody>
+          <a:bodyPr rtlCol="0" anchor="ctr"/>
+          <a:lstStyle/>
+          <a:p>
+            <a:pPr algn="ctr"/>
+            <a:endParaRPr lang="pt-BR"/>
+          </a:p>
+        </p:txBody>
+      </p:sp>
+      <p:pic>
+        <p:nvPicPr>
+          <p:cNvPr id="3" name="Picture 2">
+            <a:extLst>
+              <a:ext uri="{FF2B5EF4-FFF2-40B4-BE49-F238E27FC236}">
+                <a16:creationId xmlns:a16="http://schemas.microsoft.com/office/drawing/2014/main" id="{F1FA4B04-B183-46B7-8891-15526F3F8963}"/>
+              </a:ext>
+            </a:extLst>
+          </p:cNvPr>
+          <p:cNvPicPr>
+            <a:picLocks noChangeAspect="1"/>
+          </p:cNvPicPr>
+          <p:nvPr/>
+        </p:nvPicPr>
+        <p:blipFill rotWithShape="1">
+          <a:blip r:embed="rId2">
+            <a:extLst>
+              <a:ext uri="{28A0092B-C50C-407E-A947-70E740481C1C}">
+                <a14:useLocalDpi xmlns:a14="http://schemas.microsoft.com/office/drawing/2010/main" val="0"/>
+              </a:ext>
+            </a:extLst>
+          </a:blip>
+          <a:srcRect t="2667"/>
+          <a:stretch/>
+        </p:blipFill>
+        <p:spPr>
+          <a:xfrm>
+            <a:off x="-20786" y="1312606"/>
+            <a:ext cx="9142462" cy="5116955"/>
+          </a:xfrm>
+          <a:prstGeom prst="rect">
+            <a:avLst/>
+          </a:prstGeom>
+        </p:spPr>
+      </p:pic>
+    </p:spTree>
+    <p:extLst>
+      <p:ext uri="{BB962C8B-B14F-4D97-AF65-F5344CB8AC3E}">
+        <p14:creationId xmlns:p14="http://schemas.microsoft.com/office/powerpoint/2010/main" val="398228404"/>
+      </p:ext>
+    </p:extLst>
+  </p:cSld>
+  <p:clrMapOvr>
+    <a:masterClrMapping/>
+  </p:clrMapOvr>
+</p:sld>
+</file>
+
+<file path=ppt/slides/slide41.xml><?xml version="1.0" encoding="utf-8"?>
+<p:sld xmlns:a="http://schemas.openxmlformats.org/drawingml/2006/main" xmlns:r="http://schemas.openxmlformats.org/officeDocument/2006/relationships" xmlns:p="http://schemas.openxmlformats.org/presentationml/2006/main">
+  <p:cSld>
+    <p:spTree>
+      <p:nvGrpSpPr>
+        <p:cNvPr id="1" name=""/>
+        <p:cNvGrpSpPr/>
+        <p:nvPr/>
+      </p:nvGrpSpPr>
+      <p:grpSpPr>
+        <a:xfrm>
+          <a:off x="0" y="0"/>
+          <a:ext cx="0" cy="0"/>
+          <a:chOff x="0" y="0"/>
+          <a:chExt cx="0" cy="0"/>
+        </a:xfrm>
+      </p:grpSpPr>
+      <p:sp>
+        <p:nvSpPr>
+          <p:cNvPr id="6" name="Título 1">
+            <a:extLst>
+              <a:ext uri="{FF2B5EF4-FFF2-40B4-BE49-F238E27FC236}">
+                <a16:creationId xmlns:a16="http://schemas.microsoft.com/office/drawing/2014/main" id="{4420E5F6-C592-489E-8742-39113C67F28C}"/>
+              </a:ext>
+            </a:extLst>
+          </p:cNvPr>
+          <p:cNvSpPr>
+            <a:spLocks noGrp="1"/>
+          </p:cNvSpPr>
+          <p:nvPr>
+            <p:ph type="title"/>
+          </p:nvPr>
+        </p:nvSpPr>
+        <p:spPr>
+          <a:xfrm>
+            <a:off x="323750" y="0"/>
+            <a:ext cx="8797925" cy="922338"/>
+          </a:xfrm>
+        </p:spPr>
+        <p:txBody>
+          <a:bodyPr/>
+          <a:lstStyle/>
+          <a:p>
+            <a:r>
+              <a:rPr lang="pt-BR" dirty="0"/>
+              <a:t>MÓDULO CONTROLE </a:t>
+            </a:r>
+            <a:br>
+              <a:rPr lang="pt-BR" dirty="0"/>
+            </a:br>
+            <a:r>
+              <a:rPr lang="pt-BR" dirty="0"/>
+              <a:t>DE ACESSO</a:t>
+            </a:r>
+          </a:p>
+        </p:txBody>
+      </p:sp>
+      <p:sp>
+        <p:nvSpPr>
+          <p:cNvPr id="8" name="Rectangle 7">
+            <a:extLst>
+              <a:ext uri="{FF2B5EF4-FFF2-40B4-BE49-F238E27FC236}">
+                <a16:creationId xmlns:a16="http://schemas.microsoft.com/office/drawing/2014/main" id="{EF4C9CB5-998F-4DAB-AD54-72FA9E925DA9}"/>
+              </a:ext>
+            </a:extLst>
+          </p:cNvPr>
+          <p:cNvSpPr/>
+          <p:nvPr/>
+        </p:nvSpPr>
+        <p:spPr>
+          <a:xfrm>
+            <a:off x="0" y="1340768"/>
+            <a:ext cx="9144000" cy="5517232"/>
+          </a:xfrm>
+          <a:prstGeom prst="rect">
+            <a:avLst/>
+          </a:prstGeom>
+          <a:solidFill>
+            <a:schemeClr val="bg1"/>
+          </a:solidFill>
+          <a:ln>
+            <a:solidFill>
+              <a:schemeClr val="bg1"/>
+            </a:solidFill>
+          </a:ln>
+        </p:spPr>
+        <p:style>
+          <a:lnRef idx="2">
+            <a:schemeClr val="accent1">
+              <a:shade val="50000"/>
+            </a:schemeClr>
+          </a:lnRef>
+          <a:fillRef idx="1">
+            <a:schemeClr val="accent1"/>
+          </a:fillRef>
+          <a:effectRef idx="0">
+            <a:schemeClr val="accent1"/>
+          </a:effectRef>
+          <a:fontRef idx="minor">
+            <a:schemeClr val="lt1"/>
+          </a:fontRef>
+        </p:style>
+        <p:txBody>
+          <a:bodyPr rtlCol="0" anchor="ctr"/>
+          <a:lstStyle/>
+          <a:p>
+            <a:pPr algn="ctr"/>
+            <a:endParaRPr lang="pt-BR"/>
+          </a:p>
+        </p:txBody>
+      </p:sp>
+      <p:pic>
+        <p:nvPicPr>
+          <p:cNvPr id="4" name="Picture 3">
+            <a:extLst>
+              <a:ext uri="{FF2B5EF4-FFF2-40B4-BE49-F238E27FC236}">
+                <a16:creationId xmlns:a16="http://schemas.microsoft.com/office/drawing/2014/main" id="{9E45BBDA-7E5F-49C6-9ACE-8F5A7A5E8FAA}"/>
+              </a:ext>
+            </a:extLst>
+          </p:cNvPr>
+          <p:cNvPicPr>
+            <a:picLocks noChangeAspect="1"/>
+          </p:cNvPicPr>
+          <p:nvPr/>
+        </p:nvPicPr>
+        <p:blipFill rotWithShape="1">
+          <a:blip r:embed="rId2"/>
+          <a:srcRect l="-968" t="12350" r="968" b="154"/>
+          <a:stretch/>
+        </p:blipFill>
+        <p:spPr>
+          <a:xfrm>
+            <a:off x="-72010" y="1285618"/>
+            <a:ext cx="9324530" cy="5455750"/>
+          </a:xfrm>
+          <a:prstGeom prst="rect">
+            <a:avLst/>
+          </a:prstGeom>
+        </p:spPr>
+      </p:pic>
+    </p:spTree>
+    <p:extLst>
+      <p:ext uri="{BB962C8B-B14F-4D97-AF65-F5344CB8AC3E}">
+        <p14:creationId xmlns:p14="http://schemas.microsoft.com/office/powerpoint/2010/main" val="3663591352"/>
+      </p:ext>
+    </p:extLst>
+  </p:cSld>
+  <p:clrMapOvr>
+    <a:masterClrMapping/>
+  </p:clrMapOvr>
 </p:sld>
 </file>
 
@@ -11272,83 +11251,6 @@
       </p:grpSpPr>
       <p:sp>
         <p:nvSpPr>
-          <p:cNvPr id="4" name="Título 3"/>
-          <p:cNvSpPr>
-            <a:spLocks noGrp="1"/>
-          </p:cNvSpPr>
-          <p:nvPr>
-            <p:ph type="title"/>
-          </p:nvPr>
-        </p:nvSpPr>
-        <p:spPr/>
-        <p:txBody>
-          <a:bodyPr/>
-          <a:lstStyle/>
-          <a:p>
-            <a:pPr eaLnBrk="1" hangingPunct="1">
-              <a:defRPr/>
-            </a:pPr>
-            <a:r>
-              <a:rPr lang="pt-BR" dirty="0"/>
-              <a:t>O Sistema</a:t>
-            </a:r>
-          </a:p>
-        </p:txBody>
-      </p:sp>
-      <p:pic>
-        <p:nvPicPr>
-          <p:cNvPr id="3" name="Imagem 2"/>
-          <p:cNvPicPr>
-            <a:picLocks noChangeAspect="1"/>
-          </p:cNvPicPr>
-          <p:nvPr/>
-        </p:nvPicPr>
-        <p:blipFill>
-          <a:blip r:embed="rId3"/>
-          <a:stretch>
-            <a:fillRect/>
-          </a:stretch>
-        </p:blipFill>
-        <p:spPr>
-          <a:xfrm>
-            <a:off x="79375" y="1340768"/>
-            <a:ext cx="8972550" cy="5153025"/>
-          </a:xfrm>
-          <a:prstGeom prst="rect">
-            <a:avLst/>
-          </a:prstGeom>
-        </p:spPr>
-      </p:pic>
-    </p:spTree>
-  </p:cSld>
-  <p:clrMapOvr>
-    <a:masterClrMapping/>
-  </p:clrMapOvr>
-  <p:transition spd="med">
-    <p:fade/>
-  </p:transition>
-</p:sld>
-</file>
-
-<file path=ppt/slides/slide6.xml><?xml version="1.0" encoding="utf-8"?>
-<p:sld xmlns:a="http://schemas.openxmlformats.org/drawingml/2006/main" xmlns:r="http://schemas.openxmlformats.org/officeDocument/2006/relationships" xmlns:p="http://schemas.openxmlformats.org/presentationml/2006/main">
-  <p:cSld>
-    <p:spTree>
-      <p:nvGrpSpPr>
-        <p:cNvPr id="1" name=""/>
-        <p:cNvGrpSpPr/>
-        <p:nvPr/>
-      </p:nvGrpSpPr>
-      <p:grpSpPr>
-        <a:xfrm>
-          <a:off x="0" y="0"/>
-          <a:ext cx="0" cy="0"/>
-          <a:chOff x="0" y="0"/>
-          <a:chExt cx="0" cy="0"/>
-        </a:xfrm>
-      </p:grpSpPr>
-      <p:sp>
-        <p:nvSpPr>
           <p:cNvPr id="7170" name="Rectangle 2"/>
           <p:cNvSpPr>
             <a:spLocks noGrp="1" noChangeArrowheads="1"/>
@@ -11861,7 +11763,7 @@
 </p:sld>
 </file>
 
-<file path=ppt/slides/slide7.xml><?xml version="1.0" encoding="utf-8"?>
+<file path=ppt/slides/slide6.xml><?xml version="1.0" encoding="utf-8"?>
 <p:sld xmlns:a="http://schemas.openxmlformats.org/drawingml/2006/main" xmlns:r="http://schemas.openxmlformats.org/officeDocument/2006/relationships" xmlns:p="http://schemas.openxmlformats.org/presentationml/2006/main">
   <p:cSld>
     <p:spTree>
@@ -12194,6 +12096,91 @@
   <p:transition spd="med">
     <p:fade/>
   </p:transition>
+</p:sld>
+</file>
+
+<file path=ppt/slides/slide7.xml><?xml version="1.0" encoding="utf-8"?>
+<p:sld xmlns:a="http://schemas.openxmlformats.org/drawingml/2006/main" xmlns:r="http://schemas.openxmlformats.org/officeDocument/2006/relationships" xmlns:p="http://schemas.openxmlformats.org/presentationml/2006/main">
+  <p:cSld>
+    <p:spTree>
+      <p:nvGrpSpPr>
+        <p:cNvPr id="1" name=""/>
+        <p:cNvGrpSpPr/>
+        <p:nvPr/>
+      </p:nvGrpSpPr>
+      <p:grpSpPr>
+        <a:xfrm>
+          <a:off x="0" y="0"/>
+          <a:ext cx="0" cy="0"/>
+          <a:chOff x="0" y="0"/>
+          <a:chExt cx="0" cy="0"/>
+        </a:xfrm>
+      </p:grpSpPr>
+      <p:sp>
+        <p:nvSpPr>
+          <p:cNvPr id="5" name="Título 3"/>
+          <p:cNvSpPr>
+            <a:spLocks noGrp="1"/>
+          </p:cNvSpPr>
+          <p:nvPr>
+            <p:ph type="title"/>
+          </p:nvPr>
+        </p:nvSpPr>
+        <p:spPr>
+          <a:xfrm>
+            <a:off x="166688" y="260350"/>
+            <a:ext cx="8797925" cy="922338"/>
+          </a:xfrm>
+        </p:spPr>
+        <p:txBody>
+          <a:bodyPr/>
+          <a:lstStyle/>
+          <a:p>
+            <a:pPr eaLnBrk="1" hangingPunct="1">
+              <a:defRPr/>
+            </a:pPr>
+            <a:r>
+              <a:rPr lang="pt-BR" dirty="0"/>
+              <a:t>MÓDULO AGENDA</a:t>
+            </a:r>
+          </a:p>
+        </p:txBody>
+      </p:sp>
+      <p:pic>
+        <p:nvPicPr>
+          <p:cNvPr id="3" name="Imagem 2"/>
+          <p:cNvPicPr>
+            <a:picLocks noChangeAspect="1"/>
+          </p:cNvPicPr>
+          <p:nvPr/>
+        </p:nvPicPr>
+        <p:blipFill>
+          <a:blip r:embed="rId2">
+            <a:extLst>
+              <a:ext uri="{28A0092B-C50C-407E-A947-70E740481C1C}">
+                <a14:useLocalDpi xmlns:a14="http://schemas.microsoft.com/office/drawing/2010/main" val="0"/>
+              </a:ext>
+            </a:extLst>
+          </a:blip>
+          <a:stretch>
+            <a:fillRect/>
+          </a:stretch>
+        </p:blipFill>
+        <p:spPr>
+          <a:xfrm>
+            <a:off x="2225650" y="1182688"/>
+            <a:ext cx="4875364" cy="5675312"/>
+          </a:xfrm>
+          <a:prstGeom prst="rect">
+            <a:avLst/>
+          </a:prstGeom>
+        </p:spPr>
+      </p:pic>
+    </p:spTree>
+  </p:cSld>
+  <p:clrMapOvr>
+    <a:masterClrMapping/>
+  </p:clrMapOvr>
 </p:sld>
 </file>
 
@@ -12246,7 +12233,7 @@
       </p:sp>
       <p:pic>
         <p:nvPicPr>
-          <p:cNvPr id="3" name="Imagem 2"/>
+          <p:cNvPr id="2" name="Imagem 1"/>
           <p:cNvPicPr>
             <a:picLocks noChangeAspect="1"/>
           </p:cNvPicPr>
@@ -12266,8 +12253,8 @@
         </p:blipFill>
         <p:spPr>
           <a:xfrm>
-            <a:off x="2225650" y="1182688"/>
-            <a:ext cx="4875364" cy="5675312"/>
+            <a:off x="-19641" y="1556792"/>
+            <a:ext cx="9183282" cy="4608512"/>
           </a:xfrm>
           <a:prstGeom prst="rect">
             <a:avLst/>
@@ -12351,8 +12338,8 @@
         </p:blipFill>
         <p:spPr>
           <a:xfrm>
-            <a:off x="-19641" y="1556792"/>
-            <a:ext cx="9183282" cy="4608512"/>
+            <a:off x="89212" y="1844824"/>
+            <a:ext cx="8965576" cy="3816424"/>
           </a:xfrm>
           <a:prstGeom prst="rect">
             <a:avLst/>

--- a/TCC/5º Encontro/2017-Apresentacao Psystem.pptx
+++ b/TCC/5º Encontro/2017-Apresentacao Psystem.pptx
@@ -286,7 +286,7 @@
             <a:fld id="{C0D5B206-56B5-433E-8333-9415E6A460B9}" type="datetimeFigureOut">
               <a:rPr lang="pt-BR" smtClean="0"/>
               <a:pPr/>
-              <a:t>12/09/2017</a:t>
+              <a:t>13/09/2017</a:t>
             </a:fld>
             <a:endParaRPr lang="pt-BR"/>
           </a:p>
@@ -445,7 +445,7 @@
             <a:fld id="{876E4F93-E697-4509-B43E-25456566412B}" type="slidenum">
               <a:rPr lang="pt-BR" smtClean="0"/>
               <a:pPr/>
-              <a:t>‹#›</a:t>
+              <a:t>‹nº›</a:t>
             </a:fld>
             <a:endParaRPr lang="pt-BR"/>
           </a:p>
@@ -1456,7 +1456,7 @@
                 <a:latin typeface="Verdana" pitchFamily="34" charset="0"/>
               </a:rPr>
               <a:pPr eaLnBrk="1" hangingPunct="1"/>
-              <a:t>‹#›</a:t>
+              <a:t>‹nº›</a:t>
             </a:fld>
             <a:endParaRPr lang="pt-BR" sz="1400" b="1">
               <a:solidFill>
@@ -3432,6 +3432,13 @@
   <p:clrMapOvr>
     <a:masterClrMapping/>
   </p:clrMapOvr>
+  <p:timing>
+    <p:tnLst>
+      <p:par>
+        <p:cTn id="1" dur="indefinite" restart="never" nodeType="tmRoot"/>
+      </p:par>
+    </p:tnLst>
+  </p:timing>
 </p:sld>
 </file>
 
@@ -3583,6 +3590,13 @@
   <p:clrMapOvr>
     <a:masterClrMapping/>
   </p:clrMapOvr>
+  <p:timing>
+    <p:tnLst>
+      <p:par>
+        <p:cTn id="1" dur="indefinite" restart="never" nodeType="tmRoot"/>
+      </p:par>
+    </p:tnLst>
+  </p:timing>
 </p:sld>
 </file>
 
@@ -4114,6 +4128,13 @@
   <p:transition spd="med">
     <p:fade/>
   </p:transition>
+  <p:timing>
+    <p:tnLst>
+      <p:par>
+        <p:cTn id="1" dur="indefinite" restart="never" nodeType="tmRoot"/>
+      </p:par>
+    </p:tnLst>
+  </p:timing>
 </p:sld>
 </file>
 
@@ -4360,6 +4381,13 @@
   <p:transition spd="med">
     <p:fade/>
   </p:transition>
+  <p:timing>
+    <p:tnLst>
+      <p:par>
+        <p:cTn id="1" dur="indefinite" restart="never" nodeType="tmRoot"/>
+      </p:par>
+    </p:tnLst>
+  </p:timing>
 </p:sld>
 </file>
 
@@ -4442,6 +4470,13 @@
   <p:clrMapOvr>
     <a:masterClrMapping/>
   </p:clrMapOvr>
+  <p:timing>
+    <p:tnLst>
+      <p:par>
+        <p:cTn id="1" dur="indefinite" restart="never" nodeType="tmRoot"/>
+      </p:par>
+    </p:tnLst>
+  </p:timing>
 </p:sld>
 </file>
 
@@ -4552,7 +4587,7 @@
           <p:cNvPr id="2" name="Picture 1">
             <a:extLst>
               <a:ext uri="{FF2B5EF4-FFF2-40B4-BE49-F238E27FC236}">
-                <a16:creationId xmlns:a16="http://schemas.microsoft.com/office/drawing/2014/main" id="{F5A00150-EB0A-4F28-911C-141811EBFBD4}"/>
+                <a16:creationId xmlns:a16="http://schemas.microsoft.com/office/drawing/2014/main" xmlns="" id="{F5A00150-EB0A-4F28-911C-141811EBFBD4}"/>
               </a:ext>
             </a:extLst>
           </p:cNvPr>
@@ -4589,6 +4624,13 @@
   <p:transition spd="med">
     <p:fade/>
   </p:transition>
+  <p:timing>
+    <p:tnLst>
+      <p:par>
+        <p:cTn id="1" dur="indefinite" restart="never" nodeType="tmRoot"/>
+      </p:par>
+    </p:tnLst>
+  </p:timing>
 </p:sld>
 </file>
 
@@ -4699,7 +4741,7 @@
           <p:cNvPr id="3" name="Picture 2">
             <a:extLst>
               <a:ext uri="{FF2B5EF4-FFF2-40B4-BE49-F238E27FC236}">
-                <a16:creationId xmlns:a16="http://schemas.microsoft.com/office/drawing/2014/main" id="{2B1A4BC2-7DE1-4299-98E4-7ED739A14DCC}"/>
+                <a16:creationId xmlns:a16="http://schemas.microsoft.com/office/drawing/2014/main" xmlns="" id="{2B1A4BC2-7DE1-4299-98E4-7ED739A14DCC}"/>
               </a:ext>
             </a:extLst>
           </p:cNvPr>
@@ -4737,6 +4779,13 @@
   <p:transition spd="med">
     <p:fade/>
   </p:transition>
+  <p:timing>
+    <p:tnLst>
+      <p:par>
+        <p:cTn id="1" dur="indefinite" restart="never" nodeType="tmRoot"/>
+      </p:par>
+    </p:tnLst>
+  </p:timing>
 </p:sld>
 </file>
 
@@ -4847,7 +4896,7 @@
           <p:cNvPr id="2" name="Picture 1">
             <a:extLst>
               <a:ext uri="{FF2B5EF4-FFF2-40B4-BE49-F238E27FC236}">
-                <a16:creationId xmlns:a16="http://schemas.microsoft.com/office/drawing/2014/main" id="{21DDFF5F-FFF6-4DB6-AD4E-6794E13280AB}"/>
+                <a16:creationId xmlns:a16="http://schemas.microsoft.com/office/drawing/2014/main" xmlns="" id="{21DDFF5F-FFF6-4DB6-AD4E-6794E13280AB}"/>
               </a:ext>
             </a:extLst>
           </p:cNvPr>
@@ -4885,6 +4934,13 @@
   <p:transition spd="med">
     <p:fade/>
   </p:transition>
+  <p:timing>
+    <p:tnLst>
+      <p:par>
+        <p:cTn id="1" dur="indefinite" restart="never" nodeType="tmRoot"/>
+      </p:par>
+    </p:tnLst>
+  </p:timing>
 </p:sld>
 </file>
 
@@ -4995,7 +5051,7 @@
           <p:cNvPr id="3" name="Picture 2">
             <a:extLst>
               <a:ext uri="{FF2B5EF4-FFF2-40B4-BE49-F238E27FC236}">
-                <a16:creationId xmlns:a16="http://schemas.microsoft.com/office/drawing/2014/main" id="{69168DE8-9710-4C4D-825A-7E6F62278493}"/>
+                <a16:creationId xmlns:a16="http://schemas.microsoft.com/office/drawing/2014/main" xmlns="" id="{69168DE8-9710-4C4D-825A-7E6F62278493}"/>
               </a:ext>
             </a:extLst>
           </p:cNvPr>
@@ -5033,6 +5089,13 @@
   <p:transition spd="med">
     <p:fade/>
   </p:transition>
+  <p:timing>
+    <p:tnLst>
+      <p:par>
+        <p:cTn id="1" dur="indefinite" restart="never" nodeType="tmRoot"/>
+      </p:par>
+    </p:tnLst>
+  </p:timing>
 </p:sld>
 </file>
 
@@ -5143,7 +5206,7 @@
           <p:cNvPr id="2" name="Picture 1">
             <a:extLst>
               <a:ext uri="{FF2B5EF4-FFF2-40B4-BE49-F238E27FC236}">
-                <a16:creationId xmlns:a16="http://schemas.microsoft.com/office/drawing/2014/main" id="{B6A781C1-AA15-45C9-BF02-66987FF55897}"/>
+                <a16:creationId xmlns:a16="http://schemas.microsoft.com/office/drawing/2014/main" xmlns="" id="{B6A781C1-AA15-45C9-BF02-66987FF55897}"/>
               </a:ext>
             </a:extLst>
           </p:cNvPr>
@@ -5181,6 +5244,13 @@
   <p:transition spd="med">
     <p:fade/>
   </p:transition>
+  <p:timing>
+    <p:tnLst>
+      <p:par>
+        <p:cTn id="1" dur="indefinite" restart="never" nodeType="tmRoot"/>
+      </p:par>
+    </p:tnLst>
+  </p:timing>
 </p:sld>
 </file>
 
@@ -5814,6 +5884,13 @@
   <p:transition spd="med">
     <p:fade/>
   </p:transition>
+  <p:timing>
+    <p:tnLst>
+      <p:par>
+        <p:cTn id="1" dur="indefinite" restart="never" nodeType="tmRoot"/>
+      </p:par>
+    </p:tnLst>
+  </p:timing>
 </p:sld>
 </file>
 
@@ -5913,7 +5990,7 @@
               <a:defRPr/>
             </a:pPr>
             <a:r>
-              <a:rPr lang="pt-BR" sz="2600" dirty="0">
+              <a:rPr lang="pt-BR" sz="2600" dirty="0" smtClean="0">
                 <a:solidFill>
                   <a:schemeClr val="tx2">
                     <a:lumMod val="75000"/>
@@ -5922,7 +5999,19 @@
                 <a:latin typeface="Calibri (Corpo)"/>
                 <a:cs typeface="Calibri" panose="020F0502020204030204" pitchFamily="34" charset="0"/>
               </a:rPr>
-              <a:t>Receber Pagamento</a:t>
+              <a:t>Realizar </a:t>
+            </a:r>
+            <a:r>
+              <a:rPr lang="pt-BR" sz="2600" dirty="0">
+                <a:solidFill>
+                  <a:schemeClr val="tx2">
+                    <a:lumMod val="75000"/>
+                  </a:schemeClr>
+                </a:solidFill>
+                <a:latin typeface="Calibri (Corpo)"/>
+                <a:cs typeface="Calibri" panose="020F0502020204030204" pitchFamily="34" charset="0"/>
+              </a:rPr>
+              <a:t>Pagamento</a:t>
             </a:r>
           </a:p>
           <a:p>
@@ -5932,7 +6021,7 @@
               <a:defRPr/>
             </a:pPr>
             <a:r>
-              <a:rPr lang="pt-BR" sz="1850" dirty="0">
+              <a:rPr lang="pt-BR" sz="1850" dirty="0" smtClean="0">
                 <a:solidFill>
                   <a:schemeClr val="tx2">
                     <a:lumMod val="75000"/>
@@ -5942,7 +6031,20 @@
                 <a:ea typeface="+mn-ea"/>
                 <a:cs typeface="+mn-cs"/>
               </a:rPr>
-              <a:t>Registrar, pesquisar, visualizar, editar e deletar os pagamentos dos clientes por serviços prestados pela clínica.</a:t>
+              <a:t>Realizar os </a:t>
+            </a:r>
+            <a:r>
+              <a:rPr lang="pt-BR" sz="1850" dirty="0">
+                <a:solidFill>
+                  <a:schemeClr val="tx2">
+                    <a:lumMod val="75000"/>
+                  </a:schemeClr>
+                </a:solidFill>
+                <a:latin typeface="+mn-lt"/>
+                <a:ea typeface="+mn-ea"/>
+                <a:cs typeface="+mn-cs"/>
+              </a:rPr>
+              <a:t>pagamentos dos clientes por serviços prestados pela clínica.</a:t>
             </a:r>
           </a:p>
           <a:p>
@@ -5975,8 +6077,29 @@
                 <a:latin typeface="Calibri (Corpo)"/>
                 <a:cs typeface="Calibri" panose="020F0502020204030204" pitchFamily="34" charset="0"/>
               </a:rPr>
-              <a:t>Manter Custos</a:t>
-            </a:r>
+              <a:t>Manter </a:t>
+            </a:r>
+            <a:r>
+              <a:rPr lang="pt-BR" sz="2600" dirty="0" smtClean="0">
+                <a:solidFill>
+                  <a:schemeClr val="tx2">
+                    <a:lumMod val="75000"/>
+                  </a:schemeClr>
+                </a:solidFill>
+                <a:latin typeface="Calibri (Corpo)"/>
+                <a:cs typeface="Calibri" panose="020F0502020204030204" pitchFamily="34" charset="0"/>
+              </a:rPr>
+              <a:t>Despesas</a:t>
+            </a:r>
+            <a:endParaRPr lang="pt-BR" sz="2600" dirty="0">
+              <a:solidFill>
+                <a:schemeClr val="tx2">
+                  <a:lumMod val="75000"/>
+                </a:schemeClr>
+              </a:solidFill>
+              <a:latin typeface="Calibri (Corpo)"/>
+              <a:cs typeface="Calibri" panose="020F0502020204030204" pitchFamily="34" charset="0"/>
+            </a:endParaRPr>
           </a:p>
           <a:p>
             <a:pPr lvl="1" algn="just" eaLnBrk="1" hangingPunct="1">
@@ -5995,7 +6118,46 @@
                 <a:ea typeface="+mn-ea"/>
                 <a:cs typeface="+mn-cs"/>
               </a:rPr>
-              <a:t>Permite a manutenção de custos da clínica.</a:t>
+              <a:t>Permite a manutenção de </a:t>
+            </a:r>
+            <a:r>
+              <a:rPr lang="pt-BR" sz="1850" dirty="0" smtClean="0">
+                <a:solidFill>
+                  <a:schemeClr val="tx2">
+                    <a:lumMod val="75000"/>
+                  </a:schemeClr>
+                </a:solidFill>
+                <a:latin typeface="+mn-lt"/>
+                <a:ea typeface="+mn-ea"/>
+                <a:cs typeface="+mn-cs"/>
+              </a:rPr>
+              <a:t>despesas</a:t>
+            </a:r>
+            <a:r>
+              <a:rPr lang="pt-BR" sz="1850" dirty="0" smtClean="0">
+                <a:solidFill>
+                  <a:schemeClr val="tx2">
+                    <a:lumMod val="75000"/>
+                  </a:schemeClr>
+                </a:solidFill>
+                <a:latin typeface="+mn-lt"/>
+                <a:ea typeface="+mn-ea"/>
+                <a:cs typeface="+mn-cs"/>
+              </a:rPr>
+              <a:t> </a:t>
+            </a:r>
+            <a:r>
+              <a:rPr lang="pt-BR" sz="1850" dirty="0">
+                <a:solidFill>
+                  <a:schemeClr val="tx2">
+                    <a:lumMod val="75000"/>
+                  </a:schemeClr>
+                </a:solidFill>
+                <a:latin typeface="+mn-lt"/>
+                <a:ea typeface="+mn-ea"/>
+                <a:cs typeface="+mn-cs"/>
+              </a:rPr>
+              <a:t>da clínica.</a:t>
             </a:r>
           </a:p>
           <a:p>
@@ -6247,6 +6409,13 @@
   <p:clrMapOvr>
     <a:masterClrMapping/>
   </p:clrMapOvr>
+  <p:timing>
+    <p:tnLst>
+      <p:par>
+        <p:cTn id="1" dur="indefinite" restart="never" nodeType="tmRoot"/>
+      </p:par>
+    </p:tnLst>
+  </p:timing>
 </p:sld>
 </file>
 
@@ -6453,7 +6622,7 @@
       </p:sp>
       <p:pic>
         <p:nvPicPr>
-          <p:cNvPr id="3" name="Imagem 2"/>
+          <p:cNvPr id="4" name="Imagem 3"/>
           <p:cNvPicPr>
             <a:picLocks noChangeAspect="1"/>
           </p:cNvPicPr>
@@ -6473,8 +6642,8 @@
         </p:blipFill>
         <p:spPr>
           <a:xfrm>
-            <a:off x="2770383" y="1199651"/>
-            <a:ext cx="3737303" cy="5616000"/>
+            <a:off x="1763687" y="1196752"/>
+            <a:ext cx="4968553" cy="5661248"/>
           </a:xfrm>
           <a:prstGeom prst="rect">
             <a:avLst/>
@@ -6491,6 +6660,13 @@
   <p:clrMapOvr>
     <a:masterClrMapping/>
   </p:clrMapOvr>
+  <p:timing>
+    <p:tnLst>
+      <p:par>
+        <p:cTn id="1" dur="indefinite" restart="never" nodeType="tmRoot"/>
+      </p:par>
+    </p:tnLst>
+  </p:timing>
 </p:sld>
 </file>
 
@@ -6735,6 +6911,13 @@
   <p:clrMapOvr>
     <a:masterClrMapping/>
   </p:clrMapOvr>
+  <p:timing>
+    <p:tnLst>
+      <p:par>
+        <p:cTn id="1" dur="indefinite" restart="never" nodeType="tmRoot"/>
+      </p:par>
+    </p:tnLst>
+  </p:timing>
 </p:sld>
 </file>
 
@@ -8413,7 +8596,7 @@
           <p:cNvPr id="3" name="Picture 2">
             <a:extLst>
               <a:ext uri="{FF2B5EF4-FFF2-40B4-BE49-F238E27FC236}">
-                <a16:creationId xmlns:a16="http://schemas.microsoft.com/office/drawing/2014/main" id="{1488CEA1-615B-4D4C-A130-F1FD32F916CA}"/>
+                <a16:creationId xmlns:a16="http://schemas.microsoft.com/office/drawing/2014/main" xmlns="" id="{1488CEA1-615B-4D4C-A130-F1FD32F916CA}"/>
               </a:ext>
             </a:extLst>
           </p:cNvPr>
@@ -8585,7 +8768,7 @@
           <p:cNvPr id="1026" name="Picture 2">
             <a:extLst>
               <a:ext uri="{FF2B5EF4-FFF2-40B4-BE49-F238E27FC236}">
-                <a16:creationId xmlns:a16="http://schemas.microsoft.com/office/drawing/2014/main" id="{680D742B-523C-43D4-9E8B-E4709EAE39EB}"/>
+                <a16:creationId xmlns:a16="http://schemas.microsoft.com/office/drawing/2014/main" xmlns="" id="{680D742B-523C-43D4-9E8B-E4709EAE39EB}"/>
               </a:ext>
             </a:extLst>
           </p:cNvPr>
@@ -8678,7 +8861,7 @@
           <p:cNvPr id="4" name="Título 3">
             <a:extLst>
               <a:ext uri="{FF2B5EF4-FFF2-40B4-BE49-F238E27FC236}">
-                <a16:creationId xmlns:a16="http://schemas.microsoft.com/office/drawing/2014/main" id="{26BCFAA2-D859-44BC-AFEE-2D5119DC4C72}"/>
+                <a16:creationId xmlns:a16="http://schemas.microsoft.com/office/drawing/2014/main" xmlns="" id="{26BCFAA2-D859-44BC-AFEE-2D5119DC4C72}"/>
               </a:ext>
             </a:extLst>
           </p:cNvPr>
@@ -8714,7 +8897,7 @@
           <p:cNvPr id="3" name="Picture 2">
             <a:extLst>
               <a:ext uri="{FF2B5EF4-FFF2-40B4-BE49-F238E27FC236}">
-                <a16:creationId xmlns:a16="http://schemas.microsoft.com/office/drawing/2014/main" id="{697244E8-4C32-432B-82C5-5F541E652E84}"/>
+                <a16:creationId xmlns:a16="http://schemas.microsoft.com/office/drawing/2014/main" xmlns="" id="{697244E8-4C32-432B-82C5-5F541E652E84}"/>
               </a:ext>
             </a:extLst>
           </p:cNvPr>
@@ -8772,7 +8955,7 @@
           <p:cNvPr id="2" name="Rectangle 1">
             <a:extLst>
               <a:ext uri="{FF2B5EF4-FFF2-40B4-BE49-F238E27FC236}">
-                <a16:creationId xmlns:a16="http://schemas.microsoft.com/office/drawing/2014/main" id="{9B84690F-C0BA-45DE-B1F4-7C1D7425D6FC}"/>
+                <a16:creationId xmlns:a16="http://schemas.microsoft.com/office/drawing/2014/main" xmlns="" id="{9B84690F-C0BA-45DE-B1F4-7C1D7425D6FC}"/>
               </a:ext>
             </a:extLst>
           </p:cNvPr>
@@ -8826,7 +9009,7 @@
           <p:cNvPr id="4" name="Picture 3">
             <a:extLst>
               <a:ext uri="{FF2B5EF4-FFF2-40B4-BE49-F238E27FC236}">
-                <a16:creationId xmlns:a16="http://schemas.microsoft.com/office/drawing/2014/main" id="{FF33F444-5274-47FB-9AB9-B9E9F701C115}"/>
+                <a16:creationId xmlns:a16="http://schemas.microsoft.com/office/drawing/2014/main" xmlns="" id="{FF33F444-5274-47FB-9AB9-B9E9F701C115}"/>
               </a:ext>
             </a:extLst>
           </p:cNvPr>
@@ -8911,7 +9094,7 @@
           <p:cNvPr id="5" name="Rectangle 4">
             <a:extLst>
               <a:ext uri="{FF2B5EF4-FFF2-40B4-BE49-F238E27FC236}">
-                <a16:creationId xmlns:a16="http://schemas.microsoft.com/office/drawing/2014/main" id="{E268ED25-8F1E-4CB1-BEC7-9279730C430D}"/>
+                <a16:creationId xmlns:a16="http://schemas.microsoft.com/office/drawing/2014/main" xmlns="" id="{E268ED25-8F1E-4CB1-BEC7-9279730C430D}"/>
               </a:ext>
             </a:extLst>
           </p:cNvPr>
@@ -8965,7 +9148,7 @@
           <p:cNvPr id="2" name="Picture 1">
             <a:extLst>
               <a:ext uri="{FF2B5EF4-FFF2-40B4-BE49-F238E27FC236}">
-                <a16:creationId xmlns:a16="http://schemas.microsoft.com/office/drawing/2014/main" id="{AC3F4872-BBD0-4C85-AF1B-EECA98565237}"/>
+                <a16:creationId xmlns:a16="http://schemas.microsoft.com/office/drawing/2014/main" xmlns="" id="{AC3F4872-BBD0-4C85-AF1B-EECA98565237}"/>
               </a:ext>
             </a:extLst>
           </p:cNvPr>
@@ -9540,7 +9723,7 @@
           <p:cNvPr id="2" name="Título 1">
             <a:extLst>
               <a:ext uri="{FF2B5EF4-FFF2-40B4-BE49-F238E27FC236}">
-                <a16:creationId xmlns:a16="http://schemas.microsoft.com/office/drawing/2014/main" id="{4420E5F6-C592-489E-8742-39113C67F28C}"/>
+                <a16:creationId xmlns:a16="http://schemas.microsoft.com/office/drawing/2014/main" xmlns="" id="{4420E5F6-C592-489E-8742-39113C67F28C}"/>
               </a:ext>
             </a:extLst>
           </p:cNvPr>
@@ -9580,7 +9763,7 @@
           <p:cNvPr id="3" name="Espaço Reservado para Conteúdo 2">
             <a:extLst>
               <a:ext uri="{FF2B5EF4-FFF2-40B4-BE49-F238E27FC236}">
-                <a16:creationId xmlns:a16="http://schemas.microsoft.com/office/drawing/2014/main" id="{FB12D05B-E47F-4BA3-B1A7-F1DCD4D8F90E}"/>
+                <a16:creationId xmlns:a16="http://schemas.microsoft.com/office/drawing/2014/main" xmlns="" id="{FB12D05B-E47F-4BA3-B1A7-F1DCD4D8F90E}"/>
               </a:ext>
             </a:extLst>
           </p:cNvPr>
@@ -9842,7 +10025,7 @@
           <p:cNvPr id="5" name="Título 1">
             <a:extLst>
               <a:ext uri="{FF2B5EF4-FFF2-40B4-BE49-F238E27FC236}">
-                <a16:creationId xmlns:a16="http://schemas.microsoft.com/office/drawing/2014/main" id="{4420E5F6-C592-489E-8742-39113C67F28C}"/>
+                <a16:creationId xmlns:a16="http://schemas.microsoft.com/office/drawing/2014/main" xmlns="" id="{4420E5F6-C592-489E-8742-39113C67F28C}"/>
               </a:ext>
             </a:extLst>
           </p:cNvPr>
@@ -10031,7 +10214,7 @@
           <p:cNvPr id="3" name="Picture 2">
             <a:extLst>
               <a:ext uri="{FF2B5EF4-FFF2-40B4-BE49-F238E27FC236}">
-                <a16:creationId xmlns:a16="http://schemas.microsoft.com/office/drawing/2014/main" id="{8F573B82-A720-4E7D-88E3-7ABD98571312}"/>
+                <a16:creationId xmlns:a16="http://schemas.microsoft.com/office/drawing/2014/main" xmlns="" id="{8F573B82-A720-4E7D-88E3-7ABD98571312}"/>
               </a:ext>
             </a:extLst>
           </p:cNvPr>
@@ -10097,7 +10280,7 @@
           <p:cNvPr id="6" name="Título 1">
             <a:extLst>
               <a:ext uri="{FF2B5EF4-FFF2-40B4-BE49-F238E27FC236}">
-                <a16:creationId xmlns:a16="http://schemas.microsoft.com/office/drawing/2014/main" id="{4420E5F6-C592-489E-8742-39113C67F28C}"/>
+                <a16:creationId xmlns:a16="http://schemas.microsoft.com/office/drawing/2014/main" xmlns="" id="{4420E5F6-C592-489E-8742-39113C67F28C}"/>
               </a:ext>
             </a:extLst>
           </p:cNvPr>
@@ -10137,7 +10320,7 @@
           <p:cNvPr id="8" name="Picture 7">
             <a:extLst>
               <a:ext uri="{FF2B5EF4-FFF2-40B4-BE49-F238E27FC236}">
-                <a16:creationId xmlns:a16="http://schemas.microsoft.com/office/drawing/2014/main" id="{AC1CFE5D-EA64-4455-B011-2E471DBEC948}"/>
+                <a16:creationId xmlns:a16="http://schemas.microsoft.com/office/drawing/2014/main" xmlns="" id="{AC1CFE5D-EA64-4455-B011-2E471DBEC948}"/>
               </a:ext>
             </a:extLst>
           </p:cNvPr>
@@ -10197,7 +10380,7 @@
           <p:cNvPr id="6" name="Título 1">
             <a:extLst>
               <a:ext uri="{FF2B5EF4-FFF2-40B4-BE49-F238E27FC236}">
-                <a16:creationId xmlns:a16="http://schemas.microsoft.com/office/drawing/2014/main" id="{4420E5F6-C592-489E-8742-39113C67F28C}"/>
+                <a16:creationId xmlns:a16="http://schemas.microsoft.com/office/drawing/2014/main" xmlns="" id="{4420E5F6-C592-489E-8742-39113C67F28C}"/>
               </a:ext>
             </a:extLst>
           </p:cNvPr>
@@ -10237,7 +10420,7 @@
           <p:cNvPr id="8" name="Rectangle 7">
             <a:extLst>
               <a:ext uri="{FF2B5EF4-FFF2-40B4-BE49-F238E27FC236}">
-                <a16:creationId xmlns:a16="http://schemas.microsoft.com/office/drawing/2014/main" id="{F316C0A6-AC98-4AAE-B87A-547E57B86D5F}"/>
+                <a16:creationId xmlns:a16="http://schemas.microsoft.com/office/drawing/2014/main" xmlns="" id="{F316C0A6-AC98-4AAE-B87A-547E57B86D5F}"/>
               </a:ext>
             </a:extLst>
           </p:cNvPr>
@@ -10291,7 +10474,7 @@
           <p:cNvPr id="9" name="Picture 8">
             <a:extLst>
               <a:ext uri="{FF2B5EF4-FFF2-40B4-BE49-F238E27FC236}">
-                <a16:creationId xmlns:a16="http://schemas.microsoft.com/office/drawing/2014/main" id="{F5F42E5F-1DEC-47B5-8651-247D9AF6FADE}"/>
+                <a16:creationId xmlns:a16="http://schemas.microsoft.com/office/drawing/2014/main" xmlns="" id="{F5F42E5F-1DEC-47B5-8651-247D9AF6FADE}"/>
               </a:ext>
             </a:extLst>
           </p:cNvPr>
@@ -10357,7 +10540,7 @@
           <p:cNvPr id="6" name="Título 1">
             <a:extLst>
               <a:ext uri="{FF2B5EF4-FFF2-40B4-BE49-F238E27FC236}">
-                <a16:creationId xmlns:a16="http://schemas.microsoft.com/office/drawing/2014/main" id="{4420E5F6-C592-489E-8742-39113C67F28C}"/>
+                <a16:creationId xmlns:a16="http://schemas.microsoft.com/office/drawing/2014/main" xmlns="" id="{4420E5F6-C592-489E-8742-39113C67F28C}"/>
               </a:ext>
             </a:extLst>
           </p:cNvPr>
@@ -10397,7 +10580,7 @@
           <p:cNvPr id="8" name="Rectangle 7">
             <a:extLst>
               <a:ext uri="{FF2B5EF4-FFF2-40B4-BE49-F238E27FC236}">
-                <a16:creationId xmlns:a16="http://schemas.microsoft.com/office/drawing/2014/main" id="{EF4C9CB5-998F-4DAB-AD54-72FA9E925DA9}"/>
+                <a16:creationId xmlns:a16="http://schemas.microsoft.com/office/drawing/2014/main" xmlns="" id="{EF4C9CB5-998F-4DAB-AD54-72FA9E925DA9}"/>
               </a:ext>
             </a:extLst>
           </p:cNvPr>
@@ -10451,7 +10634,7 @@
           <p:cNvPr id="10" name="Picture 9">
             <a:extLst>
               <a:ext uri="{FF2B5EF4-FFF2-40B4-BE49-F238E27FC236}">
-                <a16:creationId xmlns:a16="http://schemas.microsoft.com/office/drawing/2014/main" id="{86E4D953-118F-46F7-809C-802C59C8CF9B}"/>
+                <a16:creationId xmlns:a16="http://schemas.microsoft.com/office/drawing/2014/main" xmlns="" id="{86E4D953-118F-46F7-809C-802C59C8CF9B}"/>
               </a:ext>
             </a:extLst>
           </p:cNvPr>
@@ -10594,7 +10777,7 @@
           <p:cNvPr id="6" name="Título 1">
             <a:extLst>
               <a:ext uri="{FF2B5EF4-FFF2-40B4-BE49-F238E27FC236}">
-                <a16:creationId xmlns:a16="http://schemas.microsoft.com/office/drawing/2014/main" id="{4420E5F6-C592-489E-8742-39113C67F28C}"/>
+                <a16:creationId xmlns:a16="http://schemas.microsoft.com/office/drawing/2014/main" xmlns="" id="{4420E5F6-C592-489E-8742-39113C67F28C}"/>
               </a:ext>
             </a:extLst>
           </p:cNvPr>
@@ -10634,7 +10817,7 @@
           <p:cNvPr id="8" name="Rectangle 7">
             <a:extLst>
               <a:ext uri="{FF2B5EF4-FFF2-40B4-BE49-F238E27FC236}">
-                <a16:creationId xmlns:a16="http://schemas.microsoft.com/office/drawing/2014/main" id="{EF4C9CB5-998F-4DAB-AD54-72FA9E925DA9}"/>
+                <a16:creationId xmlns:a16="http://schemas.microsoft.com/office/drawing/2014/main" xmlns="" id="{EF4C9CB5-998F-4DAB-AD54-72FA9E925DA9}"/>
               </a:ext>
             </a:extLst>
           </p:cNvPr>
@@ -10688,7 +10871,7 @@
           <p:cNvPr id="3" name="Picture 2">
             <a:extLst>
               <a:ext uri="{FF2B5EF4-FFF2-40B4-BE49-F238E27FC236}">
-                <a16:creationId xmlns:a16="http://schemas.microsoft.com/office/drawing/2014/main" id="{F1FA4B04-B183-46B7-8891-15526F3F8963}"/>
+                <a16:creationId xmlns:a16="http://schemas.microsoft.com/office/drawing/2014/main" xmlns="" id="{F1FA4B04-B183-46B7-8891-15526F3F8963}"/>
               </a:ext>
             </a:extLst>
           </p:cNvPr>
@@ -10753,7 +10936,7 @@
           <p:cNvPr id="6" name="Título 1">
             <a:extLst>
               <a:ext uri="{FF2B5EF4-FFF2-40B4-BE49-F238E27FC236}">
-                <a16:creationId xmlns:a16="http://schemas.microsoft.com/office/drawing/2014/main" id="{4420E5F6-C592-489E-8742-39113C67F28C}"/>
+                <a16:creationId xmlns:a16="http://schemas.microsoft.com/office/drawing/2014/main" xmlns="" id="{4420E5F6-C592-489E-8742-39113C67F28C}"/>
               </a:ext>
             </a:extLst>
           </p:cNvPr>
@@ -10793,7 +10976,7 @@
           <p:cNvPr id="8" name="Rectangle 7">
             <a:extLst>
               <a:ext uri="{FF2B5EF4-FFF2-40B4-BE49-F238E27FC236}">
-                <a16:creationId xmlns:a16="http://schemas.microsoft.com/office/drawing/2014/main" id="{EF4C9CB5-998F-4DAB-AD54-72FA9E925DA9}"/>
+                <a16:creationId xmlns:a16="http://schemas.microsoft.com/office/drawing/2014/main" xmlns="" id="{EF4C9CB5-998F-4DAB-AD54-72FA9E925DA9}"/>
               </a:ext>
             </a:extLst>
           </p:cNvPr>
@@ -10847,7 +11030,7 @@
           <p:cNvPr id="4" name="Picture 3">
             <a:extLst>
               <a:ext uri="{FF2B5EF4-FFF2-40B4-BE49-F238E27FC236}">
-                <a16:creationId xmlns:a16="http://schemas.microsoft.com/office/drawing/2014/main" id="{9E45BBDA-7E5F-49C6-9ACE-8F5A7A5E8FAA}"/>
+                <a16:creationId xmlns:a16="http://schemas.microsoft.com/office/drawing/2014/main" xmlns="" id="{9E45BBDA-7E5F-49C6-9ACE-8F5A7A5E8FAA}"/>
               </a:ext>
             </a:extLst>
           </p:cNvPr>
@@ -12096,6 +12279,13 @@
   <p:transition spd="med">
     <p:fade/>
   </p:transition>
+  <p:timing>
+    <p:tnLst>
+      <p:par>
+        <p:cTn id="1" dur="indefinite" restart="never" nodeType="tmRoot"/>
+      </p:par>
+    </p:tnLst>
+  </p:timing>
 </p:sld>
 </file>
 
@@ -12181,6 +12371,13 @@
   <p:clrMapOvr>
     <a:masterClrMapping/>
   </p:clrMapOvr>
+  <p:timing>
+    <p:tnLst>
+      <p:par>
+        <p:cTn id="1" dur="indefinite" restart="never" nodeType="tmRoot"/>
+      </p:par>
+    </p:tnLst>
+  </p:timing>
 </p:sld>
 </file>
 
@@ -12266,6 +12463,13 @@
   <p:clrMapOvr>
     <a:masterClrMapping/>
   </p:clrMapOvr>
+  <p:timing>
+    <p:tnLst>
+      <p:par>
+        <p:cTn id="1" dur="indefinite" restart="never" nodeType="tmRoot"/>
+      </p:par>
+    </p:tnLst>
+  </p:timing>
 </p:sld>
 </file>
 
@@ -12351,6 +12555,13 @@
   <p:clrMapOvr>
     <a:masterClrMapping/>
   </p:clrMapOvr>
+  <p:timing>
+    <p:tnLst>
+      <p:par>
+        <p:cTn id="1" dur="indefinite" restart="never" nodeType="tmRoot"/>
+      </p:par>
+    </p:tnLst>
+  </p:timing>
 </p:sld>
 </file>
 

--- a/TCC/5º Encontro/2017-Apresentacao Psystem.pptx
+++ b/TCC/5º Encontro/2017-Apresentacao Psystem.pptx
@@ -286,7 +286,7 @@
             <a:fld id="{C0D5B206-56B5-433E-8333-9415E6A460B9}" type="datetimeFigureOut">
               <a:rPr lang="pt-BR" smtClean="0"/>
               <a:pPr/>
-              <a:t>13/09/2017</a:t>
+              <a:t>15/09/2017</a:t>
             </a:fld>
             <a:endParaRPr lang="pt-BR"/>
           </a:p>
@@ -4587,7 +4587,7 @@
           <p:cNvPr id="2" name="Picture 1">
             <a:extLst>
               <a:ext uri="{FF2B5EF4-FFF2-40B4-BE49-F238E27FC236}">
-                <a16:creationId xmlns:a16="http://schemas.microsoft.com/office/drawing/2014/main" xmlns="" id="{F5A00150-EB0A-4F28-911C-141811EBFBD4}"/>
+                <a16:creationId xmlns="" xmlns:a16="http://schemas.microsoft.com/office/drawing/2014/main" id="{F5A00150-EB0A-4F28-911C-141811EBFBD4}"/>
               </a:ext>
             </a:extLst>
           </p:cNvPr>
@@ -4741,7 +4741,7 @@
           <p:cNvPr id="3" name="Picture 2">
             <a:extLst>
               <a:ext uri="{FF2B5EF4-FFF2-40B4-BE49-F238E27FC236}">
-                <a16:creationId xmlns:a16="http://schemas.microsoft.com/office/drawing/2014/main" xmlns="" id="{2B1A4BC2-7DE1-4299-98E4-7ED739A14DCC}"/>
+                <a16:creationId xmlns="" xmlns:a16="http://schemas.microsoft.com/office/drawing/2014/main" id="{2B1A4BC2-7DE1-4299-98E4-7ED739A14DCC}"/>
               </a:ext>
             </a:extLst>
           </p:cNvPr>
@@ -4896,7 +4896,7 @@
           <p:cNvPr id="2" name="Picture 1">
             <a:extLst>
               <a:ext uri="{FF2B5EF4-FFF2-40B4-BE49-F238E27FC236}">
-                <a16:creationId xmlns:a16="http://schemas.microsoft.com/office/drawing/2014/main" xmlns="" id="{21DDFF5F-FFF6-4DB6-AD4E-6794E13280AB}"/>
+                <a16:creationId xmlns="" xmlns:a16="http://schemas.microsoft.com/office/drawing/2014/main" id="{21DDFF5F-FFF6-4DB6-AD4E-6794E13280AB}"/>
               </a:ext>
             </a:extLst>
           </p:cNvPr>
@@ -5051,7 +5051,7 @@
           <p:cNvPr id="3" name="Picture 2">
             <a:extLst>
               <a:ext uri="{FF2B5EF4-FFF2-40B4-BE49-F238E27FC236}">
-                <a16:creationId xmlns:a16="http://schemas.microsoft.com/office/drawing/2014/main" xmlns="" id="{69168DE8-9710-4C4D-825A-7E6F62278493}"/>
+                <a16:creationId xmlns="" xmlns:a16="http://schemas.microsoft.com/office/drawing/2014/main" id="{69168DE8-9710-4C4D-825A-7E6F62278493}"/>
               </a:ext>
             </a:extLst>
           </p:cNvPr>
@@ -5206,7 +5206,7 @@
           <p:cNvPr id="2" name="Picture 1">
             <a:extLst>
               <a:ext uri="{FF2B5EF4-FFF2-40B4-BE49-F238E27FC236}">
-                <a16:creationId xmlns:a16="http://schemas.microsoft.com/office/drawing/2014/main" xmlns="" id="{B6A781C1-AA15-45C9-BF02-66987FF55897}"/>
+                <a16:creationId xmlns="" xmlns:a16="http://schemas.microsoft.com/office/drawing/2014/main" id="{B6A781C1-AA15-45C9-BF02-66987FF55897}"/>
               </a:ext>
             </a:extLst>
           </p:cNvPr>
@@ -6131,20 +6131,7 @@
                 <a:ea typeface="+mn-ea"/>
                 <a:cs typeface="+mn-cs"/>
               </a:rPr>
-              <a:t>despesas</a:t>
-            </a:r>
-            <a:r>
-              <a:rPr lang="pt-BR" sz="1850" dirty="0" smtClean="0">
-                <a:solidFill>
-                  <a:schemeClr val="tx2">
-                    <a:lumMod val="75000"/>
-                  </a:schemeClr>
-                </a:solidFill>
-                <a:latin typeface="+mn-lt"/>
-                <a:ea typeface="+mn-ea"/>
-                <a:cs typeface="+mn-cs"/>
-              </a:rPr>
-              <a:t> </a:t>
+              <a:t>despesas </a:t>
             </a:r>
             <a:r>
               <a:rPr lang="pt-BR" sz="1850" dirty="0">
@@ -8596,7 +8583,7 @@
           <p:cNvPr id="3" name="Picture 2">
             <a:extLst>
               <a:ext uri="{FF2B5EF4-FFF2-40B4-BE49-F238E27FC236}">
-                <a16:creationId xmlns:a16="http://schemas.microsoft.com/office/drawing/2014/main" xmlns="" id="{1488CEA1-615B-4D4C-A130-F1FD32F916CA}"/>
+                <a16:creationId xmlns="" xmlns:a16="http://schemas.microsoft.com/office/drawing/2014/main" id="{1488CEA1-615B-4D4C-A130-F1FD32F916CA}"/>
               </a:ext>
             </a:extLst>
           </p:cNvPr>
@@ -8718,6 +8705,13 @@
   <p:transition spd="med">
     <p:fade/>
   </p:transition>
+  <p:timing>
+    <p:tnLst>
+      <p:par>
+        <p:cTn id="1" dur="indefinite" restart="never" nodeType="tmRoot"/>
+      </p:par>
+    </p:tnLst>
+  </p:timing>
 </p:sld>
 </file>
 
@@ -8768,7 +8762,7 @@
           <p:cNvPr id="1026" name="Picture 2">
             <a:extLst>
               <a:ext uri="{FF2B5EF4-FFF2-40B4-BE49-F238E27FC236}">
-                <a16:creationId xmlns:a16="http://schemas.microsoft.com/office/drawing/2014/main" xmlns="" id="{680D742B-523C-43D4-9E8B-E4709EAE39EB}"/>
+                <a16:creationId xmlns="" xmlns:a16="http://schemas.microsoft.com/office/drawing/2014/main" id="{680D742B-523C-43D4-9E8B-E4709EAE39EB}"/>
               </a:ext>
             </a:extLst>
           </p:cNvPr>
@@ -8861,7 +8855,7 @@
           <p:cNvPr id="4" name="Título 3">
             <a:extLst>
               <a:ext uri="{FF2B5EF4-FFF2-40B4-BE49-F238E27FC236}">
-                <a16:creationId xmlns:a16="http://schemas.microsoft.com/office/drawing/2014/main" xmlns="" id="{26BCFAA2-D859-44BC-AFEE-2D5119DC4C72}"/>
+                <a16:creationId xmlns="" xmlns:a16="http://schemas.microsoft.com/office/drawing/2014/main" id="{26BCFAA2-D859-44BC-AFEE-2D5119DC4C72}"/>
               </a:ext>
             </a:extLst>
           </p:cNvPr>
@@ -8897,7 +8891,7 @@
           <p:cNvPr id="3" name="Picture 2">
             <a:extLst>
               <a:ext uri="{FF2B5EF4-FFF2-40B4-BE49-F238E27FC236}">
-                <a16:creationId xmlns:a16="http://schemas.microsoft.com/office/drawing/2014/main" xmlns="" id="{697244E8-4C32-432B-82C5-5F541E652E84}"/>
+                <a16:creationId xmlns="" xmlns:a16="http://schemas.microsoft.com/office/drawing/2014/main" id="{697244E8-4C32-432B-82C5-5F541E652E84}"/>
               </a:ext>
             </a:extLst>
           </p:cNvPr>
@@ -8955,7 +8949,7 @@
           <p:cNvPr id="2" name="Rectangle 1">
             <a:extLst>
               <a:ext uri="{FF2B5EF4-FFF2-40B4-BE49-F238E27FC236}">
-                <a16:creationId xmlns:a16="http://schemas.microsoft.com/office/drawing/2014/main" xmlns="" id="{9B84690F-C0BA-45DE-B1F4-7C1D7425D6FC}"/>
+                <a16:creationId xmlns="" xmlns:a16="http://schemas.microsoft.com/office/drawing/2014/main" id="{9B84690F-C0BA-45DE-B1F4-7C1D7425D6FC}"/>
               </a:ext>
             </a:extLst>
           </p:cNvPr>
@@ -9009,7 +9003,7 @@
           <p:cNvPr id="4" name="Picture 3">
             <a:extLst>
               <a:ext uri="{FF2B5EF4-FFF2-40B4-BE49-F238E27FC236}">
-                <a16:creationId xmlns:a16="http://schemas.microsoft.com/office/drawing/2014/main" xmlns="" id="{FF33F444-5274-47FB-9AB9-B9E9F701C115}"/>
+                <a16:creationId xmlns="" xmlns:a16="http://schemas.microsoft.com/office/drawing/2014/main" id="{FF33F444-5274-47FB-9AB9-B9E9F701C115}"/>
               </a:ext>
             </a:extLst>
           </p:cNvPr>
@@ -9094,7 +9088,7 @@
           <p:cNvPr id="5" name="Rectangle 4">
             <a:extLst>
               <a:ext uri="{FF2B5EF4-FFF2-40B4-BE49-F238E27FC236}">
-                <a16:creationId xmlns:a16="http://schemas.microsoft.com/office/drawing/2014/main" xmlns="" id="{E268ED25-8F1E-4CB1-BEC7-9279730C430D}"/>
+                <a16:creationId xmlns="" xmlns:a16="http://schemas.microsoft.com/office/drawing/2014/main" id="{E268ED25-8F1E-4CB1-BEC7-9279730C430D}"/>
               </a:ext>
             </a:extLst>
           </p:cNvPr>
@@ -9148,7 +9142,7 @@
           <p:cNvPr id="2" name="Picture 1">
             <a:extLst>
               <a:ext uri="{FF2B5EF4-FFF2-40B4-BE49-F238E27FC236}">
-                <a16:creationId xmlns:a16="http://schemas.microsoft.com/office/drawing/2014/main" xmlns="" id="{AC3F4872-BBD0-4C85-AF1B-EECA98565237}"/>
+                <a16:creationId xmlns="" xmlns:a16="http://schemas.microsoft.com/office/drawing/2014/main" id="{AC3F4872-BBD0-4C85-AF1B-EECA98565237}"/>
               </a:ext>
             </a:extLst>
           </p:cNvPr>
@@ -9723,7 +9717,7 @@
           <p:cNvPr id="2" name="Título 1">
             <a:extLst>
               <a:ext uri="{FF2B5EF4-FFF2-40B4-BE49-F238E27FC236}">
-                <a16:creationId xmlns:a16="http://schemas.microsoft.com/office/drawing/2014/main" xmlns="" id="{4420E5F6-C592-489E-8742-39113C67F28C}"/>
+                <a16:creationId xmlns="" xmlns:a16="http://schemas.microsoft.com/office/drawing/2014/main" id="{4420E5F6-C592-489E-8742-39113C67F28C}"/>
               </a:ext>
             </a:extLst>
           </p:cNvPr>
@@ -9763,7 +9757,7 @@
           <p:cNvPr id="3" name="Espaço Reservado para Conteúdo 2">
             <a:extLst>
               <a:ext uri="{FF2B5EF4-FFF2-40B4-BE49-F238E27FC236}">
-                <a16:creationId xmlns:a16="http://schemas.microsoft.com/office/drawing/2014/main" xmlns="" id="{FB12D05B-E47F-4BA3-B1A7-F1DCD4D8F90E}"/>
+                <a16:creationId xmlns="" xmlns:a16="http://schemas.microsoft.com/office/drawing/2014/main" id="{FB12D05B-E47F-4BA3-B1A7-F1DCD4D8F90E}"/>
               </a:ext>
             </a:extLst>
           </p:cNvPr>
@@ -10025,7 +10019,7 @@
           <p:cNvPr id="5" name="Título 1">
             <a:extLst>
               <a:ext uri="{FF2B5EF4-FFF2-40B4-BE49-F238E27FC236}">
-                <a16:creationId xmlns:a16="http://schemas.microsoft.com/office/drawing/2014/main" xmlns="" id="{4420E5F6-C592-489E-8742-39113C67F28C}"/>
+                <a16:creationId xmlns="" xmlns:a16="http://schemas.microsoft.com/office/drawing/2014/main" id="{4420E5F6-C592-489E-8742-39113C67F28C}"/>
               </a:ext>
             </a:extLst>
           </p:cNvPr>
@@ -10214,7 +10208,7 @@
           <p:cNvPr id="3" name="Picture 2">
             <a:extLst>
               <a:ext uri="{FF2B5EF4-FFF2-40B4-BE49-F238E27FC236}">
-                <a16:creationId xmlns:a16="http://schemas.microsoft.com/office/drawing/2014/main" xmlns="" id="{8F573B82-A720-4E7D-88E3-7ABD98571312}"/>
+                <a16:creationId xmlns="" xmlns:a16="http://schemas.microsoft.com/office/drawing/2014/main" id="{8F573B82-A720-4E7D-88E3-7ABD98571312}"/>
               </a:ext>
             </a:extLst>
           </p:cNvPr>
@@ -10280,7 +10274,7 @@
           <p:cNvPr id="6" name="Título 1">
             <a:extLst>
               <a:ext uri="{FF2B5EF4-FFF2-40B4-BE49-F238E27FC236}">
-                <a16:creationId xmlns:a16="http://schemas.microsoft.com/office/drawing/2014/main" xmlns="" id="{4420E5F6-C592-489E-8742-39113C67F28C}"/>
+                <a16:creationId xmlns="" xmlns:a16="http://schemas.microsoft.com/office/drawing/2014/main" id="{4420E5F6-C592-489E-8742-39113C67F28C}"/>
               </a:ext>
             </a:extLst>
           </p:cNvPr>
@@ -10320,7 +10314,7 @@
           <p:cNvPr id="8" name="Picture 7">
             <a:extLst>
               <a:ext uri="{FF2B5EF4-FFF2-40B4-BE49-F238E27FC236}">
-                <a16:creationId xmlns:a16="http://schemas.microsoft.com/office/drawing/2014/main" xmlns="" id="{AC1CFE5D-EA64-4455-B011-2E471DBEC948}"/>
+                <a16:creationId xmlns="" xmlns:a16="http://schemas.microsoft.com/office/drawing/2014/main" id="{AC1CFE5D-EA64-4455-B011-2E471DBEC948}"/>
               </a:ext>
             </a:extLst>
           </p:cNvPr>
@@ -10380,7 +10374,7 @@
           <p:cNvPr id="6" name="Título 1">
             <a:extLst>
               <a:ext uri="{FF2B5EF4-FFF2-40B4-BE49-F238E27FC236}">
-                <a16:creationId xmlns:a16="http://schemas.microsoft.com/office/drawing/2014/main" xmlns="" id="{4420E5F6-C592-489E-8742-39113C67F28C}"/>
+                <a16:creationId xmlns="" xmlns:a16="http://schemas.microsoft.com/office/drawing/2014/main" id="{4420E5F6-C592-489E-8742-39113C67F28C}"/>
               </a:ext>
             </a:extLst>
           </p:cNvPr>
@@ -10420,7 +10414,7 @@
           <p:cNvPr id="8" name="Rectangle 7">
             <a:extLst>
               <a:ext uri="{FF2B5EF4-FFF2-40B4-BE49-F238E27FC236}">
-                <a16:creationId xmlns:a16="http://schemas.microsoft.com/office/drawing/2014/main" xmlns="" id="{F316C0A6-AC98-4AAE-B87A-547E57B86D5F}"/>
+                <a16:creationId xmlns="" xmlns:a16="http://schemas.microsoft.com/office/drawing/2014/main" id="{F316C0A6-AC98-4AAE-B87A-547E57B86D5F}"/>
               </a:ext>
             </a:extLst>
           </p:cNvPr>
@@ -10474,7 +10468,7 @@
           <p:cNvPr id="9" name="Picture 8">
             <a:extLst>
               <a:ext uri="{FF2B5EF4-FFF2-40B4-BE49-F238E27FC236}">
-                <a16:creationId xmlns:a16="http://schemas.microsoft.com/office/drawing/2014/main" xmlns="" id="{F5F42E5F-1DEC-47B5-8651-247D9AF6FADE}"/>
+                <a16:creationId xmlns="" xmlns:a16="http://schemas.microsoft.com/office/drawing/2014/main" id="{F5F42E5F-1DEC-47B5-8651-247D9AF6FADE}"/>
               </a:ext>
             </a:extLst>
           </p:cNvPr>
@@ -10540,7 +10534,7 @@
           <p:cNvPr id="6" name="Título 1">
             <a:extLst>
               <a:ext uri="{FF2B5EF4-FFF2-40B4-BE49-F238E27FC236}">
-                <a16:creationId xmlns:a16="http://schemas.microsoft.com/office/drawing/2014/main" xmlns="" id="{4420E5F6-C592-489E-8742-39113C67F28C}"/>
+                <a16:creationId xmlns="" xmlns:a16="http://schemas.microsoft.com/office/drawing/2014/main" id="{4420E5F6-C592-489E-8742-39113C67F28C}"/>
               </a:ext>
             </a:extLst>
           </p:cNvPr>
@@ -10580,7 +10574,7 @@
           <p:cNvPr id="8" name="Rectangle 7">
             <a:extLst>
               <a:ext uri="{FF2B5EF4-FFF2-40B4-BE49-F238E27FC236}">
-                <a16:creationId xmlns:a16="http://schemas.microsoft.com/office/drawing/2014/main" xmlns="" id="{EF4C9CB5-998F-4DAB-AD54-72FA9E925DA9}"/>
+                <a16:creationId xmlns="" xmlns:a16="http://schemas.microsoft.com/office/drawing/2014/main" id="{EF4C9CB5-998F-4DAB-AD54-72FA9E925DA9}"/>
               </a:ext>
             </a:extLst>
           </p:cNvPr>
@@ -10634,7 +10628,7 @@
           <p:cNvPr id="10" name="Picture 9">
             <a:extLst>
               <a:ext uri="{FF2B5EF4-FFF2-40B4-BE49-F238E27FC236}">
-                <a16:creationId xmlns:a16="http://schemas.microsoft.com/office/drawing/2014/main" xmlns="" id="{86E4D953-118F-46F7-809C-802C59C8CF9B}"/>
+                <a16:creationId xmlns="" xmlns:a16="http://schemas.microsoft.com/office/drawing/2014/main" id="{86E4D953-118F-46F7-809C-802C59C8CF9B}"/>
               </a:ext>
             </a:extLst>
           </p:cNvPr>
@@ -10722,22 +10716,28 @@
       </p:sp>
       <p:pic>
         <p:nvPicPr>
-          <p:cNvPr id="6" name="Imagem 5"/>
+          <p:cNvPr id="2" name="Imagem 1"/>
           <p:cNvPicPr>
             <a:picLocks noChangeAspect="1"/>
           </p:cNvPicPr>
           <p:nvPr/>
         </p:nvPicPr>
         <p:blipFill>
-          <a:blip r:embed="rId3"/>
+          <a:blip r:embed="rId3">
+            <a:extLst>
+              <a:ext uri="{28A0092B-C50C-407E-A947-70E740481C1C}">
+                <a14:useLocalDpi xmlns:a14="http://schemas.microsoft.com/office/drawing/2010/main" val="0"/>
+              </a:ext>
+            </a:extLst>
+          </a:blip>
           <a:stretch>
             <a:fillRect/>
           </a:stretch>
         </p:blipFill>
         <p:spPr>
           <a:xfrm>
-            <a:off x="539552" y="1279538"/>
-            <a:ext cx="7885931" cy="5464187"/>
+            <a:off x="467544" y="1182688"/>
+            <a:ext cx="7773662" cy="5286873"/>
           </a:xfrm>
           <a:prstGeom prst="rect">
             <a:avLst/>
@@ -10752,6 +10752,13 @@
   <p:transition spd="med">
     <p:fade/>
   </p:transition>
+  <p:timing>
+    <p:tnLst>
+      <p:par>
+        <p:cTn id="1" dur="indefinite" restart="never" nodeType="tmRoot"/>
+      </p:par>
+    </p:tnLst>
+  </p:timing>
 </p:sld>
 </file>
 
@@ -10777,7 +10784,7 @@
           <p:cNvPr id="6" name="Título 1">
             <a:extLst>
               <a:ext uri="{FF2B5EF4-FFF2-40B4-BE49-F238E27FC236}">
-                <a16:creationId xmlns:a16="http://schemas.microsoft.com/office/drawing/2014/main" xmlns="" id="{4420E5F6-C592-489E-8742-39113C67F28C}"/>
+                <a16:creationId xmlns="" xmlns:a16="http://schemas.microsoft.com/office/drawing/2014/main" id="{4420E5F6-C592-489E-8742-39113C67F28C}"/>
               </a:ext>
             </a:extLst>
           </p:cNvPr>
@@ -10817,7 +10824,7 @@
           <p:cNvPr id="8" name="Rectangle 7">
             <a:extLst>
               <a:ext uri="{FF2B5EF4-FFF2-40B4-BE49-F238E27FC236}">
-                <a16:creationId xmlns:a16="http://schemas.microsoft.com/office/drawing/2014/main" xmlns="" id="{EF4C9CB5-998F-4DAB-AD54-72FA9E925DA9}"/>
+                <a16:creationId xmlns="" xmlns:a16="http://schemas.microsoft.com/office/drawing/2014/main" id="{EF4C9CB5-998F-4DAB-AD54-72FA9E925DA9}"/>
               </a:ext>
             </a:extLst>
           </p:cNvPr>
@@ -10871,7 +10878,7 @@
           <p:cNvPr id="3" name="Picture 2">
             <a:extLst>
               <a:ext uri="{FF2B5EF4-FFF2-40B4-BE49-F238E27FC236}">
-                <a16:creationId xmlns:a16="http://schemas.microsoft.com/office/drawing/2014/main" xmlns="" id="{F1FA4B04-B183-46B7-8891-15526F3F8963}"/>
+                <a16:creationId xmlns="" xmlns:a16="http://schemas.microsoft.com/office/drawing/2014/main" id="{F1FA4B04-B183-46B7-8891-15526F3F8963}"/>
               </a:ext>
             </a:extLst>
           </p:cNvPr>
@@ -10936,7 +10943,7 @@
           <p:cNvPr id="6" name="Título 1">
             <a:extLst>
               <a:ext uri="{FF2B5EF4-FFF2-40B4-BE49-F238E27FC236}">
-                <a16:creationId xmlns:a16="http://schemas.microsoft.com/office/drawing/2014/main" xmlns="" id="{4420E5F6-C592-489E-8742-39113C67F28C}"/>
+                <a16:creationId xmlns="" xmlns:a16="http://schemas.microsoft.com/office/drawing/2014/main" id="{4420E5F6-C592-489E-8742-39113C67F28C}"/>
               </a:ext>
             </a:extLst>
           </p:cNvPr>
@@ -10976,7 +10983,7 @@
           <p:cNvPr id="8" name="Rectangle 7">
             <a:extLst>
               <a:ext uri="{FF2B5EF4-FFF2-40B4-BE49-F238E27FC236}">
-                <a16:creationId xmlns:a16="http://schemas.microsoft.com/office/drawing/2014/main" xmlns="" id="{EF4C9CB5-998F-4DAB-AD54-72FA9E925DA9}"/>
+                <a16:creationId xmlns="" xmlns:a16="http://schemas.microsoft.com/office/drawing/2014/main" id="{EF4C9CB5-998F-4DAB-AD54-72FA9E925DA9}"/>
               </a:ext>
             </a:extLst>
           </p:cNvPr>
@@ -11030,7 +11037,7 @@
           <p:cNvPr id="4" name="Picture 3">
             <a:extLst>
               <a:ext uri="{FF2B5EF4-FFF2-40B4-BE49-F238E27FC236}">
-                <a16:creationId xmlns:a16="http://schemas.microsoft.com/office/drawing/2014/main" xmlns="" id="{9E45BBDA-7E5F-49C6-9ACE-8F5A7A5E8FAA}"/>
+                <a16:creationId xmlns="" xmlns:a16="http://schemas.microsoft.com/office/drawing/2014/main" id="{9E45BBDA-7E5F-49C6-9ACE-8F5A7A5E8FAA}"/>
               </a:ext>
             </a:extLst>
           </p:cNvPr>
@@ -11943,6 +11950,13 @@
   <p:transition spd="med">
     <p:fade/>
   </p:transition>
+  <p:timing>
+    <p:tnLst>
+      <p:par>
+        <p:cTn id="1" dur="indefinite" restart="never" nodeType="tmRoot"/>
+      </p:par>
+    </p:tnLst>
+  </p:timing>
 </p:sld>
 </file>
 

--- a/TCC/5º Encontro/2017-Apresentacao Psystem.pptx
+++ b/TCC/5º Encontro/2017-Apresentacao Psystem.pptx
@@ -49,8 +49,8 @@
     <p:sldId id="310" r:id="rId40"/>
     <p:sldId id="326" r:id="rId41"/>
     <p:sldId id="327" r:id="rId42"/>
-    <p:sldId id="279" r:id="rId43"/>
-    <p:sldId id="280" r:id="rId44"/>
+    <p:sldId id="280" r:id="rId43"/>
+    <p:sldId id="279" r:id="rId44"/>
     <p:sldId id="323" r:id="rId45"/>
   </p:sldIdLst>
   <p:sldSz cx="9144000" cy="6858000" type="screen4x3"/>
@@ -182,7 +182,7 @@
   </p:defaultTextStyle>
   <p:extLst>
     <p:ext uri="{EFAFB233-063F-42B5-8137-9DF3F51BA10A}">
-      <p15:sldGuideLst xmlns:p15="http://schemas.microsoft.com/office/powerpoint/2012/main">
+      <p15:sldGuideLst xmlns:p15="http://schemas.microsoft.com/office/powerpoint/2012/main" xmlns="">
         <p15:guide id="1" orient="horz" pos="2160">
           <p15:clr>
             <a:srgbClr val="A4A3A4"/>
@@ -286,7 +286,7 @@
             <a:fld id="{C0D5B206-56B5-433E-8333-9415E6A460B9}" type="datetimeFigureOut">
               <a:rPr lang="pt-BR" smtClean="0"/>
               <a:pPr/>
-              <a:t>15/09/2017</a:t>
+              <a:t>26/09/2017</a:t>
             </a:fld>
             <a:endParaRPr lang="pt-BR"/>
           </a:p>
@@ -454,7 +454,7 @@
     </p:spTree>
     <p:extLst>
       <p:ext uri="{BB962C8B-B14F-4D97-AF65-F5344CB8AC3E}">
-        <p14:creationId xmlns:p14="http://schemas.microsoft.com/office/powerpoint/2010/main" val="671299352"/>
+        <p14:creationId xmlns:p14="http://schemas.microsoft.com/office/powerpoint/2010/main" xmlns="" val="671299352"/>
       </p:ext>
     </p:extLst>
   </p:cSld>
@@ -664,7 +664,7 @@
     </p:spTree>
     <p:extLst>
       <p:ext uri="{BB962C8B-B14F-4D97-AF65-F5344CB8AC3E}">
-        <p14:creationId xmlns:p14="http://schemas.microsoft.com/office/powerpoint/2010/main" val="3274854824"/>
+        <p14:creationId xmlns:p14="http://schemas.microsoft.com/office/powerpoint/2010/main" xmlns="" val="3274854824"/>
       </p:ext>
     </p:extLst>
   </p:cSld>
@@ -759,7 +759,7 @@
     </p:spTree>
     <p:extLst>
       <p:ext uri="{BB962C8B-B14F-4D97-AF65-F5344CB8AC3E}">
-        <p14:creationId xmlns:p14="http://schemas.microsoft.com/office/powerpoint/2010/main" val="2786033099"/>
+        <p14:creationId xmlns:p14="http://schemas.microsoft.com/office/powerpoint/2010/main" xmlns="" val="2786033099"/>
       </p:ext>
     </p:extLst>
   </p:cSld>
@@ -852,7 +852,7 @@
     </p:spTree>
     <p:extLst>
       <p:ext uri="{BB962C8B-B14F-4D97-AF65-F5344CB8AC3E}">
-        <p14:creationId xmlns:p14="http://schemas.microsoft.com/office/powerpoint/2010/main" val="1775795487"/>
+        <p14:creationId xmlns:p14="http://schemas.microsoft.com/office/powerpoint/2010/main" xmlns="" val="1775795487"/>
       </p:ext>
     </p:extLst>
   </p:cSld>
@@ -968,7 +968,7 @@
     </p:spTree>
     <p:extLst>
       <p:ext uri="{BB962C8B-B14F-4D97-AF65-F5344CB8AC3E}">
-        <p14:creationId xmlns:p14="http://schemas.microsoft.com/office/powerpoint/2010/main" val="3951886733"/>
+        <p14:creationId xmlns:p14="http://schemas.microsoft.com/office/powerpoint/2010/main" xmlns="" val="3951886733"/>
       </p:ext>
     </p:extLst>
   </p:cSld>
@@ -1259,7 +1259,7 @@
     </p:spTree>
     <p:extLst>
       <p:ext uri="{BB962C8B-B14F-4D97-AF65-F5344CB8AC3E}">
-        <p14:creationId xmlns:p14="http://schemas.microsoft.com/office/powerpoint/2010/main" val="1588299535"/>
+        <p14:creationId xmlns:p14="http://schemas.microsoft.com/office/powerpoint/2010/main" xmlns="" val="1588299535"/>
       </p:ext>
     </p:extLst>
   </p:cSld>
@@ -1308,14 +1308,14 @@
           </a:ln>
           <a:extLst>
             <a:ext uri="{909E8E84-426E-40DD-AFC4-6F175D3DCCD1}">
-              <a14:hiddenFill xmlns:a14="http://schemas.microsoft.com/office/drawing/2010/main">
+              <a14:hiddenFill xmlns:a14="http://schemas.microsoft.com/office/drawing/2010/main" xmlns="">
                 <a:solidFill>
                   <a:srgbClr val="FFFFFF"/>
                 </a:solidFill>
               </a14:hiddenFill>
             </a:ext>
             <a:ext uri="{91240B29-F687-4F45-9708-019B960494DF}">
-              <a14:hiddenLine xmlns:a14="http://schemas.microsoft.com/office/drawing/2010/main" w="9525">
+              <a14:hiddenLine xmlns:a14="http://schemas.microsoft.com/office/drawing/2010/main" xmlns="" w="9525">
                 <a:solidFill>
                   <a:srgbClr val="000000"/>
                 </a:solidFill>
@@ -1731,7 +1731,7 @@
     </p:spTree>
     <p:extLst>
       <p:ext uri="{BB962C8B-B14F-4D97-AF65-F5344CB8AC3E}">
-        <p14:creationId xmlns:p14="http://schemas.microsoft.com/office/powerpoint/2010/main" val="3359836669"/>
+        <p14:creationId xmlns:p14="http://schemas.microsoft.com/office/powerpoint/2010/main" xmlns="" val="3359836669"/>
       </p:ext>
     </p:extLst>
   </p:cSld>
@@ -1761,7 +1761,7 @@
     </p:spTree>
     <p:extLst>
       <p:ext uri="{BB962C8B-B14F-4D97-AF65-F5344CB8AC3E}">
-        <p14:creationId xmlns:p14="http://schemas.microsoft.com/office/powerpoint/2010/main" val="413836109"/>
+        <p14:creationId xmlns:p14="http://schemas.microsoft.com/office/powerpoint/2010/main" xmlns="" val="413836109"/>
       </p:ext>
     </p:extLst>
   </p:cSld>
@@ -1861,7 +1861,7 @@
           <a:blip r:embed="rId2" cstate="print">
             <a:extLst>
               <a:ext uri="{28A0092B-C50C-407E-A947-70E740481C1C}">
-                <a14:useLocalDpi xmlns:a14="http://schemas.microsoft.com/office/drawing/2010/main" val="0"/>
+                <a14:useLocalDpi xmlns:a14="http://schemas.microsoft.com/office/drawing/2010/main" xmlns="" val="0"/>
               </a:ext>
             </a:extLst>
           </a:blip>
@@ -1884,14 +1884,14 @@
           </a:ln>
           <a:extLst>
             <a:ext uri="{909E8E84-426E-40DD-AFC4-6F175D3DCCD1}">
-              <a14:hiddenFill xmlns:a14="http://schemas.microsoft.com/office/drawing/2010/main">
+              <a14:hiddenFill xmlns:a14="http://schemas.microsoft.com/office/drawing/2010/main" xmlns="">
                 <a:solidFill>
                   <a:srgbClr val="FFFFFF"/>
                 </a:solidFill>
               </a14:hiddenFill>
             </a:ext>
             <a:ext uri="{91240B29-F687-4F45-9708-019B960494DF}">
-              <a14:hiddenLine xmlns:a14="http://schemas.microsoft.com/office/drawing/2010/main" w="9525">
+              <a14:hiddenLine xmlns:a14="http://schemas.microsoft.com/office/drawing/2010/main" xmlns="" w="9525">
                 <a:solidFill>
                   <a:srgbClr val="000000"/>
                 </a:solidFill>
@@ -1955,7 +1955,7 @@
     </p:spTree>
     <p:extLst>
       <p:ext uri="{BB962C8B-B14F-4D97-AF65-F5344CB8AC3E}">
-        <p14:creationId xmlns:p14="http://schemas.microsoft.com/office/powerpoint/2010/main" val="2156181659"/>
+        <p14:creationId xmlns:p14="http://schemas.microsoft.com/office/powerpoint/2010/main" xmlns="" val="2156181659"/>
       </p:ext>
     </p:extLst>
   </p:cSld>
@@ -2122,7 +2122,7 @@
     </p:spTree>
     <p:extLst>
       <p:ext uri="{BB962C8B-B14F-4D97-AF65-F5344CB8AC3E}">
-        <p14:creationId xmlns:p14="http://schemas.microsoft.com/office/powerpoint/2010/main" val="83598666"/>
+        <p14:creationId xmlns:p14="http://schemas.microsoft.com/office/powerpoint/2010/main" xmlns="" val="83598666"/>
       </p:ext>
     </p:extLst>
   </p:cSld>
@@ -2166,7 +2166,7 @@
           <a:blip r:embed="rId8" cstate="print">
             <a:extLst>
               <a:ext uri="{28A0092B-C50C-407E-A947-70E740481C1C}">
-                <a14:useLocalDpi xmlns:a14="http://schemas.microsoft.com/office/drawing/2010/main" val="0"/>
+                <a14:useLocalDpi xmlns:a14="http://schemas.microsoft.com/office/drawing/2010/main" xmlns="" val="0"/>
               </a:ext>
             </a:extLst>
           </a:blip>
@@ -2189,14 +2189,14 @@
           </a:ln>
           <a:extLst>
             <a:ext uri="{909E8E84-426E-40DD-AFC4-6F175D3DCCD1}">
-              <a14:hiddenFill xmlns:a14="http://schemas.microsoft.com/office/drawing/2010/main">
+              <a14:hiddenFill xmlns:a14="http://schemas.microsoft.com/office/drawing/2010/main" xmlns="">
                 <a:solidFill>
                   <a:srgbClr val="FFFFFF"/>
                 </a:solidFill>
               </a14:hiddenFill>
             </a:ext>
             <a:ext uri="{91240B29-F687-4F45-9708-019B960494DF}">
-              <a14:hiddenLine xmlns:a14="http://schemas.microsoft.com/office/drawing/2010/main" w="9525">
+              <a14:hiddenLine xmlns:a14="http://schemas.microsoft.com/office/drawing/2010/main" xmlns="" w="9525">
                 <a:solidFill>
                   <a:srgbClr val="000000"/>
                 </a:solidFill>
@@ -2269,7 +2269,7 @@
           <a:blip r:embed="rId9" cstate="print">
             <a:extLst>
               <a:ext uri="{28A0092B-C50C-407E-A947-70E740481C1C}">
-                <a14:useLocalDpi xmlns:a14="http://schemas.microsoft.com/office/drawing/2010/main" val="0"/>
+                <a14:useLocalDpi xmlns:a14="http://schemas.microsoft.com/office/drawing/2010/main" xmlns="" val="0"/>
               </a:ext>
             </a:extLst>
           </a:blip>
@@ -2292,14 +2292,14 @@
           </a:ln>
           <a:extLst>
             <a:ext uri="{909E8E84-426E-40DD-AFC4-6F175D3DCCD1}">
-              <a14:hiddenFill xmlns:a14="http://schemas.microsoft.com/office/drawing/2010/main">
+              <a14:hiddenFill xmlns:a14="http://schemas.microsoft.com/office/drawing/2010/main" xmlns="">
                 <a:solidFill>
                   <a:srgbClr val="FFFFFF"/>
                 </a:solidFill>
               </a14:hiddenFill>
             </a:ext>
             <a:ext uri="{91240B29-F687-4F45-9708-019B960494DF}">
-              <a14:hiddenLine xmlns:a14="http://schemas.microsoft.com/office/drawing/2010/main" w="9525">
+              <a14:hiddenLine xmlns:a14="http://schemas.microsoft.com/office/drawing/2010/main" xmlns="" w="9525">
                 <a:solidFill>
                   <a:srgbClr val="000000"/>
                 </a:solidFill>
@@ -2865,14 +2865,14 @@
             </a:ln>
             <a:extLst>
               <a:ext uri="{909E8E84-426E-40DD-AFC4-6F175D3DCCD1}">
-                <a14:hiddenFill xmlns:a14="http://schemas.microsoft.com/office/drawing/2010/main">
+                <a14:hiddenFill xmlns:a14="http://schemas.microsoft.com/office/drawing/2010/main" xmlns="">
                   <a:solidFill>
                     <a:srgbClr val="FFFFFF"/>
                   </a:solidFill>
                 </a14:hiddenFill>
               </a:ext>
               <a:ext uri="{91240B29-F687-4F45-9708-019B960494DF}">
-                <a14:hiddenLine xmlns:a14="http://schemas.microsoft.com/office/drawing/2010/main" w="9525">
+                <a14:hiddenLine xmlns:a14="http://schemas.microsoft.com/office/drawing/2010/main" xmlns="" w="9525">
                   <a:solidFill>
                     <a:srgbClr val="000000"/>
                   </a:solidFill>
@@ -3022,14 +3022,14 @@
             </a:ln>
             <a:extLst>
               <a:ext uri="{909E8E84-426E-40DD-AFC4-6F175D3DCCD1}">
-                <a14:hiddenFill xmlns:a14="http://schemas.microsoft.com/office/drawing/2010/main">
+                <a14:hiddenFill xmlns:a14="http://schemas.microsoft.com/office/drawing/2010/main" xmlns="">
                   <a:solidFill>
                     <a:srgbClr val="FFFFFF"/>
                   </a:solidFill>
                 </a14:hiddenFill>
               </a:ext>
               <a:ext uri="{91240B29-F687-4F45-9708-019B960494DF}">
-                <a14:hiddenLine xmlns:a14="http://schemas.microsoft.com/office/drawing/2010/main" w="9525">
+                <a14:hiddenLine xmlns:a14="http://schemas.microsoft.com/office/drawing/2010/main" xmlns="" w="9525">
                   <a:solidFill>
                     <a:srgbClr val="000000"/>
                   </a:solidFill>
@@ -3406,10 +3406,10 @@
           <p:nvPr/>
         </p:nvPicPr>
         <p:blipFill>
-          <a:blip r:embed="rId2">
+          <a:blip r:embed="rId2" cstate="print">
             <a:extLst>
               <a:ext uri="{28A0092B-C50C-407E-A947-70E740481C1C}">
-                <a14:useLocalDpi xmlns:a14="http://schemas.microsoft.com/office/drawing/2010/main" val="0"/>
+                <a14:useLocalDpi xmlns:a14="http://schemas.microsoft.com/office/drawing/2010/main" xmlns="" val="0"/>
               </a:ext>
             </a:extLst>
           </a:blip>
@@ -3564,10 +3564,10 @@
           <p:nvPr/>
         </p:nvPicPr>
         <p:blipFill>
-          <a:blip r:embed="rId2">
+          <a:blip r:embed="rId2" cstate="print">
             <a:extLst>
               <a:ext uri="{28A0092B-C50C-407E-A947-70E740481C1C}">
-                <a14:useLocalDpi xmlns:a14="http://schemas.microsoft.com/office/drawing/2010/main" val="0"/>
+                <a14:useLocalDpi xmlns:a14="http://schemas.microsoft.com/office/drawing/2010/main" xmlns="" val="0"/>
               </a:ext>
             </a:extLst>
           </a:blip>
@@ -3690,14 +3690,14 @@
             </a:ln>
             <a:extLst>
               <a:ext uri="{909E8E84-426E-40DD-AFC4-6F175D3DCCD1}">
-                <a14:hiddenFill xmlns:a14="http://schemas.microsoft.com/office/drawing/2010/main">
+                <a14:hiddenFill xmlns:a14="http://schemas.microsoft.com/office/drawing/2010/main" xmlns="">
                   <a:solidFill>
                     <a:srgbClr val="FFFFFF"/>
                   </a:solidFill>
                 </a14:hiddenFill>
               </a:ext>
               <a:ext uri="{91240B29-F687-4F45-9708-019B960494DF}">
-                <a14:hiddenLine xmlns:a14="http://schemas.microsoft.com/office/drawing/2010/main" w="9525">
+                <a14:hiddenLine xmlns:a14="http://schemas.microsoft.com/office/drawing/2010/main" xmlns="" w="9525">
                   <a:solidFill>
                     <a:srgbClr val="000000"/>
                   </a:solidFill>
@@ -3847,14 +3847,14 @@
             </a:ln>
             <a:extLst>
               <a:ext uri="{909E8E84-426E-40DD-AFC4-6F175D3DCCD1}">
-                <a14:hiddenFill xmlns:a14="http://schemas.microsoft.com/office/drawing/2010/main">
+                <a14:hiddenFill xmlns:a14="http://schemas.microsoft.com/office/drawing/2010/main" xmlns="">
                   <a:solidFill>
                     <a:srgbClr val="FFFFFF"/>
                   </a:solidFill>
                 </a14:hiddenFill>
               </a:ext>
               <a:ext uri="{91240B29-F687-4F45-9708-019B960494DF}">
-                <a14:hiddenLine xmlns:a14="http://schemas.microsoft.com/office/drawing/2010/main" w="9525">
+                <a14:hiddenLine xmlns:a14="http://schemas.microsoft.com/office/drawing/2010/main" xmlns="" w="9525">
                   <a:solidFill>
                     <a:srgbClr val="000000"/>
                   </a:solidFill>
@@ -4118,7 +4118,7 @@
     </p:spTree>
     <p:extLst>
       <p:ext uri="{BB962C8B-B14F-4D97-AF65-F5344CB8AC3E}">
-        <p14:creationId xmlns:p14="http://schemas.microsoft.com/office/powerpoint/2010/main" val="2461302196"/>
+        <p14:creationId xmlns:p14="http://schemas.microsoft.com/office/powerpoint/2010/main" xmlns="" val="2461302196"/>
       </p:ext>
     </p:extLst>
   </p:cSld>
@@ -4197,14 +4197,14 @@
           </a:xfrm>
           <a:extLst>
             <a:ext uri="{909E8E84-426E-40DD-AFC4-6F175D3DCCD1}">
-              <a14:hiddenFill xmlns:a14="http://schemas.microsoft.com/office/drawing/2010/main">
+              <a14:hiddenFill xmlns:a14="http://schemas.microsoft.com/office/drawing/2010/main" xmlns="">
                 <a:solidFill>
                   <a:srgbClr val="FFFFFF"/>
                 </a:solidFill>
               </a14:hiddenFill>
             </a:ext>
             <a:ext uri="{91240B29-F687-4F45-9708-019B960494DF}">
-              <a14:hiddenLine xmlns:a14="http://schemas.microsoft.com/office/drawing/2010/main" w="9525">
+              <a14:hiddenLine xmlns:a14="http://schemas.microsoft.com/office/drawing/2010/main" xmlns="" w="9525">
                 <a:solidFill>
                   <a:srgbClr val="000000"/>
                 </a:solidFill>
@@ -4371,7 +4371,7 @@
     </p:spTree>
     <p:extLst>
       <p:ext uri="{BB962C8B-B14F-4D97-AF65-F5344CB8AC3E}">
-        <p14:creationId xmlns:p14="http://schemas.microsoft.com/office/powerpoint/2010/main" val="1166103754"/>
+        <p14:creationId xmlns:p14="http://schemas.microsoft.com/office/powerpoint/2010/main" xmlns="" val="1166103754"/>
       </p:ext>
     </p:extLst>
   </p:cSld>
@@ -4439,10 +4439,10 @@
           <p:nvPr/>
         </p:nvPicPr>
         <p:blipFill>
-          <a:blip r:embed="rId2">
+          <a:blip r:embed="rId2" cstate="print">
             <a:extLst>
               <a:ext uri="{28A0092B-C50C-407E-A947-70E740481C1C}">
-                <a14:useLocalDpi xmlns:a14="http://schemas.microsoft.com/office/drawing/2010/main" val="0"/>
+                <a14:useLocalDpi xmlns:a14="http://schemas.microsoft.com/office/drawing/2010/main" xmlns="" val="0"/>
               </a:ext>
             </a:extLst>
           </a:blip>
@@ -4463,7 +4463,7 @@
     </p:spTree>
     <p:extLst>
       <p:ext uri="{BB962C8B-B14F-4D97-AF65-F5344CB8AC3E}">
-        <p14:creationId xmlns:p14="http://schemas.microsoft.com/office/powerpoint/2010/main" val="4100715659"/>
+        <p14:creationId xmlns:p14="http://schemas.microsoft.com/office/powerpoint/2010/main" xmlns="" val="4100715659"/>
       </p:ext>
     </p:extLst>
   </p:cSld>
@@ -4539,14 +4539,14 @@
           </a:xfrm>
           <a:extLst>
             <a:ext uri="{909E8E84-426E-40DD-AFC4-6F175D3DCCD1}">
-              <a14:hiddenFill xmlns:a14="http://schemas.microsoft.com/office/drawing/2010/main">
+              <a14:hiddenFill xmlns:a14="http://schemas.microsoft.com/office/drawing/2010/main" xmlns="">
                 <a:solidFill>
                   <a:srgbClr val="FFFFFF"/>
                 </a:solidFill>
               </a14:hiddenFill>
             </a:ext>
             <a:ext uri="{91240B29-F687-4F45-9708-019B960494DF}">
-              <a14:hiddenLine xmlns:a14="http://schemas.microsoft.com/office/drawing/2010/main" w="9525">
+              <a14:hiddenLine xmlns:a14="http://schemas.microsoft.com/office/drawing/2010/main" xmlns="" w="9525">
                 <a:solidFill>
                   <a:srgbClr val="000000"/>
                 </a:solidFill>
@@ -4587,7 +4587,7 @@
           <p:cNvPr id="2" name="Picture 1">
             <a:extLst>
               <a:ext uri="{FF2B5EF4-FFF2-40B4-BE49-F238E27FC236}">
-                <a16:creationId xmlns="" xmlns:a16="http://schemas.microsoft.com/office/drawing/2014/main" id="{F5A00150-EB0A-4F28-911C-141811EBFBD4}"/>
+                <a16:creationId xmlns:a16="http://schemas.microsoft.com/office/drawing/2014/main" xmlns="" id="{F5A00150-EB0A-4F28-911C-141811EBFBD4}"/>
               </a:ext>
             </a:extLst>
           </p:cNvPr>
@@ -4597,7 +4597,7 @@
           <p:nvPr/>
         </p:nvPicPr>
         <p:blipFill rotWithShape="1">
-          <a:blip r:embed="rId2"/>
+          <a:blip r:embed="rId2" cstate="print"/>
           <a:srcRect b="5494"/>
           <a:stretch/>
         </p:blipFill>
@@ -4614,7 +4614,7 @@
     </p:spTree>
     <p:extLst>
       <p:ext uri="{BB962C8B-B14F-4D97-AF65-F5344CB8AC3E}">
-        <p14:creationId xmlns:p14="http://schemas.microsoft.com/office/powerpoint/2010/main" val="4234705847"/>
+        <p14:creationId xmlns:p14="http://schemas.microsoft.com/office/powerpoint/2010/main" xmlns="" val="4234705847"/>
       </p:ext>
     </p:extLst>
   </p:cSld>
@@ -4693,14 +4693,14 @@
           </a:xfrm>
           <a:extLst>
             <a:ext uri="{909E8E84-426E-40DD-AFC4-6F175D3DCCD1}">
-              <a14:hiddenFill xmlns:a14="http://schemas.microsoft.com/office/drawing/2010/main">
+              <a14:hiddenFill xmlns:a14="http://schemas.microsoft.com/office/drawing/2010/main" xmlns="">
                 <a:solidFill>
                   <a:srgbClr val="FFFFFF"/>
                 </a:solidFill>
               </a14:hiddenFill>
             </a:ext>
             <a:ext uri="{91240B29-F687-4F45-9708-019B960494DF}">
-              <a14:hiddenLine xmlns:a14="http://schemas.microsoft.com/office/drawing/2010/main" w="9525">
+              <a14:hiddenLine xmlns:a14="http://schemas.microsoft.com/office/drawing/2010/main" xmlns="" w="9525">
                 <a:solidFill>
                   <a:srgbClr val="000000"/>
                 </a:solidFill>
@@ -4741,7 +4741,7 @@
           <p:cNvPr id="3" name="Picture 2">
             <a:extLst>
               <a:ext uri="{FF2B5EF4-FFF2-40B4-BE49-F238E27FC236}">
-                <a16:creationId xmlns="" xmlns:a16="http://schemas.microsoft.com/office/drawing/2014/main" id="{2B1A4BC2-7DE1-4299-98E4-7ED739A14DCC}"/>
+                <a16:creationId xmlns:a16="http://schemas.microsoft.com/office/drawing/2014/main" xmlns="" id="{2B1A4BC2-7DE1-4299-98E4-7ED739A14DCC}"/>
               </a:ext>
             </a:extLst>
           </p:cNvPr>
@@ -4751,7 +4751,7 @@
           <p:nvPr/>
         </p:nvPicPr>
         <p:blipFill>
-          <a:blip r:embed="rId2"/>
+          <a:blip r:embed="rId2" cstate="print"/>
           <a:stretch>
             <a:fillRect/>
           </a:stretch>
@@ -4769,7 +4769,7 @@
     </p:spTree>
     <p:extLst>
       <p:ext uri="{BB962C8B-B14F-4D97-AF65-F5344CB8AC3E}">
-        <p14:creationId xmlns:p14="http://schemas.microsoft.com/office/powerpoint/2010/main" val="324456396"/>
+        <p14:creationId xmlns:p14="http://schemas.microsoft.com/office/powerpoint/2010/main" xmlns="" val="324456396"/>
       </p:ext>
     </p:extLst>
   </p:cSld>
@@ -4848,14 +4848,14 @@
           </a:xfrm>
           <a:extLst>
             <a:ext uri="{909E8E84-426E-40DD-AFC4-6F175D3DCCD1}">
-              <a14:hiddenFill xmlns:a14="http://schemas.microsoft.com/office/drawing/2010/main">
+              <a14:hiddenFill xmlns:a14="http://schemas.microsoft.com/office/drawing/2010/main" xmlns="">
                 <a:solidFill>
                   <a:srgbClr val="FFFFFF"/>
                 </a:solidFill>
               </a14:hiddenFill>
             </a:ext>
             <a:ext uri="{91240B29-F687-4F45-9708-019B960494DF}">
-              <a14:hiddenLine xmlns:a14="http://schemas.microsoft.com/office/drawing/2010/main" w="9525">
+              <a14:hiddenLine xmlns:a14="http://schemas.microsoft.com/office/drawing/2010/main" xmlns="" w="9525">
                 <a:solidFill>
                   <a:srgbClr val="000000"/>
                 </a:solidFill>
@@ -4896,7 +4896,7 @@
           <p:cNvPr id="2" name="Picture 1">
             <a:extLst>
               <a:ext uri="{FF2B5EF4-FFF2-40B4-BE49-F238E27FC236}">
-                <a16:creationId xmlns="" xmlns:a16="http://schemas.microsoft.com/office/drawing/2014/main" id="{21DDFF5F-FFF6-4DB6-AD4E-6794E13280AB}"/>
+                <a16:creationId xmlns:a16="http://schemas.microsoft.com/office/drawing/2014/main" xmlns="" id="{21DDFF5F-FFF6-4DB6-AD4E-6794E13280AB}"/>
               </a:ext>
             </a:extLst>
           </p:cNvPr>
@@ -4906,7 +4906,7 @@
           <p:nvPr/>
         </p:nvPicPr>
         <p:blipFill>
-          <a:blip r:embed="rId2"/>
+          <a:blip r:embed="rId2" cstate="print"/>
           <a:stretch>
             <a:fillRect/>
           </a:stretch>
@@ -4924,7 +4924,7 @@
     </p:spTree>
     <p:extLst>
       <p:ext uri="{BB962C8B-B14F-4D97-AF65-F5344CB8AC3E}">
-        <p14:creationId xmlns:p14="http://schemas.microsoft.com/office/powerpoint/2010/main" val="3523015254"/>
+        <p14:creationId xmlns:p14="http://schemas.microsoft.com/office/powerpoint/2010/main" xmlns="" val="3523015254"/>
       </p:ext>
     </p:extLst>
   </p:cSld>
@@ -5003,14 +5003,14 @@
           </a:xfrm>
           <a:extLst>
             <a:ext uri="{909E8E84-426E-40DD-AFC4-6F175D3DCCD1}">
-              <a14:hiddenFill xmlns:a14="http://schemas.microsoft.com/office/drawing/2010/main">
+              <a14:hiddenFill xmlns:a14="http://schemas.microsoft.com/office/drawing/2010/main" xmlns="">
                 <a:solidFill>
                   <a:srgbClr val="FFFFFF"/>
                 </a:solidFill>
               </a14:hiddenFill>
             </a:ext>
             <a:ext uri="{91240B29-F687-4F45-9708-019B960494DF}">
-              <a14:hiddenLine xmlns:a14="http://schemas.microsoft.com/office/drawing/2010/main" w="9525">
+              <a14:hiddenLine xmlns:a14="http://schemas.microsoft.com/office/drawing/2010/main" xmlns="" w="9525">
                 <a:solidFill>
                   <a:srgbClr val="000000"/>
                 </a:solidFill>
@@ -5051,7 +5051,7 @@
           <p:cNvPr id="3" name="Picture 2">
             <a:extLst>
               <a:ext uri="{FF2B5EF4-FFF2-40B4-BE49-F238E27FC236}">
-                <a16:creationId xmlns="" xmlns:a16="http://schemas.microsoft.com/office/drawing/2014/main" id="{69168DE8-9710-4C4D-825A-7E6F62278493}"/>
+                <a16:creationId xmlns:a16="http://schemas.microsoft.com/office/drawing/2014/main" xmlns="" id="{69168DE8-9710-4C4D-825A-7E6F62278493}"/>
               </a:ext>
             </a:extLst>
           </p:cNvPr>
@@ -5061,7 +5061,7 @@
           <p:nvPr/>
         </p:nvPicPr>
         <p:blipFill>
-          <a:blip r:embed="rId2"/>
+          <a:blip r:embed="rId2" cstate="print"/>
           <a:stretch>
             <a:fillRect/>
           </a:stretch>
@@ -5079,7 +5079,7 @@
     </p:spTree>
     <p:extLst>
       <p:ext uri="{BB962C8B-B14F-4D97-AF65-F5344CB8AC3E}">
-        <p14:creationId xmlns:p14="http://schemas.microsoft.com/office/powerpoint/2010/main" val="3817239344"/>
+        <p14:creationId xmlns:p14="http://schemas.microsoft.com/office/powerpoint/2010/main" xmlns="" val="3817239344"/>
       </p:ext>
     </p:extLst>
   </p:cSld>
@@ -5158,14 +5158,14 @@
           </a:xfrm>
           <a:extLst>
             <a:ext uri="{909E8E84-426E-40DD-AFC4-6F175D3DCCD1}">
-              <a14:hiddenFill xmlns:a14="http://schemas.microsoft.com/office/drawing/2010/main">
+              <a14:hiddenFill xmlns:a14="http://schemas.microsoft.com/office/drawing/2010/main" xmlns="">
                 <a:solidFill>
                   <a:srgbClr val="FFFFFF"/>
                 </a:solidFill>
               </a14:hiddenFill>
             </a:ext>
             <a:ext uri="{91240B29-F687-4F45-9708-019B960494DF}">
-              <a14:hiddenLine xmlns:a14="http://schemas.microsoft.com/office/drawing/2010/main" w="9525">
+              <a14:hiddenLine xmlns:a14="http://schemas.microsoft.com/office/drawing/2010/main" xmlns="" w="9525">
                 <a:solidFill>
                   <a:srgbClr val="000000"/>
                 </a:solidFill>
@@ -5206,7 +5206,7 @@
           <p:cNvPr id="2" name="Picture 1">
             <a:extLst>
               <a:ext uri="{FF2B5EF4-FFF2-40B4-BE49-F238E27FC236}">
-                <a16:creationId xmlns="" xmlns:a16="http://schemas.microsoft.com/office/drawing/2014/main" id="{B6A781C1-AA15-45C9-BF02-66987FF55897}"/>
+                <a16:creationId xmlns:a16="http://schemas.microsoft.com/office/drawing/2014/main" xmlns="" id="{B6A781C1-AA15-45C9-BF02-66987FF55897}"/>
               </a:ext>
             </a:extLst>
           </p:cNvPr>
@@ -5216,7 +5216,7 @@
           <p:nvPr/>
         </p:nvPicPr>
         <p:blipFill>
-          <a:blip r:embed="rId2"/>
+          <a:blip r:embed="rId2" cstate="print"/>
           <a:stretch>
             <a:fillRect/>
           </a:stretch>
@@ -5234,7 +5234,7 @@
     </p:spTree>
     <p:extLst>
       <p:ext uri="{BB962C8B-B14F-4D97-AF65-F5344CB8AC3E}">
-        <p14:creationId xmlns:p14="http://schemas.microsoft.com/office/powerpoint/2010/main" val="1697811339"/>
+        <p14:creationId xmlns:p14="http://schemas.microsoft.com/office/powerpoint/2010/main" xmlns="" val="1697811339"/>
       </p:ext>
     </p:extLst>
   </p:cSld>
@@ -5349,7 +5349,7 @@
           <p:nvPr/>
         </p:nvPicPr>
         <p:blipFill>
-          <a:blip r:embed="rId3"/>
+          <a:blip r:embed="rId3" cstate="print"/>
           <a:stretch>
             <a:fillRect/>
           </a:stretch>
@@ -5465,14 +5465,14 @@
             </a:ln>
             <a:extLst>
               <a:ext uri="{909E8E84-426E-40DD-AFC4-6F175D3DCCD1}">
-                <a14:hiddenFill xmlns:a14="http://schemas.microsoft.com/office/drawing/2010/main">
+                <a14:hiddenFill xmlns:a14="http://schemas.microsoft.com/office/drawing/2010/main" xmlns="">
                   <a:solidFill>
                     <a:srgbClr val="FFFFFF"/>
                   </a:solidFill>
                 </a14:hiddenFill>
               </a:ext>
               <a:ext uri="{91240B29-F687-4F45-9708-019B960494DF}">
-                <a14:hiddenLine xmlns:a14="http://schemas.microsoft.com/office/drawing/2010/main" w="9525">
+                <a14:hiddenLine xmlns:a14="http://schemas.microsoft.com/office/drawing/2010/main" xmlns="" w="9525">
                   <a:solidFill>
                     <a:srgbClr val="000000"/>
                   </a:solidFill>
@@ -5622,14 +5622,14 @@
             </a:ln>
             <a:extLst>
               <a:ext uri="{909E8E84-426E-40DD-AFC4-6F175D3DCCD1}">
-                <a14:hiddenFill xmlns:a14="http://schemas.microsoft.com/office/drawing/2010/main">
+                <a14:hiddenFill xmlns:a14="http://schemas.microsoft.com/office/drawing/2010/main" xmlns="">
                   <a:solidFill>
                     <a:srgbClr val="FFFFFF"/>
                   </a:solidFill>
                 </a14:hiddenFill>
               </a:ext>
               <a:ext uri="{91240B29-F687-4F45-9708-019B960494DF}">
-                <a14:hiddenLine xmlns:a14="http://schemas.microsoft.com/office/drawing/2010/main" w="9525">
+                <a14:hiddenLine xmlns:a14="http://schemas.microsoft.com/office/drawing/2010/main" xmlns="" w="9525">
                   <a:solidFill>
                     <a:srgbClr val="000000"/>
                   </a:solidFill>
@@ -5874,7 +5874,7 @@
     </p:spTree>
     <p:extLst>
       <p:ext uri="{BB962C8B-B14F-4D97-AF65-F5344CB8AC3E}">
-        <p14:creationId xmlns:p14="http://schemas.microsoft.com/office/powerpoint/2010/main" val="681014556"/>
+        <p14:creationId xmlns:p14="http://schemas.microsoft.com/office/powerpoint/2010/main" xmlns="" val="681014556"/>
       </p:ext>
     </p:extLst>
   </p:cSld>
@@ -6389,7 +6389,7 @@
     </p:spTree>
     <p:extLst>
       <p:ext uri="{BB962C8B-B14F-4D97-AF65-F5344CB8AC3E}">
-        <p14:creationId xmlns:p14="http://schemas.microsoft.com/office/powerpoint/2010/main" val="3812644496"/>
+        <p14:creationId xmlns:p14="http://schemas.microsoft.com/office/powerpoint/2010/main" xmlns="" val="3812644496"/>
       </p:ext>
     </p:extLst>
   </p:cSld>
@@ -6616,10 +6616,10 @@
           <p:nvPr/>
         </p:nvPicPr>
         <p:blipFill>
-          <a:blip r:embed="rId2">
+          <a:blip r:embed="rId2" cstate="print">
             <a:extLst>
               <a:ext uri="{28A0092B-C50C-407E-A947-70E740481C1C}">
-                <a14:useLocalDpi xmlns:a14="http://schemas.microsoft.com/office/drawing/2010/main" val="0"/>
+                <a14:useLocalDpi xmlns:a14="http://schemas.microsoft.com/office/drawing/2010/main" xmlns="" val="0"/>
               </a:ext>
             </a:extLst>
           </a:blip>
@@ -6640,7 +6640,7 @@
     </p:spTree>
     <p:extLst>
       <p:ext uri="{BB962C8B-B14F-4D97-AF65-F5344CB8AC3E}">
-        <p14:creationId xmlns:p14="http://schemas.microsoft.com/office/powerpoint/2010/main" val="1625217003"/>
+        <p14:creationId xmlns:p14="http://schemas.microsoft.com/office/powerpoint/2010/main" xmlns="" val="1625217003"/>
       </p:ext>
     </p:extLst>
   </p:cSld>
@@ -6867,10 +6867,10 @@
           <p:nvPr/>
         </p:nvPicPr>
         <p:blipFill>
-          <a:blip r:embed="rId2">
+          <a:blip r:embed="rId2" cstate="print">
             <a:extLst>
               <a:ext uri="{28A0092B-C50C-407E-A947-70E740481C1C}">
-                <a14:useLocalDpi xmlns:a14="http://schemas.microsoft.com/office/drawing/2010/main" val="0"/>
+                <a14:useLocalDpi xmlns:a14="http://schemas.microsoft.com/office/drawing/2010/main" xmlns="" val="0"/>
               </a:ext>
             </a:extLst>
           </a:blip>
@@ -6891,7 +6891,7 @@
     </p:spTree>
     <p:extLst>
       <p:ext uri="{BB962C8B-B14F-4D97-AF65-F5344CB8AC3E}">
-        <p14:creationId xmlns:p14="http://schemas.microsoft.com/office/powerpoint/2010/main" val="1256551592"/>
+        <p14:creationId xmlns:p14="http://schemas.microsoft.com/office/powerpoint/2010/main" xmlns="" val="1256551592"/>
       </p:ext>
     </p:extLst>
   </p:cSld>
@@ -7118,10 +7118,10 @@
           <p:nvPr/>
         </p:nvPicPr>
         <p:blipFill>
-          <a:blip r:embed="rId2">
+          <a:blip r:embed="rId2" cstate="print">
             <a:extLst>
               <a:ext uri="{28A0092B-C50C-407E-A947-70E740481C1C}">
-                <a14:useLocalDpi xmlns:a14="http://schemas.microsoft.com/office/drawing/2010/main" val="0"/>
+                <a14:useLocalDpi xmlns:a14="http://schemas.microsoft.com/office/drawing/2010/main" xmlns="" val="0"/>
               </a:ext>
             </a:extLst>
           </a:blip>
@@ -7142,7 +7142,7 @@
     </p:spTree>
     <p:extLst>
       <p:ext uri="{BB962C8B-B14F-4D97-AF65-F5344CB8AC3E}">
-        <p14:creationId xmlns:p14="http://schemas.microsoft.com/office/powerpoint/2010/main" val="3402891464"/>
+        <p14:creationId xmlns:p14="http://schemas.microsoft.com/office/powerpoint/2010/main" xmlns="" val="3402891464"/>
       </p:ext>
     </p:extLst>
   </p:cSld>
@@ -7362,10 +7362,10 @@
           <p:nvPr/>
         </p:nvPicPr>
         <p:blipFill>
-          <a:blip r:embed="rId2">
+          <a:blip r:embed="rId2" cstate="print">
             <a:extLst>
               <a:ext uri="{28A0092B-C50C-407E-A947-70E740481C1C}">
-                <a14:useLocalDpi xmlns:a14="http://schemas.microsoft.com/office/drawing/2010/main" val="0"/>
+                <a14:useLocalDpi xmlns:a14="http://schemas.microsoft.com/office/drawing/2010/main" xmlns="" val="0"/>
               </a:ext>
             </a:extLst>
           </a:blip>
@@ -7386,7 +7386,7 @@
     </p:spTree>
     <p:extLst>
       <p:ext uri="{BB962C8B-B14F-4D97-AF65-F5344CB8AC3E}">
-        <p14:creationId xmlns:p14="http://schemas.microsoft.com/office/powerpoint/2010/main" val="2843391693"/>
+        <p14:creationId xmlns:p14="http://schemas.microsoft.com/office/powerpoint/2010/main" xmlns="" val="2843391693"/>
       </p:ext>
     </p:extLst>
   </p:cSld>
@@ -7606,10 +7606,10 @@
           <p:nvPr/>
         </p:nvPicPr>
         <p:blipFill>
-          <a:blip r:embed="rId2">
+          <a:blip r:embed="rId2" cstate="print">
             <a:extLst>
               <a:ext uri="{28A0092B-C50C-407E-A947-70E740481C1C}">
-                <a14:useLocalDpi xmlns:a14="http://schemas.microsoft.com/office/drawing/2010/main" val="0"/>
+                <a14:useLocalDpi xmlns:a14="http://schemas.microsoft.com/office/drawing/2010/main" xmlns="" val="0"/>
               </a:ext>
             </a:extLst>
           </a:blip>
@@ -7630,7 +7630,7 @@
     </p:spTree>
     <p:extLst>
       <p:ext uri="{BB962C8B-B14F-4D97-AF65-F5344CB8AC3E}">
-        <p14:creationId xmlns:p14="http://schemas.microsoft.com/office/powerpoint/2010/main" val="3776007642"/>
+        <p14:creationId xmlns:p14="http://schemas.microsoft.com/office/powerpoint/2010/main" xmlns="" val="3776007642"/>
       </p:ext>
     </p:extLst>
   </p:cSld>
@@ -7730,14 +7730,14 @@
             </a:ln>
             <a:extLst>
               <a:ext uri="{909E8E84-426E-40DD-AFC4-6F175D3DCCD1}">
-                <a14:hiddenFill xmlns:a14="http://schemas.microsoft.com/office/drawing/2010/main">
+                <a14:hiddenFill xmlns:a14="http://schemas.microsoft.com/office/drawing/2010/main" xmlns="">
                   <a:solidFill>
                     <a:srgbClr val="FFFFFF"/>
                   </a:solidFill>
                 </a14:hiddenFill>
               </a:ext>
               <a:ext uri="{91240B29-F687-4F45-9708-019B960494DF}">
-                <a14:hiddenLine xmlns:a14="http://schemas.microsoft.com/office/drawing/2010/main" w="9525">
+                <a14:hiddenLine xmlns:a14="http://schemas.microsoft.com/office/drawing/2010/main" xmlns="" w="9525">
                   <a:solidFill>
                     <a:srgbClr val="000000"/>
                   </a:solidFill>
@@ -7887,14 +7887,14 @@
             </a:ln>
             <a:extLst>
               <a:ext uri="{909E8E84-426E-40DD-AFC4-6F175D3DCCD1}">
-                <a14:hiddenFill xmlns:a14="http://schemas.microsoft.com/office/drawing/2010/main">
+                <a14:hiddenFill xmlns:a14="http://schemas.microsoft.com/office/drawing/2010/main" xmlns="">
                   <a:solidFill>
                     <a:srgbClr val="FFFFFF"/>
                   </a:solidFill>
                 </a14:hiddenFill>
               </a:ext>
               <a:ext uri="{91240B29-F687-4F45-9708-019B960494DF}">
-                <a14:hiddenLine xmlns:a14="http://schemas.microsoft.com/office/drawing/2010/main" w="9525">
+                <a14:hiddenLine xmlns:a14="http://schemas.microsoft.com/office/drawing/2010/main" xmlns="" w="9525">
                   <a:solidFill>
                     <a:srgbClr val="000000"/>
                   </a:solidFill>
@@ -8523,7 +8523,7 @@
     </p:spTree>
     <p:extLst>
       <p:ext uri="{BB962C8B-B14F-4D97-AF65-F5344CB8AC3E}">
-        <p14:creationId xmlns:p14="http://schemas.microsoft.com/office/powerpoint/2010/main" val="2886033736"/>
+        <p14:creationId xmlns:p14="http://schemas.microsoft.com/office/powerpoint/2010/main" xmlns="" val="2886033736"/>
       </p:ext>
     </p:extLst>
   </p:cSld>
@@ -8583,7 +8583,7 @@
           <p:cNvPr id="3" name="Picture 2">
             <a:extLst>
               <a:ext uri="{FF2B5EF4-FFF2-40B4-BE49-F238E27FC236}">
-                <a16:creationId xmlns="" xmlns:a16="http://schemas.microsoft.com/office/drawing/2014/main" id="{1488CEA1-615B-4D4C-A130-F1FD32F916CA}"/>
+                <a16:creationId xmlns:a16="http://schemas.microsoft.com/office/drawing/2014/main" xmlns="" id="{1488CEA1-615B-4D4C-A130-F1FD32F916CA}"/>
               </a:ext>
             </a:extLst>
           </p:cNvPr>
@@ -8596,7 +8596,7 @@
           <a:blip r:embed="rId2" cstate="print">
             <a:extLst>
               <a:ext uri="{28A0092B-C50C-407E-A947-70E740481C1C}">
-                <a14:useLocalDpi xmlns:a14="http://schemas.microsoft.com/office/drawing/2010/main" val="0"/>
+                <a14:useLocalDpi xmlns:a14="http://schemas.microsoft.com/office/drawing/2010/main" xmlns="" val="0"/>
               </a:ext>
             </a:extLst>
           </a:blip>
@@ -8676,10 +8676,10 @@
           <p:nvPr/>
         </p:nvPicPr>
         <p:blipFill>
-          <a:blip r:embed="rId3">
+          <a:blip r:embed="rId3" cstate="print">
             <a:extLst>
               <a:ext uri="{28A0092B-C50C-407E-A947-70E740481C1C}">
-                <a14:useLocalDpi xmlns:a14="http://schemas.microsoft.com/office/drawing/2010/main" val="0"/>
+                <a14:useLocalDpi xmlns:a14="http://schemas.microsoft.com/office/drawing/2010/main" xmlns="" val="0"/>
               </a:ext>
             </a:extLst>
           </a:blip>
@@ -8762,7 +8762,7 @@
           <p:cNvPr id="1026" name="Picture 2">
             <a:extLst>
               <a:ext uri="{FF2B5EF4-FFF2-40B4-BE49-F238E27FC236}">
-                <a16:creationId xmlns="" xmlns:a16="http://schemas.microsoft.com/office/drawing/2014/main" id="{680D742B-523C-43D4-9E8B-E4709EAE39EB}"/>
+                <a16:creationId xmlns:a16="http://schemas.microsoft.com/office/drawing/2014/main" xmlns="" id="{680D742B-523C-43D4-9E8B-E4709EAE39EB}"/>
               </a:ext>
             </a:extLst>
           </p:cNvPr>
@@ -8772,10 +8772,10 @@
           <p:nvPr/>
         </p:nvPicPr>
         <p:blipFill>
-          <a:blip r:embed="rId2">
+          <a:blip r:embed="rId2" cstate="print">
             <a:extLst>
               <a:ext uri="{28A0092B-C50C-407E-A947-70E740481C1C}">
-                <a14:useLocalDpi xmlns:a14="http://schemas.microsoft.com/office/drawing/2010/main" val="0"/>
+                <a14:useLocalDpi xmlns:a14="http://schemas.microsoft.com/office/drawing/2010/main" xmlns="" val="0"/>
               </a:ext>
             </a:extLst>
           </a:blip>
@@ -8798,14 +8798,14 @@
           </a:ln>
           <a:extLst>
             <a:ext uri="{909E8E84-426E-40DD-AFC4-6F175D3DCCD1}">
-              <a14:hiddenFill xmlns:a14="http://schemas.microsoft.com/office/drawing/2010/main">
+              <a14:hiddenFill xmlns:a14="http://schemas.microsoft.com/office/drawing/2010/main" xmlns="">
                 <a:solidFill>
                   <a:srgbClr val="FFFFFF"/>
                 </a:solidFill>
               </a14:hiddenFill>
             </a:ext>
             <a:ext uri="{91240B29-F687-4F45-9708-019B960494DF}">
-              <a14:hiddenLine xmlns:a14="http://schemas.microsoft.com/office/drawing/2010/main" w="9525">
+              <a14:hiddenLine xmlns:a14="http://schemas.microsoft.com/office/drawing/2010/main" xmlns="" w="9525">
                 <a:solidFill>
                   <a:srgbClr val="000000"/>
                 </a:solidFill>
@@ -8820,7 +8820,7 @@
     </p:spTree>
     <p:extLst>
       <p:ext uri="{BB962C8B-B14F-4D97-AF65-F5344CB8AC3E}">
-        <p14:creationId xmlns:p14="http://schemas.microsoft.com/office/powerpoint/2010/main" val="1781569390"/>
+        <p14:creationId xmlns:p14="http://schemas.microsoft.com/office/powerpoint/2010/main" xmlns="" val="1781569390"/>
       </p:ext>
     </p:extLst>
   </p:cSld>
@@ -8855,7 +8855,7 @@
           <p:cNvPr id="4" name="Título 3">
             <a:extLst>
               <a:ext uri="{FF2B5EF4-FFF2-40B4-BE49-F238E27FC236}">
-                <a16:creationId xmlns="" xmlns:a16="http://schemas.microsoft.com/office/drawing/2014/main" id="{26BCFAA2-D859-44BC-AFEE-2D5119DC4C72}"/>
+                <a16:creationId xmlns:a16="http://schemas.microsoft.com/office/drawing/2014/main" xmlns="" id="{26BCFAA2-D859-44BC-AFEE-2D5119DC4C72}"/>
               </a:ext>
             </a:extLst>
           </p:cNvPr>
@@ -8891,7 +8891,7 @@
           <p:cNvPr id="3" name="Picture 2">
             <a:extLst>
               <a:ext uri="{FF2B5EF4-FFF2-40B4-BE49-F238E27FC236}">
-                <a16:creationId xmlns="" xmlns:a16="http://schemas.microsoft.com/office/drawing/2014/main" id="{697244E8-4C32-432B-82C5-5F541E652E84}"/>
+                <a16:creationId xmlns:a16="http://schemas.microsoft.com/office/drawing/2014/main" xmlns="" id="{697244E8-4C32-432B-82C5-5F541E652E84}"/>
               </a:ext>
             </a:extLst>
           </p:cNvPr>
@@ -8901,7 +8901,7 @@
           <p:nvPr/>
         </p:nvPicPr>
         <p:blipFill>
-          <a:blip r:embed="rId2"/>
+          <a:blip r:embed="rId2" cstate="print"/>
           <a:stretch>
             <a:fillRect/>
           </a:stretch>
@@ -8949,7 +8949,7 @@
           <p:cNvPr id="2" name="Rectangle 1">
             <a:extLst>
               <a:ext uri="{FF2B5EF4-FFF2-40B4-BE49-F238E27FC236}">
-                <a16:creationId xmlns="" xmlns:a16="http://schemas.microsoft.com/office/drawing/2014/main" id="{9B84690F-C0BA-45DE-B1F4-7C1D7425D6FC}"/>
+                <a16:creationId xmlns:a16="http://schemas.microsoft.com/office/drawing/2014/main" xmlns="" id="{9B84690F-C0BA-45DE-B1F4-7C1D7425D6FC}"/>
               </a:ext>
             </a:extLst>
           </p:cNvPr>
@@ -9003,7 +9003,7 @@
           <p:cNvPr id="4" name="Picture 3">
             <a:extLst>
               <a:ext uri="{FF2B5EF4-FFF2-40B4-BE49-F238E27FC236}">
-                <a16:creationId xmlns="" xmlns:a16="http://schemas.microsoft.com/office/drawing/2014/main" id="{FF33F444-5274-47FB-9AB9-B9E9F701C115}"/>
+                <a16:creationId xmlns:a16="http://schemas.microsoft.com/office/drawing/2014/main" xmlns="" id="{FF33F444-5274-47FB-9AB9-B9E9F701C115}"/>
               </a:ext>
             </a:extLst>
           </p:cNvPr>
@@ -9013,7 +9013,7 @@
           <p:nvPr/>
         </p:nvPicPr>
         <p:blipFill>
-          <a:blip r:embed="rId2"/>
+          <a:blip r:embed="rId2" cstate="print"/>
           <a:stretch>
             <a:fillRect/>
           </a:stretch>
@@ -9031,7 +9031,7 @@
     </p:spTree>
     <p:extLst>
       <p:ext uri="{BB962C8B-B14F-4D97-AF65-F5344CB8AC3E}">
-        <p14:creationId xmlns:p14="http://schemas.microsoft.com/office/powerpoint/2010/main" val="2886251363"/>
+        <p14:creationId xmlns:p14="http://schemas.microsoft.com/office/powerpoint/2010/main" xmlns="" val="2886251363"/>
       </p:ext>
     </p:extLst>
   </p:cSld>
@@ -9088,7 +9088,7 @@
           <p:cNvPr id="5" name="Rectangle 4">
             <a:extLst>
               <a:ext uri="{FF2B5EF4-FFF2-40B4-BE49-F238E27FC236}">
-                <a16:creationId xmlns="" xmlns:a16="http://schemas.microsoft.com/office/drawing/2014/main" id="{E268ED25-8F1E-4CB1-BEC7-9279730C430D}"/>
+                <a16:creationId xmlns:a16="http://schemas.microsoft.com/office/drawing/2014/main" xmlns="" id="{E268ED25-8F1E-4CB1-BEC7-9279730C430D}"/>
               </a:ext>
             </a:extLst>
           </p:cNvPr>
@@ -9142,7 +9142,7 @@
           <p:cNvPr id="2" name="Picture 1">
             <a:extLst>
               <a:ext uri="{FF2B5EF4-FFF2-40B4-BE49-F238E27FC236}">
-                <a16:creationId xmlns="" xmlns:a16="http://schemas.microsoft.com/office/drawing/2014/main" id="{AC3F4872-BBD0-4C85-AF1B-EECA98565237}"/>
+                <a16:creationId xmlns:a16="http://schemas.microsoft.com/office/drawing/2014/main" xmlns="" id="{AC3F4872-BBD0-4C85-AF1B-EECA98565237}"/>
               </a:ext>
             </a:extLst>
           </p:cNvPr>
@@ -9152,7 +9152,7 @@
           <p:nvPr/>
         </p:nvPicPr>
         <p:blipFill>
-          <a:blip r:embed="rId2"/>
+          <a:blip r:embed="rId2" cstate="print"/>
           <a:stretch>
             <a:fillRect/>
           </a:stretch>
@@ -9170,7 +9170,7 @@
     </p:spTree>
     <p:extLst>
       <p:ext uri="{BB962C8B-B14F-4D97-AF65-F5344CB8AC3E}">
-        <p14:creationId xmlns:p14="http://schemas.microsoft.com/office/powerpoint/2010/main" val="395963370"/>
+        <p14:creationId xmlns:p14="http://schemas.microsoft.com/office/powerpoint/2010/main" xmlns="" val="395963370"/>
       </p:ext>
     </p:extLst>
   </p:cSld>
@@ -9273,14 +9273,14 @@
             </a:ln>
             <a:extLst>
               <a:ext uri="{909E8E84-426E-40DD-AFC4-6F175D3DCCD1}">
-                <a14:hiddenFill xmlns:a14="http://schemas.microsoft.com/office/drawing/2010/main">
+                <a14:hiddenFill xmlns:a14="http://schemas.microsoft.com/office/drawing/2010/main" xmlns="">
                   <a:solidFill>
                     <a:srgbClr val="FFFFFF"/>
                   </a:solidFill>
                 </a14:hiddenFill>
               </a:ext>
               <a:ext uri="{91240B29-F687-4F45-9708-019B960494DF}">
-                <a14:hiddenLine xmlns:a14="http://schemas.microsoft.com/office/drawing/2010/main" w="9525">
+                <a14:hiddenLine xmlns:a14="http://schemas.microsoft.com/office/drawing/2010/main" xmlns="" w="9525">
                   <a:solidFill>
                     <a:srgbClr val="000000"/>
                   </a:solidFill>
@@ -9430,14 +9430,14 @@
             </a:ln>
             <a:extLst>
               <a:ext uri="{909E8E84-426E-40DD-AFC4-6F175D3DCCD1}">
-                <a14:hiddenFill xmlns:a14="http://schemas.microsoft.com/office/drawing/2010/main">
+                <a14:hiddenFill xmlns:a14="http://schemas.microsoft.com/office/drawing/2010/main" xmlns="">
                   <a:solidFill>
                     <a:srgbClr val="FFFFFF"/>
                   </a:solidFill>
                 </a14:hiddenFill>
               </a:ext>
               <a:ext uri="{91240B29-F687-4F45-9708-019B960494DF}">
-                <a14:hiddenLine xmlns:a14="http://schemas.microsoft.com/office/drawing/2010/main" w="9525">
+                <a14:hiddenLine xmlns:a14="http://schemas.microsoft.com/office/drawing/2010/main" xmlns="" w="9525">
                   <a:solidFill>
                     <a:srgbClr val="000000"/>
                   </a:solidFill>
@@ -9682,7 +9682,7 @@
     </p:spTree>
     <p:extLst>
       <p:ext uri="{BB962C8B-B14F-4D97-AF65-F5344CB8AC3E}">
-        <p14:creationId xmlns:p14="http://schemas.microsoft.com/office/powerpoint/2010/main" val="3409322625"/>
+        <p14:creationId xmlns:p14="http://schemas.microsoft.com/office/powerpoint/2010/main" xmlns="" val="3409322625"/>
       </p:ext>
     </p:extLst>
   </p:cSld>
@@ -9717,7 +9717,7 @@
           <p:cNvPr id="2" name="Título 1">
             <a:extLst>
               <a:ext uri="{FF2B5EF4-FFF2-40B4-BE49-F238E27FC236}">
-                <a16:creationId xmlns="" xmlns:a16="http://schemas.microsoft.com/office/drawing/2014/main" id="{4420E5F6-C592-489E-8742-39113C67F28C}"/>
+                <a16:creationId xmlns:a16="http://schemas.microsoft.com/office/drawing/2014/main" xmlns="" id="{4420E5F6-C592-489E-8742-39113C67F28C}"/>
               </a:ext>
             </a:extLst>
           </p:cNvPr>
@@ -9757,7 +9757,7 @@
           <p:cNvPr id="3" name="Espaço Reservado para Conteúdo 2">
             <a:extLst>
               <a:ext uri="{FF2B5EF4-FFF2-40B4-BE49-F238E27FC236}">
-                <a16:creationId xmlns="" xmlns:a16="http://schemas.microsoft.com/office/drawing/2014/main" id="{FB12D05B-E47F-4BA3-B1A7-F1DCD4D8F90E}"/>
+                <a16:creationId xmlns:a16="http://schemas.microsoft.com/office/drawing/2014/main" xmlns="" id="{FB12D05B-E47F-4BA3-B1A7-F1DCD4D8F90E}"/>
               </a:ext>
             </a:extLst>
           </p:cNvPr>
@@ -9987,7 +9987,7 @@
     </p:spTree>
     <p:extLst>
       <p:ext uri="{BB962C8B-B14F-4D97-AF65-F5344CB8AC3E}">
-        <p14:creationId xmlns:p14="http://schemas.microsoft.com/office/powerpoint/2010/main" val="732095642"/>
+        <p14:creationId xmlns:p14="http://schemas.microsoft.com/office/powerpoint/2010/main" xmlns="" val="732095642"/>
       </p:ext>
     </p:extLst>
   </p:cSld>
@@ -10019,7 +10019,7 @@
           <p:cNvPr id="5" name="Título 1">
             <a:extLst>
               <a:ext uri="{FF2B5EF4-FFF2-40B4-BE49-F238E27FC236}">
-                <a16:creationId xmlns="" xmlns:a16="http://schemas.microsoft.com/office/drawing/2014/main" id="{4420E5F6-C592-489E-8742-39113C67F28C}"/>
+                <a16:creationId xmlns:a16="http://schemas.microsoft.com/office/drawing/2014/main" xmlns="" id="{4420E5F6-C592-489E-8742-39113C67F28C}"/>
               </a:ext>
             </a:extLst>
           </p:cNvPr>
@@ -10208,7 +10208,7 @@
           <p:cNvPr id="3" name="Picture 2">
             <a:extLst>
               <a:ext uri="{FF2B5EF4-FFF2-40B4-BE49-F238E27FC236}">
-                <a16:creationId xmlns="" xmlns:a16="http://schemas.microsoft.com/office/drawing/2014/main" id="{8F573B82-A720-4E7D-88E3-7ABD98571312}"/>
+                <a16:creationId xmlns:a16="http://schemas.microsoft.com/office/drawing/2014/main" xmlns="" id="{8F573B82-A720-4E7D-88E3-7ABD98571312}"/>
               </a:ext>
             </a:extLst>
           </p:cNvPr>
@@ -10218,10 +10218,10 @@
           <p:nvPr/>
         </p:nvPicPr>
         <p:blipFill>
-          <a:blip r:embed="rId2">
+          <a:blip r:embed="rId2" cstate="print">
             <a:extLst>
               <a:ext uri="{28A0092B-C50C-407E-A947-70E740481C1C}">
-                <a14:useLocalDpi xmlns:a14="http://schemas.microsoft.com/office/drawing/2010/main" val="0"/>
+                <a14:useLocalDpi xmlns:a14="http://schemas.microsoft.com/office/drawing/2010/main" xmlns="" val="0"/>
               </a:ext>
             </a:extLst>
           </a:blip>
@@ -10242,7 +10242,7 @@
     </p:spTree>
     <p:extLst>
       <p:ext uri="{BB962C8B-B14F-4D97-AF65-F5344CB8AC3E}">
-        <p14:creationId xmlns:p14="http://schemas.microsoft.com/office/powerpoint/2010/main" val="1528951847"/>
+        <p14:creationId xmlns:p14="http://schemas.microsoft.com/office/powerpoint/2010/main" xmlns="" val="1528951847"/>
       </p:ext>
     </p:extLst>
   </p:cSld>
@@ -10274,7 +10274,7 @@
           <p:cNvPr id="6" name="Título 1">
             <a:extLst>
               <a:ext uri="{FF2B5EF4-FFF2-40B4-BE49-F238E27FC236}">
-                <a16:creationId xmlns="" xmlns:a16="http://schemas.microsoft.com/office/drawing/2014/main" id="{4420E5F6-C592-489E-8742-39113C67F28C}"/>
+                <a16:creationId xmlns:a16="http://schemas.microsoft.com/office/drawing/2014/main" xmlns="" id="{4420E5F6-C592-489E-8742-39113C67F28C}"/>
               </a:ext>
             </a:extLst>
           </p:cNvPr>
@@ -10314,7 +10314,7 @@
           <p:cNvPr id="8" name="Picture 7">
             <a:extLst>
               <a:ext uri="{FF2B5EF4-FFF2-40B4-BE49-F238E27FC236}">
-                <a16:creationId xmlns="" xmlns:a16="http://schemas.microsoft.com/office/drawing/2014/main" id="{AC1CFE5D-EA64-4455-B011-2E471DBEC948}"/>
+                <a16:creationId xmlns:a16="http://schemas.microsoft.com/office/drawing/2014/main" xmlns="" id="{AC1CFE5D-EA64-4455-B011-2E471DBEC948}"/>
               </a:ext>
             </a:extLst>
           </p:cNvPr>
@@ -10324,7 +10324,7 @@
           <p:nvPr/>
         </p:nvPicPr>
         <p:blipFill>
-          <a:blip r:embed="rId2"/>
+          <a:blip r:embed="rId2" cstate="print"/>
           <a:stretch>
             <a:fillRect/>
           </a:stretch>
@@ -10342,7 +10342,7 @@
     </p:spTree>
     <p:extLst>
       <p:ext uri="{BB962C8B-B14F-4D97-AF65-F5344CB8AC3E}">
-        <p14:creationId xmlns:p14="http://schemas.microsoft.com/office/powerpoint/2010/main" val="3460844110"/>
+        <p14:creationId xmlns:p14="http://schemas.microsoft.com/office/powerpoint/2010/main" xmlns="" val="3460844110"/>
       </p:ext>
     </p:extLst>
   </p:cSld>
@@ -10374,7 +10374,7 @@
           <p:cNvPr id="6" name="Título 1">
             <a:extLst>
               <a:ext uri="{FF2B5EF4-FFF2-40B4-BE49-F238E27FC236}">
-                <a16:creationId xmlns="" xmlns:a16="http://schemas.microsoft.com/office/drawing/2014/main" id="{4420E5F6-C592-489E-8742-39113C67F28C}"/>
+                <a16:creationId xmlns:a16="http://schemas.microsoft.com/office/drawing/2014/main" xmlns="" id="{4420E5F6-C592-489E-8742-39113C67F28C}"/>
               </a:ext>
             </a:extLst>
           </p:cNvPr>
@@ -10414,7 +10414,7 @@
           <p:cNvPr id="8" name="Rectangle 7">
             <a:extLst>
               <a:ext uri="{FF2B5EF4-FFF2-40B4-BE49-F238E27FC236}">
-                <a16:creationId xmlns="" xmlns:a16="http://schemas.microsoft.com/office/drawing/2014/main" id="{F316C0A6-AC98-4AAE-B87A-547E57B86D5F}"/>
+                <a16:creationId xmlns:a16="http://schemas.microsoft.com/office/drawing/2014/main" xmlns="" id="{F316C0A6-AC98-4AAE-B87A-547E57B86D5F}"/>
               </a:ext>
             </a:extLst>
           </p:cNvPr>
@@ -10468,7 +10468,7 @@
           <p:cNvPr id="9" name="Picture 8">
             <a:extLst>
               <a:ext uri="{FF2B5EF4-FFF2-40B4-BE49-F238E27FC236}">
-                <a16:creationId xmlns="" xmlns:a16="http://schemas.microsoft.com/office/drawing/2014/main" id="{F5F42E5F-1DEC-47B5-8651-247D9AF6FADE}"/>
+                <a16:creationId xmlns:a16="http://schemas.microsoft.com/office/drawing/2014/main" xmlns="" id="{F5F42E5F-1DEC-47B5-8651-247D9AF6FADE}"/>
               </a:ext>
             </a:extLst>
           </p:cNvPr>
@@ -10478,10 +10478,10 @@
           <p:nvPr/>
         </p:nvPicPr>
         <p:blipFill>
-          <a:blip r:embed="rId2">
+          <a:blip r:embed="rId2" cstate="print">
             <a:extLst>
               <a:ext uri="{28A0092B-C50C-407E-A947-70E740481C1C}">
-                <a14:useLocalDpi xmlns:a14="http://schemas.microsoft.com/office/drawing/2010/main" val="0"/>
+                <a14:useLocalDpi xmlns:a14="http://schemas.microsoft.com/office/drawing/2010/main" xmlns="" val="0"/>
               </a:ext>
             </a:extLst>
           </a:blip>
@@ -10502,7 +10502,7 @@
     </p:spTree>
     <p:extLst>
       <p:ext uri="{BB962C8B-B14F-4D97-AF65-F5344CB8AC3E}">
-        <p14:creationId xmlns:p14="http://schemas.microsoft.com/office/powerpoint/2010/main" val="255138212"/>
+        <p14:creationId xmlns:p14="http://schemas.microsoft.com/office/powerpoint/2010/main" xmlns="" val="255138212"/>
       </p:ext>
     </p:extLst>
   </p:cSld>
@@ -10534,7 +10534,7 @@
           <p:cNvPr id="6" name="Título 1">
             <a:extLst>
               <a:ext uri="{FF2B5EF4-FFF2-40B4-BE49-F238E27FC236}">
-                <a16:creationId xmlns="" xmlns:a16="http://schemas.microsoft.com/office/drawing/2014/main" id="{4420E5F6-C592-489E-8742-39113C67F28C}"/>
+                <a16:creationId xmlns:a16="http://schemas.microsoft.com/office/drawing/2014/main" xmlns="" id="{4420E5F6-C592-489E-8742-39113C67F28C}"/>
               </a:ext>
             </a:extLst>
           </p:cNvPr>
@@ -10574,7 +10574,7 @@
           <p:cNvPr id="8" name="Rectangle 7">
             <a:extLst>
               <a:ext uri="{FF2B5EF4-FFF2-40B4-BE49-F238E27FC236}">
-                <a16:creationId xmlns="" xmlns:a16="http://schemas.microsoft.com/office/drawing/2014/main" id="{EF4C9CB5-998F-4DAB-AD54-72FA9E925DA9}"/>
+                <a16:creationId xmlns:a16="http://schemas.microsoft.com/office/drawing/2014/main" xmlns="" id="{EF4C9CB5-998F-4DAB-AD54-72FA9E925DA9}"/>
               </a:ext>
             </a:extLst>
           </p:cNvPr>
@@ -10628,7 +10628,7 @@
           <p:cNvPr id="10" name="Picture 9">
             <a:extLst>
               <a:ext uri="{FF2B5EF4-FFF2-40B4-BE49-F238E27FC236}">
-                <a16:creationId xmlns="" xmlns:a16="http://schemas.microsoft.com/office/drawing/2014/main" id="{86E4D953-118F-46F7-809C-802C59C8CF9B}"/>
+                <a16:creationId xmlns:a16="http://schemas.microsoft.com/office/drawing/2014/main" xmlns="" id="{86E4D953-118F-46F7-809C-802C59C8CF9B}"/>
               </a:ext>
             </a:extLst>
           </p:cNvPr>
@@ -10638,10 +10638,10 @@
           <p:nvPr/>
         </p:nvPicPr>
         <p:blipFill>
-          <a:blip r:embed="rId2">
+          <a:blip r:embed="rId2" cstate="print">
             <a:extLst>
               <a:ext uri="{28A0092B-C50C-407E-A947-70E740481C1C}">
-                <a14:useLocalDpi xmlns:a14="http://schemas.microsoft.com/office/drawing/2010/main" val="0"/>
+                <a14:useLocalDpi xmlns:a14="http://schemas.microsoft.com/office/drawing/2010/main" xmlns="" val="0"/>
               </a:ext>
             </a:extLst>
           </a:blip>
@@ -10662,7 +10662,7 @@
     </p:spTree>
     <p:extLst>
       <p:ext uri="{BB962C8B-B14F-4D97-AF65-F5344CB8AC3E}">
-        <p14:creationId xmlns:p14="http://schemas.microsoft.com/office/powerpoint/2010/main" val="2944428277"/>
+        <p14:creationId xmlns:p14="http://schemas.microsoft.com/office/powerpoint/2010/main" xmlns="" val="2944428277"/>
       </p:ext>
     </p:extLst>
   </p:cSld>
@@ -10723,10 +10723,10 @@
           <p:nvPr/>
         </p:nvPicPr>
         <p:blipFill>
-          <a:blip r:embed="rId3">
+          <a:blip r:embed="rId3" cstate="print">
             <a:extLst>
               <a:ext uri="{28A0092B-C50C-407E-A947-70E740481C1C}">
-                <a14:useLocalDpi xmlns:a14="http://schemas.microsoft.com/office/drawing/2010/main" val="0"/>
+                <a14:useLocalDpi xmlns:a14="http://schemas.microsoft.com/office/drawing/2010/main" xmlns="" val="0"/>
               </a:ext>
             </a:extLst>
           </a:blip>
@@ -10784,7 +10784,7 @@
           <p:cNvPr id="6" name="Título 1">
             <a:extLst>
               <a:ext uri="{FF2B5EF4-FFF2-40B4-BE49-F238E27FC236}">
-                <a16:creationId xmlns="" xmlns:a16="http://schemas.microsoft.com/office/drawing/2014/main" id="{4420E5F6-C592-489E-8742-39113C67F28C}"/>
+                <a16:creationId xmlns:a16="http://schemas.microsoft.com/office/drawing/2014/main" xmlns="" id="{4420E5F6-C592-489E-8742-39113C67F28C}"/>
               </a:ext>
             </a:extLst>
           </p:cNvPr>
@@ -10824,7 +10824,7 @@
           <p:cNvPr id="8" name="Rectangle 7">
             <a:extLst>
               <a:ext uri="{FF2B5EF4-FFF2-40B4-BE49-F238E27FC236}">
-                <a16:creationId xmlns="" xmlns:a16="http://schemas.microsoft.com/office/drawing/2014/main" id="{EF4C9CB5-998F-4DAB-AD54-72FA9E925DA9}"/>
+                <a16:creationId xmlns:a16="http://schemas.microsoft.com/office/drawing/2014/main" xmlns="" id="{EF4C9CB5-998F-4DAB-AD54-72FA9E925DA9}"/>
               </a:ext>
             </a:extLst>
           </p:cNvPr>
@@ -10878,7 +10878,7 @@
           <p:cNvPr id="3" name="Picture 2">
             <a:extLst>
               <a:ext uri="{FF2B5EF4-FFF2-40B4-BE49-F238E27FC236}">
-                <a16:creationId xmlns="" xmlns:a16="http://schemas.microsoft.com/office/drawing/2014/main" id="{F1FA4B04-B183-46B7-8891-15526F3F8963}"/>
+                <a16:creationId xmlns:a16="http://schemas.microsoft.com/office/drawing/2014/main" xmlns="" id="{F1FA4B04-B183-46B7-8891-15526F3F8963}"/>
               </a:ext>
             </a:extLst>
           </p:cNvPr>
@@ -10888,10 +10888,10 @@
           <p:nvPr/>
         </p:nvPicPr>
         <p:blipFill rotWithShape="1">
-          <a:blip r:embed="rId2">
+          <a:blip r:embed="rId2" cstate="print">
             <a:extLst>
               <a:ext uri="{28A0092B-C50C-407E-A947-70E740481C1C}">
-                <a14:useLocalDpi xmlns:a14="http://schemas.microsoft.com/office/drawing/2010/main" val="0"/>
+                <a14:useLocalDpi xmlns:a14="http://schemas.microsoft.com/office/drawing/2010/main" xmlns="" val="0"/>
               </a:ext>
             </a:extLst>
           </a:blip>
@@ -10911,7 +10911,7 @@
     </p:spTree>
     <p:extLst>
       <p:ext uri="{BB962C8B-B14F-4D97-AF65-F5344CB8AC3E}">
-        <p14:creationId xmlns:p14="http://schemas.microsoft.com/office/powerpoint/2010/main" val="398228404"/>
+        <p14:creationId xmlns:p14="http://schemas.microsoft.com/office/powerpoint/2010/main" xmlns="" val="398228404"/>
       </p:ext>
     </p:extLst>
   </p:cSld>
@@ -10943,7 +10943,7 @@
           <p:cNvPr id="6" name="Título 1">
             <a:extLst>
               <a:ext uri="{FF2B5EF4-FFF2-40B4-BE49-F238E27FC236}">
-                <a16:creationId xmlns="" xmlns:a16="http://schemas.microsoft.com/office/drawing/2014/main" id="{4420E5F6-C592-489E-8742-39113C67F28C}"/>
+                <a16:creationId xmlns:a16="http://schemas.microsoft.com/office/drawing/2014/main" xmlns="" id="{4420E5F6-C592-489E-8742-39113C67F28C}"/>
               </a:ext>
             </a:extLst>
           </p:cNvPr>
@@ -10983,7 +10983,7 @@
           <p:cNvPr id="8" name="Rectangle 7">
             <a:extLst>
               <a:ext uri="{FF2B5EF4-FFF2-40B4-BE49-F238E27FC236}">
-                <a16:creationId xmlns="" xmlns:a16="http://schemas.microsoft.com/office/drawing/2014/main" id="{EF4C9CB5-998F-4DAB-AD54-72FA9E925DA9}"/>
+                <a16:creationId xmlns:a16="http://schemas.microsoft.com/office/drawing/2014/main" xmlns="" id="{EF4C9CB5-998F-4DAB-AD54-72FA9E925DA9}"/>
               </a:ext>
             </a:extLst>
           </p:cNvPr>
@@ -11037,7 +11037,7 @@
           <p:cNvPr id="4" name="Picture 3">
             <a:extLst>
               <a:ext uri="{FF2B5EF4-FFF2-40B4-BE49-F238E27FC236}">
-                <a16:creationId xmlns="" xmlns:a16="http://schemas.microsoft.com/office/drawing/2014/main" id="{9E45BBDA-7E5F-49C6-9ACE-8F5A7A5E8FAA}"/>
+                <a16:creationId xmlns:a16="http://schemas.microsoft.com/office/drawing/2014/main" xmlns="" id="{9E45BBDA-7E5F-49C6-9ACE-8F5A7A5E8FAA}"/>
               </a:ext>
             </a:extLst>
           </p:cNvPr>
@@ -11047,7 +11047,7 @@
           <p:nvPr/>
         </p:nvPicPr>
         <p:blipFill rotWithShape="1">
-          <a:blip r:embed="rId2"/>
+          <a:blip r:embed="rId2" cstate="print"/>
           <a:srcRect l="-968" t="12350" r="968" b="154"/>
           <a:stretch/>
         </p:blipFill>
@@ -11064,7 +11064,7 @@
     </p:spTree>
     <p:extLst>
       <p:ext uri="{BB962C8B-B14F-4D97-AF65-F5344CB8AC3E}">
-        <p14:creationId xmlns:p14="http://schemas.microsoft.com/office/powerpoint/2010/main" val="3663591352"/>
+        <p14:creationId xmlns:p14="http://schemas.microsoft.com/office/powerpoint/2010/main" xmlns="" val="3663591352"/>
       </p:ext>
     </p:extLst>
   </p:cSld>
@@ -11111,7 +11111,7 @@
             </a:pPr>
             <a:r>
               <a:rPr lang="pt-BR" dirty="0"/>
-              <a:t>Próximos passos</a:t>
+              <a:t>Lições Aprendidas</a:t>
             </a:r>
           </a:p>
         </p:txBody>
@@ -11128,8 +11128,8 @@
         </p:nvSpPr>
         <p:spPr>
           <a:xfrm>
-            <a:off x="4355976" y="1512243"/>
-            <a:ext cx="5616748" cy="2663626"/>
+            <a:off x="-9103" y="1359247"/>
+            <a:ext cx="4364682" cy="5424141"/>
           </a:xfrm>
         </p:spPr>
         <p:txBody>
@@ -11137,68 +11137,66 @@
           <a:lstStyle/>
           <a:p>
             <a:r>
-              <a:rPr lang="pt-BR" dirty="0"/>
-              <a:t>Implementar o sistema.</a:t>
-            </a:r>
+              <a:rPr lang="pt-BR" sz="2400" dirty="0" smtClean="0"/>
+              <a:t>Para a realização de uma especificação de software a participação do cliente é essencial, ainda que o analista tenha boa experiência de mercado</a:t>
+            </a:r>
+          </a:p>
+          <a:p>
+            <a:endParaRPr lang="pt-BR" sz="2400" dirty="0" smtClean="0"/>
+          </a:p>
+          <a:p>
+            <a:r>
+              <a:rPr lang="pt-BR" sz="2400" dirty="0" smtClean="0"/>
+              <a:t>Manter-se atento ao escopo inicial do projeto para que não sejam desenvolvidas funcionalidades que não </a:t>
+            </a:r>
+            <a:r>
+              <a:rPr lang="pt-BR" sz="2400" dirty="0" smtClean="0"/>
+              <a:t>foram solicitadas</a:t>
+            </a:r>
+            <a:endParaRPr lang="pt-BR" sz="2400" dirty="0" smtClean="0"/>
+          </a:p>
+          <a:p>
+            <a:endParaRPr lang="pt-BR" sz="2400" dirty="0" smtClean="0"/>
           </a:p>
           <a:p>
             <a:pPr marL="0" indent="0">
               <a:buNone/>
             </a:pPr>
-            <a:endParaRPr lang="pt-BR" dirty="0"/>
-          </a:p>
-          <a:p>
-            <a:r>
-              <a:rPr lang="pt-BR" dirty="0"/>
-              <a:t>Testar o sistema pronto.</a:t>
-            </a:r>
+            <a:endParaRPr lang="pt-BR" sz="2400" dirty="0" smtClean="0"/>
           </a:p>
           <a:p>
             <a:pPr marL="0" indent="0">
               <a:buNone/>
             </a:pPr>
-            <a:endParaRPr lang="pt-BR" dirty="0"/>
-          </a:p>
-          <a:p>
-            <a:r>
-              <a:rPr lang="pt-BR" dirty="0"/>
-              <a:t>Implantar o sistema.</a:t>
-            </a:r>
-          </a:p>
-          <a:p>
-            <a:endParaRPr lang="pt-BR" dirty="0"/>
-          </a:p>
-          <a:p>
-            <a:r>
-              <a:rPr lang="pt-BR" dirty="0"/>
-              <a:t>Avaliar pós implantação do sistema.</a:t>
-            </a:r>
+            <a:endParaRPr lang="pt-BR" sz="2400" dirty="0"/>
           </a:p>
         </p:txBody>
       </p:sp>
       <p:pic>
         <p:nvPicPr>
-          <p:cNvPr id="1026" name="Picture 2" descr="https://proximospassoschapa1.files.wordpress.com/2012/11/proximos-passos6.jpg"/>
+          <p:cNvPr id="2052" name="Picture 4" descr="Resultado de imagem para imagem lições aprendidas"/>
           <p:cNvPicPr>
             <a:picLocks noChangeAspect="1" noChangeArrowheads="1"/>
           </p:cNvPicPr>
           <p:nvPr/>
         </p:nvPicPr>
-        <p:blipFill rotWithShape="1">
-          <a:blip r:embed="rId2">
+        <p:blipFill>
+          <a:blip r:embed="rId2" cstate="print">
             <a:extLst>
               <a:ext uri="{28A0092B-C50C-407E-A947-70E740481C1C}">
-                <a14:useLocalDpi xmlns:a14="http://schemas.microsoft.com/office/drawing/2010/main" val="0"/>
+                <a14:useLocalDpi xmlns:a14="http://schemas.microsoft.com/office/drawing/2010/main" xmlns="" val="0"/>
               </a:ext>
             </a:extLst>
           </a:blip>
-          <a:srcRect l="2182" t="1845" r="3316" b="1995"/>
-          <a:stretch/>
+          <a:srcRect/>
+          <a:stretch>
+            <a:fillRect/>
+          </a:stretch>
         </p:blipFill>
         <p:spPr bwMode="auto">
           <a:xfrm>
-            <a:off x="30857" y="1484784"/>
-            <a:ext cx="4109096" cy="4181186"/>
+            <a:off x="4427984" y="1844824"/>
+            <a:ext cx="4728929" cy="3888432"/>
           </a:xfrm>
           <a:prstGeom prst="rect">
             <a:avLst/>
@@ -11206,7 +11204,7 @@
           <a:noFill/>
           <a:extLst>
             <a:ext uri="{909E8E84-426E-40DD-AFC4-6F175D3DCCD1}">
-              <a14:hiddenFill xmlns:a14="http://schemas.microsoft.com/office/drawing/2010/main">
+              <a14:hiddenFill xmlns:a14="http://schemas.microsoft.com/office/drawing/2010/main" xmlns="">
                 <a:solidFill>
                   <a:srgbClr val="FFFFFF"/>
                 </a:solidFill>
@@ -11263,7 +11261,7 @@
             </a:pPr>
             <a:r>
               <a:rPr lang="pt-BR" dirty="0"/>
-              <a:t>Lições Aprendidas</a:t>
+              <a:t>Próximos passos</a:t>
             </a:r>
           </a:p>
         </p:txBody>
@@ -11280,8 +11278,8 @@
         </p:nvSpPr>
         <p:spPr>
           <a:xfrm>
-            <a:off x="-9103" y="1359247"/>
-            <a:ext cx="4364682" cy="5424141"/>
+            <a:off x="4355976" y="1512243"/>
+            <a:ext cx="5616748" cy="2663626"/>
           </a:xfrm>
         </p:spPr>
         <p:txBody>
@@ -11289,49 +11287,73 @@
           <a:lstStyle/>
           <a:p>
             <a:r>
-              <a:rPr lang="pt-BR" sz="2400" dirty="0"/>
-              <a:t>Manter-se atento ao escopo inicial do projeto para que não sejam desenvolvidas funcionalidades que não terão utilidade ao negócio</a:t>
+              <a:rPr lang="pt-BR" dirty="0" smtClean="0"/>
+              <a:t>Codificar </a:t>
+            </a:r>
+            <a:r>
+              <a:rPr lang="pt-BR" dirty="0"/>
+              <a:t>o sistema.</a:t>
             </a:r>
           </a:p>
           <a:p>
             <a:pPr marL="0" indent="0">
               <a:buNone/>
             </a:pPr>
-            <a:endParaRPr lang="pt-BR" sz="2400" dirty="0"/>
-          </a:p>
-          <a:p>
-            <a:r>
-              <a:rPr lang="pt-BR" sz="2400" dirty="0"/>
-              <a:t>Realizar as primeiras entregas somente com o que é essencial e trás valor ao negócio do cliente.</a:t>
+            <a:endParaRPr lang="pt-BR" dirty="0"/>
+          </a:p>
+          <a:p>
+            <a:r>
+              <a:rPr lang="pt-BR" dirty="0" smtClean="0"/>
+              <a:t>Testar o sistema pronto.</a:t>
+            </a:r>
+            <a:endParaRPr lang="pt-BR" dirty="0"/>
+          </a:p>
+          <a:p>
+            <a:pPr marL="0" indent="0">
+              <a:buNone/>
+            </a:pPr>
+            <a:endParaRPr lang="pt-BR" dirty="0"/>
+          </a:p>
+          <a:p>
+            <a:r>
+              <a:rPr lang="pt-BR" dirty="0"/>
+              <a:t>Implantar o sistema.</a:t>
+            </a:r>
+          </a:p>
+          <a:p>
+            <a:endParaRPr lang="pt-BR" dirty="0"/>
+          </a:p>
+          <a:p>
+            <a:r>
+              <a:rPr lang="pt-BR" dirty="0"/>
+              <a:t>Avaliar pós implantação do sistema.</a:t>
             </a:r>
           </a:p>
         </p:txBody>
       </p:sp>
       <p:pic>
         <p:nvPicPr>
-          <p:cNvPr id="2052" name="Picture 4" descr="Resultado de imagem para imagem lições aprendidas"/>
+          <p:cNvPr id="1026" name="Picture 2" descr="https://proximospassoschapa1.files.wordpress.com/2012/11/proximos-passos6.jpg"/>
           <p:cNvPicPr>
             <a:picLocks noChangeAspect="1" noChangeArrowheads="1"/>
           </p:cNvPicPr>
           <p:nvPr/>
         </p:nvPicPr>
-        <p:blipFill>
-          <a:blip r:embed="rId2">
+        <p:blipFill rotWithShape="1">
+          <a:blip r:embed="rId2" cstate="print">
             <a:extLst>
               <a:ext uri="{28A0092B-C50C-407E-A947-70E740481C1C}">
-                <a14:useLocalDpi xmlns:a14="http://schemas.microsoft.com/office/drawing/2010/main" val="0"/>
+                <a14:useLocalDpi xmlns:a14="http://schemas.microsoft.com/office/drawing/2010/main" xmlns="" val="0"/>
               </a:ext>
             </a:extLst>
           </a:blip>
-          <a:srcRect/>
-          <a:stretch>
-            <a:fillRect/>
-          </a:stretch>
+          <a:srcRect l="2182" t="1845" r="3316" b="1995"/>
+          <a:stretch/>
         </p:blipFill>
         <p:spPr bwMode="auto">
           <a:xfrm>
-            <a:off x="4427984" y="1844824"/>
-            <a:ext cx="4728929" cy="3888432"/>
+            <a:off x="30857" y="1484784"/>
+            <a:ext cx="4109096" cy="4181186"/>
           </a:xfrm>
           <a:prstGeom prst="rect">
             <a:avLst/>
@@ -11339,7 +11361,7 @@
           <a:noFill/>
           <a:extLst>
             <a:ext uri="{909E8E84-426E-40DD-AFC4-6F175D3DCCD1}">
-              <a14:hiddenFill xmlns:a14="http://schemas.microsoft.com/office/drawing/2010/main">
+              <a14:hiddenFill xmlns:a14="http://schemas.microsoft.com/office/drawing/2010/main" xmlns="">
                 <a:solidFill>
                   <a:srgbClr val="FFFFFF"/>
                 </a:solidFill>
@@ -11409,7 +11431,7 @@
     </p:spTree>
     <p:extLst>
       <p:ext uri="{BB962C8B-B14F-4D97-AF65-F5344CB8AC3E}">
-        <p14:creationId xmlns:p14="http://schemas.microsoft.com/office/powerpoint/2010/main" val="1990385622"/>
+        <p14:creationId xmlns:p14="http://schemas.microsoft.com/office/powerpoint/2010/main" xmlns="" val="1990385622"/>
       </p:ext>
     </p:extLst>
   </p:cSld>
@@ -11512,14 +11534,14 @@
             </a:ln>
             <a:extLst>
               <a:ext uri="{909E8E84-426E-40DD-AFC4-6F175D3DCCD1}">
-                <a14:hiddenFill xmlns:a14="http://schemas.microsoft.com/office/drawing/2010/main">
+                <a14:hiddenFill xmlns:a14="http://schemas.microsoft.com/office/drawing/2010/main" xmlns="">
                   <a:solidFill>
                     <a:srgbClr val="FFFFFF"/>
                   </a:solidFill>
                 </a14:hiddenFill>
               </a:ext>
               <a:ext uri="{91240B29-F687-4F45-9708-019B960494DF}">
-                <a14:hiddenLine xmlns:a14="http://schemas.microsoft.com/office/drawing/2010/main" w="9525">
+                <a14:hiddenLine xmlns:a14="http://schemas.microsoft.com/office/drawing/2010/main" xmlns="" w="9525">
                   <a:solidFill>
                     <a:srgbClr val="000000"/>
                   </a:solidFill>
@@ -11669,14 +11691,14 @@
             </a:ln>
             <a:extLst>
               <a:ext uri="{909E8E84-426E-40DD-AFC4-6F175D3DCCD1}">
-                <a14:hiddenFill xmlns:a14="http://schemas.microsoft.com/office/drawing/2010/main">
+                <a14:hiddenFill xmlns:a14="http://schemas.microsoft.com/office/drawing/2010/main" xmlns="">
                   <a:solidFill>
                     <a:srgbClr val="FFFFFF"/>
                   </a:solidFill>
                 </a14:hiddenFill>
               </a:ext>
               <a:ext uri="{91240B29-F687-4F45-9708-019B960494DF}">
-                <a14:hiddenLine xmlns:a14="http://schemas.microsoft.com/office/drawing/2010/main" w="9525">
+                <a14:hiddenLine xmlns:a14="http://schemas.microsoft.com/office/drawing/2010/main" xmlns="" w="9525">
                   <a:solidFill>
                     <a:srgbClr val="000000"/>
                   </a:solidFill>
@@ -11940,7 +11962,7 @@
     </p:spTree>
     <p:extLst>
       <p:ext uri="{BB962C8B-B14F-4D97-AF65-F5344CB8AC3E}">
-        <p14:creationId xmlns:p14="http://schemas.microsoft.com/office/powerpoint/2010/main" val="2005090747"/>
+        <p14:creationId xmlns:p14="http://schemas.microsoft.com/office/powerpoint/2010/main" xmlns="" val="2005090747"/>
       </p:ext>
     </p:extLst>
   </p:cSld>
@@ -12019,14 +12041,14 @@
           </a:xfrm>
           <a:extLst>
             <a:ext uri="{909E8E84-426E-40DD-AFC4-6F175D3DCCD1}">
-              <a14:hiddenFill xmlns:a14="http://schemas.microsoft.com/office/drawing/2010/main">
+              <a14:hiddenFill xmlns:a14="http://schemas.microsoft.com/office/drawing/2010/main" xmlns="">
                 <a:solidFill>
                   <a:srgbClr val="FFFFFF"/>
                 </a:solidFill>
               </a14:hiddenFill>
             </a:ext>
             <a:ext uri="{91240B29-F687-4F45-9708-019B960494DF}">
-              <a14:hiddenLine xmlns:a14="http://schemas.microsoft.com/office/drawing/2010/main" w="9525">
+              <a14:hiddenLine xmlns:a14="http://schemas.microsoft.com/office/drawing/2010/main" xmlns="" w="9525">
                 <a:solidFill>
                   <a:srgbClr val="000000"/>
                 </a:solidFill>
@@ -12359,10 +12381,10 @@
           <p:nvPr/>
         </p:nvPicPr>
         <p:blipFill>
-          <a:blip r:embed="rId2">
+          <a:blip r:embed="rId2" cstate="print">
             <a:extLst>
               <a:ext uri="{28A0092B-C50C-407E-A947-70E740481C1C}">
-                <a14:useLocalDpi xmlns:a14="http://schemas.microsoft.com/office/drawing/2010/main" val="0"/>
+                <a14:useLocalDpi xmlns:a14="http://schemas.microsoft.com/office/drawing/2010/main" xmlns="" val="0"/>
               </a:ext>
             </a:extLst>
           </a:blip>
@@ -12451,10 +12473,10 @@
           <p:nvPr/>
         </p:nvPicPr>
         <p:blipFill>
-          <a:blip r:embed="rId2">
+          <a:blip r:embed="rId2" cstate="print">
             <a:extLst>
               <a:ext uri="{28A0092B-C50C-407E-A947-70E740481C1C}">
-                <a14:useLocalDpi xmlns:a14="http://schemas.microsoft.com/office/drawing/2010/main" val="0"/>
+                <a14:useLocalDpi xmlns:a14="http://schemas.microsoft.com/office/drawing/2010/main" xmlns="" val="0"/>
               </a:ext>
             </a:extLst>
           </a:blip>
@@ -12543,10 +12565,10 @@
           <p:nvPr/>
         </p:nvPicPr>
         <p:blipFill>
-          <a:blip r:embed="rId2">
+          <a:blip r:embed="rId2" cstate="print">
             <a:extLst>
               <a:ext uri="{28A0092B-C50C-407E-A947-70E740481C1C}">
-                <a14:useLocalDpi xmlns:a14="http://schemas.microsoft.com/office/drawing/2010/main" val="0"/>
+                <a14:useLocalDpi xmlns:a14="http://schemas.microsoft.com/office/drawing/2010/main" xmlns="" val="0"/>
               </a:ext>
             </a:extLst>
           </a:blip>
@@ -13174,7 +13196,7 @@
   <a:extraClrSchemeLst/>
   <a:extLst>
     <a:ext uri="{05A4C25C-085E-4340-85A3-A5531E510DB2}">
-      <thm15:themeFamily xmlns:thm15="http://schemas.microsoft.com/office/thememl/2012/main" name="Office Theme" id="{62F939B6-93AF-4DB8-9C6B-D6C7DFDC589F}" vid="{4A3C46E8-61CC-4603-A589-7422A47A8E4A}"/>
+      <thm15:themeFamily xmlns:thm15="http://schemas.microsoft.com/office/thememl/2012/main" xmlns="" name="Office Theme" id="{62F939B6-93AF-4DB8-9C6B-D6C7DFDC589F}" vid="{4A3C46E8-61CC-4603-A589-7422A47A8E4A}"/>
     </a:ext>
   </a:extLst>
 </a:theme>

--- a/TCC/5º Encontro/2017-Apresentacao Psystem.pptx
+++ b/TCC/5º Encontro/2017-Apresentacao Psystem.pptx
@@ -182,7 +182,7 @@
   </p:defaultTextStyle>
   <p:extLst>
     <p:ext uri="{EFAFB233-063F-42B5-8137-9DF3F51BA10A}">
-      <p15:sldGuideLst xmlns:p15="http://schemas.microsoft.com/office/powerpoint/2012/main" xmlns="">
+      <p15:sldGuideLst xmlns="" xmlns:p15="http://schemas.microsoft.com/office/powerpoint/2012/main">
         <p15:guide id="1" orient="horz" pos="2160">
           <p15:clr>
             <a:srgbClr val="A4A3A4"/>
@@ -286,7 +286,7 @@
             <a:fld id="{C0D5B206-56B5-433E-8333-9415E6A460B9}" type="datetimeFigureOut">
               <a:rPr lang="pt-BR" smtClean="0"/>
               <a:pPr/>
-              <a:t>26/09/2017</a:t>
+              <a:t>02/10/2017</a:t>
             </a:fld>
             <a:endParaRPr lang="pt-BR"/>
           </a:p>
@@ -454,7 +454,7 @@
     </p:spTree>
     <p:extLst>
       <p:ext uri="{BB962C8B-B14F-4D97-AF65-F5344CB8AC3E}">
-        <p14:creationId xmlns:p14="http://schemas.microsoft.com/office/powerpoint/2010/main" xmlns="" val="671299352"/>
+        <p14:creationId xmlns="" xmlns:p14="http://schemas.microsoft.com/office/powerpoint/2010/main" val="671299352"/>
       </p:ext>
     </p:extLst>
   </p:cSld>
@@ -664,7 +664,7 @@
     </p:spTree>
     <p:extLst>
       <p:ext uri="{BB962C8B-B14F-4D97-AF65-F5344CB8AC3E}">
-        <p14:creationId xmlns:p14="http://schemas.microsoft.com/office/powerpoint/2010/main" xmlns="" val="3274854824"/>
+        <p14:creationId xmlns="" xmlns:p14="http://schemas.microsoft.com/office/powerpoint/2010/main" val="3274854824"/>
       </p:ext>
     </p:extLst>
   </p:cSld>
@@ -759,7 +759,7 @@
     </p:spTree>
     <p:extLst>
       <p:ext uri="{BB962C8B-B14F-4D97-AF65-F5344CB8AC3E}">
-        <p14:creationId xmlns:p14="http://schemas.microsoft.com/office/powerpoint/2010/main" xmlns="" val="2786033099"/>
+        <p14:creationId xmlns="" xmlns:p14="http://schemas.microsoft.com/office/powerpoint/2010/main" val="2786033099"/>
       </p:ext>
     </p:extLst>
   </p:cSld>
@@ -852,7 +852,7 @@
     </p:spTree>
     <p:extLst>
       <p:ext uri="{BB962C8B-B14F-4D97-AF65-F5344CB8AC3E}">
-        <p14:creationId xmlns:p14="http://schemas.microsoft.com/office/powerpoint/2010/main" xmlns="" val="1775795487"/>
+        <p14:creationId xmlns="" xmlns:p14="http://schemas.microsoft.com/office/powerpoint/2010/main" val="1775795487"/>
       </p:ext>
     </p:extLst>
   </p:cSld>
@@ -968,7 +968,7 @@
     </p:spTree>
     <p:extLst>
       <p:ext uri="{BB962C8B-B14F-4D97-AF65-F5344CB8AC3E}">
-        <p14:creationId xmlns:p14="http://schemas.microsoft.com/office/powerpoint/2010/main" xmlns="" val="3951886733"/>
+        <p14:creationId xmlns="" xmlns:p14="http://schemas.microsoft.com/office/powerpoint/2010/main" val="3951886733"/>
       </p:ext>
     </p:extLst>
   </p:cSld>
@@ -1259,7 +1259,7 @@
     </p:spTree>
     <p:extLst>
       <p:ext uri="{BB962C8B-B14F-4D97-AF65-F5344CB8AC3E}">
-        <p14:creationId xmlns:p14="http://schemas.microsoft.com/office/powerpoint/2010/main" xmlns="" val="1588299535"/>
+        <p14:creationId xmlns="" xmlns:p14="http://schemas.microsoft.com/office/powerpoint/2010/main" val="1588299535"/>
       </p:ext>
     </p:extLst>
   </p:cSld>
@@ -1308,14 +1308,14 @@
           </a:ln>
           <a:extLst>
             <a:ext uri="{909E8E84-426E-40DD-AFC4-6F175D3DCCD1}">
-              <a14:hiddenFill xmlns:a14="http://schemas.microsoft.com/office/drawing/2010/main" xmlns="">
+              <a14:hiddenFill xmlns="" xmlns:a14="http://schemas.microsoft.com/office/drawing/2010/main">
                 <a:solidFill>
                   <a:srgbClr val="FFFFFF"/>
                 </a:solidFill>
               </a14:hiddenFill>
             </a:ext>
             <a:ext uri="{91240B29-F687-4F45-9708-019B960494DF}">
-              <a14:hiddenLine xmlns:a14="http://schemas.microsoft.com/office/drawing/2010/main" xmlns="" w="9525">
+              <a14:hiddenLine xmlns="" xmlns:a14="http://schemas.microsoft.com/office/drawing/2010/main" w="9525">
                 <a:solidFill>
                   <a:srgbClr val="000000"/>
                 </a:solidFill>
@@ -1731,7 +1731,7 @@
     </p:spTree>
     <p:extLst>
       <p:ext uri="{BB962C8B-B14F-4D97-AF65-F5344CB8AC3E}">
-        <p14:creationId xmlns:p14="http://schemas.microsoft.com/office/powerpoint/2010/main" xmlns="" val="3359836669"/>
+        <p14:creationId xmlns="" xmlns:p14="http://schemas.microsoft.com/office/powerpoint/2010/main" val="3359836669"/>
       </p:ext>
     </p:extLst>
   </p:cSld>
@@ -1761,7 +1761,7 @@
     </p:spTree>
     <p:extLst>
       <p:ext uri="{BB962C8B-B14F-4D97-AF65-F5344CB8AC3E}">
-        <p14:creationId xmlns:p14="http://schemas.microsoft.com/office/powerpoint/2010/main" xmlns="" val="413836109"/>
+        <p14:creationId xmlns="" xmlns:p14="http://schemas.microsoft.com/office/powerpoint/2010/main" val="413836109"/>
       </p:ext>
     </p:extLst>
   </p:cSld>
@@ -1861,7 +1861,7 @@
           <a:blip r:embed="rId2" cstate="print">
             <a:extLst>
               <a:ext uri="{28A0092B-C50C-407E-A947-70E740481C1C}">
-                <a14:useLocalDpi xmlns:a14="http://schemas.microsoft.com/office/drawing/2010/main" xmlns="" val="0"/>
+                <a14:useLocalDpi xmlns="" xmlns:a14="http://schemas.microsoft.com/office/drawing/2010/main" val="0"/>
               </a:ext>
             </a:extLst>
           </a:blip>
@@ -1884,14 +1884,14 @@
           </a:ln>
           <a:extLst>
             <a:ext uri="{909E8E84-426E-40DD-AFC4-6F175D3DCCD1}">
-              <a14:hiddenFill xmlns:a14="http://schemas.microsoft.com/office/drawing/2010/main" xmlns="">
+              <a14:hiddenFill xmlns="" xmlns:a14="http://schemas.microsoft.com/office/drawing/2010/main">
                 <a:solidFill>
                   <a:srgbClr val="FFFFFF"/>
                 </a:solidFill>
               </a14:hiddenFill>
             </a:ext>
             <a:ext uri="{91240B29-F687-4F45-9708-019B960494DF}">
-              <a14:hiddenLine xmlns:a14="http://schemas.microsoft.com/office/drawing/2010/main" xmlns="" w="9525">
+              <a14:hiddenLine xmlns="" xmlns:a14="http://schemas.microsoft.com/office/drawing/2010/main" w="9525">
                 <a:solidFill>
                   <a:srgbClr val="000000"/>
                 </a:solidFill>
@@ -1955,7 +1955,7 @@
     </p:spTree>
     <p:extLst>
       <p:ext uri="{BB962C8B-B14F-4D97-AF65-F5344CB8AC3E}">
-        <p14:creationId xmlns:p14="http://schemas.microsoft.com/office/powerpoint/2010/main" xmlns="" val="2156181659"/>
+        <p14:creationId xmlns="" xmlns:p14="http://schemas.microsoft.com/office/powerpoint/2010/main" val="2156181659"/>
       </p:ext>
     </p:extLst>
   </p:cSld>
@@ -2122,7 +2122,7 @@
     </p:spTree>
     <p:extLst>
       <p:ext uri="{BB962C8B-B14F-4D97-AF65-F5344CB8AC3E}">
-        <p14:creationId xmlns:p14="http://schemas.microsoft.com/office/powerpoint/2010/main" xmlns="" val="83598666"/>
+        <p14:creationId xmlns="" xmlns:p14="http://schemas.microsoft.com/office/powerpoint/2010/main" val="83598666"/>
       </p:ext>
     </p:extLst>
   </p:cSld>
@@ -2166,7 +2166,7 @@
           <a:blip r:embed="rId8" cstate="print">
             <a:extLst>
               <a:ext uri="{28A0092B-C50C-407E-A947-70E740481C1C}">
-                <a14:useLocalDpi xmlns:a14="http://schemas.microsoft.com/office/drawing/2010/main" xmlns="" val="0"/>
+                <a14:useLocalDpi xmlns="" xmlns:a14="http://schemas.microsoft.com/office/drawing/2010/main" val="0"/>
               </a:ext>
             </a:extLst>
           </a:blip>
@@ -2189,14 +2189,14 @@
           </a:ln>
           <a:extLst>
             <a:ext uri="{909E8E84-426E-40DD-AFC4-6F175D3DCCD1}">
-              <a14:hiddenFill xmlns:a14="http://schemas.microsoft.com/office/drawing/2010/main" xmlns="">
+              <a14:hiddenFill xmlns="" xmlns:a14="http://schemas.microsoft.com/office/drawing/2010/main">
                 <a:solidFill>
                   <a:srgbClr val="FFFFFF"/>
                 </a:solidFill>
               </a14:hiddenFill>
             </a:ext>
             <a:ext uri="{91240B29-F687-4F45-9708-019B960494DF}">
-              <a14:hiddenLine xmlns:a14="http://schemas.microsoft.com/office/drawing/2010/main" xmlns="" w="9525">
+              <a14:hiddenLine xmlns="" xmlns:a14="http://schemas.microsoft.com/office/drawing/2010/main" w="9525">
                 <a:solidFill>
                   <a:srgbClr val="000000"/>
                 </a:solidFill>
@@ -2269,7 +2269,7 @@
           <a:blip r:embed="rId9" cstate="print">
             <a:extLst>
               <a:ext uri="{28A0092B-C50C-407E-A947-70E740481C1C}">
-                <a14:useLocalDpi xmlns:a14="http://schemas.microsoft.com/office/drawing/2010/main" xmlns="" val="0"/>
+                <a14:useLocalDpi xmlns="" xmlns:a14="http://schemas.microsoft.com/office/drawing/2010/main" val="0"/>
               </a:ext>
             </a:extLst>
           </a:blip>
@@ -2292,14 +2292,14 @@
           </a:ln>
           <a:extLst>
             <a:ext uri="{909E8E84-426E-40DD-AFC4-6F175D3DCCD1}">
-              <a14:hiddenFill xmlns:a14="http://schemas.microsoft.com/office/drawing/2010/main" xmlns="">
+              <a14:hiddenFill xmlns="" xmlns:a14="http://schemas.microsoft.com/office/drawing/2010/main">
                 <a:solidFill>
                   <a:srgbClr val="FFFFFF"/>
                 </a:solidFill>
               </a14:hiddenFill>
             </a:ext>
             <a:ext uri="{91240B29-F687-4F45-9708-019B960494DF}">
-              <a14:hiddenLine xmlns:a14="http://schemas.microsoft.com/office/drawing/2010/main" xmlns="" w="9525">
+              <a14:hiddenLine xmlns="" xmlns:a14="http://schemas.microsoft.com/office/drawing/2010/main" w="9525">
                 <a:solidFill>
                   <a:srgbClr val="000000"/>
                 </a:solidFill>
@@ -2865,14 +2865,14 @@
             </a:ln>
             <a:extLst>
               <a:ext uri="{909E8E84-426E-40DD-AFC4-6F175D3DCCD1}">
-                <a14:hiddenFill xmlns:a14="http://schemas.microsoft.com/office/drawing/2010/main" xmlns="">
+                <a14:hiddenFill xmlns="" xmlns:a14="http://schemas.microsoft.com/office/drawing/2010/main">
                   <a:solidFill>
                     <a:srgbClr val="FFFFFF"/>
                   </a:solidFill>
                 </a14:hiddenFill>
               </a:ext>
               <a:ext uri="{91240B29-F687-4F45-9708-019B960494DF}">
-                <a14:hiddenLine xmlns:a14="http://schemas.microsoft.com/office/drawing/2010/main" xmlns="" w="9525">
+                <a14:hiddenLine xmlns="" xmlns:a14="http://schemas.microsoft.com/office/drawing/2010/main" w="9525">
                   <a:solidFill>
                     <a:srgbClr val="000000"/>
                   </a:solidFill>
@@ -3022,14 +3022,14 @@
             </a:ln>
             <a:extLst>
               <a:ext uri="{909E8E84-426E-40DD-AFC4-6F175D3DCCD1}">
-                <a14:hiddenFill xmlns:a14="http://schemas.microsoft.com/office/drawing/2010/main" xmlns="">
+                <a14:hiddenFill xmlns="" xmlns:a14="http://schemas.microsoft.com/office/drawing/2010/main">
                   <a:solidFill>
                     <a:srgbClr val="FFFFFF"/>
                   </a:solidFill>
                 </a14:hiddenFill>
               </a:ext>
               <a:ext uri="{91240B29-F687-4F45-9708-019B960494DF}">
-                <a14:hiddenLine xmlns:a14="http://schemas.microsoft.com/office/drawing/2010/main" xmlns="" w="9525">
+                <a14:hiddenLine xmlns="" xmlns:a14="http://schemas.microsoft.com/office/drawing/2010/main" w="9525">
                   <a:solidFill>
                     <a:srgbClr val="000000"/>
                   </a:solidFill>
@@ -3409,7 +3409,7 @@
           <a:blip r:embed="rId2" cstate="print">
             <a:extLst>
               <a:ext uri="{28A0092B-C50C-407E-A947-70E740481C1C}">
-                <a14:useLocalDpi xmlns:a14="http://schemas.microsoft.com/office/drawing/2010/main" xmlns="" val="0"/>
+                <a14:useLocalDpi xmlns="" xmlns:a14="http://schemas.microsoft.com/office/drawing/2010/main" val="0"/>
               </a:ext>
             </a:extLst>
           </a:blip>
@@ -3567,7 +3567,7 @@
           <a:blip r:embed="rId2" cstate="print">
             <a:extLst>
               <a:ext uri="{28A0092B-C50C-407E-A947-70E740481C1C}">
-                <a14:useLocalDpi xmlns:a14="http://schemas.microsoft.com/office/drawing/2010/main" xmlns="" val="0"/>
+                <a14:useLocalDpi xmlns="" xmlns:a14="http://schemas.microsoft.com/office/drawing/2010/main" val="0"/>
               </a:ext>
             </a:extLst>
           </a:blip>
@@ -3690,14 +3690,14 @@
             </a:ln>
             <a:extLst>
               <a:ext uri="{909E8E84-426E-40DD-AFC4-6F175D3DCCD1}">
-                <a14:hiddenFill xmlns:a14="http://schemas.microsoft.com/office/drawing/2010/main" xmlns="">
+                <a14:hiddenFill xmlns="" xmlns:a14="http://schemas.microsoft.com/office/drawing/2010/main">
                   <a:solidFill>
                     <a:srgbClr val="FFFFFF"/>
                   </a:solidFill>
                 </a14:hiddenFill>
               </a:ext>
               <a:ext uri="{91240B29-F687-4F45-9708-019B960494DF}">
-                <a14:hiddenLine xmlns:a14="http://schemas.microsoft.com/office/drawing/2010/main" xmlns="" w="9525">
+                <a14:hiddenLine xmlns="" xmlns:a14="http://schemas.microsoft.com/office/drawing/2010/main" w="9525">
                   <a:solidFill>
                     <a:srgbClr val="000000"/>
                   </a:solidFill>
@@ -3847,14 +3847,14 @@
             </a:ln>
             <a:extLst>
               <a:ext uri="{909E8E84-426E-40DD-AFC4-6F175D3DCCD1}">
-                <a14:hiddenFill xmlns:a14="http://schemas.microsoft.com/office/drawing/2010/main" xmlns="">
+                <a14:hiddenFill xmlns="" xmlns:a14="http://schemas.microsoft.com/office/drawing/2010/main">
                   <a:solidFill>
                     <a:srgbClr val="FFFFFF"/>
                   </a:solidFill>
                 </a14:hiddenFill>
               </a:ext>
               <a:ext uri="{91240B29-F687-4F45-9708-019B960494DF}">
-                <a14:hiddenLine xmlns:a14="http://schemas.microsoft.com/office/drawing/2010/main" xmlns="" w="9525">
+                <a14:hiddenLine xmlns="" xmlns:a14="http://schemas.microsoft.com/office/drawing/2010/main" w="9525">
                   <a:solidFill>
                     <a:srgbClr val="000000"/>
                   </a:solidFill>
@@ -4118,7 +4118,7 @@
     </p:spTree>
     <p:extLst>
       <p:ext uri="{BB962C8B-B14F-4D97-AF65-F5344CB8AC3E}">
-        <p14:creationId xmlns:p14="http://schemas.microsoft.com/office/powerpoint/2010/main" xmlns="" val="2461302196"/>
+        <p14:creationId xmlns="" xmlns:p14="http://schemas.microsoft.com/office/powerpoint/2010/main" val="2461302196"/>
       </p:ext>
     </p:extLst>
   </p:cSld>
@@ -4197,14 +4197,14 @@
           </a:xfrm>
           <a:extLst>
             <a:ext uri="{909E8E84-426E-40DD-AFC4-6F175D3DCCD1}">
-              <a14:hiddenFill xmlns:a14="http://schemas.microsoft.com/office/drawing/2010/main" xmlns="">
+              <a14:hiddenFill xmlns="" xmlns:a14="http://schemas.microsoft.com/office/drawing/2010/main">
                 <a:solidFill>
                   <a:srgbClr val="FFFFFF"/>
                 </a:solidFill>
               </a14:hiddenFill>
             </a:ext>
             <a:ext uri="{91240B29-F687-4F45-9708-019B960494DF}">
-              <a14:hiddenLine xmlns:a14="http://schemas.microsoft.com/office/drawing/2010/main" xmlns="" w="9525">
+              <a14:hiddenLine xmlns="" xmlns:a14="http://schemas.microsoft.com/office/drawing/2010/main" w="9525">
                 <a:solidFill>
                   <a:srgbClr val="000000"/>
                 </a:solidFill>
@@ -4371,7 +4371,7 @@
     </p:spTree>
     <p:extLst>
       <p:ext uri="{BB962C8B-B14F-4D97-AF65-F5344CB8AC3E}">
-        <p14:creationId xmlns:p14="http://schemas.microsoft.com/office/powerpoint/2010/main" xmlns="" val="1166103754"/>
+        <p14:creationId xmlns="" xmlns:p14="http://schemas.microsoft.com/office/powerpoint/2010/main" val="1166103754"/>
       </p:ext>
     </p:extLst>
   </p:cSld>
@@ -4442,7 +4442,7 @@
           <a:blip r:embed="rId2" cstate="print">
             <a:extLst>
               <a:ext uri="{28A0092B-C50C-407E-A947-70E740481C1C}">
-                <a14:useLocalDpi xmlns:a14="http://schemas.microsoft.com/office/drawing/2010/main" xmlns="" val="0"/>
+                <a14:useLocalDpi xmlns="" xmlns:a14="http://schemas.microsoft.com/office/drawing/2010/main" val="0"/>
               </a:ext>
             </a:extLst>
           </a:blip>
@@ -4463,7 +4463,7 @@
     </p:spTree>
     <p:extLst>
       <p:ext uri="{BB962C8B-B14F-4D97-AF65-F5344CB8AC3E}">
-        <p14:creationId xmlns:p14="http://schemas.microsoft.com/office/powerpoint/2010/main" xmlns="" val="4100715659"/>
+        <p14:creationId xmlns="" xmlns:p14="http://schemas.microsoft.com/office/powerpoint/2010/main" val="4100715659"/>
       </p:ext>
     </p:extLst>
   </p:cSld>
@@ -4539,14 +4539,14 @@
           </a:xfrm>
           <a:extLst>
             <a:ext uri="{909E8E84-426E-40DD-AFC4-6F175D3DCCD1}">
-              <a14:hiddenFill xmlns:a14="http://schemas.microsoft.com/office/drawing/2010/main" xmlns="">
+              <a14:hiddenFill xmlns="" xmlns:a14="http://schemas.microsoft.com/office/drawing/2010/main">
                 <a:solidFill>
                   <a:srgbClr val="FFFFFF"/>
                 </a:solidFill>
               </a14:hiddenFill>
             </a:ext>
             <a:ext uri="{91240B29-F687-4F45-9708-019B960494DF}">
-              <a14:hiddenLine xmlns:a14="http://schemas.microsoft.com/office/drawing/2010/main" xmlns="" w="9525">
+              <a14:hiddenLine xmlns="" xmlns:a14="http://schemas.microsoft.com/office/drawing/2010/main" w="9525">
                 <a:solidFill>
                   <a:srgbClr val="000000"/>
                 </a:solidFill>
@@ -4587,7 +4587,7 @@
           <p:cNvPr id="2" name="Picture 1">
             <a:extLst>
               <a:ext uri="{FF2B5EF4-FFF2-40B4-BE49-F238E27FC236}">
-                <a16:creationId xmlns:a16="http://schemas.microsoft.com/office/drawing/2014/main" xmlns="" id="{F5A00150-EB0A-4F28-911C-141811EBFBD4}"/>
+                <a16:creationId xmlns="" xmlns:a16="http://schemas.microsoft.com/office/drawing/2014/main" id="{F5A00150-EB0A-4F28-911C-141811EBFBD4}"/>
               </a:ext>
             </a:extLst>
           </p:cNvPr>
@@ -4614,7 +4614,7 @@
     </p:spTree>
     <p:extLst>
       <p:ext uri="{BB962C8B-B14F-4D97-AF65-F5344CB8AC3E}">
-        <p14:creationId xmlns:p14="http://schemas.microsoft.com/office/powerpoint/2010/main" xmlns="" val="4234705847"/>
+        <p14:creationId xmlns="" xmlns:p14="http://schemas.microsoft.com/office/powerpoint/2010/main" val="4234705847"/>
       </p:ext>
     </p:extLst>
   </p:cSld>
@@ -4693,14 +4693,14 @@
           </a:xfrm>
           <a:extLst>
             <a:ext uri="{909E8E84-426E-40DD-AFC4-6F175D3DCCD1}">
-              <a14:hiddenFill xmlns:a14="http://schemas.microsoft.com/office/drawing/2010/main" xmlns="">
+              <a14:hiddenFill xmlns="" xmlns:a14="http://schemas.microsoft.com/office/drawing/2010/main">
                 <a:solidFill>
                   <a:srgbClr val="FFFFFF"/>
                 </a:solidFill>
               </a14:hiddenFill>
             </a:ext>
             <a:ext uri="{91240B29-F687-4F45-9708-019B960494DF}">
-              <a14:hiddenLine xmlns:a14="http://schemas.microsoft.com/office/drawing/2010/main" xmlns="" w="9525">
+              <a14:hiddenLine xmlns="" xmlns:a14="http://schemas.microsoft.com/office/drawing/2010/main" w="9525">
                 <a:solidFill>
                   <a:srgbClr val="000000"/>
                 </a:solidFill>
@@ -4741,7 +4741,7 @@
           <p:cNvPr id="3" name="Picture 2">
             <a:extLst>
               <a:ext uri="{FF2B5EF4-FFF2-40B4-BE49-F238E27FC236}">
-                <a16:creationId xmlns:a16="http://schemas.microsoft.com/office/drawing/2014/main" xmlns="" id="{2B1A4BC2-7DE1-4299-98E4-7ED739A14DCC}"/>
+                <a16:creationId xmlns="" xmlns:a16="http://schemas.microsoft.com/office/drawing/2014/main" id="{2B1A4BC2-7DE1-4299-98E4-7ED739A14DCC}"/>
               </a:ext>
             </a:extLst>
           </p:cNvPr>
@@ -4769,7 +4769,7 @@
     </p:spTree>
     <p:extLst>
       <p:ext uri="{BB962C8B-B14F-4D97-AF65-F5344CB8AC3E}">
-        <p14:creationId xmlns:p14="http://schemas.microsoft.com/office/powerpoint/2010/main" xmlns="" val="324456396"/>
+        <p14:creationId xmlns="" xmlns:p14="http://schemas.microsoft.com/office/powerpoint/2010/main" val="324456396"/>
       </p:ext>
     </p:extLst>
   </p:cSld>
@@ -4848,14 +4848,14 @@
           </a:xfrm>
           <a:extLst>
             <a:ext uri="{909E8E84-426E-40DD-AFC4-6F175D3DCCD1}">
-              <a14:hiddenFill xmlns:a14="http://schemas.microsoft.com/office/drawing/2010/main" xmlns="">
+              <a14:hiddenFill xmlns="" xmlns:a14="http://schemas.microsoft.com/office/drawing/2010/main">
                 <a:solidFill>
                   <a:srgbClr val="FFFFFF"/>
                 </a:solidFill>
               </a14:hiddenFill>
             </a:ext>
             <a:ext uri="{91240B29-F687-4F45-9708-019B960494DF}">
-              <a14:hiddenLine xmlns:a14="http://schemas.microsoft.com/office/drawing/2010/main" xmlns="" w="9525">
+              <a14:hiddenLine xmlns="" xmlns:a14="http://schemas.microsoft.com/office/drawing/2010/main" w="9525">
                 <a:solidFill>
                   <a:srgbClr val="000000"/>
                 </a:solidFill>
@@ -4896,7 +4896,7 @@
           <p:cNvPr id="2" name="Picture 1">
             <a:extLst>
               <a:ext uri="{FF2B5EF4-FFF2-40B4-BE49-F238E27FC236}">
-                <a16:creationId xmlns:a16="http://schemas.microsoft.com/office/drawing/2014/main" xmlns="" id="{21DDFF5F-FFF6-4DB6-AD4E-6794E13280AB}"/>
+                <a16:creationId xmlns="" xmlns:a16="http://schemas.microsoft.com/office/drawing/2014/main" id="{21DDFF5F-FFF6-4DB6-AD4E-6794E13280AB}"/>
               </a:ext>
             </a:extLst>
           </p:cNvPr>
@@ -4924,7 +4924,7 @@
     </p:spTree>
     <p:extLst>
       <p:ext uri="{BB962C8B-B14F-4D97-AF65-F5344CB8AC3E}">
-        <p14:creationId xmlns:p14="http://schemas.microsoft.com/office/powerpoint/2010/main" xmlns="" val="3523015254"/>
+        <p14:creationId xmlns="" xmlns:p14="http://schemas.microsoft.com/office/powerpoint/2010/main" val="3523015254"/>
       </p:ext>
     </p:extLst>
   </p:cSld>
@@ -5003,14 +5003,14 @@
           </a:xfrm>
           <a:extLst>
             <a:ext uri="{909E8E84-426E-40DD-AFC4-6F175D3DCCD1}">
-              <a14:hiddenFill xmlns:a14="http://schemas.microsoft.com/office/drawing/2010/main" xmlns="">
+              <a14:hiddenFill xmlns="" xmlns:a14="http://schemas.microsoft.com/office/drawing/2010/main">
                 <a:solidFill>
                   <a:srgbClr val="FFFFFF"/>
                 </a:solidFill>
               </a14:hiddenFill>
             </a:ext>
             <a:ext uri="{91240B29-F687-4F45-9708-019B960494DF}">
-              <a14:hiddenLine xmlns:a14="http://schemas.microsoft.com/office/drawing/2010/main" xmlns="" w="9525">
+              <a14:hiddenLine xmlns="" xmlns:a14="http://schemas.microsoft.com/office/drawing/2010/main" w="9525">
                 <a:solidFill>
                   <a:srgbClr val="000000"/>
                 </a:solidFill>
@@ -5051,7 +5051,7 @@
           <p:cNvPr id="3" name="Picture 2">
             <a:extLst>
               <a:ext uri="{FF2B5EF4-FFF2-40B4-BE49-F238E27FC236}">
-                <a16:creationId xmlns:a16="http://schemas.microsoft.com/office/drawing/2014/main" xmlns="" id="{69168DE8-9710-4C4D-825A-7E6F62278493}"/>
+                <a16:creationId xmlns="" xmlns:a16="http://schemas.microsoft.com/office/drawing/2014/main" id="{69168DE8-9710-4C4D-825A-7E6F62278493}"/>
               </a:ext>
             </a:extLst>
           </p:cNvPr>
@@ -5079,7 +5079,7 @@
     </p:spTree>
     <p:extLst>
       <p:ext uri="{BB962C8B-B14F-4D97-AF65-F5344CB8AC3E}">
-        <p14:creationId xmlns:p14="http://schemas.microsoft.com/office/powerpoint/2010/main" xmlns="" val="3817239344"/>
+        <p14:creationId xmlns="" xmlns:p14="http://schemas.microsoft.com/office/powerpoint/2010/main" val="3817239344"/>
       </p:ext>
     </p:extLst>
   </p:cSld>
@@ -5158,14 +5158,14 @@
           </a:xfrm>
           <a:extLst>
             <a:ext uri="{909E8E84-426E-40DD-AFC4-6F175D3DCCD1}">
-              <a14:hiddenFill xmlns:a14="http://schemas.microsoft.com/office/drawing/2010/main" xmlns="">
+              <a14:hiddenFill xmlns="" xmlns:a14="http://schemas.microsoft.com/office/drawing/2010/main">
                 <a:solidFill>
                   <a:srgbClr val="FFFFFF"/>
                 </a:solidFill>
               </a14:hiddenFill>
             </a:ext>
             <a:ext uri="{91240B29-F687-4F45-9708-019B960494DF}">
-              <a14:hiddenLine xmlns:a14="http://schemas.microsoft.com/office/drawing/2010/main" xmlns="" w="9525">
+              <a14:hiddenLine xmlns="" xmlns:a14="http://schemas.microsoft.com/office/drawing/2010/main" w="9525">
                 <a:solidFill>
                   <a:srgbClr val="000000"/>
                 </a:solidFill>
@@ -5206,7 +5206,7 @@
           <p:cNvPr id="2" name="Picture 1">
             <a:extLst>
               <a:ext uri="{FF2B5EF4-FFF2-40B4-BE49-F238E27FC236}">
-                <a16:creationId xmlns:a16="http://schemas.microsoft.com/office/drawing/2014/main" xmlns="" id="{B6A781C1-AA15-45C9-BF02-66987FF55897}"/>
+                <a16:creationId xmlns="" xmlns:a16="http://schemas.microsoft.com/office/drawing/2014/main" id="{B6A781C1-AA15-45C9-BF02-66987FF55897}"/>
               </a:ext>
             </a:extLst>
           </p:cNvPr>
@@ -5234,7 +5234,7 @@
     </p:spTree>
     <p:extLst>
       <p:ext uri="{BB962C8B-B14F-4D97-AF65-F5344CB8AC3E}">
-        <p14:creationId xmlns:p14="http://schemas.microsoft.com/office/powerpoint/2010/main" xmlns="" val="1697811339"/>
+        <p14:creationId xmlns="" xmlns:p14="http://schemas.microsoft.com/office/powerpoint/2010/main" val="1697811339"/>
       </p:ext>
     </p:extLst>
   </p:cSld>
@@ -5465,14 +5465,14 @@
             </a:ln>
             <a:extLst>
               <a:ext uri="{909E8E84-426E-40DD-AFC4-6F175D3DCCD1}">
-                <a14:hiddenFill xmlns:a14="http://schemas.microsoft.com/office/drawing/2010/main" xmlns="">
+                <a14:hiddenFill xmlns="" xmlns:a14="http://schemas.microsoft.com/office/drawing/2010/main">
                   <a:solidFill>
                     <a:srgbClr val="FFFFFF"/>
                   </a:solidFill>
                 </a14:hiddenFill>
               </a:ext>
               <a:ext uri="{91240B29-F687-4F45-9708-019B960494DF}">
-                <a14:hiddenLine xmlns:a14="http://schemas.microsoft.com/office/drawing/2010/main" xmlns="" w="9525">
+                <a14:hiddenLine xmlns="" xmlns:a14="http://schemas.microsoft.com/office/drawing/2010/main" w="9525">
                   <a:solidFill>
                     <a:srgbClr val="000000"/>
                   </a:solidFill>
@@ -5622,14 +5622,14 @@
             </a:ln>
             <a:extLst>
               <a:ext uri="{909E8E84-426E-40DD-AFC4-6F175D3DCCD1}">
-                <a14:hiddenFill xmlns:a14="http://schemas.microsoft.com/office/drawing/2010/main" xmlns="">
+                <a14:hiddenFill xmlns="" xmlns:a14="http://schemas.microsoft.com/office/drawing/2010/main">
                   <a:solidFill>
                     <a:srgbClr val="FFFFFF"/>
                   </a:solidFill>
                 </a14:hiddenFill>
               </a:ext>
               <a:ext uri="{91240B29-F687-4F45-9708-019B960494DF}">
-                <a14:hiddenLine xmlns:a14="http://schemas.microsoft.com/office/drawing/2010/main" xmlns="" w="9525">
+                <a14:hiddenLine xmlns="" xmlns:a14="http://schemas.microsoft.com/office/drawing/2010/main" w="9525">
                   <a:solidFill>
                     <a:srgbClr val="000000"/>
                   </a:solidFill>
@@ -5874,7 +5874,7 @@
     </p:spTree>
     <p:extLst>
       <p:ext uri="{BB962C8B-B14F-4D97-AF65-F5344CB8AC3E}">
-        <p14:creationId xmlns:p14="http://schemas.microsoft.com/office/powerpoint/2010/main" xmlns="" val="681014556"/>
+        <p14:creationId xmlns="" xmlns:p14="http://schemas.microsoft.com/office/powerpoint/2010/main" val="681014556"/>
       </p:ext>
     </p:extLst>
   </p:cSld>
@@ -6389,7 +6389,7 @@
     </p:spTree>
     <p:extLst>
       <p:ext uri="{BB962C8B-B14F-4D97-AF65-F5344CB8AC3E}">
-        <p14:creationId xmlns:p14="http://schemas.microsoft.com/office/powerpoint/2010/main" xmlns="" val="3812644496"/>
+        <p14:creationId xmlns="" xmlns:p14="http://schemas.microsoft.com/office/powerpoint/2010/main" val="3812644496"/>
       </p:ext>
     </p:extLst>
   </p:cSld>
@@ -6619,7 +6619,7 @@
           <a:blip r:embed="rId2" cstate="print">
             <a:extLst>
               <a:ext uri="{28A0092B-C50C-407E-A947-70E740481C1C}">
-                <a14:useLocalDpi xmlns:a14="http://schemas.microsoft.com/office/drawing/2010/main" xmlns="" val="0"/>
+                <a14:useLocalDpi xmlns="" xmlns:a14="http://schemas.microsoft.com/office/drawing/2010/main" val="0"/>
               </a:ext>
             </a:extLst>
           </a:blip>
@@ -6640,7 +6640,7 @@
     </p:spTree>
     <p:extLst>
       <p:ext uri="{BB962C8B-B14F-4D97-AF65-F5344CB8AC3E}">
-        <p14:creationId xmlns:p14="http://schemas.microsoft.com/office/powerpoint/2010/main" xmlns="" val="1625217003"/>
+        <p14:creationId xmlns="" xmlns:p14="http://schemas.microsoft.com/office/powerpoint/2010/main" val="1625217003"/>
       </p:ext>
     </p:extLst>
   </p:cSld>
@@ -6870,7 +6870,7 @@
           <a:blip r:embed="rId2" cstate="print">
             <a:extLst>
               <a:ext uri="{28A0092B-C50C-407E-A947-70E740481C1C}">
-                <a14:useLocalDpi xmlns:a14="http://schemas.microsoft.com/office/drawing/2010/main" xmlns="" val="0"/>
+                <a14:useLocalDpi xmlns="" xmlns:a14="http://schemas.microsoft.com/office/drawing/2010/main" val="0"/>
               </a:ext>
             </a:extLst>
           </a:blip>
@@ -6891,7 +6891,7 @@
     </p:spTree>
     <p:extLst>
       <p:ext uri="{BB962C8B-B14F-4D97-AF65-F5344CB8AC3E}">
-        <p14:creationId xmlns:p14="http://schemas.microsoft.com/office/powerpoint/2010/main" xmlns="" val="1256551592"/>
+        <p14:creationId xmlns="" xmlns:p14="http://schemas.microsoft.com/office/powerpoint/2010/main" val="1256551592"/>
       </p:ext>
     </p:extLst>
   </p:cSld>
@@ -7121,7 +7121,7 @@
           <a:blip r:embed="rId2" cstate="print">
             <a:extLst>
               <a:ext uri="{28A0092B-C50C-407E-A947-70E740481C1C}">
-                <a14:useLocalDpi xmlns:a14="http://schemas.microsoft.com/office/drawing/2010/main" xmlns="" val="0"/>
+                <a14:useLocalDpi xmlns="" xmlns:a14="http://schemas.microsoft.com/office/drawing/2010/main" val="0"/>
               </a:ext>
             </a:extLst>
           </a:blip>
@@ -7142,7 +7142,7 @@
     </p:spTree>
     <p:extLst>
       <p:ext uri="{BB962C8B-B14F-4D97-AF65-F5344CB8AC3E}">
-        <p14:creationId xmlns:p14="http://schemas.microsoft.com/office/powerpoint/2010/main" xmlns="" val="3402891464"/>
+        <p14:creationId xmlns="" xmlns:p14="http://schemas.microsoft.com/office/powerpoint/2010/main" val="3402891464"/>
       </p:ext>
     </p:extLst>
   </p:cSld>
@@ -7365,7 +7365,7 @@
           <a:blip r:embed="rId2" cstate="print">
             <a:extLst>
               <a:ext uri="{28A0092B-C50C-407E-A947-70E740481C1C}">
-                <a14:useLocalDpi xmlns:a14="http://schemas.microsoft.com/office/drawing/2010/main" xmlns="" val="0"/>
+                <a14:useLocalDpi xmlns="" xmlns:a14="http://schemas.microsoft.com/office/drawing/2010/main" val="0"/>
               </a:ext>
             </a:extLst>
           </a:blip>
@@ -7386,7 +7386,7 @@
     </p:spTree>
     <p:extLst>
       <p:ext uri="{BB962C8B-B14F-4D97-AF65-F5344CB8AC3E}">
-        <p14:creationId xmlns:p14="http://schemas.microsoft.com/office/powerpoint/2010/main" xmlns="" val="2843391693"/>
+        <p14:creationId xmlns="" xmlns:p14="http://schemas.microsoft.com/office/powerpoint/2010/main" val="2843391693"/>
       </p:ext>
     </p:extLst>
   </p:cSld>
@@ -7609,7 +7609,7 @@
           <a:blip r:embed="rId2" cstate="print">
             <a:extLst>
               <a:ext uri="{28A0092B-C50C-407E-A947-70E740481C1C}">
-                <a14:useLocalDpi xmlns:a14="http://schemas.microsoft.com/office/drawing/2010/main" xmlns="" val="0"/>
+                <a14:useLocalDpi xmlns="" xmlns:a14="http://schemas.microsoft.com/office/drawing/2010/main" val="0"/>
               </a:ext>
             </a:extLst>
           </a:blip>
@@ -7630,7 +7630,7 @@
     </p:spTree>
     <p:extLst>
       <p:ext uri="{BB962C8B-B14F-4D97-AF65-F5344CB8AC3E}">
-        <p14:creationId xmlns:p14="http://schemas.microsoft.com/office/powerpoint/2010/main" xmlns="" val="3776007642"/>
+        <p14:creationId xmlns="" xmlns:p14="http://schemas.microsoft.com/office/powerpoint/2010/main" val="3776007642"/>
       </p:ext>
     </p:extLst>
   </p:cSld>
@@ -7730,14 +7730,14 @@
             </a:ln>
             <a:extLst>
               <a:ext uri="{909E8E84-426E-40DD-AFC4-6F175D3DCCD1}">
-                <a14:hiddenFill xmlns:a14="http://schemas.microsoft.com/office/drawing/2010/main" xmlns="">
+                <a14:hiddenFill xmlns="" xmlns:a14="http://schemas.microsoft.com/office/drawing/2010/main">
                   <a:solidFill>
                     <a:srgbClr val="FFFFFF"/>
                   </a:solidFill>
                 </a14:hiddenFill>
               </a:ext>
               <a:ext uri="{91240B29-F687-4F45-9708-019B960494DF}">
-                <a14:hiddenLine xmlns:a14="http://schemas.microsoft.com/office/drawing/2010/main" xmlns="" w="9525">
+                <a14:hiddenLine xmlns="" xmlns:a14="http://schemas.microsoft.com/office/drawing/2010/main" w="9525">
                   <a:solidFill>
                     <a:srgbClr val="000000"/>
                   </a:solidFill>
@@ -7887,14 +7887,14 @@
             </a:ln>
             <a:extLst>
               <a:ext uri="{909E8E84-426E-40DD-AFC4-6F175D3DCCD1}">
-                <a14:hiddenFill xmlns:a14="http://schemas.microsoft.com/office/drawing/2010/main" xmlns="">
+                <a14:hiddenFill xmlns="" xmlns:a14="http://schemas.microsoft.com/office/drawing/2010/main">
                   <a:solidFill>
                     <a:srgbClr val="FFFFFF"/>
                   </a:solidFill>
                 </a14:hiddenFill>
               </a:ext>
               <a:ext uri="{91240B29-F687-4F45-9708-019B960494DF}">
-                <a14:hiddenLine xmlns:a14="http://schemas.microsoft.com/office/drawing/2010/main" xmlns="" w="9525">
+                <a14:hiddenLine xmlns="" xmlns:a14="http://schemas.microsoft.com/office/drawing/2010/main" w="9525">
                   <a:solidFill>
                     <a:srgbClr val="000000"/>
                   </a:solidFill>
@@ -8523,7 +8523,7 @@
     </p:spTree>
     <p:extLst>
       <p:ext uri="{BB962C8B-B14F-4D97-AF65-F5344CB8AC3E}">
-        <p14:creationId xmlns:p14="http://schemas.microsoft.com/office/powerpoint/2010/main" xmlns="" val="2886033736"/>
+        <p14:creationId xmlns="" xmlns:p14="http://schemas.microsoft.com/office/powerpoint/2010/main" val="2886033736"/>
       </p:ext>
     </p:extLst>
   </p:cSld>
@@ -8583,7 +8583,7 @@
           <p:cNvPr id="3" name="Picture 2">
             <a:extLst>
               <a:ext uri="{FF2B5EF4-FFF2-40B4-BE49-F238E27FC236}">
-                <a16:creationId xmlns:a16="http://schemas.microsoft.com/office/drawing/2014/main" xmlns="" id="{1488CEA1-615B-4D4C-A130-F1FD32F916CA}"/>
+                <a16:creationId xmlns="" xmlns:a16="http://schemas.microsoft.com/office/drawing/2014/main" id="{1488CEA1-615B-4D4C-A130-F1FD32F916CA}"/>
               </a:ext>
             </a:extLst>
           </p:cNvPr>
@@ -8596,7 +8596,7 @@
           <a:blip r:embed="rId2" cstate="print">
             <a:extLst>
               <a:ext uri="{28A0092B-C50C-407E-A947-70E740481C1C}">
-                <a14:useLocalDpi xmlns:a14="http://schemas.microsoft.com/office/drawing/2010/main" xmlns="" val="0"/>
+                <a14:useLocalDpi xmlns="" xmlns:a14="http://schemas.microsoft.com/office/drawing/2010/main" val="0"/>
               </a:ext>
             </a:extLst>
           </a:blip>
@@ -8679,7 +8679,7 @@
           <a:blip r:embed="rId3" cstate="print">
             <a:extLst>
               <a:ext uri="{28A0092B-C50C-407E-A947-70E740481C1C}">
-                <a14:useLocalDpi xmlns:a14="http://schemas.microsoft.com/office/drawing/2010/main" xmlns="" val="0"/>
+                <a14:useLocalDpi xmlns="" xmlns:a14="http://schemas.microsoft.com/office/drawing/2010/main" val="0"/>
               </a:ext>
             </a:extLst>
           </a:blip>
@@ -8762,7 +8762,7 @@
           <p:cNvPr id="1026" name="Picture 2">
             <a:extLst>
               <a:ext uri="{FF2B5EF4-FFF2-40B4-BE49-F238E27FC236}">
-                <a16:creationId xmlns:a16="http://schemas.microsoft.com/office/drawing/2014/main" xmlns="" id="{680D742B-523C-43D4-9E8B-E4709EAE39EB}"/>
+                <a16:creationId xmlns="" xmlns:a16="http://schemas.microsoft.com/office/drawing/2014/main" id="{680D742B-523C-43D4-9E8B-E4709EAE39EB}"/>
               </a:ext>
             </a:extLst>
           </p:cNvPr>
@@ -8775,7 +8775,7 @@
           <a:blip r:embed="rId2" cstate="print">
             <a:extLst>
               <a:ext uri="{28A0092B-C50C-407E-A947-70E740481C1C}">
-                <a14:useLocalDpi xmlns:a14="http://schemas.microsoft.com/office/drawing/2010/main" xmlns="" val="0"/>
+                <a14:useLocalDpi xmlns="" xmlns:a14="http://schemas.microsoft.com/office/drawing/2010/main" val="0"/>
               </a:ext>
             </a:extLst>
           </a:blip>
@@ -8798,14 +8798,14 @@
           </a:ln>
           <a:extLst>
             <a:ext uri="{909E8E84-426E-40DD-AFC4-6F175D3DCCD1}">
-              <a14:hiddenFill xmlns:a14="http://schemas.microsoft.com/office/drawing/2010/main" xmlns="">
+              <a14:hiddenFill xmlns="" xmlns:a14="http://schemas.microsoft.com/office/drawing/2010/main">
                 <a:solidFill>
                   <a:srgbClr val="FFFFFF"/>
                 </a:solidFill>
               </a14:hiddenFill>
             </a:ext>
             <a:ext uri="{91240B29-F687-4F45-9708-019B960494DF}">
-              <a14:hiddenLine xmlns:a14="http://schemas.microsoft.com/office/drawing/2010/main" xmlns="" w="9525">
+              <a14:hiddenLine xmlns="" xmlns:a14="http://schemas.microsoft.com/office/drawing/2010/main" w="9525">
                 <a:solidFill>
                   <a:srgbClr val="000000"/>
                 </a:solidFill>
@@ -8820,7 +8820,7 @@
     </p:spTree>
     <p:extLst>
       <p:ext uri="{BB962C8B-B14F-4D97-AF65-F5344CB8AC3E}">
-        <p14:creationId xmlns:p14="http://schemas.microsoft.com/office/powerpoint/2010/main" xmlns="" val="1781569390"/>
+        <p14:creationId xmlns="" xmlns:p14="http://schemas.microsoft.com/office/powerpoint/2010/main" val="1781569390"/>
       </p:ext>
     </p:extLst>
   </p:cSld>
@@ -8855,7 +8855,7 @@
           <p:cNvPr id="4" name="Título 3">
             <a:extLst>
               <a:ext uri="{FF2B5EF4-FFF2-40B4-BE49-F238E27FC236}">
-                <a16:creationId xmlns:a16="http://schemas.microsoft.com/office/drawing/2014/main" xmlns="" id="{26BCFAA2-D859-44BC-AFEE-2D5119DC4C72}"/>
+                <a16:creationId xmlns="" xmlns:a16="http://schemas.microsoft.com/office/drawing/2014/main" id="{26BCFAA2-D859-44BC-AFEE-2D5119DC4C72}"/>
               </a:ext>
             </a:extLst>
           </p:cNvPr>
@@ -8891,7 +8891,7 @@
           <p:cNvPr id="3" name="Picture 2">
             <a:extLst>
               <a:ext uri="{FF2B5EF4-FFF2-40B4-BE49-F238E27FC236}">
-                <a16:creationId xmlns:a16="http://schemas.microsoft.com/office/drawing/2014/main" xmlns="" id="{697244E8-4C32-432B-82C5-5F541E652E84}"/>
+                <a16:creationId xmlns="" xmlns:a16="http://schemas.microsoft.com/office/drawing/2014/main" id="{697244E8-4C32-432B-82C5-5F541E652E84}"/>
               </a:ext>
             </a:extLst>
           </p:cNvPr>
@@ -8949,7 +8949,7 @@
           <p:cNvPr id="2" name="Rectangle 1">
             <a:extLst>
               <a:ext uri="{FF2B5EF4-FFF2-40B4-BE49-F238E27FC236}">
-                <a16:creationId xmlns:a16="http://schemas.microsoft.com/office/drawing/2014/main" xmlns="" id="{9B84690F-C0BA-45DE-B1F4-7C1D7425D6FC}"/>
+                <a16:creationId xmlns="" xmlns:a16="http://schemas.microsoft.com/office/drawing/2014/main" id="{9B84690F-C0BA-45DE-B1F4-7C1D7425D6FC}"/>
               </a:ext>
             </a:extLst>
           </p:cNvPr>
@@ -9003,7 +9003,7 @@
           <p:cNvPr id="4" name="Picture 3">
             <a:extLst>
               <a:ext uri="{FF2B5EF4-FFF2-40B4-BE49-F238E27FC236}">
-                <a16:creationId xmlns:a16="http://schemas.microsoft.com/office/drawing/2014/main" xmlns="" id="{FF33F444-5274-47FB-9AB9-B9E9F701C115}"/>
+                <a16:creationId xmlns="" xmlns:a16="http://schemas.microsoft.com/office/drawing/2014/main" id="{FF33F444-5274-47FB-9AB9-B9E9F701C115}"/>
               </a:ext>
             </a:extLst>
           </p:cNvPr>
@@ -9031,7 +9031,7 @@
     </p:spTree>
     <p:extLst>
       <p:ext uri="{BB962C8B-B14F-4D97-AF65-F5344CB8AC3E}">
-        <p14:creationId xmlns:p14="http://schemas.microsoft.com/office/powerpoint/2010/main" xmlns="" val="2886251363"/>
+        <p14:creationId xmlns="" xmlns:p14="http://schemas.microsoft.com/office/powerpoint/2010/main" val="2886251363"/>
       </p:ext>
     </p:extLst>
   </p:cSld>
@@ -9088,7 +9088,7 @@
           <p:cNvPr id="5" name="Rectangle 4">
             <a:extLst>
               <a:ext uri="{FF2B5EF4-FFF2-40B4-BE49-F238E27FC236}">
-                <a16:creationId xmlns:a16="http://schemas.microsoft.com/office/drawing/2014/main" xmlns="" id="{E268ED25-8F1E-4CB1-BEC7-9279730C430D}"/>
+                <a16:creationId xmlns="" xmlns:a16="http://schemas.microsoft.com/office/drawing/2014/main" id="{E268ED25-8F1E-4CB1-BEC7-9279730C430D}"/>
               </a:ext>
             </a:extLst>
           </p:cNvPr>
@@ -9142,7 +9142,7 @@
           <p:cNvPr id="2" name="Picture 1">
             <a:extLst>
               <a:ext uri="{FF2B5EF4-FFF2-40B4-BE49-F238E27FC236}">
-                <a16:creationId xmlns:a16="http://schemas.microsoft.com/office/drawing/2014/main" xmlns="" id="{AC3F4872-BBD0-4C85-AF1B-EECA98565237}"/>
+                <a16:creationId xmlns="" xmlns:a16="http://schemas.microsoft.com/office/drawing/2014/main" id="{AC3F4872-BBD0-4C85-AF1B-EECA98565237}"/>
               </a:ext>
             </a:extLst>
           </p:cNvPr>
@@ -9170,7 +9170,7 @@
     </p:spTree>
     <p:extLst>
       <p:ext uri="{BB962C8B-B14F-4D97-AF65-F5344CB8AC3E}">
-        <p14:creationId xmlns:p14="http://schemas.microsoft.com/office/powerpoint/2010/main" xmlns="" val="395963370"/>
+        <p14:creationId xmlns="" xmlns:p14="http://schemas.microsoft.com/office/powerpoint/2010/main" val="395963370"/>
       </p:ext>
     </p:extLst>
   </p:cSld>
@@ -9273,14 +9273,14 @@
             </a:ln>
             <a:extLst>
               <a:ext uri="{909E8E84-426E-40DD-AFC4-6F175D3DCCD1}">
-                <a14:hiddenFill xmlns:a14="http://schemas.microsoft.com/office/drawing/2010/main" xmlns="">
+                <a14:hiddenFill xmlns="" xmlns:a14="http://schemas.microsoft.com/office/drawing/2010/main">
                   <a:solidFill>
                     <a:srgbClr val="FFFFFF"/>
                   </a:solidFill>
                 </a14:hiddenFill>
               </a:ext>
               <a:ext uri="{91240B29-F687-4F45-9708-019B960494DF}">
-                <a14:hiddenLine xmlns:a14="http://schemas.microsoft.com/office/drawing/2010/main" xmlns="" w="9525">
+                <a14:hiddenLine xmlns="" xmlns:a14="http://schemas.microsoft.com/office/drawing/2010/main" w="9525">
                   <a:solidFill>
                     <a:srgbClr val="000000"/>
                   </a:solidFill>
@@ -9430,14 +9430,14 @@
             </a:ln>
             <a:extLst>
               <a:ext uri="{909E8E84-426E-40DD-AFC4-6F175D3DCCD1}">
-                <a14:hiddenFill xmlns:a14="http://schemas.microsoft.com/office/drawing/2010/main" xmlns="">
+                <a14:hiddenFill xmlns="" xmlns:a14="http://schemas.microsoft.com/office/drawing/2010/main">
                   <a:solidFill>
                     <a:srgbClr val="FFFFFF"/>
                   </a:solidFill>
                 </a14:hiddenFill>
               </a:ext>
               <a:ext uri="{91240B29-F687-4F45-9708-019B960494DF}">
-                <a14:hiddenLine xmlns:a14="http://schemas.microsoft.com/office/drawing/2010/main" xmlns="" w="9525">
+                <a14:hiddenLine xmlns="" xmlns:a14="http://schemas.microsoft.com/office/drawing/2010/main" w="9525">
                   <a:solidFill>
                     <a:srgbClr val="000000"/>
                   </a:solidFill>
@@ -9682,7 +9682,7 @@
     </p:spTree>
     <p:extLst>
       <p:ext uri="{BB962C8B-B14F-4D97-AF65-F5344CB8AC3E}">
-        <p14:creationId xmlns:p14="http://schemas.microsoft.com/office/powerpoint/2010/main" xmlns="" val="3409322625"/>
+        <p14:creationId xmlns="" xmlns:p14="http://schemas.microsoft.com/office/powerpoint/2010/main" val="3409322625"/>
       </p:ext>
     </p:extLst>
   </p:cSld>
@@ -9717,7 +9717,7 @@
           <p:cNvPr id="2" name="Título 1">
             <a:extLst>
               <a:ext uri="{FF2B5EF4-FFF2-40B4-BE49-F238E27FC236}">
-                <a16:creationId xmlns:a16="http://schemas.microsoft.com/office/drawing/2014/main" xmlns="" id="{4420E5F6-C592-489E-8742-39113C67F28C}"/>
+                <a16:creationId xmlns="" xmlns:a16="http://schemas.microsoft.com/office/drawing/2014/main" id="{4420E5F6-C592-489E-8742-39113C67F28C}"/>
               </a:ext>
             </a:extLst>
           </p:cNvPr>
@@ -9757,7 +9757,7 @@
           <p:cNvPr id="3" name="Espaço Reservado para Conteúdo 2">
             <a:extLst>
               <a:ext uri="{FF2B5EF4-FFF2-40B4-BE49-F238E27FC236}">
-                <a16:creationId xmlns:a16="http://schemas.microsoft.com/office/drawing/2014/main" xmlns="" id="{FB12D05B-E47F-4BA3-B1A7-F1DCD4D8F90E}"/>
+                <a16:creationId xmlns="" xmlns:a16="http://schemas.microsoft.com/office/drawing/2014/main" id="{FB12D05B-E47F-4BA3-B1A7-F1DCD4D8F90E}"/>
               </a:ext>
             </a:extLst>
           </p:cNvPr>
@@ -9987,7 +9987,7 @@
     </p:spTree>
     <p:extLst>
       <p:ext uri="{BB962C8B-B14F-4D97-AF65-F5344CB8AC3E}">
-        <p14:creationId xmlns:p14="http://schemas.microsoft.com/office/powerpoint/2010/main" xmlns="" val="732095642"/>
+        <p14:creationId xmlns="" xmlns:p14="http://schemas.microsoft.com/office/powerpoint/2010/main" val="732095642"/>
       </p:ext>
     </p:extLst>
   </p:cSld>
@@ -10019,7 +10019,7 @@
           <p:cNvPr id="5" name="Título 1">
             <a:extLst>
               <a:ext uri="{FF2B5EF4-FFF2-40B4-BE49-F238E27FC236}">
-                <a16:creationId xmlns:a16="http://schemas.microsoft.com/office/drawing/2014/main" xmlns="" id="{4420E5F6-C592-489E-8742-39113C67F28C}"/>
+                <a16:creationId xmlns="" xmlns:a16="http://schemas.microsoft.com/office/drawing/2014/main" id="{4420E5F6-C592-489E-8742-39113C67F28C}"/>
               </a:ext>
             </a:extLst>
           </p:cNvPr>
@@ -10208,7 +10208,7 @@
           <p:cNvPr id="3" name="Picture 2">
             <a:extLst>
               <a:ext uri="{FF2B5EF4-FFF2-40B4-BE49-F238E27FC236}">
-                <a16:creationId xmlns:a16="http://schemas.microsoft.com/office/drawing/2014/main" xmlns="" id="{8F573B82-A720-4E7D-88E3-7ABD98571312}"/>
+                <a16:creationId xmlns="" xmlns:a16="http://schemas.microsoft.com/office/drawing/2014/main" id="{8F573B82-A720-4E7D-88E3-7ABD98571312}"/>
               </a:ext>
             </a:extLst>
           </p:cNvPr>
@@ -10221,7 +10221,7 @@
           <a:blip r:embed="rId2" cstate="print">
             <a:extLst>
               <a:ext uri="{28A0092B-C50C-407E-A947-70E740481C1C}">
-                <a14:useLocalDpi xmlns:a14="http://schemas.microsoft.com/office/drawing/2010/main" xmlns="" val="0"/>
+                <a14:useLocalDpi xmlns="" xmlns:a14="http://schemas.microsoft.com/office/drawing/2010/main" val="0"/>
               </a:ext>
             </a:extLst>
           </a:blip>
@@ -10242,7 +10242,7 @@
     </p:spTree>
     <p:extLst>
       <p:ext uri="{BB962C8B-B14F-4D97-AF65-F5344CB8AC3E}">
-        <p14:creationId xmlns:p14="http://schemas.microsoft.com/office/powerpoint/2010/main" xmlns="" val="1528951847"/>
+        <p14:creationId xmlns="" xmlns:p14="http://schemas.microsoft.com/office/powerpoint/2010/main" val="1528951847"/>
       </p:ext>
     </p:extLst>
   </p:cSld>
@@ -10274,7 +10274,7 @@
           <p:cNvPr id="6" name="Título 1">
             <a:extLst>
               <a:ext uri="{FF2B5EF4-FFF2-40B4-BE49-F238E27FC236}">
-                <a16:creationId xmlns:a16="http://schemas.microsoft.com/office/drawing/2014/main" xmlns="" id="{4420E5F6-C592-489E-8742-39113C67F28C}"/>
+                <a16:creationId xmlns="" xmlns:a16="http://schemas.microsoft.com/office/drawing/2014/main" id="{4420E5F6-C592-489E-8742-39113C67F28C}"/>
               </a:ext>
             </a:extLst>
           </p:cNvPr>
@@ -10314,7 +10314,7 @@
           <p:cNvPr id="8" name="Picture 7">
             <a:extLst>
               <a:ext uri="{FF2B5EF4-FFF2-40B4-BE49-F238E27FC236}">
-                <a16:creationId xmlns:a16="http://schemas.microsoft.com/office/drawing/2014/main" xmlns="" id="{AC1CFE5D-EA64-4455-B011-2E471DBEC948}"/>
+                <a16:creationId xmlns="" xmlns:a16="http://schemas.microsoft.com/office/drawing/2014/main" id="{AC1CFE5D-EA64-4455-B011-2E471DBEC948}"/>
               </a:ext>
             </a:extLst>
           </p:cNvPr>
@@ -10342,7 +10342,7 @@
     </p:spTree>
     <p:extLst>
       <p:ext uri="{BB962C8B-B14F-4D97-AF65-F5344CB8AC3E}">
-        <p14:creationId xmlns:p14="http://schemas.microsoft.com/office/powerpoint/2010/main" xmlns="" val="3460844110"/>
+        <p14:creationId xmlns="" xmlns:p14="http://schemas.microsoft.com/office/powerpoint/2010/main" val="3460844110"/>
       </p:ext>
     </p:extLst>
   </p:cSld>
@@ -10374,7 +10374,7 @@
           <p:cNvPr id="6" name="Título 1">
             <a:extLst>
               <a:ext uri="{FF2B5EF4-FFF2-40B4-BE49-F238E27FC236}">
-                <a16:creationId xmlns:a16="http://schemas.microsoft.com/office/drawing/2014/main" xmlns="" id="{4420E5F6-C592-489E-8742-39113C67F28C}"/>
+                <a16:creationId xmlns="" xmlns:a16="http://schemas.microsoft.com/office/drawing/2014/main" id="{4420E5F6-C592-489E-8742-39113C67F28C}"/>
               </a:ext>
             </a:extLst>
           </p:cNvPr>
@@ -10414,7 +10414,7 @@
           <p:cNvPr id="8" name="Rectangle 7">
             <a:extLst>
               <a:ext uri="{FF2B5EF4-FFF2-40B4-BE49-F238E27FC236}">
-                <a16:creationId xmlns:a16="http://schemas.microsoft.com/office/drawing/2014/main" xmlns="" id="{F316C0A6-AC98-4AAE-B87A-547E57B86D5F}"/>
+                <a16:creationId xmlns="" xmlns:a16="http://schemas.microsoft.com/office/drawing/2014/main" id="{F316C0A6-AC98-4AAE-B87A-547E57B86D5F}"/>
               </a:ext>
             </a:extLst>
           </p:cNvPr>
@@ -10465,44 +10465,34 @@
       </p:sp>
       <p:pic>
         <p:nvPicPr>
-          <p:cNvPr id="9" name="Picture 8">
-            <a:extLst>
-              <a:ext uri="{FF2B5EF4-FFF2-40B4-BE49-F238E27FC236}">
-                <a16:creationId xmlns:a16="http://schemas.microsoft.com/office/drawing/2014/main" xmlns="" id="{F5F42E5F-1DEC-47B5-8651-247D9AF6FADE}"/>
-              </a:ext>
-            </a:extLst>
-          </p:cNvPr>
+          <p:cNvPr id="1026" name="Picture 2" descr="C:\Users\alexandre\Pictures\ConfigPerfil1.png"/>
           <p:cNvPicPr>
-            <a:picLocks noChangeAspect="1"/>
+            <a:picLocks noChangeAspect="1" noChangeArrowheads="1"/>
           </p:cNvPicPr>
           <p:nvPr/>
         </p:nvPicPr>
         <p:blipFill>
-          <a:blip r:embed="rId2" cstate="print">
-            <a:extLst>
-              <a:ext uri="{28A0092B-C50C-407E-A947-70E740481C1C}">
-                <a14:useLocalDpi xmlns:a14="http://schemas.microsoft.com/office/drawing/2010/main" xmlns="" val="0"/>
-              </a:ext>
-            </a:extLst>
-          </a:blip>
+          <a:blip r:embed="rId2" cstate="print"/>
+          <a:srcRect/>
           <a:stretch>
             <a:fillRect/>
           </a:stretch>
         </p:blipFill>
-        <p:spPr>
+        <p:spPr bwMode="auto">
           <a:xfrm>
-            <a:off x="0" y="1340768"/>
-            <a:ext cx="9033417" cy="5112568"/>
+            <a:off x="0" y="1268760"/>
+            <a:ext cx="8892480" cy="5080479"/>
           </a:xfrm>
           <a:prstGeom prst="rect">
             <a:avLst/>
           </a:prstGeom>
+          <a:noFill/>
         </p:spPr>
       </p:pic>
     </p:spTree>
     <p:extLst>
       <p:ext uri="{BB962C8B-B14F-4D97-AF65-F5344CB8AC3E}">
-        <p14:creationId xmlns:p14="http://schemas.microsoft.com/office/powerpoint/2010/main" xmlns="" val="255138212"/>
+        <p14:creationId xmlns="" xmlns:p14="http://schemas.microsoft.com/office/powerpoint/2010/main" val="255138212"/>
       </p:ext>
     </p:extLst>
   </p:cSld>
@@ -10534,7 +10524,7 @@
           <p:cNvPr id="6" name="Título 1">
             <a:extLst>
               <a:ext uri="{FF2B5EF4-FFF2-40B4-BE49-F238E27FC236}">
-                <a16:creationId xmlns:a16="http://schemas.microsoft.com/office/drawing/2014/main" xmlns="" id="{4420E5F6-C592-489E-8742-39113C67F28C}"/>
+                <a16:creationId xmlns="" xmlns:a16="http://schemas.microsoft.com/office/drawing/2014/main" id="{4420E5F6-C592-489E-8742-39113C67F28C}"/>
               </a:ext>
             </a:extLst>
           </p:cNvPr>
@@ -10569,100 +10559,36 @@
           </a:p>
         </p:txBody>
       </p:sp>
-      <p:sp>
-        <p:nvSpPr>
-          <p:cNvPr id="8" name="Rectangle 7">
-            <a:extLst>
-              <a:ext uri="{FF2B5EF4-FFF2-40B4-BE49-F238E27FC236}">
-                <a16:creationId xmlns:a16="http://schemas.microsoft.com/office/drawing/2014/main" xmlns="" id="{EF4C9CB5-998F-4DAB-AD54-72FA9E925DA9}"/>
-              </a:ext>
-            </a:extLst>
-          </p:cNvPr>
-          <p:cNvSpPr/>
+      <p:pic>
+        <p:nvPicPr>
+          <p:cNvPr id="2051" name="Picture 3" descr="C:\Users\alexandre\Pictures\ConfigPerfil2.png"/>
+          <p:cNvPicPr>
+            <a:picLocks noChangeAspect="1" noChangeArrowheads="1"/>
+          </p:cNvPicPr>
           <p:nvPr/>
-        </p:nvSpPr>
-        <p:spPr>
+        </p:nvPicPr>
+        <p:blipFill>
+          <a:blip r:embed="rId2" cstate="print"/>
+          <a:srcRect/>
+          <a:stretch>
+            <a:fillRect/>
+          </a:stretch>
+        </p:blipFill>
+        <p:spPr bwMode="auto">
           <a:xfrm>
-            <a:off x="0" y="1340768"/>
-            <a:ext cx="9144000" cy="5517232"/>
+            <a:off x="251520" y="1412776"/>
+            <a:ext cx="8734691" cy="5040560"/>
           </a:xfrm>
           <a:prstGeom prst="rect">
             <a:avLst/>
           </a:prstGeom>
-          <a:solidFill>
-            <a:schemeClr val="bg1"/>
-          </a:solidFill>
-          <a:ln>
-            <a:solidFill>
-              <a:schemeClr val="bg1"/>
-            </a:solidFill>
-          </a:ln>
-        </p:spPr>
-        <p:style>
-          <a:lnRef idx="2">
-            <a:schemeClr val="accent1">
-              <a:shade val="50000"/>
-            </a:schemeClr>
-          </a:lnRef>
-          <a:fillRef idx="1">
-            <a:schemeClr val="accent1"/>
-          </a:fillRef>
-          <a:effectRef idx="0">
-            <a:schemeClr val="accent1"/>
-          </a:effectRef>
-          <a:fontRef idx="minor">
-            <a:schemeClr val="lt1"/>
-          </a:fontRef>
-        </p:style>
-        <p:txBody>
-          <a:bodyPr rtlCol="0" anchor="ctr"/>
-          <a:lstStyle/>
-          <a:p>
-            <a:pPr algn="ctr"/>
-            <a:endParaRPr lang="pt-BR"/>
-          </a:p>
-        </p:txBody>
-      </p:sp>
-      <p:pic>
-        <p:nvPicPr>
-          <p:cNvPr id="10" name="Picture 9">
-            <a:extLst>
-              <a:ext uri="{FF2B5EF4-FFF2-40B4-BE49-F238E27FC236}">
-                <a16:creationId xmlns:a16="http://schemas.microsoft.com/office/drawing/2014/main" xmlns="" id="{86E4D953-118F-46F7-809C-802C59C8CF9B}"/>
-              </a:ext>
-            </a:extLst>
-          </p:cNvPr>
-          <p:cNvPicPr>
-            <a:picLocks noChangeAspect="1"/>
-          </p:cNvPicPr>
-          <p:nvPr/>
-        </p:nvPicPr>
-        <p:blipFill>
-          <a:blip r:embed="rId2" cstate="print">
-            <a:extLst>
-              <a:ext uri="{28A0092B-C50C-407E-A947-70E740481C1C}">
-                <a14:useLocalDpi xmlns:a14="http://schemas.microsoft.com/office/drawing/2010/main" xmlns="" val="0"/>
-              </a:ext>
-            </a:extLst>
-          </a:blip>
-          <a:stretch>
-            <a:fillRect/>
-          </a:stretch>
-        </p:blipFill>
-        <p:spPr>
-          <a:xfrm>
-            <a:off x="-1" y="1358546"/>
-            <a:ext cx="9144001" cy="5054473"/>
-          </a:xfrm>
-          <a:prstGeom prst="rect">
-            <a:avLst/>
-          </a:prstGeom>
+          <a:noFill/>
         </p:spPr>
       </p:pic>
     </p:spTree>
     <p:extLst>
       <p:ext uri="{BB962C8B-B14F-4D97-AF65-F5344CB8AC3E}">
-        <p14:creationId xmlns:p14="http://schemas.microsoft.com/office/powerpoint/2010/main" xmlns="" val="2944428277"/>
+        <p14:creationId xmlns="" xmlns:p14="http://schemas.microsoft.com/office/powerpoint/2010/main" val="2944428277"/>
       </p:ext>
     </p:extLst>
   </p:cSld>
@@ -10726,7 +10652,7 @@
           <a:blip r:embed="rId3" cstate="print">
             <a:extLst>
               <a:ext uri="{28A0092B-C50C-407E-A947-70E740481C1C}">
-                <a14:useLocalDpi xmlns:a14="http://schemas.microsoft.com/office/drawing/2010/main" xmlns="" val="0"/>
+                <a14:useLocalDpi xmlns="" xmlns:a14="http://schemas.microsoft.com/office/drawing/2010/main" val="0"/>
               </a:ext>
             </a:extLst>
           </a:blip>
@@ -10784,7 +10710,7 @@
           <p:cNvPr id="6" name="Título 1">
             <a:extLst>
               <a:ext uri="{FF2B5EF4-FFF2-40B4-BE49-F238E27FC236}">
-                <a16:creationId xmlns:a16="http://schemas.microsoft.com/office/drawing/2014/main" xmlns="" id="{4420E5F6-C592-489E-8742-39113C67F28C}"/>
+                <a16:creationId xmlns="" xmlns:a16="http://schemas.microsoft.com/office/drawing/2014/main" id="{4420E5F6-C592-489E-8742-39113C67F28C}"/>
               </a:ext>
             </a:extLst>
           </p:cNvPr>
@@ -10819,99 +10745,36 @@
           </a:p>
         </p:txBody>
       </p:sp>
-      <p:sp>
-        <p:nvSpPr>
-          <p:cNvPr id="8" name="Rectangle 7">
-            <a:extLst>
-              <a:ext uri="{FF2B5EF4-FFF2-40B4-BE49-F238E27FC236}">
-                <a16:creationId xmlns:a16="http://schemas.microsoft.com/office/drawing/2014/main" xmlns="" id="{EF4C9CB5-998F-4DAB-AD54-72FA9E925DA9}"/>
-              </a:ext>
-            </a:extLst>
-          </p:cNvPr>
-          <p:cNvSpPr/>
+      <p:pic>
+        <p:nvPicPr>
+          <p:cNvPr id="3074" name="Picture 2" descr="C:\Users\alexandre\Pictures\ConfigPerfil3.png"/>
+          <p:cNvPicPr>
+            <a:picLocks noChangeAspect="1" noChangeArrowheads="1"/>
+          </p:cNvPicPr>
           <p:nvPr/>
-        </p:nvSpPr>
-        <p:spPr>
+        </p:nvPicPr>
+        <p:blipFill>
+          <a:blip r:embed="rId2" cstate="print"/>
+          <a:srcRect/>
+          <a:stretch>
+            <a:fillRect/>
+          </a:stretch>
+        </p:blipFill>
+        <p:spPr bwMode="auto">
           <a:xfrm>
-            <a:off x="0" y="1340768"/>
-            <a:ext cx="9144000" cy="5517232"/>
+            <a:off x="0" y="980728"/>
+            <a:ext cx="8882810" cy="5517232"/>
           </a:xfrm>
           <a:prstGeom prst="rect">
             <a:avLst/>
           </a:prstGeom>
-          <a:solidFill>
-            <a:schemeClr val="bg1"/>
-          </a:solidFill>
-          <a:ln>
-            <a:solidFill>
-              <a:schemeClr val="bg1"/>
-            </a:solidFill>
-          </a:ln>
-        </p:spPr>
-        <p:style>
-          <a:lnRef idx="2">
-            <a:schemeClr val="accent1">
-              <a:shade val="50000"/>
-            </a:schemeClr>
-          </a:lnRef>
-          <a:fillRef idx="1">
-            <a:schemeClr val="accent1"/>
-          </a:fillRef>
-          <a:effectRef idx="0">
-            <a:schemeClr val="accent1"/>
-          </a:effectRef>
-          <a:fontRef idx="minor">
-            <a:schemeClr val="lt1"/>
-          </a:fontRef>
-        </p:style>
-        <p:txBody>
-          <a:bodyPr rtlCol="0" anchor="ctr"/>
-          <a:lstStyle/>
-          <a:p>
-            <a:pPr algn="ctr"/>
-            <a:endParaRPr lang="pt-BR"/>
-          </a:p>
-        </p:txBody>
-      </p:sp>
-      <p:pic>
-        <p:nvPicPr>
-          <p:cNvPr id="3" name="Picture 2">
-            <a:extLst>
-              <a:ext uri="{FF2B5EF4-FFF2-40B4-BE49-F238E27FC236}">
-                <a16:creationId xmlns:a16="http://schemas.microsoft.com/office/drawing/2014/main" xmlns="" id="{F1FA4B04-B183-46B7-8891-15526F3F8963}"/>
-              </a:ext>
-            </a:extLst>
-          </p:cNvPr>
-          <p:cNvPicPr>
-            <a:picLocks noChangeAspect="1"/>
-          </p:cNvPicPr>
-          <p:nvPr/>
-        </p:nvPicPr>
-        <p:blipFill rotWithShape="1">
-          <a:blip r:embed="rId2" cstate="print">
-            <a:extLst>
-              <a:ext uri="{28A0092B-C50C-407E-A947-70E740481C1C}">
-                <a14:useLocalDpi xmlns:a14="http://schemas.microsoft.com/office/drawing/2010/main" xmlns="" val="0"/>
-              </a:ext>
-            </a:extLst>
-          </a:blip>
-          <a:srcRect t="2667"/>
-          <a:stretch/>
-        </p:blipFill>
-        <p:spPr>
-          <a:xfrm>
-            <a:off x="-20786" y="1312606"/>
-            <a:ext cx="9142462" cy="5116955"/>
-          </a:xfrm>
-          <a:prstGeom prst="rect">
-            <a:avLst/>
-          </a:prstGeom>
+          <a:noFill/>
         </p:spPr>
       </p:pic>
     </p:spTree>
     <p:extLst>
       <p:ext uri="{BB962C8B-B14F-4D97-AF65-F5344CB8AC3E}">
-        <p14:creationId xmlns:p14="http://schemas.microsoft.com/office/powerpoint/2010/main" xmlns="" val="398228404"/>
+        <p14:creationId xmlns="" xmlns:p14="http://schemas.microsoft.com/office/powerpoint/2010/main" val="398228404"/>
       </p:ext>
     </p:extLst>
   </p:cSld>
@@ -10943,7 +10806,7 @@
           <p:cNvPr id="6" name="Título 1">
             <a:extLst>
               <a:ext uri="{FF2B5EF4-FFF2-40B4-BE49-F238E27FC236}">
-                <a16:creationId xmlns:a16="http://schemas.microsoft.com/office/drawing/2014/main" xmlns="" id="{4420E5F6-C592-489E-8742-39113C67F28C}"/>
+                <a16:creationId xmlns="" xmlns:a16="http://schemas.microsoft.com/office/drawing/2014/main" id="{4420E5F6-C592-489E-8742-39113C67F28C}"/>
               </a:ext>
             </a:extLst>
           </p:cNvPr>
@@ -10978,93 +10841,36 @@
           </a:p>
         </p:txBody>
       </p:sp>
-      <p:sp>
-        <p:nvSpPr>
-          <p:cNvPr id="8" name="Rectangle 7">
-            <a:extLst>
-              <a:ext uri="{FF2B5EF4-FFF2-40B4-BE49-F238E27FC236}">
-                <a16:creationId xmlns:a16="http://schemas.microsoft.com/office/drawing/2014/main" xmlns="" id="{EF4C9CB5-998F-4DAB-AD54-72FA9E925DA9}"/>
-              </a:ext>
-            </a:extLst>
-          </p:cNvPr>
-          <p:cNvSpPr/>
+      <p:pic>
+        <p:nvPicPr>
+          <p:cNvPr id="4098" name="Picture 2" descr="C:\Users\alexandre\Pictures\ConfigPerfil4.png"/>
+          <p:cNvPicPr>
+            <a:picLocks noChangeAspect="1" noChangeArrowheads="1"/>
+          </p:cNvPicPr>
           <p:nvPr/>
-        </p:nvSpPr>
-        <p:spPr>
+        </p:nvPicPr>
+        <p:blipFill>
+          <a:blip r:embed="rId2" cstate="print"/>
+          <a:srcRect/>
+          <a:stretch>
+            <a:fillRect/>
+          </a:stretch>
+        </p:blipFill>
+        <p:spPr bwMode="auto">
           <a:xfrm>
-            <a:off x="0" y="1340768"/>
-            <a:ext cx="9144000" cy="5517232"/>
+            <a:off x="-1" y="1340768"/>
+            <a:ext cx="9043637" cy="4968552"/>
           </a:xfrm>
           <a:prstGeom prst="rect">
             <a:avLst/>
           </a:prstGeom>
-          <a:solidFill>
-            <a:schemeClr val="bg1"/>
-          </a:solidFill>
-          <a:ln>
-            <a:solidFill>
-              <a:schemeClr val="bg1"/>
-            </a:solidFill>
-          </a:ln>
-        </p:spPr>
-        <p:style>
-          <a:lnRef idx="2">
-            <a:schemeClr val="accent1">
-              <a:shade val="50000"/>
-            </a:schemeClr>
-          </a:lnRef>
-          <a:fillRef idx="1">
-            <a:schemeClr val="accent1"/>
-          </a:fillRef>
-          <a:effectRef idx="0">
-            <a:schemeClr val="accent1"/>
-          </a:effectRef>
-          <a:fontRef idx="minor">
-            <a:schemeClr val="lt1"/>
-          </a:fontRef>
-        </p:style>
-        <p:txBody>
-          <a:bodyPr rtlCol="0" anchor="ctr"/>
-          <a:lstStyle/>
-          <a:p>
-            <a:pPr algn="ctr"/>
-            <a:endParaRPr lang="pt-BR"/>
-          </a:p>
-        </p:txBody>
-      </p:sp>
-      <p:pic>
-        <p:nvPicPr>
-          <p:cNvPr id="4" name="Picture 3">
-            <a:extLst>
-              <a:ext uri="{FF2B5EF4-FFF2-40B4-BE49-F238E27FC236}">
-                <a16:creationId xmlns:a16="http://schemas.microsoft.com/office/drawing/2014/main" xmlns="" id="{9E45BBDA-7E5F-49C6-9ACE-8F5A7A5E8FAA}"/>
-              </a:ext>
-            </a:extLst>
-          </p:cNvPr>
-          <p:cNvPicPr>
-            <a:picLocks noChangeAspect="1"/>
-          </p:cNvPicPr>
-          <p:nvPr/>
-        </p:nvPicPr>
-        <p:blipFill rotWithShape="1">
-          <a:blip r:embed="rId2" cstate="print"/>
-          <a:srcRect l="-968" t="12350" r="968" b="154"/>
-          <a:stretch/>
-        </p:blipFill>
-        <p:spPr>
-          <a:xfrm>
-            <a:off x="-72010" y="1285618"/>
-            <a:ext cx="9324530" cy="5455750"/>
-          </a:xfrm>
-          <a:prstGeom prst="rect">
-            <a:avLst/>
-          </a:prstGeom>
+          <a:noFill/>
         </p:spPr>
       </p:pic>
     </p:spTree>
     <p:extLst>
       <p:ext uri="{BB962C8B-B14F-4D97-AF65-F5344CB8AC3E}">
-        <p14:creationId xmlns:p14="http://schemas.microsoft.com/office/powerpoint/2010/main" xmlns="" val="3663591352"/>
+        <p14:creationId xmlns="" xmlns:p14="http://schemas.microsoft.com/office/powerpoint/2010/main" val="3663591352"/>
       </p:ext>
     </p:extLst>
   </p:cSld>
@@ -11147,13 +10953,8 @@
           <a:p>
             <a:r>
               <a:rPr lang="pt-BR" sz="2400" dirty="0" smtClean="0"/>
-              <a:t>Manter-se atento ao escopo inicial do projeto para que não sejam desenvolvidas funcionalidades que não </a:t>
-            </a:r>
-            <a:r>
-              <a:rPr lang="pt-BR" sz="2400" dirty="0" smtClean="0"/>
-              <a:t>foram solicitadas</a:t>
-            </a:r>
-            <a:endParaRPr lang="pt-BR" sz="2400" dirty="0" smtClean="0"/>
+              <a:t>Manter-se atento ao escopo inicial do projeto para que não sejam desenvolvidas funcionalidades que não foram solicitadas</a:t>
+            </a:r>
           </a:p>
           <a:p>
             <a:endParaRPr lang="pt-BR" sz="2400" dirty="0" smtClean="0"/>
@@ -11184,7 +10985,7 @@
           <a:blip r:embed="rId2" cstate="print">
             <a:extLst>
               <a:ext uri="{28A0092B-C50C-407E-A947-70E740481C1C}">
-                <a14:useLocalDpi xmlns:a14="http://schemas.microsoft.com/office/drawing/2010/main" xmlns="" val="0"/>
+                <a14:useLocalDpi xmlns="" xmlns:a14="http://schemas.microsoft.com/office/drawing/2010/main" val="0"/>
               </a:ext>
             </a:extLst>
           </a:blip>
@@ -11204,7 +11005,7 @@
           <a:noFill/>
           <a:extLst>
             <a:ext uri="{909E8E84-426E-40DD-AFC4-6F175D3DCCD1}">
-              <a14:hiddenFill xmlns:a14="http://schemas.microsoft.com/office/drawing/2010/main" xmlns="">
+              <a14:hiddenFill xmlns="" xmlns:a14="http://schemas.microsoft.com/office/drawing/2010/main">
                 <a:solidFill>
                   <a:srgbClr val="FFFFFF"/>
                 </a:solidFill>
@@ -11343,7 +11144,7 @@
           <a:blip r:embed="rId2" cstate="print">
             <a:extLst>
               <a:ext uri="{28A0092B-C50C-407E-A947-70E740481C1C}">
-                <a14:useLocalDpi xmlns:a14="http://schemas.microsoft.com/office/drawing/2010/main" xmlns="" val="0"/>
+                <a14:useLocalDpi xmlns="" xmlns:a14="http://schemas.microsoft.com/office/drawing/2010/main" val="0"/>
               </a:ext>
             </a:extLst>
           </a:blip>
@@ -11361,7 +11162,7 @@
           <a:noFill/>
           <a:extLst>
             <a:ext uri="{909E8E84-426E-40DD-AFC4-6F175D3DCCD1}">
-              <a14:hiddenFill xmlns:a14="http://schemas.microsoft.com/office/drawing/2010/main" xmlns="">
+              <a14:hiddenFill xmlns="" xmlns:a14="http://schemas.microsoft.com/office/drawing/2010/main">
                 <a:solidFill>
                   <a:srgbClr val="FFFFFF"/>
                 </a:solidFill>
@@ -11431,7 +11232,7 @@
     </p:spTree>
     <p:extLst>
       <p:ext uri="{BB962C8B-B14F-4D97-AF65-F5344CB8AC3E}">
-        <p14:creationId xmlns:p14="http://schemas.microsoft.com/office/powerpoint/2010/main" xmlns="" val="1990385622"/>
+        <p14:creationId xmlns="" xmlns:p14="http://schemas.microsoft.com/office/powerpoint/2010/main" val="1990385622"/>
       </p:ext>
     </p:extLst>
   </p:cSld>
@@ -11534,14 +11335,14 @@
             </a:ln>
             <a:extLst>
               <a:ext uri="{909E8E84-426E-40DD-AFC4-6F175D3DCCD1}">
-                <a14:hiddenFill xmlns:a14="http://schemas.microsoft.com/office/drawing/2010/main" xmlns="">
+                <a14:hiddenFill xmlns="" xmlns:a14="http://schemas.microsoft.com/office/drawing/2010/main">
                   <a:solidFill>
                     <a:srgbClr val="FFFFFF"/>
                   </a:solidFill>
                 </a14:hiddenFill>
               </a:ext>
               <a:ext uri="{91240B29-F687-4F45-9708-019B960494DF}">
-                <a14:hiddenLine xmlns:a14="http://schemas.microsoft.com/office/drawing/2010/main" xmlns="" w="9525">
+                <a14:hiddenLine xmlns="" xmlns:a14="http://schemas.microsoft.com/office/drawing/2010/main" w="9525">
                   <a:solidFill>
                     <a:srgbClr val="000000"/>
                   </a:solidFill>
@@ -11691,14 +11492,14 @@
             </a:ln>
             <a:extLst>
               <a:ext uri="{909E8E84-426E-40DD-AFC4-6F175D3DCCD1}">
-                <a14:hiddenFill xmlns:a14="http://schemas.microsoft.com/office/drawing/2010/main" xmlns="">
+                <a14:hiddenFill xmlns="" xmlns:a14="http://schemas.microsoft.com/office/drawing/2010/main">
                   <a:solidFill>
                     <a:srgbClr val="FFFFFF"/>
                   </a:solidFill>
                 </a14:hiddenFill>
               </a:ext>
               <a:ext uri="{91240B29-F687-4F45-9708-019B960494DF}">
-                <a14:hiddenLine xmlns:a14="http://schemas.microsoft.com/office/drawing/2010/main" xmlns="" w="9525">
+                <a14:hiddenLine xmlns="" xmlns:a14="http://schemas.microsoft.com/office/drawing/2010/main" w="9525">
                   <a:solidFill>
                     <a:srgbClr val="000000"/>
                   </a:solidFill>
@@ -11962,7 +11763,7 @@
     </p:spTree>
     <p:extLst>
       <p:ext uri="{BB962C8B-B14F-4D97-AF65-F5344CB8AC3E}">
-        <p14:creationId xmlns:p14="http://schemas.microsoft.com/office/powerpoint/2010/main" xmlns="" val="2005090747"/>
+        <p14:creationId xmlns="" xmlns:p14="http://schemas.microsoft.com/office/powerpoint/2010/main" val="2005090747"/>
       </p:ext>
     </p:extLst>
   </p:cSld>
@@ -12041,14 +11842,14 @@
           </a:xfrm>
           <a:extLst>
             <a:ext uri="{909E8E84-426E-40DD-AFC4-6F175D3DCCD1}">
-              <a14:hiddenFill xmlns:a14="http://schemas.microsoft.com/office/drawing/2010/main" xmlns="">
+              <a14:hiddenFill xmlns="" xmlns:a14="http://schemas.microsoft.com/office/drawing/2010/main">
                 <a:solidFill>
                   <a:srgbClr val="FFFFFF"/>
                 </a:solidFill>
               </a14:hiddenFill>
             </a:ext>
             <a:ext uri="{91240B29-F687-4F45-9708-019B960494DF}">
-              <a14:hiddenLine xmlns:a14="http://schemas.microsoft.com/office/drawing/2010/main" xmlns="" w="9525">
+              <a14:hiddenLine xmlns="" xmlns:a14="http://schemas.microsoft.com/office/drawing/2010/main" w="9525">
                 <a:solidFill>
                   <a:srgbClr val="000000"/>
                 </a:solidFill>
@@ -12384,7 +12185,7 @@
           <a:blip r:embed="rId2" cstate="print">
             <a:extLst>
               <a:ext uri="{28A0092B-C50C-407E-A947-70E740481C1C}">
-                <a14:useLocalDpi xmlns:a14="http://schemas.microsoft.com/office/drawing/2010/main" xmlns="" val="0"/>
+                <a14:useLocalDpi xmlns="" xmlns:a14="http://schemas.microsoft.com/office/drawing/2010/main" val="0"/>
               </a:ext>
             </a:extLst>
           </a:blip>
@@ -12476,7 +12277,7 @@
           <a:blip r:embed="rId2" cstate="print">
             <a:extLst>
               <a:ext uri="{28A0092B-C50C-407E-A947-70E740481C1C}">
-                <a14:useLocalDpi xmlns:a14="http://schemas.microsoft.com/office/drawing/2010/main" xmlns="" val="0"/>
+                <a14:useLocalDpi xmlns="" xmlns:a14="http://schemas.microsoft.com/office/drawing/2010/main" val="0"/>
               </a:ext>
             </a:extLst>
           </a:blip>
@@ -12568,7 +12369,7 @@
           <a:blip r:embed="rId2" cstate="print">
             <a:extLst>
               <a:ext uri="{28A0092B-C50C-407E-A947-70E740481C1C}">
-                <a14:useLocalDpi xmlns:a14="http://schemas.microsoft.com/office/drawing/2010/main" xmlns="" val="0"/>
+                <a14:useLocalDpi xmlns="" xmlns:a14="http://schemas.microsoft.com/office/drawing/2010/main" val="0"/>
               </a:ext>
             </a:extLst>
           </a:blip>
@@ -13196,7 +12997,7 @@
   <a:extraClrSchemeLst/>
   <a:extLst>
     <a:ext uri="{05A4C25C-085E-4340-85A3-A5531E510DB2}">
-      <thm15:themeFamily xmlns:thm15="http://schemas.microsoft.com/office/thememl/2012/main" xmlns="" name="Office Theme" id="{62F939B6-93AF-4DB8-9C6B-D6C7DFDC589F}" vid="{4A3C46E8-61CC-4603-A589-7422A47A8E4A}"/>
+      <thm15:themeFamily xmlns="" xmlns:thm15="http://schemas.microsoft.com/office/thememl/2012/main" name="Office Theme" id="{62F939B6-93AF-4DB8-9C6B-D6C7DFDC589F}" vid="{4A3C46E8-61CC-4603-A589-7422A47A8E4A}"/>
     </a:ext>
   </a:extLst>
 </a:theme>

--- a/TCC/5º Encontro/2017-Apresentacao Psystem.pptx
+++ b/TCC/5º Encontro/2017-Apresentacao Psystem.pptx
@@ -182,7 +182,7 @@
   </p:defaultTextStyle>
   <p:extLst>
     <p:ext uri="{EFAFB233-063F-42B5-8137-9DF3F51BA10A}">
-      <p15:sldGuideLst xmlns="" xmlns:p15="http://schemas.microsoft.com/office/powerpoint/2012/main">
+      <p15:sldGuideLst xmlns:p15="http://schemas.microsoft.com/office/powerpoint/2012/main" xmlns="">
         <p15:guide id="1" orient="horz" pos="2160">
           <p15:clr>
             <a:srgbClr val="A4A3A4"/>
@@ -286,7 +286,7 @@
             <a:fld id="{C0D5B206-56B5-433E-8333-9415E6A460B9}" type="datetimeFigureOut">
               <a:rPr lang="pt-BR" smtClean="0"/>
               <a:pPr/>
-              <a:t>02/10/2017</a:t>
+              <a:t>14/11/2017</a:t>
             </a:fld>
             <a:endParaRPr lang="pt-BR"/>
           </a:p>
@@ -454,7 +454,7 @@
     </p:spTree>
     <p:extLst>
       <p:ext uri="{BB962C8B-B14F-4D97-AF65-F5344CB8AC3E}">
-        <p14:creationId xmlns="" xmlns:p14="http://schemas.microsoft.com/office/powerpoint/2010/main" val="671299352"/>
+        <p14:creationId xmlns:p14="http://schemas.microsoft.com/office/powerpoint/2010/main" xmlns="" val="671299352"/>
       </p:ext>
     </p:extLst>
   </p:cSld>
@@ -664,7 +664,7 @@
     </p:spTree>
     <p:extLst>
       <p:ext uri="{BB962C8B-B14F-4D97-AF65-F5344CB8AC3E}">
-        <p14:creationId xmlns="" xmlns:p14="http://schemas.microsoft.com/office/powerpoint/2010/main" val="3274854824"/>
+        <p14:creationId xmlns:p14="http://schemas.microsoft.com/office/powerpoint/2010/main" xmlns="" val="3274854824"/>
       </p:ext>
     </p:extLst>
   </p:cSld>
@@ -759,7 +759,7 @@
     </p:spTree>
     <p:extLst>
       <p:ext uri="{BB962C8B-B14F-4D97-AF65-F5344CB8AC3E}">
-        <p14:creationId xmlns="" xmlns:p14="http://schemas.microsoft.com/office/powerpoint/2010/main" val="2786033099"/>
+        <p14:creationId xmlns:p14="http://schemas.microsoft.com/office/powerpoint/2010/main" xmlns="" val="2786033099"/>
       </p:ext>
     </p:extLst>
   </p:cSld>
@@ -852,7 +852,7 @@
     </p:spTree>
     <p:extLst>
       <p:ext uri="{BB962C8B-B14F-4D97-AF65-F5344CB8AC3E}">
-        <p14:creationId xmlns="" xmlns:p14="http://schemas.microsoft.com/office/powerpoint/2010/main" val="1775795487"/>
+        <p14:creationId xmlns:p14="http://schemas.microsoft.com/office/powerpoint/2010/main" xmlns="" val="1775795487"/>
       </p:ext>
     </p:extLst>
   </p:cSld>
@@ -968,7 +968,7 @@
     </p:spTree>
     <p:extLst>
       <p:ext uri="{BB962C8B-B14F-4D97-AF65-F5344CB8AC3E}">
-        <p14:creationId xmlns="" xmlns:p14="http://schemas.microsoft.com/office/powerpoint/2010/main" val="3951886733"/>
+        <p14:creationId xmlns:p14="http://schemas.microsoft.com/office/powerpoint/2010/main" xmlns="" val="3951886733"/>
       </p:ext>
     </p:extLst>
   </p:cSld>
@@ -1259,7 +1259,7 @@
     </p:spTree>
     <p:extLst>
       <p:ext uri="{BB962C8B-B14F-4D97-AF65-F5344CB8AC3E}">
-        <p14:creationId xmlns="" xmlns:p14="http://schemas.microsoft.com/office/powerpoint/2010/main" val="1588299535"/>
+        <p14:creationId xmlns:p14="http://schemas.microsoft.com/office/powerpoint/2010/main" xmlns="" val="1588299535"/>
       </p:ext>
     </p:extLst>
   </p:cSld>
@@ -1308,14 +1308,14 @@
           </a:ln>
           <a:extLst>
             <a:ext uri="{909E8E84-426E-40DD-AFC4-6F175D3DCCD1}">
-              <a14:hiddenFill xmlns="" xmlns:a14="http://schemas.microsoft.com/office/drawing/2010/main">
+              <a14:hiddenFill xmlns:a14="http://schemas.microsoft.com/office/drawing/2010/main" xmlns="">
                 <a:solidFill>
                   <a:srgbClr val="FFFFFF"/>
                 </a:solidFill>
               </a14:hiddenFill>
             </a:ext>
             <a:ext uri="{91240B29-F687-4F45-9708-019B960494DF}">
-              <a14:hiddenLine xmlns="" xmlns:a14="http://schemas.microsoft.com/office/drawing/2010/main" w="9525">
+              <a14:hiddenLine xmlns:a14="http://schemas.microsoft.com/office/drawing/2010/main" xmlns="" w="9525">
                 <a:solidFill>
                   <a:srgbClr val="000000"/>
                 </a:solidFill>
@@ -1731,7 +1731,7 @@
     </p:spTree>
     <p:extLst>
       <p:ext uri="{BB962C8B-B14F-4D97-AF65-F5344CB8AC3E}">
-        <p14:creationId xmlns="" xmlns:p14="http://schemas.microsoft.com/office/powerpoint/2010/main" val="3359836669"/>
+        <p14:creationId xmlns:p14="http://schemas.microsoft.com/office/powerpoint/2010/main" xmlns="" val="3359836669"/>
       </p:ext>
     </p:extLst>
   </p:cSld>
@@ -1761,7 +1761,7 @@
     </p:spTree>
     <p:extLst>
       <p:ext uri="{BB962C8B-B14F-4D97-AF65-F5344CB8AC3E}">
-        <p14:creationId xmlns="" xmlns:p14="http://schemas.microsoft.com/office/powerpoint/2010/main" val="413836109"/>
+        <p14:creationId xmlns:p14="http://schemas.microsoft.com/office/powerpoint/2010/main" xmlns="" val="413836109"/>
       </p:ext>
     </p:extLst>
   </p:cSld>
@@ -1861,7 +1861,7 @@
           <a:blip r:embed="rId2" cstate="print">
             <a:extLst>
               <a:ext uri="{28A0092B-C50C-407E-A947-70E740481C1C}">
-                <a14:useLocalDpi xmlns="" xmlns:a14="http://schemas.microsoft.com/office/drawing/2010/main" val="0"/>
+                <a14:useLocalDpi xmlns:a14="http://schemas.microsoft.com/office/drawing/2010/main" xmlns="" val="0"/>
               </a:ext>
             </a:extLst>
           </a:blip>
@@ -1884,14 +1884,14 @@
           </a:ln>
           <a:extLst>
             <a:ext uri="{909E8E84-426E-40DD-AFC4-6F175D3DCCD1}">
-              <a14:hiddenFill xmlns="" xmlns:a14="http://schemas.microsoft.com/office/drawing/2010/main">
+              <a14:hiddenFill xmlns:a14="http://schemas.microsoft.com/office/drawing/2010/main" xmlns="">
                 <a:solidFill>
                   <a:srgbClr val="FFFFFF"/>
                 </a:solidFill>
               </a14:hiddenFill>
             </a:ext>
             <a:ext uri="{91240B29-F687-4F45-9708-019B960494DF}">
-              <a14:hiddenLine xmlns="" xmlns:a14="http://schemas.microsoft.com/office/drawing/2010/main" w="9525">
+              <a14:hiddenLine xmlns:a14="http://schemas.microsoft.com/office/drawing/2010/main" xmlns="" w="9525">
                 <a:solidFill>
                   <a:srgbClr val="000000"/>
                 </a:solidFill>
@@ -1955,7 +1955,7 @@
     </p:spTree>
     <p:extLst>
       <p:ext uri="{BB962C8B-B14F-4D97-AF65-F5344CB8AC3E}">
-        <p14:creationId xmlns="" xmlns:p14="http://schemas.microsoft.com/office/powerpoint/2010/main" val="2156181659"/>
+        <p14:creationId xmlns:p14="http://schemas.microsoft.com/office/powerpoint/2010/main" xmlns="" val="2156181659"/>
       </p:ext>
     </p:extLst>
   </p:cSld>
@@ -2122,7 +2122,7 @@
     </p:spTree>
     <p:extLst>
       <p:ext uri="{BB962C8B-B14F-4D97-AF65-F5344CB8AC3E}">
-        <p14:creationId xmlns="" xmlns:p14="http://schemas.microsoft.com/office/powerpoint/2010/main" val="83598666"/>
+        <p14:creationId xmlns:p14="http://schemas.microsoft.com/office/powerpoint/2010/main" xmlns="" val="83598666"/>
       </p:ext>
     </p:extLst>
   </p:cSld>
@@ -2166,7 +2166,7 @@
           <a:blip r:embed="rId8" cstate="print">
             <a:extLst>
               <a:ext uri="{28A0092B-C50C-407E-A947-70E740481C1C}">
-                <a14:useLocalDpi xmlns="" xmlns:a14="http://schemas.microsoft.com/office/drawing/2010/main" val="0"/>
+                <a14:useLocalDpi xmlns:a14="http://schemas.microsoft.com/office/drawing/2010/main" xmlns="" val="0"/>
               </a:ext>
             </a:extLst>
           </a:blip>
@@ -2189,14 +2189,14 @@
           </a:ln>
           <a:extLst>
             <a:ext uri="{909E8E84-426E-40DD-AFC4-6F175D3DCCD1}">
-              <a14:hiddenFill xmlns="" xmlns:a14="http://schemas.microsoft.com/office/drawing/2010/main">
+              <a14:hiddenFill xmlns:a14="http://schemas.microsoft.com/office/drawing/2010/main" xmlns="">
                 <a:solidFill>
                   <a:srgbClr val="FFFFFF"/>
                 </a:solidFill>
               </a14:hiddenFill>
             </a:ext>
             <a:ext uri="{91240B29-F687-4F45-9708-019B960494DF}">
-              <a14:hiddenLine xmlns="" xmlns:a14="http://schemas.microsoft.com/office/drawing/2010/main" w="9525">
+              <a14:hiddenLine xmlns:a14="http://schemas.microsoft.com/office/drawing/2010/main" xmlns="" w="9525">
                 <a:solidFill>
                   <a:srgbClr val="000000"/>
                 </a:solidFill>
@@ -2269,7 +2269,7 @@
           <a:blip r:embed="rId9" cstate="print">
             <a:extLst>
               <a:ext uri="{28A0092B-C50C-407E-A947-70E740481C1C}">
-                <a14:useLocalDpi xmlns="" xmlns:a14="http://schemas.microsoft.com/office/drawing/2010/main" val="0"/>
+                <a14:useLocalDpi xmlns:a14="http://schemas.microsoft.com/office/drawing/2010/main" xmlns="" val="0"/>
               </a:ext>
             </a:extLst>
           </a:blip>
@@ -2292,14 +2292,14 @@
           </a:ln>
           <a:extLst>
             <a:ext uri="{909E8E84-426E-40DD-AFC4-6F175D3DCCD1}">
-              <a14:hiddenFill xmlns="" xmlns:a14="http://schemas.microsoft.com/office/drawing/2010/main">
+              <a14:hiddenFill xmlns:a14="http://schemas.microsoft.com/office/drawing/2010/main" xmlns="">
                 <a:solidFill>
                   <a:srgbClr val="FFFFFF"/>
                 </a:solidFill>
               </a14:hiddenFill>
             </a:ext>
             <a:ext uri="{91240B29-F687-4F45-9708-019B960494DF}">
-              <a14:hiddenLine xmlns="" xmlns:a14="http://schemas.microsoft.com/office/drawing/2010/main" w="9525">
+              <a14:hiddenLine xmlns:a14="http://schemas.microsoft.com/office/drawing/2010/main" xmlns="" w="9525">
                 <a:solidFill>
                   <a:srgbClr val="000000"/>
                 </a:solidFill>
@@ -2865,14 +2865,14 @@
             </a:ln>
             <a:extLst>
               <a:ext uri="{909E8E84-426E-40DD-AFC4-6F175D3DCCD1}">
-                <a14:hiddenFill xmlns="" xmlns:a14="http://schemas.microsoft.com/office/drawing/2010/main">
+                <a14:hiddenFill xmlns:a14="http://schemas.microsoft.com/office/drawing/2010/main" xmlns="">
                   <a:solidFill>
                     <a:srgbClr val="FFFFFF"/>
                   </a:solidFill>
                 </a14:hiddenFill>
               </a:ext>
               <a:ext uri="{91240B29-F687-4F45-9708-019B960494DF}">
-                <a14:hiddenLine xmlns="" xmlns:a14="http://schemas.microsoft.com/office/drawing/2010/main" w="9525">
+                <a14:hiddenLine xmlns:a14="http://schemas.microsoft.com/office/drawing/2010/main" xmlns="" w="9525">
                   <a:solidFill>
                     <a:srgbClr val="000000"/>
                   </a:solidFill>
@@ -3022,14 +3022,14 @@
             </a:ln>
             <a:extLst>
               <a:ext uri="{909E8E84-426E-40DD-AFC4-6F175D3DCCD1}">
-                <a14:hiddenFill xmlns="" xmlns:a14="http://schemas.microsoft.com/office/drawing/2010/main">
+                <a14:hiddenFill xmlns:a14="http://schemas.microsoft.com/office/drawing/2010/main" xmlns="">
                   <a:solidFill>
                     <a:srgbClr val="FFFFFF"/>
                   </a:solidFill>
                 </a14:hiddenFill>
               </a:ext>
               <a:ext uri="{91240B29-F687-4F45-9708-019B960494DF}">
-                <a14:hiddenLine xmlns="" xmlns:a14="http://schemas.microsoft.com/office/drawing/2010/main" w="9525">
+                <a14:hiddenLine xmlns:a14="http://schemas.microsoft.com/office/drawing/2010/main" xmlns="" w="9525">
                   <a:solidFill>
                     <a:srgbClr val="000000"/>
                   </a:solidFill>
@@ -3409,7 +3409,7 @@
           <a:blip r:embed="rId2" cstate="print">
             <a:extLst>
               <a:ext uri="{28A0092B-C50C-407E-A947-70E740481C1C}">
-                <a14:useLocalDpi xmlns="" xmlns:a14="http://schemas.microsoft.com/office/drawing/2010/main" val="0"/>
+                <a14:useLocalDpi xmlns:a14="http://schemas.microsoft.com/office/drawing/2010/main" xmlns="" val="0"/>
               </a:ext>
             </a:extLst>
           </a:blip>
@@ -3567,7 +3567,7 @@
           <a:blip r:embed="rId2" cstate="print">
             <a:extLst>
               <a:ext uri="{28A0092B-C50C-407E-A947-70E740481C1C}">
-                <a14:useLocalDpi xmlns="" xmlns:a14="http://schemas.microsoft.com/office/drawing/2010/main" val="0"/>
+                <a14:useLocalDpi xmlns:a14="http://schemas.microsoft.com/office/drawing/2010/main" xmlns="" val="0"/>
               </a:ext>
             </a:extLst>
           </a:blip>
@@ -3690,14 +3690,14 @@
             </a:ln>
             <a:extLst>
               <a:ext uri="{909E8E84-426E-40DD-AFC4-6F175D3DCCD1}">
-                <a14:hiddenFill xmlns="" xmlns:a14="http://schemas.microsoft.com/office/drawing/2010/main">
+                <a14:hiddenFill xmlns:a14="http://schemas.microsoft.com/office/drawing/2010/main" xmlns="">
                   <a:solidFill>
                     <a:srgbClr val="FFFFFF"/>
                   </a:solidFill>
                 </a14:hiddenFill>
               </a:ext>
               <a:ext uri="{91240B29-F687-4F45-9708-019B960494DF}">
-                <a14:hiddenLine xmlns="" xmlns:a14="http://schemas.microsoft.com/office/drawing/2010/main" w="9525">
+                <a14:hiddenLine xmlns:a14="http://schemas.microsoft.com/office/drawing/2010/main" xmlns="" w="9525">
                   <a:solidFill>
                     <a:srgbClr val="000000"/>
                   </a:solidFill>
@@ -3847,14 +3847,14 @@
             </a:ln>
             <a:extLst>
               <a:ext uri="{909E8E84-426E-40DD-AFC4-6F175D3DCCD1}">
-                <a14:hiddenFill xmlns="" xmlns:a14="http://schemas.microsoft.com/office/drawing/2010/main">
+                <a14:hiddenFill xmlns:a14="http://schemas.microsoft.com/office/drawing/2010/main" xmlns="">
                   <a:solidFill>
                     <a:srgbClr val="FFFFFF"/>
                   </a:solidFill>
                 </a14:hiddenFill>
               </a:ext>
               <a:ext uri="{91240B29-F687-4F45-9708-019B960494DF}">
-                <a14:hiddenLine xmlns="" xmlns:a14="http://schemas.microsoft.com/office/drawing/2010/main" w="9525">
+                <a14:hiddenLine xmlns:a14="http://schemas.microsoft.com/office/drawing/2010/main" xmlns="" w="9525">
                   <a:solidFill>
                     <a:srgbClr val="000000"/>
                   </a:solidFill>
@@ -4118,7 +4118,7 @@
     </p:spTree>
     <p:extLst>
       <p:ext uri="{BB962C8B-B14F-4D97-AF65-F5344CB8AC3E}">
-        <p14:creationId xmlns="" xmlns:p14="http://schemas.microsoft.com/office/powerpoint/2010/main" val="2461302196"/>
+        <p14:creationId xmlns:p14="http://schemas.microsoft.com/office/powerpoint/2010/main" xmlns="" val="2461302196"/>
       </p:ext>
     </p:extLst>
   </p:cSld>
@@ -4197,14 +4197,14 @@
           </a:xfrm>
           <a:extLst>
             <a:ext uri="{909E8E84-426E-40DD-AFC4-6F175D3DCCD1}">
-              <a14:hiddenFill xmlns="" xmlns:a14="http://schemas.microsoft.com/office/drawing/2010/main">
+              <a14:hiddenFill xmlns:a14="http://schemas.microsoft.com/office/drawing/2010/main" xmlns="">
                 <a:solidFill>
                   <a:srgbClr val="FFFFFF"/>
                 </a:solidFill>
               </a14:hiddenFill>
             </a:ext>
             <a:ext uri="{91240B29-F687-4F45-9708-019B960494DF}">
-              <a14:hiddenLine xmlns="" xmlns:a14="http://schemas.microsoft.com/office/drawing/2010/main" w="9525">
+              <a14:hiddenLine xmlns:a14="http://schemas.microsoft.com/office/drawing/2010/main" xmlns="" w="9525">
                 <a:solidFill>
                   <a:srgbClr val="000000"/>
                 </a:solidFill>
@@ -4371,7 +4371,7 @@
     </p:spTree>
     <p:extLst>
       <p:ext uri="{BB962C8B-B14F-4D97-AF65-F5344CB8AC3E}">
-        <p14:creationId xmlns="" xmlns:p14="http://schemas.microsoft.com/office/powerpoint/2010/main" val="1166103754"/>
+        <p14:creationId xmlns:p14="http://schemas.microsoft.com/office/powerpoint/2010/main" xmlns="" val="1166103754"/>
       </p:ext>
     </p:extLst>
   </p:cSld>
@@ -4442,7 +4442,7 @@
           <a:blip r:embed="rId2" cstate="print">
             <a:extLst>
               <a:ext uri="{28A0092B-C50C-407E-A947-70E740481C1C}">
-                <a14:useLocalDpi xmlns="" xmlns:a14="http://schemas.microsoft.com/office/drawing/2010/main" val="0"/>
+                <a14:useLocalDpi xmlns:a14="http://schemas.microsoft.com/office/drawing/2010/main" xmlns="" val="0"/>
               </a:ext>
             </a:extLst>
           </a:blip>
@@ -4463,7 +4463,7 @@
     </p:spTree>
     <p:extLst>
       <p:ext uri="{BB962C8B-B14F-4D97-AF65-F5344CB8AC3E}">
-        <p14:creationId xmlns="" xmlns:p14="http://schemas.microsoft.com/office/powerpoint/2010/main" val="4100715659"/>
+        <p14:creationId xmlns:p14="http://schemas.microsoft.com/office/powerpoint/2010/main" xmlns="" val="4100715659"/>
       </p:ext>
     </p:extLst>
   </p:cSld>
@@ -4539,14 +4539,14 @@
           </a:xfrm>
           <a:extLst>
             <a:ext uri="{909E8E84-426E-40DD-AFC4-6F175D3DCCD1}">
-              <a14:hiddenFill xmlns="" xmlns:a14="http://schemas.microsoft.com/office/drawing/2010/main">
+              <a14:hiddenFill xmlns:a14="http://schemas.microsoft.com/office/drawing/2010/main" xmlns="">
                 <a:solidFill>
                   <a:srgbClr val="FFFFFF"/>
                 </a:solidFill>
               </a14:hiddenFill>
             </a:ext>
             <a:ext uri="{91240B29-F687-4F45-9708-019B960494DF}">
-              <a14:hiddenLine xmlns="" xmlns:a14="http://schemas.microsoft.com/office/drawing/2010/main" w="9525">
+              <a14:hiddenLine xmlns:a14="http://schemas.microsoft.com/office/drawing/2010/main" xmlns="" w="9525">
                 <a:solidFill>
                   <a:srgbClr val="000000"/>
                 </a:solidFill>
@@ -4587,7 +4587,7 @@
           <p:cNvPr id="2" name="Picture 1">
             <a:extLst>
               <a:ext uri="{FF2B5EF4-FFF2-40B4-BE49-F238E27FC236}">
-                <a16:creationId xmlns="" xmlns:a16="http://schemas.microsoft.com/office/drawing/2014/main" id="{F5A00150-EB0A-4F28-911C-141811EBFBD4}"/>
+                <a16:creationId xmlns:a16="http://schemas.microsoft.com/office/drawing/2014/main" xmlns="" id="{F5A00150-EB0A-4F28-911C-141811EBFBD4}"/>
               </a:ext>
             </a:extLst>
           </p:cNvPr>
@@ -4614,7 +4614,7 @@
     </p:spTree>
     <p:extLst>
       <p:ext uri="{BB962C8B-B14F-4D97-AF65-F5344CB8AC3E}">
-        <p14:creationId xmlns="" xmlns:p14="http://schemas.microsoft.com/office/powerpoint/2010/main" val="4234705847"/>
+        <p14:creationId xmlns:p14="http://schemas.microsoft.com/office/powerpoint/2010/main" xmlns="" val="4234705847"/>
       </p:ext>
     </p:extLst>
   </p:cSld>
@@ -4693,14 +4693,14 @@
           </a:xfrm>
           <a:extLst>
             <a:ext uri="{909E8E84-426E-40DD-AFC4-6F175D3DCCD1}">
-              <a14:hiddenFill xmlns="" xmlns:a14="http://schemas.microsoft.com/office/drawing/2010/main">
+              <a14:hiddenFill xmlns:a14="http://schemas.microsoft.com/office/drawing/2010/main" xmlns="">
                 <a:solidFill>
                   <a:srgbClr val="FFFFFF"/>
                 </a:solidFill>
               </a14:hiddenFill>
             </a:ext>
             <a:ext uri="{91240B29-F687-4F45-9708-019B960494DF}">
-              <a14:hiddenLine xmlns="" xmlns:a14="http://schemas.microsoft.com/office/drawing/2010/main" w="9525">
+              <a14:hiddenLine xmlns:a14="http://schemas.microsoft.com/office/drawing/2010/main" xmlns="" w="9525">
                 <a:solidFill>
                   <a:srgbClr val="000000"/>
                 </a:solidFill>
@@ -4741,7 +4741,7 @@
           <p:cNvPr id="3" name="Picture 2">
             <a:extLst>
               <a:ext uri="{FF2B5EF4-FFF2-40B4-BE49-F238E27FC236}">
-                <a16:creationId xmlns="" xmlns:a16="http://schemas.microsoft.com/office/drawing/2014/main" id="{2B1A4BC2-7DE1-4299-98E4-7ED739A14DCC}"/>
+                <a16:creationId xmlns:a16="http://schemas.microsoft.com/office/drawing/2014/main" xmlns="" id="{2B1A4BC2-7DE1-4299-98E4-7ED739A14DCC}"/>
               </a:ext>
             </a:extLst>
           </p:cNvPr>
@@ -4769,7 +4769,7 @@
     </p:spTree>
     <p:extLst>
       <p:ext uri="{BB962C8B-B14F-4D97-AF65-F5344CB8AC3E}">
-        <p14:creationId xmlns="" xmlns:p14="http://schemas.microsoft.com/office/powerpoint/2010/main" val="324456396"/>
+        <p14:creationId xmlns:p14="http://schemas.microsoft.com/office/powerpoint/2010/main" xmlns="" val="324456396"/>
       </p:ext>
     </p:extLst>
   </p:cSld>
@@ -4848,14 +4848,14 @@
           </a:xfrm>
           <a:extLst>
             <a:ext uri="{909E8E84-426E-40DD-AFC4-6F175D3DCCD1}">
-              <a14:hiddenFill xmlns="" xmlns:a14="http://schemas.microsoft.com/office/drawing/2010/main">
+              <a14:hiddenFill xmlns:a14="http://schemas.microsoft.com/office/drawing/2010/main" xmlns="">
                 <a:solidFill>
                   <a:srgbClr val="FFFFFF"/>
                 </a:solidFill>
               </a14:hiddenFill>
             </a:ext>
             <a:ext uri="{91240B29-F687-4F45-9708-019B960494DF}">
-              <a14:hiddenLine xmlns="" xmlns:a14="http://schemas.microsoft.com/office/drawing/2010/main" w="9525">
+              <a14:hiddenLine xmlns:a14="http://schemas.microsoft.com/office/drawing/2010/main" xmlns="" w="9525">
                 <a:solidFill>
                   <a:srgbClr val="000000"/>
                 </a:solidFill>
@@ -4896,7 +4896,7 @@
           <p:cNvPr id="2" name="Picture 1">
             <a:extLst>
               <a:ext uri="{FF2B5EF4-FFF2-40B4-BE49-F238E27FC236}">
-                <a16:creationId xmlns="" xmlns:a16="http://schemas.microsoft.com/office/drawing/2014/main" id="{21DDFF5F-FFF6-4DB6-AD4E-6794E13280AB}"/>
+                <a16:creationId xmlns:a16="http://schemas.microsoft.com/office/drawing/2014/main" xmlns="" id="{21DDFF5F-FFF6-4DB6-AD4E-6794E13280AB}"/>
               </a:ext>
             </a:extLst>
           </p:cNvPr>
@@ -4924,7 +4924,7 @@
     </p:spTree>
     <p:extLst>
       <p:ext uri="{BB962C8B-B14F-4D97-AF65-F5344CB8AC3E}">
-        <p14:creationId xmlns="" xmlns:p14="http://schemas.microsoft.com/office/powerpoint/2010/main" val="3523015254"/>
+        <p14:creationId xmlns:p14="http://schemas.microsoft.com/office/powerpoint/2010/main" xmlns="" val="3523015254"/>
       </p:ext>
     </p:extLst>
   </p:cSld>
@@ -5003,14 +5003,14 @@
           </a:xfrm>
           <a:extLst>
             <a:ext uri="{909E8E84-426E-40DD-AFC4-6F175D3DCCD1}">
-              <a14:hiddenFill xmlns="" xmlns:a14="http://schemas.microsoft.com/office/drawing/2010/main">
+              <a14:hiddenFill xmlns:a14="http://schemas.microsoft.com/office/drawing/2010/main" xmlns="">
                 <a:solidFill>
                   <a:srgbClr val="FFFFFF"/>
                 </a:solidFill>
               </a14:hiddenFill>
             </a:ext>
             <a:ext uri="{91240B29-F687-4F45-9708-019B960494DF}">
-              <a14:hiddenLine xmlns="" xmlns:a14="http://schemas.microsoft.com/office/drawing/2010/main" w="9525">
+              <a14:hiddenLine xmlns:a14="http://schemas.microsoft.com/office/drawing/2010/main" xmlns="" w="9525">
                 <a:solidFill>
                   <a:srgbClr val="000000"/>
                 </a:solidFill>
@@ -5051,7 +5051,7 @@
           <p:cNvPr id="3" name="Picture 2">
             <a:extLst>
               <a:ext uri="{FF2B5EF4-FFF2-40B4-BE49-F238E27FC236}">
-                <a16:creationId xmlns="" xmlns:a16="http://schemas.microsoft.com/office/drawing/2014/main" id="{69168DE8-9710-4C4D-825A-7E6F62278493}"/>
+                <a16:creationId xmlns:a16="http://schemas.microsoft.com/office/drawing/2014/main" xmlns="" id="{69168DE8-9710-4C4D-825A-7E6F62278493}"/>
               </a:ext>
             </a:extLst>
           </p:cNvPr>
@@ -5079,7 +5079,7 @@
     </p:spTree>
     <p:extLst>
       <p:ext uri="{BB962C8B-B14F-4D97-AF65-F5344CB8AC3E}">
-        <p14:creationId xmlns="" xmlns:p14="http://schemas.microsoft.com/office/powerpoint/2010/main" val="3817239344"/>
+        <p14:creationId xmlns:p14="http://schemas.microsoft.com/office/powerpoint/2010/main" xmlns="" val="3817239344"/>
       </p:ext>
     </p:extLst>
   </p:cSld>
@@ -5158,14 +5158,14 @@
           </a:xfrm>
           <a:extLst>
             <a:ext uri="{909E8E84-426E-40DD-AFC4-6F175D3DCCD1}">
-              <a14:hiddenFill xmlns="" xmlns:a14="http://schemas.microsoft.com/office/drawing/2010/main">
+              <a14:hiddenFill xmlns:a14="http://schemas.microsoft.com/office/drawing/2010/main" xmlns="">
                 <a:solidFill>
                   <a:srgbClr val="FFFFFF"/>
                 </a:solidFill>
               </a14:hiddenFill>
             </a:ext>
             <a:ext uri="{91240B29-F687-4F45-9708-019B960494DF}">
-              <a14:hiddenLine xmlns="" xmlns:a14="http://schemas.microsoft.com/office/drawing/2010/main" w="9525">
+              <a14:hiddenLine xmlns:a14="http://schemas.microsoft.com/office/drawing/2010/main" xmlns="" w="9525">
                 <a:solidFill>
                   <a:srgbClr val="000000"/>
                 </a:solidFill>
@@ -5206,7 +5206,7 @@
           <p:cNvPr id="2" name="Picture 1">
             <a:extLst>
               <a:ext uri="{FF2B5EF4-FFF2-40B4-BE49-F238E27FC236}">
-                <a16:creationId xmlns="" xmlns:a16="http://schemas.microsoft.com/office/drawing/2014/main" id="{B6A781C1-AA15-45C9-BF02-66987FF55897}"/>
+                <a16:creationId xmlns:a16="http://schemas.microsoft.com/office/drawing/2014/main" xmlns="" id="{B6A781C1-AA15-45C9-BF02-66987FF55897}"/>
               </a:ext>
             </a:extLst>
           </p:cNvPr>
@@ -5234,7 +5234,7 @@
     </p:spTree>
     <p:extLst>
       <p:ext uri="{BB962C8B-B14F-4D97-AF65-F5344CB8AC3E}">
-        <p14:creationId xmlns="" xmlns:p14="http://schemas.microsoft.com/office/powerpoint/2010/main" val="1697811339"/>
+        <p14:creationId xmlns:p14="http://schemas.microsoft.com/office/powerpoint/2010/main" xmlns="" val="1697811339"/>
       </p:ext>
     </p:extLst>
   </p:cSld>
@@ -5465,14 +5465,14 @@
             </a:ln>
             <a:extLst>
               <a:ext uri="{909E8E84-426E-40DD-AFC4-6F175D3DCCD1}">
-                <a14:hiddenFill xmlns="" xmlns:a14="http://schemas.microsoft.com/office/drawing/2010/main">
+                <a14:hiddenFill xmlns:a14="http://schemas.microsoft.com/office/drawing/2010/main" xmlns="">
                   <a:solidFill>
                     <a:srgbClr val="FFFFFF"/>
                   </a:solidFill>
                 </a14:hiddenFill>
               </a:ext>
               <a:ext uri="{91240B29-F687-4F45-9708-019B960494DF}">
-                <a14:hiddenLine xmlns="" xmlns:a14="http://schemas.microsoft.com/office/drawing/2010/main" w="9525">
+                <a14:hiddenLine xmlns:a14="http://schemas.microsoft.com/office/drawing/2010/main" xmlns="" w="9525">
                   <a:solidFill>
                     <a:srgbClr val="000000"/>
                   </a:solidFill>
@@ -5622,14 +5622,14 @@
             </a:ln>
             <a:extLst>
               <a:ext uri="{909E8E84-426E-40DD-AFC4-6F175D3DCCD1}">
-                <a14:hiddenFill xmlns="" xmlns:a14="http://schemas.microsoft.com/office/drawing/2010/main">
+                <a14:hiddenFill xmlns:a14="http://schemas.microsoft.com/office/drawing/2010/main" xmlns="">
                   <a:solidFill>
                     <a:srgbClr val="FFFFFF"/>
                   </a:solidFill>
                 </a14:hiddenFill>
               </a:ext>
               <a:ext uri="{91240B29-F687-4F45-9708-019B960494DF}">
-                <a14:hiddenLine xmlns="" xmlns:a14="http://schemas.microsoft.com/office/drawing/2010/main" w="9525">
+                <a14:hiddenLine xmlns:a14="http://schemas.microsoft.com/office/drawing/2010/main" xmlns="" w="9525">
                   <a:solidFill>
                     <a:srgbClr val="000000"/>
                   </a:solidFill>
@@ -5874,7 +5874,7 @@
     </p:spTree>
     <p:extLst>
       <p:ext uri="{BB962C8B-B14F-4D97-AF65-F5344CB8AC3E}">
-        <p14:creationId xmlns="" xmlns:p14="http://schemas.microsoft.com/office/powerpoint/2010/main" val="681014556"/>
+        <p14:creationId xmlns:p14="http://schemas.microsoft.com/office/powerpoint/2010/main" xmlns="" val="681014556"/>
       </p:ext>
     </p:extLst>
   </p:cSld>
@@ -6389,7 +6389,7 @@
     </p:spTree>
     <p:extLst>
       <p:ext uri="{BB962C8B-B14F-4D97-AF65-F5344CB8AC3E}">
-        <p14:creationId xmlns="" xmlns:p14="http://schemas.microsoft.com/office/powerpoint/2010/main" val="3812644496"/>
+        <p14:creationId xmlns:p14="http://schemas.microsoft.com/office/powerpoint/2010/main" xmlns="" val="3812644496"/>
       </p:ext>
     </p:extLst>
   </p:cSld>
@@ -6619,7 +6619,7 @@
           <a:blip r:embed="rId2" cstate="print">
             <a:extLst>
               <a:ext uri="{28A0092B-C50C-407E-A947-70E740481C1C}">
-                <a14:useLocalDpi xmlns="" xmlns:a14="http://schemas.microsoft.com/office/drawing/2010/main" val="0"/>
+                <a14:useLocalDpi xmlns:a14="http://schemas.microsoft.com/office/drawing/2010/main" xmlns="" val="0"/>
               </a:ext>
             </a:extLst>
           </a:blip>
@@ -6640,7 +6640,7 @@
     </p:spTree>
     <p:extLst>
       <p:ext uri="{BB962C8B-B14F-4D97-AF65-F5344CB8AC3E}">
-        <p14:creationId xmlns="" xmlns:p14="http://schemas.microsoft.com/office/powerpoint/2010/main" val="1625217003"/>
+        <p14:creationId xmlns:p14="http://schemas.microsoft.com/office/powerpoint/2010/main" xmlns="" val="1625217003"/>
       </p:ext>
     </p:extLst>
   </p:cSld>
@@ -6870,7 +6870,7 @@
           <a:blip r:embed="rId2" cstate="print">
             <a:extLst>
               <a:ext uri="{28A0092B-C50C-407E-A947-70E740481C1C}">
-                <a14:useLocalDpi xmlns="" xmlns:a14="http://schemas.microsoft.com/office/drawing/2010/main" val="0"/>
+                <a14:useLocalDpi xmlns:a14="http://schemas.microsoft.com/office/drawing/2010/main" xmlns="" val="0"/>
               </a:ext>
             </a:extLst>
           </a:blip>
@@ -6891,7 +6891,7 @@
     </p:spTree>
     <p:extLst>
       <p:ext uri="{BB962C8B-B14F-4D97-AF65-F5344CB8AC3E}">
-        <p14:creationId xmlns="" xmlns:p14="http://schemas.microsoft.com/office/powerpoint/2010/main" val="1256551592"/>
+        <p14:creationId xmlns:p14="http://schemas.microsoft.com/office/powerpoint/2010/main" xmlns="" val="1256551592"/>
       </p:ext>
     </p:extLst>
   </p:cSld>
@@ -7121,7 +7121,7 @@
           <a:blip r:embed="rId2" cstate="print">
             <a:extLst>
               <a:ext uri="{28A0092B-C50C-407E-A947-70E740481C1C}">
-                <a14:useLocalDpi xmlns="" xmlns:a14="http://schemas.microsoft.com/office/drawing/2010/main" val="0"/>
+                <a14:useLocalDpi xmlns:a14="http://schemas.microsoft.com/office/drawing/2010/main" xmlns="" val="0"/>
               </a:ext>
             </a:extLst>
           </a:blip>
@@ -7142,7 +7142,7 @@
     </p:spTree>
     <p:extLst>
       <p:ext uri="{BB962C8B-B14F-4D97-AF65-F5344CB8AC3E}">
-        <p14:creationId xmlns="" xmlns:p14="http://schemas.microsoft.com/office/powerpoint/2010/main" val="3402891464"/>
+        <p14:creationId xmlns:p14="http://schemas.microsoft.com/office/powerpoint/2010/main" xmlns="" val="3402891464"/>
       </p:ext>
     </p:extLst>
   </p:cSld>
@@ -7365,7 +7365,7 @@
           <a:blip r:embed="rId2" cstate="print">
             <a:extLst>
               <a:ext uri="{28A0092B-C50C-407E-A947-70E740481C1C}">
-                <a14:useLocalDpi xmlns="" xmlns:a14="http://schemas.microsoft.com/office/drawing/2010/main" val="0"/>
+                <a14:useLocalDpi xmlns:a14="http://schemas.microsoft.com/office/drawing/2010/main" xmlns="" val="0"/>
               </a:ext>
             </a:extLst>
           </a:blip>
@@ -7386,7 +7386,7 @@
     </p:spTree>
     <p:extLst>
       <p:ext uri="{BB962C8B-B14F-4D97-AF65-F5344CB8AC3E}">
-        <p14:creationId xmlns="" xmlns:p14="http://schemas.microsoft.com/office/powerpoint/2010/main" val="2843391693"/>
+        <p14:creationId xmlns:p14="http://schemas.microsoft.com/office/powerpoint/2010/main" xmlns="" val="2843391693"/>
       </p:ext>
     </p:extLst>
   </p:cSld>
@@ -7609,7 +7609,7 @@
           <a:blip r:embed="rId2" cstate="print">
             <a:extLst>
               <a:ext uri="{28A0092B-C50C-407E-A947-70E740481C1C}">
-                <a14:useLocalDpi xmlns="" xmlns:a14="http://schemas.microsoft.com/office/drawing/2010/main" val="0"/>
+                <a14:useLocalDpi xmlns:a14="http://schemas.microsoft.com/office/drawing/2010/main" xmlns="" val="0"/>
               </a:ext>
             </a:extLst>
           </a:blip>
@@ -7630,7 +7630,7 @@
     </p:spTree>
     <p:extLst>
       <p:ext uri="{BB962C8B-B14F-4D97-AF65-F5344CB8AC3E}">
-        <p14:creationId xmlns="" xmlns:p14="http://schemas.microsoft.com/office/powerpoint/2010/main" val="3776007642"/>
+        <p14:creationId xmlns:p14="http://schemas.microsoft.com/office/powerpoint/2010/main" xmlns="" val="3776007642"/>
       </p:ext>
     </p:extLst>
   </p:cSld>
@@ -7730,14 +7730,14 @@
             </a:ln>
             <a:extLst>
               <a:ext uri="{909E8E84-426E-40DD-AFC4-6F175D3DCCD1}">
-                <a14:hiddenFill xmlns="" xmlns:a14="http://schemas.microsoft.com/office/drawing/2010/main">
+                <a14:hiddenFill xmlns:a14="http://schemas.microsoft.com/office/drawing/2010/main" xmlns="">
                   <a:solidFill>
                     <a:srgbClr val="FFFFFF"/>
                   </a:solidFill>
                 </a14:hiddenFill>
               </a:ext>
               <a:ext uri="{91240B29-F687-4F45-9708-019B960494DF}">
-                <a14:hiddenLine xmlns="" xmlns:a14="http://schemas.microsoft.com/office/drawing/2010/main" w="9525">
+                <a14:hiddenLine xmlns:a14="http://schemas.microsoft.com/office/drawing/2010/main" xmlns="" w="9525">
                   <a:solidFill>
                     <a:srgbClr val="000000"/>
                   </a:solidFill>
@@ -7887,14 +7887,14 @@
             </a:ln>
             <a:extLst>
               <a:ext uri="{909E8E84-426E-40DD-AFC4-6F175D3DCCD1}">
-                <a14:hiddenFill xmlns="" xmlns:a14="http://schemas.microsoft.com/office/drawing/2010/main">
+                <a14:hiddenFill xmlns:a14="http://schemas.microsoft.com/office/drawing/2010/main" xmlns="">
                   <a:solidFill>
                     <a:srgbClr val="FFFFFF"/>
                   </a:solidFill>
                 </a14:hiddenFill>
               </a:ext>
               <a:ext uri="{91240B29-F687-4F45-9708-019B960494DF}">
-                <a14:hiddenLine xmlns="" xmlns:a14="http://schemas.microsoft.com/office/drawing/2010/main" w="9525">
+                <a14:hiddenLine xmlns:a14="http://schemas.microsoft.com/office/drawing/2010/main" xmlns="" w="9525">
                   <a:solidFill>
                     <a:srgbClr val="000000"/>
                   </a:solidFill>
@@ -8523,7 +8523,7 @@
     </p:spTree>
     <p:extLst>
       <p:ext uri="{BB962C8B-B14F-4D97-AF65-F5344CB8AC3E}">
-        <p14:creationId xmlns="" xmlns:p14="http://schemas.microsoft.com/office/powerpoint/2010/main" val="2886033736"/>
+        <p14:creationId xmlns:p14="http://schemas.microsoft.com/office/powerpoint/2010/main" xmlns="" val="2886033736"/>
       </p:ext>
     </p:extLst>
   </p:cSld>
@@ -8583,7 +8583,7 @@
           <p:cNvPr id="3" name="Picture 2">
             <a:extLst>
               <a:ext uri="{FF2B5EF4-FFF2-40B4-BE49-F238E27FC236}">
-                <a16:creationId xmlns="" xmlns:a16="http://schemas.microsoft.com/office/drawing/2014/main" id="{1488CEA1-615B-4D4C-A130-F1FD32F916CA}"/>
+                <a16:creationId xmlns:a16="http://schemas.microsoft.com/office/drawing/2014/main" xmlns="" id="{1488CEA1-615B-4D4C-A130-F1FD32F916CA}"/>
               </a:ext>
             </a:extLst>
           </p:cNvPr>
@@ -8596,7 +8596,7 @@
           <a:blip r:embed="rId2" cstate="print">
             <a:extLst>
               <a:ext uri="{28A0092B-C50C-407E-A947-70E740481C1C}">
-                <a14:useLocalDpi xmlns="" xmlns:a14="http://schemas.microsoft.com/office/drawing/2010/main" val="0"/>
+                <a14:useLocalDpi xmlns:a14="http://schemas.microsoft.com/office/drawing/2010/main" xmlns="" val="0"/>
               </a:ext>
             </a:extLst>
           </a:blip>
@@ -8679,7 +8679,7 @@
           <a:blip r:embed="rId3" cstate="print">
             <a:extLst>
               <a:ext uri="{28A0092B-C50C-407E-A947-70E740481C1C}">
-                <a14:useLocalDpi xmlns="" xmlns:a14="http://schemas.microsoft.com/office/drawing/2010/main" val="0"/>
+                <a14:useLocalDpi xmlns:a14="http://schemas.microsoft.com/office/drawing/2010/main" xmlns="" val="0"/>
               </a:ext>
             </a:extLst>
           </a:blip>
@@ -8762,7 +8762,7 @@
           <p:cNvPr id="1026" name="Picture 2">
             <a:extLst>
               <a:ext uri="{FF2B5EF4-FFF2-40B4-BE49-F238E27FC236}">
-                <a16:creationId xmlns="" xmlns:a16="http://schemas.microsoft.com/office/drawing/2014/main" id="{680D742B-523C-43D4-9E8B-E4709EAE39EB}"/>
+                <a16:creationId xmlns:a16="http://schemas.microsoft.com/office/drawing/2014/main" xmlns="" id="{680D742B-523C-43D4-9E8B-E4709EAE39EB}"/>
               </a:ext>
             </a:extLst>
           </p:cNvPr>
@@ -8775,7 +8775,7 @@
           <a:blip r:embed="rId2" cstate="print">
             <a:extLst>
               <a:ext uri="{28A0092B-C50C-407E-A947-70E740481C1C}">
-                <a14:useLocalDpi xmlns="" xmlns:a14="http://schemas.microsoft.com/office/drawing/2010/main" val="0"/>
+                <a14:useLocalDpi xmlns:a14="http://schemas.microsoft.com/office/drawing/2010/main" xmlns="" val="0"/>
               </a:ext>
             </a:extLst>
           </a:blip>
@@ -8798,14 +8798,14 @@
           </a:ln>
           <a:extLst>
             <a:ext uri="{909E8E84-426E-40DD-AFC4-6F175D3DCCD1}">
-              <a14:hiddenFill xmlns="" xmlns:a14="http://schemas.microsoft.com/office/drawing/2010/main">
+              <a14:hiddenFill xmlns:a14="http://schemas.microsoft.com/office/drawing/2010/main" xmlns="">
                 <a:solidFill>
                   <a:srgbClr val="FFFFFF"/>
                 </a:solidFill>
               </a14:hiddenFill>
             </a:ext>
             <a:ext uri="{91240B29-F687-4F45-9708-019B960494DF}">
-              <a14:hiddenLine xmlns="" xmlns:a14="http://schemas.microsoft.com/office/drawing/2010/main" w="9525">
+              <a14:hiddenLine xmlns:a14="http://schemas.microsoft.com/office/drawing/2010/main" xmlns="" w="9525">
                 <a:solidFill>
                   <a:srgbClr val="000000"/>
                 </a:solidFill>
@@ -8820,7 +8820,7 @@
     </p:spTree>
     <p:extLst>
       <p:ext uri="{BB962C8B-B14F-4D97-AF65-F5344CB8AC3E}">
-        <p14:creationId xmlns="" xmlns:p14="http://schemas.microsoft.com/office/powerpoint/2010/main" val="1781569390"/>
+        <p14:creationId xmlns:p14="http://schemas.microsoft.com/office/powerpoint/2010/main" xmlns="" val="1781569390"/>
       </p:ext>
     </p:extLst>
   </p:cSld>
@@ -8855,7 +8855,7 @@
           <p:cNvPr id="4" name="Título 3">
             <a:extLst>
               <a:ext uri="{FF2B5EF4-FFF2-40B4-BE49-F238E27FC236}">
-                <a16:creationId xmlns="" xmlns:a16="http://schemas.microsoft.com/office/drawing/2014/main" id="{26BCFAA2-D859-44BC-AFEE-2D5119DC4C72}"/>
+                <a16:creationId xmlns:a16="http://schemas.microsoft.com/office/drawing/2014/main" xmlns="" id="{26BCFAA2-D859-44BC-AFEE-2D5119DC4C72}"/>
               </a:ext>
             </a:extLst>
           </p:cNvPr>
@@ -8891,7 +8891,7 @@
           <p:cNvPr id="3" name="Picture 2">
             <a:extLst>
               <a:ext uri="{FF2B5EF4-FFF2-40B4-BE49-F238E27FC236}">
-                <a16:creationId xmlns="" xmlns:a16="http://schemas.microsoft.com/office/drawing/2014/main" id="{697244E8-4C32-432B-82C5-5F541E652E84}"/>
+                <a16:creationId xmlns:a16="http://schemas.microsoft.com/office/drawing/2014/main" xmlns="" id="{697244E8-4C32-432B-82C5-5F541E652E84}"/>
               </a:ext>
             </a:extLst>
           </p:cNvPr>
@@ -8949,7 +8949,7 @@
           <p:cNvPr id="2" name="Rectangle 1">
             <a:extLst>
               <a:ext uri="{FF2B5EF4-FFF2-40B4-BE49-F238E27FC236}">
-                <a16:creationId xmlns="" xmlns:a16="http://schemas.microsoft.com/office/drawing/2014/main" id="{9B84690F-C0BA-45DE-B1F4-7C1D7425D6FC}"/>
+                <a16:creationId xmlns:a16="http://schemas.microsoft.com/office/drawing/2014/main" xmlns="" id="{9B84690F-C0BA-45DE-B1F4-7C1D7425D6FC}"/>
               </a:ext>
             </a:extLst>
           </p:cNvPr>
@@ -9003,7 +9003,7 @@
           <p:cNvPr id="4" name="Picture 3">
             <a:extLst>
               <a:ext uri="{FF2B5EF4-FFF2-40B4-BE49-F238E27FC236}">
-                <a16:creationId xmlns="" xmlns:a16="http://schemas.microsoft.com/office/drawing/2014/main" id="{FF33F444-5274-47FB-9AB9-B9E9F701C115}"/>
+                <a16:creationId xmlns:a16="http://schemas.microsoft.com/office/drawing/2014/main" xmlns="" id="{FF33F444-5274-47FB-9AB9-B9E9F701C115}"/>
               </a:ext>
             </a:extLst>
           </p:cNvPr>
@@ -9031,7 +9031,7 @@
     </p:spTree>
     <p:extLst>
       <p:ext uri="{BB962C8B-B14F-4D97-AF65-F5344CB8AC3E}">
-        <p14:creationId xmlns="" xmlns:p14="http://schemas.microsoft.com/office/powerpoint/2010/main" val="2886251363"/>
+        <p14:creationId xmlns:p14="http://schemas.microsoft.com/office/powerpoint/2010/main" xmlns="" val="2886251363"/>
       </p:ext>
     </p:extLst>
   </p:cSld>
@@ -9088,7 +9088,7 @@
           <p:cNvPr id="5" name="Rectangle 4">
             <a:extLst>
               <a:ext uri="{FF2B5EF4-FFF2-40B4-BE49-F238E27FC236}">
-                <a16:creationId xmlns="" xmlns:a16="http://schemas.microsoft.com/office/drawing/2014/main" id="{E268ED25-8F1E-4CB1-BEC7-9279730C430D}"/>
+                <a16:creationId xmlns:a16="http://schemas.microsoft.com/office/drawing/2014/main" xmlns="" id="{E268ED25-8F1E-4CB1-BEC7-9279730C430D}"/>
               </a:ext>
             </a:extLst>
           </p:cNvPr>
@@ -9142,7 +9142,7 @@
           <p:cNvPr id="2" name="Picture 1">
             <a:extLst>
               <a:ext uri="{FF2B5EF4-FFF2-40B4-BE49-F238E27FC236}">
-                <a16:creationId xmlns="" xmlns:a16="http://schemas.microsoft.com/office/drawing/2014/main" id="{AC3F4872-BBD0-4C85-AF1B-EECA98565237}"/>
+                <a16:creationId xmlns:a16="http://schemas.microsoft.com/office/drawing/2014/main" xmlns="" id="{AC3F4872-BBD0-4C85-AF1B-EECA98565237}"/>
               </a:ext>
             </a:extLst>
           </p:cNvPr>
@@ -9170,7 +9170,7 @@
     </p:spTree>
     <p:extLst>
       <p:ext uri="{BB962C8B-B14F-4D97-AF65-F5344CB8AC3E}">
-        <p14:creationId xmlns="" xmlns:p14="http://schemas.microsoft.com/office/powerpoint/2010/main" val="395963370"/>
+        <p14:creationId xmlns:p14="http://schemas.microsoft.com/office/powerpoint/2010/main" xmlns="" val="395963370"/>
       </p:ext>
     </p:extLst>
   </p:cSld>
@@ -9273,14 +9273,14 @@
             </a:ln>
             <a:extLst>
               <a:ext uri="{909E8E84-426E-40DD-AFC4-6F175D3DCCD1}">
-                <a14:hiddenFill xmlns="" xmlns:a14="http://schemas.microsoft.com/office/drawing/2010/main">
+                <a14:hiddenFill xmlns:a14="http://schemas.microsoft.com/office/drawing/2010/main" xmlns="">
                   <a:solidFill>
                     <a:srgbClr val="FFFFFF"/>
                   </a:solidFill>
                 </a14:hiddenFill>
               </a:ext>
               <a:ext uri="{91240B29-F687-4F45-9708-019B960494DF}">
-                <a14:hiddenLine xmlns="" xmlns:a14="http://schemas.microsoft.com/office/drawing/2010/main" w="9525">
+                <a14:hiddenLine xmlns:a14="http://schemas.microsoft.com/office/drawing/2010/main" xmlns="" w="9525">
                   <a:solidFill>
                     <a:srgbClr val="000000"/>
                   </a:solidFill>
@@ -9430,14 +9430,14 @@
             </a:ln>
             <a:extLst>
               <a:ext uri="{909E8E84-426E-40DD-AFC4-6F175D3DCCD1}">
-                <a14:hiddenFill xmlns="" xmlns:a14="http://schemas.microsoft.com/office/drawing/2010/main">
+                <a14:hiddenFill xmlns:a14="http://schemas.microsoft.com/office/drawing/2010/main" xmlns="">
                   <a:solidFill>
                     <a:srgbClr val="FFFFFF"/>
                   </a:solidFill>
                 </a14:hiddenFill>
               </a:ext>
               <a:ext uri="{91240B29-F687-4F45-9708-019B960494DF}">
-                <a14:hiddenLine xmlns="" xmlns:a14="http://schemas.microsoft.com/office/drawing/2010/main" w="9525">
+                <a14:hiddenLine xmlns:a14="http://schemas.microsoft.com/office/drawing/2010/main" xmlns="" w="9525">
                   <a:solidFill>
                     <a:srgbClr val="000000"/>
                   </a:solidFill>
@@ -9682,7 +9682,7 @@
     </p:spTree>
     <p:extLst>
       <p:ext uri="{BB962C8B-B14F-4D97-AF65-F5344CB8AC3E}">
-        <p14:creationId xmlns="" xmlns:p14="http://schemas.microsoft.com/office/powerpoint/2010/main" val="3409322625"/>
+        <p14:creationId xmlns:p14="http://schemas.microsoft.com/office/powerpoint/2010/main" xmlns="" val="3409322625"/>
       </p:ext>
     </p:extLst>
   </p:cSld>
@@ -9717,7 +9717,7 @@
           <p:cNvPr id="2" name="Título 1">
             <a:extLst>
               <a:ext uri="{FF2B5EF4-FFF2-40B4-BE49-F238E27FC236}">
-                <a16:creationId xmlns="" xmlns:a16="http://schemas.microsoft.com/office/drawing/2014/main" id="{4420E5F6-C592-489E-8742-39113C67F28C}"/>
+                <a16:creationId xmlns:a16="http://schemas.microsoft.com/office/drawing/2014/main" xmlns="" id="{4420E5F6-C592-489E-8742-39113C67F28C}"/>
               </a:ext>
             </a:extLst>
           </p:cNvPr>
@@ -9757,7 +9757,7 @@
           <p:cNvPr id="3" name="Espaço Reservado para Conteúdo 2">
             <a:extLst>
               <a:ext uri="{FF2B5EF4-FFF2-40B4-BE49-F238E27FC236}">
-                <a16:creationId xmlns="" xmlns:a16="http://schemas.microsoft.com/office/drawing/2014/main" id="{FB12D05B-E47F-4BA3-B1A7-F1DCD4D8F90E}"/>
+                <a16:creationId xmlns:a16="http://schemas.microsoft.com/office/drawing/2014/main" xmlns="" id="{FB12D05B-E47F-4BA3-B1A7-F1DCD4D8F90E}"/>
               </a:ext>
             </a:extLst>
           </p:cNvPr>
@@ -9987,7 +9987,7 @@
     </p:spTree>
     <p:extLst>
       <p:ext uri="{BB962C8B-B14F-4D97-AF65-F5344CB8AC3E}">
-        <p14:creationId xmlns="" xmlns:p14="http://schemas.microsoft.com/office/powerpoint/2010/main" val="732095642"/>
+        <p14:creationId xmlns:p14="http://schemas.microsoft.com/office/powerpoint/2010/main" xmlns="" val="732095642"/>
       </p:ext>
     </p:extLst>
   </p:cSld>
@@ -10019,7 +10019,7 @@
           <p:cNvPr id="5" name="Título 1">
             <a:extLst>
               <a:ext uri="{FF2B5EF4-FFF2-40B4-BE49-F238E27FC236}">
-                <a16:creationId xmlns="" xmlns:a16="http://schemas.microsoft.com/office/drawing/2014/main" id="{4420E5F6-C592-489E-8742-39113C67F28C}"/>
+                <a16:creationId xmlns:a16="http://schemas.microsoft.com/office/drawing/2014/main" xmlns="" id="{4420E5F6-C592-489E-8742-39113C67F28C}"/>
               </a:ext>
             </a:extLst>
           </p:cNvPr>
@@ -10208,7 +10208,7 @@
           <p:cNvPr id="3" name="Picture 2">
             <a:extLst>
               <a:ext uri="{FF2B5EF4-FFF2-40B4-BE49-F238E27FC236}">
-                <a16:creationId xmlns="" xmlns:a16="http://schemas.microsoft.com/office/drawing/2014/main" id="{8F573B82-A720-4E7D-88E3-7ABD98571312}"/>
+                <a16:creationId xmlns:a16="http://schemas.microsoft.com/office/drawing/2014/main" xmlns="" id="{8F573B82-A720-4E7D-88E3-7ABD98571312}"/>
               </a:ext>
             </a:extLst>
           </p:cNvPr>
@@ -10221,7 +10221,7 @@
           <a:blip r:embed="rId2" cstate="print">
             <a:extLst>
               <a:ext uri="{28A0092B-C50C-407E-A947-70E740481C1C}">
-                <a14:useLocalDpi xmlns="" xmlns:a14="http://schemas.microsoft.com/office/drawing/2010/main" val="0"/>
+                <a14:useLocalDpi xmlns:a14="http://schemas.microsoft.com/office/drawing/2010/main" xmlns="" val="0"/>
               </a:ext>
             </a:extLst>
           </a:blip>
@@ -10242,7 +10242,7 @@
     </p:spTree>
     <p:extLst>
       <p:ext uri="{BB962C8B-B14F-4D97-AF65-F5344CB8AC3E}">
-        <p14:creationId xmlns="" xmlns:p14="http://schemas.microsoft.com/office/powerpoint/2010/main" val="1528951847"/>
+        <p14:creationId xmlns:p14="http://schemas.microsoft.com/office/powerpoint/2010/main" xmlns="" val="1528951847"/>
       </p:ext>
     </p:extLst>
   </p:cSld>
@@ -10274,7 +10274,7 @@
           <p:cNvPr id="6" name="Título 1">
             <a:extLst>
               <a:ext uri="{FF2B5EF4-FFF2-40B4-BE49-F238E27FC236}">
-                <a16:creationId xmlns="" xmlns:a16="http://schemas.microsoft.com/office/drawing/2014/main" id="{4420E5F6-C592-489E-8742-39113C67F28C}"/>
+                <a16:creationId xmlns:a16="http://schemas.microsoft.com/office/drawing/2014/main" xmlns="" id="{4420E5F6-C592-489E-8742-39113C67F28C}"/>
               </a:ext>
             </a:extLst>
           </p:cNvPr>
@@ -10314,7 +10314,7 @@
           <p:cNvPr id="8" name="Picture 7">
             <a:extLst>
               <a:ext uri="{FF2B5EF4-FFF2-40B4-BE49-F238E27FC236}">
-                <a16:creationId xmlns="" xmlns:a16="http://schemas.microsoft.com/office/drawing/2014/main" id="{AC1CFE5D-EA64-4455-B011-2E471DBEC948}"/>
+                <a16:creationId xmlns:a16="http://schemas.microsoft.com/office/drawing/2014/main" xmlns="" id="{AC1CFE5D-EA64-4455-B011-2E471DBEC948}"/>
               </a:ext>
             </a:extLst>
           </p:cNvPr>
@@ -10342,7 +10342,7 @@
     </p:spTree>
     <p:extLst>
       <p:ext uri="{BB962C8B-B14F-4D97-AF65-F5344CB8AC3E}">
-        <p14:creationId xmlns="" xmlns:p14="http://schemas.microsoft.com/office/powerpoint/2010/main" val="3460844110"/>
+        <p14:creationId xmlns:p14="http://schemas.microsoft.com/office/powerpoint/2010/main" xmlns="" val="3460844110"/>
       </p:ext>
     </p:extLst>
   </p:cSld>
@@ -10374,7 +10374,7 @@
           <p:cNvPr id="6" name="Título 1">
             <a:extLst>
               <a:ext uri="{FF2B5EF4-FFF2-40B4-BE49-F238E27FC236}">
-                <a16:creationId xmlns="" xmlns:a16="http://schemas.microsoft.com/office/drawing/2014/main" id="{4420E5F6-C592-489E-8742-39113C67F28C}"/>
+                <a16:creationId xmlns:a16="http://schemas.microsoft.com/office/drawing/2014/main" xmlns="" id="{4420E5F6-C592-489E-8742-39113C67F28C}"/>
               </a:ext>
             </a:extLst>
           </p:cNvPr>
@@ -10409,63 +10409,9 @@
           </a:p>
         </p:txBody>
       </p:sp>
-      <p:sp>
-        <p:nvSpPr>
-          <p:cNvPr id="8" name="Rectangle 7">
-            <a:extLst>
-              <a:ext uri="{FF2B5EF4-FFF2-40B4-BE49-F238E27FC236}">
-                <a16:creationId xmlns="" xmlns:a16="http://schemas.microsoft.com/office/drawing/2014/main" id="{F316C0A6-AC98-4AAE-B87A-547E57B86D5F}"/>
-              </a:ext>
-            </a:extLst>
-          </p:cNvPr>
-          <p:cNvSpPr/>
-          <p:nvPr/>
-        </p:nvSpPr>
-        <p:spPr>
-          <a:xfrm>
-            <a:off x="0" y="1340768"/>
-            <a:ext cx="9144000" cy="5517232"/>
-          </a:xfrm>
-          <a:prstGeom prst="rect">
-            <a:avLst/>
-          </a:prstGeom>
-          <a:solidFill>
-            <a:schemeClr val="bg1"/>
-          </a:solidFill>
-          <a:ln>
-            <a:solidFill>
-              <a:schemeClr val="bg1"/>
-            </a:solidFill>
-          </a:ln>
-        </p:spPr>
-        <p:style>
-          <a:lnRef idx="2">
-            <a:schemeClr val="accent1">
-              <a:shade val="50000"/>
-            </a:schemeClr>
-          </a:lnRef>
-          <a:fillRef idx="1">
-            <a:schemeClr val="accent1"/>
-          </a:fillRef>
-          <a:effectRef idx="0">
-            <a:schemeClr val="accent1"/>
-          </a:effectRef>
-          <a:fontRef idx="minor">
-            <a:schemeClr val="lt1"/>
-          </a:fontRef>
-        </p:style>
-        <p:txBody>
-          <a:bodyPr rtlCol="0" anchor="ctr"/>
-          <a:lstStyle/>
-          <a:p>
-            <a:pPr algn="ctr"/>
-            <a:endParaRPr lang="pt-BR"/>
-          </a:p>
-        </p:txBody>
-      </p:sp>
       <p:pic>
         <p:nvPicPr>
-          <p:cNvPr id="1026" name="Picture 2" descr="C:\Users\alexandre\Pictures\ConfigPerfil1.png"/>
+          <p:cNvPr id="2" name="Picture 2" descr="C:\Users\alexandre\Pictures\ConfigPerfil1.png"/>
           <p:cNvPicPr>
             <a:picLocks noChangeAspect="1" noChangeArrowheads="1"/>
           </p:cNvPicPr>
@@ -10481,7 +10427,7 @@
         <p:spPr bwMode="auto">
           <a:xfrm>
             <a:off x="0" y="1268760"/>
-            <a:ext cx="8892480" cy="5080479"/>
+            <a:ext cx="9010002" cy="4536504"/>
           </a:xfrm>
           <a:prstGeom prst="rect">
             <a:avLst/>
@@ -10492,7 +10438,7 @@
     </p:spTree>
     <p:extLst>
       <p:ext uri="{BB962C8B-B14F-4D97-AF65-F5344CB8AC3E}">
-        <p14:creationId xmlns="" xmlns:p14="http://schemas.microsoft.com/office/powerpoint/2010/main" val="255138212"/>
+        <p14:creationId xmlns:p14="http://schemas.microsoft.com/office/powerpoint/2010/main" xmlns="" val="255138212"/>
       </p:ext>
     </p:extLst>
   </p:cSld>
@@ -10524,7 +10470,7 @@
           <p:cNvPr id="6" name="Título 1">
             <a:extLst>
               <a:ext uri="{FF2B5EF4-FFF2-40B4-BE49-F238E27FC236}">
-                <a16:creationId xmlns="" xmlns:a16="http://schemas.microsoft.com/office/drawing/2014/main" id="{4420E5F6-C592-489E-8742-39113C67F28C}"/>
+                <a16:creationId xmlns:a16="http://schemas.microsoft.com/office/drawing/2014/main" xmlns="" id="{4420E5F6-C592-489E-8742-39113C67F28C}"/>
               </a:ext>
             </a:extLst>
           </p:cNvPr>
@@ -10561,7 +10507,7 @@
       </p:sp>
       <p:pic>
         <p:nvPicPr>
-          <p:cNvPr id="2051" name="Picture 3" descr="C:\Users\alexandre\Pictures\ConfigPerfil2.png"/>
+          <p:cNvPr id="2050" name="Picture 2" descr="C:\Users\alexandre\Pictures\ConfigPerfil2.png"/>
           <p:cNvPicPr>
             <a:picLocks noChangeAspect="1" noChangeArrowheads="1"/>
           </p:cNvPicPr>
@@ -10576,8 +10522,8 @@
         </p:blipFill>
         <p:spPr bwMode="auto">
           <a:xfrm>
-            <a:off x="251520" y="1412776"/>
-            <a:ext cx="8734691" cy="5040560"/>
+            <a:off x="0" y="1340768"/>
+            <a:ext cx="9144000" cy="4757045"/>
           </a:xfrm>
           <a:prstGeom prst="rect">
             <a:avLst/>
@@ -10588,7 +10534,7 @@
     </p:spTree>
     <p:extLst>
       <p:ext uri="{BB962C8B-B14F-4D97-AF65-F5344CB8AC3E}">
-        <p14:creationId xmlns="" xmlns:p14="http://schemas.microsoft.com/office/powerpoint/2010/main" val="2944428277"/>
+        <p14:creationId xmlns:p14="http://schemas.microsoft.com/office/powerpoint/2010/main" xmlns="" val="2944428277"/>
       </p:ext>
     </p:extLst>
   </p:cSld>
@@ -10652,7 +10598,7 @@
           <a:blip r:embed="rId3" cstate="print">
             <a:extLst>
               <a:ext uri="{28A0092B-C50C-407E-A947-70E740481C1C}">
-                <a14:useLocalDpi xmlns="" xmlns:a14="http://schemas.microsoft.com/office/drawing/2010/main" val="0"/>
+                <a14:useLocalDpi xmlns:a14="http://schemas.microsoft.com/office/drawing/2010/main" xmlns="" val="0"/>
               </a:ext>
             </a:extLst>
           </a:blip>
@@ -10710,7 +10656,7 @@
           <p:cNvPr id="6" name="Título 1">
             <a:extLst>
               <a:ext uri="{FF2B5EF4-FFF2-40B4-BE49-F238E27FC236}">
-                <a16:creationId xmlns="" xmlns:a16="http://schemas.microsoft.com/office/drawing/2014/main" id="{4420E5F6-C592-489E-8742-39113C67F28C}"/>
+                <a16:creationId xmlns:a16="http://schemas.microsoft.com/office/drawing/2014/main" xmlns="" id="{4420E5F6-C592-489E-8742-39113C67F28C}"/>
               </a:ext>
             </a:extLst>
           </p:cNvPr>
@@ -10747,7 +10693,7 @@
       </p:sp>
       <p:pic>
         <p:nvPicPr>
-          <p:cNvPr id="3074" name="Picture 2" descr="C:\Users\alexandre\Pictures\ConfigPerfil3.png"/>
+          <p:cNvPr id="2" name="Picture 2" descr="C:\Users\alexandre\Pictures\ConfigPerfil3.png"/>
           <p:cNvPicPr>
             <a:picLocks noChangeAspect="1" noChangeArrowheads="1"/>
           </p:cNvPicPr>
@@ -10762,8 +10708,8 @@
         </p:blipFill>
         <p:spPr bwMode="auto">
           <a:xfrm>
-            <a:off x="0" y="980728"/>
-            <a:ext cx="8882810" cy="5517232"/>
+            <a:off x="179064" y="1556792"/>
+            <a:ext cx="8964936" cy="3960414"/>
           </a:xfrm>
           <a:prstGeom prst="rect">
             <a:avLst/>
@@ -10774,7 +10720,7 @@
     </p:spTree>
     <p:extLst>
       <p:ext uri="{BB962C8B-B14F-4D97-AF65-F5344CB8AC3E}">
-        <p14:creationId xmlns="" xmlns:p14="http://schemas.microsoft.com/office/powerpoint/2010/main" val="398228404"/>
+        <p14:creationId xmlns:p14="http://schemas.microsoft.com/office/powerpoint/2010/main" xmlns="" val="398228404"/>
       </p:ext>
     </p:extLst>
   </p:cSld>
@@ -10806,7 +10752,7 @@
           <p:cNvPr id="6" name="Título 1">
             <a:extLst>
               <a:ext uri="{FF2B5EF4-FFF2-40B4-BE49-F238E27FC236}">
-                <a16:creationId xmlns="" xmlns:a16="http://schemas.microsoft.com/office/drawing/2014/main" id="{4420E5F6-C592-489E-8742-39113C67F28C}"/>
+                <a16:creationId xmlns:a16="http://schemas.microsoft.com/office/drawing/2014/main" xmlns="" id="{4420E5F6-C592-489E-8742-39113C67F28C}"/>
               </a:ext>
             </a:extLst>
           </p:cNvPr>
@@ -10843,7 +10789,7 @@
       </p:sp>
       <p:pic>
         <p:nvPicPr>
-          <p:cNvPr id="4098" name="Picture 2" descr="C:\Users\alexandre\Pictures\ConfigPerfil4.png"/>
+          <p:cNvPr id="2" name="Picture 2" descr="C:\Users\alexandre\Pictures\ConfigPerfil4.png"/>
           <p:cNvPicPr>
             <a:picLocks noChangeAspect="1" noChangeArrowheads="1"/>
           </p:cNvPicPr>
@@ -10858,8 +10804,8 @@
         </p:blipFill>
         <p:spPr bwMode="auto">
           <a:xfrm>
-            <a:off x="-1" y="1340768"/>
-            <a:ext cx="9043637" cy="4968552"/>
+            <a:off x="52065" y="1412776"/>
+            <a:ext cx="9091935" cy="3942520"/>
           </a:xfrm>
           <a:prstGeom prst="rect">
             <a:avLst/>
@@ -10870,7 +10816,7 @@
     </p:spTree>
     <p:extLst>
       <p:ext uri="{BB962C8B-B14F-4D97-AF65-F5344CB8AC3E}">
-        <p14:creationId xmlns="" xmlns:p14="http://schemas.microsoft.com/office/powerpoint/2010/main" val="3663591352"/>
+        <p14:creationId xmlns:p14="http://schemas.microsoft.com/office/powerpoint/2010/main" xmlns="" val="3663591352"/>
       </p:ext>
     </p:extLst>
   </p:cSld>
@@ -10942,18 +10888,19 @@
           <a:bodyPr/>
           <a:lstStyle/>
           <a:p>
+            <a:endParaRPr lang="pt-BR" sz="2400" dirty="0" smtClean="0"/>
+          </a:p>
+          <a:p>
+            <a:endParaRPr lang="pt-BR" sz="2400" dirty="0" smtClean="0"/>
+          </a:p>
+          <a:p>
             <a:r>
               <a:rPr lang="pt-BR" sz="2400" dirty="0" smtClean="0"/>
-              <a:t>Para a realização de uma especificação de software a participação do cliente é essencial, ainda que o analista tenha boa experiência de mercado</a:t>
-            </a:r>
-          </a:p>
-          <a:p>
-            <a:endParaRPr lang="pt-BR" sz="2400" dirty="0" smtClean="0"/>
-          </a:p>
-          <a:p>
+              <a:t>Manter-se </a:t>
+            </a:r>
             <a:r>
               <a:rPr lang="pt-BR" sz="2400" dirty="0" smtClean="0"/>
-              <a:t>Manter-se atento ao escopo inicial do projeto para que não sejam desenvolvidas funcionalidades que não foram solicitadas</a:t>
+              <a:t>atento ao escopo inicial do projeto para que não sejam desenvolvidas funcionalidades que não foram solicitadas</a:t>
             </a:r>
           </a:p>
           <a:p>
@@ -10985,7 +10932,7 @@
           <a:blip r:embed="rId2" cstate="print">
             <a:extLst>
               <a:ext uri="{28A0092B-C50C-407E-A947-70E740481C1C}">
-                <a14:useLocalDpi xmlns="" xmlns:a14="http://schemas.microsoft.com/office/drawing/2010/main" val="0"/>
+                <a14:useLocalDpi xmlns:a14="http://schemas.microsoft.com/office/drawing/2010/main" xmlns="" val="0"/>
               </a:ext>
             </a:extLst>
           </a:blip>
@@ -11005,7 +10952,7 @@
           <a:noFill/>
           <a:extLst>
             <a:ext uri="{909E8E84-426E-40DD-AFC4-6F175D3DCCD1}">
-              <a14:hiddenFill xmlns="" xmlns:a14="http://schemas.microsoft.com/office/drawing/2010/main">
+              <a14:hiddenFill xmlns:a14="http://schemas.microsoft.com/office/drawing/2010/main" xmlns="">
                 <a:solidFill>
                   <a:srgbClr val="FFFFFF"/>
                 </a:solidFill>
@@ -11144,7 +11091,7 @@
           <a:blip r:embed="rId2" cstate="print">
             <a:extLst>
               <a:ext uri="{28A0092B-C50C-407E-A947-70E740481C1C}">
-                <a14:useLocalDpi xmlns="" xmlns:a14="http://schemas.microsoft.com/office/drawing/2010/main" val="0"/>
+                <a14:useLocalDpi xmlns:a14="http://schemas.microsoft.com/office/drawing/2010/main" xmlns="" val="0"/>
               </a:ext>
             </a:extLst>
           </a:blip>
@@ -11162,7 +11109,7 @@
           <a:noFill/>
           <a:extLst>
             <a:ext uri="{909E8E84-426E-40DD-AFC4-6F175D3DCCD1}">
-              <a14:hiddenFill xmlns="" xmlns:a14="http://schemas.microsoft.com/office/drawing/2010/main">
+              <a14:hiddenFill xmlns:a14="http://schemas.microsoft.com/office/drawing/2010/main" xmlns="">
                 <a:solidFill>
                   <a:srgbClr val="FFFFFF"/>
                 </a:solidFill>
@@ -11232,7 +11179,7 @@
     </p:spTree>
     <p:extLst>
       <p:ext uri="{BB962C8B-B14F-4D97-AF65-F5344CB8AC3E}">
-        <p14:creationId xmlns="" xmlns:p14="http://schemas.microsoft.com/office/powerpoint/2010/main" val="1990385622"/>
+        <p14:creationId xmlns:p14="http://schemas.microsoft.com/office/powerpoint/2010/main" xmlns="" val="1990385622"/>
       </p:ext>
     </p:extLst>
   </p:cSld>
@@ -11335,14 +11282,14 @@
             </a:ln>
             <a:extLst>
               <a:ext uri="{909E8E84-426E-40DD-AFC4-6F175D3DCCD1}">
-                <a14:hiddenFill xmlns="" xmlns:a14="http://schemas.microsoft.com/office/drawing/2010/main">
+                <a14:hiddenFill xmlns:a14="http://schemas.microsoft.com/office/drawing/2010/main" xmlns="">
                   <a:solidFill>
                     <a:srgbClr val="FFFFFF"/>
                   </a:solidFill>
                 </a14:hiddenFill>
               </a:ext>
               <a:ext uri="{91240B29-F687-4F45-9708-019B960494DF}">
-                <a14:hiddenLine xmlns="" xmlns:a14="http://schemas.microsoft.com/office/drawing/2010/main" w="9525">
+                <a14:hiddenLine xmlns:a14="http://schemas.microsoft.com/office/drawing/2010/main" xmlns="" w="9525">
                   <a:solidFill>
                     <a:srgbClr val="000000"/>
                   </a:solidFill>
@@ -11492,14 +11439,14 @@
             </a:ln>
             <a:extLst>
               <a:ext uri="{909E8E84-426E-40DD-AFC4-6F175D3DCCD1}">
-                <a14:hiddenFill xmlns="" xmlns:a14="http://schemas.microsoft.com/office/drawing/2010/main">
+                <a14:hiddenFill xmlns:a14="http://schemas.microsoft.com/office/drawing/2010/main" xmlns="">
                   <a:solidFill>
                     <a:srgbClr val="FFFFFF"/>
                   </a:solidFill>
                 </a14:hiddenFill>
               </a:ext>
               <a:ext uri="{91240B29-F687-4F45-9708-019B960494DF}">
-                <a14:hiddenLine xmlns="" xmlns:a14="http://schemas.microsoft.com/office/drawing/2010/main" w="9525">
+                <a14:hiddenLine xmlns:a14="http://schemas.microsoft.com/office/drawing/2010/main" xmlns="" w="9525">
                   <a:solidFill>
                     <a:srgbClr val="000000"/>
                   </a:solidFill>
@@ -11763,7 +11710,7 @@
     </p:spTree>
     <p:extLst>
       <p:ext uri="{BB962C8B-B14F-4D97-AF65-F5344CB8AC3E}">
-        <p14:creationId xmlns="" xmlns:p14="http://schemas.microsoft.com/office/powerpoint/2010/main" val="2005090747"/>
+        <p14:creationId xmlns:p14="http://schemas.microsoft.com/office/powerpoint/2010/main" xmlns="" val="2005090747"/>
       </p:ext>
     </p:extLst>
   </p:cSld>
@@ -11842,14 +11789,14 @@
           </a:xfrm>
           <a:extLst>
             <a:ext uri="{909E8E84-426E-40DD-AFC4-6F175D3DCCD1}">
-              <a14:hiddenFill xmlns="" xmlns:a14="http://schemas.microsoft.com/office/drawing/2010/main">
+              <a14:hiddenFill xmlns:a14="http://schemas.microsoft.com/office/drawing/2010/main" xmlns="">
                 <a:solidFill>
                   <a:srgbClr val="FFFFFF"/>
                 </a:solidFill>
               </a14:hiddenFill>
             </a:ext>
             <a:ext uri="{91240B29-F687-4F45-9708-019B960494DF}">
-              <a14:hiddenLine xmlns="" xmlns:a14="http://schemas.microsoft.com/office/drawing/2010/main" w="9525">
+              <a14:hiddenLine xmlns:a14="http://schemas.microsoft.com/office/drawing/2010/main" xmlns="" w="9525">
                 <a:solidFill>
                   <a:srgbClr val="000000"/>
                 </a:solidFill>
@@ -12185,7 +12132,7 @@
           <a:blip r:embed="rId2" cstate="print">
             <a:extLst>
               <a:ext uri="{28A0092B-C50C-407E-A947-70E740481C1C}">
-                <a14:useLocalDpi xmlns="" xmlns:a14="http://schemas.microsoft.com/office/drawing/2010/main" val="0"/>
+                <a14:useLocalDpi xmlns:a14="http://schemas.microsoft.com/office/drawing/2010/main" xmlns="" val="0"/>
               </a:ext>
             </a:extLst>
           </a:blip>
@@ -12277,7 +12224,7 @@
           <a:blip r:embed="rId2" cstate="print">
             <a:extLst>
               <a:ext uri="{28A0092B-C50C-407E-A947-70E740481C1C}">
-                <a14:useLocalDpi xmlns="" xmlns:a14="http://schemas.microsoft.com/office/drawing/2010/main" val="0"/>
+                <a14:useLocalDpi xmlns:a14="http://schemas.microsoft.com/office/drawing/2010/main" xmlns="" val="0"/>
               </a:ext>
             </a:extLst>
           </a:blip>
@@ -12369,7 +12316,7 @@
           <a:blip r:embed="rId2" cstate="print">
             <a:extLst>
               <a:ext uri="{28A0092B-C50C-407E-A947-70E740481C1C}">
-                <a14:useLocalDpi xmlns="" xmlns:a14="http://schemas.microsoft.com/office/drawing/2010/main" val="0"/>
+                <a14:useLocalDpi xmlns:a14="http://schemas.microsoft.com/office/drawing/2010/main" xmlns="" val="0"/>
               </a:ext>
             </a:extLst>
           </a:blip>
@@ -12997,7 +12944,7 @@
   <a:extraClrSchemeLst/>
   <a:extLst>
     <a:ext uri="{05A4C25C-085E-4340-85A3-A5531E510DB2}">
-      <thm15:themeFamily xmlns="" xmlns:thm15="http://schemas.microsoft.com/office/thememl/2012/main" name="Office Theme" id="{62F939B6-93AF-4DB8-9C6B-D6C7DFDC589F}" vid="{4A3C46E8-61CC-4603-A589-7422A47A8E4A}"/>
+      <thm15:themeFamily xmlns:thm15="http://schemas.microsoft.com/office/thememl/2012/main" xmlns="" name="Office Theme" id="{62F939B6-93AF-4DB8-9C6B-D6C7DFDC589F}" vid="{4A3C46E8-61CC-4603-A589-7422A47A8E4A}"/>
     </a:ext>
   </a:extLst>
 </a:theme>

--- a/TCC/5º Encontro/2017-Apresentacao Psystem.pptx
+++ b/TCC/5º Encontro/2017-Apresentacao Psystem.pptx
@@ -5,7 +5,7 @@
     <p:sldMasterId id="2147483750" r:id="rId1"/>
   </p:sldMasterIdLst>
   <p:notesMasterIdLst>
-    <p:notesMasterId r:id="rId46"/>
+    <p:notesMasterId r:id="rId44"/>
   </p:notesMasterIdLst>
   <p:sldIdLst>
     <p:sldId id="256" r:id="rId2"/>
@@ -24,34 +24,32 @@
     <p:sldId id="319" r:id="rId15"/>
     <p:sldId id="314" r:id="rId16"/>
     <p:sldId id="325" r:id="rId17"/>
-    <p:sldId id="315" r:id="rId18"/>
-    <p:sldId id="316" r:id="rId19"/>
-    <p:sldId id="328" r:id="rId20"/>
-    <p:sldId id="291" r:id="rId21"/>
-    <p:sldId id="299" r:id="rId22"/>
-    <p:sldId id="318" r:id="rId23"/>
-    <p:sldId id="300" r:id="rId24"/>
-    <p:sldId id="301" r:id="rId25"/>
-    <p:sldId id="302" r:id="rId26"/>
-    <p:sldId id="303" r:id="rId27"/>
-    <p:sldId id="278" r:id="rId28"/>
-    <p:sldId id="321" r:id="rId29"/>
-    <p:sldId id="276" r:id="rId30"/>
-    <p:sldId id="281" r:id="rId31"/>
-    <p:sldId id="277" r:id="rId32"/>
-    <p:sldId id="324" r:id="rId33"/>
-    <p:sldId id="282" r:id="rId34"/>
-    <p:sldId id="289" r:id="rId35"/>
-    <p:sldId id="307" r:id="rId36"/>
-    <p:sldId id="308" r:id="rId37"/>
-    <p:sldId id="311" r:id="rId38"/>
-    <p:sldId id="309" r:id="rId39"/>
-    <p:sldId id="310" r:id="rId40"/>
-    <p:sldId id="326" r:id="rId41"/>
-    <p:sldId id="327" r:id="rId42"/>
-    <p:sldId id="280" r:id="rId43"/>
-    <p:sldId id="279" r:id="rId44"/>
-    <p:sldId id="323" r:id="rId45"/>
+    <p:sldId id="328" r:id="rId18"/>
+    <p:sldId id="291" r:id="rId19"/>
+    <p:sldId id="299" r:id="rId20"/>
+    <p:sldId id="318" r:id="rId21"/>
+    <p:sldId id="300" r:id="rId22"/>
+    <p:sldId id="301" r:id="rId23"/>
+    <p:sldId id="302" r:id="rId24"/>
+    <p:sldId id="303" r:id="rId25"/>
+    <p:sldId id="278" r:id="rId26"/>
+    <p:sldId id="321" r:id="rId27"/>
+    <p:sldId id="276" r:id="rId28"/>
+    <p:sldId id="281" r:id="rId29"/>
+    <p:sldId id="277" r:id="rId30"/>
+    <p:sldId id="324" r:id="rId31"/>
+    <p:sldId id="282" r:id="rId32"/>
+    <p:sldId id="289" r:id="rId33"/>
+    <p:sldId id="307" r:id="rId34"/>
+    <p:sldId id="308" r:id="rId35"/>
+    <p:sldId id="311" r:id="rId36"/>
+    <p:sldId id="309" r:id="rId37"/>
+    <p:sldId id="310" r:id="rId38"/>
+    <p:sldId id="326" r:id="rId39"/>
+    <p:sldId id="327" r:id="rId40"/>
+    <p:sldId id="280" r:id="rId41"/>
+    <p:sldId id="279" r:id="rId42"/>
+    <p:sldId id="323" r:id="rId43"/>
   </p:sldIdLst>
   <p:sldSz cx="9144000" cy="6858000" type="screen4x3"/>
   <p:notesSz cx="6858000" cy="9144000"/>
@@ -182,7 +180,7 @@
   </p:defaultTextStyle>
   <p:extLst>
     <p:ext uri="{EFAFB233-063F-42B5-8137-9DF3F51BA10A}">
-      <p15:sldGuideLst xmlns:p15="http://schemas.microsoft.com/office/powerpoint/2012/main" xmlns="">
+      <p15:sldGuideLst xmlns:p15="http://schemas.microsoft.com/office/powerpoint/2012/main">
         <p15:guide id="1" orient="horz" pos="2160">
           <p15:clr>
             <a:srgbClr val="A4A3A4"/>
@@ -286,7 +284,7 @@
             <a:fld id="{C0D5B206-56B5-433E-8333-9415E6A460B9}" type="datetimeFigureOut">
               <a:rPr lang="pt-BR" smtClean="0"/>
               <a:pPr/>
-              <a:t>14/11/2017</a:t>
+              <a:t>17/11/2017</a:t>
             </a:fld>
             <a:endParaRPr lang="pt-BR"/>
           </a:p>
@@ -454,7 +452,7 @@
     </p:spTree>
     <p:extLst>
       <p:ext uri="{BB962C8B-B14F-4D97-AF65-F5344CB8AC3E}">
-        <p14:creationId xmlns:p14="http://schemas.microsoft.com/office/powerpoint/2010/main" xmlns="" val="671299352"/>
+        <p14:creationId xmlns:p14="http://schemas.microsoft.com/office/powerpoint/2010/main" val="671299352"/>
       </p:ext>
     </p:extLst>
   </p:cSld>
@@ -664,7 +662,7 @@
     </p:spTree>
     <p:extLst>
       <p:ext uri="{BB962C8B-B14F-4D97-AF65-F5344CB8AC3E}">
-        <p14:creationId xmlns:p14="http://schemas.microsoft.com/office/powerpoint/2010/main" xmlns="" val="3274854824"/>
+        <p14:creationId xmlns:p14="http://schemas.microsoft.com/office/powerpoint/2010/main" val="3274854824"/>
       </p:ext>
     </p:extLst>
   </p:cSld>
@@ -759,7 +757,7 @@
     </p:spTree>
     <p:extLst>
       <p:ext uri="{BB962C8B-B14F-4D97-AF65-F5344CB8AC3E}">
-        <p14:creationId xmlns:p14="http://schemas.microsoft.com/office/powerpoint/2010/main" xmlns="" val="2786033099"/>
+        <p14:creationId xmlns:p14="http://schemas.microsoft.com/office/powerpoint/2010/main" val="2786033099"/>
       </p:ext>
     </p:extLst>
   </p:cSld>
@@ -852,7 +850,7 @@
     </p:spTree>
     <p:extLst>
       <p:ext uri="{BB962C8B-B14F-4D97-AF65-F5344CB8AC3E}">
-        <p14:creationId xmlns:p14="http://schemas.microsoft.com/office/powerpoint/2010/main" xmlns="" val="1775795487"/>
+        <p14:creationId xmlns:p14="http://schemas.microsoft.com/office/powerpoint/2010/main" val="1775795487"/>
       </p:ext>
     </p:extLst>
   </p:cSld>
@@ -968,7 +966,7 @@
     </p:spTree>
     <p:extLst>
       <p:ext uri="{BB962C8B-B14F-4D97-AF65-F5344CB8AC3E}">
-        <p14:creationId xmlns:p14="http://schemas.microsoft.com/office/powerpoint/2010/main" xmlns="" val="3951886733"/>
+        <p14:creationId xmlns:p14="http://schemas.microsoft.com/office/powerpoint/2010/main" val="3951886733"/>
       </p:ext>
     </p:extLst>
   </p:cSld>
@@ -1259,7 +1257,7 @@
     </p:spTree>
     <p:extLst>
       <p:ext uri="{BB962C8B-B14F-4D97-AF65-F5344CB8AC3E}">
-        <p14:creationId xmlns:p14="http://schemas.microsoft.com/office/powerpoint/2010/main" xmlns="" val="1588299535"/>
+        <p14:creationId xmlns:p14="http://schemas.microsoft.com/office/powerpoint/2010/main" val="1588299535"/>
       </p:ext>
     </p:extLst>
   </p:cSld>
@@ -1308,14 +1306,14 @@
           </a:ln>
           <a:extLst>
             <a:ext uri="{909E8E84-426E-40DD-AFC4-6F175D3DCCD1}">
-              <a14:hiddenFill xmlns:a14="http://schemas.microsoft.com/office/drawing/2010/main" xmlns="">
+              <a14:hiddenFill xmlns:a14="http://schemas.microsoft.com/office/drawing/2010/main">
                 <a:solidFill>
                   <a:srgbClr val="FFFFFF"/>
                 </a:solidFill>
               </a14:hiddenFill>
             </a:ext>
             <a:ext uri="{91240B29-F687-4F45-9708-019B960494DF}">
-              <a14:hiddenLine xmlns:a14="http://schemas.microsoft.com/office/drawing/2010/main" xmlns="" w="9525">
+              <a14:hiddenLine xmlns:a14="http://schemas.microsoft.com/office/drawing/2010/main" w="9525">
                 <a:solidFill>
                   <a:srgbClr val="000000"/>
                 </a:solidFill>
@@ -1731,7 +1729,7 @@
     </p:spTree>
     <p:extLst>
       <p:ext uri="{BB962C8B-B14F-4D97-AF65-F5344CB8AC3E}">
-        <p14:creationId xmlns:p14="http://schemas.microsoft.com/office/powerpoint/2010/main" xmlns="" val="3359836669"/>
+        <p14:creationId xmlns:p14="http://schemas.microsoft.com/office/powerpoint/2010/main" val="3359836669"/>
       </p:ext>
     </p:extLst>
   </p:cSld>
@@ -1761,7 +1759,7 @@
     </p:spTree>
     <p:extLst>
       <p:ext uri="{BB962C8B-B14F-4D97-AF65-F5344CB8AC3E}">
-        <p14:creationId xmlns:p14="http://schemas.microsoft.com/office/powerpoint/2010/main" xmlns="" val="413836109"/>
+        <p14:creationId xmlns:p14="http://schemas.microsoft.com/office/powerpoint/2010/main" val="413836109"/>
       </p:ext>
     </p:extLst>
   </p:cSld>
@@ -1861,7 +1859,7 @@
           <a:blip r:embed="rId2" cstate="print">
             <a:extLst>
               <a:ext uri="{28A0092B-C50C-407E-A947-70E740481C1C}">
-                <a14:useLocalDpi xmlns:a14="http://schemas.microsoft.com/office/drawing/2010/main" xmlns="" val="0"/>
+                <a14:useLocalDpi xmlns:a14="http://schemas.microsoft.com/office/drawing/2010/main" val="0"/>
               </a:ext>
             </a:extLst>
           </a:blip>
@@ -1884,14 +1882,14 @@
           </a:ln>
           <a:extLst>
             <a:ext uri="{909E8E84-426E-40DD-AFC4-6F175D3DCCD1}">
-              <a14:hiddenFill xmlns:a14="http://schemas.microsoft.com/office/drawing/2010/main" xmlns="">
+              <a14:hiddenFill xmlns:a14="http://schemas.microsoft.com/office/drawing/2010/main">
                 <a:solidFill>
                   <a:srgbClr val="FFFFFF"/>
                 </a:solidFill>
               </a14:hiddenFill>
             </a:ext>
             <a:ext uri="{91240B29-F687-4F45-9708-019B960494DF}">
-              <a14:hiddenLine xmlns:a14="http://schemas.microsoft.com/office/drawing/2010/main" xmlns="" w="9525">
+              <a14:hiddenLine xmlns:a14="http://schemas.microsoft.com/office/drawing/2010/main" w="9525">
                 <a:solidFill>
                   <a:srgbClr val="000000"/>
                 </a:solidFill>
@@ -1955,7 +1953,7 @@
     </p:spTree>
     <p:extLst>
       <p:ext uri="{BB962C8B-B14F-4D97-AF65-F5344CB8AC3E}">
-        <p14:creationId xmlns:p14="http://schemas.microsoft.com/office/powerpoint/2010/main" xmlns="" val="2156181659"/>
+        <p14:creationId xmlns:p14="http://schemas.microsoft.com/office/powerpoint/2010/main" val="2156181659"/>
       </p:ext>
     </p:extLst>
   </p:cSld>
@@ -2122,7 +2120,7 @@
     </p:spTree>
     <p:extLst>
       <p:ext uri="{BB962C8B-B14F-4D97-AF65-F5344CB8AC3E}">
-        <p14:creationId xmlns:p14="http://schemas.microsoft.com/office/powerpoint/2010/main" xmlns="" val="83598666"/>
+        <p14:creationId xmlns:p14="http://schemas.microsoft.com/office/powerpoint/2010/main" val="83598666"/>
       </p:ext>
     </p:extLst>
   </p:cSld>
@@ -2166,7 +2164,7 @@
           <a:blip r:embed="rId8" cstate="print">
             <a:extLst>
               <a:ext uri="{28A0092B-C50C-407E-A947-70E740481C1C}">
-                <a14:useLocalDpi xmlns:a14="http://schemas.microsoft.com/office/drawing/2010/main" xmlns="" val="0"/>
+                <a14:useLocalDpi xmlns:a14="http://schemas.microsoft.com/office/drawing/2010/main" val="0"/>
               </a:ext>
             </a:extLst>
           </a:blip>
@@ -2189,14 +2187,14 @@
           </a:ln>
           <a:extLst>
             <a:ext uri="{909E8E84-426E-40DD-AFC4-6F175D3DCCD1}">
-              <a14:hiddenFill xmlns:a14="http://schemas.microsoft.com/office/drawing/2010/main" xmlns="">
+              <a14:hiddenFill xmlns:a14="http://schemas.microsoft.com/office/drawing/2010/main">
                 <a:solidFill>
                   <a:srgbClr val="FFFFFF"/>
                 </a:solidFill>
               </a14:hiddenFill>
             </a:ext>
             <a:ext uri="{91240B29-F687-4F45-9708-019B960494DF}">
-              <a14:hiddenLine xmlns:a14="http://schemas.microsoft.com/office/drawing/2010/main" xmlns="" w="9525">
+              <a14:hiddenLine xmlns:a14="http://schemas.microsoft.com/office/drawing/2010/main" w="9525">
                 <a:solidFill>
                   <a:srgbClr val="000000"/>
                 </a:solidFill>
@@ -2269,7 +2267,7 @@
           <a:blip r:embed="rId9" cstate="print">
             <a:extLst>
               <a:ext uri="{28A0092B-C50C-407E-A947-70E740481C1C}">
-                <a14:useLocalDpi xmlns:a14="http://schemas.microsoft.com/office/drawing/2010/main" xmlns="" val="0"/>
+                <a14:useLocalDpi xmlns:a14="http://schemas.microsoft.com/office/drawing/2010/main" val="0"/>
               </a:ext>
             </a:extLst>
           </a:blip>
@@ -2292,14 +2290,14 @@
           </a:ln>
           <a:extLst>
             <a:ext uri="{909E8E84-426E-40DD-AFC4-6F175D3DCCD1}">
-              <a14:hiddenFill xmlns:a14="http://schemas.microsoft.com/office/drawing/2010/main" xmlns="">
+              <a14:hiddenFill xmlns:a14="http://schemas.microsoft.com/office/drawing/2010/main">
                 <a:solidFill>
                   <a:srgbClr val="FFFFFF"/>
                 </a:solidFill>
               </a14:hiddenFill>
             </a:ext>
             <a:ext uri="{91240B29-F687-4F45-9708-019B960494DF}">
-              <a14:hiddenLine xmlns:a14="http://schemas.microsoft.com/office/drawing/2010/main" xmlns="" w="9525">
+              <a14:hiddenLine xmlns:a14="http://schemas.microsoft.com/office/drawing/2010/main" w="9525">
                 <a:solidFill>
                   <a:srgbClr val="000000"/>
                 </a:solidFill>
@@ -2865,14 +2863,14 @@
             </a:ln>
             <a:extLst>
               <a:ext uri="{909E8E84-426E-40DD-AFC4-6F175D3DCCD1}">
-                <a14:hiddenFill xmlns:a14="http://schemas.microsoft.com/office/drawing/2010/main" xmlns="">
+                <a14:hiddenFill xmlns:a14="http://schemas.microsoft.com/office/drawing/2010/main">
                   <a:solidFill>
                     <a:srgbClr val="FFFFFF"/>
                   </a:solidFill>
                 </a14:hiddenFill>
               </a:ext>
               <a:ext uri="{91240B29-F687-4F45-9708-019B960494DF}">
-                <a14:hiddenLine xmlns:a14="http://schemas.microsoft.com/office/drawing/2010/main" xmlns="" w="9525">
+                <a14:hiddenLine xmlns:a14="http://schemas.microsoft.com/office/drawing/2010/main" w="9525">
                   <a:solidFill>
                     <a:srgbClr val="000000"/>
                   </a:solidFill>
@@ -3022,14 +3020,14 @@
             </a:ln>
             <a:extLst>
               <a:ext uri="{909E8E84-426E-40DD-AFC4-6F175D3DCCD1}">
-                <a14:hiddenFill xmlns:a14="http://schemas.microsoft.com/office/drawing/2010/main" xmlns="">
+                <a14:hiddenFill xmlns:a14="http://schemas.microsoft.com/office/drawing/2010/main">
                   <a:solidFill>
                     <a:srgbClr val="FFFFFF"/>
                   </a:solidFill>
                 </a14:hiddenFill>
               </a:ext>
               <a:ext uri="{91240B29-F687-4F45-9708-019B960494DF}">
-                <a14:hiddenLine xmlns:a14="http://schemas.microsoft.com/office/drawing/2010/main" xmlns="" w="9525">
+                <a14:hiddenLine xmlns:a14="http://schemas.microsoft.com/office/drawing/2010/main" w="9525">
                   <a:solidFill>
                     <a:srgbClr val="000000"/>
                   </a:solidFill>
@@ -3409,7 +3407,7 @@
           <a:blip r:embed="rId2" cstate="print">
             <a:extLst>
               <a:ext uri="{28A0092B-C50C-407E-A947-70E740481C1C}">
-                <a14:useLocalDpi xmlns:a14="http://schemas.microsoft.com/office/drawing/2010/main" xmlns="" val="0"/>
+                <a14:useLocalDpi xmlns:a14="http://schemas.microsoft.com/office/drawing/2010/main" val="0"/>
               </a:ext>
             </a:extLst>
           </a:blip>
@@ -3567,7 +3565,7 @@
           <a:blip r:embed="rId2" cstate="print">
             <a:extLst>
               <a:ext uri="{28A0092B-C50C-407E-A947-70E740481C1C}">
-                <a14:useLocalDpi xmlns:a14="http://schemas.microsoft.com/office/drawing/2010/main" xmlns="" val="0"/>
+                <a14:useLocalDpi xmlns:a14="http://schemas.microsoft.com/office/drawing/2010/main" val="0"/>
               </a:ext>
             </a:extLst>
           </a:blip>
@@ -3690,14 +3688,14 @@
             </a:ln>
             <a:extLst>
               <a:ext uri="{909E8E84-426E-40DD-AFC4-6F175D3DCCD1}">
-                <a14:hiddenFill xmlns:a14="http://schemas.microsoft.com/office/drawing/2010/main" xmlns="">
+                <a14:hiddenFill xmlns:a14="http://schemas.microsoft.com/office/drawing/2010/main">
                   <a:solidFill>
                     <a:srgbClr val="FFFFFF"/>
                   </a:solidFill>
                 </a14:hiddenFill>
               </a:ext>
               <a:ext uri="{91240B29-F687-4F45-9708-019B960494DF}">
-                <a14:hiddenLine xmlns:a14="http://schemas.microsoft.com/office/drawing/2010/main" xmlns="" w="9525">
+                <a14:hiddenLine xmlns:a14="http://schemas.microsoft.com/office/drawing/2010/main" w="9525">
                   <a:solidFill>
                     <a:srgbClr val="000000"/>
                   </a:solidFill>
@@ -3847,14 +3845,14 @@
             </a:ln>
             <a:extLst>
               <a:ext uri="{909E8E84-426E-40DD-AFC4-6F175D3DCCD1}">
-                <a14:hiddenFill xmlns:a14="http://schemas.microsoft.com/office/drawing/2010/main" xmlns="">
+                <a14:hiddenFill xmlns:a14="http://schemas.microsoft.com/office/drawing/2010/main">
                   <a:solidFill>
                     <a:srgbClr val="FFFFFF"/>
                   </a:solidFill>
                 </a14:hiddenFill>
               </a:ext>
               <a:ext uri="{91240B29-F687-4F45-9708-019B960494DF}">
-                <a14:hiddenLine xmlns:a14="http://schemas.microsoft.com/office/drawing/2010/main" xmlns="" w="9525">
+                <a14:hiddenLine xmlns:a14="http://schemas.microsoft.com/office/drawing/2010/main" w="9525">
                   <a:solidFill>
                     <a:srgbClr val="000000"/>
                   </a:solidFill>
@@ -4118,7 +4116,7 @@
     </p:spTree>
     <p:extLst>
       <p:ext uri="{BB962C8B-B14F-4D97-AF65-F5344CB8AC3E}">
-        <p14:creationId xmlns:p14="http://schemas.microsoft.com/office/powerpoint/2010/main" xmlns="" val="2461302196"/>
+        <p14:creationId xmlns:p14="http://schemas.microsoft.com/office/powerpoint/2010/main" val="2461302196"/>
       </p:ext>
     </p:extLst>
   </p:cSld>
@@ -4197,14 +4195,14 @@
           </a:xfrm>
           <a:extLst>
             <a:ext uri="{909E8E84-426E-40DD-AFC4-6F175D3DCCD1}">
-              <a14:hiddenFill xmlns:a14="http://schemas.microsoft.com/office/drawing/2010/main" xmlns="">
+              <a14:hiddenFill xmlns:a14="http://schemas.microsoft.com/office/drawing/2010/main">
                 <a:solidFill>
                   <a:srgbClr val="FFFFFF"/>
                 </a:solidFill>
               </a14:hiddenFill>
             </a:ext>
             <a:ext uri="{91240B29-F687-4F45-9708-019B960494DF}">
-              <a14:hiddenLine xmlns:a14="http://schemas.microsoft.com/office/drawing/2010/main" xmlns="" w="9525">
+              <a14:hiddenLine xmlns:a14="http://schemas.microsoft.com/office/drawing/2010/main" w="9525">
                 <a:solidFill>
                   <a:srgbClr val="000000"/>
                 </a:solidFill>
@@ -4371,7 +4369,7 @@
     </p:spTree>
     <p:extLst>
       <p:ext uri="{BB962C8B-B14F-4D97-AF65-F5344CB8AC3E}">
-        <p14:creationId xmlns:p14="http://schemas.microsoft.com/office/powerpoint/2010/main" xmlns="" val="1166103754"/>
+        <p14:creationId xmlns:p14="http://schemas.microsoft.com/office/powerpoint/2010/main" val="1166103754"/>
       </p:ext>
     </p:extLst>
   </p:cSld>
@@ -4442,7 +4440,7 @@
           <a:blip r:embed="rId2" cstate="print">
             <a:extLst>
               <a:ext uri="{28A0092B-C50C-407E-A947-70E740481C1C}">
-                <a14:useLocalDpi xmlns:a14="http://schemas.microsoft.com/office/drawing/2010/main" xmlns="" val="0"/>
+                <a14:useLocalDpi xmlns:a14="http://schemas.microsoft.com/office/drawing/2010/main" val="0"/>
               </a:ext>
             </a:extLst>
           </a:blip>
@@ -4463,7 +4461,7 @@
     </p:spTree>
     <p:extLst>
       <p:ext uri="{BB962C8B-B14F-4D97-AF65-F5344CB8AC3E}">
-        <p14:creationId xmlns:p14="http://schemas.microsoft.com/office/powerpoint/2010/main" xmlns="" val="4100715659"/>
+        <p14:creationId xmlns:p14="http://schemas.microsoft.com/office/powerpoint/2010/main" val="4100715659"/>
       </p:ext>
     </p:extLst>
   </p:cSld>
@@ -4539,14 +4537,14 @@
           </a:xfrm>
           <a:extLst>
             <a:ext uri="{909E8E84-426E-40DD-AFC4-6F175D3DCCD1}">
-              <a14:hiddenFill xmlns:a14="http://schemas.microsoft.com/office/drawing/2010/main" xmlns="">
+              <a14:hiddenFill xmlns:a14="http://schemas.microsoft.com/office/drawing/2010/main">
                 <a:solidFill>
                   <a:srgbClr val="FFFFFF"/>
                 </a:solidFill>
               </a14:hiddenFill>
             </a:ext>
             <a:ext uri="{91240B29-F687-4F45-9708-019B960494DF}">
-              <a14:hiddenLine xmlns:a14="http://schemas.microsoft.com/office/drawing/2010/main" xmlns="" w="9525">
+              <a14:hiddenLine xmlns:a14="http://schemas.microsoft.com/office/drawing/2010/main" w="9525">
                 <a:solidFill>
                   <a:srgbClr val="000000"/>
                 </a:solidFill>
@@ -4587,7 +4585,7 @@
           <p:cNvPr id="2" name="Picture 1">
             <a:extLst>
               <a:ext uri="{FF2B5EF4-FFF2-40B4-BE49-F238E27FC236}">
-                <a16:creationId xmlns:a16="http://schemas.microsoft.com/office/drawing/2014/main" xmlns="" id="{F5A00150-EB0A-4F28-911C-141811EBFBD4}"/>
+                <a16:creationId xmlns="" xmlns:a16="http://schemas.microsoft.com/office/drawing/2014/main" id="{F5A00150-EB0A-4F28-911C-141811EBFBD4}"/>
               </a:ext>
             </a:extLst>
           </p:cNvPr>
@@ -4614,7 +4612,7 @@
     </p:spTree>
     <p:extLst>
       <p:ext uri="{BB962C8B-B14F-4D97-AF65-F5344CB8AC3E}">
-        <p14:creationId xmlns:p14="http://schemas.microsoft.com/office/powerpoint/2010/main" xmlns="" val="4234705847"/>
+        <p14:creationId xmlns:p14="http://schemas.microsoft.com/office/powerpoint/2010/main" val="4234705847"/>
       </p:ext>
     </p:extLst>
   </p:cSld>
@@ -4693,14 +4691,14 @@
           </a:xfrm>
           <a:extLst>
             <a:ext uri="{909E8E84-426E-40DD-AFC4-6F175D3DCCD1}">
-              <a14:hiddenFill xmlns:a14="http://schemas.microsoft.com/office/drawing/2010/main" xmlns="">
+              <a14:hiddenFill xmlns:a14="http://schemas.microsoft.com/office/drawing/2010/main">
                 <a:solidFill>
                   <a:srgbClr val="FFFFFF"/>
                 </a:solidFill>
               </a14:hiddenFill>
             </a:ext>
             <a:ext uri="{91240B29-F687-4F45-9708-019B960494DF}">
-              <a14:hiddenLine xmlns:a14="http://schemas.microsoft.com/office/drawing/2010/main" xmlns="" w="9525">
+              <a14:hiddenLine xmlns:a14="http://schemas.microsoft.com/office/drawing/2010/main" w="9525">
                 <a:solidFill>
                   <a:srgbClr val="000000"/>
                 </a:solidFill>
@@ -4741,7 +4739,7 @@
           <p:cNvPr id="3" name="Picture 2">
             <a:extLst>
               <a:ext uri="{FF2B5EF4-FFF2-40B4-BE49-F238E27FC236}">
-                <a16:creationId xmlns:a16="http://schemas.microsoft.com/office/drawing/2014/main" xmlns="" id="{2B1A4BC2-7DE1-4299-98E4-7ED739A14DCC}"/>
+                <a16:creationId xmlns="" xmlns:a16="http://schemas.microsoft.com/office/drawing/2014/main" id="{2B1A4BC2-7DE1-4299-98E4-7ED739A14DCC}"/>
               </a:ext>
             </a:extLst>
           </p:cNvPr>
@@ -4769,7 +4767,7 @@
     </p:spTree>
     <p:extLst>
       <p:ext uri="{BB962C8B-B14F-4D97-AF65-F5344CB8AC3E}">
-        <p14:creationId xmlns:p14="http://schemas.microsoft.com/office/powerpoint/2010/main" xmlns="" val="324456396"/>
+        <p14:creationId xmlns:p14="http://schemas.microsoft.com/office/powerpoint/2010/main" val="324456396"/>
       </p:ext>
     </p:extLst>
   </p:cSld>
@@ -4848,14 +4846,14 @@
           </a:xfrm>
           <a:extLst>
             <a:ext uri="{909E8E84-426E-40DD-AFC4-6F175D3DCCD1}">
-              <a14:hiddenFill xmlns:a14="http://schemas.microsoft.com/office/drawing/2010/main" xmlns="">
+              <a14:hiddenFill xmlns:a14="http://schemas.microsoft.com/office/drawing/2010/main">
                 <a:solidFill>
                   <a:srgbClr val="FFFFFF"/>
                 </a:solidFill>
               </a14:hiddenFill>
             </a:ext>
             <a:ext uri="{91240B29-F687-4F45-9708-019B960494DF}">
-              <a14:hiddenLine xmlns:a14="http://schemas.microsoft.com/office/drawing/2010/main" xmlns="" w="9525">
+              <a14:hiddenLine xmlns:a14="http://schemas.microsoft.com/office/drawing/2010/main" w="9525">
                 <a:solidFill>
                   <a:srgbClr val="000000"/>
                 </a:solidFill>
@@ -4896,7 +4894,7 @@
           <p:cNvPr id="2" name="Picture 1">
             <a:extLst>
               <a:ext uri="{FF2B5EF4-FFF2-40B4-BE49-F238E27FC236}">
-                <a16:creationId xmlns:a16="http://schemas.microsoft.com/office/drawing/2014/main" xmlns="" id="{21DDFF5F-FFF6-4DB6-AD4E-6794E13280AB}"/>
+                <a16:creationId xmlns="" xmlns:a16="http://schemas.microsoft.com/office/drawing/2014/main" id="{B6A781C1-AA15-45C9-BF02-66987FF55897}"/>
               </a:ext>
             </a:extLst>
           </p:cNvPr>
@@ -4913,8 +4911,8 @@
         </p:blipFill>
         <p:spPr>
           <a:xfrm>
-            <a:off x="0" y="1358575"/>
-            <a:ext cx="9144000" cy="5166769"/>
+            <a:off x="-36512" y="1352866"/>
+            <a:ext cx="9144000" cy="5244486"/>
           </a:xfrm>
           <a:prstGeom prst="rect">
             <a:avLst/>
@@ -4924,7 +4922,7 @@
     </p:spTree>
     <p:extLst>
       <p:ext uri="{BB962C8B-B14F-4D97-AF65-F5344CB8AC3E}">
-        <p14:creationId xmlns:p14="http://schemas.microsoft.com/office/powerpoint/2010/main" xmlns="" val="3523015254"/>
+        <p14:creationId xmlns:p14="http://schemas.microsoft.com/office/powerpoint/2010/main" val="1697811339"/>
       </p:ext>
     </p:extLst>
   </p:cSld>
@@ -4963,123 +4961,487 @@
       </p:grpSpPr>
       <p:sp>
         <p:nvSpPr>
-          <p:cNvPr id="4" name="Título 3"/>
+          <p:cNvPr id="7170" name="Rectangle 2"/>
           <p:cNvSpPr>
-            <a:spLocks noGrp="1"/>
+            <a:spLocks noGrp="1" noChangeArrowheads="1"/>
           </p:cNvSpPr>
           <p:nvPr>
-            <p:ph type="title"/>
+            <p:ph type="ctrTitle"/>
           </p:nvPr>
         </p:nvSpPr>
-        <p:spPr/>
+        <p:spPr>
+          <a:xfrm>
+            <a:off x="611560" y="1484784"/>
+            <a:ext cx="7815263" cy="2088232"/>
+          </a:xfrm>
+        </p:spPr>
         <p:txBody>
           <a:bodyPr/>
           <a:lstStyle/>
           <a:p>
-            <a:pPr eaLnBrk="1" hangingPunct="1">
+            <a:pPr eaLnBrk="1" fontAlgn="auto" hangingPunct="1">
+              <a:spcAft>
+                <a:spcPts val="0"/>
+              </a:spcAft>
               <a:defRPr/>
             </a:pPr>
             <a:r>
-              <a:rPr lang="pt-BR" dirty="0"/>
-              <a:t>MÓDULO EMPRESA</a:t>
+              <a:rPr lang="pt-BR" dirty="0">
+                <a:ea typeface="ＭＳ Ｐゴシック" pitchFamily="-106" charset="-128"/>
+              </a:rPr>
+              <a:t>MÓDULO FINANCEIRO</a:t>
             </a:r>
           </a:p>
         </p:txBody>
       </p:sp>
+      <p:grpSp>
+        <p:nvGrpSpPr>
+          <p:cNvPr id="2" name="Group 11"/>
+          <p:cNvGrpSpPr>
+            <a:grpSpLocks/>
+          </p:cNvGrpSpPr>
+          <p:nvPr/>
+        </p:nvGrpSpPr>
+        <p:grpSpPr bwMode="auto">
+          <a:xfrm>
+            <a:off x="755650" y="3213100"/>
+            <a:ext cx="184150" cy="711200"/>
+            <a:chOff x="476" y="2078"/>
+            <a:chExt cx="116" cy="448"/>
+          </a:xfrm>
+        </p:grpSpPr>
+        <p:sp>
+          <p:nvSpPr>
+            <p:cNvPr id="4101" name="Text Box 4"/>
+            <p:cNvSpPr txBox="1">
+              <a:spLocks noChangeArrowheads="1"/>
+            </p:cNvSpPr>
+            <p:nvPr/>
+          </p:nvSpPr>
+          <p:spPr bwMode="auto">
+            <a:xfrm>
+              <a:off x="476" y="2078"/>
+              <a:ext cx="116" cy="233"/>
+            </a:xfrm>
+            <a:prstGeom prst="rect">
+              <a:avLst/>
+            </a:prstGeom>
+            <a:noFill/>
+            <a:ln>
+              <a:noFill/>
+            </a:ln>
+            <a:extLst>
+              <a:ext uri="{909E8E84-426E-40DD-AFC4-6F175D3DCCD1}">
+                <a14:hiddenFill xmlns:a14="http://schemas.microsoft.com/office/drawing/2010/main">
+                  <a:solidFill>
+                    <a:srgbClr val="FFFFFF"/>
+                  </a:solidFill>
+                </a14:hiddenFill>
+              </a:ext>
+              <a:ext uri="{91240B29-F687-4F45-9708-019B960494DF}">
+                <a14:hiddenLine xmlns:a14="http://schemas.microsoft.com/office/drawing/2010/main" w="9525">
+                  <a:solidFill>
+                    <a:srgbClr val="000000"/>
+                  </a:solidFill>
+                  <a:miter lim="800000"/>
+                  <a:headEnd/>
+                  <a:tailEnd/>
+                </a14:hiddenLine>
+              </a:ext>
+            </a:extLst>
+          </p:spPr>
+          <p:txBody>
+            <a:bodyPr wrap="none">
+              <a:spAutoFit/>
+            </a:bodyPr>
+            <a:lstStyle>
+              <a:lvl1pPr>
+                <a:defRPr>
+                  <a:solidFill>
+                    <a:schemeClr val="tx1"/>
+                  </a:solidFill>
+                  <a:latin typeface="Arial" charset="0"/>
+                  <a:ea typeface="ＭＳ Ｐゴシック" pitchFamily="34" charset="-128"/>
+                </a:defRPr>
+              </a:lvl1pPr>
+              <a:lvl2pPr marL="742950" indent="-285750">
+                <a:defRPr>
+                  <a:solidFill>
+                    <a:schemeClr val="tx1"/>
+                  </a:solidFill>
+                  <a:latin typeface="Arial" charset="0"/>
+                  <a:ea typeface="ＭＳ Ｐゴシック" pitchFamily="34" charset="-128"/>
+                </a:defRPr>
+              </a:lvl2pPr>
+              <a:lvl3pPr marL="1143000" indent="-228600">
+                <a:defRPr>
+                  <a:solidFill>
+                    <a:schemeClr val="tx1"/>
+                  </a:solidFill>
+                  <a:latin typeface="Arial" charset="0"/>
+                  <a:ea typeface="ＭＳ Ｐゴシック" pitchFamily="34" charset="-128"/>
+                </a:defRPr>
+              </a:lvl3pPr>
+              <a:lvl4pPr marL="1600200" indent="-228600">
+                <a:defRPr>
+                  <a:solidFill>
+                    <a:schemeClr val="tx1"/>
+                  </a:solidFill>
+                  <a:latin typeface="Arial" charset="0"/>
+                  <a:ea typeface="ＭＳ Ｐゴシック" pitchFamily="34" charset="-128"/>
+                </a:defRPr>
+              </a:lvl4pPr>
+              <a:lvl5pPr marL="2057400" indent="-228600">
+                <a:defRPr>
+                  <a:solidFill>
+                    <a:schemeClr val="tx1"/>
+                  </a:solidFill>
+                  <a:latin typeface="Arial" charset="0"/>
+                  <a:ea typeface="ＭＳ Ｐゴシック" pitchFamily="34" charset="-128"/>
+                </a:defRPr>
+              </a:lvl5pPr>
+              <a:lvl6pPr marL="2514600" indent="-228600" eaLnBrk="0" fontAlgn="base" hangingPunct="0">
+                <a:spcBef>
+                  <a:spcPct val="0"/>
+                </a:spcBef>
+                <a:spcAft>
+                  <a:spcPct val="0"/>
+                </a:spcAft>
+                <a:defRPr>
+                  <a:solidFill>
+                    <a:schemeClr val="tx1"/>
+                  </a:solidFill>
+                  <a:latin typeface="Arial" charset="0"/>
+                  <a:ea typeface="ＭＳ Ｐゴシック" pitchFamily="34" charset="-128"/>
+                </a:defRPr>
+              </a:lvl6pPr>
+              <a:lvl7pPr marL="2971800" indent="-228600" eaLnBrk="0" fontAlgn="base" hangingPunct="0">
+                <a:spcBef>
+                  <a:spcPct val="0"/>
+                </a:spcBef>
+                <a:spcAft>
+                  <a:spcPct val="0"/>
+                </a:spcAft>
+                <a:defRPr>
+                  <a:solidFill>
+                    <a:schemeClr val="tx1"/>
+                  </a:solidFill>
+                  <a:latin typeface="Arial" charset="0"/>
+                  <a:ea typeface="ＭＳ Ｐゴシック" pitchFamily="34" charset="-128"/>
+                </a:defRPr>
+              </a:lvl7pPr>
+              <a:lvl8pPr marL="3429000" indent="-228600" eaLnBrk="0" fontAlgn="base" hangingPunct="0">
+                <a:spcBef>
+                  <a:spcPct val="0"/>
+                </a:spcBef>
+                <a:spcAft>
+                  <a:spcPct val="0"/>
+                </a:spcAft>
+                <a:defRPr>
+                  <a:solidFill>
+                    <a:schemeClr val="tx1"/>
+                  </a:solidFill>
+                  <a:latin typeface="Arial" charset="0"/>
+                  <a:ea typeface="ＭＳ Ｐゴシック" pitchFamily="34" charset="-128"/>
+                </a:defRPr>
+              </a:lvl8pPr>
+              <a:lvl9pPr marL="3886200" indent="-228600" eaLnBrk="0" fontAlgn="base" hangingPunct="0">
+                <a:spcBef>
+                  <a:spcPct val="0"/>
+                </a:spcBef>
+                <a:spcAft>
+                  <a:spcPct val="0"/>
+                </a:spcAft>
+                <a:defRPr>
+                  <a:solidFill>
+                    <a:schemeClr val="tx1"/>
+                  </a:solidFill>
+                  <a:latin typeface="Arial" charset="0"/>
+                  <a:ea typeface="ＭＳ Ｐゴシック" pitchFamily="34" charset="-128"/>
+                </a:defRPr>
+              </a:lvl9pPr>
+            </a:lstStyle>
+            <a:p>
+              <a:pPr eaLnBrk="1" hangingPunct="1"/>
+              <a:endParaRPr lang="en-US"/>
+            </a:p>
+          </p:txBody>
+        </p:sp>
+        <p:sp>
+          <p:nvSpPr>
+            <p:cNvPr id="4102" name="Text Box 5"/>
+            <p:cNvSpPr txBox="1">
+              <a:spLocks noChangeArrowheads="1"/>
+            </p:cNvSpPr>
+            <p:nvPr/>
+          </p:nvSpPr>
+          <p:spPr bwMode="auto">
+            <a:xfrm>
+              <a:off x="476" y="2235"/>
+              <a:ext cx="116" cy="291"/>
+            </a:xfrm>
+            <a:prstGeom prst="rect">
+              <a:avLst/>
+            </a:prstGeom>
+            <a:noFill/>
+            <a:ln>
+              <a:noFill/>
+            </a:ln>
+            <a:extLst>
+              <a:ext uri="{909E8E84-426E-40DD-AFC4-6F175D3DCCD1}">
+                <a14:hiddenFill xmlns:a14="http://schemas.microsoft.com/office/drawing/2010/main">
+                  <a:solidFill>
+                    <a:srgbClr val="FFFFFF"/>
+                  </a:solidFill>
+                </a14:hiddenFill>
+              </a:ext>
+              <a:ext uri="{91240B29-F687-4F45-9708-019B960494DF}">
+                <a14:hiddenLine xmlns:a14="http://schemas.microsoft.com/office/drawing/2010/main" w="9525">
+                  <a:solidFill>
+                    <a:srgbClr val="000000"/>
+                  </a:solidFill>
+                  <a:miter lim="800000"/>
+                  <a:headEnd/>
+                  <a:tailEnd/>
+                </a14:hiddenLine>
+              </a:ext>
+            </a:extLst>
+          </p:spPr>
+          <p:txBody>
+            <a:bodyPr wrap="none">
+              <a:spAutoFit/>
+            </a:bodyPr>
+            <a:lstStyle>
+              <a:lvl1pPr>
+                <a:defRPr>
+                  <a:solidFill>
+                    <a:schemeClr val="tx1"/>
+                  </a:solidFill>
+                  <a:latin typeface="Arial" charset="0"/>
+                  <a:ea typeface="ＭＳ Ｐゴシック" pitchFamily="34" charset="-128"/>
+                </a:defRPr>
+              </a:lvl1pPr>
+              <a:lvl2pPr marL="742950" indent="-285750">
+                <a:defRPr>
+                  <a:solidFill>
+                    <a:schemeClr val="tx1"/>
+                  </a:solidFill>
+                  <a:latin typeface="Arial" charset="0"/>
+                  <a:ea typeface="ＭＳ Ｐゴシック" pitchFamily="34" charset="-128"/>
+                </a:defRPr>
+              </a:lvl2pPr>
+              <a:lvl3pPr marL="1143000" indent="-228600">
+                <a:defRPr>
+                  <a:solidFill>
+                    <a:schemeClr val="tx1"/>
+                  </a:solidFill>
+                  <a:latin typeface="Arial" charset="0"/>
+                  <a:ea typeface="ＭＳ Ｐゴシック" pitchFamily="34" charset="-128"/>
+                </a:defRPr>
+              </a:lvl3pPr>
+              <a:lvl4pPr marL="1600200" indent="-228600">
+                <a:defRPr>
+                  <a:solidFill>
+                    <a:schemeClr val="tx1"/>
+                  </a:solidFill>
+                  <a:latin typeface="Arial" charset="0"/>
+                  <a:ea typeface="ＭＳ Ｐゴシック" pitchFamily="34" charset="-128"/>
+                </a:defRPr>
+              </a:lvl4pPr>
+              <a:lvl5pPr marL="2057400" indent="-228600">
+                <a:defRPr>
+                  <a:solidFill>
+                    <a:schemeClr val="tx1"/>
+                  </a:solidFill>
+                  <a:latin typeface="Arial" charset="0"/>
+                  <a:ea typeface="ＭＳ Ｐゴシック" pitchFamily="34" charset="-128"/>
+                </a:defRPr>
+              </a:lvl5pPr>
+              <a:lvl6pPr marL="2514600" indent="-228600" eaLnBrk="0" fontAlgn="base" hangingPunct="0">
+                <a:spcBef>
+                  <a:spcPct val="0"/>
+                </a:spcBef>
+                <a:spcAft>
+                  <a:spcPct val="0"/>
+                </a:spcAft>
+                <a:defRPr>
+                  <a:solidFill>
+                    <a:schemeClr val="tx1"/>
+                  </a:solidFill>
+                  <a:latin typeface="Arial" charset="0"/>
+                  <a:ea typeface="ＭＳ Ｐゴシック" pitchFamily="34" charset="-128"/>
+                </a:defRPr>
+              </a:lvl6pPr>
+              <a:lvl7pPr marL="2971800" indent="-228600" eaLnBrk="0" fontAlgn="base" hangingPunct="0">
+                <a:spcBef>
+                  <a:spcPct val="0"/>
+                </a:spcBef>
+                <a:spcAft>
+                  <a:spcPct val="0"/>
+                </a:spcAft>
+                <a:defRPr>
+                  <a:solidFill>
+                    <a:schemeClr val="tx1"/>
+                  </a:solidFill>
+                  <a:latin typeface="Arial" charset="0"/>
+                  <a:ea typeface="ＭＳ Ｐゴシック" pitchFamily="34" charset="-128"/>
+                </a:defRPr>
+              </a:lvl7pPr>
+              <a:lvl8pPr marL="3429000" indent="-228600" eaLnBrk="0" fontAlgn="base" hangingPunct="0">
+                <a:spcBef>
+                  <a:spcPct val="0"/>
+                </a:spcBef>
+                <a:spcAft>
+                  <a:spcPct val="0"/>
+                </a:spcAft>
+                <a:defRPr>
+                  <a:solidFill>
+                    <a:schemeClr val="tx1"/>
+                  </a:solidFill>
+                  <a:latin typeface="Arial" charset="0"/>
+                  <a:ea typeface="ＭＳ Ｐゴシック" pitchFamily="34" charset="-128"/>
+                </a:defRPr>
+              </a:lvl8pPr>
+              <a:lvl9pPr marL="3886200" indent="-228600" eaLnBrk="0" fontAlgn="base" hangingPunct="0">
+                <a:spcBef>
+                  <a:spcPct val="0"/>
+                </a:spcBef>
+                <a:spcAft>
+                  <a:spcPct val="0"/>
+                </a:spcAft>
+                <a:defRPr>
+                  <a:solidFill>
+                    <a:schemeClr val="tx1"/>
+                  </a:solidFill>
+                  <a:latin typeface="Arial" charset="0"/>
+                  <a:ea typeface="ＭＳ Ｐゴシック" pitchFamily="34" charset="-128"/>
+                </a:defRPr>
+              </a:lvl9pPr>
+            </a:lstStyle>
+            <a:p>
+              <a:pPr eaLnBrk="1" hangingPunct="1"/>
+              <a:endParaRPr lang="pt-BR" sz="2400" b="1">
+                <a:solidFill>
+                  <a:srgbClr val="5F5F5F"/>
+                </a:solidFill>
+              </a:endParaRPr>
+            </a:p>
+          </p:txBody>
+        </p:sp>
+      </p:grpSp>
       <p:sp>
         <p:nvSpPr>
-          <p:cNvPr id="21507" name="Espaço Reservado para Conteúdo 4"/>
-          <p:cNvSpPr>
-            <a:spLocks noGrp="1"/>
+          <p:cNvPr id="7" name="Rectangle 13"/>
+          <p:cNvSpPr txBox="1">
+            <a:spLocks noChangeArrowheads="1"/>
           </p:cNvSpPr>
-          <p:nvPr>
-            <p:ph idx="1"/>
-          </p:nvPr>
+          <p:nvPr/>
         </p:nvSpPr>
-        <p:spPr bwMode="auto">
-          <a:xfrm>
-            <a:off x="179512" y="1340768"/>
-            <a:ext cx="8785225" cy="5328592"/>
-          </a:xfrm>
-          <a:extLst>
-            <a:ext uri="{909E8E84-426E-40DD-AFC4-6F175D3DCCD1}">
-              <a14:hiddenFill xmlns:a14="http://schemas.microsoft.com/office/drawing/2010/main" xmlns="">
-                <a:solidFill>
-                  <a:srgbClr val="FFFFFF"/>
-                </a:solidFill>
-              </a14:hiddenFill>
-            </a:ext>
-            <a:ext uri="{91240B29-F687-4F45-9708-019B960494DF}">
-              <a14:hiddenLine xmlns:a14="http://schemas.microsoft.com/office/drawing/2010/main" xmlns="" w="9525">
-                <a:solidFill>
-                  <a:srgbClr val="000000"/>
-                </a:solidFill>
-                <a:miter lim="800000"/>
-                <a:headEnd/>
-                <a:tailEnd/>
-              </a14:hiddenLine>
-            </a:ext>
-          </a:extLst>
-        </p:spPr>
-        <p:txBody>
-          <a:bodyPr vert="horz" wrap="square" lIns="91440" tIns="45720" rIns="91440" bIns="45720" numCol="1" anchor="t" anchorCtr="0" compatLnSpc="1">
-            <a:prstTxWarp prst="textNoShape">
-              <a:avLst/>
-            </a:prstTxWarp>
-          </a:bodyPr>
-          <a:lstStyle/>
-          <a:p>
-            <a:pPr marL="0" indent="0" algn="ctr" eaLnBrk="1" hangingPunct="1">
-              <a:buFont typeface="Arial" panose="020B0604020202020204" pitchFamily="34" charset="0"/>
-              <a:buNone/>
-              <a:defRPr/>
-            </a:pPr>
-            <a:endParaRPr lang="pt-BR" sz="2000" dirty="0"/>
-          </a:p>
-          <a:p>
-            <a:pPr algn="just" eaLnBrk="1" hangingPunct="1">
-              <a:buFont typeface="Arial" panose="020B0604020202020204" pitchFamily="34" charset="0"/>
-              <a:buChar char="•"/>
-              <a:defRPr/>
-            </a:pPr>
-            <a:endParaRPr lang="pt-BR" sz="2000" dirty="0"/>
-          </a:p>
-        </p:txBody>
-      </p:sp>
-      <p:pic>
-        <p:nvPicPr>
-          <p:cNvPr id="3" name="Picture 2">
-            <a:extLst>
-              <a:ext uri="{FF2B5EF4-FFF2-40B4-BE49-F238E27FC236}">
-                <a16:creationId xmlns:a16="http://schemas.microsoft.com/office/drawing/2014/main" xmlns="" id="{69168DE8-9710-4C4D-825A-7E6F62278493}"/>
-              </a:ext>
-            </a:extLst>
-          </p:cNvPr>
-          <p:cNvPicPr>
-            <a:picLocks noChangeAspect="1"/>
-          </p:cNvPicPr>
-          <p:nvPr/>
-        </p:nvPicPr>
-        <p:blipFill>
-          <a:blip r:embed="rId2" cstate="print"/>
-          <a:stretch>
-            <a:fillRect/>
-          </a:stretch>
-        </p:blipFill>
         <p:spPr>
           <a:xfrm>
-            <a:off x="-6350" y="1340768"/>
-            <a:ext cx="9144000" cy="5213445"/>
+            <a:off x="866775" y="2652713"/>
+            <a:ext cx="7786688" cy="2008808"/>
           </a:xfrm>
           <a:prstGeom prst="rect">
             <a:avLst/>
           </a:prstGeom>
         </p:spPr>
-      </p:pic>
+        <p:txBody>
+          <a:bodyPr/>
+          <a:lstStyle/>
+          <a:p>
+            <a:pPr marL="342900" marR="0" lvl="0" indent="-342900" algn="ctr" defTabSz="914400" rtl="0" eaLnBrk="1" fontAlgn="auto" latinLnBrk="0" hangingPunct="1">
+              <a:lnSpc>
+                <a:spcPct val="100000"/>
+              </a:lnSpc>
+              <a:spcBef>
+                <a:spcPct val="20000"/>
+              </a:spcBef>
+              <a:spcAft>
+                <a:spcPts val="0"/>
+              </a:spcAft>
+              <a:buClrTx/>
+              <a:buSzTx/>
+              <a:buFont typeface="Arial" panose="020B0604020202020204" pitchFamily="34" charset="0"/>
+              <a:buNone/>
+              <a:tabLst/>
+              <a:defRPr/>
+            </a:pPr>
+            <a:endParaRPr kumimoji="0" lang="pt-BR" sz="4000" b="0" i="0" u="none" strike="noStrike" kern="1200" cap="none" spc="0" normalizeH="0" baseline="0" noProof="0" dirty="0">
+              <a:ln>
+                <a:noFill/>
+              </a:ln>
+              <a:solidFill>
+                <a:schemeClr val="tx2">
+                  <a:lumMod val="75000"/>
+                </a:schemeClr>
+              </a:solidFill>
+              <a:effectLst/>
+              <a:uLnTx/>
+              <a:uFillTx/>
+              <a:latin typeface="Verdana" pitchFamily="34" charset="0"/>
+              <a:ea typeface="ＭＳ Ｐゴシック" pitchFamily="-106" charset="-128"/>
+              <a:cs typeface="Verdana" pitchFamily="34" charset="0"/>
+            </a:endParaRPr>
+          </a:p>
+          <a:p>
+            <a:pPr marL="342900" marR="0" lvl="0" indent="-342900" algn="ctr" defTabSz="914400" rtl="0" eaLnBrk="1" fontAlgn="auto" latinLnBrk="0" hangingPunct="1">
+              <a:lnSpc>
+                <a:spcPct val="100000"/>
+              </a:lnSpc>
+              <a:spcBef>
+                <a:spcPct val="20000"/>
+              </a:spcBef>
+              <a:spcAft>
+                <a:spcPts val="0"/>
+              </a:spcAft>
+              <a:buClrTx/>
+              <a:buSzTx/>
+              <a:buFont typeface="Arial" panose="020B0604020202020204" pitchFamily="34" charset="0"/>
+              <a:buNone/>
+              <a:tabLst/>
+              <a:defRPr/>
+            </a:pPr>
+            <a:r>
+              <a:rPr kumimoji="0" lang="pt-BR" sz="4000" b="0" i="0" u="none" strike="noStrike" kern="1200" cap="none" spc="0" normalizeH="0" baseline="0" noProof="0" dirty="0">
+                <a:ln>
+                  <a:noFill/>
+                </a:ln>
+                <a:solidFill>
+                  <a:schemeClr val="tx2">
+                    <a:lumMod val="75000"/>
+                  </a:schemeClr>
+                </a:solidFill>
+                <a:effectLst/>
+                <a:uLnTx/>
+                <a:uFillTx/>
+                <a:latin typeface="Verdana" pitchFamily="34" charset="0"/>
+                <a:ea typeface="ＭＳ Ｐゴシック" pitchFamily="-106" charset="-128"/>
+                <a:cs typeface="Verdana" pitchFamily="34" charset="0"/>
+              </a:rPr>
+              <a:t>Alisson Santana</a:t>
+            </a:r>
+            <a:endParaRPr kumimoji="0" lang="pt-BR" sz="2000" b="1" i="0" u="none" strike="noStrike" kern="1200" cap="none" spc="0" normalizeH="0" baseline="0" noProof="0" dirty="0">
+              <a:ln>
+                <a:noFill/>
+              </a:ln>
+              <a:solidFill>
+                <a:srgbClr val="5F5F5F"/>
+              </a:solidFill>
+              <a:effectLst/>
+              <a:uLnTx/>
+              <a:uFillTx/>
+              <a:latin typeface="Verdana" pitchFamily="34" charset="0"/>
+              <a:ea typeface="Verdana" pitchFamily="34" charset="0"/>
+              <a:cs typeface="Verdana" pitchFamily="34" charset="0"/>
+            </a:endParaRPr>
+          </a:p>
+        </p:txBody>
+      </p:sp>
     </p:spTree>
     <p:extLst>
       <p:ext uri="{BB962C8B-B14F-4D97-AF65-F5344CB8AC3E}">
-        <p14:creationId xmlns:p14="http://schemas.microsoft.com/office/powerpoint/2010/main" xmlns="" val="3817239344"/>
+        <p14:creationId xmlns:p14="http://schemas.microsoft.com/office/powerpoint/2010/main" val="681014556"/>
       </p:ext>
     </p:extLst>
   </p:cSld>
@@ -5118,132 +5480,489 @@
       </p:grpSpPr>
       <p:sp>
         <p:nvSpPr>
-          <p:cNvPr id="4" name="Título 3"/>
+          <p:cNvPr id="4" name="Espaço Reservado para Texto 3"/>
           <p:cNvSpPr>
             <a:spLocks noGrp="1"/>
           </p:cNvSpPr>
           <p:nvPr>
-            <p:ph type="title"/>
+            <p:ph type="body" sz="quarter" idx="12"/>
           </p:nvPr>
         </p:nvSpPr>
-        <p:spPr/>
+        <p:spPr>
+          <a:xfrm>
+            <a:off x="395536" y="1196752"/>
+            <a:ext cx="8208912" cy="5112568"/>
+          </a:xfrm>
+        </p:spPr>
         <p:txBody>
           <a:bodyPr/>
           <a:lstStyle/>
-          <a:p>
-            <a:pPr eaLnBrk="1" hangingPunct="1">
-              <a:defRPr/>
-            </a:pPr>
-            <a:r>
-              <a:rPr lang="pt-BR" dirty="0"/>
-              <a:t>MÓDULO EMPRESA</a:t>
-            </a:r>
-          </a:p>
-        </p:txBody>
-      </p:sp>
-      <p:sp>
-        <p:nvSpPr>
-          <p:cNvPr id="21507" name="Espaço Reservado para Conteúdo 4"/>
-          <p:cNvSpPr>
-            <a:spLocks noGrp="1"/>
-          </p:cNvSpPr>
-          <p:nvPr>
-            <p:ph idx="1"/>
-          </p:nvPr>
-        </p:nvSpPr>
-        <p:spPr bwMode="auto">
-          <a:xfrm>
-            <a:off x="179512" y="1340768"/>
-            <a:ext cx="8785225" cy="5328592"/>
-          </a:xfrm>
-          <a:extLst>
-            <a:ext uri="{909E8E84-426E-40DD-AFC4-6F175D3DCCD1}">
-              <a14:hiddenFill xmlns:a14="http://schemas.microsoft.com/office/drawing/2010/main" xmlns="">
-                <a:solidFill>
-                  <a:srgbClr val="FFFFFF"/>
-                </a:solidFill>
-              </a14:hiddenFill>
-            </a:ext>
-            <a:ext uri="{91240B29-F687-4F45-9708-019B960494DF}">
-              <a14:hiddenLine xmlns:a14="http://schemas.microsoft.com/office/drawing/2010/main" xmlns="" w="9525">
-                <a:solidFill>
-                  <a:srgbClr val="000000"/>
-                </a:solidFill>
-                <a:miter lim="800000"/>
-                <a:headEnd/>
-                <a:tailEnd/>
-              </a14:hiddenLine>
-            </a:ext>
-          </a:extLst>
-        </p:spPr>
-        <p:txBody>
-          <a:bodyPr vert="horz" wrap="square" lIns="91440" tIns="45720" rIns="91440" bIns="45720" numCol="1" anchor="t" anchorCtr="0" compatLnSpc="1">
-            <a:prstTxWarp prst="textNoShape">
-              <a:avLst/>
-            </a:prstTxWarp>
-          </a:bodyPr>
-          <a:lstStyle/>
-          <a:p>
-            <a:pPr marL="0" indent="0" algn="ctr" eaLnBrk="1" hangingPunct="1">
-              <a:buFont typeface="Arial" panose="020B0604020202020204" pitchFamily="34" charset="0"/>
-              <a:buNone/>
-              <a:defRPr/>
-            </a:pPr>
-            <a:endParaRPr lang="pt-BR" sz="2000" dirty="0"/>
-          </a:p>
           <a:p>
             <a:pPr algn="just" eaLnBrk="1" hangingPunct="1">
               <a:buFont typeface="Arial" panose="020B0604020202020204" pitchFamily="34" charset="0"/>
               <a:buChar char="•"/>
               <a:defRPr/>
             </a:pPr>
-            <a:endParaRPr lang="pt-BR" sz="2000" dirty="0"/>
+            <a:r>
+              <a:rPr lang="pt-BR" sz="2600" dirty="0">
+                <a:solidFill>
+                  <a:schemeClr val="tx2">
+                    <a:lumMod val="75000"/>
+                  </a:schemeClr>
+                </a:solidFill>
+                <a:latin typeface="Calibri (Corpo)"/>
+                <a:cs typeface="Calibri" panose="020F0502020204030204" pitchFamily="34" charset="0"/>
+              </a:rPr>
+              <a:t>Manter Cobrança</a:t>
+            </a:r>
+          </a:p>
+          <a:p>
+            <a:pPr lvl="1" algn="just" eaLnBrk="1" hangingPunct="1">
+              <a:buFont typeface="Arial" panose="020B0604020202020204" pitchFamily="34" charset="0"/>
+              <a:buChar char="•"/>
+              <a:defRPr/>
+            </a:pPr>
+            <a:r>
+              <a:rPr lang="pt-BR" sz="1850" dirty="0">
+                <a:solidFill>
+                  <a:schemeClr val="tx2">
+                    <a:lumMod val="75000"/>
+                  </a:schemeClr>
+                </a:solidFill>
+                <a:latin typeface="+mn-lt"/>
+                <a:ea typeface="+mn-ea"/>
+                <a:cs typeface="+mn-cs"/>
+              </a:rPr>
+              <a:t>Permite a manutenção de cobrança.</a:t>
+            </a:r>
+          </a:p>
+          <a:p>
+            <a:pPr marL="457200" lvl="1" indent="0" algn="just" eaLnBrk="1" hangingPunct="1">
+              <a:defRPr/>
+            </a:pPr>
+            <a:endParaRPr lang="pt-BR" sz="1800" dirty="0">
+              <a:solidFill>
+                <a:schemeClr val="tx2">
+                  <a:lumMod val="75000"/>
+                </a:schemeClr>
+              </a:solidFill>
+              <a:latin typeface="Calibri" panose="020F0502020204030204" pitchFamily="34" charset="0"/>
+              <a:cs typeface="Calibri" panose="020F0502020204030204" pitchFamily="34" charset="0"/>
+            </a:endParaRPr>
+          </a:p>
+          <a:p>
+            <a:pPr algn="just" eaLnBrk="1" hangingPunct="1">
+              <a:buFont typeface="Arial" panose="020B0604020202020204" pitchFamily="34" charset="0"/>
+              <a:buChar char="•"/>
+              <a:defRPr/>
+            </a:pPr>
+            <a:r>
+              <a:rPr lang="pt-BR" sz="2600" dirty="0" smtClean="0">
+                <a:solidFill>
+                  <a:schemeClr val="tx2">
+                    <a:lumMod val="75000"/>
+                  </a:schemeClr>
+                </a:solidFill>
+                <a:latin typeface="Calibri (Corpo)"/>
+                <a:cs typeface="Calibri" panose="020F0502020204030204" pitchFamily="34" charset="0"/>
+              </a:rPr>
+              <a:t>Realizar </a:t>
+            </a:r>
+            <a:r>
+              <a:rPr lang="pt-BR" sz="2600" dirty="0">
+                <a:solidFill>
+                  <a:schemeClr val="tx2">
+                    <a:lumMod val="75000"/>
+                  </a:schemeClr>
+                </a:solidFill>
+                <a:latin typeface="Calibri (Corpo)"/>
+                <a:cs typeface="Calibri" panose="020F0502020204030204" pitchFamily="34" charset="0"/>
+              </a:rPr>
+              <a:t>Pagamento</a:t>
+            </a:r>
+          </a:p>
+          <a:p>
+            <a:pPr lvl="1" algn="just" eaLnBrk="1" hangingPunct="1">
+              <a:buFont typeface="Arial" panose="020B0604020202020204" pitchFamily="34" charset="0"/>
+              <a:buChar char="•"/>
+              <a:defRPr/>
+            </a:pPr>
+            <a:r>
+              <a:rPr lang="pt-BR" sz="1850" dirty="0" smtClean="0">
+                <a:solidFill>
+                  <a:schemeClr val="tx2">
+                    <a:lumMod val="75000"/>
+                  </a:schemeClr>
+                </a:solidFill>
+                <a:latin typeface="+mn-lt"/>
+                <a:ea typeface="+mn-ea"/>
+                <a:cs typeface="+mn-cs"/>
+              </a:rPr>
+              <a:t>Realizar os </a:t>
+            </a:r>
+            <a:r>
+              <a:rPr lang="pt-BR" sz="1850" dirty="0">
+                <a:solidFill>
+                  <a:schemeClr val="tx2">
+                    <a:lumMod val="75000"/>
+                  </a:schemeClr>
+                </a:solidFill>
+                <a:latin typeface="+mn-lt"/>
+                <a:ea typeface="+mn-ea"/>
+                <a:cs typeface="+mn-cs"/>
+              </a:rPr>
+              <a:t>pagamentos dos clientes por serviços prestados pela clínica.</a:t>
+            </a:r>
+          </a:p>
+          <a:p>
+            <a:pPr marL="457200" lvl="1" indent="0" algn="just" eaLnBrk="1" hangingPunct="1">
+              <a:defRPr/>
+            </a:pPr>
+            <a:endParaRPr lang="pt-BR" sz="1800" dirty="0">
+              <a:solidFill>
+                <a:schemeClr val="tx2">
+                  <a:lumMod val="75000"/>
+                </a:schemeClr>
+              </a:solidFill>
+              <a:latin typeface="Calibri" panose="020F0502020204030204" pitchFamily="34" charset="0"/>
+              <a:cs typeface="Calibri" panose="020F0502020204030204" pitchFamily="34" charset="0"/>
+            </a:endParaRPr>
+          </a:p>
+          <a:p>
+            <a:pPr algn="just" eaLnBrk="1" hangingPunct="1">
+              <a:buFont typeface="Arial" panose="020B0604020202020204" pitchFamily="34" charset="0"/>
+              <a:buChar char="•"/>
+              <a:defRPr/>
+            </a:pPr>
+            <a:r>
+              <a:rPr lang="pt-BR" sz="2600" dirty="0">
+                <a:solidFill>
+                  <a:schemeClr val="tx2">
+                    <a:lumMod val="75000"/>
+                  </a:schemeClr>
+                </a:solidFill>
+                <a:latin typeface="Calibri (Corpo)"/>
+                <a:cs typeface="Calibri" panose="020F0502020204030204" pitchFamily="34" charset="0"/>
+              </a:rPr>
+              <a:t>Manter </a:t>
+            </a:r>
+            <a:r>
+              <a:rPr lang="pt-BR" sz="2600" dirty="0" smtClean="0">
+                <a:solidFill>
+                  <a:schemeClr val="tx2">
+                    <a:lumMod val="75000"/>
+                  </a:schemeClr>
+                </a:solidFill>
+                <a:latin typeface="Calibri (Corpo)"/>
+                <a:cs typeface="Calibri" panose="020F0502020204030204" pitchFamily="34" charset="0"/>
+              </a:rPr>
+              <a:t>Despesas</a:t>
+            </a:r>
+            <a:endParaRPr lang="pt-BR" sz="2600" dirty="0">
+              <a:solidFill>
+                <a:schemeClr val="tx2">
+                  <a:lumMod val="75000"/>
+                </a:schemeClr>
+              </a:solidFill>
+              <a:latin typeface="Calibri (Corpo)"/>
+              <a:cs typeface="Calibri" panose="020F0502020204030204" pitchFamily="34" charset="0"/>
+            </a:endParaRPr>
+          </a:p>
+          <a:p>
+            <a:pPr lvl="1" algn="just" eaLnBrk="1" hangingPunct="1">
+              <a:buFont typeface="Arial" panose="020B0604020202020204" pitchFamily="34" charset="0"/>
+              <a:buChar char="•"/>
+              <a:defRPr/>
+            </a:pPr>
+            <a:r>
+              <a:rPr lang="pt-BR" sz="1850" dirty="0">
+                <a:solidFill>
+                  <a:schemeClr val="tx2">
+                    <a:lumMod val="75000"/>
+                  </a:schemeClr>
+                </a:solidFill>
+                <a:latin typeface="+mn-lt"/>
+                <a:ea typeface="+mn-ea"/>
+                <a:cs typeface="+mn-cs"/>
+              </a:rPr>
+              <a:t>Permite a manutenção de </a:t>
+            </a:r>
+            <a:r>
+              <a:rPr lang="pt-BR" sz="1850" dirty="0" smtClean="0">
+                <a:solidFill>
+                  <a:schemeClr val="tx2">
+                    <a:lumMod val="75000"/>
+                  </a:schemeClr>
+                </a:solidFill>
+                <a:latin typeface="+mn-lt"/>
+                <a:ea typeface="+mn-ea"/>
+                <a:cs typeface="+mn-cs"/>
+              </a:rPr>
+              <a:t>despesas </a:t>
+            </a:r>
+            <a:r>
+              <a:rPr lang="pt-BR" sz="1850" dirty="0">
+                <a:solidFill>
+                  <a:schemeClr val="tx2">
+                    <a:lumMod val="75000"/>
+                  </a:schemeClr>
+                </a:solidFill>
+                <a:latin typeface="+mn-lt"/>
+                <a:ea typeface="+mn-ea"/>
+                <a:cs typeface="+mn-cs"/>
+              </a:rPr>
+              <a:t>da clínica.</a:t>
+            </a:r>
+          </a:p>
+          <a:p>
+            <a:pPr marL="457200" lvl="1" indent="0" algn="just" eaLnBrk="1" hangingPunct="1">
+              <a:defRPr/>
+            </a:pPr>
+            <a:endParaRPr lang="pt-BR" sz="1800" dirty="0">
+              <a:solidFill>
+                <a:schemeClr val="tx2">
+                  <a:lumMod val="75000"/>
+                </a:schemeClr>
+              </a:solidFill>
+              <a:latin typeface="Calibri" panose="020F0502020204030204" pitchFamily="34" charset="0"/>
+              <a:cs typeface="Calibri" panose="020F0502020204030204" pitchFamily="34" charset="0"/>
+            </a:endParaRPr>
+          </a:p>
+          <a:p>
+            <a:pPr algn="just" eaLnBrk="1" hangingPunct="1">
+              <a:buFont typeface="Arial" panose="020B0604020202020204" pitchFamily="34" charset="0"/>
+              <a:buChar char="•"/>
+              <a:defRPr/>
+            </a:pPr>
+            <a:r>
+              <a:rPr lang="pt-BR" sz="2600" dirty="0">
+                <a:solidFill>
+                  <a:schemeClr val="tx2">
+                    <a:lumMod val="75000"/>
+                  </a:schemeClr>
+                </a:solidFill>
+                <a:latin typeface="Calibri (Corpo)"/>
+                <a:cs typeface="Calibri" panose="020F0502020204030204" pitchFamily="34" charset="0"/>
+              </a:rPr>
+              <a:t>Gerar Relatórios</a:t>
+            </a:r>
+          </a:p>
+          <a:p>
+            <a:pPr lvl="1" algn="just" eaLnBrk="1" hangingPunct="1">
+              <a:buFont typeface="Arial" panose="020B0604020202020204" pitchFamily="34" charset="0"/>
+              <a:buChar char="•"/>
+              <a:defRPr/>
+            </a:pPr>
+            <a:r>
+              <a:rPr lang="pt-BR" sz="1850" dirty="0">
+                <a:solidFill>
+                  <a:schemeClr val="tx2">
+                    <a:lumMod val="75000"/>
+                  </a:schemeClr>
+                </a:solidFill>
+                <a:latin typeface="+mn-lt"/>
+                <a:ea typeface="+mn-ea"/>
+                <a:cs typeface="+mn-cs"/>
+              </a:rPr>
+              <a:t>Emitir relatórios por períodos, tipo de serviço prestado e por pagantes e devedores.</a:t>
+            </a:r>
           </a:p>
         </p:txBody>
       </p:sp>
-      <p:pic>
-        <p:nvPicPr>
-          <p:cNvPr id="2" name="Picture 1">
-            <a:extLst>
-              <a:ext uri="{FF2B5EF4-FFF2-40B4-BE49-F238E27FC236}">
-                <a16:creationId xmlns:a16="http://schemas.microsoft.com/office/drawing/2014/main" xmlns="" id="{B6A781C1-AA15-45C9-BF02-66987FF55897}"/>
-              </a:ext>
-            </a:extLst>
-          </p:cNvPr>
-          <p:cNvPicPr>
-            <a:picLocks noChangeAspect="1"/>
-          </p:cNvPicPr>
+      <p:sp>
+        <p:nvSpPr>
+          <p:cNvPr id="3" name="Título 3"/>
+          <p:cNvSpPr txBox="1">
+            <a:spLocks/>
+          </p:cNvSpPr>
           <p:nvPr/>
-        </p:nvPicPr>
-        <p:blipFill>
-          <a:blip r:embed="rId2" cstate="print"/>
-          <a:stretch>
-            <a:fillRect/>
-          </a:stretch>
-        </p:blipFill>
+        </p:nvSpPr>
         <p:spPr>
           <a:xfrm>
-            <a:off x="-36512" y="1352866"/>
-            <a:ext cx="9144000" cy="5244486"/>
+            <a:off x="2123728" y="188640"/>
+            <a:ext cx="8797925" cy="922338"/>
           </a:xfrm>
           <a:prstGeom prst="rect">
             <a:avLst/>
           </a:prstGeom>
         </p:spPr>
-      </p:pic>
+        <p:txBody>
+          <a:bodyPr/>
+          <a:lstStyle>
+            <a:lvl1pPr algn="ctr" rtl="0" eaLnBrk="0" fontAlgn="base" hangingPunct="0">
+              <a:spcBef>
+                <a:spcPct val="0"/>
+              </a:spcBef>
+              <a:spcAft>
+                <a:spcPct val="0"/>
+              </a:spcAft>
+              <a:defRPr sz="4400" kern="1200">
+                <a:solidFill>
+                  <a:schemeClr val="tx1"/>
+                </a:solidFill>
+                <a:latin typeface="Verdana" pitchFamily="34" charset="0"/>
+                <a:ea typeface="Verdana" pitchFamily="34" charset="0"/>
+                <a:cs typeface="Verdana" pitchFamily="34" charset="0"/>
+              </a:defRPr>
+            </a:lvl1pPr>
+            <a:lvl2pPr algn="ctr" rtl="0" eaLnBrk="0" fontAlgn="base" hangingPunct="0">
+              <a:spcBef>
+                <a:spcPct val="0"/>
+              </a:spcBef>
+              <a:spcAft>
+                <a:spcPct val="0"/>
+              </a:spcAft>
+              <a:defRPr sz="4400">
+                <a:solidFill>
+                  <a:schemeClr val="tx1"/>
+                </a:solidFill>
+                <a:latin typeface="Verdana" pitchFamily="34" charset="0"/>
+                <a:ea typeface="Verdana" pitchFamily="34" charset="0"/>
+                <a:cs typeface="Verdana" pitchFamily="34" charset="0"/>
+              </a:defRPr>
+            </a:lvl2pPr>
+            <a:lvl3pPr algn="ctr" rtl="0" eaLnBrk="0" fontAlgn="base" hangingPunct="0">
+              <a:spcBef>
+                <a:spcPct val="0"/>
+              </a:spcBef>
+              <a:spcAft>
+                <a:spcPct val="0"/>
+              </a:spcAft>
+              <a:defRPr sz="4400">
+                <a:solidFill>
+                  <a:schemeClr val="tx1"/>
+                </a:solidFill>
+                <a:latin typeface="Verdana" pitchFamily="34" charset="0"/>
+                <a:ea typeface="Verdana" pitchFamily="34" charset="0"/>
+                <a:cs typeface="Verdana" pitchFamily="34" charset="0"/>
+              </a:defRPr>
+            </a:lvl3pPr>
+            <a:lvl4pPr algn="ctr" rtl="0" eaLnBrk="0" fontAlgn="base" hangingPunct="0">
+              <a:spcBef>
+                <a:spcPct val="0"/>
+              </a:spcBef>
+              <a:spcAft>
+                <a:spcPct val="0"/>
+              </a:spcAft>
+              <a:defRPr sz="4400">
+                <a:solidFill>
+                  <a:schemeClr val="tx1"/>
+                </a:solidFill>
+                <a:latin typeface="Verdana" pitchFamily="34" charset="0"/>
+                <a:ea typeface="Verdana" pitchFamily="34" charset="0"/>
+                <a:cs typeface="Verdana" pitchFamily="34" charset="0"/>
+              </a:defRPr>
+            </a:lvl4pPr>
+            <a:lvl5pPr algn="ctr" rtl="0" eaLnBrk="0" fontAlgn="base" hangingPunct="0">
+              <a:spcBef>
+                <a:spcPct val="0"/>
+              </a:spcBef>
+              <a:spcAft>
+                <a:spcPct val="0"/>
+              </a:spcAft>
+              <a:defRPr sz="4400">
+                <a:solidFill>
+                  <a:schemeClr val="tx1"/>
+                </a:solidFill>
+                <a:latin typeface="Verdana" pitchFamily="34" charset="0"/>
+                <a:ea typeface="Verdana" pitchFamily="34" charset="0"/>
+                <a:cs typeface="Verdana" pitchFamily="34" charset="0"/>
+              </a:defRPr>
+            </a:lvl5pPr>
+            <a:lvl6pPr marL="457200" algn="ctr" rtl="0" fontAlgn="base">
+              <a:spcBef>
+                <a:spcPct val="0"/>
+              </a:spcBef>
+              <a:spcAft>
+                <a:spcPct val="0"/>
+              </a:spcAft>
+              <a:defRPr sz="4400">
+                <a:solidFill>
+                  <a:schemeClr val="tx1"/>
+                </a:solidFill>
+                <a:latin typeface="Verdana" pitchFamily="34" charset="0"/>
+                <a:ea typeface="Verdana" pitchFamily="34" charset="0"/>
+                <a:cs typeface="Verdana" pitchFamily="34" charset="0"/>
+              </a:defRPr>
+            </a:lvl6pPr>
+            <a:lvl7pPr marL="914400" algn="ctr" rtl="0" fontAlgn="base">
+              <a:spcBef>
+                <a:spcPct val="0"/>
+              </a:spcBef>
+              <a:spcAft>
+                <a:spcPct val="0"/>
+              </a:spcAft>
+              <a:defRPr sz="4400">
+                <a:solidFill>
+                  <a:schemeClr val="tx1"/>
+                </a:solidFill>
+                <a:latin typeface="Verdana" pitchFamily="34" charset="0"/>
+                <a:ea typeface="Verdana" pitchFamily="34" charset="0"/>
+                <a:cs typeface="Verdana" pitchFamily="34" charset="0"/>
+              </a:defRPr>
+            </a:lvl7pPr>
+            <a:lvl8pPr marL="1371600" algn="ctr" rtl="0" fontAlgn="base">
+              <a:spcBef>
+                <a:spcPct val="0"/>
+              </a:spcBef>
+              <a:spcAft>
+                <a:spcPct val="0"/>
+              </a:spcAft>
+              <a:defRPr sz="4400">
+                <a:solidFill>
+                  <a:schemeClr val="tx1"/>
+                </a:solidFill>
+                <a:latin typeface="Verdana" pitchFamily="34" charset="0"/>
+                <a:ea typeface="Verdana" pitchFamily="34" charset="0"/>
+                <a:cs typeface="Verdana" pitchFamily="34" charset="0"/>
+              </a:defRPr>
+            </a:lvl8pPr>
+            <a:lvl9pPr marL="1828800" algn="ctr" rtl="0" fontAlgn="base">
+              <a:spcBef>
+                <a:spcPct val="0"/>
+              </a:spcBef>
+              <a:spcAft>
+                <a:spcPct val="0"/>
+              </a:spcAft>
+              <a:defRPr sz="4400">
+                <a:solidFill>
+                  <a:schemeClr val="tx1"/>
+                </a:solidFill>
+                <a:latin typeface="Verdana" pitchFamily="34" charset="0"/>
+                <a:ea typeface="Verdana" pitchFamily="34" charset="0"/>
+                <a:cs typeface="Verdana" pitchFamily="34" charset="0"/>
+              </a:defRPr>
+            </a:lvl9pPr>
+          </a:lstStyle>
+          <a:p>
+            <a:pPr eaLnBrk="1" hangingPunct="1">
+              <a:defRPr/>
+            </a:pPr>
+            <a:r>
+              <a:rPr lang="pt-BR" sz="3600" b="1" dirty="0">
+                <a:solidFill>
+                  <a:schemeClr val="accent1">
+                    <a:lumMod val="50000"/>
+                  </a:schemeClr>
+                </a:solidFill>
+                <a:latin typeface="Arial" pitchFamily="34" charset="0"/>
+                <a:cs typeface="Arial" pitchFamily="34" charset="0"/>
+              </a:rPr>
+              <a:t>MÓDULO FINANCEIRO</a:t>
+            </a:r>
+          </a:p>
+        </p:txBody>
+      </p:sp>
     </p:spTree>
     <p:extLst>
       <p:ext uri="{BB962C8B-B14F-4D97-AF65-F5344CB8AC3E}">
-        <p14:creationId xmlns:p14="http://schemas.microsoft.com/office/powerpoint/2010/main" xmlns="" val="1697811339"/>
+        <p14:creationId xmlns:p14="http://schemas.microsoft.com/office/powerpoint/2010/main" val="3812644496"/>
       </p:ext>
     </p:extLst>
   </p:cSld>
   <p:clrMapOvr>
     <a:masterClrMapping/>
   </p:clrMapOvr>
-  <p:transition spd="med">
-    <p:fade/>
-  </p:transition>
   <p:timing>
     <p:tnLst>
       <p:par>
@@ -5394,6 +6113,1240 @@
       </p:grpSpPr>
       <p:sp>
         <p:nvSpPr>
+          <p:cNvPr id="5" name="Título 3"/>
+          <p:cNvSpPr txBox="1">
+            <a:spLocks/>
+          </p:cNvSpPr>
+          <p:nvPr/>
+        </p:nvSpPr>
+        <p:spPr>
+          <a:xfrm>
+            <a:off x="2123728" y="188640"/>
+            <a:ext cx="8797925" cy="922338"/>
+          </a:xfrm>
+          <a:prstGeom prst="rect">
+            <a:avLst/>
+          </a:prstGeom>
+        </p:spPr>
+        <p:txBody>
+          <a:bodyPr/>
+          <a:lstStyle>
+            <a:lvl1pPr algn="ctr" rtl="0" eaLnBrk="0" fontAlgn="base" hangingPunct="0">
+              <a:spcBef>
+                <a:spcPct val="0"/>
+              </a:spcBef>
+              <a:spcAft>
+                <a:spcPct val="0"/>
+              </a:spcAft>
+              <a:defRPr sz="4400" kern="1200">
+                <a:solidFill>
+                  <a:schemeClr val="tx1"/>
+                </a:solidFill>
+                <a:latin typeface="Verdana" pitchFamily="34" charset="0"/>
+                <a:ea typeface="Verdana" pitchFamily="34" charset="0"/>
+                <a:cs typeface="Verdana" pitchFamily="34" charset="0"/>
+              </a:defRPr>
+            </a:lvl1pPr>
+            <a:lvl2pPr algn="ctr" rtl="0" eaLnBrk="0" fontAlgn="base" hangingPunct="0">
+              <a:spcBef>
+                <a:spcPct val="0"/>
+              </a:spcBef>
+              <a:spcAft>
+                <a:spcPct val="0"/>
+              </a:spcAft>
+              <a:defRPr sz="4400">
+                <a:solidFill>
+                  <a:schemeClr val="tx1"/>
+                </a:solidFill>
+                <a:latin typeface="Verdana" pitchFamily="34" charset="0"/>
+                <a:ea typeface="Verdana" pitchFamily="34" charset="0"/>
+                <a:cs typeface="Verdana" pitchFamily="34" charset="0"/>
+              </a:defRPr>
+            </a:lvl2pPr>
+            <a:lvl3pPr algn="ctr" rtl="0" eaLnBrk="0" fontAlgn="base" hangingPunct="0">
+              <a:spcBef>
+                <a:spcPct val="0"/>
+              </a:spcBef>
+              <a:spcAft>
+                <a:spcPct val="0"/>
+              </a:spcAft>
+              <a:defRPr sz="4400">
+                <a:solidFill>
+                  <a:schemeClr val="tx1"/>
+                </a:solidFill>
+                <a:latin typeface="Verdana" pitchFamily="34" charset="0"/>
+                <a:ea typeface="Verdana" pitchFamily="34" charset="0"/>
+                <a:cs typeface="Verdana" pitchFamily="34" charset="0"/>
+              </a:defRPr>
+            </a:lvl3pPr>
+            <a:lvl4pPr algn="ctr" rtl="0" eaLnBrk="0" fontAlgn="base" hangingPunct="0">
+              <a:spcBef>
+                <a:spcPct val="0"/>
+              </a:spcBef>
+              <a:spcAft>
+                <a:spcPct val="0"/>
+              </a:spcAft>
+              <a:defRPr sz="4400">
+                <a:solidFill>
+                  <a:schemeClr val="tx1"/>
+                </a:solidFill>
+                <a:latin typeface="Verdana" pitchFamily="34" charset="0"/>
+                <a:ea typeface="Verdana" pitchFamily="34" charset="0"/>
+                <a:cs typeface="Verdana" pitchFamily="34" charset="0"/>
+              </a:defRPr>
+            </a:lvl4pPr>
+            <a:lvl5pPr algn="ctr" rtl="0" eaLnBrk="0" fontAlgn="base" hangingPunct="0">
+              <a:spcBef>
+                <a:spcPct val="0"/>
+              </a:spcBef>
+              <a:spcAft>
+                <a:spcPct val="0"/>
+              </a:spcAft>
+              <a:defRPr sz="4400">
+                <a:solidFill>
+                  <a:schemeClr val="tx1"/>
+                </a:solidFill>
+                <a:latin typeface="Verdana" pitchFamily="34" charset="0"/>
+                <a:ea typeface="Verdana" pitchFamily="34" charset="0"/>
+                <a:cs typeface="Verdana" pitchFamily="34" charset="0"/>
+              </a:defRPr>
+            </a:lvl5pPr>
+            <a:lvl6pPr marL="457200" algn="ctr" rtl="0" fontAlgn="base">
+              <a:spcBef>
+                <a:spcPct val="0"/>
+              </a:spcBef>
+              <a:spcAft>
+                <a:spcPct val="0"/>
+              </a:spcAft>
+              <a:defRPr sz="4400">
+                <a:solidFill>
+                  <a:schemeClr val="tx1"/>
+                </a:solidFill>
+                <a:latin typeface="Verdana" pitchFamily="34" charset="0"/>
+                <a:ea typeface="Verdana" pitchFamily="34" charset="0"/>
+                <a:cs typeface="Verdana" pitchFamily="34" charset="0"/>
+              </a:defRPr>
+            </a:lvl6pPr>
+            <a:lvl7pPr marL="914400" algn="ctr" rtl="0" fontAlgn="base">
+              <a:spcBef>
+                <a:spcPct val="0"/>
+              </a:spcBef>
+              <a:spcAft>
+                <a:spcPct val="0"/>
+              </a:spcAft>
+              <a:defRPr sz="4400">
+                <a:solidFill>
+                  <a:schemeClr val="tx1"/>
+                </a:solidFill>
+                <a:latin typeface="Verdana" pitchFamily="34" charset="0"/>
+                <a:ea typeface="Verdana" pitchFamily="34" charset="0"/>
+                <a:cs typeface="Verdana" pitchFamily="34" charset="0"/>
+              </a:defRPr>
+            </a:lvl7pPr>
+            <a:lvl8pPr marL="1371600" algn="ctr" rtl="0" fontAlgn="base">
+              <a:spcBef>
+                <a:spcPct val="0"/>
+              </a:spcBef>
+              <a:spcAft>
+                <a:spcPct val="0"/>
+              </a:spcAft>
+              <a:defRPr sz="4400">
+                <a:solidFill>
+                  <a:schemeClr val="tx1"/>
+                </a:solidFill>
+                <a:latin typeface="Verdana" pitchFamily="34" charset="0"/>
+                <a:ea typeface="Verdana" pitchFamily="34" charset="0"/>
+                <a:cs typeface="Verdana" pitchFamily="34" charset="0"/>
+              </a:defRPr>
+            </a:lvl8pPr>
+            <a:lvl9pPr marL="1828800" algn="ctr" rtl="0" fontAlgn="base">
+              <a:spcBef>
+                <a:spcPct val="0"/>
+              </a:spcBef>
+              <a:spcAft>
+                <a:spcPct val="0"/>
+              </a:spcAft>
+              <a:defRPr sz="4400">
+                <a:solidFill>
+                  <a:schemeClr val="tx1"/>
+                </a:solidFill>
+                <a:latin typeface="Verdana" pitchFamily="34" charset="0"/>
+                <a:ea typeface="Verdana" pitchFamily="34" charset="0"/>
+                <a:cs typeface="Verdana" pitchFamily="34" charset="0"/>
+              </a:defRPr>
+            </a:lvl9pPr>
+          </a:lstStyle>
+          <a:p>
+            <a:pPr eaLnBrk="1" hangingPunct="1">
+              <a:defRPr/>
+            </a:pPr>
+            <a:r>
+              <a:rPr lang="pt-BR" sz="3600" b="1" dirty="0">
+                <a:solidFill>
+                  <a:schemeClr val="accent1">
+                    <a:lumMod val="50000"/>
+                  </a:schemeClr>
+                </a:solidFill>
+                <a:latin typeface="Arial" pitchFamily="34" charset="0"/>
+                <a:cs typeface="Arial" pitchFamily="34" charset="0"/>
+              </a:rPr>
+              <a:t>MÓDULO FINANCEIRO</a:t>
+            </a:r>
+          </a:p>
+        </p:txBody>
+      </p:sp>
+      <p:pic>
+        <p:nvPicPr>
+          <p:cNvPr id="4" name="Imagem 3"/>
+          <p:cNvPicPr>
+            <a:picLocks noChangeAspect="1"/>
+          </p:cNvPicPr>
+          <p:nvPr/>
+        </p:nvPicPr>
+        <p:blipFill>
+          <a:blip r:embed="rId2" cstate="print">
+            <a:extLst>
+              <a:ext uri="{28A0092B-C50C-407E-A947-70E740481C1C}">
+                <a14:useLocalDpi xmlns:a14="http://schemas.microsoft.com/office/drawing/2010/main" val="0"/>
+              </a:ext>
+            </a:extLst>
+          </a:blip>
+          <a:stretch>
+            <a:fillRect/>
+          </a:stretch>
+        </p:blipFill>
+        <p:spPr>
+          <a:xfrm>
+            <a:off x="1763687" y="1196752"/>
+            <a:ext cx="4968553" cy="5661248"/>
+          </a:xfrm>
+          <a:prstGeom prst="rect">
+            <a:avLst/>
+          </a:prstGeom>
+        </p:spPr>
+      </p:pic>
+    </p:spTree>
+    <p:extLst>
+      <p:ext uri="{BB962C8B-B14F-4D97-AF65-F5344CB8AC3E}">
+        <p14:creationId xmlns:p14="http://schemas.microsoft.com/office/powerpoint/2010/main" val="1625217003"/>
+      </p:ext>
+    </p:extLst>
+  </p:cSld>
+  <p:clrMapOvr>
+    <a:masterClrMapping/>
+  </p:clrMapOvr>
+  <p:timing>
+    <p:tnLst>
+      <p:par>
+        <p:cTn id="1" dur="indefinite" restart="never" nodeType="tmRoot"/>
+      </p:par>
+    </p:tnLst>
+  </p:timing>
+</p:sld>
+</file>
+
+<file path=ppt/slides/slide21.xml><?xml version="1.0" encoding="utf-8"?>
+<p:sld xmlns:a="http://schemas.openxmlformats.org/drawingml/2006/main" xmlns:r="http://schemas.openxmlformats.org/officeDocument/2006/relationships" xmlns:p="http://schemas.openxmlformats.org/presentationml/2006/main">
+  <p:cSld>
+    <p:spTree>
+      <p:nvGrpSpPr>
+        <p:cNvPr id="1" name=""/>
+        <p:cNvGrpSpPr/>
+        <p:nvPr/>
+      </p:nvGrpSpPr>
+      <p:grpSpPr>
+        <a:xfrm>
+          <a:off x="0" y="0"/>
+          <a:ext cx="0" cy="0"/>
+          <a:chOff x="0" y="0"/>
+          <a:chExt cx="0" cy="0"/>
+        </a:xfrm>
+      </p:grpSpPr>
+      <p:sp>
+        <p:nvSpPr>
+          <p:cNvPr id="6" name="Título 3"/>
+          <p:cNvSpPr txBox="1">
+            <a:spLocks/>
+          </p:cNvSpPr>
+          <p:nvPr/>
+        </p:nvSpPr>
+        <p:spPr>
+          <a:xfrm>
+            <a:off x="2123728" y="188640"/>
+            <a:ext cx="8797925" cy="922338"/>
+          </a:xfrm>
+          <a:prstGeom prst="rect">
+            <a:avLst/>
+          </a:prstGeom>
+        </p:spPr>
+        <p:txBody>
+          <a:bodyPr/>
+          <a:lstStyle>
+            <a:lvl1pPr algn="ctr" rtl="0" eaLnBrk="0" fontAlgn="base" hangingPunct="0">
+              <a:spcBef>
+                <a:spcPct val="0"/>
+              </a:spcBef>
+              <a:spcAft>
+                <a:spcPct val="0"/>
+              </a:spcAft>
+              <a:defRPr sz="4400" kern="1200">
+                <a:solidFill>
+                  <a:schemeClr val="tx1"/>
+                </a:solidFill>
+                <a:latin typeface="Verdana" pitchFamily="34" charset="0"/>
+                <a:ea typeface="Verdana" pitchFamily="34" charset="0"/>
+                <a:cs typeface="Verdana" pitchFamily="34" charset="0"/>
+              </a:defRPr>
+            </a:lvl1pPr>
+            <a:lvl2pPr algn="ctr" rtl="0" eaLnBrk="0" fontAlgn="base" hangingPunct="0">
+              <a:spcBef>
+                <a:spcPct val="0"/>
+              </a:spcBef>
+              <a:spcAft>
+                <a:spcPct val="0"/>
+              </a:spcAft>
+              <a:defRPr sz="4400">
+                <a:solidFill>
+                  <a:schemeClr val="tx1"/>
+                </a:solidFill>
+                <a:latin typeface="Verdana" pitchFamily="34" charset="0"/>
+                <a:ea typeface="Verdana" pitchFamily="34" charset="0"/>
+                <a:cs typeface="Verdana" pitchFamily="34" charset="0"/>
+              </a:defRPr>
+            </a:lvl2pPr>
+            <a:lvl3pPr algn="ctr" rtl="0" eaLnBrk="0" fontAlgn="base" hangingPunct="0">
+              <a:spcBef>
+                <a:spcPct val="0"/>
+              </a:spcBef>
+              <a:spcAft>
+                <a:spcPct val="0"/>
+              </a:spcAft>
+              <a:defRPr sz="4400">
+                <a:solidFill>
+                  <a:schemeClr val="tx1"/>
+                </a:solidFill>
+                <a:latin typeface="Verdana" pitchFamily="34" charset="0"/>
+                <a:ea typeface="Verdana" pitchFamily="34" charset="0"/>
+                <a:cs typeface="Verdana" pitchFamily="34" charset="0"/>
+              </a:defRPr>
+            </a:lvl3pPr>
+            <a:lvl4pPr algn="ctr" rtl="0" eaLnBrk="0" fontAlgn="base" hangingPunct="0">
+              <a:spcBef>
+                <a:spcPct val="0"/>
+              </a:spcBef>
+              <a:spcAft>
+                <a:spcPct val="0"/>
+              </a:spcAft>
+              <a:defRPr sz="4400">
+                <a:solidFill>
+                  <a:schemeClr val="tx1"/>
+                </a:solidFill>
+                <a:latin typeface="Verdana" pitchFamily="34" charset="0"/>
+                <a:ea typeface="Verdana" pitchFamily="34" charset="0"/>
+                <a:cs typeface="Verdana" pitchFamily="34" charset="0"/>
+              </a:defRPr>
+            </a:lvl4pPr>
+            <a:lvl5pPr algn="ctr" rtl="0" eaLnBrk="0" fontAlgn="base" hangingPunct="0">
+              <a:spcBef>
+                <a:spcPct val="0"/>
+              </a:spcBef>
+              <a:spcAft>
+                <a:spcPct val="0"/>
+              </a:spcAft>
+              <a:defRPr sz="4400">
+                <a:solidFill>
+                  <a:schemeClr val="tx1"/>
+                </a:solidFill>
+                <a:latin typeface="Verdana" pitchFamily="34" charset="0"/>
+                <a:ea typeface="Verdana" pitchFamily="34" charset="0"/>
+                <a:cs typeface="Verdana" pitchFamily="34" charset="0"/>
+              </a:defRPr>
+            </a:lvl5pPr>
+            <a:lvl6pPr marL="457200" algn="ctr" rtl="0" fontAlgn="base">
+              <a:spcBef>
+                <a:spcPct val="0"/>
+              </a:spcBef>
+              <a:spcAft>
+                <a:spcPct val="0"/>
+              </a:spcAft>
+              <a:defRPr sz="4400">
+                <a:solidFill>
+                  <a:schemeClr val="tx1"/>
+                </a:solidFill>
+                <a:latin typeface="Verdana" pitchFamily="34" charset="0"/>
+                <a:ea typeface="Verdana" pitchFamily="34" charset="0"/>
+                <a:cs typeface="Verdana" pitchFamily="34" charset="0"/>
+              </a:defRPr>
+            </a:lvl6pPr>
+            <a:lvl7pPr marL="914400" algn="ctr" rtl="0" fontAlgn="base">
+              <a:spcBef>
+                <a:spcPct val="0"/>
+              </a:spcBef>
+              <a:spcAft>
+                <a:spcPct val="0"/>
+              </a:spcAft>
+              <a:defRPr sz="4400">
+                <a:solidFill>
+                  <a:schemeClr val="tx1"/>
+                </a:solidFill>
+                <a:latin typeface="Verdana" pitchFamily="34" charset="0"/>
+                <a:ea typeface="Verdana" pitchFamily="34" charset="0"/>
+                <a:cs typeface="Verdana" pitchFamily="34" charset="0"/>
+              </a:defRPr>
+            </a:lvl7pPr>
+            <a:lvl8pPr marL="1371600" algn="ctr" rtl="0" fontAlgn="base">
+              <a:spcBef>
+                <a:spcPct val="0"/>
+              </a:spcBef>
+              <a:spcAft>
+                <a:spcPct val="0"/>
+              </a:spcAft>
+              <a:defRPr sz="4400">
+                <a:solidFill>
+                  <a:schemeClr val="tx1"/>
+                </a:solidFill>
+                <a:latin typeface="Verdana" pitchFamily="34" charset="0"/>
+                <a:ea typeface="Verdana" pitchFamily="34" charset="0"/>
+                <a:cs typeface="Verdana" pitchFamily="34" charset="0"/>
+              </a:defRPr>
+            </a:lvl8pPr>
+            <a:lvl9pPr marL="1828800" algn="ctr" rtl="0" fontAlgn="base">
+              <a:spcBef>
+                <a:spcPct val="0"/>
+              </a:spcBef>
+              <a:spcAft>
+                <a:spcPct val="0"/>
+              </a:spcAft>
+              <a:defRPr sz="4400">
+                <a:solidFill>
+                  <a:schemeClr val="tx1"/>
+                </a:solidFill>
+                <a:latin typeface="Verdana" pitchFamily="34" charset="0"/>
+                <a:ea typeface="Verdana" pitchFamily="34" charset="0"/>
+                <a:cs typeface="Verdana" pitchFamily="34" charset="0"/>
+              </a:defRPr>
+            </a:lvl9pPr>
+          </a:lstStyle>
+          <a:p>
+            <a:pPr eaLnBrk="1" hangingPunct="1">
+              <a:defRPr/>
+            </a:pPr>
+            <a:r>
+              <a:rPr lang="pt-BR" sz="3600" b="1" dirty="0">
+                <a:solidFill>
+                  <a:schemeClr val="accent1">
+                    <a:lumMod val="50000"/>
+                  </a:schemeClr>
+                </a:solidFill>
+                <a:latin typeface="Arial" pitchFamily="34" charset="0"/>
+                <a:cs typeface="Arial" pitchFamily="34" charset="0"/>
+              </a:rPr>
+              <a:t>MÓDULO FINANCEIRO</a:t>
+            </a:r>
+          </a:p>
+        </p:txBody>
+      </p:sp>
+      <p:pic>
+        <p:nvPicPr>
+          <p:cNvPr id="2" name="Imagem 1"/>
+          <p:cNvPicPr>
+            <a:picLocks noChangeAspect="1"/>
+          </p:cNvPicPr>
+          <p:nvPr/>
+        </p:nvPicPr>
+        <p:blipFill>
+          <a:blip r:embed="rId2" cstate="print">
+            <a:extLst>
+              <a:ext uri="{28A0092B-C50C-407E-A947-70E740481C1C}">
+                <a14:useLocalDpi xmlns:a14="http://schemas.microsoft.com/office/drawing/2010/main" val="0"/>
+              </a:ext>
+            </a:extLst>
+          </a:blip>
+          <a:stretch>
+            <a:fillRect/>
+          </a:stretch>
+        </p:blipFill>
+        <p:spPr>
+          <a:xfrm>
+            <a:off x="-11922" y="1527252"/>
+            <a:ext cx="9155922" cy="4227901"/>
+          </a:xfrm>
+          <a:prstGeom prst="rect">
+            <a:avLst/>
+          </a:prstGeom>
+        </p:spPr>
+      </p:pic>
+    </p:spTree>
+    <p:extLst>
+      <p:ext uri="{BB962C8B-B14F-4D97-AF65-F5344CB8AC3E}">
+        <p14:creationId xmlns:p14="http://schemas.microsoft.com/office/powerpoint/2010/main" val="1256551592"/>
+      </p:ext>
+    </p:extLst>
+  </p:cSld>
+  <p:clrMapOvr>
+    <a:masterClrMapping/>
+  </p:clrMapOvr>
+  <p:timing>
+    <p:tnLst>
+      <p:par>
+        <p:cTn id="1" dur="indefinite" restart="never" nodeType="tmRoot"/>
+      </p:par>
+    </p:tnLst>
+  </p:timing>
+</p:sld>
+</file>
+
+<file path=ppt/slides/slide22.xml><?xml version="1.0" encoding="utf-8"?>
+<p:sld xmlns:a="http://schemas.openxmlformats.org/drawingml/2006/main" xmlns:r="http://schemas.openxmlformats.org/officeDocument/2006/relationships" xmlns:p="http://schemas.openxmlformats.org/presentationml/2006/main">
+  <p:cSld>
+    <p:spTree>
+      <p:nvGrpSpPr>
+        <p:cNvPr id="1" name=""/>
+        <p:cNvGrpSpPr/>
+        <p:nvPr/>
+      </p:nvGrpSpPr>
+      <p:grpSpPr>
+        <a:xfrm>
+          <a:off x="0" y="0"/>
+          <a:ext cx="0" cy="0"/>
+          <a:chOff x="0" y="0"/>
+          <a:chExt cx="0" cy="0"/>
+        </a:xfrm>
+      </p:grpSpPr>
+      <p:sp>
+        <p:nvSpPr>
+          <p:cNvPr id="7" name="Título 3"/>
+          <p:cNvSpPr txBox="1">
+            <a:spLocks/>
+          </p:cNvSpPr>
+          <p:nvPr/>
+        </p:nvSpPr>
+        <p:spPr>
+          <a:xfrm>
+            <a:off x="2123728" y="188640"/>
+            <a:ext cx="8797925" cy="922338"/>
+          </a:xfrm>
+          <a:prstGeom prst="rect">
+            <a:avLst/>
+          </a:prstGeom>
+        </p:spPr>
+        <p:txBody>
+          <a:bodyPr/>
+          <a:lstStyle>
+            <a:lvl1pPr algn="ctr" rtl="0" eaLnBrk="0" fontAlgn="base" hangingPunct="0">
+              <a:spcBef>
+                <a:spcPct val="0"/>
+              </a:spcBef>
+              <a:spcAft>
+                <a:spcPct val="0"/>
+              </a:spcAft>
+              <a:defRPr sz="4400" kern="1200">
+                <a:solidFill>
+                  <a:schemeClr val="tx1"/>
+                </a:solidFill>
+                <a:latin typeface="Verdana" pitchFamily="34" charset="0"/>
+                <a:ea typeface="Verdana" pitchFamily="34" charset="0"/>
+                <a:cs typeface="Verdana" pitchFamily="34" charset="0"/>
+              </a:defRPr>
+            </a:lvl1pPr>
+            <a:lvl2pPr algn="ctr" rtl="0" eaLnBrk="0" fontAlgn="base" hangingPunct="0">
+              <a:spcBef>
+                <a:spcPct val="0"/>
+              </a:spcBef>
+              <a:spcAft>
+                <a:spcPct val="0"/>
+              </a:spcAft>
+              <a:defRPr sz="4400">
+                <a:solidFill>
+                  <a:schemeClr val="tx1"/>
+                </a:solidFill>
+                <a:latin typeface="Verdana" pitchFamily="34" charset="0"/>
+                <a:ea typeface="Verdana" pitchFamily="34" charset="0"/>
+                <a:cs typeface="Verdana" pitchFamily="34" charset="0"/>
+              </a:defRPr>
+            </a:lvl2pPr>
+            <a:lvl3pPr algn="ctr" rtl="0" eaLnBrk="0" fontAlgn="base" hangingPunct="0">
+              <a:spcBef>
+                <a:spcPct val="0"/>
+              </a:spcBef>
+              <a:spcAft>
+                <a:spcPct val="0"/>
+              </a:spcAft>
+              <a:defRPr sz="4400">
+                <a:solidFill>
+                  <a:schemeClr val="tx1"/>
+                </a:solidFill>
+                <a:latin typeface="Verdana" pitchFamily="34" charset="0"/>
+                <a:ea typeface="Verdana" pitchFamily="34" charset="0"/>
+                <a:cs typeface="Verdana" pitchFamily="34" charset="0"/>
+              </a:defRPr>
+            </a:lvl3pPr>
+            <a:lvl4pPr algn="ctr" rtl="0" eaLnBrk="0" fontAlgn="base" hangingPunct="0">
+              <a:spcBef>
+                <a:spcPct val="0"/>
+              </a:spcBef>
+              <a:spcAft>
+                <a:spcPct val="0"/>
+              </a:spcAft>
+              <a:defRPr sz="4400">
+                <a:solidFill>
+                  <a:schemeClr val="tx1"/>
+                </a:solidFill>
+                <a:latin typeface="Verdana" pitchFamily="34" charset="0"/>
+                <a:ea typeface="Verdana" pitchFamily="34" charset="0"/>
+                <a:cs typeface="Verdana" pitchFamily="34" charset="0"/>
+              </a:defRPr>
+            </a:lvl4pPr>
+            <a:lvl5pPr algn="ctr" rtl="0" eaLnBrk="0" fontAlgn="base" hangingPunct="0">
+              <a:spcBef>
+                <a:spcPct val="0"/>
+              </a:spcBef>
+              <a:spcAft>
+                <a:spcPct val="0"/>
+              </a:spcAft>
+              <a:defRPr sz="4400">
+                <a:solidFill>
+                  <a:schemeClr val="tx1"/>
+                </a:solidFill>
+                <a:latin typeface="Verdana" pitchFamily="34" charset="0"/>
+                <a:ea typeface="Verdana" pitchFamily="34" charset="0"/>
+                <a:cs typeface="Verdana" pitchFamily="34" charset="0"/>
+              </a:defRPr>
+            </a:lvl5pPr>
+            <a:lvl6pPr marL="457200" algn="ctr" rtl="0" fontAlgn="base">
+              <a:spcBef>
+                <a:spcPct val="0"/>
+              </a:spcBef>
+              <a:spcAft>
+                <a:spcPct val="0"/>
+              </a:spcAft>
+              <a:defRPr sz="4400">
+                <a:solidFill>
+                  <a:schemeClr val="tx1"/>
+                </a:solidFill>
+                <a:latin typeface="Verdana" pitchFamily="34" charset="0"/>
+                <a:ea typeface="Verdana" pitchFamily="34" charset="0"/>
+                <a:cs typeface="Verdana" pitchFamily="34" charset="0"/>
+              </a:defRPr>
+            </a:lvl6pPr>
+            <a:lvl7pPr marL="914400" algn="ctr" rtl="0" fontAlgn="base">
+              <a:spcBef>
+                <a:spcPct val="0"/>
+              </a:spcBef>
+              <a:spcAft>
+                <a:spcPct val="0"/>
+              </a:spcAft>
+              <a:defRPr sz="4400">
+                <a:solidFill>
+                  <a:schemeClr val="tx1"/>
+                </a:solidFill>
+                <a:latin typeface="Verdana" pitchFamily="34" charset="0"/>
+                <a:ea typeface="Verdana" pitchFamily="34" charset="0"/>
+                <a:cs typeface="Verdana" pitchFamily="34" charset="0"/>
+              </a:defRPr>
+            </a:lvl7pPr>
+            <a:lvl8pPr marL="1371600" algn="ctr" rtl="0" fontAlgn="base">
+              <a:spcBef>
+                <a:spcPct val="0"/>
+              </a:spcBef>
+              <a:spcAft>
+                <a:spcPct val="0"/>
+              </a:spcAft>
+              <a:defRPr sz="4400">
+                <a:solidFill>
+                  <a:schemeClr val="tx1"/>
+                </a:solidFill>
+                <a:latin typeface="Verdana" pitchFamily="34" charset="0"/>
+                <a:ea typeface="Verdana" pitchFamily="34" charset="0"/>
+                <a:cs typeface="Verdana" pitchFamily="34" charset="0"/>
+              </a:defRPr>
+            </a:lvl8pPr>
+            <a:lvl9pPr marL="1828800" algn="ctr" rtl="0" fontAlgn="base">
+              <a:spcBef>
+                <a:spcPct val="0"/>
+              </a:spcBef>
+              <a:spcAft>
+                <a:spcPct val="0"/>
+              </a:spcAft>
+              <a:defRPr sz="4400">
+                <a:solidFill>
+                  <a:schemeClr val="tx1"/>
+                </a:solidFill>
+                <a:latin typeface="Verdana" pitchFamily="34" charset="0"/>
+                <a:ea typeface="Verdana" pitchFamily="34" charset="0"/>
+                <a:cs typeface="Verdana" pitchFamily="34" charset="0"/>
+              </a:defRPr>
+            </a:lvl9pPr>
+          </a:lstStyle>
+          <a:p>
+            <a:pPr eaLnBrk="1" hangingPunct="1">
+              <a:defRPr/>
+            </a:pPr>
+            <a:r>
+              <a:rPr lang="pt-BR" sz="3600" b="1" dirty="0">
+                <a:solidFill>
+                  <a:schemeClr val="accent1">
+                    <a:lumMod val="50000"/>
+                  </a:schemeClr>
+                </a:solidFill>
+                <a:latin typeface="Arial" pitchFamily="34" charset="0"/>
+                <a:cs typeface="Arial" pitchFamily="34" charset="0"/>
+              </a:rPr>
+              <a:t>MÓDULO FINANCEIRO</a:t>
+            </a:r>
+          </a:p>
+        </p:txBody>
+      </p:sp>
+      <p:pic>
+        <p:nvPicPr>
+          <p:cNvPr id="3" name="Imagem 2"/>
+          <p:cNvPicPr>
+            <a:picLocks noChangeAspect="1"/>
+          </p:cNvPicPr>
+          <p:nvPr/>
+        </p:nvPicPr>
+        <p:blipFill>
+          <a:blip r:embed="rId2" cstate="print">
+            <a:extLst>
+              <a:ext uri="{28A0092B-C50C-407E-A947-70E740481C1C}">
+                <a14:useLocalDpi xmlns:a14="http://schemas.microsoft.com/office/drawing/2010/main" val="0"/>
+              </a:ext>
+            </a:extLst>
+          </a:blip>
+          <a:stretch>
+            <a:fillRect/>
+          </a:stretch>
+        </p:blipFill>
+        <p:spPr>
+          <a:xfrm>
+            <a:off x="0" y="1700808"/>
+            <a:ext cx="9144000" cy="3756011"/>
+          </a:xfrm>
+          <a:prstGeom prst="rect">
+            <a:avLst/>
+          </a:prstGeom>
+        </p:spPr>
+      </p:pic>
+    </p:spTree>
+    <p:extLst>
+      <p:ext uri="{BB962C8B-B14F-4D97-AF65-F5344CB8AC3E}">
+        <p14:creationId xmlns:p14="http://schemas.microsoft.com/office/powerpoint/2010/main" val="3402891464"/>
+      </p:ext>
+    </p:extLst>
+  </p:cSld>
+  <p:clrMapOvr>
+    <a:masterClrMapping/>
+  </p:clrMapOvr>
+</p:sld>
+</file>
+
+<file path=ppt/slides/slide23.xml><?xml version="1.0" encoding="utf-8"?>
+<p:sld xmlns:a="http://schemas.openxmlformats.org/drawingml/2006/main" xmlns:r="http://schemas.openxmlformats.org/officeDocument/2006/relationships" xmlns:p="http://schemas.openxmlformats.org/presentationml/2006/main">
+  <p:cSld>
+    <p:spTree>
+      <p:nvGrpSpPr>
+        <p:cNvPr id="1" name=""/>
+        <p:cNvGrpSpPr/>
+        <p:nvPr/>
+      </p:nvGrpSpPr>
+      <p:grpSpPr>
+        <a:xfrm>
+          <a:off x="0" y="0"/>
+          <a:ext cx="0" cy="0"/>
+          <a:chOff x="0" y="0"/>
+          <a:chExt cx="0" cy="0"/>
+        </a:xfrm>
+      </p:grpSpPr>
+      <p:sp>
+        <p:nvSpPr>
+          <p:cNvPr id="5" name="Título 3"/>
+          <p:cNvSpPr txBox="1">
+            <a:spLocks/>
+          </p:cNvSpPr>
+          <p:nvPr/>
+        </p:nvSpPr>
+        <p:spPr>
+          <a:xfrm>
+            <a:off x="2123728" y="188640"/>
+            <a:ext cx="8797925" cy="922338"/>
+          </a:xfrm>
+          <a:prstGeom prst="rect">
+            <a:avLst/>
+          </a:prstGeom>
+        </p:spPr>
+        <p:txBody>
+          <a:bodyPr/>
+          <a:lstStyle>
+            <a:lvl1pPr algn="ctr" rtl="0" eaLnBrk="0" fontAlgn="base" hangingPunct="0">
+              <a:spcBef>
+                <a:spcPct val="0"/>
+              </a:spcBef>
+              <a:spcAft>
+                <a:spcPct val="0"/>
+              </a:spcAft>
+              <a:defRPr sz="4400" kern="1200">
+                <a:solidFill>
+                  <a:schemeClr val="tx1"/>
+                </a:solidFill>
+                <a:latin typeface="Verdana" pitchFamily="34" charset="0"/>
+                <a:ea typeface="Verdana" pitchFamily="34" charset="0"/>
+                <a:cs typeface="Verdana" pitchFamily="34" charset="0"/>
+              </a:defRPr>
+            </a:lvl1pPr>
+            <a:lvl2pPr algn="ctr" rtl="0" eaLnBrk="0" fontAlgn="base" hangingPunct="0">
+              <a:spcBef>
+                <a:spcPct val="0"/>
+              </a:spcBef>
+              <a:spcAft>
+                <a:spcPct val="0"/>
+              </a:spcAft>
+              <a:defRPr sz="4400">
+                <a:solidFill>
+                  <a:schemeClr val="tx1"/>
+                </a:solidFill>
+                <a:latin typeface="Verdana" pitchFamily="34" charset="0"/>
+                <a:ea typeface="Verdana" pitchFamily="34" charset="0"/>
+                <a:cs typeface="Verdana" pitchFamily="34" charset="0"/>
+              </a:defRPr>
+            </a:lvl2pPr>
+            <a:lvl3pPr algn="ctr" rtl="0" eaLnBrk="0" fontAlgn="base" hangingPunct="0">
+              <a:spcBef>
+                <a:spcPct val="0"/>
+              </a:spcBef>
+              <a:spcAft>
+                <a:spcPct val="0"/>
+              </a:spcAft>
+              <a:defRPr sz="4400">
+                <a:solidFill>
+                  <a:schemeClr val="tx1"/>
+                </a:solidFill>
+                <a:latin typeface="Verdana" pitchFamily="34" charset="0"/>
+                <a:ea typeface="Verdana" pitchFamily="34" charset="0"/>
+                <a:cs typeface="Verdana" pitchFamily="34" charset="0"/>
+              </a:defRPr>
+            </a:lvl3pPr>
+            <a:lvl4pPr algn="ctr" rtl="0" eaLnBrk="0" fontAlgn="base" hangingPunct="0">
+              <a:spcBef>
+                <a:spcPct val="0"/>
+              </a:spcBef>
+              <a:spcAft>
+                <a:spcPct val="0"/>
+              </a:spcAft>
+              <a:defRPr sz="4400">
+                <a:solidFill>
+                  <a:schemeClr val="tx1"/>
+                </a:solidFill>
+                <a:latin typeface="Verdana" pitchFamily="34" charset="0"/>
+                <a:ea typeface="Verdana" pitchFamily="34" charset="0"/>
+                <a:cs typeface="Verdana" pitchFamily="34" charset="0"/>
+              </a:defRPr>
+            </a:lvl4pPr>
+            <a:lvl5pPr algn="ctr" rtl="0" eaLnBrk="0" fontAlgn="base" hangingPunct="0">
+              <a:spcBef>
+                <a:spcPct val="0"/>
+              </a:spcBef>
+              <a:spcAft>
+                <a:spcPct val="0"/>
+              </a:spcAft>
+              <a:defRPr sz="4400">
+                <a:solidFill>
+                  <a:schemeClr val="tx1"/>
+                </a:solidFill>
+                <a:latin typeface="Verdana" pitchFamily="34" charset="0"/>
+                <a:ea typeface="Verdana" pitchFamily="34" charset="0"/>
+                <a:cs typeface="Verdana" pitchFamily="34" charset="0"/>
+              </a:defRPr>
+            </a:lvl5pPr>
+            <a:lvl6pPr marL="457200" algn="ctr" rtl="0" fontAlgn="base">
+              <a:spcBef>
+                <a:spcPct val="0"/>
+              </a:spcBef>
+              <a:spcAft>
+                <a:spcPct val="0"/>
+              </a:spcAft>
+              <a:defRPr sz="4400">
+                <a:solidFill>
+                  <a:schemeClr val="tx1"/>
+                </a:solidFill>
+                <a:latin typeface="Verdana" pitchFamily="34" charset="0"/>
+                <a:ea typeface="Verdana" pitchFamily="34" charset="0"/>
+                <a:cs typeface="Verdana" pitchFamily="34" charset="0"/>
+              </a:defRPr>
+            </a:lvl6pPr>
+            <a:lvl7pPr marL="914400" algn="ctr" rtl="0" fontAlgn="base">
+              <a:spcBef>
+                <a:spcPct val="0"/>
+              </a:spcBef>
+              <a:spcAft>
+                <a:spcPct val="0"/>
+              </a:spcAft>
+              <a:defRPr sz="4400">
+                <a:solidFill>
+                  <a:schemeClr val="tx1"/>
+                </a:solidFill>
+                <a:latin typeface="Verdana" pitchFamily="34" charset="0"/>
+                <a:ea typeface="Verdana" pitchFamily="34" charset="0"/>
+                <a:cs typeface="Verdana" pitchFamily="34" charset="0"/>
+              </a:defRPr>
+            </a:lvl7pPr>
+            <a:lvl8pPr marL="1371600" algn="ctr" rtl="0" fontAlgn="base">
+              <a:spcBef>
+                <a:spcPct val="0"/>
+              </a:spcBef>
+              <a:spcAft>
+                <a:spcPct val="0"/>
+              </a:spcAft>
+              <a:defRPr sz="4400">
+                <a:solidFill>
+                  <a:schemeClr val="tx1"/>
+                </a:solidFill>
+                <a:latin typeface="Verdana" pitchFamily="34" charset="0"/>
+                <a:ea typeface="Verdana" pitchFamily="34" charset="0"/>
+                <a:cs typeface="Verdana" pitchFamily="34" charset="0"/>
+              </a:defRPr>
+            </a:lvl8pPr>
+            <a:lvl9pPr marL="1828800" algn="ctr" rtl="0" fontAlgn="base">
+              <a:spcBef>
+                <a:spcPct val="0"/>
+              </a:spcBef>
+              <a:spcAft>
+                <a:spcPct val="0"/>
+              </a:spcAft>
+              <a:defRPr sz="4400">
+                <a:solidFill>
+                  <a:schemeClr val="tx1"/>
+                </a:solidFill>
+                <a:latin typeface="Verdana" pitchFamily="34" charset="0"/>
+                <a:ea typeface="Verdana" pitchFamily="34" charset="0"/>
+                <a:cs typeface="Verdana" pitchFamily="34" charset="0"/>
+              </a:defRPr>
+            </a:lvl9pPr>
+          </a:lstStyle>
+          <a:p>
+            <a:pPr eaLnBrk="1" hangingPunct="1">
+              <a:defRPr/>
+            </a:pPr>
+            <a:r>
+              <a:rPr lang="pt-BR" sz="3600" b="1" dirty="0">
+                <a:solidFill>
+                  <a:schemeClr val="accent1">
+                    <a:lumMod val="50000"/>
+                  </a:schemeClr>
+                </a:solidFill>
+                <a:latin typeface="Arial" pitchFamily="34" charset="0"/>
+                <a:cs typeface="Arial" pitchFamily="34" charset="0"/>
+              </a:rPr>
+              <a:t>MÓDULO FINANCEIRO</a:t>
+            </a:r>
+          </a:p>
+        </p:txBody>
+      </p:sp>
+      <p:pic>
+        <p:nvPicPr>
+          <p:cNvPr id="2" name="Imagem 1"/>
+          <p:cNvPicPr>
+            <a:picLocks noChangeAspect="1"/>
+          </p:cNvPicPr>
+          <p:nvPr/>
+        </p:nvPicPr>
+        <p:blipFill>
+          <a:blip r:embed="rId2" cstate="print">
+            <a:extLst>
+              <a:ext uri="{28A0092B-C50C-407E-A947-70E740481C1C}">
+                <a14:useLocalDpi xmlns:a14="http://schemas.microsoft.com/office/drawing/2010/main" val="0"/>
+              </a:ext>
+            </a:extLst>
+          </a:blip>
+          <a:stretch>
+            <a:fillRect/>
+          </a:stretch>
+        </p:blipFill>
+        <p:spPr>
+          <a:xfrm>
+            <a:off x="107505" y="1260216"/>
+            <a:ext cx="9036495" cy="5625168"/>
+          </a:xfrm>
+          <a:prstGeom prst="rect">
+            <a:avLst/>
+          </a:prstGeom>
+        </p:spPr>
+      </p:pic>
+    </p:spTree>
+    <p:extLst>
+      <p:ext uri="{BB962C8B-B14F-4D97-AF65-F5344CB8AC3E}">
+        <p14:creationId xmlns:p14="http://schemas.microsoft.com/office/powerpoint/2010/main" val="2843391693"/>
+      </p:ext>
+    </p:extLst>
+  </p:cSld>
+  <p:clrMapOvr>
+    <a:masterClrMapping/>
+  </p:clrMapOvr>
+</p:sld>
+</file>
+
+<file path=ppt/slides/slide24.xml><?xml version="1.0" encoding="utf-8"?>
+<p:sld xmlns:a="http://schemas.openxmlformats.org/drawingml/2006/main" xmlns:r="http://schemas.openxmlformats.org/officeDocument/2006/relationships" xmlns:p="http://schemas.openxmlformats.org/presentationml/2006/main">
+  <p:cSld>
+    <p:spTree>
+      <p:nvGrpSpPr>
+        <p:cNvPr id="1" name=""/>
+        <p:cNvGrpSpPr/>
+        <p:nvPr/>
+      </p:nvGrpSpPr>
+      <p:grpSpPr>
+        <a:xfrm>
+          <a:off x="0" y="0"/>
+          <a:ext cx="0" cy="0"/>
+          <a:chOff x="0" y="0"/>
+          <a:chExt cx="0" cy="0"/>
+        </a:xfrm>
+      </p:grpSpPr>
+      <p:sp>
+        <p:nvSpPr>
+          <p:cNvPr id="5" name="Título 3"/>
+          <p:cNvSpPr txBox="1">
+            <a:spLocks/>
+          </p:cNvSpPr>
+          <p:nvPr/>
+        </p:nvSpPr>
+        <p:spPr>
+          <a:xfrm>
+            <a:off x="2123728" y="188640"/>
+            <a:ext cx="8797925" cy="922338"/>
+          </a:xfrm>
+          <a:prstGeom prst="rect">
+            <a:avLst/>
+          </a:prstGeom>
+        </p:spPr>
+        <p:txBody>
+          <a:bodyPr/>
+          <a:lstStyle>
+            <a:lvl1pPr algn="ctr" rtl="0" eaLnBrk="0" fontAlgn="base" hangingPunct="0">
+              <a:spcBef>
+                <a:spcPct val="0"/>
+              </a:spcBef>
+              <a:spcAft>
+                <a:spcPct val="0"/>
+              </a:spcAft>
+              <a:defRPr sz="4400" kern="1200">
+                <a:solidFill>
+                  <a:schemeClr val="tx1"/>
+                </a:solidFill>
+                <a:latin typeface="Verdana" pitchFamily="34" charset="0"/>
+                <a:ea typeface="Verdana" pitchFamily="34" charset="0"/>
+                <a:cs typeface="Verdana" pitchFamily="34" charset="0"/>
+              </a:defRPr>
+            </a:lvl1pPr>
+            <a:lvl2pPr algn="ctr" rtl="0" eaLnBrk="0" fontAlgn="base" hangingPunct="0">
+              <a:spcBef>
+                <a:spcPct val="0"/>
+              </a:spcBef>
+              <a:spcAft>
+                <a:spcPct val="0"/>
+              </a:spcAft>
+              <a:defRPr sz="4400">
+                <a:solidFill>
+                  <a:schemeClr val="tx1"/>
+                </a:solidFill>
+                <a:latin typeface="Verdana" pitchFamily="34" charset="0"/>
+                <a:ea typeface="Verdana" pitchFamily="34" charset="0"/>
+                <a:cs typeface="Verdana" pitchFamily="34" charset="0"/>
+              </a:defRPr>
+            </a:lvl2pPr>
+            <a:lvl3pPr algn="ctr" rtl="0" eaLnBrk="0" fontAlgn="base" hangingPunct="0">
+              <a:spcBef>
+                <a:spcPct val="0"/>
+              </a:spcBef>
+              <a:spcAft>
+                <a:spcPct val="0"/>
+              </a:spcAft>
+              <a:defRPr sz="4400">
+                <a:solidFill>
+                  <a:schemeClr val="tx1"/>
+                </a:solidFill>
+                <a:latin typeface="Verdana" pitchFamily="34" charset="0"/>
+                <a:ea typeface="Verdana" pitchFamily="34" charset="0"/>
+                <a:cs typeface="Verdana" pitchFamily="34" charset="0"/>
+              </a:defRPr>
+            </a:lvl3pPr>
+            <a:lvl4pPr algn="ctr" rtl="0" eaLnBrk="0" fontAlgn="base" hangingPunct="0">
+              <a:spcBef>
+                <a:spcPct val="0"/>
+              </a:spcBef>
+              <a:spcAft>
+                <a:spcPct val="0"/>
+              </a:spcAft>
+              <a:defRPr sz="4400">
+                <a:solidFill>
+                  <a:schemeClr val="tx1"/>
+                </a:solidFill>
+                <a:latin typeface="Verdana" pitchFamily="34" charset="0"/>
+                <a:ea typeface="Verdana" pitchFamily="34" charset="0"/>
+                <a:cs typeface="Verdana" pitchFamily="34" charset="0"/>
+              </a:defRPr>
+            </a:lvl4pPr>
+            <a:lvl5pPr algn="ctr" rtl="0" eaLnBrk="0" fontAlgn="base" hangingPunct="0">
+              <a:spcBef>
+                <a:spcPct val="0"/>
+              </a:spcBef>
+              <a:spcAft>
+                <a:spcPct val="0"/>
+              </a:spcAft>
+              <a:defRPr sz="4400">
+                <a:solidFill>
+                  <a:schemeClr val="tx1"/>
+                </a:solidFill>
+                <a:latin typeface="Verdana" pitchFamily="34" charset="0"/>
+                <a:ea typeface="Verdana" pitchFamily="34" charset="0"/>
+                <a:cs typeface="Verdana" pitchFamily="34" charset="0"/>
+              </a:defRPr>
+            </a:lvl5pPr>
+            <a:lvl6pPr marL="457200" algn="ctr" rtl="0" fontAlgn="base">
+              <a:spcBef>
+                <a:spcPct val="0"/>
+              </a:spcBef>
+              <a:spcAft>
+                <a:spcPct val="0"/>
+              </a:spcAft>
+              <a:defRPr sz="4400">
+                <a:solidFill>
+                  <a:schemeClr val="tx1"/>
+                </a:solidFill>
+                <a:latin typeface="Verdana" pitchFamily="34" charset="0"/>
+                <a:ea typeface="Verdana" pitchFamily="34" charset="0"/>
+                <a:cs typeface="Verdana" pitchFamily="34" charset="0"/>
+              </a:defRPr>
+            </a:lvl6pPr>
+            <a:lvl7pPr marL="914400" algn="ctr" rtl="0" fontAlgn="base">
+              <a:spcBef>
+                <a:spcPct val="0"/>
+              </a:spcBef>
+              <a:spcAft>
+                <a:spcPct val="0"/>
+              </a:spcAft>
+              <a:defRPr sz="4400">
+                <a:solidFill>
+                  <a:schemeClr val="tx1"/>
+                </a:solidFill>
+                <a:latin typeface="Verdana" pitchFamily="34" charset="0"/>
+                <a:ea typeface="Verdana" pitchFamily="34" charset="0"/>
+                <a:cs typeface="Verdana" pitchFamily="34" charset="0"/>
+              </a:defRPr>
+            </a:lvl7pPr>
+            <a:lvl8pPr marL="1371600" algn="ctr" rtl="0" fontAlgn="base">
+              <a:spcBef>
+                <a:spcPct val="0"/>
+              </a:spcBef>
+              <a:spcAft>
+                <a:spcPct val="0"/>
+              </a:spcAft>
+              <a:defRPr sz="4400">
+                <a:solidFill>
+                  <a:schemeClr val="tx1"/>
+                </a:solidFill>
+                <a:latin typeface="Verdana" pitchFamily="34" charset="0"/>
+                <a:ea typeface="Verdana" pitchFamily="34" charset="0"/>
+                <a:cs typeface="Verdana" pitchFamily="34" charset="0"/>
+              </a:defRPr>
+            </a:lvl8pPr>
+            <a:lvl9pPr marL="1828800" algn="ctr" rtl="0" fontAlgn="base">
+              <a:spcBef>
+                <a:spcPct val="0"/>
+              </a:spcBef>
+              <a:spcAft>
+                <a:spcPct val="0"/>
+              </a:spcAft>
+              <a:defRPr sz="4400">
+                <a:solidFill>
+                  <a:schemeClr val="tx1"/>
+                </a:solidFill>
+                <a:latin typeface="Verdana" pitchFamily="34" charset="0"/>
+                <a:ea typeface="Verdana" pitchFamily="34" charset="0"/>
+                <a:cs typeface="Verdana" pitchFamily="34" charset="0"/>
+              </a:defRPr>
+            </a:lvl9pPr>
+          </a:lstStyle>
+          <a:p>
+            <a:pPr eaLnBrk="1" hangingPunct="1">
+              <a:defRPr/>
+            </a:pPr>
+            <a:r>
+              <a:rPr lang="pt-BR" sz="3600" b="1" dirty="0">
+                <a:solidFill>
+                  <a:schemeClr val="accent1">
+                    <a:lumMod val="50000"/>
+                  </a:schemeClr>
+                </a:solidFill>
+                <a:latin typeface="Arial" pitchFamily="34" charset="0"/>
+                <a:cs typeface="Arial" pitchFamily="34" charset="0"/>
+              </a:rPr>
+              <a:t>MÓDULO FINANCEIRO</a:t>
+            </a:r>
+          </a:p>
+        </p:txBody>
+      </p:sp>
+      <p:pic>
+        <p:nvPicPr>
+          <p:cNvPr id="2" name="Imagem 1"/>
+          <p:cNvPicPr>
+            <a:picLocks noChangeAspect="1"/>
+          </p:cNvPicPr>
+          <p:nvPr/>
+        </p:nvPicPr>
+        <p:blipFill>
+          <a:blip r:embed="rId2" cstate="print">
+            <a:extLst>
+              <a:ext uri="{28A0092B-C50C-407E-A947-70E740481C1C}">
+                <a14:useLocalDpi xmlns:a14="http://schemas.microsoft.com/office/drawing/2010/main" val="0"/>
+              </a:ext>
+            </a:extLst>
+          </a:blip>
+          <a:stretch>
+            <a:fillRect/>
+          </a:stretch>
+        </p:blipFill>
+        <p:spPr>
+          <a:xfrm>
+            <a:off x="0" y="2060848"/>
+            <a:ext cx="9144000" cy="3552816"/>
+          </a:xfrm>
+          <a:prstGeom prst="rect">
+            <a:avLst/>
+          </a:prstGeom>
+        </p:spPr>
+      </p:pic>
+    </p:spTree>
+    <p:extLst>
+      <p:ext uri="{BB962C8B-B14F-4D97-AF65-F5344CB8AC3E}">
+        <p14:creationId xmlns:p14="http://schemas.microsoft.com/office/powerpoint/2010/main" val="3776007642"/>
+      </p:ext>
+    </p:extLst>
+  </p:cSld>
+  <p:clrMapOvr>
+    <a:masterClrMapping/>
+  </p:clrMapOvr>
+</p:sld>
+</file>
+
+<file path=ppt/slides/slide25.xml><?xml version="1.0" encoding="utf-8"?>
+<p:sld xmlns:a="http://schemas.openxmlformats.org/drawingml/2006/main" xmlns:r="http://schemas.openxmlformats.org/officeDocument/2006/relationships" xmlns:p="http://schemas.openxmlformats.org/presentationml/2006/main">
+  <p:cSld>
+    <p:spTree>
+      <p:nvGrpSpPr>
+        <p:cNvPr id="1" name=""/>
+        <p:cNvGrpSpPr/>
+        <p:nvPr/>
+      </p:nvGrpSpPr>
+      <p:grpSpPr>
+        <a:xfrm>
+          <a:off x="0" y="0"/>
+          <a:ext cx="0" cy="0"/>
+          <a:chOff x="0" y="0"/>
+          <a:chExt cx="0" cy="0"/>
+        </a:xfrm>
+      </p:grpSpPr>
+      <p:sp>
+        <p:nvSpPr>
           <p:cNvPr id="7170" name="Rectangle 2"/>
           <p:cNvSpPr>
             <a:spLocks noGrp="1" noChangeArrowheads="1"/>
@@ -5422,7 +7375,7 @@
               <a:rPr lang="pt-BR" dirty="0">
                 <a:ea typeface="ＭＳ Ｐゴシック" pitchFamily="-106" charset="-128"/>
               </a:rPr>
-              <a:t>MÓDULO FINANCEIRO</a:t>
+              <a:t>MÓDULO PACIENTE</a:t>
             </a:r>
           </a:p>
         </p:txBody>
@@ -5465,14 +7418,14 @@
             </a:ln>
             <a:extLst>
               <a:ext uri="{909E8E84-426E-40DD-AFC4-6F175D3DCCD1}">
-                <a14:hiddenFill xmlns:a14="http://schemas.microsoft.com/office/drawing/2010/main" xmlns="">
+                <a14:hiddenFill xmlns:a14="http://schemas.microsoft.com/office/drawing/2010/main">
                   <a:solidFill>
                     <a:srgbClr val="FFFFFF"/>
                   </a:solidFill>
                 </a14:hiddenFill>
               </a:ext>
               <a:ext uri="{91240B29-F687-4F45-9708-019B960494DF}">
-                <a14:hiddenLine xmlns:a14="http://schemas.microsoft.com/office/drawing/2010/main" xmlns="" w="9525">
+                <a14:hiddenLine xmlns:a14="http://schemas.microsoft.com/office/drawing/2010/main" w="9525">
                   <a:solidFill>
                     <a:srgbClr val="000000"/>
                   </a:solidFill>
@@ -5622,14 +7575,14 @@
             </a:ln>
             <a:extLst>
               <a:ext uri="{909E8E84-426E-40DD-AFC4-6F175D3DCCD1}">
-                <a14:hiddenFill xmlns:a14="http://schemas.microsoft.com/office/drawing/2010/main" xmlns="">
+                <a14:hiddenFill xmlns:a14="http://schemas.microsoft.com/office/drawing/2010/main">
                   <a:solidFill>
                     <a:srgbClr val="FFFFFF"/>
                   </a:solidFill>
                 </a14:hiddenFill>
               </a:ext>
               <a:ext uri="{91240B29-F687-4F45-9708-019B960494DF}">
-                <a14:hiddenLine xmlns:a14="http://schemas.microsoft.com/office/drawing/2010/main" xmlns="" w="9525">
+                <a14:hiddenLine xmlns:a14="http://schemas.microsoft.com/office/drawing/2010/main" w="9525">
                   <a:solidFill>
                     <a:srgbClr val="000000"/>
                   </a:solidFill>
@@ -5852,7 +7805,7 @@
                 <a:ea typeface="ＭＳ Ｐゴシック" pitchFamily="-106" charset="-128"/>
                 <a:cs typeface="Verdana" pitchFamily="34" charset="0"/>
               </a:rPr>
-              <a:t>Alisson Santana</a:t>
+              <a:t>Tatiana Santana</a:t>
             </a:r>
             <a:endParaRPr kumimoji="0" lang="pt-BR" sz="2000" b="1" i="0" u="none" strike="noStrike" kern="1200" cap="none" spc="0" normalizeH="0" baseline="0" noProof="0" dirty="0">
               <a:ln>
@@ -5872,11 +7825,6 @@
         </p:txBody>
       </p:sp>
     </p:spTree>
-    <p:extLst>
-      <p:ext uri="{BB962C8B-B14F-4D97-AF65-F5344CB8AC3E}">
-        <p14:creationId xmlns:p14="http://schemas.microsoft.com/office/powerpoint/2010/main" xmlns="" val="681014556"/>
-      </p:ext>
-    </p:extLst>
   </p:cSld>
   <p:clrMapOvr>
     <a:masterClrMapping/>
@@ -5884,1515 +7832,6 @@
   <p:transition spd="med">
     <p:fade/>
   </p:transition>
-  <p:timing>
-    <p:tnLst>
-      <p:par>
-        <p:cTn id="1" dur="indefinite" restart="never" nodeType="tmRoot"/>
-      </p:par>
-    </p:tnLst>
-  </p:timing>
-</p:sld>
-</file>
-
-<file path=ppt/slides/slide21.xml><?xml version="1.0" encoding="utf-8"?>
-<p:sld xmlns:a="http://schemas.openxmlformats.org/drawingml/2006/main" xmlns:r="http://schemas.openxmlformats.org/officeDocument/2006/relationships" xmlns:p="http://schemas.openxmlformats.org/presentationml/2006/main">
-  <p:cSld>
-    <p:spTree>
-      <p:nvGrpSpPr>
-        <p:cNvPr id="1" name=""/>
-        <p:cNvGrpSpPr/>
-        <p:nvPr/>
-      </p:nvGrpSpPr>
-      <p:grpSpPr>
-        <a:xfrm>
-          <a:off x="0" y="0"/>
-          <a:ext cx="0" cy="0"/>
-          <a:chOff x="0" y="0"/>
-          <a:chExt cx="0" cy="0"/>
-        </a:xfrm>
-      </p:grpSpPr>
-      <p:sp>
-        <p:nvSpPr>
-          <p:cNvPr id="4" name="Espaço Reservado para Texto 3"/>
-          <p:cNvSpPr>
-            <a:spLocks noGrp="1"/>
-          </p:cNvSpPr>
-          <p:nvPr>
-            <p:ph type="body" sz="quarter" idx="12"/>
-          </p:nvPr>
-        </p:nvSpPr>
-        <p:spPr>
-          <a:xfrm>
-            <a:off x="395536" y="1196752"/>
-            <a:ext cx="8208912" cy="5112568"/>
-          </a:xfrm>
-        </p:spPr>
-        <p:txBody>
-          <a:bodyPr/>
-          <a:lstStyle/>
-          <a:p>
-            <a:pPr algn="just" eaLnBrk="1" hangingPunct="1">
-              <a:buFont typeface="Arial" panose="020B0604020202020204" pitchFamily="34" charset="0"/>
-              <a:buChar char="•"/>
-              <a:defRPr/>
-            </a:pPr>
-            <a:r>
-              <a:rPr lang="pt-BR" sz="2600" dirty="0">
-                <a:solidFill>
-                  <a:schemeClr val="tx2">
-                    <a:lumMod val="75000"/>
-                  </a:schemeClr>
-                </a:solidFill>
-                <a:latin typeface="Calibri (Corpo)"/>
-                <a:cs typeface="Calibri" panose="020F0502020204030204" pitchFamily="34" charset="0"/>
-              </a:rPr>
-              <a:t>Manter Cobrança</a:t>
-            </a:r>
-          </a:p>
-          <a:p>
-            <a:pPr lvl="1" algn="just" eaLnBrk="1" hangingPunct="1">
-              <a:buFont typeface="Arial" panose="020B0604020202020204" pitchFamily="34" charset="0"/>
-              <a:buChar char="•"/>
-              <a:defRPr/>
-            </a:pPr>
-            <a:r>
-              <a:rPr lang="pt-BR" sz="1850" dirty="0">
-                <a:solidFill>
-                  <a:schemeClr val="tx2">
-                    <a:lumMod val="75000"/>
-                  </a:schemeClr>
-                </a:solidFill>
-                <a:latin typeface="+mn-lt"/>
-                <a:ea typeface="+mn-ea"/>
-                <a:cs typeface="+mn-cs"/>
-              </a:rPr>
-              <a:t>Permite a manutenção de cobrança.</a:t>
-            </a:r>
-          </a:p>
-          <a:p>
-            <a:pPr marL="457200" lvl="1" indent="0" algn="just" eaLnBrk="1" hangingPunct="1">
-              <a:defRPr/>
-            </a:pPr>
-            <a:endParaRPr lang="pt-BR" sz="1800" dirty="0">
-              <a:solidFill>
-                <a:schemeClr val="tx2">
-                  <a:lumMod val="75000"/>
-                </a:schemeClr>
-              </a:solidFill>
-              <a:latin typeface="Calibri" panose="020F0502020204030204" pitchFamily="34" charset="0"/>
-              <a:cs typeface="Calibri" panose="020F0502020204030204" pitchFamily="34" charset="0"/>
-            </a:endParaRPr>
-          </a:p>
-          <a:p>
-            <a:pPr algn="just" eaLnBrk="1" hangingPunct="1">
-              <a:buFont typeface="Arial" panose="020B0604020202020204" pitchFamily="34" charset="0"/>
-              <a:buChar char="•"/>
-              <a:defRPr/>
-            </a:pPr>
-            <a:r>
-              <a:rPr lang="pt-BR" sz="2600" dirty="0" smtClean="0">
-                <a:solidFill>
-                  <a:schemeClr val="tx2">
-                    <a:lumMod val="75000"/>
-                  </a:schemeClr>
-                </a:solidFill>
-                <a:latin typeface="Calibri (Corpo)"/>
-                <a:cs typeface="Calibri" panose="020F0502020204030204" pitchFamily="34" charset="0"/>
-              </a:rPr>
-              <a:t>Realizar </a:t>
-            </a:r>
-            <a:r>
-              <a:rPr lang="pt-BR" sz="2600" dirty="0">
-                <a:solidFill>
-                  <a:schemeClr val="tx2">
-                    <a:lumMod val="75000"/>
-                  </a:schemeClr>
-                </a:solidFill>
-                <a:latin typeface="Calibri (Corpo)"/>
-                <a:cs typeface="Calibri" panose="020F0502020204030204" pitchFamily="34" charset="0"/>
-              </a:rPr>
-              <a:t>Pagamento</a:t>
-            </a:r>
-          </a:p>
-          <a:p>
-            <a:pPr lvl="1" algn="just" eaLnBrk="1" hangingPunct="1">
-              <a:buFont typeface="Arial" panose="020B0604020202020204" pitchFamily="34" charset="0"/>
-              <a:buChar char="•"/>
-              <a:defRPr/>
-            </a:pPr>
-            <a:r>
-              <a:rPr lang="pt-BR" sz="1850" dirty="0" smtClean="0">
-                <a:solidFill>
-                  <a:schemeClr val="tx2">
-                    <a:lumMod val="75000"/>
-                  </a:schemeClr>
-                </a:solidFill>
-                <a:latin typeface="+mn-lt"/>
-                <a:ea typeface="+mn-ea"/>
-                <a:cs typeface="+mn-cs"/>
-              </a:rPr>
-              <a:t>Realizar os </a:t>
-            </a:r>
-            <a:r>
-              <a:rPr lang="pt-BR" sz="1850" dirty="0">
-                <a:solidFill>
-                  <a:schemeClr val="tx2">
-                    <a:lumMod val="75000"/>
-                  </a:schemeClr>
-                </a:solidFill>
-                <a:latin typeface="+mn-lt"/>
-                <a:ea typeface="+mn-ea"/>
-                <a:cs typeface="+mn-cs"/>
-              </a:rPr>
-              <a:t>pagamentos dos clientes por serviços prestados pela clínica.</a:t>
-            </a:r>
-          </a:p>
-          <a:p>
-            <a:pPr marL="457200" lvl="1" indent="0" algn="just" eaLnBrk="1" hangingPunct="1">
-              <a:defRPr/>
-            </a:pPr>
-            <a:endParaRPr lang="pt-BR" sz="1800" dirty="0">
-              <a:solidFill>
-                <a:schemeClr val="tx2">
-                  <a:lumMod val="75000"/>
-                </a:schemeClr>
-              </a:solidFill>
-              <a:latin typeface="Calibri" panose="020F0502020204030204" pitchFamily="34" charset="0"/>
-              <a:cs typeface="Calibri" panose="020F0502020204030204" pitchFamily="34" charset="0"/>
-            </a:endParaRPr>
-          </a:p>
-          <a:p>
-            <a:pPr algn="just" eaLnBrk="1" hangingPunct="1">
-              <a:buFont typeface="Arial" panose="020B0604020202020204" pitchFamily="34" charset="0"/>
-              <a:buChar char="•"/>
-              <a:defRPr/>
-            </a:pPr>
-            <a:r>
-              <a:rPr lang="pt-BR" sz="2600" dirty="0">
-                <a:solidFill>
-                  <a:schemeClr val="tx2">
-                    <a:lumMod val="75000"/>
-                  </a:schemeClr>
-                </a:solidFill>
-                <a:latin typeface="Calibri (Corpo)"/>
-                <a:cs typeface="Calibri" panose="020F0502020204030204" pitchFamily="34" charset="0"/>
-              </a:rPr>
-              <a:t>Manter </a:t>
-            </a:r>
-            <a:r>
-              <a:rPr lang="pt-BR" sz="2600" dirty="0" smtClean="0">
-                <a:solidFill>
-                  <a:schemeClr val="tx2">
-                    <a:lumMod val="75000"/>
-                  </a:schemeClr>
-                </a:solidFill>
-                <a:latin typeface="Calibri (Corpo)"/>
-                <a:cs typeface="Calibri" panose="020F0502020204030204" pitchFamily="34" charset="0"/>
-              </a:rPr>
-              <a:t>Despesas</a:t>
-            </a:r>
-            <a:endParaRPr lang="pt-BR" sz="2600" dirty="0">
-              <a:solidFill>
-                <a:schemeClr val="tx2">
-                  <a:lumMod val="75000"/>
-                </a:schemeClr>
-              </a:solidFill>
-              <a:latin typeface="Calibri (Corpo)"/>
-              <a:cs typeface="Calibri" panose="020F0502020204030204" pitchFamily="34" charset="0"/>
-            </a:endParaRPr>
-          </a:p>
-          <a:p>
-            <a:pPr lvl="1" algn="just" eaLnBrk="1" hangingPunct="1">
-              <a:buFont typeface="Arial" panose="020B0604020202020204" pitchFamily="34" charset="0"/>
-              <a:buChar char="•"/>
-              <a:defRPr/>
-            </a:pPr>
-            <a:r>
-              <a:rPr lang="pt-BR" sz="1850" dirty="0">
-                <a:solidFill>
-                  <a:schemeClr val="tx2">
-                    <a:lumMod val="75000"/>
-                  </a:schemeClr>
-                </a:solidFill>
-                <a:latin typeface="+mn-lt"/>
-                <a:ea typeface="+mn-ea"/>
-                <a:cs typeface="+mn-cs"/>
-              </a:rPr>
-              <a:t>Permite a manutenção de </a:t>
-            </a:r>
-            <a:r>
-              <a:rPr lang="pt-BR" sz="1850" dirty="0" smtClean="0">
-                <a:solidFill>
-                  <a:schemeClr val="tx2">
-                    <a:lumMod val="75000"/>
-                  </a:schemeClr>
-                </a:solidFill>
-                <a:latin typeface="+mn-lt"/>
-                <a:ea typeface="+mn-ea"/>
-                <a:cs typeface="+mn-cs"/>
-              </a:rPr>
-              <a:t>despesas </a:t>
-            </a:r>
-            <a:r>
-              <a:rPr lang="pt-BR" sz="1850" dirty="0">
-                <a:solidFill>
-                  <a:schemeClr val="tx2">
-                    <a:lumMod val="75000"/>
-                  </a:schemeClr>
-                </a:solidFill>
-                <a:latin typeface="+mn-lt"/>
-                <a:ea typeface="+mn-ea"/>
-                <a:cs typeface="+mn-cs"/>
-              </a:rPr>
-              <a:t>da clínica.</a:t>
-            </a:r>
-          </a:p>
-          <a:p>
-            <a:pPr marL="457200" lvl="1" indent="0" algn="just" eaLnBrk="1" hangingPunct="1">
-              <a:defRPr/>
-            </a:pPr>
-            <a:endParaRPr lang="pt-BR" sz="1800" dirty="0">
-              <a:solidFill>
-                <a:schemeClr val="tx2">
-                  <a:lumMod val="75000"/>
-                </a:schemeClr>
-              </a:solidFill>
-              <a:latin typeface="Calibri" panose="020F0502020204030204" pitchFamily="34" charset="0"/>
-              <a:cs typeface="Calibri" panose="020F0502020204030204" pitchFamily="34" charset="0"/>
-            </a:endParaRPr>
-          </a:p>
-          <a:p>
-            <a:pPr algn="just" eaLnBrk="1" hangingPunct="1">
-              <a:buFont typeface="Arial" panose="020B0604020202020204" pitchFamily="34" charset="0"/>
-              <a:buChar char="•"/>
-              <a:defRPr/>
-            </a:pPr>
-            <a:r>
-              <a:rPr lang="pt-BR" sz="2600" dirty="0">
-                <a:solidFill>
-                  <a:schemeClr val="tx2">
-                    <a:lumMod val="75000"/>
-                  </a:schemeClr>
-                </a:solidFill>
-                <a:latin typeface="Calibri (Corpo)"/>
-                <a:cs typeface="Calibri" panose="020F0502020204030204" pitchFamily="34" charset="0"/>
-              </a:rPr>
-              <a:t>Gerar Relatórios</a:t>
-            </a:r>
-          </a:p>
-          <a:p>
-            <a:pPr lvl="1" algn="just" eaLnBrk="1" hangingPunct="1">
-              <a:buFont typeface="Arial" panose="020B0604020202020204" pitchFamily="34" charset="0"/>
-              <a:buChar char="•"/>
-              <a:defRPr/>
-            </a:pPr>
-            <a:r>
-              <a:rPr lang="pt-BR" sz="1850" dirty="0">
-                <a:solidFill>
-                  <a:schemeClr val="tx2">
-                    <a:lumMod val="75000"/>
-                  </a:schemeClr>
-                </a:solidFill>
-                <a:latin typeface="+mn-lt"/>
-                <a:ea typeface="+mn-ea"/>
-                <a:cs typeface="+mn-cs"/>
-              </a:rPr>
-              <a:t>Emitir relatórios por períodos, tipo de serviço prestado e por pagantes e devedores.</a:t>
-            </a:r>
-          </a:p>
-        </p:txBody>
-      </p:sp>
-      <p:sp>
-        <p:nvSpPr>
-          <p:cNvPr id="3" name="Título 3"/>
-          <p:cNvSpPr txBox="1">
-            <a:spLocks/>
-          </p:cNvSpPr>
-          <p:nvPr/>
-        </p:nvSpPr>
-        <p:spPr>
-          <a:xfrm>
-            <a:off x="2123728" y="188640"/>
-            <a:ext cx="8797925" cy="922338"/>
-          </a:xfrm>
-          <a:prstGeom prst="rect">
-            <a:avLst/>
-          </a:prstGeom>
-        </p:spPr>
-        <p:txBody>
-          <a:bodyPr/>
-          <a:lstStyle>
-            <a:lvl1pPr algn="ctr" rtl="0" eaLnBrk="0" fontAlgn="base" hangingPunct="0">
-              <a:spcBef>
-                <a:spcPct val="0"/>
-              </a:spcBef>
-              <a:spcAft>
-                <a:spcPct val="0"/>
-              </a:spcAft>
-              <a:defRPr sz="4400" kern="1200">
-                <a:solidFill>
-                  <a:schemeClr val="tx1"/>
-                </a:solidFill>
-                <a:latin typeface="Verdana" pitchFamily="34" charset="0"/>
-                <a:ea typeface="Verdana" pitchFamily="34" charset="0"/>
-                <a:cs typeface="Verdana" pitchFamily="34" charset="0"/>
-              </a:defRPr>
-            </a:lvl1pPr>
-            <a:lvl2pPr algn="ctr" rtl="0" eaLnBrk="0" fontAlgn="base" hangingPunct="0">
-              <a:spcBef>
-                <a:spcPct val="0"/>
-              </a:spcBef>
-              <a:spcAft>
-                <a:spcPct val="0"/>
-              </a:spcAft>
-              <a:defRPr sz="4400">
-                <a:solidFill>
-                  <a:schemeClr val="tx1"/>
-                </a:solidFill>
-                <a:latin typeface="Verdana" pitchFamily="34" charset="0"/>
-                <a:ea typeface="Verdana" pitchFamily="34" charset="0"/>
-                <a:cs typeface="Verdana" pitchFamily="34" charset="0"/>
-              </a:defRPr>
-            </a:lvl2pPr>
-            <a:lvl3pPr algn="ctr" rtl="0" eaLnBrk="0" fontAlgn="base" hangingPunct="0">
-              <a:spcBef>
-                <a:spcPct val="0"/>
-              </a:spcBef>
-              <a:spcAft>
-                <a:spcPct val="0"/>
-              </a:spcAft>
-              <a:defRPr sz="4400">
-                <a:solidFill>
-                  <a:schemeClr val="tx1"/>
-                </a:solidFill>
-                <a:latin typeface="Verdana" pitchFamily="34" charset="0"/>
-                <a:ea typeface="Verdana" pitchFamily="34" charset="0"/>
-                <a:cs typeface="Verdana" pitchFamily="34" charset="0"/>
-              </a:defRPr>
-            </a:lvl3pPr>
-            <a:lvl4pPr algn="ctr" rtl="0" eaLnBrk="0" fontAlgn="base" hangingPunct="0">
-              <a:spcBef>
-                <a:spcPct val="0"/>
-              </a:spcBef>
-              <a:spcAft>
-                <a:spcPct val="0"/>
-              </a:spcAft>
-              <a:defRPr sz="4400">
-                <a:solidFill>
-                  <a:schemeClr val="tx1"/>
-                </a:solidFill>
-                <a:latin typeface="Verdana" pitchFamily="34" charset="0"/>
-                <a:ea typeface="Verdana" pitchFamily="34" charset="0"/>
-                <a:cs typeface="Verdana" pitchFamily="34" charset="0"/>
-              </a:defRPr>
-            </a:lvl4pPr>
-            <a:lvl5pPr algn="ctr" rtl="0" eaLnBrk="0" fontAlgn="base" hangingPunct="0">
-              <a:spcBef>
-                <a:spcPct val="0"/>
-              </a:spcBef>
-              <a:spcAft>
-                <a:spcPct val="0"/>
-              </a:spcAft>
-              <a:defRPr sz="4400">
-                <a:solidFill>
-                  <a:schemeClr val="tx1"/>
-                </a:solidFill>
-                <a:latin typeface="Verdana" pitchFamily="34" charset="0"/>
-                <a:ea typeface="Verdana" pitchFamily="34" charset="0"/>
-                <a:cs typeface="Verdana" pitchFamily="34" charset="0"/>
-              </a:defRPr>
-            </a:lvl5pPr>
-            <a:lvl6pPr marL="457200" algn="ctr" rtl="0" fontAlgn="base">
-              <a:spcBef>
-                <a:spcPct val="0"/>
-              </a:spcBef>
-              <a:spcAft>
-                <a:spcPct val="0"/>
-              </a:spcAft>
-              <a:defRPr sz="4400">
-                <a:solidFill>
-                  <a:schemeClr val="tx1"/>
-                </a:solidFill>
-                <a:latin typeface="Verdana" pitchFamily="34" charset="0"/>
-                <a:ea typeface="Verdana" pitchFamily="34" charset="0"/>
-                <a:cs typeface="Verdana" pitchFamily="34" charset="0"/>
-              </a:defRPr>
-            </a:lvl6pPr>
-            <a:lvl7pPr marL="914400" algn="ctr" rtl="0" fontAlgn="base">
-              <a:spcBef>
-                <a:spcPct val="0"/>
-              </a:spcBef>
-              <a:spcAft>
-                <a:spcPct val="0"/>
-              </a:spcAft>
-              <a:defRPr sz="4400">
-                <a:solidFill>
-                  <a:schemeClr val="tx1"/>
-                </a:solidFill>
-                <a:latin typeface="Verdana" pitchFamily="34" charset="0"/>
-                <a:ea typeface="Verdana" pitchFamily="34" charset="0"/>
-                <a:cs typeface="Verdana" pitchFamily="34" charset="0"/>
-              </a:defRPr>
-            </a:lvl7pPr>
-            <a:lvl8pPr marL="1371600" algn="ctr" rtl="0" fontAlgn="base">
-              <a:spcBef>
-                <a:spcPct val="0"/>
-              </a:spcBef>
-              <a:spcAft>
-                <a:spcPct val="0"/>
-              </a:spcAft>
-              <a:defRPr sz="4400">
-                <a:solidFill>
-                  <a:schemeClr val="tx1"/>
-                </a:solidFill>
-                <a:latin typeface="Verdana" pitchFamily="34" charset="0"/>
-                <a:ea typeface="Verdana" pitchFamily="34" charset="0"/>
-                <a:cs typeface="Verdana" pitchFamily="34" charset="0"/>
-              </a:defRPr>
-            </a:lvl8pPr>
-            <a:lvl9pPr marL="1828800" algn="ctr" rtl="0" fontAlgn="base">
-              <a:spcBef>
-                <a:spcPct val="0"/>
-              </a:spcBef>
-              <a:spcAft>
-                <a:spcPct val="0"/>
-              </a:spcAft>
-              <a:defRPr sz="4400">
-                <a:solidFill>
-                  <a:schemeClr val="tx1"/>
-                </a:solidFill>
-                <a:latin typeface="Verdana" pitchFamily="34" charset="0"/>
-                <a:ea typeface="Verdana" pitchFamily="34" charset="0"/>
-                <a:cs typeface="Verdana" pitchFamily="34" charset="0"/>
-              </a:defRPr>
-            </a:lvl9pPr>
-          </a:lstStyle>
-          <a:p>
-            <a:pPr eaLnBrk="1" hangingPunct="1">
-              <a:defRPr/>
-            </a:pPr>
-            <a:r>
-              <a:rPr lang="pt-BR" sz="3600" b="1" dirty="0">
-                <a:solidFill>
-                  <a:schemeClr val="accent1">
-                    <a:lumMod val="50000"/>
-                  </a:schemeClr>
-                </a:solidFill>
-                <a:latin typeface="Arial" pitchFamily="34" charset="0"/>
-                <a:cs typeface="Arial" pitchFamily="34" charset="0"/>
-              </a:rPr>
-              <a:t>MÓDULO FINANCEIRO</a:t>
-            </a:r>
-          </a:p>
-        </p:txBody>
-      </p:sp>
-    </p:spTree>
-    <p:extLst>
-      <p:ext uri="{BB962C8B-B14F-4D97-AF65-F5344CB8AC3E}">
-        <p14:creationId xmlns:p14="http://schemas.microsoft.com/office/powerpoint/2010/main" xmlns="" val="3812644496"/>
-      </p:ext>
-    </p:extLst>
-  </p:cSld>
-  <p:clrMapOvr>
-    <a:masterClrMapping/>
-  </p:clrMapOvr>
-  <p:timing>
-    <p:tnLst>
-      <p:par>
-        <p:cTn id="1" dur="indefinite" restart="never" nodeType="tmRoot"/>
-      </p:par>
-    </p:tnLst>
-  </p:timing>
-</p:sld>
-</file>
-
-<file path=ppt/slides/slide22.xml><?xml version="1.0" encoding="utf-8"?>
-<p:sld xmlns:a="http://schemas.openxmlformats.org/drawingml/2006/main" xmlns:r="http://schemas.openxmlformats.org/officeDocument/2006/relationships" xmlns:p="http://schemas.openxmlformats.org/presentationml/2006/main">
-  <p:cSld>
-    <p:spTree>
-      <p:nvGrpSpPr>
-        <p:cNvPr id="1" name=""/>
-        <p:cNvGrpSpPr/>
-        <p:nvPr/>
-      </p:nvGrpSpPr>
-      <p:grpSpPr>
-        <a:xfrm>
-          <a:off x="0" y="0"/>
-          <a:ext cx="0" cy="0"/>
-          <a:chOff x="0" y="0"/>
-          <a:chExt cx="0" cy="0"/>
-        </a:xfrm>
-      </p:grpSpPr>
-      <p:sp>
-        <p:nvSpPr>
-          <p:cNvPr id="5" name="Título 3"/>
-          <p:cNvSpPr txBox="1">
-            <a:spLocks/>
-          </p:cNvSpPr>
-          <p:nvPr/>
-        </p:nvSpPr>
-        <p:spPr>
-          <a:xfrm>
-            <a:off x="2123728" y="188640"/>
-            <a:ext cx="8797925" cy="922338"/>
-          </a:xfrm>
-          <a:prstGeom prst="rect">
-            <a:avLst/>
-          </a:prstGeom>
-        </p:spPr>
-        <p:txBody>
-          <a:bodyPr/>
-          <a:lstStyle>
-            <a:lvl1pPr algn="ctr" rtl="0" eaLnBrk="0" fontAlgn="base" hangingPunct="0">
-              <a:spcBef>
-                <a:spcPct val="0"/>
-              </a:spcBef>
-              <a:spcAft>
-                <a:spcPct val="0"/>
-              </a:spcAft>
-              <a:defRPr sz="4400" kern="1200">
-                <a:solidFill>
-                  <a:schemeClr val="tx1"/>
-                </a:solidFill>
-                <a:latin typeface="Verdana" pitchFamily="34" charset="0"/>
-                <a:ea typeface="Verdana" pitchFamily="34" charset="0"/>
-                <a:cs typeface="Verdana" pitchFamily="34" charset="0"/>
-              </a:defRPr>
-            </a:lvl1pPr>
-            <a:lvl2pPr algn="ctr" rtl="0" eaLnBrk="0" fontAlgn="base" hangingPunct="0">
-              <a:spcBef>
-                <a:spcPct val="0"/>
-              </a:spcBef>
-              <a:spcAft>
-                <a:spcPct val="0"/>
-              </a:spcAft>
-              <a:defRPr sz="4400">
-                <a:solidFill>
-                  <a:schemeClr val="tx1"/>
-                </a:solidFill>
-                <a:latin typeface="Verdana" pitchFamily="34" charset="0"/>
-                <a:ea typeface="Verdana" pitchFamily="34" charset="0"/>
-                <a:cs typeface="Verdana" pitchFamily="34" charset="0"/>
-              </a:defRPr>
-            </a:lvl2pPr>
-            <a:lvl3pPr algn="ctr" rtl="0" eaLnBrk="0" fontAlgn="base" hangingPunct="0">
-              <a:spcBef>
-                <a:spcPct val="0"/>
-              </a:spcBef>
-              <a:spcAft>
-                <a:spcPct val="0"/>
-              </a:spcAft>
-              <a:defRPr sz="4400">
-                <a:solidFill>
-                  <a:schemeClr val="tx1"/>
-                </a:solidFill>
-                <a:latin typeface="Verdana" pitchFamily="34" charset="0"/>
-                <a:ea typeface="Verdana" pitchFamily="34" charset="0"/>
-                <a:cs typeface="Verdana" pitchFamily="34" charset="0"/>
-              </a:defRPr>
-            </a:lvl3pPr>
-            <a:lvl4pPr algn="ctr" rtl="0" eaLnBrk="0" fontAlgn="base" hangingPunct="0">
-              <a:spcBef>
-                <a:spcPct val="0"/>
-              </a:spcBef>
-              <a:spcAft>
-                <a:spcPct val="0"/>
-              </a:spcAft>
-              <a:defRPr sz="4400">
-                <a:solidFill>
-                  <a:schemeClr val="tx1"/>
-                </a:solidFill>
-                <a:latin typeface="Verdana" pitchFamily="34" charset="0"/>
-                <a:ea typeface="Verdana" pitchFamily="34" charset="0"/>
-                <a:cs typeface="Verdana" pitchFamily="34" charset="0"/>
-              </a:defRPr>
-            </a:lvl4pPr>
-            <a:lvl5pPr algn="ctr" rtl="0" eaLnBrk="0" fontAlgn="base" hangingPunct="0">
-              <a:spcBef>
-                <a:spcPct val="0"/>
-              </a:spcBef>
-              <a:spcAft>
-                <a:spcPct val="0"/>
-              </a:spcAft>
-              <a:defRPr sz="4400">
-                <a:solidFill>
-                  <a:schemeClr val="tx1"/>
-                </a:solidFill>
-                <a:latin typeface="Verdana" pitchFamily="34" charset="0"/>
-                <a:ea typeface="Verdana" pitchFamily="34" charset="0"/>
-                <a:cs typeface="Verdana" pitchFamily="34" charset="0"/>
-              </a:defRPr>
-            </a:lvl5pPr>
-            <a:lvl6pPr marL="457200" algn="ctr" rtl="0" fontAlgn="base">
-              <a:spcBef>
-                <a:spcPct val="0"/>
-              </a:spcBef>
-              <a:spcAft>
-                <a:spcPct val="0"/>
-              </a:spcAft>
-              <a:defRPr sz="4400">
-                <a:solidFill>
-                  <a:schemeClr val="tx1"/>
-                </a:solidFill>
-                <a:latin typeface="Verdana" pitchFamily="34" charset="0"/>
-                <a:ea typeface="Verdana" pitchFamily="34" charset="0"/>
-                <a:cs typeface="Verdana" pitchFamily="34" charset="0"/>
-              </a:defRPr>
-            </a:lvl6pPr>
-            <a:lvl7pPr marL="914400" algn="ctr" rtl="0" fontAlgn="base">
-              <a:spcBef>
-                <a:spcPct val="0"/>
-              </a:spcBef>
-              <a:spcAft>
-                <a:spcPct val="0"/>
-              </a:spcAft>
-              <a:defRPr sz="4400">
-                <a:solidFill>
-                  <a:schemeClr val="tx1"/>
-                </a:solidFill>
-                <a:latin typeface="Verdana" pitchFamily="34" charset="0"/>
-                <a:ea typeface="Verdana" pitchFamily="34" charset="0"/>
-                <a:cs typeface="Verdana" pitchFamily="34" charset="0"/>
-              </a:defRPr>
-            </a:lvl7pPr>
-            <a:lvl8pPr marL="1371600" algn="ctr" rtl="0" fontAlgn="base">
-              <a:spcBef>
-                <a:spcPct val="0"/>
-              </a:spcBef>
-              <a:spcAft>
-                <a:spcPct val="0"/>
-              </a:spcAft>
-              <a:defRPr sz="4400">
-                <a:solidFill>
-                  <a:schemeClr val="tx1"/>
-                </a:solidFill>
-                <a:latin typeface="Verdana" pitchFamily="34" charset="0"/>
-                <a:ea typeface="Verdana" pitchFamily="34" charset="0"/>
-                <a:cs typeface="Verdana" pitchFamily="34" charset="0"/>
-              </a:defRPr>
-            </a:lvl8pPr>
-            <a:lvl9pPr marL="1828800" algn="ctr" rtl="0" fontAlgn="base">
-              <a:spcBef>
-                <a:spcPct val="0"/>
-              </a:spcBef>
-              <a:spcAft>
-                <a:spcPct val="0"/>
-              </a:spcAft>
-              <a:defRPr sz="4400">
-                <a:solidFill>
-                  <a:schemeClr val="tx1"/>
-                </a:solidFill>
-                <a:latin typeface="Verdana" pitchFamily="34" charset="0"/>
-                <a:ea typeface="Verdana" pitchFamily="34" charset="0"/>
-                <a:cs typeface="Verdana" pitchFamily="34" charset="0"/>
-              </a:defRPr>
-            </a:lvl9pPr>
-          </a:lstStyle>
-          <a:p>
-            <a:pPr eaLnBrk="1" hangingPunct="1">
-              <a:defRPr/>
-            </a:pPr>
-            <a:r>
-              <a:rPr lang="pt-BR" sz="3600" b="1" dirty="0">
-                <a:solidFill>
-                  <a:schemeClr val="accent1">
-                    <a:lumMod val="50000"/>
-                  </a:schemeClr>
-                </a:solidFill>
-                <a:latin typeface="Arial" pitchFamily="34" charset="0"/>
-                <a:cs typeface="Arial" pitchFamily="34" charset="0"/>
-              </a:rPr>
-              <a:t>MÓDULO FINANCEIRO</a:t>
-            </a:r>
-          </a:p>
-        </p:txBody>
-      </p:sp>
-      <p:pic>
-        <p:nvPicPr>
-          <p:cNvPr id="4" name="Imagem 3"/>
-          <p:cNvPicPr>
-            <a:picLocks noChangeAspect="1"/>
-          </p:cNvPicPr>
-          <p:nvPr/>
-        </p:nvPicPr>
-        <p:blipFill>
-          <a:blip r:embed="rId2" cstate="print">
-            <a:extLst>
-              <a:ext uri="{28A0092B-C50C-407E-A947-70E740481C1C}">
-                <a14:useLocalDpi xmlns:a14="http://schemas.microsoft.com/office/drawing/2010/main" xmlns="" val="0"/>
-              </a:ext>
-            </a:extLst>
-          </a:blip>
-          <a:stretch>
-            <a:fillRect/>
-          </a:stretch>
-        </p:blipFill>
-        <p:spPr>
-          <a:xfrm>
-            <a:off x="1763687" y="1196752"/>
-            <a:ext cx="4968553" cy="5661248"/>
-          </a:xfrm>
-          <a:prstGeom prst="rect">
-            <a:avLst/>
-          </a:prstGeom>
-        </p:spPr>
-      </p:pic>
-    </p:spTree>
-    <p:extLst>
-      <p:ext uri="{BB962C8B-B14F-4D97-AF65-F5344CB8AC3E}">
-        <p14:creationId xmlns:p14="http://schemas.microsoft.com/office/powerpoint/2010/main" xmlns="" val="1625217003"/>
-      </p:ext>
-    </p:extLst>
-  </p:cSld>
-  <p:clrMapOvr>
-    <a:masterClrMapping/>
-  </p:clrMapOvr>
-  <p:timing>
-    <p:tnLst>
-      <p:par>
-        <p:cTn id="1" dur="indefinite" restart="never" nodeType="tmRoot"/>
-      </p:par>
-    </p:tnLst>
-  </p:timing>
-</p:sld>
-</file>
-
-<file path=ppt/slides/slide23.xml><?xml version="1.0" encoding="utf-8"?>
-<p:sld xmlns:a="http://schemas.openxmlformats.org/drawingml/2006/main" xmlns:r="http://schemas.openxmlformats.org/officeDocument/2006/relationships" xmlns:p="http://schemas.openxmlformats.org/presentationml/2006/main">
-  <p:cSld>
-    <p:spTree>
-      <p:nvGrpSpPr>
-        <p:cNvPr id="1" name=""/>
-        <p:cNvGrpSpPr/>
-        <p:nvPr/>
-      </p:nvGrpSpPr>
-      <p:grpSpPr>
-        <a:xfrm>
-          <a:off x="0" y="0"/>
-          <a:ext cx="0" cy="0"/>
-          <a:chOff x="0" y="0"/>
-          <a:chExt cx="0" cy="0"/>
-        </a:xfrm>
-      </p:grpSpPr>
-      <p:sp>
-        <p:nvSpPr>
-          <p:cNvPr id="6" name="Título 3"/>
-          <p:cNvSpPr txBox="1">
-            <a:spLocks/>
-          </p:cNvSpPr>
-          <p:nvPr/>
-        </p:nvSpPr>
-        <p:spPr>
-          <a:xfrm>
-            <a:off x="2123728" y="188640"/>
-            <a:ext cx="8797925" cy="922338"/>
-          </a:xfrm>
-          <a:prstGeom prst="rect">
-            <a:avLst/>
-          </a:prstGeom>
-        </p:spPr>
-        <p:txBody>
-          <a:bodyPr/>
-          <a:lstStyle>
-            <a:lvl1pPr algn="ctr" rtl="0" eaLnBrk="0" fontAlgn="base" hangingPunct="0">
-              <a:spcBef>
-                <a:spcPct val="0"/>
-              </a:spcBef>
-              <a:spcAft>
-                <a:spcPct val="0"/>
-              </a:spcAft>
-              <a:defRPr sz="4400" kern="1200">
-                <a:solidFill>
-                  <a:schemeClr val="tx1"/>
-                </a:solidFill>
-                <a:latin typeface="Verdana" pitchFamily="34" charset="0"/>
-                <a:ea typeface="Verdana" pitchFamily="34" charset="0"/>
-                <a:cs typeface="Verdana" pitchFamily="34" charset="0"/>
-              </a:defRPr>
-            </a:lvl1pPr>
-            <a:lvl2pPr algn="ctr" rtl="0" eaLnBrk="0" fontAlgn="base" hangingPunct="0">
-              <a:spcBef>
-                <a:spcPct val="0"/>
-              </a:spcBef>
-              <a:spcAft>
-                <a:spcPct val="0"/>
-              </a:spcAft>
-              <a:defRPr sz="4400">
-                <a:solidFill>
-                  <a:schemeClr val="tx1"/>
-                </a:solidFill>
-                <a:latin typeface="Verdana" pitchFamily="34" charset="0"/>
-                <a:ea typeface="Verdana" pitchFamily="34" charset="0"/>
-                <a:cs typeface="Verdana" pitchFamily="34" charset="0"/>
-              </a:defRPr>
-            </a:lvl2pPr>
-            <a:lvl3pPr algn="ctr" rtl="0" eaLnBrk="0" fontAlgn="base" hangingPunct="0">
-              <a:spcBef>
-                <a:spcPct val="0"/>
-              </a:spcBef>
-              <a:spcAft>
-                <a:spcPct val="0"/>
-              </a:spcAft>
-              <a:defRPr sz="4400">
-                <a:solidFill>
-                  <a:schemeClr val="tx1"/>
-                </a:solidFill>
-                <a:latin typeface="Verdana" pitchFamily="34" charset="0"/>
-                <a:ea typeface="Verdana" pitchFamily="34" charset="0"/>
-                <a:cs typeface="Verdana" pitchFamily="34" charset="0"/>
-              </a:defRPr>
-            </a:lvl3pPr>
-            <a:lvl4pPr algn="ctr" rtl="0" eaLnBrk="0" fontAlgn="base" hangingPunct="0">
-              <a:spcBef>
-                <a:spcPct val="0"/>
-              </a:spcBef>
-              <a:spcAft>
-                <a:spcPct val="0"/>
-              </a:spcAft>
-              <a:defRPr sz="4400">
-                <a:solidFill>
-                  <a:schemeClr val="tx1"/>
-                </a:solidFill>
-                <a:latin typeface="Verdana" pitchFamily="34" charset="0"/>
-                <a:ea typeface="Verdana" pitchFamily="34" charset="0"/>
-                <a:cs typeface="Verdana" pitchFamily="34" charset="0"/>
-              </a:defRPr>
-            </a:lvl4pPr>
-            <a:lvl5pPr algn="ctr" rtl="0" eaLnBrk="0" fontAlgn="base" hangingPunct="0">
-              <a:spcBef>
-                <a:spcPct val="0"/>
-              </a:spcBef>
-              <a:spcAft>
-                <a:spcPct val="0"/>
-              </a:spcAft>
-              <a:defRPr sz="4400">
-                <a:solidFill>
-                  <a:schemeClr val="tx1"/>
-                </a:solidFill>
-                <a:latin typeface="Verdana" pitchFamily="34" charset="0"/>
-                <a:ea typeface="Verdana" pitchFamily="34" charset="0"/>
-                <a:cs typeface="Verdana" pitchFamily="34" charset="0"/>
-              </a:defRPr>
-            </a:lvl5pPr>
-            <a:lvl6pPr marL="457200" algn="ctr" rtl="0" fontAlgn="base">
-              <a:spcBef>
-                <a:spcPct val="0"/>
-              </a:spcBef>
-              <a:spcAft>
-                <a:spcPct val="0"/>
-              </a:spcAft>
-              <a:defRPr sz="4400">
-                <a:solidFill>
-                  <a:schemeClr val="tx1"/>
-                </a:solidFill>
-                <a:latin typeface="Verdana" pitchFamily="34" charset="0"/>
-                <a:ea typeface="Verdana" pitchFamily="34" charset="0"/>
-                <a:cs typeface="Verdana" pitchFamily="34" charset="0"/>
-              </a:defRPr>
-            </a:lvl6pPr>
-            <a:lvl7pPr marL="914400" algn="ctr" rtl="0" fontAlgn="base">
-              <a:spcBef>
-                <a:spcPct val="0"/>
-              </a:spcBef>
-              <a:spcAft>
-                <a:spcPct val="0"/>
-              </a:spcAft>
-              <a:defRPr sz="4400">
-                <a:solidFill>
-                  <a:schemeClr val="tx1"/>
-                </a:solidFill>
-                <a:latin typeface="Verdana" pitchFamily="34" charset="0"/>
-                <a:ea typeface="Verdana" pitchFamily="34" charset="0"/>
-                <a:cs typeface="Verdana" pitchFamily="34" charset="0"/>
-              </a:defRPr>
-            </a:lvl7pPr>
-            <a:lvl8pPr marL="1371600" algn="ctr" rtl="0" fontAlgn="base">
-              <a:spcBef>
-                <a:spcPct val="0"/>
-              </a:spcBef>
-              <a:spcAft>
-                <a:spcPct val="0"/>
-              </a:spcAft>
-              <a:defRPr sz="4400">
-                <a:solidFill>
-                  <a:schemeClr val="tx1"/>
-                </a:solidFill>
-                <a:latin typeface="Verdana" pitchFamily="34" charset="0"/>
-                <a:ea typeface="Verdana" pitchFamily="34" charset="0"/>
-                <a:cs typeface="Verdana" pitchFamily="34" charset="0"/>
-              </a:defRPr>
-            </a:lvl8pPr>
-            <a:lvl9pPr marL="1828800" algn="ctr" rtl="0" fontAlgn="base">
-              <a:spcBef>
-                <a:spcPct val="0"/>
-              </a:spcBef>
-              <a:spcAft>
-                <a:spcPct val="0"/>
-              </a:spcAft>
-              <a:defRPr sz="4400">
-                <a:solidFill>
-                  <a:schemeClr val="tx1"/>
-                </a:solidFill>
-                <a:latin typeface="Verdana" pitchFamily="34" charset="0"/>
-                <a:ea typeface="Verdana" pitchFamily="34" charset="0"/>
-                <a:cs typeface="Verdana" pitchFamily="34" charset="0"/>
-              </a:defRPr>
-            </a:lvl9pPr>
-          </a:lstStyle>
-          <a:p>
-            <a:pPr eaLnBrk="1" hangingPunct="1">
-              <a:defRPr/>
-            </a:pPr>
-            <a:r>
-              <a:rPr lang="pt-BR" sz="3600" b="1" dirty="0">
-                <a:solidFill>
-                  <a:schemeClr val="accent1">
-                    <a:lumMod val="50000"/>
-                  </a:schemeClr>
-                </a:solidFill>
-                <a:latin typeface="Arial" pitchFamily="34" charset="0"/>
-                <a:cs typeface="Arial" pitchFamily="34" charset="0"/>
-              </a:rPr>
-              <a:t>MÓDULO FINANCEIRO</a:t>
-            </a:r>
-          </a:p>
-        </p:txBody>
-      </p:sp>
-      <p:pic>
-        <p:nvPicPr>
-          <p:cNvPr id="2" name="Imagem 1"/>
-          <p:cNvPicPr>
-            <a:picLocks noChangeAspect="1"/>
-          </p:cNvPicPr>
-          <p:nvPr/>
-        </p:nvPicPr>
-        <p:blipFill>
-          <a:blip r:embed="rId2" cstate="print">
-            <a:extLst>
-              <a:ext uri="{28A0092B-C50C-407E-A947-70E740481C1C}">
-                <a14:useLocalDpi xmlns:a14="http://schemas.microsoft.com/office/drawing/2010/main" xmlns="" val="0"/>
-              </a:ext>
-            </a:extLst>
-          </a:blip>
-          <a:stretch>
-            <a:fillRect/>
-          </a:stretch>
-        </p:blipFill>
-        <p:spPr>
-          <a:xfrm>
-            <a:off x="-11922" y="1527252"/>
-            <a:ext cx="9155922" cy="4227901"/>
-          </a:xfrm>
-          <a:prstGeom prst="rect">
-            <a:avLst/>
-          </a:prstGeom>
-        </p:spPr>
-      </p:pic>
-    </p:spTree>
-    <p:extLst>
-      <p:ext uri="{BB962C8B-B14F-4D97-AF65-F5344CB8AC3E}">
-        <p14:creationId xmlns:p14="http://schemas.microsoft.com/office/powerpoint/2010/main" xmlns="" val="1256551592"/>
-      </p:ext>
-    </p:extLst>
-  </p:cSld>
-  <p:clrMapOvr>
-    <a:masterClrMapping/>
-  </p:clrMapOvr>
-  <p:timing>
-    <p:tnLst>
-      <p:par>
-        <p:cTn id="1" dur="indefinite" restart="never" nodeType="tmRoot"/>
-      </p:par>
-    </p:tnLst>
-  </p:timing>
-</p:sld>
-</file>
-
-<file path=ppt/slides/slide24.xml><?xml version="1.0" encoding="utf-8"?>
-<p:sld xmlns:a="http://schemas.openxmlformats.org/drawingml/2006/main" xmlns:r="http://schemas.openxmlformats.org/officeDocument/2006/relationships" xmlns:p="http://schemas.openxmlformats.org/presentationml/2006/main">
-  <p:cSld>
-    <p:spTree>
-      <p:nvGrpSpPr>
-        <p:cNvPr id="1" name=""/>
-        <p:cNvGrpSpPr/>
-        <p:nvPr/>
-      </p:nvGrpSpPr>
-      <p:grpSpPr>
-        <a:xfrm>
-          <a:off x="0" y="0"/>
-          <a:ext cx="0" cy="0"/>
-          <a:chOff x="0" y="0"/>
-          <a:chExt cx="0" cy="0"/>
-        </a:xfrm>
-      </p:grpSpPr>
-      <p:sp>
-        <p:nvSpPr>
-          <p:cNvPr id="7" name="Título 3"/>
-          <p:cNvSpPr txBox="1">
-            <a:spLocks/>
-          </p:cNvSpPr>
-          <p:nvPr/>
-        </p:nvSpPr>
-        <p:spPr>
-          <a:xfrm>
-            <a:off x="2123728" y="188640"/>
-            <a:ext cx="8797925" cy="922338"/>
-          </a:xfrm>
-          <a:prstGeom prst="rect">
-            <a:avLst/>
-          </a:prstGeom>
-        </p:spPr>
-        <p:txBody>
-          <a:bodyPr/>
-          <a:lstStyle>
-            <a:lvl1pPr algn="ctr" rtl="0" eaLnBrk="0" fontAlgn="base" hangingPunct="0">
-              <a:spcBef>
-                <a:spcPct val="0"/>
-              </a:spcBef>
-              <a:spcAft>
-                <a:spcPct val="0"/>
-              </a:spcAft>
-              <a:defRPr sz="4400" kern="1200">
-                <a:solidFill>
-                  <a:schemeClr val="tx1"/>
-                </a:solidFill>
-                <a:latin typeface="Verdana" pitchFamily="34" charset="0"/>
-                <a:ea typeface="Verdana" pitchFamily="34" charset="0"/>
-                <a:cs typeface="Verdana" pitchFamily="34" charset="0"/>
-              </a:defRPr>
-            </a:lvl1pPr>
-            <a:lvl2pPr algn="ctr" rtl="0" eaLnBrk="0" fontAlgn="base" hangingPunct="0">
-              <a:spcBef>
-                <a:spcPct val="0"/>
-              </a:spcBef>
-              <a:spcAft>
-                <a:spcPct val="0"/>
-              </a:spcAft>
-              <a:defRPr sz="4400">
-                <a:solidFill>
-                  <a:schemeClr val="tx1"/>
-                </a:solidFill>
-                <a:latin typeface="Verdana" pitchFamily="34" charset="0"/>
-                <a:ea typeface="Verdana" pitchFamily="34" charset="0"/>
-                <a:cs typeface="Verdana" pitchFamily="34" charset="0"/>
-              </a:defRPr>
-            </a:lvl2pPr>
-            <a:lvl3pPr algn="ctr" rtl="0" eaLnBrk="0" fontAlgn="base" hangingPunct="0">
-              <a:spcBef>
-                <a:spcPct val="0"/>
-              </a:spcBef>
-              <a:spcAft>
-                <a:spcPct val="0"/>
-              </a:spcAft>
-              <a:defRPr sz="4400">
-                <a:solidFill>
-                  <a:schemeClr val="tx1"/>
-                </a:solidFill>
-                <a:latin typeface="Verdana" pitchFamily="34" charset="0"/>
-                <a:ea typeface="Verdana" pitchFamily="34" charset="0"/>
-                <a:cs typeface="Verdana" pitchFamily="34" charset="0"/>
-              </a:defRPr>
-            </a:lvl3pPr>
-            <a:lvl4pPr algn="ctr" rtl="0" eaLnBrk="0" fontAlgn="base" hangingPunct="0">
-              <a:spcBef>
-                <a:spcPct val="0"/>
-              </a:spcBef>
-              <a:spcAft>
-                <a:spcPct val="0"/>
-              </a:spcAft>
-              <a:defRPr sz="4400">
-                <a:solidFill>
-                  <a:schemeClr val="tx1"/>
-                </a:solidFill>
-                <a:latin typeface="Verdana" pitchFamily="34" charset="0"/>
-                <a:ea typeface="Verdana" pitchFamily="34" charset="0"/>
-                <a:cs typeface="Verdana" pitchFamily="34" charset="0"/>
-              </a:defRPr>
-            </a:lvl4pPr>
-            <a:lvl5pPr algn="ctr" rtl="0" eaLnBrk="0" fontAlgn="base" hangingPunct="0">
-              <a:spcBef>
-                <a:spcPct val="0"/>
-              </a:spcBef>
-              <a:spcAft>
-                <a:spcPct val="0"/>
-              </a:spcAft>
-              <a:defRPr sz="4400">
-                <a:solidFill>
-                  <a:schemeClr val="tx1"/>
-                </a:solidFill>
-                <a:latin typeface="Verdana" pitchFamily="34" charset="0"/>
-                <a:ea typeface="Verdana" pitchFamily="34" charset="0"/>
-                <a:cs typeface="Verdana" pitchFamily="34" charset="0"/>
-              </a:defRPr>
-            </a:lvl5pPr>
-            <a:lvl6pPr marL="457200" algn="ctr" rtl="0" fontAlgn="base">
-              <a:spcBef>
-                <a:spcPct val="0"/>
-              </a:spcBef>
-              <a:spcAft>
-                <a:spcPct val="0"/>
-              </a:spcAft>
-              <a:defRPr sz="4400">
-                <a:solidFill>
-                  <a:schemeClr val="tx1"/>
-                </a:solidFill>
-                <a:latin typeface="Verdana" pitchFamily="34" charset="0"/>
-                <a:ea typeface="Verdana" pitchFamily="34" charset="0"/>
-                <a:cs typeface="Verdana" pitchFamily="34" charset="0"/>
-              </a:defRPr>
-            </a:lvl6pPr>
-            <a:lvl7pPr marL="914400" algn="ctr" rtl="0" fontAlgn="base">
-              <a:spcBef>
-                <a:spcPct val="0"/>
-              </a:spcBef>
-              <a:spcAft>
-                <a:spcPct val="0"/>
-              </a:spcAft>
-              <a:defRPr sz="4400">
-                <a:solidFill>
-                  <a:schemeClr val="tx1"/>
-                </a:solidFill>
-                <a:latin typeface="Verdana" pitchFamily="34" charset="0"/>
-                <a:ea typeface="Verdana" pitchFamily="34" charset="0"/>
-                <a:cs typeface="Verdana" pitchFamily="34" charset="0"/>
-              </a:defRPr>
-            </a:lvl7pPr>
-            <a:lvl8pPr marL="1371600" algn="ctr" rtl="0" fontAlgn="base">
-              <a:spcBef>
-                <a:spcPct val="0"/>
-              </a:spcBef>
-              <a:spcAft>
-                <a:spcPct val="0"/>
-              </a:spcAft>
-              <a:defRPr sz="4400">
-                <a:solidFill>
-                  <a:schemeClr val="tx1"/>
-                </a:solidFill>
-                <a:latin typeface="Verdana" pitchFamily="34" charset="0"/>
-                <a:ea typeface="Verdana" pitchFamily="34" charset="0"/>
-                <a:cs typeface="Verdana" pitchFamily="34" charset="0"/>
-              </a:defRPr>
-            </a:lvl8pPr>
-            <a:lvl9pPr marL="1828800" algn="ctr" rtl="0" fontAlgn="base">
-              <a:spcBef>
-                <a:spcPct val="0"/>
-              </a:spcBef>
-              <a:spcAft>
-                <a:spcPct val="0"/>
-              </a:spcAft>
-              <a:defRPr sz="4400">
-                <a:solidFill>
-                  <a:schemeClr val="tx1"/>
-                </a:solidFill>
-                <a:latin typeface="Verdana" pitchFamily="34" charset="0"/>
-                <a:ea typeface="Verdana" pitchFamily="34" charset="0"/>
-                <a:cs typeface="Verdana" pitchFamily="34" charset="0"/>
-              </a:defRPr>
-            </a:lvl9pPr>
-          </a:lstStyle>
-          <a:p>
-            <a:pPr eaLnBrk="1" hangingPunct="1">
-              <a:defRPr/>
-            </a:pPr>
-            <a:r>
-              <a:rPr lang="pt-BR" sz="3600" b="1" dirty="0">
-                <a:solidFill>
-                  <a:schemeClr val="accent1">
-                    <a:lumMod val="50000"/>
-                  </a:schemeClr>
-                </a:solidFill>
-                <a:latin typeface="Arial" pitchFamily="34" charset="0"/>
-                <a:cs typeface="Arial" pitchFamily="34" charset="0"/>
-              </a:rPr>
-              <a:t>MÓDULO FINANCEIRO</a:t>
-            </a:r>
-          </a:p>
-        </p:txBody>
-      </p:sp>
-      <p:pic>
-        <p:nvPicPr>
-          <p:cNvPr id="3" name="Imagem 2"/>
-          <p:cNvPicPr>
-            <a:picLocks noChangeAspect="1"/>
-          </p:cNvPicPr>
-          <p:nvPr/>
-        </p:nvPicPr>
-        <p:blipFill>
-          <a:blip r:embed="rId2" cstate="print">
-            <a:extLst>
-              <a:ext uri="{28A0092B-C50C-407E-A947-70E740481C1C}">
-                <a14:useLocalDpi xmlns:a14="http://schemas.microsoft.com/office/drawing/2010/main" xmlns="" val="0"/>
-              </a:ext>
-            </a:extLst>
-          </a:blip>
-          <a:stretch>
-            <a:fillRect/>
-          </a:stretch>
-        </p:blipFill>
-        <p:spPr>
-          <a:xfrm>
-            <a:off x="0" y="1700808"/>
-            <a:ext cx="9144000" cy="3756011"/>
-          </a:xfrm>
-          <a:prstGeom prst="rect">
-            <a:avLst/>
-          </a:prstGeom>
-        </p:spPr>
-      </p:pic>
-    </p:spTree>
-    <p:extLst>
-      <p:ext uri="{BB962C8B-B14F-4D97-AF65-F5344CB8AC3E}">
-        <p14:creationId xmlns:p14="http://schemas.microsoft.com/office/powerpoint/2010/main" xmlns="" val="3402891464"/>
-      </p:ext>
-    </p:extLst>
-  </p:cSld>
-  <p:clrMapOvr>
-    <a:masterClrMapping/>
-  </p:clrMapOvr>
-</p:sld>
-</file>
-
-<file path=ppt/slides/slide25.xml><?xml version="1.0" encoding="utf-8"?>
-<p:sld xmlns:a="http://schemas.openxmlformats.org/drawingml/2006/main" xmlns:r="http://schemas.openxmlformats.org/officeDocument/2006/relationships" xmlns:p="http://schemas.openxmlformats.org/presentationml/2006/main">
-  <p:cSld>
-    <p:spTree>
-      <p:nvGrpSpPr>
-        <p:cNvPr id="1" name=""/>
-        <p:cNvGrpSpPr/>
-        <p:nvPr/>
-      </p:nvGrpSpPr>
-      <p:grpSpPr>
-        <a:xfrm>
-          <a:off x="0" y="0"/>
-          <a:ext cx="0" cy="0"/>
-          <a:chOff x="0" y="0"/>
-          <a:chExt cx="0" cy="0"/>
-        </a:xfrm>
-      </p:grpSpPr>
-      <p:sp>
-        <p:nvSpPr>
-          <p:cNvPr id="5" name="Título 3"/>
-          <p:cNvSpPr txBox="1">
-            <a:spLocks/>
-          </p:cNvSpPr>
-          <p:nvPr/>
-        </p:nvSpPr>
-        <p:spPr>
-          <a:xfrm>
-            <a:off x="2123728" y="188640"/>
-            <a:ext cx="8797925" cy="922338"/>
-          </a:xfrm>
-          <a:prstGeom prst="rect">
-            <a:avLst/>
-          </a:prstGeom>
-        </p:spPr>
-        <p:txBody>
-          <a:bodyPr/>
-          <a:lstStyle>
-            <a:lvl1pPr algn="ctr" rtl="0" eaLnBrk="0" fontAlgn="base" hangingPunct="0">
-              <a:spcBef>
-                <a:spcPct val="0"/>
-              </a:spcBef>
-              <a:spcAft>
-                <a:spcPct val="0"/>
-              </a:spcAft>
-              <a:defRPr sz="4400" kern="1200">
-                <a:solidFill>
-                  <a:schemeClr val="tx1"/>
-                </a:solidFill>
-                <a:latin typeface="Verdana" pitchFamily="34" charset="0"/>
-                <a:ea typeface="Verdana" pitchFamily="34" charset="0"/>
-                <a:cs typeface="Verdana" pitchFamily="34" charset="0"/>
-              </a:defRPr>
-            </a:lvl1pPr>
-            <a:lvl2pPr algn="ctr" rtl="0" eaLnBrk="0" fontAlgn="base" hangingPunct="0">
-              <a:spcBef>
-                <a:spcPct val="0"/>
-              </a:spcBef>
-              <a:spcAft>
-                <a:spcPct val="0"/>
-              </a:spcAft>
-              <a:defRPr sz="4400">
-                <a:solidFill>
-                  <a:schemeClr val="tx1"/>
-                </a:solidFill>
-                <a:latin typeface="Verdana" pitchFamily="34" charset="0"/>
-                <a:ea typeface="Verdana" pitchFamily="34" charset="0"/>
-                <a:cs typeface="Verdana" pitchFamily="34" charset="0"/>
-              </a:defRPr>
-            </a:lvl2pPr>
-            <a:lvl3pPr algn="ctr" rtl="0" eaLnBrk="0" fontAlgn="base" hangingPunct="0">
-              <a:spcBef>
-                <a:spcPct val="0"/>
-              </a:spcBef>
-              <a:spcAft>
-                <a:spcPct val="0"/>
-              </a:spcAft>
-              <a:defRPr sz="4400">
-                <a:solidFill>
-                  <a:schemeClr val="tx1"/>
-                </a:solidFill>
-                <a:latin typeface="Verdana" pitchFamily="34" charset="0"/>
-                <a:ea typeface="Verdana" pitchFamily="34" charset="0"/>
-                <a:cs typeface="Verdana" pitchFamily="34" charset="0"/>
-              </a:defRPr>
-            </a:lvl3pPr>
-            <a:lvl4pPr algn="ctr" rtl="0" eaLnBrk="0" fontAlgn="base" hangingPunct="0">
-              <a:spcBef>
-                <a:spcPct val="0"/>
-              </a:spcBef>
-              <a:spcAft>
-                <a:spcPct val="0"/>
-              </a:spcAft>
-              <a:defRPr sz="4400">
-                <a:solidFill>
-                  <a:schemeClr val="tx1"/>
-                </a:solidFill>
-                <a:latin typeface="Verdana" pitchFamily="34" charset="0"/>
-                <a:ea typeface="Verdana" pitchFamily="34" charset="0"/>
-                <a:cs typeface="Verdana" pitchFamily="34" charset="0"/>
-              </a:defRPr>
-            </a:lvl4pPr>
-            <a:lvl5pPr algn="ctr" rtl="0" eaLnBrk="0" fontAlgn="base" hangingPunct="0">
-              <a:spcBef>
-                <a:spcPct val="0"/>
-              </a:spcBef>
-              <a:spcAft>
-                <a:spcPct val="0"/>
-              </a:spcAft>
-              <a:defRPr sz="4400">
-                <a:solidFill>
-                  <a:schemeClr val="tx1"/>
-                </a:solidFill>
-                <a:latin typeface="Verdana" pitchFamily="34" charset="0"/>
-                <a:ea typeface="Verdana" pitchFamily="34" charset="0"/>
-                <a:cs typeface="Verdana" pitchFamily="34" charset="0"/>
-              </a:defRPr>
-            </a:lvl5pPr>
-            <a:lvl6pPr marL="457200" algn="ctr" rtl="0" fontAlgn="base">
-              <a:spcBef>
-                <a:spcPct val="0"/>
-              </a:spcBef>
-              <a:spcAft>
-                <a:spcPct val="0"/>
-              </a:spcAft>
-              <a:defRPr sz="4400">
-                <a:solidFill>
-                  <a:schemeClr val="tx1"/>
-                </a:solidFill>
-                <a:latin typeface="Verdana" pitchFamily="34" charset="0"/>
-                <a:ea typeface="Verdana" pitchFamily="34" charset="0"/>
-                <a:cs typeface="Verdana" pitchFamily="34" charset="0"/>
-              </a:defRPr>
-            </a:lvl6pPr>
-            <a:lvl7pPr marL="914400" algn="ctr" rtl="0" fontAlgn="base">
-              <a:spcBef>
-                <a:spcPct val="0"/>
-              </a:spcBef>
-              <a:spcAft>
-                <a:spcPct val="0"/>
-              </a:spcAft>
-              <a:defRPr sz="4400">
-                <a:solidFill>
-                  <a:schemeClr val="tx1"/>
-                </a:solidFill>
-                <a:latin typeface="Verdana" pitchFamily="34" charset="0"/>
-                <a:ea typeface="Verdana" pitchFamily="34" charset="0"/>
-                <a:cs typeface="Verdana" pitchFamily="34" charset="0"/>
-              </a:defRPr>
-            </a:lvl7pPr>
-            <a:lvl8pPr marL="1371600" algn="ctr" rtl="0" fontAlgn="base">
-              <a:spcBef>
-                <a:spcPct val="0"/>
-              </a:spcBef>
-              <a:spcAft>
-                <a:spcPct val="0"/>
-              </a:spcAft>
-              <a:defRPr sz="4400">
-                <a:solidFill>
-                  <a:schemeClr val="tx1"/>
-                </a:solidFill>
-                <a:latin typeface="Verdana" pitchFamily="34" charset="0"/>
-                <a:ea typeface="Verdana" pitchFamily="34" charset="0"/>
-                <a:cs typeface="Verdana" pitchFamily="34" charset="0"/>
-              </a:defRPr>
-            </a:lvl8pPr>
-            <a:lvl9pPr marL="1828800" algn="ctr" rtl="0" fontAlgn="base">
-              <a:spcBef>
-                <a:spcPct val="0"/>
-              </a:spcBef>
-              <a:spcAft>
-                <a:spcPct val="0"/>
-              </a:spcAft>
-              <a:defRPr sz="4400">
-                <a:solidFill>
-                  <a:schemeClr val="tx1"/>
-                </a:solidFill>
-                <a:latin typeface="Verdana" pitchFamily="34" charset="0"/>
-                <a:ea typeface="Verdana" pitchFamily="34" charset="0"/>
-                <a:cs typeface="Verdana" pitchFamily="34" charset="0"/>
-              </a:defRPr>
-            </a:lvl9pPr>
-          </a:lstStyle>
-          <a:p>
-            <a:pPr eaLnBrk="1" hangingPunct="1">
-              <a:defRPr/>
-            </a:pPr>
-            <a:r>
-              <a:rPr lang="pt-BR" sz="3600" b="1" dirty="0">
-                <a:solidFill>
-                  <a:schemeClr val="accent1">
-                    <a:lumMod val="50000"/>
-                  </a:schemeClr>
-                </a:solidFill>
-                <a:latin typeface="Arial" pitchFamily="34" charset="0"/>
-                <a:cs typeface="Arial" pitchFamily="34" charset="0"/>
-              </a:rPr>
-              <a:t>MÓDULO FINANCEIRO</a:t>
-            </a:r>
-          </a:p>
-        </p:txBody>
-      </p:sp>
-      <p:pic>
-        <p:nvPicPr>
-          <p:cNvPr id="2" name="Imagem 1"/>
-          <p:cNvPicPr>
-            <a:picLocks noChangeAspect="1"/>
-          </p:cNvPicPr>
-          <p:nvPr/>
-        </p:nvPicPr>
-        <p:blipFill>
-          <a:blip r:embed="rId2" cstate="print">
-            <a:extLst>
-              <a:ext uri="{28A0092B-C50C-407E-A947-70E740481C1C}">
-                <a14:useLocalDpi xmlns:a14="http://schemas.microsoft.com/office/drawing/2010/main" xmlns="" val="0"/>
-              </a:ext>
-            </a:extLst>
-          </a:blip>
-          <a:stretch>
-            <a:fillRect/>
-          </a:stretch>
-        </p:blipFill>
-        <p:spPr>
-          <a:xfrm>
-            <a:off x="107505" y="1260216"/>
-            <a:ext cx="9036495" cy="5625168"/>
-          </a:xfrm>
-          <a:prstGeom prst="rect">
-            <a:avLst/>
-          </a:prstGeom>
-        </p:spPr>
-      </p:pic>
-    </p:spTree>
-    <p:extLst>
-      <p:ext uri="{BB962C8B-B14F-4D97-AF65-F5344CB8AC3E}">
-        <p14:creationId xmlns:p14="http://schemas.microsoft.com/office/powerpoint/2010/main" xmlns="" val="2843391693"/>
-      </p:ext>
-    </p:extLst>
-  </p:cSld>
-  <p:clrMapOvr>
-    <a:masterClrMapping/>
-  </p:clrMapOvr>
 </p:sld>
 </file>
 
@@ -7415,7 +7854,32 @@
       </p:grpSpPr>
       <p:sp>
         <p:nvSpPr>
-          <p:cNvPr id="5" name="Título 3"/>
+          <p:cNvPr id="4" name="Título 3"/>
+          <p:cNvSpPr>
+            <a:spLocks noGrp="1"/>
+          </p:cNvSpPr>
+          <p:nvPr>
+            <p:ph type="title"/>
+          </p:nvPr>
+        </p:nvSpPr>
+        <p:spPr/>
+        <p:txBody>
+          <a:bodyPr/>
+          <a:lstStyle/>
+          <a:p>
+            <a:pPr eaLnBrk="1" hangingPunct="1">
+              <a:defRPr/>
+            </a:pPr>
+            <a:r>
+              <a:rPr lang="pt-BR" dirty="0"/>
+              <a:t>MÓDULO PACIENTE</a:t>
+            </a:r>
+          </a:p>
+        </p:txBody>
+      </p:sp>
+      <p:sp>
+        <p:nvSpPr>
+          <p:cNvPr id="5" name="Espaço Reservado para Texto 3"/>
           <p:cNvSpPr txBox="1">
             <a:spLocks/>
           </p:cNvSpPr>
@@ -7423,8 +7887,8 @@
         </p:nvSpPr>
         <p:spPr>
           <a:xfrm>
-            <a:off x="2123728" y="188640"/>
-            <a:ext cx="8797925" cy="922338"/>
+            <a:off x="395536" y="1196752"/>
+            <a:ext cx="8208912" cy="5112568"/>
           </a:xfrm>
           <a:prstGeom prst="rect">
             <a:avLst/>
@@ -7433,210 +7897,330 @@
         <p:txBody>
           <a:bodyPr/>
           <a:lstStyle>
-            <a:lvl1pPr algn="ctr" rtl="0" eaLnBrk="0" fontAlgn="base" hangingPunct="0">
+            <a:lvl1pPr marL="342900" indent="-342900" algn="l" rtl="0" eaLnBrk="0" fontAlgn="base" hangingPunct="0">
               <a:spcBef>
-                <a:spcPct val="0"/>
+                <a:spcPct val="20000"/>
               </a:spcBef>
               <a:spcAft>
                 <a:spcPct val="0"/>
               </a:spcAft>
-              <a:defRPr sz="4400" kern="1200">
+              <a:buFont typeface="Arial" charset="0"/>
+              <a:buChar char="•"/>
+              <a:defRPr sz="3200" kern="1200">
                 <a:solidFill>
                   <a:schemeClr val="tx1"/>
                 </a:solidFill>
-                <a:latin typeface="Verdana" pitchFamily="34" charset="0"/>
-                <a:ea typeface="Verdana" pitchFamily="34" charset="0"/>
-                <a:cs typeface="Verdana" pitchFamily="34" charset="0"/>
+                <a:latin typeface="+mn-lt"/>
+                <a:ea typeface="+mn-ea"/>
+                <a:cs typeface="+mn-cs"/>
               </a:defRPr>
             </a:lvl1pPr>
-            <a:lvl2pPr algn="ctr" rtl="0" eaLnBrk="0" fontAlgn="base" hangingPunct="0">
+            <a:lvl2pPr marL="742950" indent="-285750" algn="l" rtl="0" eaLnBrk="0" fontAlgn="base" hangingPunct="0">
               <a:spcBef>
-                <a:spcPct val="0"/>
+                <a:spcPct val="20000"/>
               </a:spcBef>
               <a:spcAft>
                 <a:spcPct val="0"/>
               </a:spcAft>
-              <a:defRPr sz="4400">
+              <a:buFont typeface="Arial" charset="0"/>
+              <a:buChar char="–"/>
+              <a:defRPr sz="2800" kern="1200">
                 <a:solidFill>
                   <a:schemeClr val="tx1"/>
                 </a:solidFill>
-                <a:latin typeface="Verdana" pitchFamily="34" charset="0"/>
-                <a:ea typeface="Verdana" pitchFamily="34" charset="0"/>
-                <a:cs typeface="Verdana" pitchFamily="34" charset="0"/>
+                <a:latin typeface="+mn-lt"/>
+                <a:ea typeface="+mn-ea"/>
+                <a:cs typeface="+mn-cs"/>
               </a:defRPr>
             </a:lvl2pPr>
-            <a:lvl3pPr algn="ctr" rtl="0" eaLnBrk="0" fontAlgn="base" hangingPunct="0">
+            <a:lvl3pPr marL="1143000" indent="-228600" algn="l" rtl="0" eaLnBrk="0" fontAlgn="base" hangingPunct="0">
               <a:spcBef>
-                <a:spcPct val="0"/>
+                <a:spcPct val="20000"/>
               </a:spcBef>
               <a:spcAft>
                 <a:spcPct val="0"/>
               </a:spcAft>
-              <a:defRPr sz="4400">
+              <a:buFont typeface="Arial" charset="0"/>
+              <a:buChar char="•"/>
+              <a:defRPr sz="2400" kern="1200">
                 <a:solidFill>
                   <a:schemeClr val="tx1"/>
                 </a:solidFill>
-                <a:latin typeface="Verdana" pitchFamily="34" charset="0"/>
-                <a:ea typeface="Verdana" pitchFamily="34" charset="0"/>
-                <a:cs typeface="Verdana" pitchFamily="34" charset="0"/>
+                <a:latin typeface="+mn-lt"/>
+                <a:ea typeface="+mn-ea"/>
+                <a:cs typeface="+mn-cs"/>
               </a:defRPr>
             </a:lvl3pPr>
-            <a:lvl4pPr algn="ctr" rtl="0" eaLnBrk="0" fontAlgn="base" hangingPunct="0">
+            <a:lvl4pPr marL="1600200" indent="-228600" algn="l" rtl="0" eaLnBrk="0" fontAlgn="base" hangingPunct="0">
               <a:spcBef>
-                <a:spcPct val="0"/>
+                <a:spcPct val="20000"/>
               </a:spcBef>
               <a:spcAft>
                 <a:spcPct val="0"/>
               </a:spcAft>
-              <a:defRPr sz="4400">
+              <a:buFont typeface="Arial" charset="0"/>
+              <a:buChar char="–"/>
+              <a:defRPr sz="2000" kern="1200">
                 <a:solidFill>
                   <a:schemeClr val="tx1"/>
                 </a:solidFill>
-                <a:latin typeface="Verdana" pitchFamily="34" charset="0"/>
-                <a:ea typeface="Verdana" pitchFamily="34" charset="0"/>
-                <a:cs typeface="Verdana" pitchFamily="34" charset="0"/>
+                <a:latin typeface="+mn-lt"/>
+                <a:ea typeface="+mn-ea"/>
+                <a:cs typeface="+mn-cs"/>
               </a:defRPr>
             </a:lvl4pPr>
-            <a:lvl5pPr algn="ctr" rtl="0" eaLnBrk="0" fontAlgn="base" hangingPunct="0">
+            <a:lvl5pPr marL="2057400" indent="-228600" algn="l" rtl="0" eaLnBrk="0" fontAlgn="base" hangingPunct="0">
               <a:spcBef>
-                <a:spcPct val="0"/>
+                <a:spcPct val="20000"/>
               </a:spcBef>
               <a:spcAft>
                 <a:spcPct val="0"/>
               </a:spcAft>
-              <a:defRPr sz="4400">
+              <a:buFont typeface="Arial" charset="0"/>
+              <a:buChar char="»"/>
+              <a:defRPr sz="2000" kern="1200">
                 <a:solidFill>
                   <a:schemeClr val="tx1"/>
                 </a:solidFill>
-                <a:latin typeface="Verdana" pitchFamily="34" charset="0"/>
-                <a:ea typeface="Verdana" pitchFamily="34" charset="0"/>
-                <a:cs typeface="Verdana" pitchFamily="34" charset="0"/>
+                <a:latin typeface="+mn-lt"/>
+                <a:ea typeface="+mn-ea"/>
+                <a:cs typeface="+mn-cs"/>
               </a:defRPr>
             </a:lvl5pPr>
-            <a:lvl6pPr marL="457200" algn="ctr" rtl="0" fontAlgn="base">
+            <a:lvl6pPr marL="2514600" indent="-228600" algn="l" defTabSz="914400" rtl="0" eaLnBrk="1" latinLnBrk="0" hangingPunct="1">
               <a:spcBef>
-                <a:spcPct val="0"/>
+                <a:spcPct val="20000"/>
               </a:spcBef>
-              <a:spcAft>
-                <a:spcPct val="0"/>
-              </a:spcAft>
-              <a:defRPr sz="4400">
+              <a:buFont typeface="Arial" pitchFamily="34" charset="0"/>
+              <a:buChar char="•"/>
+              <a:defRPr sz="2000" kern="1200">
                 <a:solidFill>
                   <a:schemeClr val="tx1"/>
                 </a:solidFill>
-                <a:latin typeface="Verdana" pitchFamily="34" charset="0"/>
-                <a:ea typeface="Verdana" pitchFamily="34" charset="0"/>
-                <a:cs typeface="Verdana" pitchFamily="34" charset="0"/>
+                <a:latin typeface="+mn-lt"/>
+                <a:ea typeface="+mn-ea"/>
+                <a:cs typeface="+mn-cs"/>
               </a:defRPr>
             </a:lvl6pPr>
-            <a:lvl7pPr marL="914400" algn="ctr" rtl="0" fontAlgn="base">
+            <a:lvl7pPr marL="2971800" indent="-228600" algn="l" defTabSz="914400" rtl="0" eaLnBrk="1" latinLnBrk="0" hangingPunct="1">
               <a:spcBef>
-                <a:spcPct val="0"/>
+                <a:spcPct val="20000"/>
               </a:spcBef>
-              <a:spcAft>
-                <a:spcPct val="0"/>
-              </a:spcAft>
-              <a:defRPr sz="4400">
+              <a:buFont typeface="Arial" pitchFamily="34" charset="0"/>
+              <a:buChar char="•"/>
+              <a:defRPr sz="2000" kern="1200">
                 <a:solidFill>
                   <a:schemeClr val="tx1"/>
                 </a:solidFill>
-                <a:latin typeface="Verdana" pitchFamily="34" charset="0"/>
-                <a:ea typeface="Verdana" pitchFamily="34" charset="0"/>
-                <a:cs typeface="Verdana" pitchFamily="34" charset="0"/>
+                <a:latin typeface="+mn-lt"/>
+                <a:ea typeface="+mn-ea"/>
+                <a:cs typeface="+mn-cs"/>
               </a:defRPr>
             </a:lvl7pPr>
-            <a:lvl8pPr marL="1371600" algn="ctr" rtl="0" fontAlgn="base">
+            <a:lvl8pPr marL="3429000" indent="-228600" algn="l" defTabSz="914400" rtl="0" eaLnBrk="1" latinLnBrk="0" hangingPunct="1">
               <a:spcBef>
-                <a:spcPct val="0"/>
+                <a:spcPct val="20000"/>
               </a:spcBef>
-              <a:spcAft>
-                <a:spcPct val="0"/>
-              </a:spcAft>
-              <a:defRPr sz="4400">
+              <a:buFont typeface="Arial" pitchFamily="34" charset="0"/>
+              <a:buChar char="•"/>
+              <a:defRPr sz="2000" kern="1200">
                 <a:solidFill>
                   <a:schemeClr val="tx1"/>
                 </a:solidFill>
-                <a:latin typeface="Verdana" pitchFamily="34" charset="0"/>
-                <a:ea typeface="Verdana" pitchFamily="34" charset="0"/>
-                <a:cs typeface="Verdana" pitchFamily="34" charset="0"/>
+                <a:latin typeface="+mn-lt"/>
+                <a:ea typeface="+mn-ea"/>
+                <a:cs typeface="+mn-cs"/>
               </a:defRPr>
             </a:lvl8pPr>
-            <a:lvl9pPr marL="1828800" algn="ctr" rtl="0" fontAlgn="base">
+            <a:lvl9pPr marL="3886200" indent="-228600" algn="l" defTabSz="914400" rtl="0" eaLnBrk="1" latinLnBrk="0" hangingPunct="1">
               <a:spcBef>
-                <a:spcPct val="0"/>
+                <a:spcPct val="20000"/>
               </a:spcBef>
-              <a:spcAft>
-                <a:spcPct val="0"/>
-              </a:spcAft>
-              <a:defRPr sz="4400">
+              <a:buFont typeface="Arial" pitchFamily="34" charset="0"/>
+              <a:buChar char="•"/>
+              <a:defRPr sz="2000" kern="1200">
                 <a:solidFill>
                   <a:schemeClr val="tx1"/>
                 </a:solidFill>
-                <a:latin typeface="Verdana" pitchFamily="34" charset="0"/>
-                <a:ea typeface="Verdana" pitchFamily="34" charset="0"/>
-                <a:cs typeface="Verdana" pitchFamily="34" charset="0"/>
+                <a:latin typeface="+mn-lt"/>
+                <a:ea typeface="+mn-ea"/>
+                <a:cs typeface="+mn-cs"/>
               </a:defRPr>
             </a:lvl9pPr>
           </a:lstStyle>
           <a:p>
-            <a:pPr eaLnBrk="1" hangingPunct="1">
+            <a:pPr algn="just" eaLnBrk="1" hangingPunct="1">
+              <a:buFont typeface="Arial" panose="020B0604020202020204" pitchFamily="34" charset="0"/>
+              <a:buChar char="•"/>
               <a:defRPr/>
             </a:pPr>
             <a:r>
-              <a:rPr lang="pt-BR" sz="3600" b="1" dirty="0">
-                <a:solidFill>
-                  <a:schemeClr val="accent1">
-                    <a:lumMod val="50000"/>
+              <a:rPr lang="pt-BR" sz="2600">
+                <a:solidFill>
+                  <a:schemeClr val="tx2">
+                    <a:lumMod val="75000"/>
                   </a:schemeClr>
                 </a:solidFill>
-                <a:latin typeface="Arial" pitchFamily="34" charset="0"/>
-                <a:cs typeface="Arial" pitchFamily="34" charset="0"/>
+                <a:latin typeface="Calibri" panose="020F0502020204030204" pitchFamily="34" charset="0"/>
+                <a:cs typeface="Calibri" panose="020F0502020204030204" pitchFamily="34" charset="0"/>
               </a:rPr>
-              <a:t>MÓDULO FINANCEIRO</a:t>
-            </a:r>
+              <a:t>Manter Paciente</a:t>
+            </a:r>
+          </a:p>
+          <a:p>
+            <a:pPr lvl="1" algn="just" eaLnBrk="1" hangingPunct="1">
+              <a:buFont typeface="Arial" panose="020B0604020202020204" pitchFamily="34" charset="0"/>
+              <a:buChar char="•"/>
+              <a:defRPr/>
+            </a:pPr>
+            <a:r>
+              <a:rPr lang="pt-BR" sz="1850">
+                <a:solidFill>
+                  <a:schemeClr val="tx2">
+                    <a:lumMod val="75000"/>
+                  </a:schemeClr>
+                </a:solidFill>
+              </a:rPr>
+              <a:t>Permite a manutenção de paciente.</a:t>
+            </a:r>
+            <a:endParaRPr lang="pt-BR" sz="1850">
+              <a:solidFill>
+                <a:schemeClr val="tx2">
+                  <a:lumMod val="75000"/>
+                </a:schemeClr>
+              </a:solidFill>
+              <a:cs typeface="Calibri" panose="020F0502020204030204" pitchFamily="34" charset="0"/>
+            </a:endParaRPr>
+          </a:p>
+          <a:p>
+            <a:pPr marL="457200" lvl="1" indent="0" algn="just" eaLnBrk="1" hangingPunct="1">
+              <a:defRPr/>
+            </a:pPr>
+            <a:endParaRPr lang="pt-BR" sz="1800">
+              <a:solidFill>
+                <a:schemeClr val="tx2">
+                  <a:lumMod val="75000"/>
+                </a:schemeClr>
+              </a:solidFill>
+              <a:latin typeface="Calibri" panose="020F0502020204030204" pitchFamily="34" charset="0"/>
+              <a:cs typeface="Calibri" panose="020F0502020204030204" pitchFamily="34" charset="0"/>
+            </a:endParaRPr>
+          </a:p>
+          <a:p>
+            <a:pPr algn="just" eaLnBrk="1" hangingPunct="1">
+              <a:buFont typeface="Arial" panose="020B0604020202020204" pitchFamily="34" charset="0"/>
+              <a:buChar char="•"/>
+              <a:defRPr/>
+            </a:pPr>
+            <a:r>
+              <a:rPr lang="pt-BR" sz="2600">
+                <a:solidFill>
+                  <a:schemeClr val="tx2">
+                    <a:lumMod val="75000"/>
+                  </a:schemeClr>
+                </a:solidFill>
+                <a:latin typeface="Calibri" panose="020F0502020204030204" pitchFamily="34" charset="0"/>
+                <a:cs typeface="Calibri" panose="020F0502020204030204" pitchFamily="34" charset="0"/>
+              </a:rPr>
+              <a:t>Receber Prontuário</a:t>
+            </a:r>
+          </a:p>
+          <a:p>
+            <a:pPr lvl="1" algn="just" eaLnBrk="1" hangingPunct="1">
+              <a:buFont typeface="Arial" panose="020B0604020202020204" pitchFamily="34" charset="0"/>
+              <a:buChar char="•"/>
+              <a:defRPr/>
+            </a:pPr>
+            <a:r>
+              <a:rPr lang="pt-BR" sz="1850">
+                <a:solidFill>
+                  <a:schemeClr val="tx2">
+                    <a:lumMod val="75000"/>
+                  </a:schemeClr>
+                </a:solidFill>
+              </a:rPr>
+              <a:t>Permite a manutenção de prontuário.</a:t>
+            </a:r>
+          </a:p>
+          <a:p>
+            <a:pPr marL="457200" lvl="1" indent="0" algn="just" eaLnBrk="1" hangingPunct="1">
+              <a:defRPr/>
+            </a:pPr>
+            <a:endParaRPr lang="pt-BR" sz="1800">
+              <a:solidFill>
+                <a:schemeClr val="tx2">
+                  <a:lumMod val="75000"/>
+                </a:schemeClr>
+              </a:solidFill>
+              <a:latin typeface="Calibri" panose="020F0502020204030204" pitchFamily="34" charset="0"/>
+              <a:cs typeface="Calibri" panose="020F0502020204030204" pitchFamily="34" charset="0"/>
+            </a:endParaRPr>
+          </a:p>
+          <a:p>
+            <a:pPr algn="just" eaLnBrk="1" hangingPunct="1">
+              <a:buFont typeface="Arial" panose="020B0604020202020204" pitchFamily="34" charset="0"/>
+              <a:buChar char="•"/>
+              <a:defRPr/>
+            </a:pPr>
+            <a:r>
+              <a:rPr lang="pt-BR" sz="2600">
+                <a:solidFill>
+                  <a:schemeClr val="tx2">
+                    <a:lumMod val="75000"/>
+                  </a:schemeClr>
+                </a:solidFill>
+                <a:latin typeface="Calibri" panose="020F0502020204030204" pitchFamily="34" charset="0"/>
+                <a:cs typeface="Calibri" panose="020F0502020204030204" pitchFamily="34" charset="0"/>
+              </a:rPr>
+              <a:t>Realizar Atendimento</a:t>
+            </a:r>
+          </a:p>
+          <a:p>
+            <a:pPr lvl="1" algn="just" eaLnBrk="1" hangingPunct="1">
+              <a:buFont typeface="Arial" panose="020B0604020202020204" pitchFamily="34" charset="0"/>
+              <a:buChar char="•"/>
+              <a:defRPr/>
+            </a:pPr>
+            <a:r>
+              <a:rPr lang="pt-BR" sz="1850">
+                <a:solidFill>
+                  <a:schemeClr val="tx2">
+                    <a:lumMod val="75000"/>
+                  </a:schemeClr>
+                </a:solidFill>
+              </a:rPr>
+              <a:t>Realiza atendimento a partir de um agendamento confirmado.</a:t>
+            </a:r>
+          </a:p>
+          <a:p>
+            <a:pPr marL="457200" lvl="1" indent="0" algn="just" eaLnBrk="1" hangingPunct="1">
+              <a:defRPr/>
+            </a:pPr>
+            <a:endParaRPr lang="pt-BR" sz="1800" dirty="0">
+              <a:solidFill>
+                <a:schemeClr val="tx2">
+                  <a:lumMod val="75000"/>
+                </a:schemeClr>
+              </a:solidFill>
+              <a:latin typeface="Calibri" panose="020F0502020204030204" pitchFamily="34" charset="0"/>
+              <a:cs typeface="Calibri" panose="020F0502020204030204" pitchFamily="34" charset="0"/>
+            </a:endParaRPr>
           </a:p>
         </p:txBody>
       </p:sp>
-      <p:pic>
-        <p:nvPicPr>
-          <p:cNvPr id="2" name="Imagem 1"/>
-          <p:cNvPicPr>
-            <a:picLocks noChangeAspect="1"/>
-          </p:cNvPicPr>
-          <p:nvPr/>
-        </p:nvPicPr>
-        <p:blipFill>
-          <a:blip r:embed="rId2" cstate="print">
-            <a:extLst>
-              <a:ext uri="{28A0092B-C50C-407E-A947-70E740481C1C}">
-                <a14:useLocalDpi xmlns:a14="http://schemas.microsoft.com/office/drawing/2010/main" xmlns="" val="0"/>
-              </a:ext>
-            </a:extLst>
-          </a:blip>
-          <a:stretch>
-            <a:fillRect/>
-          </a:stretch>
-        </p:blipFill>
-        <p:spPr>
-          <a:xfrm>
-            <a:off x="0" y="2060848"/>
-            <a:ext cx="9144000" cy="3552816"/>
-          </a:xfrm>
-          <a:prstGeom prst="rect">
-            <a:avLst/>
-          </a:prstGeom>
-        </p:spPr>
-      </p:pic>
     </p:spTree>
     <p:extLst>
       <p:ext uri="{BB962C8B-B14F-4D97-AF65-F5344CB8AC3E}">
-        <p14:creationId xmlns:p14="http://schemas.microsoft.com/office/powerpoint/2010/main" xmlns="" val="3776007642"/>
+        <p14:creationId xmlns:p14="http://schemas.microsoft.com/office/powerpoint/2010/main" val="2886033736"/>
       </p:ext>
     </p:extLst>
   </p:cSld>
   <p:clrMapOvr>
     <a:masterClrMapping/>
   </p:clrMapOvr>
+  <p:transition spd="med">
+    <p:fade/>
+  </p:transition>
 </p:sld>
 </file>
 
@@ -7659,483 +8243,65 @@
       </p:grpSpPr>
       <p:sp>
         <p:nvSpPr>
-          <p:cNvPr id="7170" name="Rectangle 2"/>
+          <p:cNvPr id="4" name="Título 3"/>
           <p:cNvSpPr>
-            <a:spLocks noGrp="1" noChangeArrowheads="1"/>
+            <a:spLocks noGrp="1"/>
           </p:cNvSpPr>
           <p:nvPr>
-            <p:ph type="ctrTitle"/>
+            <p:ph type="title"/>
           </p:nvPr>
         </p:nvSpPr>
-        <p:spPr>
-          <a:xfrm>
-            <a:off x="611560" y="1484784"/>
-            <a:ext cx="7815263" cy="2088232"/>
-          </a:xfrm>
-        </p:spPr>
+        <p:spPr/>
         <p:txBody>
           <a:bodyPr/>
           <a:lstStyle/>
           <a:p>
-            <a:pPr eaLnBrk="1" fontAlgn="auto" hangingPunct="1">
-              <a:spcAft>
-                <a:spcPts val="0"/>
-              </a:spcAft>
+            <a:pPr eaLnBrk="1" hangingPunct="1">
               <a:defRPr/>
             </a:pPr>
             <a:r>
-              <a:rPr lang="pt-BR" dirty="0">
-                <a:ea typeface="ＭＳ Ｐゴシック" pitchFamily="-106" charset="-128"/>
-              </a:rPr>
+              <a:rPr lang="pt-BR" dirty="0"/>
               <a:t>MÓDULO PACIENTE</a:t>
             </a:r>
           </a:p>
         </p:txBody>
       </p:sp>
-      <p:grpSp>
-        <p:nvGrpSpPr>
-          <p:cNvPr id="2" name="Group 11"/>
-          <p:cNvGrpSpPr>
-            <a:grpSpLocks/>
-          </p:cNvGrpSpPr>
-          <p:nvPr/>
-        </p:nvGrpSpPr>
-        <p:grpSpPr bwMode="auto">
-          <a:xfrm>
-            <a:off x="755650" y="3213100"/>
-            <a:ext cx="184150" cy="711200"/>
-            <a:chOff x="476" y="2078"/>
-            <a:chExt cx="116" cy="448"/>
-          </a:xfrm>
-        </p:grpSpPr>
-        <p:sp>
-          <p:nvSpPr>
-            <p:cNvPr id="4101" name="Text Box 4"/>
-            <p:cNvSpPr txBox="1">
-              <a:spLocks noChangeArrowheads="1"/>
-            </p:cNvSpPr>
-            <p:nvPr/>
-          </p:nvSpPr>
-          <p:spPr bwMode="auto">
-            <a:xfrm>
-              <a:off x="476" y="2078"/>
-              <a:ext cx="116" cy="233"/>
-            </a:xfrm>
-            <a:prstGeom prst="rect">
-              <a:avLst/>
-            </a:prstGeom>
-            <a:noFill/>
-            <a:ln>
-              <a:noFill/>
-            </a:ln>
+      <p:pic>
+        <p:nvPicPr>
+          <p:cNvPr id="3" name="Picture 2">
             <a:extLst>
-              <a:ext uri="{909E8E84-426E-40DD-AFC4-6F175D3DCCD1}">
-                <a14:hiddenFill xmlns:a14="http://schemas.microsoft.com/office/drawing/2010/main" xmlns="">
-                  <a:solidFill>
-                    <a:srgbClr val="FFFFFF"/>
-                  </a:solidFill>
-                </a14:hiddenFill>
-              </a:ext>
-              <a:ext uri="{91240B29-F687-4F45-9708-019B960494DF}">
-                <a14:hiddenLine xmlns:a14="http://schemas.microsoft.com/office/drawing/2010/main" xmlns="" w="9525">
-                  <a:solidFill>
-                    <a:srgbClr val="000000"/>
-                  </a:solidFill>
-                  <a:miter lim="800000"/>
-                  <a:headEnd/>
-                  <a:tailEnd/>
-                </a14:hiddenLine>
+              <a:ext uri="{FF2B5EF4-FFF2-40B4-BE49-F238E27FC236}">
+                <a16:creationId xmlns="" xmlns:a16="http://schemas.microsoft.com/office/drawing/2014/main" id="{1488CEA1-615B-4D4C-A130-F1FD32F916CA}"/>
               </a:ext>
             </a:extLst>
-          </p:spPr>
-          <p:txBody>
-            <a:bodyPr wrap="none">
-              <a:spAutoFit/>
-            </a:bodyPr>
-            <a:lstStyle>
-              <a:lvl1pPr>
-                <a:defRPr>
-                  <a:solidFill>
-                    <a:schemeClr val="tx1"/>
-                  </a:solidFill>
-                  <a:latin typeface="Arial" charset="0"/>
-                  <a:ea typeface="ＭＳ Ｐゴシック" pitchFamily="34" charset="-128"/>
-                </a:defRPr>
-              </a:lvl1pPr>
-              <a:lvl2pPr marL="742950" indent="-285750">
-                <a:defRPr>
-                  <a:solidFill>
-                    <a:schemeClr val="tx1"/>
-                  </a:solidFill>
-                  <a:latin typeface="Arial" charset="0"/>
-                  <a:ea typeface="ＭＳ Ｐゴシック" pitchFamily="34" charset="-128"/>
-                </a:defRPr>
-              </a:lvl2pPr>
-              <a:lvl3pPr marL="1143000" indent="-228600">
-                <a:defRPr>
-                  <a:solidFill>
-                    <a:schemeClr val="tx1"/>
-                  </a:solidFill>
-                  <a:latin typeface="Arial" charset="0"/>
-                  <a:ea typeface="ＭＳ Ｐゴシック" pitchFamily="34" charset="-128"/>
-                </a:defRPr>
-              </a:lvl3pPr>
-              <a:lvl4pPr marL="1600200" indent="-228600">
-                <a:defRPr>
-                  <a:solidFill>
-                    <a:schemeClr val="tx1"/>
-                  </a:solidFill>
-                  <a:latin typeface="Arial" charset="0"/>
-                  <a:ea typeface="ＭＳ Ｐゴシック" pitchFamily="34" charset="-128"/>
-                </a:defRPr>
-              </a:lvl4pPr>
-              <a:lvl5pPr marL="2057400" indent="-228600">
-                <a:defRPr>
-                  <a:solidFill>
-                    <a:schemeClr val="tx1"/>
-                  </a:solidFill>
-                  <a:latin typeface="Arial" charset="0"/>
-                  <a:ea typeface="ＭＳ Ｐゴシック" pitchFamily="34" charset="-128"/>
-                </a:defRPr>
-              </a:lvl5pPr>
-              <a:lvl6pPr marL="2514600" indent="-228600" eaLnBrk="0" fontAlgn="base" hangingPunct="0">
-                <a:spcBef>
-                  <a:spcPct val="0"/>
-                </a:spcBef>
-                <a:spcAft>
-                  <a:spcPct val="0"/>
-                </a:spcAft>
-                <a:defRPr>
-                  <a:solidFill>
-                    <a:schemeClr val="tx1"/>
-                  </a:solidFill>
-                  <a:latin typeface="Arial" charset="0"/>
-                  <a:ea typeface="ＭＳ Ｐゴシック" pitchFamily="34" charset="-128"/>
-                </a:defRPr>
-              </a:lvl6pPr>
-              <a:lvl7pPr marL="2971800" indent="-228600" eaLnBrk="0" fontAlgn="base" hangingPunct="0">
-                <a:spcBef>
-                  <a:spcPct val="0"/>
-                </a:spcBef>
-                <a:spcAft>
-                  <a:spcPct val="0"/>
-                </a:spcAft>
-                <a:defRPr>
-                  <a:solidFill>
-                    <a:schemeClr val="tx1"/>
-                  </a:solidFill>
-                  <a:latin typeface="Arial" charset="0"/>
-                  <a:ea typeface="ＭＳ Ｐゴシック" pitchFamily="34" charset="-128"/>
-                </a:defRPr>
-              </a:lvl7pPr>
-              <a:lvl8pPr marL="3429000" indent="-228600" eaLnBrk="0" fontAlgn="base" hangingPunct="0">
-                <a:spcBef>
-                  <a:spcPct val="0"/>
-                </a:spcBef>
-                <a:spcAft>
-                  <a:spcPct val="0"/>
-                </a:spcAft>
-                <a:defRPr>
-                  <a:solidFill>
-                    <a:schemeClr val="tx1"/>
-                  </a:solidFill>
-                  <a:latin typeface="Arial" charset="0"/>
-                  <a:ea typeface="ＭＳ Ｐゴシック" pitchFamily="34" charset="-128"/>
-                </a:defRPr>
-              </a:lvl8pPr>
-              <a:lvl9pPr marL="3886200" indent="-228600" eaLnBrk="0" fontAlgn="base" hangingPunct="0">
-                <a:spcBef>
-                  <a:spcPct val="0"/>
-                </a:spcBef>
-                <a:spcAft>
-                  <a:spcPct val="0"/>
-                </a:spcAft>
-                <a:defRPr>
-                  <a:solidFill>
-                    <a:schemeClr val="tx1"/>
-                  </a:solidFill>
-                  <a:latin typeface="Arial" charset="0"/>
-                  <a:ea typeface="ＭＳ Ｐゴシック" pitchFamily="34" charset="-128"/>
-                </a:defRPr>
-              </a:lvl9pPr>
-            </a:lstStyle>
-            <a:p>
-              <a:pPr eaLnBrk="1" hangingPunct="1"/>
-              <a:endParaRPr lang="en-US"/>
-            </a:p>
-          </p:txBody>
-        </p:sp>
-        <p:sp>
-          <p:nvSpPr>
-            <p:cNvPr id="4102" name="Text Box 5"/>
-            <p:cNvSpPr txBox="1">
-              <a:spLocks noChangeArrowheads="1"/>
-            </p:cNvSpPr>
-            <p:nvPr/>
-          </p:nvSpPr>
-          <p:spPr bwMode="auto">
-            <a:xfrm>
-              <a:off x="476" y="2235"/>
-              <a:ext cx="116" cy="291"/>
-            </a:xfrm>
-            <a:prstGeom prst="rect">
-              <a:avLst/>
-            </a:prstGeom>
-            <a:noFill/>
-            <a:ln>
-              <a:noFill/>
-            </a:ln>
+          </p:cNvPr>
+          <p:cNvPicPr>
+            <a:picLocks noChangeAspect="1"/>
+          </p:cNvPicPr>
+          <p:nvPr/>
+        </p:nvPicPr>
+        <p:blipFill>
+          <a:blip r:embed="rId2" cstate="print">
             <a:extLst>
-              <a:ext uri="{909E8E84-426E-40DD-AFC4-6F175D3DCCD1}">
-                <a14:hiddenFill xmlns:a14="http://schemas.microsoft.com/office/drawing/2010/main" xmlns="">
-                  <a:solidFill>
-                    <a:srgbClr val="FFFFFF"/>
-                  </a:solidFill>
-                </a14:hiddenFill>
-              </a:ext>
-              <a:ext uri="{91240B29-F687-4F45-9708-019B960494DF}">
-                <a14:hiddenLine xmlns:a14="http://schemas.microsoft.com/office/drawing/2010/main" xmlns="" w="9525">
-                  <a:solidFill>
-                    <a:srgbClr val="000000"/>
-                  </a:solidFill>
-                  <a:miter lim="800000"/>
-                  <a:headEnd/>
-                  <a:tailEnd/>
-                </a14:hiddenLine>
+              <a:ext uri="{28A0092B-C50C-407E-A947-70E740481C1C}">
+                <a14:useLocalDpi xmlns:a14="http://schemas.microsoft.com/office/drawing/2010/main" val="0"/>
               </a:ext>
             </a:extLst>
-          </p:spPr>
-          <p:txBody>
-            <a:bodyPr wrap="none">
-              <a:spAutoFit/>
-            </a:bodyPr>
-            <a:lstStyle>
-              <a:lvl1pPr>
-                <a:defRPr>
-                  <a:solidFill>
-                    <a:schemeClr val="tx1"/>
-                  </a:solidFill>
-                  <a:latin typeface="Arial" charset="0"/>
-                  <a:ea typeface="ＭＳ Ｐゴシック" pitchFamily="34" charset="-128"/>
-                </a:defRPr>
-              </a:lvl1pPr>
-              <a:lvl2pPr marL="742950" indent="-285750">
-                <a:defRPr>
-                  <a:solidFill>
-                    <a:schemeClr val="tx1"/>
-                  </a:solidFill>
-                  <a:latin typeface="Arial" charset="0"/>
-                  <a:ea typeface="ＭＳ Ｐゴシック" pitchFamily="34" charset="-128"/>
-                </a:defRPr>
-              </a:lvl2pPr>
-              <a:lvl3pPr marL="1143000" indent="-228600">
-                <a:defRPr>
-                  <a:solidFill>
-                    <a:schemeClr val="tx1"/>
-                  </a:solidFill>
-                  <a:latin typeface="Arial" charset="0"/>
-                  <a:ea typeface="ＭＳ Ｐゴシック" pitchFamily="34" charset="-128"/>
-                </a:defRPr>
-              </a:lvl3pPr>
-              <a:lvl4pPr marL="1600200" indent="-228600">
-                <a:defRPr>
-                  <a:solidFill>
-                    <a:schemeClr val="tx1"/>
-                  </a:solidFill>
-                  <a:latin typeface="Arial" charset="0"/>
-                  <a:ea typeface="ＭＳ Ｐゴシック" pitchFamily="34" charset="-128"/>
-                </a:defRPr>
-              </a:lvl4pPr>
-              <a:lvl5pPr marL="2057400" indent="-228600">
-                <a:defRPr>
-                  <a:solidFill>
-                    <a:schemeClr val="tx1"/>
-                  </a:solidFill>
-                  <a:latin typeface="Arial" charset="0"/>
-                  <a:ea typeface="ＭＳ Ｐゴシック" pitchFamily="34" charset="-128"/>
-                </a:defRPr>
-              </a:lvl5pPr>
-              <a:lvl6pPr marL="2514600" indent="-228600" eaLnBrk="0" fontAlgn="base" hangingPunct="0">
-                <a:spcBef>
-                  <a:spcPct val="0"/>
-                </a:spcBef>
-                <a:spcAft>
-                  <a:spcPct val="0"/>
-                </a:spcAft>
-                <a:defRPr>
-                  <a:solidFill>
-                    <a:schemeClr val="tx1"/>
-                  </a:solidFill>
-                  <a:latin typeface="Arial" charset="0"/>
-                  <a:ea typeface="ＭＳ Ｐゴシック" pitchFamily="34" charset="-128"/>
-                </a:defRPr>
-              </a:lvl6pPr>
-              <a:lvl7pPr marL="2971800" indent="-228600" eaLnBrk="0" fontAlgn="base" hangingPunct="0">
-                <a:spcBef>
-                  <a:spcPct val="0"/>
-                </a:spcBef>
-                <a:spcAft>
-                  <a:spcPct val="0"/>
-                </a:spcAft>
-                <a:defRPr>
-                  <a:solidFill>
-                    <a:schemeClr val="tx1"/>
-                  </a:solidFill>
-                  <a:latin typeface="Arial" charset="0"/>
-                  <a:ea typeface="ＭＳ Ｐゴシック" pitchFamily="34" charset="-128"/>
-                </a:defRPr>
-              </a:lvl7pPr>
-              <a:lvl8pPr marL="3429000" indent="-228600" eaLnBrk="0" fontAlgn="base" hangingPunct="0">
-                <a:spcBef>
-                  <a:spcPct val="0"/>
-                </a:spcBef>
-                <a:spcAft>
-                  <a:spcPct val="0"/>
-                </a:spcAft>
-                <a:defRPr>
-                  <a:solidFill>
-                    <a:schemeClr val="tx1"/>
-                  </a:solidFill>
-                  <a:latin typeface="Arial" charset="0"/>
-                  <a:ea typeface="ＭＳ Ｐゴシック" pitchFamily="34" charset="-128"/>
-                </a:defRPr>
-              </a:lvl8pPr>
-              <a:lvl9pPr marL="3886200" indent="-228600" eaLnBrk="0" fontAlgn="base" hangingPunct="0">
-                <a:spcBef>
-                  <a:spcPct val="0"/>
-                </a:spcBef>
-                <a:spcAft>
-                  <a:spcPct val="0"/>
-                </a:spcAft>
-                <a:defRPr>
-                  <a:solidFill>
-                    <a:schemeClr val="tx1"/>
-                  </a:solidFill>
-                  <a:latin typeface="Arial" charset="0"/>
-                  <a:ea typeface="ＭＳ Ｐゴシック" pitchFamily="34" charset="-128"/>
-                </a:defRPr>
-              </a:lvl9pPr>
-            </a:lstStyle>
-            <a:p>
-              <a:pPr eaLnBrk="1" hangingPunct="1"/>
-              <a:endParaRPr lang="pt-BR" sz="2400" b="1">
-                <a:solidFill>
-                  <a:srgbClr val="5F5F5F"/>
-                </a:solidFill>
-              </a:endParaRPr>
-            </a:p>
-          </p:txBody>
-        </p:sp>
-      </p:grpSp>
-      <p:sp>
-        <p:nvSpPr>
-          <p:cNvPr id="7" name="Rectangle 13"/>
-          <p:cNvSpPr txBox="1">
-            <a:spLocks noChangeArrowheads="1"/>
-          </p:cNvSpPr>
-          <p:nvPr/>
-        </p:nvSpPr>
+          </a:blip>
+          <a:stretch>
+            <a:fillRect/>
+          </a:stretch>
+        </p:blipFill>
         <p:spPr>
           <a:xfrm>
-            <a:off x="866775" y="2652713"/>
-            <a:ext cx="7786688" cy="2008808"/>
+            <a:off x="2231534" y="1182688"/>
+            <a:ext cx="4806891" cy="5675312"/>
           </a:xfrm>
           <a:prstGeom prst="rect">
             <a:avLst/>
           </a:prstGeom>
         </p:spPr>
-        <p:txBody>
-          <a:bodyPr/>
-          <a:lstStyle/>
-          <a:p>
-            <a:pPr marL="342900" marR="0" lvl="0" indent="-342900" algn="ctr" defTabSz="914400" rtl="0" eaLnBrk="1" fontAlgn="auto" latinLnBrk="0" hangingPunct="1">
-              <a:lnSpc>
-                <a:spcPct val="100000"/>
-              </a:lnSpc>
-              <a:spcBef>
-                <a:spcPct val="20000"/>
-              </a:spcBef>
-              <a:spcAft>
-                <a:spcPts val="0"/>
-              </a:spcAft>
-              <a:buClrTx/>
-              <a:buSzTx/>
-              <a:buFont typeface="Arial" panose="020B0604020202020204" pitchFamily="34" charset="0"/>
-              <a:buNone/>
-              <a:tabLst/>
-              <a:defRPr/>
-            </a:pPr>
-            <a:endParaRPr kumimoji="0" lang="pt-BR" sz="4000" b="0" i="0" u="none" strike="noStrike" kern="1200" cap="none" spc="0" normalizeH="0" baseline="0" noProof="0" dirty="0">
-              <a:ln>
-                <a:noFill/>
-              </a:ln>
-              <a:solidFill>
-                <a:schemeClr val="tx2">
-                  <a:lumMod val="75000"/>
-                </a:schemeClr>
-              </a:solidFill>
-              <a:effectLst/>
-              <a:uLnTx/>
-              <a:uFillTx/>
-              <a:latin typeface="Verdana" pitchFamily="34" charset="0"/>
-              <a:ea typeface="ＭＳ Ｐゴシック" pitchFamily="-106" charset="-128"/>
-              <a:cs typeface="Verdana" pitchFamily="34" charset="0"/>
-            </a:endParaRPr>
-          </a:p>
-          <a:p>
-            <a:pPr marL="342900" marR="0" lvl="0" indent="-342900" algn="ctr" defTabSz="914400" rtl="0" eaLnBrk="1" fontAlgn="auto" latinLnBrk="0" hangingPunct="1">
-              <a:lnSpc>
-                <a:spcPct val="100000"/>
-              </a:lnSpc>
-              <a:spcBef>
-                <a:spcPct val="20000"/>
-              </a:spcBef>
-              <a:spcAft>
-                <a:spcPts val="0"/>
-              </a:spcAft>
-              <a:buClrTx/>
-              <a:buSzTx/>
-              <a:buFont typeface="Arial" panose="020B0604020202020204" pitchFamily="34" charset="0"/>
-              <a:buNone/>
-              <a:tabLst/>
-              <a:defRPr/>
-            </a:pPr>
-            <a:r>
-              <a:rPr kumimoji="0" lang="pt-BR" sz="4000" b="0" i="0" u="none" strike="noStrike" kern="1200" cap="none" spc="0" normalizeH="0" baseline="0" noProof="0" dirty="0">
-                <a:ln>
-                  <a:noFill/>
-                </a:ln>
-                <a:solidFill>
-                  <a:schemeClr val="tx2">
-                    <a:lumMod val="75000"/>
-                  </a:schemeClr>
-                </a:solidFill>
-                <a:effectLst/>
-                <a:uLnTx/>
-                <a:uFillTx/>
-                <a:latin typeface="Verdana" pitchFamily="34" charset="0"/>
-                <a:ea typeface="ＭＳ Ｐゴシック" pitchFamily="-106" charset="-128"/>
-                <a:cs typeface="Verdana" pitchFamily="34" charset="0"/>
-              </a:rPr>
-              <a:t>Tatiana Santana</a:t>
-            </a:r>
-            <a:endParaRPr kumimoji="0" lang="pt-BR" sz="2000" b="1" i="0" u="none" strike="noStrike" kern="1200" cap="none" spc="0" normalizeH="0" baseline="0" noProof="0" dirty="0">
-              <a:ln>
-                <a:noFill/>
-              </a:ln>
-              <a:solidFill>
-                <a:srgbClr val="5F5F5F"/>
-              </a:solidFill>
-              <a:effectLst/>
-              <a:uLnTx/>
-              <a:uFillTx/>
-              <a:latin typeface="Verdana" pitchFamily="34" charset="0"/>
-              <a:ea typeface="Verdana" pitchFamily="34" charset="0"/>
-              <a:cs typeface="Verdana" pitchFamily="34" charset="0"/>
-            </a:endParaRPr>
-          </a:p>
-        </p:txBody>
-      </p:sp>
+      </p:pic>
     </p:spTree>
   </p:cSld>
   <p:clrMapOvr>
@@ -8189,341 +8355,70 @@
           </a:p>
         </p:txBody>
       </p:sp>
-      <p:sp>
-        <p:nvSpPr>
-          <p:cNvPr id="5" name="Espaço Reservado para Texto 3"/>
-          <p:cNvSpPr txBox="1">
-            <a:spLocks/>
-          </p:cNvSpPr>
+      <p:pic>
+        <p:nvPicPr>
+          <p:cNvPr id="1026" name="Picture 2">
+            <a:extLst>
+              <a:ext uri="{FF2B5EF4-FFF2-40B4-BE49-F238E27FC236}">
+                <a16:creationId xmlns="" xmlns:a16="http://schemas.microsoft.com/office/drawing/2014/main" id="{680D742B-523C-43D4-9E8B-E4709EAE39EB}"/>
+              </a:ext>
+            </a:extLst>
+          </p:cNvPr>
+          <p:cNvPicPr>
+            <a:picLocks noChangeAspect="1" noChangeArrowheads="1"/>
+          </p:cNvPicPr>
           <p:nvPr/>
-        </p:nvSpPr>
-        <p:spPr>
+        </p:nvPicPr>
+        <p:blipFill>
+          <a:blip r:embed="rId2" cstate="print">
+            <a:extLst>
+              <a:ext uri="{28A0092B-C50C-407E-A947-70E740481C1C}">
+                <a14:useLocalDpi xmlns:a14="http://schemas.microsoft.com/office/drawing/2010/main" val="0"/>
+              </a:ext>
+            </a:extLst>
+          </a:blip>
+          <a:srcRect/>
+          <a:stretch>
+            <a:fillRect/>
+          </a:stretch>
+        </p:blipFill>
+        <p:spPr bwMode="auto">
           <a:xfrm>
-            <a:off x="395536" y="1196752"/>
-            <a:ext cx="8208912" cy="5112568"/>
+            <a:off x="-83041" y="1700808"/>
+            <a:ext cx="9297381" cy="4248472"/>
           </a:xfrm>
           <a:prstGeom prst="rect">
             <a:avLst/>
           </a:prstGeom>
+          <a:noFill/>
+          <a:ln>
+            <a:noFill/>
+          </a:ln>
+          <a:extLst>
+            <a:ext uri="{909E8E84-426E-40DD-AFC4-6F175D3DCCD1}">
+              <a14:hiddenFill xmlns:a14="http://schemas.microsoft.com/office/drawing/2010/main">
+                <a:solidFill>
+                  <a:srgbClr val="FFFFFF"/>
+                </a:solidFill>
+              </a14:hiddenFill>
+            </a:ext>
+            <a:ext uri="{91240B29-F687-4F45-9708-019B960494DF}">
+              <a14:hiddenLine xmlns:a14="http://schemas.microsoft.com/office/drawing/2010/main" w="9525">
+                <a:solidFill>
+                  <a:srgbClr val="000000"/>
+                </a:solidFill>
+                <a:miter lim="800000"/>
+                <a:headEnd/>
+                <a:tailEnd/>
+              </a14:hiddenLine>
+            </a:ext>
+          </a:extLst>
         </p:spPr>
-        <p:txBody>
-          <a:bodyPr/>
-          <a:lstStyle>
-            <a:lvl1pPr marL="342900" indent="-342900" algn="l" rtl="0" eaLnBrk="0" fontAlgn="base" hangingPunct="0">
-              <a:spcBef>
-                <a:spcPct val="20000"/>
-              </a:spcBef>
-              <a:spcAft>
-                <a:spcPct val="0"/>
-              </a:spcAft>
-              <a:buFont typeface="Arial" charset="0"/>
-              <a:buChar char="•"/>
-              <a:defRPr sz="3200" kern="1200">
-                <a:solidFill>
-                  <a:schemeClr val="tx1"/>
-                </a:solidFill>
-                <a:latin typeface="+mn-lt"/>
-                <a:ea typeface="+mn-ea"/>
-                <a:cs typeface="+mn-cs"/>
-              </a:defRPr>
-            </a:lvl1pPr>
-            <a:lvl2pPr marL="742950" indent="-285750" algn="l" rtl="0" eaLnBrk="0" fontAlgn="base" hangingPunct="0">
-              <a:spcBef>
-                <a:spcPct val="20000"/>
-              </a:spcBef>
-              <a:spcAft>
-                <a:spcPct val="0"/>
-              </a:spcAft>
-              <a:buFont typeface="Arial" charset="0"/>
-              <a:buChar char="–"/>
-              <a:defRPr sz="2800" kern="1200">
-                <a:solidFill>
-                  <a:schemeClr val="tx1"/>
-                </a:solidFill>
-                <a:latin typeface="+mn-lt"/>
-                <a:ea typeface="+mn-ea"/>
-                <a:cs typeface="+mn-cs"/>
-              </a:defRPr>
-            </a:lvl2pPr>
-            <a:lvl3pPr marL="1143000" indent="-228600" algn="l" rtl="0" eaLnBrk="0" fontAlgn="base" hangingPunct="0">
-              <a:spcBef>
-                <a:spcPct val="20000"/>
-              </a:spcBef>
-              <a:spcAft>
-                <a:spcPct val="0"/>
-              </a:spcAft>
-              <a:buFont typeface="Arial" charset="0"/>
-              <a:buChar char="•"/>
-              <a:defRPr sz="2400" kern="1200">
-                <a:solidFill>
-                  <a:schemeClr val="tx1"/>
-                </a:solidFill>
-                <a:latin typeface="+mn-lt"/>
-                <a:ea typeface="+mn-ea"/>
-                <a:cs typeface="+mn-cs"/>
-              </a:defRPr>
-            </a:lvl3pPr>
-            <a:lvl4pPr marL="1600200" indent="-228600" algn="l" rtl="0" eaLnBrk="0" fontAlgn="base" hangingPunct="0">
-              <a:spcBef>
-                <a:spcPct val="20000"/>
-              </a:spcBef>
-              <a:spcAft>
-                <a:spcPct val="0"/>
-              </a:spcAft>
-              <a:buFont typeface="Arial" charset="0"/>
-              <a:buChar char="–"/>
-              <a:defRPr sz="2000" kern="1200">
-                <a:solidFill>
-                  <a:schemeClr val="tx1"/>
-                </a:solidFill>
-                <a:latin typeface="+mn-lt"/>
-                <a:ea typeface="+mn-ea"/>
-                <a:cs typeface="+mn-cs"/>
-              </a:defRPr>
-            </a:lvl4pPr>
-            <a:lvl5pPr marL="2057400" indent="-228600" algn="l" rtl="0" eaLnBrk="0" fontAlgn="base" hangingPunct="0">
-              <a:spcBef>
-                <a:spcPct val="20000"/>
-              </a:spcBef>
-              <a:spcAft>
-                <a:spcPct val="0"/>
-              </a:spcAft>
-              <a:buFont typeface="Arial" charset="0"/>
-              <a:buChar char="»"/>
-              <a:defRPr sz="2000" kern="1200">
-                <a:solidFill>
-                  <a:schemeClr val="tx1"/>
-                </a:solidFill>
-                <a:latin typeface="+mn-lt"/>
-                <a:ea typeface="+mn-ea"/>
-                <a:cs typeface="+mn-cs"/>
-              </a:defRPr>
-            </a:lvl5pPr>
-            <a:lvl6pPr marL="2514600" indent="-228600" algn="l" defTabSz="914400" rtl="0" eaLnBrk="1" latinLnBrk="0" hangingPunct="1">
-              <a:spcBef>
-                <a:spcPct val="20000"/>
-              </a:spcBef>
-              <a:buFont typeface="Arial" pitchFamily="34" charset="0"/>
-              <a:buChar char="•"/>
-              <a:defRPr sz="2000" kern="1200">
-                <a:solidFill>
-                  <a:schemeClr val="tx1"/>
-                </a:solidFill>
-                <a:latin typeface="+mn-lt"/>
-                <a:ea typeface="+mn-ea"/>
-                <a:cs typeface="+mn-cs"/>
-              </a:defRPr>
-            </a:lvl6pPr>
-            <a:lvl7pPr marL="2971800" indent="-228600" algn="l" defTabSz="914400" rtl="0" eaLnBrk="1" latinLnBrk="0" hangingPunct="1">
-              <a:spcBef>
-                <a:spcPct val="20000"/>
-              </a:spcBef>
-              <a:buFont typeface="Arial" pitchFamily="34" charset="0"/>
-              <a:buChar char="•"/>
-              <a:defRPr sz="2000" kern="1200">
-                <a:solidFill>
-                  <a:schemeClr val="tx1"/>
-                </a:solidFill>
-                <a:latin typeface="+mn-lt"/>
-                <a:ea typeface="+mn-ea"/>
-                <a:cs typeface="+mn-cs"/>
-              </a:defRPr>
-            </a:lvl7pPr>
-            <a:lvl8pPr marL="3429000" indent="-228600" algn="l" defTabSz="914400" rtl="0" eaLnBrk="1" latinLnBrk="0" hangingPunct="1">
-              <a:spcBef>
-                <a:spcPct val="20000"/>
-              </a:spcBef>
-              <a:buFont typeface="Arial" pitchFamily="34" charset="0"/>
-              <a:buChar char="•"/>
-              <a:defRPr sz="2000" kern="1200">
-                <a:solidFill>
-                  <a:schemeClr val="tx1"/>
-                </a:solidFill>
-                <a:latin typeface="+mn-lt"/>
-                <a:ea typeface="+mn-ea"/>
-                <a:cs typeface="+mn-cs"/>
-              </a:defRPr>
-            </a:lvl8pPr>
-            <a:lvl9pPr marL="3886200" indent="-228600" algn="l" defTabSz="914400" rtl="0" eaLnBrk="1" latinLnBrk="0" hangingPunct="1">
-              <a:spcBef>
-                <a:spcPct val="20000"/>
-              </a:spcBef>
-              <a:buFont typeface="Arial" pitchFamily="34" charset="0"/>
-              <a:buChar char="•"/>
-              <a:defRPr sz="2000" kern="1200">
-                <a:solidFill>
-                  <a:schemeClr val="tx1"/>
-                </a:solidFill>
-                <a:latin typeface="+mn-lt"/>
-                <a:ea typeface="+mn-ea"/>
-                <a:cs typeface="+mn-cs"/>
-              </a:defRPr>
-            </a:lvl9pPr>
-          </a:lstStyle>
-          <a:p>
-            <a:pPr algn="just" eaLnBrk="1" hangingPunct="1">
-              <a:buFont typeface="Arial" panose="020B0604020202020204" pitchFamily="34" charset="0"/>
-              <a:buChar char="•"/>
-              <a:defRPr/>
-            </a:pPr>
-            <a:r>
-              <a:rPr lang="pt-BR" sz="2600">
-                <a:solidFill>
-                  <a:schemeClr val="tx2">
-                    <a:lumMod val="75000"/>
-                  </a:schemeClr>
-                </a:solidFill>
-                <a:latin typeface="Calibri" panose="020F0502020204030204" pitchFamily="34" charset="0"/>
-                <a:cs typeface="Calibri" panose="020F0502020204030204" pitchFamily="34" charset="0"/>
-              </a:rPr>
-              <a:t>Manter Paciente</a:t>
-            </a:r>
-          </a:p>
-          <a:p>
-            <a:pPr lvl="1" algn="just" eaLnBrk="1" hangingPunct="1">
-              <a:buFont typeface="Arial" panose="020B0604020202020204" pitchFamily="34" charset="0"/>
-              <a:buChar char="•"/>
-              <a:defRPr/>
-            </a:pPr>
-            <a:r>
-              <a:rPr lang="pt-BR" sz="1850">
-                <a:solidFill>
-                  <a:schemeClr val="tx2">
-                    <a:lumMod val="75000"/>
-                  </a:schemeClr>
-                </a:solidFill>
-              </a:rPr>
-              <a:t>Permite a manutenção de paciente.</a:t>
-            </a:r>
-            <a:endParaRPr lang="pt-BR" sz="1850">
-              <a:solidFill>
-                <a:schemeClr val="tx2">
-                  <a:lumMod val="75000"/>
-                </a:schemeClr>
-              </a:solidFill>
-              <a:cs typeface="Calibri" panose="020F0502020204030204" pitchFamily="34" charset="0"/>
-            </a:endParaRPr>
-          </a:p>
-          <a:p>
-            <a:pPr marL="457200" lvl="1" indent="0" algn="just" eaLnBrk="1" hangingPunct="1">
-              <a:defRPr/>
-            </a:pPr>
-            <a:endParaRPr lang="pt-BR" sz="1800">
-              <a:solidFill>
-                <a:schemeClr val="tx2">
-                  <a:lumMod val="75000"/>
-                </a:schemeClr>
-              </a:solidFill>
-              <a:latin typeface="Calibri" panose="020F0502020204030204" pitchFamily="34" charset="0"/>
-              <a:cs typeface="Calibri" panose="020F0502020204030204" pitchFamily="34" charset="0"/>
-            </a:endParaRPr>
-          </a:p>
-          <a:p>
-            <a:pPr algn="just" eaLnBrk="1" hangingPunct="1">
-              <a:buFont typeface="Arial" panose="020B0604020202020204" pitchFamily="34" charset="0"/>
-              <a:buChar char="•"/>
-              <a:defRPr/>
-            </a:pPr>
-            <a:r>
-              <a:rPr lang="pt-BR" sz="2600">
-                <a:solidFill>
-                  <a:schemeClr val="tx2">
-                    <a:lumMod val="75000"/>
-                  </a:schemeClr>
-                </a:solidFill>
-                <a:latin typeface="Calibri" panose="020F0502020204030204" pitchFamily="34" charset="0"/>
-                <a:cs typeface="Calibri" panose="020F0502020204030204" pitchFamily="34" charset="0"/>
-              </a:rPr>
-              <a:t>Receber Prontuário</a:t>
-            </a:r>
-          </a:p>
-          <a:p>
-            <a:pPr lvl="1" algn="just" eaLnBrk="1" hangingPunct="1">
-              <a:buFont typeface="Arial" panose="020B0604020202020204" pitchFamily="34" charset="0"/>
-              <a:buChar char="•"/>
-              <a:defRPr/>
-            </a:pPr>
-            <a:r>
-              <a:rPr lang="pt-BR" sz="1850">
-                <a:solidFill>
-                  <a:schemeClr val="tx2">
-                    <a:lumMod val="75000"/>
-                  </a:schemeClr>
-                </a:solidFill>
-              </a:rPr>
-              <a:t>Permite a manutenção de prontuário.</a:t>
-            </a:r>
-          </a:p>
-          <a:p>
-            <a:pPr marL="457200" lvl="1" indent="0" algn="just" eaLnBrk="1" hangingPunct="1">
-              <a:defRPr/>
-            </a:pPr>
-            <a:endParaRPr lang="pt-BR" sz="1800">
-              <a:solidFill>
-                <a:schemeClr val="tx2">
-                  <a:lumMod val="75000"/>
-                </a:schemeClr>
-              </a:solidFill>
-              <a:latin typeface="Calibri" panose="020F0502020204030204" pitchFamily="34" charset="0"/>
-              <a:cs typeface="Calibri" panose="020F0502020204030204" pitchFamily="34" charset="0"/>
-            </a:endParaRPr>
-          </a:p>
-          <a:p>
-            <a:pPr algn="just" eaLnBrk="1" hangingPunct="1">
-              <a:buFont typeface="Arial" panose="020B0604020202020204" pitchFamily="34" charset="0"/>
-              <a:buChar char="•"/>
-              <a:defRPr/>
-            </a:pPr>
-            <a:r>
-              <a:rPr lang="pt-BR" sz="2600">
-                <a:solidFill>
-                  <a:schemeClr val="tx2">
-                    <a:lumMod val="75000"/>
-                  </a:schemeClr>
-                </a:solidFill>
-                <a:latin typeface="Calibri" panose="020F0502020204030204" pitchFamily="34" charset="0"/>
-                <a:cs typeface="Calibri" panose="020F0502020204030204" pitchFamily="34" charset="0"/>
-              </a:rPr>
-              <a:t>Realizar Atendimento</a:t>
-            </a:r>
-          </a:p>
-          <a:p>
-            <a:pPr lvl="1" algn="just" eaLnBrk="1" hangingPunct="1">
-              <a:buFont typeface="Arial" panose="020B0604020202020204" pitchFamily="34" charset="0"/>
-              <a:buChar char="•"/>
-              <a:defRPr/>
-            </a:pPr>
-            <a:r>
-              <a:rPr lang="pt-BR" sz="1850">
-                <a:solidFill>
-                  <a:schemeClr val="tx2">
-                    <a:lumMod val="75000"/>
-                  </a:schemeClr>
-                </a:solidFill>
-              </a:rPr>
-              <a:t>Realiza atendimento a partir de um agendamento confirmado.</a:t>
-            </a:r>
-          </a:p>
-          <a:p>
-            <a:pPr marL="457200" lvl="1" indent="0" algn="just" eaLnBrk="1" hangingPunct="1">
-              <a:defRPr/>
-            </a:pPr>
-            <a:endParaRPr lang="pt-BR" sz="1800" dirty="0">
-              <a:solidFill>
-                <a:schemeClr val="tx2">
-                  <a:lumMod val="75000"/>
-                </a:schemeClr>
-              </a:solidFill>
-              <a:latin typeface="Calibri" panose="020F0502020204030204" pitchFamily="34" charset="0"/>
-              <a:cs typeface="Calibri" panose="020F0502020204030204" pitchFamily="34" charset="0"/>
-            </a:endParaRPr>
-          </a:p>
-        </p:txBody>
-      </p:sp>
+      </p:pic>
     </p:spTree>
     <p:extLst>
       <p:ext uri="{BB962C8B-B14F-4D97-AF65-F5344CB8AC3E}">
-        <p14:creationId xmlns:p14="http://schemas.microsoft.com/office/powerpoint/2010/main" xmlns="" val="2886033736"/>
+        <p14:creationId xmlns:p14="http://schemas.microsoft.com/office/powerpoint/2010/main" val="1781569390"/>
       </p:ext>
     </p:extLst>
   </p:cSld>
@@ -8555,7 +8450,13 @@
       </p:grpSpPr>
       <p:sp>
         <p:nvSpPr>
-          <p:cNvPr id="4" name="Título 3"/>
+          <p:cNvPr id="4" name="Título 3">
+            <a:extLst>
+              <a:ext uri="{FF2B5EF4-FFF2-40B4-BE49-F238E27FC236}">
+                <a16:creationId xmlns="" xmlns:a16="http://schemas.microsoft.com/office/drawing/2014/main" id="{26BCFAA2-D859-44BC-AFEE-2D5119DC4C72}"/>
+              </a:ext>
+            </a:extLst>
+          </p:cNvPr>
           <p:cNvSpPr>
             <a:spLocks noGrp="1"/>
           </p:cNvSpPr>
@@ -8563,7 +8464,12 @@
             <p:ph type="title"/>
           </p:nvPr>
         </p:nvSpPr>
-        <p:spPr/>
+        <p:spPr>
+          <a:xfrm>
+            <a:off x="166688" y="260350"/>
+            <a:ext cx="8797925" cy="922338"/>
+          </a:xfrm>
+        </p:spPr>
         <p:txBody>
           <a:bodyPr/>
           <a:lstStyle/>
@@ -8583,7 +8489,7 @@
           <p:cNvPr id="3" name="Picture 2">
             <a:extLst>
               <a:ext uri="{FF2B5EF4-FFF2-40B4-BE49-F238E27FC236}">
-                <a16:creationId xmlns:a16="http://schemas.microsoft.com/office/drawing/2014/main" xmlns="" id="{1488CEA1-615B-4D4C-A130-F1FD32F916CA}"/>
+                <a16:creationId xmlns="" xmlns:a16="http://schemas.microsoft.com/office/drawing/2014/main" id="{697244E8-4C32-432B-82C5-5F541E652E84}"/>
               </a:ext>
             </a:extLst>
           </p:cNvPr>
@@ -8593,21 +8499,15 @@
           <p:nvPr/>
         </p:nvPicPr>
         <p:blipFill>
-          <a:blip r:embed="rId2" cstate="print">
-            <a:extLst>
-              <a:ext uri="{28A0092B-C50C-407E-A947-70E740481C1C}">
-                <a14:useLocalDpi xmlns:a14="http://schemas.microsoft.com/office/drawing/2010/main" xmlns="" val="0"/>
-              </a:ext>
-            </a:extLst>
-          </a:blip>
+          <a:blip r:embed="rId2" cstate="print"/>
           <a:stretch>
             <a:fillRect/>
           </a:stretch>
         </p:blipFill>
         <p:spPr>
           <a:xfrm>
-            <a:off x="2231534" y="1182688"/>
-            <a:ext cx="4806891" cy="5675312"/>
+            <a:off x="0" y="1370714"/>
+            <a:ext cx="9144000" cy="5298646"/>
           </a:xfrm>
           <a:prstGeom prst="rect">
             <a:avLst/>
@@ -8679,7 +8579,7 @@
           <a:blip r:embed="rId3" cstate="print">
             <a:extLst>
               <a:ext uri="{28A0092B-C50C-407E-A947-70E740481C1C}">
-                <a14:useLocalDpi xmlns:a14="http://schemas.microsoft.com/office/drawing/2010/main" xmlns="" val="0"/>
+                <a14:useLocalDpi xmlns:a14="http://schemas.microsoft.com/office/drawing/2010/main" val="0"/>
               </a:ext>
             </a:extLst>
           </a:blip>
@@ -8734,222 +8634,10 @@
       </p:grpSpPr>
       <p:sp>
         <p:nvSpPr>
-          <p:cNvPr id="4" name="Título 3"/>
-          <p:cNvSpPr>
-            <a:spLocks noGrp="1"/>
-          </p:cNvSpPr>
-          <p:nvPr>
-            <p:ph type="title"/>
-          </p:nvPr>
-        </p:nvSpPr>
-        <p:spPr/>
-        <p:txBody>
-          <a:bodyPr/>
-          <a:lstStyle/>
-          <a:p>
-            <a:pPr eaLnBrk="1" hangingPunct="1">
-              <a:defRPr/>
-            </a:pPr>
-            <a:r>
-              <a:rPr lang="pt-BR" dirty="0"/>
-              <a:t>MÓDULO PACIENTE</a:t>
-            </a:r>
-          </a:p>
-        </p:txBody>
-      </p:sp>
-      <p:pic>
-        <p:nvPicPr>
-          <p:cNvPr id="1026" name="Picture 2">
-            <a:extLst>
-              <a:ext uri="{FF2B5EF4-FFF2-40B4-BE49-F238E27FC236}">
-                <a16:creationId xmlns:a16="http://schemas.microsoft.com/office/drawing/2014/main" xmlns="" id="{680D742B-523C-43D4-9E8B-E4709EAE39EB}"/>
-              </a:ext>
-            </a:extLst>
-          </p:cNvPr>
-          <p:cNvPicPr>
-            <a:picLocks noChangeAspect="1" noChangeArrowheads="1"/>
-          </p:cNvPicPr>
-          <p:nvPr/>
-        </p:nvPicPr>
-        <p:blipFill>
-          <a:blip r:embed="rId2" cstate="print">
-            <a:extLst>
-              <a:ext uri="{28A0092B-C50C-407E-A947-70E740481C1C}">
-                <a14:useLocalDpi xmlns:a14="http://schemas.microsoft.com/office/drawing/2010/main" xmlns="" val="0"/>
-              </a:ext>
-            </a:extLst>
-          </a:blip>
-          <a:srcRect/>
-          <a:stretch>
-            <a:fillRect/>
-          </a:stretch>
-        </p:blipFill>
-        <p:spPr bwMode="auto">
-          <a:xfrm>
-            <a:off x="-83041" y="1700808"/>
-            <a:ext cx="9297381" cy="4248472"/>
-          </a:xfrm>
-          <a:prstGeom prst="rect">
-            <a:avLst/>
-          </a:prstGeom>
-          <a:noFill/>
-          <a:ln>
-            <a:noFill/>
-          </a:ln>
-          <a:extLst>
-            <a:ext uri="{909E8E84-426E-40DD-AFC4-6F175D3DCCD1}">
-              <a14:hiddenFill xmlns:a14="http://schemas.microsoft.com/office/drawing/2010/main" xmlns="">
-                <a:solidFill>
-                  <a:srgbClr val="FFFFFF"/>
-                </a:solidFill>
-              </a14:hiddenFill>
-            </a:ext>
-            <a:ext uri="{91240B29-F687-4F45-9708-019B960494DF}">
-              <a14:hiddenLine xmlns:a14="http://schemas.microsoft.com/office/drawing/2010/main" xmlns="" w="9525">
-                <a:solidFill>
-                  <a:srgbClr val="000000"/>
-                </a:solidFill>
-                <a:miter lim="800000"/>
-                <a:headEnd/>
-                <a:tailEnd/>
-              </a14:hiddenLine>
-            </a:ext>
-          </a:extLst>
-        </p:spPr>
-      </p:pic>
-    </p:spTree>
-    <p:extLst>
-      <p:ext uri="{BB962C8B-B14F-4D97-AF65-F5344CB8AC3E}">
-        <p14:creationId xmlns:p14="http://schemas.microsoft.com/office/powerpoint/2010/main" xmlns="" val="1781569390"/>
-      </p:ext>
-    </p:extLst>
-  </p:cSld>
-  <p:clrMapOvr>
-    <a:masterClrMapping/>
-  </p:clrMapOvr>
-  <p:transition spd="med">
-    <p:fade/>
-  </p:transition>
-</p:sld>
-</file>
-
-<file path=ppt/slides/slide31.xml><?xml version="1.0" encoding="utf-8"?>
-<p:sld xmlns:a="http://schemas.openxmlformats.org/drawingml/2006/main" xmlns:r="http://schemas.openxmlformats.org/officeDocument/2006/relationships" xmlns:p="http://schemas.openxmlformats.org/presentationml/2006/main">
-  <p:cSld>
-    <p:spTree>
-      <p:nvGrpSpPr>
-        <p:cNvPr id="1" name=""/>
-        <p:cNvGrpSpPr/>
-        <p:nvPr/>
-      </p:nvGrpSpPr>
-      <p:grpSpPr>
-        <a:xfrm>
-          <a:off x="0" y="0"/>
-          <a:ext cx="0" cy="0"/>
-          <a:chOff x="0" y="0"/>
-          <a:chExt cx="0" cy="0"/>
-        </a:xfrm>
-      </p:grpSpPr>
-      <p:sp>
-        <p:nvSpPr>
-          <p:cNvPr id="4" name="Título 3">
-            <a:extLst>
-              <a:ext uri="{FF2B5EF4-FFF2-40B4-BE49-F238E27FC236}">
-                <a16:creationId xmlns:a16="http://schemas.microsoft.com/office/drawing/2014/main" xmlns="" id="{26BCFAA2-D859-44BC-AFEE-2D5119DC4C72}"/>
-              </a:ext>
-            </a:extLst>
-          </p:cNvPr>
-          <p:cNvSpPr>
-            <a:spLocks noGrp="1"/>
-          </p:cNvSpPr>
-          <p:nvPr>
-            <p:ph type="title"/>
-          </p:nvPr>
-        </p:nvSpPr>
-        <p:spPr>
-          <a:xfrm>
-            <a:off x="166688" y="260350"/>
-            <a:ext cx="8797925" cy="922338"/>
-          </a:xfrm>
-        </p:spPr>
-        <p:txBody>
-          <a:bodyPr/>
-          <a:lstStyle/>
-          <a:p>
-            <a:pPr eaLnBrk="1" hangingPunct="1">
-              <a:defRPr/>
-            </a:pPr>
-            <a:r>
-              <a:rPr lang="pt-BR" dirty="0"/>
-              <a:t>MÓDULO PACIENTE</a:t>
-            </a:r>
-          </a:p>
-        </p:txBody>
-      </p:sp>
-      <p:pic>
-        <p:nvPicPr>
-          <p:cNvPr id="3" name="Picture 2">
-            <a:extLst>
-              <a:ext uri="{FF2B5EF4-FFF2-40B4-BE49-F238E27FC236}">
-                <a16:creationId xmlns:a16="http://schemas.microsoft.com/office/drawing/2014/main" xmlns="" id="{697244E8-4C32-432B-82C5-5F541E652E84}"/>
-              </a:ext>
-            </a:extLst>
-          </p:cNvPr>
-          <p:cNvPicPr>
-            <a:picLocks noChangeAspect="1"/>
-          </p:cNvPicPr>
-          <p:nvPr/>
-        </p:nvPicPr>
-        <p:blipFill>
-          <a:blip r:embed="rId2" cstate="print"/>
-          <a:stretch>
-            <a:fillRect/>
-          </a:stretch>
-        </p:blipFill>
-        <p:spPr>
-          <a:xfrm>
-            <a:off x="0" y="1370714"/>
-            <a:ext cx="9144000" cy="5298646"/>
-          </a:xfrm>
-          <a:prstGeom prst="rect">
-            <a:avLst/>
-          </a:prstGeom>
-        </p:spPr>
-      </p:pic>
-    </p:spTree>
-  </p:cSld>
-  <p:clrMapOvr>
-    <a:masterClrMapping/>
-  </p:clrMapOvr>
-  <p:transition spd="med">
-    <p:fade/>
-  </p:transition>
-</p:sld>
-</file>
-
-<file path=ppt/slides/slide32.xml><?xml version="1.0" encoding="utf-8"?>
-<p:sld xmlns:a="http://schemas.openxmlformats.org/drawingml/2006/main" xmlns:r="http://schemas.openxmlformats.org/officeDocument/2006/relationships" xmlns:p="http://schemas.openxmlformats.org/presentationml/2006/main">
-  <p:cSld>
-    <p:spTree>
-      <p:nvGrpSpPr>
-        <p:cNvPr id="1" name=""/>
-        <p:cNvGrpSpPr/>
-        <p:nvPr/>
-      </p:nvGrpSpPr>
-      <p:grpSpPr>
-        <a:xfrm>
-          <a:off x="0" y="0"/>
-          <a:ext cx="0" cy="0"/>
-          <a:chOff x="0" y="0"/>
-          <a:chExt cx="0" cy="0"/>
-        </a:xfrm>
-      </p:grpSpPr>
-      <p:sp>
-        <p:nvSpPr>
           <p:cNvPr id="2" name="Rectangle 1">
             <a:extLst>
               <a:ext uri="{FF2B5EF4-FFF2-40B4-BE49-F238E27FC236}">
-                <a16:creationId xmlns:a16="http://schemas.microsoft.com/office/drawing/2014/main" xmlns="" id="{9B84690F-C0BA-45DE-B1F4-7C1D7425D6FC}"/>
+                <a16:creationId xmlns="" xmlns:a16="http://schemas.microsoft.com/office/drawing/2014/main" id="{9B84690F-C0BA-45DE-B1F4-7C1D7425D6FC}"/>
               </a:ext>
             </a:extLst>
           </p:cNvPr>
@@ -9003,7 +8691,7 @@
           <p:cNvPr id="4" name="Picture 3">
             <a:extLst>
               <a:ext uri="{FF2B5EF4-FFF2-40B4-BE49-F238E27FC236}">
-                <a16:creationId xmlns:a16="http://schemas.microsoft.com/office/drawing/2014/main" xmlns="" id="{FF33F444-5274-47FB-9AB9-B9E9F701C115}"/>
+                <a16:creationId xmlns="" xmlns:a16="http://schemas.microsoft.com/office/drawing/2014/main" id="{FF33F444-5274-47FB-9AB9-B9E9F701C115}"/>
               </a:ext>
             </a:extLst>
           </p:cNvPr>
@@ -9031,7 +8719,7 @@
     </p:spTree>
     <p:extLst>
       <p:ext uri="{BB962C8B-B14F-4D97-AF65-F5344CB8AC3E}">
-        <p14:creationId xmlns:p14="http://schemas.microsoft.com/office/powerpoint/2010/main" xmlns="" val="2886251363"/>
+        <p14:creationId xmlns:p14="http://schemas.microsoft.com/office/powerpoint/2010/main" val="2886251363"/>
       </p:ext>
     </p:extLst>
   </p:cSld>
@@ -9041,7 +8729,7 @@
 </p:sld>
 </file>
 
-<file path=ppt/slides/slide33.xml><?xml version="1.0" encoding="utf-8"?>
+<file path=ppt/slides/slide31.xml><?xml version="1.0" encoding="utf-8"?>
 <p:sld xmlns:a="http://schemas.openxmlformats.org/drawingml/2006/main" xmlns:r="http://schemas.openxmlformats.org/officeDocument/2006/relationships" xmlns:p="http://schemas.openxmlformats.org/presentationml/2006/main">
   <p:cSld>
     <p:spTree>
@@ -9088,7 +8776,7 @@
           <p:cNvPr id="5" name="Rectangle 4">
             <a:extLst>
               <a:ext uri="{FF2B5EF4-FFF2-40B4-BE49-F238E27FC236}">
-                <a16:creationId xmlns:a16="http://schemas.microsoft.com/office/drawing/2014/main" xmlns="" id="{E268ED25-8F1E-4CB1-BEC7-9279730C430D}"/>
+                <a16:creationId xmlns="" xmlns:a16="http://schemas.microsoft.com/office/drawing/2014/main" id="{E268ED25-8F1E-4CB1-BEC7-9279730C430D}"/>
               </a:ext>
             </a:extLst>
           </p:cNvPr>
@@ -9142,7 +8830,7 @@
           <p:cNvPr id="2" name="Picture 1">
             <a:extLst>
               <a:ext uri="{FF2B5EF4-FFF2-40B4-BE49-F238E27FC236}">
-                <a16:creationId xmlns:a16="http://schemas.microsoft.com/office/drawing/2014/main" xmlns="" id="{AC3F4872-BBD0-4C85-AF1B-EECA98565237}"/>
+                <a16:creationId xmlns="" xmlns:a16="http://schemas.microsoft.com/office/drawing/2014/main" id="{AC3F4872-BBD0-4C85-AF1B-EECA98565237}"/>
               </a:ext>
             </a:extLst>
           </p:cNvPr>
@@ -9170,7 +8858,7 @@
     </p:spTree>
     <p:extLst>
       <p:ext uri="{BB962C8B-B14F-4D97-AF65-F5344CB8AC3E}">
-        <p14:creationId xmlns:p14="http://schemas.microsoft.com/office/powerpoint/2010/main" xmlns="" val="395963370"/>
+        <p14:creationId xmlns:p14="http://schemas.microsoft.com/office/powerpoint/2010/main" val="395963370"/>
       </p:ext>
     </p:extLst>
   </p:cSld>
@@ -9183,7 +8871,7 @@
 </p:sld>
 </file>
 
-<file path=ppt/slides/slide34.xml><?xml version="1.0" encoding="utf-8"?>
+<file path=ppt/slides/slide32.xml><?xml version="1.0" encoding="utf-8"?>
 <p:sld xmlns:a="http://schemas.openxmlformats.org/drawingml/2006/main" xmlns:r="http://schemas.openxmlformats.org/officeDocument/2006/relationships" xmlns:p="http://schemas.openxmlformats.org/presentationml/2006/main">
   <p:cSld>
     <p:spTree>
@@ -9273,14 +8961,14 @@
             </a:ln>
             <a:extLst>
               <a:ext uri="{909E8E84-426E-40DD-AFC4-6F175D3DCCD1}">
-                <a14:hiddenFill xmlns:a14="http://schemas.microsoft.com/office/drawing/2010/main" xmlns="">
+                <a14:hiddenFill xmlns:a14="http://schemas.microsoft.com/office/drawing/2010/main">
                   <a:solidFill>
                     <a:srgbClr val="FFFFFF"/>
                   </a:solidFill>
                 </a14:hiddenFill>
               </a:ext>
               <a:ext uri="{91240B29-F687-4F45-9708-019B960494DF}">
-                <a14:hiddenLine xmlns:a14="http://schemas.microsoft.com/office/drawing/2010/main" xmlns="" w="9525">
+                <a14:hiddenLine xmlns:a14="http://schemas.microsoft.com/office/drawing/2010/main" w="9525">
                   <a:solidFill>
                     <a:srgbClr val="000000"/>
                   </a:solidFill>
@@ -9430,14 +9118,14 @@
             </a:ln>
             <a:extLst>
               <a:ext uri="{909E8E84-426E-40DD-AFC4-6F175D3DCCD1}">
-                <a14:hiddenFill xmlns:a14="http://schemas.microsoft.com/office/drawing/2010/main" xmlns="">
+                <a14:hiddenFill xmlns:a14="http://schemas.microsoft.com/office/drawing/2010/main">
                   <a:solidFill>
                     <a:srgbClr val="FFFFFF"/>
                   </a:solidFill>
                 </a14:hiddenFill>
               </a:ext>
               <a:ext uri="{91240B29-F687-4F45-9708-019B960494DF}">
-                <a14:hiddenLine xmlns:a14="http://schemas.microsoft.com/office/drawing/2010/main" xmlns="" w="9525">
+                <a14:hiddenLine xmlns:a14="http://schemas.microsoft.com/office/drawing/2010/main" w="9525">
                   <a:solidFill>
                     <a:srgbClr val="000000"/>
                   </a:solidFill>
@@ -9682,7 +9370,7 @@
     </p:spTree>
     <p:extLst>
       <p:ext uri="{BB962C8B-B14F-4D97-AF65-F5344CB8AC3E}">
-        <p14:creationId xmlns:p14="http://schemas.microsoft.com/office/powerpoint/2010/main" xmlns="" val="3409322625"/>
+        <p14:creationId xmlns:p14="http://schemas.microsoft.com/office/powerpoint/2010/main" val="3409322625"/>
       </p:ext>
     </p:extLst>
   </p:cSld>
@@ -9692,6 +9380,563 @@
   <p:transition spd="med">
     <p:fade/>
   </p:transition>
+</p:sld>
+</file>
+
+<file path=ppt/slides/slide33.xml><?xml version="1.0" encoding="utf-8"?>
+<p:sld xmlns:a="http://schemas.openxmlformats.org/drawingml/2006/main" xmlns:r="http://schemas.openxmlformats.org/officeDocument/2006/relationships" xmlns:p="http://schemas.openxmlformats.org/presentationml/2006/main">
+  <p:cSld>
+    <p:spTree>
+      <p:nvGrpSpPr>
+        <p:cNvPr id="1" name=""/>
+        <p:cNvGrpSpPr/>
+        <p:nvPr/>
+      </p:nvGrpSpPr>
+      <p:grpSpPr>
+        <a:xfrm>
+          <a:off x="0" y="0"/>
+          <a:ext cx="0" cy="0"/>
+          <a:chOff x="0" y="0"/>
+          <a:chExt cx="0" cy="0"/>
+        </a:xfrm>
+      </p:grpSpPr>
+      <p:sp>
+        <p:nvSpPr>
+          <p:cNvPr id="2" name="Título 1">
+            <a:extLst>
+              <a:ext uri="{FF2B5EF4-FFF2-40B4-BE49-F238E27FC236}">
+                <a16:creationId xmlns="" xmlns:a16="http://schemas.microsoft.com/office/drawing/2014/main" id="{4420E5F6-C592-489E-8742-39113C67F28C}"/>
+              </a:ext>
+            </a:extLst>
+          </p:cNvPr>
+          <p:cNvSpPr>
+            <a:spLocks noGrp="1"/>
+          </p:cNvSpPr>
+          <p:nvPr>
+            <p:ph type="title"/>
+          </p:nvPr>
+        </p:nvSpPr>
+        <p:spPr>
+          <a:xfrm>
+            <a:off x="323750" y="0"/>
+            <a:ext cx="8797925" cy="922338"/>
+          </a:xfrm>
+        </p:spPr>
+        <p:txBody>
+          <a:bodyPr/>
+          <a:lstStyle/>
+          <a:p>
+            <a:r>
+              <a:rPr lang="pt-BR" dirty="0"/>
+              <a:t>MÓDULO CONTROLE </a:t>
+            </a:r>
+            <a:br>
+              <a:rPr lang="pt-BR" dirty="0"/>
+            </a:br>
+            <a:r>
+              <a:rPr lang="pt-BR" dirty="0"/>
+              <a:t>DE ACESSO</a:t>
+            </a:r>
+          </a:p>
+        </p:txBody>
+      </p:sp>
+      <p:sp>
+        <p:nvSpPr>
+          <p:cNvPr id="3" name="Espaço Reservado para Conteúdo 2">
+            <a:extLst>
+              <a:ext uri="{FF2B5EF4-FFF2-40B4-BE49-F238E27FC236}">
+                <a16:creationId xmlns="" xmlns:a16="http://schemas.microsoft.com/office/drawing/2014/main" id="{FB12D05B-E47F-4BA3-B1A7-F1DCD4D8F90E}"/>
+              </a:ext>
+            </a:extLst>
+          </p:cNvPr>
+          <p:cNvSpPr>
+            <a:spLocks noGrp="1"/>
+          </p:cNvSpPr>
+          <p:nvPr>
+            <p:ph idx="1"/>
+          </p:nvPr>
+        </p:nvSpPr>
+        <p:spPr>
+          <a:xfrm>
+            <a:off x="150267" y="1341909"/>
+            <a:ext cx="8785225" cy="4751387"/>
+          </a:xfrm>
+        </p:spPr>
+        <p:txBody>
+          <a:bodyPr/>
+          <a:lstStyle/>
+          <a:p>
+            <a:pPr algn="just" eaLnBrk="1" hangingPunct="1">
+              <a:buFont typeface="Arial" panose="020B0604020202020204" pitchFamily="34" charset="0"/>
+              <a:buChar char="•"/>
+              <a:defRPr/>
+            </a:pPr>
+            <a:r>
+              <a:rPr lang="pt-BR" sz="2600" dirty="0">
+                <a:solidFill>
+                  <a:schemeClr val="tx2">
+                    <a:lumMod val="75000"/>
+                  </a:schemeClr>
+                </a:solidFill>
+              </a:rPr>
+              <a:t>Login</a:t>
+            </a:r>
+          </a:p>
+          <a:p>
+            <a:pPr lvl="1" algn="just" eaLnBrk="1" hangingPunct="1">
+              <a:buFont typeface="Arial" panose="020B0604020202020204" pitchFamily="34" charset="0"/>
+              <a:buChar char="•"/>
+              <a:defRPr/>
+            </a:pPr>
+            <a:r>
+              <a:rPr lang="pt-BR" sz="1850" dirty="0">
+                <a:solidFill>
+                  <a:schemeClr val="tx2">
+                    <a:lumMod val="75000"/>
+                  </a:schemeClr>
+                </a:solidFill>
+              </a:rPr>
+              <a:t>Controla o acesso ao sistema através de autenticação do usuário que irá utilizá-lo.</a:t>
+            </a:r>
+          </a:p>
+          <a:p>
+            <a:pPr algn="just" eaLnBrk="1" hangingPunct="1">
+              <a:buFont typeface="Arial" panose="020B0604020202020204" pitchFamily="34" charset="0"/>
+              <a:buChar char="•"/>
+              <a:defRPr/>
+            </a:pPr>
+            <a:r>
+              <a:rPr lang="pt-BR" sz="2600" dirty="0">
+                <a:solidFill>
+                  <a:schemeClr val="tx2">
+                    <a:lumMod val="75000"/>
+                  </a:schemeClr>
+                </a:solidFill>
+              </a:rPr>
+              <a:t>Manter Usuário</a:t>
+            </a:r>
+          </a:p>
+          <a:p>
+            <a:pPr lvl="1" algn="just" eaLnBrk="1" hangingPunct="1">
+              <a:buFont typeface="Arial" panose="020B0604020202020204" pitchFamily="34" charset="0"/>
+              <a:buChar char="•"/>
+              <a:defRPr/>
+            </a:pPr>
+            <a:r>
+              <a:rPr lang="pt-BR" sz="1850" dirty="0">
+                <a:solidFill>
+                  <a:schemeClr val="tx2">
+                    <a:lumMod val="75000"/>
+                  </a:schemeClr>
+                </a:solidFill>
+              </a:rPr>
+              <a:t>Permite a manutenção do usuário.</a:t>
+            </a:r>
+          </a:p>
+          <a:p>
+            <a:pPr algn="just" eaLnBrk="1" hangingPunct="1">
+              <a:buFont typeface="Arial" panose="020B0604020202020204" pitchFamily="34" charset="0"/>
+              <a:buChar char="•"/>
+              <a:defRPr/>
+            </a:pPr>
+            <a:r>
+              <a:rPr lang="pt-BR" sz="2600" dirty="0">
+                <a:solidFill>
+                  <a:schemeClr val="tx2">
+                    <a:lumMod val="75000"/>
+                  </a:schemeClr>
+                </a:solidFill>
+              </a:rPr>
+              <a:t>Alterar Senha</a:t>
+            </a:r>
+          </a:p>
+          <a:p>
+            <a:pPr lvl="1" algn="just" eaLnBrk="1" hangingPunct="1">
+              <a:buFont typeface="Arial" panose="020B0604020202020204" pitchFamily="34" charset="0"/>
+              <a:buChar char="•"/>
+              <a:defRPr/>
+            </a:pPr>
+            <a:r>
+              <a:rPr lang="pt-BR" sz="1850" dirty="0">
+                <a:solidFill>
+                  <a:schemeClr val="tx2">
+                    <a:lumMod val="75000"/>
+                  </a:schemeClr>
+                </a:solidFill>
+              </a:rPr>
+              <a:t>Permite que qualquer usuário altere sua própria senha.</a:t>
+            </a:r>
+          </a:p>
+          <a:p>
+            <a:pPr algn="just" eaLnBrk="1" hangingPunct="1">
+              <a:buFont typeface="Arial" panose="020B0604020202020204" pitchFamily="34" charset="0"/>
+              <a:buChar char="•"/>
+              <a:defRPr/>
+            </a:pPr>
+            <a:r>
+              <a:rPr lang="pt-BR" sz="2600" dirty="0">
+                <a:solidFill>
+                  <a:schemeClr val="tx2">
+                    <a:lumMod val="75000"/>
+                  </a:schemeClr>
+                </a:solidFill>
+              </a:rPr>
+              <a:t>Consultar Log</a:t>
+            </a:r>
+          </a:p>
+          <a:p>
+            <a:pPr lvl="1" algn="just" eaLnBrk="1" hangingPunct="1">
+              <a:buFont typeface="Arial" panose="020B0604020202020204" pitchFamily="34" charset="0"/>
+              <a:buChar char="•"/>
+              <a:defRPr/>
+            </a:pPr>
+            <a:r>
+              <a:rPr lang="pt-BR" sz="1850" dirty="0">
+                <a:solidFill>
+                  <a:schemeClr val="tx2">
+                    <a:lumMod val="75000"/>
+                  </a:schemeClr>
+                </a:solidFill>
+              </a:rPr>
+              <a:t>Permite a consulta de logs gravados no sistema por período e tipo de informação.</a:t>
+            </a:r>
+          </a:p>
+          <a:p>
+            <a:pPr algn="just" eaLnBrk="1" hangingPunct="1">
+              <a:buFont typeface="Arial" panose="020B0604020202020204" pitchFamily="34" charset="0"/>
+              <a:buChar char="•"/>
+              <a:defRPr/>
+            </a:pPr>
+            <a:r>
+              <a:rPr lang="pt-BR" sz="2600" dirty="0">
+                <a:solidFill>
+                  <a:schemeClr val="tx2">
+                    <a:lumMod val="75000"/>
+                  </a:schemeClr>
+                </a:solidFill>
+              </a:rPr>
+              <a:t>Configurar Perfil</a:t>
+            </a:r>
+          </a:p>
+          <a:p>
+            <a:pPr lvl="1" algn="just" eaLnBrk="1" hangingPunct="1">
+              <a:buFont typeface="Arial" panose="020B0604020202020204" pitchFamily="34" charset="0"/>
+              <a:buChar char="•"/>
+              <a:defRPr/>
+            </a:pPr>
+            <a:r>
+              <a:rPr lang="pt-BR" sz="1850" dirty="0">
+                <a:solidFill>
+                  <a:schemeClr val="tx2">
+                    <a:lumMod val="75000"/>
+                  </a:schemeClr>
+                </a:solidFill>
+              </a:rPr>
+              <a:t>Permite disponibilizar ou excluir acesso à funcionalidades para um perfil de usuário.</a:t>
+            </a:r>
+          </a:p>
+          <a:p>
+            <a:pPr algn="just" eaLnBrk="1" hangingPunct="1">
+              <a:defRPr/>
+            </a:pPr>
+            <a:r>
+              <a:rPr lang="pt-BR" sz="2600" dirty="0">
+                <a:solidFill>
+                  <a:schemeClr val="tx2">
+                    <a:lumMod val="75000"/>
+                  </a:schemeClr>
+                </a:solidFill>
+              </a:rPr>
+              <a:t>Manter Funcionário</a:t>
+            </a:r>
+          </a:p>
+          <a:p>
+            <a:pPr lvl="1" algn="just" eaLnBrk="1" hangingPunct="1">
+              <a:buFont typeface="Arial" panose="020B0604020202020204" pitchFamily="34" charset="0"/>
+              <a:buChar char="•"/>
+              <a:defRPr/>
+            </a:pPr>
+            <a:r>
+              <a:rPr lang="pt-BR" sz="1850" dirty="0">
+                <a:solidFill>
+                  <a:schemeClr val="tx2">
+                    <a:lumMod val="75000"/>
+                  </a:schemeClr>
+                </a:solidFill>
+              </a:rPr>
+              <a:t>Permite a manutenção de funcionários da clínica.</a:t>
+            </a:r>
+          </a:p>
+          <a:p>
+            <a:endParaRPr lang="pt-BR" dirty="0"/>
+          </a:p>
+        </p:txBody>
+      </p:sp>
+    </p:spTree>
+    <p:extLst>
+      <p:ext uri="{BB962C8B-B14F-4D97-AF65-F5344CB8AC3E}">
+        <p14:creationId xmlns:p14="http://schemas.microsoft.com/office/powerpoint/2010/main" val="732095642"/>
+      </p:ext>
+    </p:extLst>
+  </p:cSld>
+  <p:clrMapOvr>
+    <a:masterClrMapping/>
+  </p:clrMapOvr>
+</p:sld>
+</file>
+
+<file path=ppt/slides/slide34.xml><?xml version="1.0" encoding="utf-8"?>
+<p:sld xmlns:a="http://schemas.openxmlformats.org/drawingml/2006/main" xmlns:r="http://schemas.openxmlformats.org/officeDocument/2006/relationships" xmlns:p="http://schemas.openxmlformats.org/presentationml/2006/main">
+  <p:cSld>
+    <p:spTree>
+      <p:nvGrpSpPr>
+        <p:cNvPr id="1" name=""/>
+        <p:cNvGrpSpPr/>
+        <p:nvPr/>
+      </p:nvGrpSpPr>
+      <p:grpSpPr>
+        <a:xfrm>
+          <a:off x="0" y="0"/>
+          <a:ext cx="0" cy="0"/>
+          <a:chOff x="0" y="0"/>
+          <a:chExt cx="0" cy="0"/>
+        </a:xfrm>
+      </p:grpSpPr>
+      <p:sp>
+        <p:nvSpPr>
+          <p:cNvPr id="5" name="Título 1">
+            <a:extLst>
+              <a:ext uri="{FF2B5EF4-FFF2-40B4-BE49-F238E27FC236}">
+                <a16:creationId xmlns="" xmlns:a16="http://schemas.microsoft.com/office/drawing/2014/main" id="{4420E5F6-C592-489E-8742-39113C67F28C}"/>
+              </a:ext>
+            </a:extLst>
+          </p:cNvPr>
+          <p:cNvSpPr txBox="1">
+            <a:spLocks/>
+          </p:cNvSpPr>
+          <p:nvPr/>
+        </p:nvSpPr>
+        <p:spPr>
+          <a:xfrm>
+            <a:off x="323750" y="0"/>
+            <a:ext cx="8797925" cy="922338"/>
+          </a:xfrm>
+          <a:prstGeom prst="rect">
+            <a:avLst/>
+          </a:prstGeom>
+        </p:spPr>
+        <p:txBody>
+          <a:bodyPr/>
+          <a:lstStyle>
+            <a:lvl1pPr algn="r" rtl="0" eaLnBrk="0" fontAlgn="base" hangingPunct="0">
+              <a:spcBef>
+                <a:spcPct val="0"/>
+              </a:spcBef>
+              <a:spcAft>
+                <a:spcPct val="0"/>
+              </a:spcAft>
+              <a:defRPr sz="3600" b="1" kern="1200">
+                <a:solidFill>
+                  <a:schemeClr val="accent1">
+                    <a:lumMod val="50000"/>
+                  </a:schemeClr>
+                </a:solidFill>
+                <a:latin typeface="Arial" pitchFamily="34" charset="0"/>
+                <a:ea typeface="Verdana" pitchFamily="34" charset="0"/>
+                <a:cs typeface="Arial" pitchFamily="34" charset="0"/>
+              </a:defRPr>
+            </a:lvl1pPr>
+            <a:lvl2pPr algn="ctr" rtl="0" eaLnBrk="0" fontAlgn="base" hangingPunct="0">
+              <a:spcBef>
+                <a:spcPct val="0"/>
+              </a:spcBef>
+              <a:spcAft>
+                <a:spcPct val="0"/>
+              </a:spcAft>
+              <a:defRPr sz="4400">
+                <a:solidFill>
+                  <a:schemeClr val="tx1"/>
+                </a:solidFill>
+                <a:latin typeface="Verdana" pitchFamily="34" charset="0"/>
+                <a:ea typeface="Verdana" pitchFamily="34" charset="0"/>
+                <a:cs typeface="Verdana" pitchFamily="34" charset="0"/>
+              </a:defRPr>
+            </a:lvl2pPr>
+            <a:lvl3pPr algn="ctr" rtl="0" eaLnBrk="0" fontAlgn="base" hangingPunct="0">
+              <a:spcBef>
+                <a:spcPct val="0"/>
+              </a:spcBef>
+              <a:spcAft>
+                <a:spcPct val="0"/>
+              </a:spcAft>
+              <a:defRPr sz="4400">
+                <a:solidFill>
+                  <a:schemeClr val="tx1"/>
+                </a:solidFill>
+                <a:latin typeface="Verdana" pitchFamily="34" charset="0"/>
+                <a:ea typeface="Verdana" pitchFamily="34" charset="0"/>
+                <a:cs typeface="Verdana" pitchFamily="34" charset="0"/>
+              </a:defRPr>
+            </a:lvl3pPr>
+            <a:lvl4pPr algn="ctr" rtl="0" eaLnBrk="0" fontAlgn="base" hangingPunct="0">
+              <a:spcBef>
+                <a:spcPct val="0"/>
+              </a:spcBef>
+              <a:spcAft>
+                <a:spcPct val="0"/>
+              </a:spcAft>
+              <a:defRPr sz="4400">
+                <a:solidFill>
+                  <a:schemeClr val="tx1"/>
+                </a:solidFill>
+                <a:latin typeface="Verdana" pitchFamily="34" charset="0"/>
+                <a:ea typeface="Verdana" pitchFamily="34" charset="0"/>
+                <a:cs typeface="Verdana" pitchFamily="34" charset="0"/>
+              </a:defRPr>
+            </a:lvl4pPr>
+            <a:lvl5pPr algn="ctr" rtl="0" eaLnBrk="0" fontAlgn="base" hangingPunct="0">
+              <a:spcBef>
+                <a:spcPct val="0"/>
+              </a:spcBef>
+              <a:spcAft>
+                <a:spcPct val="0"/>
+              </a:spcAft>
+              <a:defRPr sz="4400">
+                <a:solidFill>
+                  <a:schemeClr val="tx1"/>
+                </a:solidFill>
+                <a:latin typeface="Verdana" pitchFamily="34" charset="0"/>
+                <a:ea typeface="Verdana" pitchFamily="34" charset="0"/>
+                <a:cs typeface="Verdana" pitchFamily="34" charset="0"/>
+              </a:defRPr>
+            </a:lvl5pPr>
+            <a:lvl6pPr marL="457200" algn="ctr" rtl="0" fontAlgn="base">
+              <a:spcBef>
+                <a:spcPct val="0"/>
+              </a:spcBef>
+              <a:spcAft>
+                <a:spcPct val="0"/>
+              </a:spcAft>
+              <a:defRPr sz="4400">
+                <a:solidFill>
+                  <a:schemeClr val="tx1"/>
+                </a:solidFill>
+                <a:latin typeface="Verdana" pitchFamily="34" charset="0"/>
+                <a:ea typeface="Verdana" pitchFamily="34" charset="0"/>
+                <a:cs typeface="Verdana" pitchFamily="34" charset="0"/>
+              </a:defRPr>
+            </a:lvl6pPr>
+            <a:lvl7pPr marL="914400" algn="ctr" rtl="0" fontAlgn="base">
+              <a:spcBef>
+                <a:spcPct val="0"/>
+              </a:spcBef>
+              <a:spcAft>
+                <a:spcPct val="0"/>
+              </a:spcAft>
+              <a:defRPr sz="4400">
+                <a:solidFill>
+                  <a:schemeClr val="tx1"/>
+                </a:solidFill>
+                <a:latin typeface="Verdana" pitchFamily="34" charset="0"/>
+                <a:ea typeface="Verdana" pitchFamily="34" charset="0"/>
+                <a:cs typeface="Verdana" pitchFamily="34" charset="0"/>
+              </a:defRPr>
+            </a:lvl7pPr>
+            <a:lvl8pPr marL="1371600" algn="ctr" rtl="0" fontAlgn="base">
+              <a:spcBef>
+                <a:spcPct val="0"/>
+              </a:spcBef>
+              <a:spcAft>
+                <a:spcPct val="0"/>
+              </a:spcAft>
+              <a:defRPr sz="4400">
+                <a:solidFill>
+                  <a:schemeClr val="tx1"/>
+                </a:solidFill>
+                <a:latin typeface="Verdana" pitchFamily="34" charset="0"/>
+                <a:ea typeface="Verdana" pitchFamily="34" charset="0"/>
+                <a:cs typeface="Verdana" pitchFamily="34" charset="0"/>
+              </a:defRPr>
+            </a:lvl8pPr>
+            <a:lvl9pPr marL="1828800" algn="ctr" rtl="0" fontAlgn="base">
+              <a:spcBef>
+                <a:spcPct val="0"/>
+              </a:spcBef>
+              <a:spcAft>
+                <a:spcPct val="0"/>
+              </a:spcAft>
+              <a:defRPr sz="4400">
+                <a:solidFill>
+                  <a:schemeClr val="tx1"/>
+                </a:solidFill>
+                <a:latin typeface="Verdana" pitchFamily="34" charset="0"/>
+                <a:ea typeface="Verdana" pitchFamily="34" charset="0"/>
+                <a:cs typeface="Verdana" pitchFamily="34" charset="0"/>
+              </a:defRPr>
+            </a:lvl9pPr>
+          </a:lstStyle>
+          <a:p>
+            <a:r>
+              <a:rPr lang="pt-BR"/>
+              <a:t>MÓDULO CONTROLE </a:t>
+            </a:r>
+            <a:br>
+              <a:rPr lang="pt-BR"/>
+            </a:br>
+            <a:r>
+              <a:rPr lang="pt-BR"/>
+              <a:t>DE ACESSO</a:t>
+            </a:r>
+            <a:endParaRPr lang="pt-BR" dirty="0"/>
+          </a:p>
+        </p:txBody>
+      </p:sp>
+      <p:pic>
+        <p:nvPicPr>
+          <p:cNvPr id="3" name="Picture 2">
+            <a:extLst>
+              <a:ext uri="{FF2B5EF4-FFF2-40B4-BE49-F238E27FC236}">
+                <a16:creationId xmlns="" xmlns:a16="http://schemas.microsoft.com/office/drawing/2014/main" id="{8F573B82-A720-4E7D-88E3-7ABD98571312}"/>
+              </a:ext>
+            </a:extLst>
+          </p:cNvPr>
+          <p:cNvPicPr>
+            <a:picLocks noChangeAspect="1"/>
+          </p:cNvPicPr>
+          <p:nvPr/>
+        </p:nvPicPr>
+        <p:blipFill>
+          <a:blip r:embed="rId2" cstate="print">
+            <a:extLst>
+              <a:ext uri="{28A0092B-C50C-407E-A947-70E740481C1C}">
+                <a14:useLocalDpi xmlns:a14="http://schemas.microsoft.com/office/drawing/2010/main" val="0"/>
+              </a:ext>
+            </a:extLst>
+          </a:blip>
+          <a:stretch>
+            <a:fillRect/>
+          </a:stretch>
+        </p:blipFill>
+        <p:spPr>
+          <a:xfrm>
+            <a:off x="2503387" y="1268761"/>
+            <a:ext cx="4228853" cy="5532254"/>
+          </a:xfrm>
+          <a:prstGeom prst="rect">
+            <a:avLst/>
+          </a:prstGeom>
+        </p:spPr>
+      </p:pic>
+    </p:spTree>
+    <p:extLst>
+      <p:ext uri="{BB962C8B-B14F-4D97-AF65-F5344CB8AC3E}">
+        <p14:creationId xmlns:p14="http://schemas.microsoft.com/office/powerpoint/2010/main" val="1528951847"/>
+      </p:ext>
+    </p:extLst>
+  </p:cSld>
+  <p:clrMapOvr>
+    <a:masterClrMapping/>
+  </p:clrMapOvr>
 </p:sld>
 </file>
 
@@ -9714,10 +9959,10 @@
       </p:grpSpPr>
       <p:sp>
         <p:nvSpPr>
-          <p:cNvPr id="2" name="Título 1">
+          <p:cNvPr id="6" name="Título 1">
             <a:extLst>
               <a:ext uri="{FF2B5EF4-FFF2-40B4-BE49-F238E27FC236}">
-                <a16:creationId xmlns:a16="http://schemas.microsoft.com/office/drawing/2014/main" xmlns="" id="{4420E5F6-C592-489E-8742-39113C67F28C}"/>
+                <a16:creationId xmlns="" xmlns:a16="http://schemas.microsoft.com/office/drawing/2014/main" id="{4420E5F6-C592-489E-8742-39113C67F28C}"/>
               </a:ext>
             </a:extLst>
           </p:cNvPr>
@@ -9752,242 +9997,40 @@
           </a:p>
         </p:txBody>
       </p:sp>
-      <p:sp>
-        <p:nvSpPr>
-          <p:cNvPr id="3" name="Espaço Reservado para Conteúdo 2">
+      <p:pic>
+        <p:nvPicPr>
+          <p:cNvPr id="8" name="Picture 7">
             <a:extLst>
               <a:ext uri="{FF2B5EF4-FFF2-40B4-BE49-F238E27FC236}">
-                <a16:creationId xmlns:a16="http://schemas.microsoft.com/office/drawing/2014/main" xmlns="" id="{FB12D05B-E47F-4BA3-B1A7-F1DCD4D8F90E}"/>
+                <a16:creationId xmlns="" xmlns:a16="http://schemas.microsoft.com/office/drawing/2014/main" id="{AC1CFE5D-EA64-4455-B011-2E471DBEC948}"/>
               </a:ext>
             </a:extLst>
           </p:cNvPr>
-          <p:cNvSpPr>
-            <a:spLocks noGrp="1"/>
-          </p:cNvSpPr>
-          <p:nvPr>
-            <p:ph idx="1"/>
-          </p:nvPr>
-        </p:nvSpPr>
+          <p:cNvPicPr>
+            <a:picLocks noChangeAspect="1"/>
+          </p:cNvPicPr>
+          <p:nvPr/>
+        </p:nvPicPr>
+        <p:blipFill>
+          <a:blip r:embed="rId2" cstate="print"/>
+          <a:stretch>
+            <a:fillRect/>
+          </a:stretch>
+        </p:blipFill>
         <p:spPr>
           <a:xfrm>
-            <a:off x="150267" y="1341909"/>
-            <a:ext cx="8785225" cy="4751387"/>
+            <a:off x="0" y="1844824"/>
+            <a:ext cx="9144000" cy="3697386"/>
           </a:xfrm>
+          <a:prstGeom prst="rect">
+            <a:avLst/>
+          </a:prstGeom>
         </p:spPr>
-        <p:txBody>
-          <a:bodyPr/>
-          <a:lstStyle/>
-          <a:p>
-            <a:pPr algn="just" eaLnBrk="1" hangingPunct="1">
-              <a:buFont typeface="Arial" panose="020B0604020202020204" pitchFamily="34" charset="0"/>
-              <a:buChar char="•"/>
-              <a:defRPr/>
-            </a:pPr>
-            <a:r>
-              <a:rPr lang="pt-BR" sz="2600" dirty="0">
-                <a:solidFill>
-                  <a:schemeClr val="tx2">
-                    <a:lumMod val="75000"/>
-                  </a:schemeClr>
-                </a:solidFill>
-              </a:rPr>
-              <a:t>Login</a:t>
-            </a:r>
-          </a:p>
-          <a:p>
-            <a:pPr lvl="1" algn="just" eaLnBrk="1" hangingPunct="1">
-              <a:buFont typeface="Arial" panose="020B0604020202020204" pitchFamily="34" charset="0"/>
-              <a:buChar char="•"/>
-              <a:defRPr/>
-            </a:pPr>
-            <a:r>
-              <a:rPr lang="pt-BR" sz="1850" dirty="0">
-                <a:solidFill>
-                  <a:schemeClr val="tx2">
-                    <a:lumMod val="75000"/>
-                  </a:schemeClr>
-                </a:solidFill>
-              </a:rPr>
-              <a:t>Controla o acesso ao sistema através de autenticação do usuário que irá utilizá-lo.</a:t>
-            </a:r>
-          </a:p>
-          <a:p>
-            <a:pPr algn="just" eaLnBrk="1" hangingPunct="1">
-              <a:buFont typeface="Arial" panose="020B0604020202020204" pitchFamily="34" charset="0"/>
-              <a:buChar char="•"/>
-              <a:defRPr/>
-            </a:pPr>
-            <a:r>
-              <a:rPr lang="pt-BR" sz="2600" dirty="0">
-                <a:solidFill>
-                  <a:schemeClr val="tx2">
-                    <a:lumMod val="75000"/>
-                  </a:schemeClr>
-                </a:solidFill>
-              </a:rPr>
-              <a:t>Manter Usuário</a:t>
-            </a:r>
-          </a:p>
-          <a:p>
-            <a:pPr lvl="1" algn="just" eaLnBrk="1" hangingPunct="1">
-              <a:buFont typeface="Arial" panose="020B0604020202020204" pitchFamily="34" charset="0"/>
-              <a:buChar char="•"/>
-              <a:defRPr/>
-            </a:pPr>
-            <a:r>
-              <a:rPr lang="pt-BR" sz="1850" dirty="0">
-                <a:solidFill>
-                  <a:schemeClr val="tx2">
-                    <a:lumMod val="75000"/>
-                  </a:schemeClr>
-                </a:solidFill>
-              </a:rPr>
-              <a:t>Permite a manutenção do usuário.</a:t>
-            </a:r>
-          </a:p>
-          <a:p>
-            <a:pPr algn="just" eaLnBrk="1" hangingPunct="1">
-              <a:buFont typeface="Arial" panose="020B0604020202020204" pitchFamily="34" charset="0"/>
-              <a:buChar char="•"/>
-              <a:defRPr/>
-            </a:pPr>
-            <a:r>
-              <a:rPr lang="pt-BR" sz="2600" dirty="0">
-                <a:solidFill>
-                  <a:schemeClr val="tx2">
-                    <a:lumMod val="75000"/>
-                  </a:schemeClr>
-                </a:solidFill>
-              </a:rPr>
-              <a:t>Alterar Senha</a:t>
-            </a:r>
-          </a:p>
-          <a:p>
-            <a:pPr lvl="1" algn="just" eaLnBrk="1" hangingPunct="1">
-              <a:buFont typeface="Arial" panose="020B0604020202020204" pitchFamily="34" charset="0"/>
-              <a:buChar char="•"/>
-              <a:defRPr/>
-            </a:pPr>
-            <a:r>
-              <a:rPr lang="pt-BR" sz="1850" dirty="0">
-                <a:solidFill>
-                  <a:schemeClr val="tx2">
-                    <a:lumMod val="75000"/>
-                  </a:schemeClr>
-                </a:solidFill>
-              </a:rPr>
-              <a:t>Permite que qualquer usuário altere sua própria senha.</a:t>
-            </a:r>
-          </a:p>
-          <a:p>
-            <a:pPr algn="just" eaLnBrk="1" hangingPunct="1">
-              <a:buFont typeface="Arial" panose="020B0604020202020204" pitchFamily="34" charset="0"/>
-              <a:buChar char="•"/>
-              <a:defRPr/>
-            </a:pPr>
-            <a:r>
-              <a:rPr lang="pt-BR" sz="2600" dirty="0">
-                <a:solidFill>
-                  <a:schemeClr val="tx2">
-                    <a:lumMod val="75000"/>
-                  </a:schemeClr>
-                </a:solidFill>
-              </a:rPr>
-              <a:t>Consultar Log</a:t>
-            </a:r>
-          </a:p>
-          <a:p>
-            <a:pPr lvl="1" algn="just" eaLnBrk="1" hangingPunct="1">
-              <a:buFont typeface="Arial" panose="020B0604020202020204" pitchFamily="34" charset="0"/>
-              <a:buChar char="•"/>
-              <a:defRPr/>
-            </a:pPr>
-            <a:r>
-              <a:rPr lang="pt-BR" sz="1850" dirty="0">
-                <a:solidFill>
-                  <a:schemeClr val="tx2">
-                    <a:lumMod val="75000"/>
-                  </a:schemeClr>
-                </a:solidFill>
-              </a:rPr>
-              <a:t>Permite a consulta de logs gravados no sistema por período e tipo de informação.</a:t>
-            </a:r>
-          </a:p>
-          <a:p>
-            <a:pPr algn="just" eaLnBrk="1" hangingPunct="1">
-              <a:buFont typeface="Arial" panose="020B0604020202020204" pitchFamily="34" charset="0"/>
-              <a:buChar char="•"/>
-              <a:defRPr/>
-            </a:pPr>
-            <a:r>
-              <a:rPr lang="pt-BR" sz="2600" dirty="0">
-                <a:solidFill>
-                  <a:schemeClr val="tx2">
-                    <a:lumMod val="75000"/>
-                  </a:schemeClr>
-                </a:solidFill>
-              </a:rPr>
-              <a:t>Configurar Perfil</a:t>
-            </a:r>
-          </a:p>
-          <a:p>
-            <a:pPr lvl="1" algn="just" eaLnBrk="1" hangingPunct="1">
-              <a:buFont typeface="Arial" panose="020B0604020202020204" pitchFamily="34" charset="0"/>
-              <a:buChar char="•"/>
-              <a:defRPr/>
-            </a:pPr>
-            <a:r>
-              <a:rPr lang="pt-BR" sz="1850" dirty="0">
-                <a:solidFill>
-                  <a:schemeClr val="tx2">
-                    <a:lumMod val="75000"/>
-                  </a:schemeClr>
-                </a:solidFill>
-              </a:rPr>
-              <a:t>Permite disponibilizar ou excluir acesso à funcionalidades para um perfil de usuário.</a:t>
-            </a:r>
-          </a:p>
-          <a:p>
-            <a:pPr algn="just" eaLnBrk="1" hangingPunct="1">
-              <a:defRPr/>
-            </a:pPr>
-            <a:r>
-              <a:rPr lang="pt-BR" sz="2600" dirty="0">
-                <a:solidFill>
-                  <a:schemeClr val="tx2">
-                    <a:lumMod val="75000"/>
-                  </a:schemeClr>
-                </a:solidFill>
-              </a:rPr>
-              <a:t>Manter Funcionário</a:t>
-            </a:r>
-          </a:p>
-          <a:p>
-            <a:pPr lvl="1" algn="just" eaLnBrk="1" hangingPunct="1">
-              <a:buFont typeface="Arial" panose="020B0604020202020204" pitchFamily="34" charset="0"/>
-              <a:buChar char="•"/>
-              <a:defRPr/>
-            </a:pPr>
-            <a:r>
-              <a:rPr lang="pt-BR" sz="1850" dirty="0">
-                <a:solidFill>
-                  <a:schemeClr val="tx2">
-                    <a:lumMod val="75000"/>
-                  </a:schemeClr>
-                </a:solidFill>
-              </a:rPr>
-              <a:t>Permite a manutenção de funcionários da clínica.</a:t>
-            </a:r>
-          </a:p>
-          <a:p>
-            <a:endParaRPr lang="pt-BR" dirty="0"/>
-          </a:p>
-        </p:txBody>
-      </p:sp>
+      </p:pic>
     </p:spTree>
     <p:extLst>
       <p:ext uri="{BB962C8B-B14F-4D97-AF65-F5344CB8AC3E}">
-        <p14:creationId xmlns:p14="http://schemas.microsoft.com/office/powerpoint/2010/main" xmlns="" val="732095642"/>
+        <p14:creationId xmlns:p14="http://schemas.microsoft.com/office/powerpoint/2010/main" val="3460844110"/>
       </p:ext>
     </p:extLst>
   </p:cSld>
@@ -10016,233 +10059,74 @@
       </p:grpSpPr>
       <p:sp>
         <p:nvSpPr>
-          <p:cNvPr id="5" name="Título 1">
+          <p:cNvPr id="6" name="Título 1">
             <a:extLst>
               <a:ext uri="{FF2B5EF4-FFF2-40B4-BE49-F238E27FC236}">
-                <a16:creationId xmlns:a16="http://schemas.microsoft.com/office/drawing/2014/main" xmlns="" id="{4420E5F6-C592-489E-8742-39113C67F28C}"/>
+                <a16:creationId xmlns="" xmlns:a16="http://schemas.microsoft.com/office/drawing/2014/main" id="{4420E5F6-C592-489E-8742-39113C67F28C}"/>
               </a:ext>
             </a:extLst>
           </p:cNvPr>
-          <p:cNvSpPr txBox="1">
-            <a:spLocks/>
+          <p:cNvSpPr>
+            <a:spLocks noGrp="1"/>
           </p:cNvSpPr>
-          <p:nvPr/>
+          <p:nvPr>
+            <p:ph type="title"/>
+          </p:nvPr>
         </p:nvSpPr>
         <p:spPr>
           <a:xfrm>
             <a:off x="323750" y="0"/>
             <a:ext cx="8797925" cy="922338"/>
           </a:xfrm>
-          <a:prstGeom prst="rect">
-            <a:avLst/>
-          </a:prstGeom>
         </p:spPr>
         <p:txBody>
           <a:bodyPr/>
-          <a:lstStyle>
-            <a:lvl1pPr algn="r" rtl="0" eaLnBrk="0" fontAlgn="base" hangingPunct="0">
-              <a:spcBef>
-                <a:spcPct val="0"/>
-              </a:spcBef>
-              <a:spcAft>
-                <a:spcPct val="0"/>
-              </a:spcAft>
-              <a:defRPr sz="3600" b="1" kern="1200">
-                <a:solidFill>
-                  <a:schemeClr val="accent1">
-                    <a:lumMod val="50000"/>
-                  </a:schemeClr>
-                </a:solidFill>
-                <a:latin typeface="Arial" pitchFamily="34" charset="0"/>
-                <a:ea typeface="Verdana" pitchFamily="34" charset="0"/>
-                <a:cs typeface="Arial" pitchFamily="34" charset="0"/>
-              </a:defRPr>
-            </a:lvl1pPr>
-            <a:lvl2pPr algn="ctr" rtl="0" eaLnBrk="0" fontAlgn="base" hangingPunct="0">
-              <a:spcBef>
-                <a:spcPct val="0"/>
-              </a:spcBef>
-              <a:spcAft>
-                <a:spcPct val="0"/>
-              </a:spcAft>
-              <a:defRPr sz="4400">
-                <a:solidFill>
-                  <a:schemeClr val="tx1"/>
-                </a:solidFill>
-                <a:latin typeface="Verdana" pitchFamily="34" charset="0"/>
-                <a:ea typeface="Verdana" pitchFamily="34" charset="0"/>
-                <a:cs typeface="Verdana" pitchFamily="34" charset="0"/>
-              </a:defRPr>
-            </a:lvl2pPr>
-            <a:lvl3pPr algn="ctr" rtl="0" eaLnBrk="0" fontAlgn="base" hangingPunct="0">
-              <a:spcBef>
-                <a:spcPct val="0"/>
-              </a:spcBef>
-              <a:spcAft>
-                <a:spcPct val="0"/>
-              </a:spcAft>
-              <a:defRPr sz="4400">
-                <a:solidFill>
-                  <a:schemeClr val="tx1"/>
-                </a:solidFill>
-                <a:latin typeface="Verdana" pitchFamily="34" charset="0"/>
-                <a:ea typeface="Verdana" pitchFamily="34" charset="0"/>
-                <a:cs typeface="Verdana" pitchFamily="34" charset="0"/>
-              </a:defRPr>
-            </a:lvl3pPr>
-            <a:lvl4pPr algn="ctr" rtl="0" eaLnBrk="0" fontAlgn="base" hangingPunct="0">
-              <a:spcBef>
-                <a:spcPct val="0"/>
-              </a:spcBef>
-              <a:spcAft>
-                <a:spcPct val="0"/>
-              </a:spcAft>
-              <a:defRPr sz="4400">
-                <a:solidFill>
-                  <a:schemeClr val="tx1"/>
-                </a:solidFill>
-                <a:latin typeface="Verdana" pitchFamily="34" charset="0"/>
-                <a:ea typeface="Verdana" pitchFamily="34" charset="0"/>
-                <a:cs typeface="Verdana" pitchFamily="34" charset="0"/>
-              </a:defRPr>
-            </a:lvl4pPr>
-            <a:lvl5pPr algn="ctr" rtl="0" eaLnBrk="0" fontAlgn="base" hangingPunct="0">
-              <a:spcBef>
-                <a:spcPct val="0"/>
-              </a:spcBef>
-              <a:spcAft>
-                <a:spcPct val="0"/>
-              </a:spcAft>
-              <a:defRPr sz="4400">
-                <a:solidFill>
-                  <a:schemeClr val="tx1"/>
-                </a:solidFill>
-                <a:latin typeface="Verdana" pitchFamily="34" charset="0"/>
-                <a:ea typeface="Verdana" pitchFamily="34" charset="0"/>
-                <a:cs typeface="Verdana" pitchFamily="34" charset="0"/>
-              </a:defRPr>
-            </a:lvl5pPr>
-            <a:lvl6pPr marL="457200" algn="ctr" rtl="0" fontAlgn="base">
-              <a:spcBef>
-                <a:spcPct val="0"/>
-              </a:spcBef>
-              <a:spcAft>
-                <a:spcPct val="0"/>
-              </a:spcAft>
-              <a:defRPr sz="4400">
-                <a:solidFill>
-                  <a:schemeClr val="tx1"/>
-                </a:solidFill>
-                <a:latin typeface="Verdana" pitchFamily="34" charset="0"/>
-                <a:ea typeface="Verdana" pitchFamily="34" charset="0"/>
-                <a:cs typeface="Verdana" pitchFamily="34" charset="0"/>
-              </a:defRPr>
-            </a:lvl6pPr>
-            <a:lvl7pPr marL="914400" algn="ctr" rtl="0" fontAlgn="base">
-              <a:spcBef>
-                <a:spcPct val="0"/>
-              </a:spcBef>
-              <a:spcAft>
-                <a:spcPct val="0"/>
-              </a:spcAft>
-              <a:defRPr sz="4400">
-                <a:solidFill>
-                  <a:schemeClr val="tx1"/>
-                </a:solidFill>
-                <a:latin typeface="Verdana" pitchFamily="34" charset="0"/>
-                <a:ea typeface="Verdana" pitchFamily="34" charset="0"/>
-                <a:cs typeface="Verdana" pitchFamily="34" charset="0"/>
-              </a:defRPr>
-            </a:lvl7pPr>
-            <a:lvl8pPr marL="1371600" algn="ctr" rtl="0" fontAlgn="base">
-              <a:spcBef>
-                <a:spcPct val="0"/>
-              </a:spcBef>
-              <a:spcAft>
-                <a:spcPct val="0"/>
-              </a:spcAft>
-              <a:defRPr sz="4400">
-                <a:solidFill>
-                  <a:schemeClr val="tx1"/>
-                </a:solidFill>
-                <a:latin typeface="Verdana" pitchFamily="34" charset="0"/>
-                <a:ea typeface="Verdana" pitchFamily="34" charset="0"/>
-                <a:cs typeface="Verdana" pitchFamily="34" charset="0"/>
-              </a:defRPr>
-            </a:lvl8pPr>
-            <a:lvl9pPr marL="1828800" algn="ctr" rtl="0" fontAlgn="base">
-              <a:spcBef>
-                <a:spcPct val="0"/>
-              </a:spcBef>
-              <a:spcAft>
-                <a:spcPct val="0"/>
-              </a:spcAft>
-              <a:defRPr sz="4400">
-                <a:solidFill>
-                  <a:schemeClr val="tx1"/>
-                </a:solidFill>
-                <a:latin typeface="Verdana" pitchFamily="34" charset="0"/>
-                <a:ea typeface="Verdana" pitchFamily="34" charset="0"/>
-                <a:cs typeface="Verdana" pitchFamily="34" charset="0"/>
-              </a:defRPr>
-            </a:lvl9pPr>
-          </a:lstStyle>
-          <a:p>
-            <a:r>
-              <a:rPr lang="pt-BR"/>
+          <a:lstStyle/>
+          <a:p>
+            <a:r>
+              <a:rPr lang="pt-BR" dirty="0"/>
               <a:t>MÓDULO CONTROLE </a:t>
             </a:r>
             <a:br>
-              <a:rPr lang="pt-BR"/>
+              <a:rPr lang="pt-BR" dirty="0"/>
             </a:br>
             <a:r>
-              <a:rPr lang="pt-BR"/>
+              <a:rPr lang="pt-BR" dirty="0"/>
               <a:t>DE ACESSO</a:t>
             </a:r>
-            <a:endParaRPr lang="pt-BR" dirty="0"/>
           </a:p>
         </p:txBody>
       </p:sp>
       <p:pic>
         <p:nvPicPr>
-          <p:cNvPr id="3" name="Picture 2">
-            <a:extLst>
-              <a:ext uri="{FF2B5EF4-FFF2-40B4-BE49-F238E27FC236}">
-                <a16:creationId xmlns:a16="http://schemas.microsoft.com/office/drawing/2014/main" xmlns="" id="{8F573B82-A720-4E7D-88E3-7ABD98571312}"/>
-              </a:ext>
-            </a:extLst>
-          </p:cNvPr>
+          <p:cNvPr id="2" name="Picture 2" descr="C:\Users\alexandre\Pictures\ConfigPerfil1.png"/>
           <p:cNvPicPr>
-            <a:picLocks noChangeAspect="1"/>
+            <a:picLocks noChangeAspect="1" noChangeArrowheads="1"/>
           </p:cNvPicPr>
           <p:nvPr/>
         </p:nvPicPr>
         <p:blipFill>
-          <a:blip r:embed="rId2" cstate="print">
-            <a:extLst>
-              <a:ext uri="{28A0092B-C50C-407E-A947-70E740481C1C}">
-                <a14:useLocalDpi xmlns:a14="http://schemas.microsoft.com/office/drawing/2010/main" xmlns="" val="0"/>
-              </a:ext>
-            </a:extLst>
-          </a:blip>
+          <a:blip r:embed="rId2" cstate="print"/>
+          <a:srcRect/>
           <a:stretch>
             <a:fillRect/>
           </a:stretch>
         </p:blipFill>
-        <p:spPr>
+        <p:spPr bwMode="auto">
           <a:xfrm>
-            <a:off x="2503387" y="1268761"/>
-            <a:ext cx="4228853" cy="5532254"/>
+            <a:off x="0" y="1268760"/>
+            <a:ext cx="9010002" cy="4536504"/>
           </a:xfrm>
           <a:prstGeom prst="rect">
             <a:avLst/>
           </a:prstGeom>
+          <a:noFill/>
         </p:spPr>
       </p:pic>
     </p:spTree>
     <p:extLst>
       <p:ext uri="{BB962C8B-B14F-4D97-AF65-F5344CB8AC3E}">
-        <p14:creationId xmlns:p14="http://schemas.microsoft.com/office/powerpoint/2010/main" xmlns="" val="1528951847"/>
+        <p14:creationId xmlns:p14="http://schemas.microsoft.com/office/powerpoint/2010/main" val="255138212"/>
       </p:ext>
     </p:extLst>
   </p:cSld>
@@ -10274,7 +10158,7 @@
           <p:cNvPr id="6" name="Título 1">
             <a:extLst>
               <a:ext uri="{FF2B5EF4-FFF2-40B4-BE49-F238E27FC236}">
-                <a16:creationId xmlns:a16="http://schemas.microsoft.com/office/drawing/2014/main" xmlns="" id="{4420E5F6-C592-489E-8742-39113C67F28C}"/>
+                <a16:creationId xmlns="" xmlns:a16="http://schemas.microsoft.com/office/drawing/2014/main" id="{4420E5F6-C592-489E-8742-39113C67F28C}"/>
               </a:ext>
             </a:extLst>
           </p:cNvPr>
@@ -10311,38 +10195,34 @@
       </p:sp>
       <p:pic>
         <p:nvPicPr>
-          <p:cNvPr id="8" name="Picture 7">
-            <a:extLst>
-              <a:ext uri="{FF2B5EF4-FFF2-40B4-BE49-F238E27FC236}">
-                <a16:creationId xmlns:a16="http://schemas.microsoft.com/office/drawing/2014/main" xmlns="" id="{AC1CFE5D-EA64-4455-B011-2E471DBEC948}"/>
-              </a:ext>
-            </a:extLst>
-          </p:cNvPr>
+          <p:cNvPr id="2050" name="Picture 2" descr="C:\Users\alexandre\Pictures\ConfigPerfil2.png"/>
           <p:cNvPicPr>
-            <a:picLocks noChangeAspect="1"/>
+            <a:picLocks noChangeAspect="1" noChangeArrowheads="1"/>
           </p:cNvPicPr>
           <p:nvPr/>
         </p:nvPicPr>
         <p:blipFill>
           <a:blip r:embed="rId2" cstate="print"/>
+          <a:srcRect/>
           <a:stretch>
             <a:fillRect/>
           </a:stretch>
         </p:blipFill>
-        <p:spPr>
+        <p:spPr bwMode="auto">
           <a:xfrm>
-            <a:off x="0" y="1844824"/>
-            <a:ext cx="9144000" cy="3697386"/>
+            <a:off x="0" y="1340768"/>
+            <a:ext cx="9144000" cy="4757045"/>
           </a:xfrm>
           <a:prstGeom prst="rect">
             <a:avLst/>
           </a:prstGeom>
+          <a:noFill/>
         </p:spPr>
       </p:pic>
     </p:spTree>
     <p:extLst>
       <p:ext uri="{BB962C8B-B14F-4D97-AF65-F5344CB8AC3E}">
-        <p14:creationId xmlns:p14="http://schemas.microsoft.com/office/powerpoint/2010/main" xmlns="" val="3460844110"/>
+        <p14:creationId xmlns:p14="http://schemas.microsoft.com/office/powerpoint/2010/main" val="2944428277"/>
       </p:ext>
     </p:extLst>
   </p:cSld>
@@ -10374,7 +10254,7 @@
           <p:cNvPr id="6" name="Título 1">
             <a:extLst>
               <a:ext uri="{FF2B5EF4-FFF2-40B4-BE49-F238E27FC236}">
-                <a16:creationId xmlns:a16="http://schemas.microsoft.com/office/drawing/2014/main" xmlns="" id="{4420E5F6-C592-489E-8742-39113C67F28C}"/>
+                <a16:creationId xmlns="" xmlns:a16="http://schemas.microsoft.com/office/drawing/2014/main" id="{4420E5F6-C592-489E-8742-39113C67F28C}"/>
               </a:ext>
             </a:extLst>
           </p:cNvPr>
@@ -10411,7 +10291,7 @@
       </p:sp>
       <p:pic>
         <p:nvPicPr>
-          <p:cNvPr id="2" name="Picture 2" descr="C:\Users\alexandre\Pictures\ConfigPerfil1.png"/>
+          <p:cNvPr id="2" name="Picture 2" descr="C:\Users\alexandre\Pictures\ConfigPerfil3.png"/>
           <p:cNvPicPr>
             <a:picLocks noChangeAspect="1" noChangeArrowheads="1"/>
           </p:cNvPicPr>
@@ -10426,8 +10306,8 @@
         </p:blipFill>
         <p:spPr bwMode="auto">
           <a:xfrm>
-            <a:off x="0" y="1268760"/>
-            <a:ext cx="9010002" cy="4536504"/>
+            <a:off x="179064" y="1556792"/>
+            <a:ext cx="8964936" cy="3960414"/>
           </a:xfrm>
           <a:prstGeom prst="rect">
             <a:avLst/>
@@ -10438,7 +10318,7 @@
     </p:spTree>
     <p:extLst>
       <p:ext uri="{BB962C8B-B14F-4D97-AF65-F5344CB8AC3E}">
-        <p14:creationId xmlns:p14="http://schemas.microsoft.com/office/powerpoint/2010/main" xmlns="" val="255138212"/>
+        <p14:creationId xmlns:p14="http://schemas.microsoft.com/office/powerpoint/2010/main" val="398228404"/>
       </p:ext>
     </p:extLst>
   </p:cSld>
@@ -10470,7 +10350,7 @@
           <p:cNvPr id="6" name="Título 1">
             <a:extLst>
               <a:ext uri="{FF2B5EF4-FFF2-40B4-BE49-F238E27FC236}">
-                <a16:creationId xmlns:a16="http://schemas.microsoft.com/office/drawing/2014/main" xmlns="" id="{4420E5F6-C592-489E-8742-39113C67F28C}"/>
+                <a16:creationId xmlns="" xmlns:a16="http://schemas.microsoft.com/office/drawing/2014/main" id="{4420E5F6-C592-489E-8742-39113C67F28C}"/>
               </a:ext>
             </a:extLst>
           </p:cNvPr>
@@ -10507,7 +10387,7 @@
       </p:sp>
       <p:pic>
         <p:nvPicPr>
-          <p:cNvPr id="2050" name="Picture 2" descr="C:\Users\alexandre\Pictures\ConfigPerfil2.png"/>
+          <p:cNvPr id="2" name="Picture 2" descr="C:\Users\alexandre\Pictures\ConfigPerfil4.png"/>
           <p:cNvPicPr>
             <a:picLocks noChangeAspect="1" noChangeArrowheads="1"/>
           </p:cNvPicPr>
@@ -10522,8 +10402,8 @@
         </p:blipFill>
         <p:spPr bwMode="auto">
           <a:xfrm>
-            <a:off x="0" y="1340768"/>
-            <a:ext cx="9144000" cy="4757045"/>
+            <a:off x="52065" y="1412776"/>
+            <a:ext cx="9091935" cy="3942520"/>
           </a:xfrm>
           <a:prstGeom prst="rect">
             <a:avLst/>
@@ -10534,7 +10414,7 @@
     </p:spTree>
     <p:extLst>
       <p:ext uri="{BB962C8B-B14F-4D97-AF65-F5344CB8AC3E}">
-        <p14:creationId xmlns:p14="http://schemas.microsoft.com/office/powerpoint/2010/main" xmlns="" val="2944428277"/>
+        <p14:creationId xmlns:p14="http://schemas.microsoft.com/office/powerpoint/2010/main" val="3663591352"/>
       </p:ext>
     </p:extLst>
   </p:cSld>
@@ -10598,7 +10478,7 @@
           <a:blip r:embed="rId3" cstate="print">
             <a:extLst>
               <a:ext uri="{28A0092B-C50C-407E-A947-70E740481C1C}">
-                <a14:useLocalDpi xmlns:a14="http://schemas.microsoft.com/office/drawing/2010/main" xmlns="" val="0"/>
+                <a14:useLocalDpi xmlns:a14="http://schemas.microsoft.com/office/drawing/2010/main" val="0"/>
               </a:ext>
             </a:extLst>
           </a:blip>
@@ -10653,13 +10533,7 @@
       </p:grpSpPr>
       <p:sp>
         <p:nvSpPr>
-          <p:cNvPr id="6" name="Título 1">
-            <a:extLst>
-              <a:ext uri="{FF2B5EF4-FFF2-40B4-BE49-F238E27FC236}">
-                <a16:creationId xmlns:a16="http://schemas.microsoft.com/office/drawing/2014/main" xmlns="" id="{4420E5F6-C592-489E-8742-39113C67F28C}"/>
-              </a:ext>
-            </a:extLst>
-          </p:cNvPr>
+          <p:cNvPr id="4" name="Título 3"/>
           <p:cNvSpPr>
             <a:spLocks noGrp="1"/>
           </p:cNvSpPr>
@@ -10667,40 +10541,85 @@
             <p:ph type="title"/>
           </p:nvPr>
         </p:nvSpPr>
+        <p:spPr/>
+        <p:txBody>
+          <a:bodyPr/>
+          <a:lstStyle/>
+          <a:p>
+            <a:pPr eaLnBrk="1" hangingPunct="1">
+              <a:defRPr/>
+            </a:pPr>
+            <a:r>
+              <a:rPr lang="pt-BR" dirty="0"/>
+              <a:t>Lições Aprendidas</a:t>
+            </a:r>
+          </a:p>
+        </p:txBody>
+      </p:sp>
+      <p:sp>
+        <p:nvSpPr>
+          <p:cNvPr id="5" name="Espaço Reservado para Conteúdo 4"/>
+          <p:cNvSpPr>
+            <a:spLocks noGrp="1"/>
+          </p:cNvSpPr>
+          <p:nvPr>
+            <p:ph idx="1"/>
+          </p:nvPr>
+        </p:nvSpPr>
         <p:spPr>
           <a:xfrm>
-            <a:off x="323750" y="0"/>
-            <a:ext cx="8797925" cy="922338"/>
+            <a:off x="-9103" y="1359247"/>
+            <a:ext cx="4364682" cy="5424141"/>
           </a:xfrm>
         </p:spPr>
         <p:txBody>
           <a:bodyPr/>
           <a:lstStyle/>
           <a:p>
-            <a:r>
-              <a:rPr lang="pt-BR" dirty="0"/>
-              <a:t>MÓDULO CONTROLE </a:t>
-            </a:r>
-            <a:br>
-              <a:rPr lang="pt-BR" dirty="0"/>
-            </a:br>
-            <a:r>
-              <a:rPr lang="pt-BR" dirty="0"/>
-              <a:t>DE ACESSO</a:t>
-            </a:r>
+            <a:endParaRPr lang="pt-BR" sz="2400" dirty="0" smtClean="0"/>
+          </a:p>
+          <a:p>
+            <a:endParaRPr lang="pt-BR" sz="2400" dirty="0" smtClean="0"/>
+          </a:p>
+          <a:p>
+            <a:r>
+              <a:rPr lang="pt-BR" sz="2400" dirty="0" smtClean="0"/>
+              <a:t>Manter-se atento ao escopo inicial do projeto para que não sejam desenvolvidas funcionalidades que não foram solicitadas</a:t>
+            </a:r>
+          </a:p>
+          <a:p>
+            <a:endParaRPr lang="pt-BR" sz="2400" dirty="0" smtClean="0"/>
+          </a:p>
+          <a:p>
+            <a:pPr marL="0" indent="0">
+              <a:buNone/>
+            </a:pPr>
+            <a:endParaRPr lang="pt-BR" sz="2400" dirty="0" smtClean="0"/>
+          </a:p>
+          <a:p>
+            <a:pPr marL="0" indent="0">
+              <a:buNone/>
+            </a:pPr>
+            <a:endParaRPr lang="pt-BR" sz="2400" dirty="0"/>
           </a:p>
         </p:txBody>
       </p:sp>
       <p:pic>
         <p:nvPicPr>
-          <p:cNvPr id="2" name="Picture 2" descr="C:\Users\alexandre\Pictures\ConfigPerfil3.png"/>
+          <p:cNvPr id="2052" name="Picture 4" descr="Resultado de imagem para imagem lições aprendidas"/>
           <p:cNvPicPr>
             <a:picLocks noChangeAspect="1" noChangeArrowheads="1"/>
           </p:cNvPicPr>
           <p:nvPr/>
         </p:nvPicPr>
         <p:blipFill>
-          <a:blip r:embed="rId2" cstate="print"/>
+          <a:blip r:embed="rId2" cstate="print">
+            <a:extLst>
+              <a:ext uri="{28A0092B-C50C-407E-A947-70E740481C1C}">
+                <a14:useLocalDpi xmlns:a14="http://schemas.microsoft.com/office/drawing/2010/main" val="0"/>
+              </a:ext>
+            </a:extLst>
+          </a:blip>
           <a:srcRect/>
           <a:stretch>
             <a:fillRect/>
@@ -10708,125 +10627,36 @@
         </p:blipFill>
         <p:spPr bwMode="auto">
           <a:xfrm>
-            <a:off x="179064" y="1556792"/>
-            <a:ext cx="8964936" cy="3960414"/>
+            <a:off x="4427984" y="1844824"/>
+            <a:ext cx="4728929" cy="3888432"/>
           </a:xfrm>
           <a:prstGeom prst="rect">
             <a:avLst/>
           </a:prstGeom>
           <a:noFill/>
+          <a:extLst>
+            <a:ext uri="{909E8E84-426E-40DD-AFC4-6F175D3DCCD1}">
+              <a14:hiddenFill xmlns:a14="http://schemas.microsoft.com/office/drawing/2010/main">
+                <a:solidFill>
+                  <a:srgbClr val="FFFFFF"/>
+                </a:solidFill>
+              </a14:hiddenFill>
+            </a:ext>
+          </a:extLst>
         </p:spPr>
       </p:pic>
     </p:spTree>
-    <p:extLst>
-      <p:ext uri="{BB962C8B-B14F-4D97-AF65-F5344CB8AC3E}">
-        <p14:creationId xmlns:p14="http://schemas.microsoft.com/office/powerpoint/2010/main" xmlns="" val="398228404"/>
-      </p:ext>
-    </p:extLst>
   </p:cSld>
   <p:clrMapOvr>
     <a:masterClrMapping/>
   </p:clrMapOvr>
+  <p:transition spd="med">
+    <p:fade/>
+  </p:transition>
 </p:sld>
 </file>
 
 <file path=ppt/slides/slide41.xml><?xml version="1.0" encoding="utf-8"?>
-<p:sld xmlns:a="http://schemas.openxmlformats.org/drawingml/2006/main" xmlns:r="http://schemas.openxmlformats.org/officeDocument/2006/relationships" xmlns:p="http://schemas.openxmlformats.org/presentationml/2006/main">
-  <p:cSld>
-    <p:spTree>
-      <p:nvGrpSpPr>
-        <p:cNvPr id="1" name=""/>
-        <p:cNvGrpSpPr/>
-        <p:nvPr/>
-      </p:nvGrpSpPr>
-      <p:grpSpPr>
-        <a:xfrm>
-          <a:off x="0" y="0"/>
-          <a:ext cx="0" cy="0"/>
-          <a:chOff x="0" y="0"/>
-          <a:chExt cx="0" cy="0"/>
-        </a:xfrm>
-      </p:grpSpPr>
-      <p:sp>
-        <p:nvSpPr>
-          <p:cNvPr id="6" name="Título 1">
-            <a:extLst>
-              <a:ext uri="{FF2B5EF4-FFF2-40B4-BE49-F238E27FC236}">
-                <a16:creationId xmlns:a16="http://schemas.microsoft.com/office/drawing/2014/main" xmlns="" id="{4420E5F6-C592-489E-8742-39113C67F28C}"/>
-              </a:ext>
-            </a:extLst>
-          </p:cNvPr>
-          <p:cNvSpPr>
-            <a:spLocks noGrp="1"/>
-          </p:cNvSpPr>
-          <p:nvPr>
-            <p:ph type="title"/>
-          </p:nvPr>
-        </p:nvSpPr>
-        <p:spPr>
-          <a:xfrm>
-            <a:off x="323750" y="0"/>
-            <a:ext cx="8797925" cy="922338"/>
-          </a:xfrm>
-        </p:spPr>
-        <p:txBody>
-          <a:bodyPr/>
-          <a:lstStyle/>
-          <a:p>
-            <a:r>
-              <a:rPr lang="pt-BR" dirty="0"/>
-              <a:t>MÓDULO CONTROLE </a:t>
-            </a:r>
-            <a:br>
-              <a:rPr lang="pt-BR" dirty="0"/>
-            </a:br>
-            <a:r>
-              <a:rPr lang="pt-BR" dirty="0"/>
-              <a:t>DE ACESSO</a:t>
-            </a:r>
-          </a:p>
-        </p:txBody>
-      </p:sp>
-      <p:pic>
-        <p:nvPicPr>
-          <p:cNvPr id="2" name="Picture 2" descr="C:\Users\alexandre\Pictures\ConfigPerfil4.png"/>
-          <p:cNvPicPr>
-            <a:picLocks noChangeAspect="1" noChangeArrowheads="1"/>
-          </p:cNvPicPr>
-          <p:nvPr/>
-        </p:nvPicPr>
-        <p:blipFill>
-          <a:blip r:embed="rId2" cstate="print"/>
-          <a:srcRect/>
-          <a:stretch>
-            <a:fillRect/>
-          </a:stretch>
-        </p:blipFill>
-        <p:spPr bwMode="auto">
-          <a:xfrm>
-            <a:off x="52065" y="1412776"/>
-            <a:ext cx="9091935" cy="3942520"/>
-          </a:xfrm>
-          <a:prstGeom prst="rect">
-            <a:avLst/>
-          </a:prstGeom>
-          <a:noFill/>
-        </p:spPr>
-      </p:pic>
-    </p:spTree>
-    <p:extLst>
-      <p:ext uri="{BB962C8B-B14F-4D97-AF65-F5344CB8AC3E}">
-        <p14:creationId xmlns:p14="http://schemas.microsoft.com/office/powerpoint/2010/main" xmlns="" val="3663591352"/>
-      </p:ext>
-    </p:extLst>
-  </p:cSld>
-  <p:clrMapOvr>
-    <a:masterClrMapping/>
-  </p:clrMapOvr>
-</p:sld>
-</file>
-
-<file path=ppt/slides/slide42.xml><?xml version="1.0" encoding="utf-8"?>
 <p:sld xmlns:a="http://schemas.openxmlformats.org/drawingml/2006/main" xmlns:r="http://schemas.openxmlformats.org/officeDocument/2006/relationships" xmlns:p="http://schemas.openxmlformats.org/presentationml/2006/main">
   <p:cSld>
     <p:spTree>
@@ -10863,152 +10693,6 @@
             </a:pPr>
             <a:r>
               <a:rPr lang="pt-BR" dirty="0"/>
-              <a:t>Lições Aprendidas</a:t>
-            </a:r>
-          </a:p>
-        </p:txBody>
-      </p:sp>
-      <p:sp>
-        <p:nvSpPr>
-          <p:cNvPr id="5" name="Espaço Reservado para Conteúdo 4"/>
-          <p:cNvSpPr>
-            <a:spLocks noGrp="1"/>
-          </p:cNvSpPr>
-          <p:nvPr>
-            <p:ph idx="1"/>
-          </p:nvPr>
-        </p:nvSpPr>
-        <p:spPr>
-          <a:xfrm>
-            <a:off x="-9103" y="1359247"/>
-            <a:ext cx="4364682" cy="5424141"/>
-          </a:xfrm>
-        </p:spPr>
-        <p:txBody>
-          <a:bodyPr/>
-          <a:lstStyle/>
-          <a:p>
-            <a:endParaRPr lang="pt-BR" sz="2400" dirty="0" smtClean="0"/>
-          </a:p>
-          <a:p>
-            <a:endParaRPr lang="pt-BR" sz="2400" dirty="0" smtClean="0"/>
-          </a:p>
-          <a:p>
-            <a:r>
-              <a:rPr lang="pt-BR" sz="2400" dirty="0" smtClean="0"/>
-              <a:t>Manter-se </a:t>
-            </a:r>
-            <a:r>
-              <a:rPr lang="pt-BR" sz="2400" dirty="0" smtClean="0"/>
-              <a:t>atento ao escopo inicial do projeto para que não sejam desenvolvidas funcionalidades que não foram solicitadas</a:t>
-            </a:r>
-          </a:p>
-          <a:p>
-            <a:endParaRPr lang="pt-BR" sz="2400" dirty="0" smtClean="0"/>
-          </a:p>
-          <a:p>
-            <a:pPr marL="0" indent="0">
-              <a:buNone/>
-            </a:pPr>
-            <a:endParaRPr lang="pt-BR" sz="2400" dirty="0" smtClean="0"/>
-          </a:p>
-          <a:p>
-            <a:pPr marL="0" indent="0">
-              <a:buNone/>
-            </a:pPr>
-            <a:endParaRPr lang="pt-BR" sz="2400" dirty="0"/>
-          </a:p>
-        </p:txBody>
-      </p:sp>
-      <p:pic>
-        <p:nvPicPr>
-          <p:cNvPr id="2052" name="Picture 4" descr="Resultado de imagem para imagem lições aprendidas"/>
-          <p:cNvPicPr>
-            <a:picLocks noChangeAspect="1" noChangeArrowheads="1"/>
-          </p:cNvPicPr>
-          <p:nvPr/>
-        </p:nvPicPr>
-        <p:blipFill>
-          <a:blip r:embed="rId2" cstate="print">
-            <a:extLst>
-              <a:ext uri="{28A0092B-C50C-407E-A947-70E740481C1C}">
-                <a14:useLocalDpi xmlns:a14="http://schemas.microsoft.com/office/drawing/2010/main" xmlns="" val="0"/>
-              </a:ext>
-            </a:extLst>
-          </a:blip>
-          <a:srcRect/>
-          <a:stretch>
-            <a:fillRect/>
-          </a:stretch>
-        </p:blipFill>
-        <p:spPr bwMode="auto">
-          <a:xfrm>
-            <a:off x="4427984" y="1844824"/>
-            <a:ext cx="4728929" cy="3888432"/>
-          </a:xfrm>
-          <a:prstGeom prst="rect">
-            <a:avLst/>
-          </a:prstGeom>
-          <a:noFill/>
-          <a:extLst>
-            <a:ext uri="{909E8E84-426E-40DD-AFC4-6F175D3DCCD1}">
-              <a14:hiddenFill xmlns:a14="http://schemas.microsoft.com/office/drawing/2010/main" xmlns="">
-                <a:solidFill>
-                  <a:srgbClr val="FFFFFF"/>
-                </a:solidFill>
-              </a14:hiddenFill>
-            </a:ext>
-          </a:extLst>
-        </p:spPr>
-      </p:pic>
-    </p:spTree>
-  </p:cSld>
-  <p:clrMapOvr>
-    <a:masterClrMapping/>
-  </p:clrMapOvr>
-  <p:transition spd="med">
-    <p:fade/>
-  </p:transition>
-</p:sld>
-</file>
-
-<file path=ppt/slides/slide43.xml><?xml version="1.0" encoding="utf-8"?>
-<p:sld xmlns:a="http://schemas.openxmlformats.org/drawingml/2006/main" xmlns:r="http://schemas.openxmlformats.org/officeDocument/2006/relationships" xmlns:p="http://schemas.openxmlformats.org/presentationml/2006/main">
-  <p:cSld>
-    <p:spTree>
-      <p:nvGrpSpPr>
-        <p:cNvPr id="1" name=""/>
-        <p:cNvGrpSpPr/>
-        <p:nvPr/>
-      </p:nvGrpSpPr>
-      <p:grpSpPr>
-        <a:xfrm>
-          <a:off x="0" y="0"/>
-          <a:ext cx="0" cy="0"/>
-          <a:chOff x="0" y="0"/>
-          <a:chExt cx="0" cy="0"/>
-        </a:xfrm>
-      </p:grpSpPr>
-      <p:sp>
-        <p:nvSpPr>
-          <p:cNvPr id="4" name="Título 3"/>
-          <p:cNvSpPr>
-            <a:spLocks noGrp="1"/>
-          </p:cNvSpPr>
-          <p:nvPr>
-            <p:ph type="title"/>
-          </p:nvPr>
-        </p:nvSpPr>
-        <p:spPr/>
-        <p:txBody>
-          <a:bodyPr/>
-          <a:lstStyle/>
-          <a:p>
-            <a:pPr eaLnBrk="1" hangingPunct="1">
-              <a:defRPr/>
-            </a:pPr>
-            <a:r>
-              <a:rPr lang="pt-BR" dirty="0"/>
               <a:t>Próximos passos</a:t>
             </a:r>
           </a:p>
@@ -11091,7 +10775,7 @@
           <a:blip r:embed="rId2" cstate="print">
             <a:extLst>
               <a:ext uri="{28A0092B-C50C-407E-A947-70E740481C1C}">
-                <a14:useLocalDpi xmlns:a14="http://schemas.microsoft.com/office/drawing/2010/main" xmlns="" val="0"/>
+                <a14:useLocalDpi xmlns:a14="http://schemas.microsoft.com/office/drawing/2010/main" val="0"/>
               </a:ext>
             </a:extLst>
           </a:blip>
@@ -11109,7 +10793,7 @@
           <a:noFill/>
           <a:extLst>
             <a:ext uri="{909E8E84-426E-40DD-AFC4-6F175D3DCCD1}">
-              <a14:hiddenFill xmlns:a14="http://schemas.microsoft.com/office/drawing/2010/main" xmlns="">
+              <a14:hiddenFill xmlns:a14="http://schemas.microsoft.com/office/drawing/2010/main">
                 <a:solidFill>
                   <a:srgbClr val="FFFFFF"/>
                 </a:solidFill>
@@ -11129,7 +10813,7 @@
 </p:sld>
 </file>
 
-<file path=ppt/slides/slide44.xml><?xml version="1.0" encoding="utf-8"?>
+<file path=ppt/slides/slide42.xml><?xml version="1.0" encoding="utf-8"?>
 <p:sld xmlns:a="http://schemas.openxmlformats.org/drawingml/2006/main" xmlns:r="http://schemas.openxmlformats.org/officeDocument/2006/relationships" xmlns:p="http://schemas.openxmlformats.org/presentationml/2006/main">
   <p:cSld>
     <p:spTree>
@@ -11179,7 +10863,7 @@
     </p:spTree>
     <p:extLst>
       <p:ext uri="{BB962C8B-B14F-4D97-AF65-F5344CB8AC3E}">
-        <p14:creationId xmlns:p14="http://schemas.microsoft.com/office/powerpoint/2010/main" xmlns="" val="1990385622"/>
+        <p14:creationId xmlns:p14="http://schemas.microsoft.com/office/powerpoint/2010/main" val="1990385622"/>
       </p:ext>
     </p:extLst>
   </p:cSld>
@@ -11282,14 +10966,14 @@
             </a:ln>
             <a:extLst>
               <a:ext uri="{909E8E84-426E-40DD-AFC4-6F175D3DCCD1}">
-                <a14:hiddenFill xmlns:a14="http://schemas.microsoft.com/office/drawing/2010/main" xmlns="">
+                <a14:hiddenFill xmlns:a14="http://schemas.microsoft.com/office/drawing/2010/main">
                   <a:solidFill>
                     <a:srgbClr val="FFFFFF"/>
                   </a:solidFill>
                 </a14:hiddenFill>
               </a:ext>
               <a:ext uri="{91240B29-F687-4F45-9708-019B960494DF}">
-                <a14:hiddenLine xmlns:a14="http://schemas.microsoft.com/office/drawing/2010/main" xmlns="" w="9525">
+                <a14:hiddenLine xmlns:a14="http://schemas.microsoft.com/office/drawing/2010/main" w="9525">
                   <a:solidFill>
                     <a:srgbClr val="000000"/>
                   </a:solidFill>
@@ -11439,14 +11123,14 @@
             </a:ln>
             <a:extLst>
               <a:ext uri="{909E8E84-426E-40DD-AFC4-6F175D3DCCD1}">
-                <a14:hiddenFill xmlns:a14="http://schemas.microsoft.com/office/drawing/2010/main" xmlns="">
+                <a14:hiddenFill xmlns:a14="http://schemas.microsoft.com/office/drawing/2010/main">
                   <a:solidFill>
                     <a:srgbClr val="FFFFFF"/>
                   </a:solidFill>
                 </a14:hiddenFill>
               </a:ext>
               <a:ext uri="{91240B29-F687-4F45-9708-019B960494DF}">
-                <a14:hiddenLine xmlns:a14="http://schemas.microsoft.com/office/drawing/2010/main" xmlns="" w="9525">
+                <a14:hiddenLine xmlns:a14="http://schemas.microsoft.com/office/drawing/2010/main" w="9525">
                   <a:solidFill>
                     <a:srgbClr val="000000"/>
                   </a:solidFill>
@@ -11710,7 +11394,7 @@
     </p:spTree>
     <p:extLst>
       <p:ext uri="{BB962C8B-B14F-4D97-AF65-F5344CB8AC3E}">
-        <p14:creationId xmlns:p14="http://schemas.microsoft.com/office/powerpoint/2010/main" xmlns="" val="2005090747"/>
+        <p14:creationId xmlns:p14="http://schemas.microsoft.com/office/powerpoint/2010/main" val="2005090747"/>
       </p:ext>
     </p:extLst>
   </p:cSld>
@@ -11789,14 +11473,14 @@
           </a:xfrm>
           <a:extLst>
             <a:ext uri="{909E8E84-426E-40DD-AFC4-6F175D3DCCD1}">
-              <a14:hiddenFill xmlns:a14="http://schemas.microsoft.com/office/drawing/2010/main" xmlns="">
+              <a14:hiddenFill xmlns:a14="http://schemas.microsoft.com/office/drawing/2010/main">
                 <a:solidFill>
                   <a:srgbClr val="FFFFFF"/>
                 </a:solidFill>
               </a14:hiddenFill>
             </a:ext>
             <a:ext uri="{91240B29-F687-4F45-9708-019B960494DF}">
-              <a14:hiddenLine xmlns:a14="http://schemas.microsoft.com/office/drawing/2010/main" xmlns="" w="9525">
+              <a14:hiddenLine xmlns:a14="http://schemas.microsoft.com/office/drawing/2010/main" w="9525">
                 <a:solidFill>
                   <a:srgbClr val="000000"/>
                 </a:solidFill>
@@ -12132,7 +11816,7 @@
           <a:blip r:embed="rId2" cstate="print">
             <a:extLst>
               <a:ext uri="{28A0092B-C50C-407E-A947-70E740481C1C}">
-                <a14:useLocalDpi xmlns:a14="http://schemas.microsoft.com/office/drawing/2010/main" xmlns="" val="0"/>
+                <a14:useLocalDpi xmlns:a14="http://schemas.microsoft.com/office/drawing/2010/main" val="0"/>
               </a:ext>
             </a:extLst>
           </a:blip>
@@ -12224,7 +11908,7 @@
           <a:blip r:embed="rId2" cstate="print">
             <a:extLst>
               <a:ext uri="{28A0092B-C50C-407E-A947-70E740481C1C}">
-                <a14:useLocalDpi xmlns:a14="http://schemas.microsoft.com/office/drawing/2010/main" xmlns="" val="0"/>
+                <a14:useLocalDpi xmlns:a14="http://schemas.microsoft.com/office/drawing/2010/main" val="0"/>
               </a:ext>
             </a:extLst>
           </a:blip>
@@ -12316,7 +12000,7 @@
           <a:blip r:embed="rId2" cstate="print">
             <a:extLst>
               <a:ext uri="{28A0092B-C50C-407E-A947-70E740481C1C}">
-                <a14:useLocalDpi xmlns:a14="http://schemas.microsoft.com/office/drawing/2010/main" xmlns="" val="0"/>
+                <a14:useLocalDpi xmlns:a14="http://schemas.microsoft.com/office/drawing/2010/main" val="0"/>
               </a:ext>
             </a:extLst>
           </a:blip>
@@ -12944,7 +12628,7 @@
   <a:extraClrSchemeLst/>
   <a:extLst>
     <a:ext uri="{05A4C25C-085E-4340-85A3-A5531E510DB2}">
-      <thm15:themeFamily xmlns:thm15="http://schemas.microsoft.com/office/thememl/2012/main" xmlns="" name="Office Theme" id="{62F939B6-93AF-4DB8-9C6B-D6C7DFDC589F}" vid="{4A3C46E8-61CC-4603-A589-7422A47A8E4A}"/>
+      <thm15:themeFamily xmlns:thm15="http://schemas.microsoft.com/office/thememl/2012/main" name="Office Theme" id="{62F939B6-93AF-4DB8-9C6B-D6C7DFDC589F}" vid="{4A3C46E8-61CC-4603-A589-7422A47A8E4A}"/>
     </a:ext>
   </a:extLst>
 </a:theme>

--- a/TCC/5º Encontro/2017-Apresentacao Psystem.pptx
+++ b/TCC/5º Encontro/2017-Apresentacao Psystem.pptx
@@ -284,7 +284,7 @@
             <a:fld id="{C0D5B206-56B5-433E-8333-9415E6A460B9}" type="datetimeFigureOut">
               <a:rPr lang="pt-BR" smtClean="0"/>
               <a:pPr/>
-              <a:t>17/11/2017</a:t>
+              <a:t>20/11/2017</a:t>
             </a:fld>
             <a:endParaRPr lang="pt-BR"/>
           </a:p>
@@ -3430,13 +3430,6 @@
   <p:clrMapOvr>
     <a:masterClrMapping/>
   </p:clrMapOvr>
-  <p:timing>
-    <p:tnLst>
-      <p:par>
-        <p:cTn id="1" dur="indefinite" restart="never" nodeType="tmRoot"/>
-      </p:par>
-    </p:tnLst>
-  </p:timing>
 </p:sld>
 </file>
 
@@ -3588,13 +3581,6 @@
   <p:clrMapOvr>
     <a:masterClrMapping/>
   </p:clrMapOvr>
-  <p:timing>
-    <p:tnLst>
-      <p:par>
-        <p:cTn id="1" dur="indefinite" restart="never" nodeType="tmRoot"/>
-      </p:par>
-    </p:tnLst>
-  </p:timing>
 </p:sld>
 </file>
 
@@ -4126,13 +4112,6 @@
   <p:transition spd="med">
     <p:fade/>
   </p:transition>
-  <p:timing>
-    <p:tnLst>
-      <p:par>
-        <p:cTn id="1" dur="indefinite" restart="never" nodeType="tmRoot"/>
-      </p:par>
-    </p:tnLst>
-  </p:timing>
 </p:sld>
 </file>
 
@@ -4379,13 +4358,6 @@
   <p:transition spd="med">
     <p:fade/>
   </p:transition>
-  <p:timing>
-    <p:tnLst>
-      <p:par>
-        <p:cTn id="1" dur="indefinite" restart="never" nodeType="tmRoot"/>
-      </p:par>
-    </p:tnLst>
-  </p:timing>
 </p:sld>
 </file>
 
@@ -4468,13 +4440,6 @@
   <p:clrMapOvr>
     <a:masterClrMapping/>
   </p:clrMapOvr>
-  <p:timing>
-    <p:tnLst>
-      <p:par>
-        <p:cTn id="1" dur="indefinite" restart="never" nodeType="tmRoot"/>
-      </p:par>
-    </p:tnLst>
-  </p:timing>
 </p:sld>
 </file>
 
@@ -4585,7 +4550,7 @@
           <p:cNvPr id="2" name="Picture 1">
             <a:extLst>
               <a:ext uri="{FF2B5EF4-FFF2-40B4-BE49-F238E27FC236}">
-                <a16:creationId xmlns="" xmlns:a16="http://schemas.microsoft.com/office/drawing/2014/main" id="{F5A00150-EB0A-4F28-911C-141811EBFBD4}"/>
+                <a16:creationId xmlns:a16="http://schemas.microsoft.com/office/drawing/2014/main" id="{F5A00150-EB0A-4F28-911C-141811EBFBD4}"/>
               </a:ext>
             </a:extLst>
           </p:cNvPr>
@@ -4622,13 +4587,6 @@
   <p:transition spd="med">
     <p:fade/>
   </p:transition>
-  <p:timing>
-    <p:tnLst>
-      <p:par>
-        <p:cTn id="1" dur="indefinite" restart="never" nodeType="tmRoot"/>
-      </p:par>
-    </p:tnLst>
-  </p:timing>
 </p:sld>
 </file>
 
@@ -4739,7 +4697,7 @@
           <p:cNvPr id="3" name="Picture 2">
             <a:extLst>
               <a:ext uri="{FF2B5EF4-FFF2-40B4-BE49-F238E27FC236}">
-                <a16:creationId xmlns="" xmlns:a16="http://schemas.microsoft.com/office/drawing/2014/main" id="{2B1A4BC2-7DE1-4299-98E4-7ED739A14DCC}"/>
+                <a16:creationId xmlns:a16="http://schemas.microsoft.com/office/drawing/2014/main" id="{2B1A4BC2-7DE1-4299-98E4-7ED739A14DCC}"/>
               </a:ext>
             </a:extLst>
           </p:cNvPr>
@@ -4777,13 +4735,6 @@
   <p:transition spd="med">
     <p:fade/>
   </p:transition>
-  <p:timing>
-    <p:tnLst>
-      <p:par>
-        <p:cTn id="1" dur="indefinite" restart="never" nodeType="tmRoot"/>
-      </p:par>
-    </p:tnLst>
-  </p:timing>
 </p:sld>
 </file>
 
@@ -4894,7 +4845,7 @@
           <p:cNvPr id="2" name="Picture 1">
             <a:extLst>
               <a:ext uri="{FF2B5EF4-FFF2-40B4-BE49-F238E27FC236}">
-                <a16:creationId xmlns="" xmlns:a16="http://schemas.microsoft.com/office/drawing/2014/main" id="{B6A781C1-AA15-45C9-BF02-66987FF55897}"/>
+                <a16:creationId xmlns:a16="http://schemas.microsoft.com/office/drawing/2014/main" id="{B6A781C1-AA15-45C9-BF02-66987FF55897}"/>
               </a:ext>
             </a:extLst>
           </p:cNvPr>
@@ -4932,13 +4883,6 @@
   <p:transition spd="med">
     <p:fade/>
   </p:transition>
-  <p:timing>
-    <p:tnLst>
-      <p:par>
-        <p:cTn id="1" dur="indefinite" restart="never" nodeType="tmRoot"/>
-      </p:par>
-    </p:tnLst>
-  </p:timing>
 </p:sld>
 </file>
 
@@ -5451,13 +5395,6 @@
   <p:transition spd="med">
     <p:fade/>
   </p:transition>
-  <p:timing>
-    <p:tnLst>
-      <p:par>
-        <p:cTn id="1" dur="indefinite" restart="never" nodeType="tmRoot"/>
-      </p:par>
-    </p:tnLst>
-  </p:timing>
 </p:sld>
 </file>
 
@@ -5557,7 +5494,7 @@
               <a:defRPr/>
             </a:pPr>
             <a:r>
-              <a:rPr lang="pt-BR" sz="2600" dirty="0" smtClean="0">
+              <a:rPr lang="pt-BR" sz="2600" dirty="0">
                 <a:solidFill>
                   <a:schemeClr val="tx2">
                     <a:lumMod val="75000"/>
@@ -5566,19 +5503,7 @@
                 <a:latin typeface="Calibri (Corpo)"/>
                 <a:cs typeface="Calibri" panose="020F0502020204030204" pitchFamily="34" charset="0"/>
               </a:rPr>
-              <a:t>Realizar </a:t>
-            </a:r>
-            <a:r>
-              <a:rPr lang="pt-BR" sz="2600" dirty="0">
-                <a:solidFill>
-                  <a:schemeClr val="tx2">
-                    <a:lumMod val="75000"/>
-                  </a:schemeClr>
-                </a:solidFill>
-                <a:latin typeface="Calibri (Corpo)"/>
-                <a:cs typeface="Calibri" panose="020F0502020204030204" pitchFamily="34" charset="0"/>
-              </a:rPr>
-              <a:t>Pagamento</a:t>
+              <a:t>Realizar Pagamento</a:t>
             </a:r>
           </a:p>
           <a:p>
@@ -5588,7 +5513,7 @@
               <a:defRPr/>
             </a:pPr>
             <a:r>
-              <a:rPr lang="pt-BR" sz="1850" dirty="0" smtClean="0">
+              <a:rPr lang="pt-BR" sz="1850" dirty="0">
                 <a:solidFill>
                   <a:schemeClr val="tx2">
                     <a:lumMod val="75000"/>
@@ -5598,20 +5523,7 @@
                 <a:ea typeface="+mn-ea"/>
                 <a:cs typeface="+mn-cs"/>
               </a:rPr>
-              <a:t>Realizar os </a:t>
-            </a:r>
-            <a:r>
-              <a:rPr lang="pt-BR" sz="1850" dirty="0">
-                <a:solidFill>
-                  <a:schemeClr val="tx2">
-                    <a:lumMod val="75000"/>
-                  </a:schemeClr>
-                </a:solidFill>
-                <a:latin typeface="+mn-lt"/>
-                <a:ea typeface="+mn-ea"/>
-                <a:cs typeface="+mn-cs"/>
-              </a:rPr>
-              <a:t>pagamentos dos clientes por serviços prestados pela clínica.</a:t>
+              <a:t>Realizar os pagamentos dos clientes por serviços prestados pela clínica.</a:t>
             </a:r>
           </a:p>
           <a:p>
@@ -5644,29 +5556,8 @@
                 <a:latin typeface="Calibri (Corpo)"/>
                 <a:cs typeface="Calibri" panose="020F0502020204030204" pitchFamily="34" charset="0"/>
               </a:rPr>
-              <a:t>Manter </a:t>
-            </a:r>
-            <a:r>
-              <a:rPr lang="pt-BR" sz="2600" dirty="0" smtClean="0">
-                <a:solidFill>
-                  <a:schemeClr val="tx2">
-                    <a:lumMod val="75000"/>
-                  </a:schemeClr>
-                </a:solidFill>
-                <a:latin typeface="Calibri (Corpo)"/>
-                <a:cs typeface="Calibri" panose="020F0502020204030204" pitchFamily="34" charset="0"/>
-              </a:rPr>
-              <a:t>Despesas</a:t>
-            </a:r>
-            <a:endParaRPr lang="pt-BR" sz="2600" dirty="0">
-              <a:solidFill>
-                <a:schemeClr val="tx2">
-                  <a:lumMod val="75000"/>
-                </a:schemeClr>
-              </a:solidFill>
-              <a:latin typeface="Calibri (Corpo)"/>
-              <a:cs typeface="Calibri" panose="020F0502020204030204" pitchFamily="34" charset="0"/>
-            </a:endParaRPr>
+              <a:t>Manter Despesas</a:t>
+            </a:r>
           </a:p>
           <a:p>
             <a:pPr lvl="1" algn="just" eaLnBrk="1" hangingPunct="1">
@@ -5685,33 +5576,7 @@
                 <a:ea typeface="+mn-ea"/>
                 <a:cs typeface="+mn-cs"/>
               </a:rPr>
-              <a:t>Permite a manutenção de </a:t>
-            </a:r>
-            <a:r>
-              <a:rPr lang="pt-BR" sz="1850" dirty="0" smtClean="0">
-                <a:solidFill>
-                  <a:schemeClr val="tx2">
-                    <a:lumMod val="75000"/>
-                  </a:schemeClr>
-                </a:solidFill>
-                <a:latin typeface="+mn-lt"/>
-                <a:ea typeface="+mn-ea"/>
-                <a:cs typeface="+mn-cs"/>
-              </a:rPr>
-              <a:t>despesas </a:t>
-            </a:r>
-            <a:r>
-              <a:rPr lang="pt-BR" sz="1850" dirty="0">
-                <a:solidFill>
-                  <a:schemeClr val="tx2">
-                    <a:lumMod val="75000"/>
-                  </a:schemeClr>
-                </a:solidFill>
-                <a:latin typeface="+mn-lt"/>
-                <a:ea typeface="+mn-ea"/>
-                <a:cs typeface="+mn-cs"/>
-              </a:rPr>
-              <a:t>da clínica.</a:t>
+              <a:t>Permite a manutenção de despesas da clínica.</a:t>
             </a:r>
           </a:p>
           <a:p>
@@ -5963,13 +5828,6 @@
   <p:clrMapOvr>
     <a:masterClrMapping/>
   </p:clrMapOvr>
-  <p:timing>
-    <p:tnLst>
-      <p:par>
-        <p:cTn id="1" dur="indefinite" restart="never" nodeType="tmRoot"/>
-      </p:par>
-    </p:tnLst>
-  </p:timing>
 </p:sld>
 </file>
 
@@ -6335,13 +6193,6 @@
   <p:clrMapOvr>
     <a:masterClrMapping/>
   </p:clrMapOvr>
-  <p:timing>
-    <p:tnLst>
-      <p:par>
-        <p:cTn id="1" dur="indefinite" restart="never" nodeType="tmRoot"/>
-      </p:par>
-    </p:tnLst>
-  </p:timing>
 </p:sld>
 </file>
 
@@ -6586,13 +6437,6 @@
   <p:clrMapOvr>
     <a:masterClrMapping/>
   </p:clrMapOvr>
-  <p:timing>
-    <p:tnLst>
-      <p:par>
-        <p:cTn id="1" dur="indefinite" restart="never" nodeType="tmRoot"/>
-      </p:par>
-    </p:tnLst>
-  </p:timing>
 </p:sld>
 </file>
 
@@ -8055,7 +7899,7 @@
               <a:defRPr/>
             </a:pPr>
             <a:r>
-              <a:rPr lang="pt-BR" sz="2600">
+              <a:rPr lang="pt-BR" sz="2600" dirty="0">
                 <a:solidFill>
                   <a:schemeClr val="tx2">
                     <a:lumMod val="75000"/>
@@ -8074,7 +7918,7 @@
               <a:defRPr/>
             </a:pPr>
             <a:r>
-              <a:rPr lang="pt-BR" sz="1850">
+              <a:rPr lang="pt-BR" sz="1850" dirty="0">
                 <a:solidFill>
                   <a:schemeClr val="tx2">
                     <a:lumMod val="75000"/>
@@ -8083,7 +7927,7 @@
               </a:rPr>
               <a:t>Permite a manutenção de paciente.</a:t>
             </a:r>
-            <a:endParaRPr lang="pt-BR" sz="1850">
+            <a:endParaRPr lang="pt-BR" sz="1850" dirty="0">
               <a:solidFill>
                 <a:schemeClr val="tx2">
                   <a:lumMod val="75000"/>
@@ -8096,7 +7940,7 @@
             <a:pPr marL="457200" lvl="1" indent="0" algn="just" eaLnBrk="1" hangingPunct="1">
               <a:defRPr/>
             </a:pPr>
-            <a:endParaRPr lang="pt-BR" sz="1800">
+            <a:endParaRPr lang="pt-BR" sz="1800" dirty="0">
               <a:solidFill>
                 <a:schemeClr val="tx2">
                   <a:lumMod val="75000"/>
@@ -8113,7 +7957,7 @@
               <a:defRPr/>
             </a:pPr>
             <a:r>
-              <a:rPr lang="pt-BR" sz="2600">
+              <a:rPr lang="pt-BR" sz="2600" dirty="0">
                 <a:solidFill>
                   <a:schemeClr val="tx2">
                     <a:lumMod val="75000"/>
@@ -8122,7 +7966,7 @@
                 <a:latin typeface="Calibri" panose="020F0502020204030204" pitchFamily="34" charset="0"/>
                 <a:cs typeface="Calibri" panose="020F0502020204030204" pitchFamily="34" charset="0"/>
               </a:rPr>
-              <a:t>Receber Prontuário</a:t>
+              <a:t>Manter Prontuário</a:t>
             </a:r>
           </a:p>
           <a:p>
@@ -8132,7 +7976,7 @@
               <a:defRPr/>
             </a:pPr>
             <a:r>
-              <a:rPr lang="pt-BR" sz="1850">
+              <a:rPr lang="pt-BR" sz="1850" dirty="0">
                 <a:solidFill>
                   <a:schemeClr val="tx2">
                     <a:lumMod val="75000"/>
@@ -8146,7 +7990,7 @@
             <a:pPr marL="457200" lvl="1" indent="0" algn="just" eaLnBrk="1" hangingPunct="1">
               <a:defRPr/>
             </a:pPr>
-            <a:endParaRPr lang="pt-BR" sz="1800">
+            <a:endParaRPr lang="pt-BR" sz="1800" dirty="0">
               <a:solidFill>
                 <a:schemeClr val="tx2">
                   <a:lumMod val="75000"/>
@@ -8163,7 +8007,7 @@
               <a:defRPr/>
             </a:pPr>
             <a:r>
-              <a:rPr lang="pt-BR" sz="2600">
+              <a:rPr lang="pt-BR" sz="2600" dirty="0">
                 <a:solidFill>
                   <a:schemeClr val="tx2">
                     <a:lumMod val="75000"/>
@@ -8182,7 +8026,7 @@
               <a:defRPr/>
             </a:pPr>
             <a:r>
-              <a:rPr lang="pt-BR" sz="1850">
+              <a:rPr lang="pt-BR" sz="1850" dirty="0">
                 <a:solidFill>
                   <a:schemeClr val="tx2">
                     <a:lumMod val="75000"/>
@@ -8271,7 +8115,7 @@
           <p:cNvPr id="3" name="Picture 2">
             <a:extLst>
               <a:ext uri="{FF2B5EF4-FFF2-40B4-BE49-F238E27FC236}">
-                <a16:creationId xmlns="" xmlns:a16="http://schemas.microsoft.com/office/drawing/2014/main" id="{1488CEA1-615B-4D4C-A130-F1FD32F916CA}"/>
+                <a16:creationId xmlns:a16="http://schemas.microsoft.com/office/drawing/2014/main" id="{1488CEA1-615B-4D4C-A130-F1FD32F916CA}"/>
               </a:ext>
             </a:extLst>
           </p:cNvPr>
@@ -8360,7 +8204,7 @@
           <p:cNvPr id="1026" name="Picture 2">
             <a:extLst>
               <a:ext uri="{FF2B5EF4-FFF2-40B4-BE49-F238E27FC236}">
-                <a16:creationId xmlns="" xmlns:a16="http://schemas.microsoft.com/office/drawing/2014/main" id="{680D742B-523C-43D4-9E8B-E4709EAE39EB}"/>
+                <a16:creationId xmlns:a16="http://schemas.microsoft.com/office/drawing/2014/main" id="{680D742B-523C-43D4-9E8B-E4709EAE39EB}"/>
               </a:ext>
             </a:extLst>
           </p:cNvPr>
@@ -8453,7 +8297,7 @@
           <p:cNvPr id="4" name="Título 3">
             <a:extLst>
               <a:ext uri="{FF2B5EF4-FFF2-40B4-BE49-F238E27FC236}">
-                <a16:creationId xmlns="" xmlns:a16="http://schemas.microsoft.com/office/drawing/2014/main" id="{26BCFAA2-D859-44BC-AFEE-2D5119DC4C72}"/>
+                <a16:creationId xmlns:a16="http://schemas.microsoft.com/office/drawing/2014/main" id="{26BCFAA2-D859-44BC-AFEE-2D5119DC4C72}"/>
               </a:ext>
             </a:extLst>
           </p:cNvPr>
@@ -8489,7 +8333,7 @@
           <p:cNvPr id="3" name="Picture 2">
             <a:extLst>
               <a:ext uri="{FF2B5EF4-FFF2-40B4-BE49-F238E27FC236}">
-                <a16:creationId xmlns="" xmlns:a16="http://schemas.microsoft.com/office/drawing/2014/main" id="{697244E8-4C32-432B-82C5-5F541E652E84}"/>
+                <a16:creationId xmlns:a16="http://schemas.microsoft.com/office/drawing/2014/main" id="{697244E8-4C32-432B-82C5-5F541E652E84}"/>
               </a:ext>
             </a:extLst>
           </p:cNvPr>
@@ -8605,13 +8449,6 @@
   <p:transition spd="med">
     <p:fade/>
   </p:transition>
-  <p:timing>
-    <p:tnLst>
-      <p:par>
-        <p:cTn id="1" dur="indefinite" restart="never" nodeType="tmRoot"/>
-      </p:par>
-    </p:tnLst>
-  </p:timing>
 </p:sld>
 </file>
 
@@ -8637,7 +8474,7 @@
           <p:cNvPr id="2" name="Rectangle 1">
             <a:extLst>
               <a:ext uri="{FF2B5EF4-FFF2-40B4-BE49-F238E27FC236}">
-                <a16:creationId xmlns="" xmlns:a16="http://schemas.microsoft.com/office/drawing/2014/main" id="{9B84690F-C0BA-45DE-B1F4-7C1D7425D6FC}"/>
+                <a16:creationId xmlns:a16="http://schemas.microsoft.com/office/drawing/2014/main" id="{9B84690F-C0BA-45DE-B1F4-7C1D7425D6FC}"/>
               </a:ext>
             </a:extLst>
           </p:cNvPr>
@@ -8691,7 +8528,7 @@
           <p:cNvPr id="4" name="Picture 3">
             <a:extLst>
               <a:ext uri="{FF2B5EF4-FFF2-40B4-BE49-F238E27FC236}">
-                <a16:creationId xmlns="" xmlns:a16="http://schemas.microsoft.com/office/drawing/2014/main" id="{FF33F444-5274-47FB-9AB9-B9E9F701C115}"/>
+                <a16:creationId xmlns:a16="http://schemas.microsoft.com/office/drawing/2014/main" id="{FF33F444-5274-47FB-9AB9-B9E9F701C115}"/>
               </a:ext>
             </a:extLst>
           </p:cNvPr>
@@ -8776,7 +8613,7 @@
           <p:cNvPr id="5" name="Rectangle 4">
             <a:extLst>
               <a:ext uri="{FF2B5EF4-FFF2-40B4-BE49-F238E27FC236}">
-                <a16:creationId xmlns="" xmlns:a16="http://schemas.microsoft.com/office/drawing/2014/main" id="{E268ED25-8F1E-4CB1-BEC7-9279730C430D}"/>
+                <a16:creationId xmlns:a16="http://schemas.microsoft.com/office/drawing/2014/main" id="{E268ED25-8F1E-4CB1-BEC7-9279730C430D}"/>
               </a:ext>
             </a:extLst>
           </p:cNvPr>
@@ -8830,7 +8667,7 @@
           <p:cNvPr id="2" name="Picture 1">
             <a:extLst>
               <a:ext uri="{FF2B5EF4-FFF2-40B4-BE49-F238E27FC236}">
-                <a16:creationId xmlns="" xmlns:a16="http://schemas.microsoft.com/office/drawing/2014/main" id="{AC3F4872-BBD0-4C85-AF1B-EECA98565237}"/>
+                <a16:creationId xmlns:a16="http://schemas.microsoft.com/office/drawing/2014/main" id="{AC3F4872-BBD0-4C85-AF1B-EECA98565237}"/>
               </a:ext>
             </a:extLst>
           </p:cNvPr>
@@ -9405,7 +9242,7 @@
           <p:cNvPr id="2" name="Título 1">
             <a:extLst>
               <a:ext uri="{FF2B5EF4-FFF2-40B4-BE49-F238E27FC236}">
-                <a16:creationId xmlns="" xmlns:a16="http://schemas.microsoft.com/office/drawing/2014/main" id="{4420E5F6-C592-489E-8742-39113C67F28C}"/>
+                <a16:creationId xmlns:a16="http://schemas.microsoft.com/office/drawing/2014/main" id="{4420E5F6-C592-489E-8742-39113C67F28C}"/>
               </a:ext>
             </a:extLst>
           </p:cNvPr>
@@ -9445,7 +9282,7 @@
           <p:cNvPr id="3" name="Espaço Reservado para Conteúdo 2">
             <a:extLst>
               <a:ext uri="{FF2B5EF4-FFF2-40B4-BE49-F238E27FC236}">
-                <a16:creationId xmlns="" xmlns:a16="http://schemas.microsoft.com/office/drawing/2014/main" id="{FB12D05B-E47F-4BA3-B1A7-F1DCD4D8F90E}"/>
+                <a16:creationId xmlns:a16="http://schemas.microsoft.com/office/drawing/2014/main" id="{FB12D05B-E47F-4BA3-B1A7-F1DCD4D8F90E}"/>
               </a:ext>
             </a:extLst>
           </p:cNvPr>
@@ -9707,7 +9544,7 @@
           <p:cNvPr id="5" name="Título 1">
             <a:extLst>
               <a:ext uri="{FF2B5EF4-FFF2-40B4-BE49-F238E27FC236}">
-                <a16:creationId xmlns="" xmlns:a16="http://schemas.microsoft.com/office/drawing/2014/main" id="{4420E5F6-C592-489E-8742-39113C67F28C}"/>
+                <a16:creationId xmlns:a16="http://schemas.microsoft.com/office/drawing/2014/main" id="{4420E5F6-C592-489E-8742-39113C67F28C}"/>
               </a:ext>
             </a:extLst>
           </p:cNvPr>
@@ -9896,7 +9733,7 @@
           <p:cNvPr id="3" name="Picture 2">
             <a:extLst>
               <a:ext uri="{FF2B5EF4-FFF2-40B4-BE49-F238E27FC236}">
-                <a16:creationId xmlns="" xmlns:a16="http://schemas.microsoft.com/office/drawing/2014/main" id="{8F573B82-A720-4E7D-88E3-7ABD98571312}"/>
+                <a16:creationId xmlns:a16="http://schemas.microsoft.com/office/drawing/2014/main" id="{8F573B82-A720-4E7D-88E3-7ABD98571312}"/>
               </a:ext>
             </a:extLst>
           </p:cNvPr>
@@ -9962,7 +9799,7 @@
           <p:cNvPr id="6" name="Título 1">
             <a:extLst>
               <a:ext uri="{FF2B5EF4-FFF2-40B4-BE49-F238E27FC236}">
-                <a16:creationId xmlns="" xmlns:a16="http://schemas.microsoft.com/office/drawing/2014/main" id="{4420E5F6-C592-489E-8742-39113C67F28C}"/>
+                <a16:creationId xmlns:a16="http://schemas.microsoft.com/office/drawing/2014/main" id="{4420E5F6-C592-489E-8742-39113C67F28C}"/>
               </a:ext>
             </a:extLst>
           </p:cNvPr>
@@ -10002,7 +9839,7 @@
           <p:cNvPr id="8" name="Picture 7">
             <a:extLst>
               <a:ext uri="{FF2B5EF4-FFF2-40B4-BE49-F238E27FC236}">
-                <a16:creationId xmlns="" xmlns:a16="http://schemas.microsoft.com/office/drawing/2014/main" id="{AC1CFE5D-EA64-4455-B011-2E471DBEC948}"/>
+                <a16:creationId xmlns:a16="http://schemas.microsoft.com/office/drawing/2014/main" id="{AC1CFE5D-EA64-4455-B011-2E471DBEC948}"/>
               </a:ext>
             </a:extLst>
           </p:cNvPr>
@@ -10062,7 +9899,7 @@
           <p:cNvPr id="6" name="Título 1">
             <a:extLst>
               <a:ext uri="{FF2B5EF4-FFF2-40B4-BE49-F238E27FC236}">
-                <a16:creationId xmlns="" xmlns:a16="http://schemas.microsoft.com/office/drawing/2014/main" id="{4420E5F6-C592-489E-8742-39113C67F28C}"/>
+                <a16:creationId xmlns:a16="http://schemas.microsoft.com/office/drawing/2014/main" id="{4420E5F6-C592-489E-8742-39113C67F28C}"/>
               </a:ext>
             </a:extLst>
           </p:cNvPr>
@@ -10158,7 +9995,7 @@
           <p:cNvPr id="6" name="Título 1">
             <a:extLst>
               <a:ext uri="{FF2B5EF4-FFF2-40B4-BE49-F238E27FC236}">
-                <a16:creationId xmlns="" xmlns:a16="http://schemas.microsoft.com/office/drawing/2014/main" id="{4420E5F6-C592-489E-8742-39113C67F28C}"/>
+                <a16:creationId xmlns:a16="http://schemas.microsoft.com/office/drawing/2014/main" id="{4420E5F6-C592-489E-8742-39113C67F28C}"/>
               </a:ext>
             </a:extLst>
           </p:cNvPr>
@@ -10254,7 +10091,7 @@
           <p:cNvPr id="6" name="Título 1">
             <a:extLst>
               <a:ext uri="{FF2B5EF4-FFF2-40B4-BE49-F238E27FC236}">
-                <a16:creationId xmlns="" xmlns:a16="http://schemas.microsoft.com/office/drawing/2014/main" id="{4420E5F6-C592-489E-8742-39113C67F28C}"/>
+                <a16:creationId xmlns:a16="http://schemas.microsoft.com/office/drawing/2014/main" id="{4420E5F6-C592-489E-8742-39113C67F28C}"/>
               </a:ext>
             </a:extLst>
           </p:cNvPr>
@@ -10350,7 +10187,7 @@
           <p:cNvPr id="6" name="Título 1">
             <a:extLst>
               <a:ext uri="{FF2B5EF4-FFF2-40B4-BE49-F238E27FC236}">
-                <a16:creationId xmlns="" xmlns:a16="http://schemas.microsoft.com/office/drawing/2014/main" id="{4420E5F6-C592-489E-8742-39113C67F28C}"/>
+                <a16:creationId xmlns:a16="http://schemas.microsoft.com/office/drawing/2014/main" id="{4420E5F6-C592-489E-8742-39113C67F28C}"/>
               </a:ext>
             </a:extLst>
           </p:cNvPr>
@@ -10504,13 +10341,6 @@
   <p:transition spd="med">
     <p:fade/>
   </p:transition>
-  <p:timing>
-    <p:tnLst>
-      <p:par>
-        <p:cTn id="1" dur="indefinite" restart="never" nodeType="tmRoot"/>
-      </p:par>
-    </p:tnLst>
-  </p:timing>
 </p:sld>
 </file>
 
@@ -10576,25 +10406,25 @@
           <a:bodyPr/>
           <a:lstStyle/>
           <a:p>
-            <a:endParaRPr lang="pt-BR" sz="2400" dirty="0" smtClean="0"/>
-          </a:p>
-          <a:p>
-            <a:endParaRPr lang="pt-BR" sz="2400" dirty="0" smtClean="0"/>
-          </a:p>
-          <a:p>
-            <a:r>
-              <a:rPr lang="pt-BR" sz="2400" dirty="0" smtClean="0"/>
+            <a:endParaRPr lang="pt-BR" sz="2400" dirty="0"/>
+          </a:p>
+          <a:p>
+            <a:endParaRPr lang="pt-BR" sz="2400" dirty="0"/>
+          </a:p>
+          <a:p>
+            <a:r>
+              <a:rPr lang="pt-BR" sz="2400" dirty="0"/>
               <a:t>Manter-se atento ao escopo inicial do projeto para que não sejam desenvolvidas funcionalidades que não foram solicitadas</a:t>
             </a:r>
           </a:p>
           <a:p>
-            <a:endParaRPr lang="pt-BR" sz="2400" dirty="0" smtClean="0"/>
+            <a:endParaRPr lang="pt-BR" sz="2400" dirty="0"/>
           </a:p>
           <a:p>
             <a:pPr marL="0" indent="0">
               <a:buNone/>
             </a:pPr>
-            <a:endParaRPr lang="pt-BR" sz="2400" dirty="0" smtClean="0"/>
+            <a:endParaRPr lang="pt-BR" sz="2400" dirty="0"/>
           </a:p>
           <a:p>
             <a:pPr marL="0" indent="0">
@@ -10719,12 +10549,8 @@
           <a:lstStyle/>
           <a:p>
             <a:r>
-              <a:rPr lang="pt-BR" dirty="0" smtClean="0"/>
-              <a:t>Codificar </a:t>
-            </a:r>
-            <a:r>
               <a:rPr lang="pt-BR" dirty="0"/>
-              <a:t>o sistema.</a:t>
+              <a:t>Codificar o sistema.</a:t>
             </a:r>
           </a:p>
           <a:p>
@@ -10735,10 +10561,9 @@
           </a:p>
           <a:p>
             <a:r>
-              <a:rPr lang="pt-BR" dirty="0" smtClean="0"/>
+              <a:rPr lang="pt-BR" dirty="0"/>
               <a:t>Testar o sistema pronto.</a:t>
             </a:r>
-            <a:endParaRPr lang="pt-BR" dirty="0"/>
           </a:p>
           <a:p>
             <a:pPr marL="0" indent="0">
@@ -11404,13 +11229,6 @@
   <p:transition spd="med">
     <p:fade/>
   </p:transition>
-  <p:timing>
-    <p:tnLst>
-      <p:par>
-        <p:cTn id="1" dur="indefinite" restart="never" nodeType="tmRoot"/>
-      </p:par>
-    </p:tnLst>
-  </p:timing>
 </p:sld>
 </file>
 
@@ -11747,13 +11565,6 @@
   <p:transition spd="med">
     <p:fade/>
   </p:transition>
-  <p:timing>
-    <p:tnLst>
-      <p:par>
-        <p:cTn id="1" dur="indefinite" restart="never" nodeType="tmRoot"/>
-      </p:par>
-    </p:tnLst>
-  </p:timing>
 </p:sld>
 </file>
 
@@ -11839,13 +11650,6 @@
   <p:clrMapOvr>
     <a:masterClrMapping/>
   </p:clrMapOvr>
-  <p:timing>
-    <p:tnLst>
-      <p:par>
-        <p:cTn id="1" dur="indefinite" restart="never" nodeType="tmRoot"/>
-      </p:par>
-    </p:tnLst>
-  </p:timing>
 </p:sld>
 </file>
 
@@ -11931,13 +11735,6 @@
   <p:clrMapOvr>
     <a:masterClrMapping/>
   </p:clrMapOvr>
-  <p:timing>
-    <p:tnLst>
-      <p:par>
-        <p:cTn id="1" dur="indefinite" restart="never" nodeType="tmRoot"/>
-      </p:par>
-    </p:tnLst>
-  </p:timing>
 </p:sld>
 </file>
 
@@ -12023,13 +11820,6 @@
   <p:clrMapOvr>
     <a:masterClrMapping/>
   </p:clrMapOvr>
-  <p:timing>
-    <p:tnLst>
-      <p:par>
-        <p:cTn id="1" dur="indefinite" restart="never" nodeType="tmRoot"/>
-      </p:par>
-    </p:tnLst>
-  </p:timing>
 </p:sld>
 </file>
 

--- a/TCC/5º Encontro/2017-Apresentacao Psystem.pptx
+++ b/TCC/5º Encontro/2017-Apresentacao Psystem.pptx
@@ -284,7 +284,7 @@
             <a:fld id="{C0D5B206-56B5-433E-8333-9415E6A460B9}" type="datetimeFigureOut">
               <a:rPr lang="pt-BR" smtClean="0"/>
               <a:pPr/>
-              <a:t>20/11/2017</a:t>
+              <a:t>22/11/2017</a:t>
             </a:fld>
             <a:endParaRPr lang="pt-BR"/>
           </a:p>
@@ -4550,7 +4550,7 @@
           <p:cNvPr id="2" name="Picture 1">
             <a:extLst>
               <a:ext uri="{FF2B5EF4-FFF2-40B4-BE49-F238E27FC236}">
-                <a16:creationId xmlns:a16="http://schemas.microsoft.com/office/drawing/2014/main" id="{F5A00150-EB0A-4F28-911C-141811EBFBD4}"/>
+                <a16:creationId xmlns:a16="http://schemas.microsoft.com/office/drawing/2014/main" xmlns="" id="{F5A00150-EB0A-4F28-911C-141811EBFBD4}"/>
               </a:ext>
             </a:extLst>
           </p:cNvPr>
@@ -4697,7 +4697,7 @@
           <p:cNvPr id="3" name="Picture 2">
             <a:extLst>
               <a:ext uri="{FF2B5EF4-FFF2-40B4-BE49-F238E27FC236}">
-                <a16:creationId xmlns:a16="http://schemas.microsoft.com/office/drawing/2014/main" id="{2B1A4BC2-7DE1-4299-98E4-7ED739A14DCC}"/>
+                <a16:creationId xmlns:a16="http://schemas.microsoft.com/office/drawing/2014/main" xmlns="" id="{2B1A4BC2-7DE1-4299-98E4-7ED739A14DCC}"/>
               </a:ext>
             </a:extLst>
           </p:cNvPr>
@@ -4845,7 +4845,7 @@
           <p:cNvPr id="2" name="Picture 1">
             <a:extLst>
               <a:ext uri="{FF2B5EF4-FFF2-40B4-BE49-F238E27FC236}">
-                <a16:creationId xmlns:a16="http://schemas.microsoft.com/office/drawing/2014/main" id="{B6A781C1-AA15-45C9-BF02-66987FF55897}"/>
+                <a16:creationId xmlns:a16="http://schemas.microsoft.com/office/drawing/2014/main" xmlns="" id="{B6A781C1-AA15-45C9-BF02-66987FF55897}"/>
               </a:ext>
             </a:extLst>
           </p:cNvPr>
@@ -5470,8 +5470,57 @@
                 <a:ea typeface="+mn-ea"/>
                 <a:cs typeface="+mn-cs"/>
               </a:rPr>
-              <a:t>Permite a manutenção de cobrança.</a:t>
-            </a:r>
+              <a:t>Permite a </a:t>
+            </a:r>
+            <a:r>
+              <a:rPr lang="pt-BR" sz="1850" dirty="0" smtClean="0">
+                <a:solidFill>
+                  <a:schemeClr val="tx2">
+                    <a:lumMod val="75000"/>
+                  </a:schemeClr>
+                </a:solidFill>
+                <a:latin typeface="+mn-lt"/>
+                <a:ea typeface="+mn-ea"/>
+                <a:cs typeface="+mn-cs"/>
+              </a:rPr>
+              <a:t>criação e manutenção </a:t>
+            </a:r>
+            <a:r>
+              <a:rPr lang="pt-BR" sz="1850" dirty="0">
+                <a:solidFill>
+                  <a:schemeClr val="tx2">
+                    <a:lumMod val="75000"/>
+                  </a:schemeClr>
+                </a:solidFill>
+                <a:latin typeface="+mn-lt"/>
+                <a:ea typeface="+mn-ea"/>
+                <a:cs typeface="+mn-cs"/>
+              </a:rPr>
+              <a:t>de </a:t>
+            </a:r>
+            <a:r>
+              <a:rPr lang="pt-BR" sz="1850" dirty="0" smtClean="0">
+                <a:solidFill>
+                  <a:schemeClr val="tx2">
+                    <a:lumMod val="75000"/>
+                  </a:schemeClr>
+                </a:solidFill>
+                <a:latin typeface="+mn-lt"/>
+                <a:ea typeface="+mn-ea"/>
+                <a:cs typeface="+mn-cs"/>
+              </a:rPr>
+              <a:t>cobranças.</a:t>
+            </a:r>
+            <a:endParaRPr lang="pt-BR" sz="1850" dirty="0">
+              <a:solidFill>
+                <a:schemeClr val="tx2">
+                  <a:lumMod val="75000"/>
+                </a:schemeClr>
+              </a:solidFill>
+              <a:latin typeface="+mn-lt"/>
+              <a:ea typeface="+mn-ea"/>
+              <a:cs typeface="+mn-cs"/>
+            </a:endParaRPr>
           </a:p>
           <a:p>
             <a:pPr marL="457200" lvl="1" indent="0" algn="just" eaLnBrk="1" hangingPunct="1">
@@ -5576,7 +5625,33 @@
                 <a:ea typeface="+mn-ea"/>
                 <a:cs typeface="+mn-cs"/>
               </a:rPr>
-              <a:t>Permite a manutenção de despesas da clínica.</a:t>
+              <a:t>Permite </a:t>
+            </a:r>
+            <a:r>
+              <a:rPr lang="pt-BR" sz="1850" dirty="0" smtClean="0">
+                <a:solidFill>
+                  <a:schemeClr val="tx2">
+                    <a:lumMod val="75000"/>
+                  </a:schemeClr>
+                </a:solidFill>
+                <a:latin typeface="+mn-lt"/>
+                <a:ea typeface="+mn-ea"/>
+                <a:cs typeface="+mn-cs"/>
+              </a:rPr>
+              <a:t>a criação e manutenção </a:t>
+            </a:r>
+            <a:r>
+              <a:rPr lang="pt-BR" sz="1850" dirty="0">
+                <a:solidFill>
+                  <a:schemeClr val="tx2">
+                    <a:lumMod val="75000"/>
+                  </a:schemeClr>
+                </a:solidFill>
+                <a:latin typeface="+mn-lt"/>
+                <a:ea typeface="+mn-ea"/>
+                <a:cs typeface="+mn-cs"/>
+              </a:rPr>
+              <a:t>de despesas da clínica.</a:t>
             </a:r>
           </a:p>
           <a:p>
@@ -5629,7 +5704,33 @@
                 <a:ea typeface="+mn-ea"/>
                 <a:cs typeface="+mn-cs"/>
               </a:rPr>
-              <a:t>Emitir relatórios por períodos, tipo de serviço prestado e por pagantes e devedores.</a:t>
+              <a:t>Emitir relatórios por períodos, tipo de serviço </a:t>
+            </a:r>
+            <a:r>
+              <a:rPr lang="pt-BR" sz="1850" dirty="0" smtClean="0">
+                <a:solidFill>
+                  <a:schemeClr val="tx2">
+                    <a:lumMod val="75000"/>
+                  </a:schemeClr>
+                </a:solidFill>
+                <a:latin typeface="+mn-lt"/>
+                <a:ea typeface="+mn-ea"/>
+                <a:cs typeface="+mn-cs"/>
+              </a:rPr>
+              <a:t>prestado, por </a:t>
+            </a:r>
+            <a:r>
+              <a:rPr lang="pt-BR" sz="1850" dirty="0">
+                <a:solidFill>
+                  <a:schemeClr val="tx2">
+                    <a:lumMod val="75000"/>
+                  </a:schemeClr>
+                </a:solidFill>
+                <a:latin typeface="+mn-lt"/>
+                <a:ea typeface="+mn-ea"/>
+                <a:cs typeface="+mn-cs"/>
+              </a:rPr>
+              <a:t>pagantes e devedores.</a:t>
             </a:r>
           </a:p>
         </p:txBody>
@@ -8115,7 +8216,7 @@
           <p:cNvPr id="3" name="Picture 2">
             <a:extLst>
               <a:ext uri="{FF2B5EF4-FFF2-40B4-BE49-F238E27FC236}">
-                <a16:creationId xmlns:a16="http://schemas.microsoft.com/office/drawing/2014/main" id="{1488CEA1-615B-4D4C-A130-F1FD32F916CA}"/>
+                <a16:creationId xmlns:a16="http://schemas.microsoft.com/office/drawing/2014/main" xmlns="" id="{1488CEA1-615B-4D4C-A130-F1FD32F916CA}"/>
               </a:ext>
             </a:extLst>
           </p:cNvPr>
@@ -8204,7 +8305,7 @@
           <p:cNvPr id="1026" name="Picture 2">
             <a:extLst>
               <a:ext uri="{FF2B5EF4-FFF2-40B4-BE49-F238E27FC236}">
-                <a16:creationId xmlns:a16="http://schemas.microsoft.com/office/drawing/2014/main" id="{680D742B-523C-43D4-9E8B-E4709EAE39EB}"/>
+                <a16:creationId xmlns:a16="http://schemas.microsoft.com/office/drawing/2014/main" xmlns="" id="{680D742B-523C-43D4-9E8B-E4709EAE39EB}"/>
               </a:ext>
             </a:extLst>
           </p:cNvPr>
@@ -8297,7 +8398,7 @@
           <p:cNvPr id="4" name="Título 3">
             <a:extLst>
               <a:ext uri="{FF2B5EF4-FFF2-40B4-BE49-F238E27FC236}">
-                <a16:creationId xmlns:a16="http://schemas.microsoft.com/office/drawing/2014/main" id="{26BCFAA2-D859-44BC-AFEE-2D5119DC4C72}"/>
+                <a16:creationId xmlns:a16="http://schemas.microsoft.com/office/drawing/2014/main" xmlns="" id="{26BCFAA2-D859-44BC-AFEE-2D5119DC4C72}"/>
               </a:ext>
             </a:extLst>
           </p:cNvPr>
@@ -8333,7 +8434,7 @@
           <p:cNvPr id="3" name="Picture 2">
             <a:extLst>
               <a:ext uri="{FF2B5EF4-FFF2-40B4-BE49-F238E27FC236}">
-                <a16:creationId xmlns:a16="http://schemas.microsoft.com/office/drawing/2014/main" id="{697244E8-4C32-432B-82C5-5F541E652E84}"/>
+                <a16:creationId xmlns:a16="http://schemas.microsoft.com/office/drawing/2014/main" xmlns="" id="{697244E8-4C32-432B-82C5-5F541E652E84}"/>
               </a:ext>
             </a:extLst>
           </p:cNvPr>
@@ -8474,7 +8575,7 @@
           <p:cNvPr id="2" name="Rectangle 1">
             <a:extLst>
               <a:ext uri="{FF2B5EF4-FFF2-40B4-BE49-F238E27FC236}">
-                <a16:creationId xmlns:a16="http://schemas.microsoft.com/office/drawing/2014/main" id="{9B84690F-C0BA-45DE-B1F4-7C1D7425D6FC}"/>
+                <a16:creationId xmlns:a16="http://schemas.microsoft.com/office/drawing/2014/main" xmlns="" id="{9B84690F-C0BA-45DE-B1F4-7C1D7425D6FC}"/>
               </a:ext>
             </a:extLst>
           </p:cNvPr>
@@ -8528,7 +8629,7 @@
           <p:cNvPr id="4" name="Picture 3">
             <a:extLst>
               <a:ext uri="{FF2B5EF4-FFF2-40B4-BE49-F238E27FC236}">
-                <a16:creationId xmlns:a16="http://schemas.microsoft.com/office/drawing/2014/main" id="{FF33F444-5274-47FB-9AB9-B9E9F701C115}"/>
+                <a16:creationId xmlns:a16="http://schemas.microsoft.com/office/drawing/2014/main" xmlns="" id="{FF33F444-5274-47FB-9AB9-B9E9F701C115}"/>
               </a:ext>
             </a:extLst>
           </p:cNvPr>
@@ -8613,7 +8714,7 @@
           <p:cNvPr id="5" name="Rectangle 4">
             <a:extLst>
               <a:ext uri="{FF2B5EF4-FFF2-40B4-BE49-F238E27FC236}">
-                <a16:creationId xmlns:a16="http://schemas.microsoft.com/office/drawing/2014/main" id="{E268ED25-8F1E-4CB1-BEC7-9279730C430D}"/>
+                <a16:creationId xmlns:a16="http://schemas.microsoft.com/office/drawing/2014/main" xmlns="" id="{E268ED25-8F1E-4CB1-BEC7-9279730C430D}"/>
               </a:ext>
             </a:extLst>
           </p:cNvPr>
@@ -8667,7 +8768,7 @@
           <p:cNvPr id="2" name="Picture 1">
             <a:extLst>
               <a:ext uri="{FF2B5EF4-FFF2-40B4-BE49-F238E27FC236}">
-                <a16:creationId xmlns:a16="http://schemas.microsoft.com/office/drawing/2014/main" id="{AC3F4872-BBD0-4C85-AF1B-EECA98565237}"/>
+                <a16:creationId xmlns:a16="http://schemas.microsoft.com/office/drawing/2014/main" xmlns="" id="{AC3F4872-BBD0-4C85-AF1B-EECA98565237}"/>
               </a:ext>
             </a:extLst>
           </p:cNvPr>
@@ -9242,7 +9343,7 @@
           <p:cNvPr id="2" name="Título 1">
             <a:extLst>
               <a:ext uri="{FF2B5EF4-FFF2-40B4-BE49-F238E27FC236}">
-                <a16:creationId xmlns:a16="http://schemas.microsoft.com/office/drawing/2014/main" id="{4420E5F6-C592-489E-8742-39113C67F28C}"/>
+                <a16:creationId xmlns:a16="http://schemas.microsoft.com/office/drawing/2014/main" xmlns="" id="{4420E5F6-C592-489E-8742-39113C67F28C}"/>
               </a:ext>
             </a:extLst>
           </p:cNvPr>
@@ -9282,7 +9383,7 @@
           <p:cNvPr id="3" name="Espaço Reservado para Conteúdo 2">
             <a:extLst>
               <a:ext uri="{FF2B5EF4-FFF2-40B4-BE49-F238E27FC236}">
-                <a16:creationId xmlns:a16="http://schemas.microsoft.com/office/drawing/2014/main" id="{FB12D05B-E47F-4BA3-B1A7-F1DCD4D8F90E}"/>
+                <a16:creationId xmlns:a16="http://schemas.microsoft.com/office/drawing/2014/main" xmlns="" id="{FB12D05B-E47F-4BA3-B1A7-F1DCD4D8F90E}"/>
               </a:ext>
             </a:extLst>
           </p:cNvPr>
@@ -9544,7 +9645,7 @@
           <p:cNvPr id="5" name="Título 1">
             <a:extLst>
               <a:ext uri="{FF2B5EF4-FFF2-40B4-BE49-F238E27FC236}">
-                <a16:creationId xmlns:a16="http://schemas.microsoft.com/office/drawing/2014/main" id="{4420E5F6-C592-489E-8742-39113C67F28C}"/>
+                <a16:creationId xmlns:a16="http://schemas.microsoft.com/office/drawing/2014/main" xmlns="" id="{4420E5F6-C592-489E-8742-39113C67F28C}"/>
               </a:ext>
             </a:extLst>
           </p:cNvPr>
@@ -9733,7 +9834,7 @@
           <p:cNvPr id="3" name="Picture 2">
             <a:extLst>
               <a:ext uri="{FF2B5EF4-FFF2-40B4-BE49-F238E27FC236}">
-                <a16:creationId xmlns:a16="http://schemas.microsoft.com/office/drawing/2014/main" id="{8F573B82-A720-4E7D-88E3-7ABD98571312}"/>
+                <a16:creationId xmlns:a16="http://schemas.microsoft.com/office/drawing/2014/main" xmlns="" id="{8F573B82-A720-4E7D-88E3-7ABD98571312}"/>
               </a:ext>
             </a:extLst>
           </p:cNvPr>
@@ -9799,7 +9900,7 @@
           <p:cNvPr id="6" name="Título 1">
             <a:extLst>
               <a:ext uri="{FF2B5EF4-FFF2-40B4-BE49-F238E27FC236}">
-                <a16:creationId xmlns:a16="http://schemas.microsoft.com/office/drawing/2014/main" id="{4420E5F6-C592-489E-8742-39113C67F28C}"/>
+                <a16:creationId xmlns:a16="http://schemas.microsoft.com/office/drawing/2014/main" xmlns="" id="{4420E5F6-C592-489E-8742-39113C67F28C}"/>
               </a:ext>
             </a:extLst>
           </p:cNvPr>
@@ -9839,7 +9940,7 @@
           <p:cNvPr id="8" name="Picture 7">
             <a:extLst>
               <a:ext uri="{FF2B5EF4-FFF2-40B4-BE49-F238E27FC236}">
-                <a16:creationId xmlns:a16="http://schemas.microsoft.com/office/drawing/2014/main" id="{AC1CFE5D-EA64-4455-B011-2E471DBEC948}"/>
+                <a16:creationId xmlns:a16="http://schemas.microsoft.com/office/drawing/2014/main" xmlns="" id="{AC1CFE5D-EA64-4455-B011-2E471DBEC948}"/>
               </a:ext>
             </a:extLst>
           </p:cNvPr>
@@ -9899,7 +10000,7 @@
           <p:cNvPr id="6" name="Título 1">
             <a:extLst>
               <a:ext uri="{FF2B5EF4-FFF2-40B4-BE49-F238E27FC236}">
-                <a16:creationId xmlns:a16="http://schemas.microsoft.com/office/drawing/2014/main" id="{4420E5F6-C592-489E-8742-39113C67F28C}"/>
+                <a16:creationId xmlns:a16="http://schemas.microsoft.com/office/drawing/2014/main" xmlns="" id="{4420E5F6-C592-489E-8742-39113C67F28C}"/>
               </a:ext>
             </a:extLst>
           </p:cNvPr>
@@ -9995,7 +10096,7 @@
           <p:cNvPr id="6" name="Título 1">
             <a:extLst>
               <a:ext uri="{FF2B5EF4-FFF2-40B4-BE49-F238E27FC236}">
-                <a16:creationId xmlns:a16="http://schemas.microsoft.com/office/drawing/2014/main" id="{4420E5F6-C592-489E-8742-39113C67F28C}"/>
+                <a16:creationId xmlns:a16="http://schemas.microsoft.com/office/drawing/2014/main" xmlns="" id="{4420E5F6-C592-489E-8742-39113C67F28C}"/>
               </a:ext>
             </a:extLst>
           </p:cNvPr>
@@ -10091,7 +10192,7 @@
           <p:cNvPr id="6" name="Título 1">
             <a:extLst>
               <a:ext uri="{FF2B5EF4-FFF2-40B4-BE49-F238E27FC236}">
-                <a16:creationId xmlns:a16="http://schemas.microsoft.com/office/drawing/2014/main" id="{4420E5F6-C592-489E-8742-39113C67F28C}"/>
+                <a16:creationId xmlns:a16="http://schemas.microsoft.com/office/drawing/2014/main" xmlns="" id="{4420E5F6-C592-489E-8742-39113C67F28C}"/>
               </a:ext>
             </a:extLst>
           </p:cNvPr>
@@ -10187,7 +10288,7 @@
           <p:cNvPr id="6" name="Título 1">
             <a:extLst>
               <a:ext uri="{FF2B5EF4-FFF2-40B4-BE49-F238E27FC236}">
-                <a16:creationId xmlns:a16="http://schemas.microsoft.com/office/drawing/2014/main" id="{4420E5F6-C592-489E-8742-39113C67F28C}"/>
+                <a16:creationId xmlns:a16="http://schemas.microsoft.com/office/drawing/2014/main" xmlns="" id="{4420E5F6-C592-489E-8742-39113C67F28C}"/>
               </a:ext>
             </a:extLst>
           </p:cNvPr>

--- a/TCC/5º Encontro/2017-Apresentacao Psystem.pptx
+++ b/TCC/5º Encontro/2017-Apresentacao Psystem.pptx
@@ -4550,7 +4550,7 @@
           <p:cNvPr id="2" name="Picture 1">
             <a:extLst>
               <a:ext uri="{FF2B5EF4-FFF2-40B4-BE49-F238E27FC236}">
-                <a16:creationId xmlns:a16="http://schemas.microsoft.com/office/drawing/2014/main" xmlns="" id="{F5A00150-EB0A-4F28-911C-141811EBFBD4}"/>
+                <a16:creationId xmlns="" xmlns:a16="http://schemas.microsoft.com/office/drawing/2014/main" id="{F5A00150-EB0A-4F28-911C-141811EBFBD4}"/>
               </a:ext>
             </a:extLst>
           </p:cNvPr>
@@ -4697,7 +4697,7 @@
           <p:cNvPr id="3" name="Picture 2">
             <a:extLst>
               <a:ext uri="{FF2B5EF4-FFF2-40B4-BE49-F238E27FC236}">
-                <a16:creationId xmlns:a16="http://schemas.microsoft.com/office/drawing/2014/main" xmlns="" id="{2B1A4BC2-7DE1-4299-98E4-7ED739A14DCC}"/>
+                <a16:creationId xmlns="" xmlns:a16="http://schemas.microsoft.com/office/drawing/2014/main" id="{2B1A4BC2-7DE1-4299-98E4-7ED739A14DCC}"/>
               </a:ext>
             </a:extLst>
           </p:cNvPr>
@@ -4842,28 +4842,22 @@
       </p:sp>
       <p:pic>
         <p:nvPicPr>
-          <p:cNvPr id="2" name="Picture 1">
-            <a:extLst>
-              <a:ext uri="{FF2B5EF4-FFF2-40B4-BE49-F238E27FC236}">
-                <a16:creationId xmlns:a16="http://schemas.microsoft.com/office/drawing/2014/main" xmlns="" id="{B6A781C1-AA15-45C9-BF02-66987FF55897}"/>
-              </a:ext>
-            </a:extLst>
-          </p:cNvPr>
+          <p:cNvPr id="5" name="Imagem 4"/>
           <p:cNvPicPr>
             <a:picLocks noChangeAspect="1"/>
           </p:cNvPicPr>
           <p:nvPr/>
         </p:nvPicPr>
         <p:blipFill>
-          <a:blip r:embed="rId2" cstate="print"/>
+          <a:blip r:embed="rId2"/>
           <a:stretch>
             <a:fillRect/>
           </a:stretch>
         </p:blipFill>
         <p:spPr>
           <a:xfrm>
-            <a:off x="-36512" y="1352866"/>
-            <a:ext cx="9144000" cy="5244486"/>
+            <a:off x="0" y="1182688"/>
+            <a:ext cx="9180512" cy="5675312"/>
           </a:xfrm>
           <a:prstGeom prst="rect">
             <a:avLst/>
@@ -4883,6 +4877,13 @@
   <p:transition spd="med">
     <p:fade/>
   </p:transition>
+  <p:timing>
+    <p:tnLst>
+      <p:par>
+        <p:cTn id="1" dur="indefinite" restart="never" nodeType="tmRoot"/>
+      </p:par>
+    </p:tnLst>
+  </p:timing>
 </p:sld>
 </file>
 
@@ -5395,6 +5396,13 @@
   <p:transition spd="med">
     <p:fade/>
   </p:transition>
+  <p:timing>
+    <p:tnLst>
+      <p:par>
+        <p:cTn id="1" dur="indefinite" restart="never" nodeType="tmRoot"/>
+      </p:par>
+    </p:tnLst>
+  </p:timing>
 </p:sld>
 </file>
 
@@ -8216,7 +8224,7 @@
           <p:cNvPr id="3" name="Picture 2">
             <a:extLst>
               <a:ext uri="{FF2B5EF4-FFF2-40B4-BE49-F238E27FC236}">
-                <a16:creationId xmlns:a16="http://schemas.microsoft.com/office/drawing/2014/main" xmlns="" id="{1488CEA1-615B-4D4C-A130-F1FD32F916CA}"/>
+                <a16:creationId xmlns="" xmlns:a16="http://schemas.microsoft.com/office/drawing/2014/main" id="{1488CEA1-615B-4D4C-A130-F1FD32F916CA}"/>
               </a:ext>
             </a:extLst>
           </p:cNvPr>
@@ -8305,7 +8313,7 @@
           <p:cNvPr id="1026" name="Picture 2">
             <a:extLst>
               <a:ext uri="{FF2B5EF4-FFF2-40B4-BE49-F238E27FC236}">
-                <a16:creationId xmlns:a16="http://schemas.microsoft.com/office/drawing/2014/main" xmlns="" id="{680D742B-523C-43D4-9E8B-E4709EAE39EB}"/>
+                <a16:creationId xmlns="" xmlns:a16="http://schemas.microsoft.com/office/drawing/2014/main" id="{680D742B-523C-43D4-9E8B-E4709EAE39EB}"/>
               </a:ext>
             </a:extLst>
           </p:cNvPr>
@@ -8398,7 +8406,7 @@
           <p:cNvPr id="4" name="Título 3">
             <a:extLst>
               <a:ext uri="{FF2B5EF4-FFF2-40B4-BE49-F238E27FC236}">
-                <a16:creationId xmlns:a16="http://schemas.microsoft.com/office/drawing/2014/main" xmlns="" id="{26BCFAA2-D859-44BC-AFEE-2D5119DC4C72}"/>
+                <a16:creationId xmlns="" xmlns:a16="http://schemas.microsoft.com/office/drawing/2014/main" id="{26BCFAA2-D859-44BC-AFEE-2D5119DC4C72}"/>
               </a:ext>
             </a:extLst>
           </p:cNvPr>
@@ -8434,7 +8442,7 @@
           <p:cNvPr id="3" name="Picture 2">
             <a:extLst>
               <a:ext uri="{FF2B5EF4-FFF2-40B4-BE49-F238E27FC236}">
-                <a16:creationId xmlns:a16="http://schemas.microsoft.com/office/drawing/2014/main" xmlns="" id="{697244E8-4C32-432B-82C5-5F541E652E84}"/>
+                <a16:creationId xmlns="" xmlns:a16="http://schemas.microsoft.com/office/drawing/2014/main" id="{697244E8-4C32-432B-82C5-5F541E652E84}"/>
               </a:ext>
             </a:extLst>
           </p:cNvPr>
@@ -8575,7 +8583,7 @@
           <p:cNvPr id="2" name="Rectangle 1">
             <a:extLst>
               <a:ext uri="{FF2B5EF4-FFF2-40B4-BE49-F238E27FC236}">
-                <a16:creationId xmlns:a16="http://schemas.microsoft.com/office/drawing/2014/main" xmlns="" id="{9B84690F-C0BA-45DE-B1F4-7C1D7425D6FC}"/>
+                <a16:creationId xmlns="" xmlns:a16="http://schemas.microsoft.com/office/drawing/2014/main" id="{9B84690F-C0BA-45DE-B1F4-7C1D7425D6FC}"/>
               </a:ext>
             </a:extLst>
           </p:cNvPr>
@@ -8629,7 +8637,7 @@
           <p:cNvPr id="4" name="Picture 3">
             <a:extLst>
               <a:ext uri="{FF2B5EF4-FFF2-40B4-BE49-F238E27FC236}">
-                <a16:creationId xmlns:a16="http://schemas.microsoft.com/office/drawing/2014/main" xmlns="" id="{FF33F444-5274-47FB-9AB9-B9E9F701C115}"/>
+                <a16:creationId xmlns="" xmlns:a16="http://schemas.microsoft.com/office/drawing/2014/main" id="{FF33F444-5274-47FB-9AB9-B9E9F701C115}"/>
               </a:ext>
             </a:extLst>
           </p:cNvPr>
@@ -8714,7 +8722,7 @@
           <p:cNvPr id="5" name="Rectangle 4">
             <a:extLst>
               <a:ext uri="{FF2B5EF4-FFF2-40B4-BE49-F238E27FC236}">
-                <a16:creationId xmlns:a16="http://schemas.microsoft.com/office/drawing/2014/main" xmlns="" id="{E268ED25-8F1E-4CB1-BEC7-9279730C430D}"/>
+                <a16:creationId xmlns="" xmlns:a16="http://schemas.microsoft.com/office/drawing/2014/main" id="{E268ED25-8F1E-4CB1-BEC7-9279730C430D}"/>
               </a:ext>
             </a:extLst>
           </p:cNvPr>
@@ -8768,7 +8776,7 @@
           <p:cNvPr id="2" name="Picture 1">
             <a:extLst>
               <a:ext uri="{FF2B5EF4-FFF2-40B4-BE49-F238E27FC236}">
-                <a16:creationId xmlns:a16="http://schemas.microsoft.com/office/drawing/2014/main" xmlns="" id="{AC3F4872-BBD0-4C85-AF1B-EECA98565237}"/>
+                <a16:creationId xmlns="" xmlns:a16="http://schemas.microsoft.com/office/drawing/2014/main" id="{AC3F4872-BBD0-4C85-AF1B-EECA98565237}"/>
               </a:ext>
             </a:extLst>
           </p:cNvPr>
@@ -9343,7 +9351,7 @@
           <p:cNvPr id="2" name="Título 1">
             <a:extLst>
               <a:ext uri="{FF2B5EF4-FFF2-40B4-BE49-F238E27FC236}">
-                <a16:creationId xmlns:a16="http://schemas.microsoft.com/office/drawing/2014/main" xmlns="" id="{4420E5F6-C592-489E-8742-39113C67F28C}"/>
+                <a16:creationId xmlns="" xmlns:a16="http://schemas.microsoft.com/office/drawing/2014/main" id="{4420E5F6-C592-489E-8742-39113C67F28C}"/>
               </a:ext>
             </a:extLst>
           </p:cNvPr>
@@ -9383,7 +9391,7 @@
           <p:cNvPr id="3" name="Espaço Reservado para Conteúdo 2">
             <a:extLst>
               <a:ext uri="{FF2B5EF4-FFF2-40B4-BE49-F238E27FC236}">
-                <a16:creationId xmlns:a16="http://schemas.microsoft.com/office/drawing/2014/main" xmlns="" id="{FB12D05B-E47F-4BA3-B1A7-F1DCD4D8F90E}"/>
+                <a16:creationId xmlns="" xmlns:a16="http://schemas.microsoft.com/office/drawing/2014/main" id="{FB12D05B-E47F-4BA3-B1A7-F1DCD4D8F90E}"/>
               </a:ext>
             </a:extLst>
           </p:cNvPr>
@@ -9645,7 +9653,7 @@
           <p:cNvPr id="5" name="Título 1">
             <a:extLst>
               <a:ext uri="{FF2B5EF4-FFF2-40B4-BE49-F238E27FC236}">
-                <a16:creationId xmlns:a16="http://schemas.microsoft.com/office/drawing/2014/main" xmlns="" id="{4420E5F6-C592-489E-8742-39113C67F28C}"/>
+                <a16:creationId xmlns="" xmlns:a16="http://schemas.microsoft.com/office/drawing/2014/main" id="{4420E5F6-C592-489E-8742-39113C67F28C}"/>
               </a:ext>
             </a:extLst>
           </p:cNvPr>
@@ -9834,7 +9842,7 @@
           <p:cNvPr id="3" name="Picture 2">
             <a:extLst>
               <a:ext uri="{FF2B5EF4-FFF2-40B4-BE49-F238E27FC236}">
-                <a16:creationId xmlns:a16="http://schemas.microsoft.com/office/drawing/2014/main" xmlns="" id="{8F573B82-A720-4E7D-88E3-7ABD98571312}"/>
+                <a16:creationId xmlns="" xmlns:a16="http://schemas.microsoft.com/office/drawing/2014/main" id="{8F573B82-A720-4E7D-88E3-7ABD98571312}"/>
               </a:ext>
             </a:extLst>
           </p:cNvPr>
@@ -9900,7 +9908,7 @@
           <p:cNvPr id="6" name="Título 1">
             <a:extLst>
               <a:ext uri="{FF2B5EF4-FFF2-40B4-BE49-F238E27FC236}">
-                <a16:creationId xmlns:a16="http://schemas.microsoft.com/office/drawing/2014/main" xmlns="" id="{4420E5F6-C592-489E-8742-39113C67F28C}"/>
+                <a16:creationId xmlns="" xmlns:a16="http://schemas.microsoft.com/office/drawing/2014/main" id="{4420E5F6-C592-489E-8742-39113C67F28C}"/>
               </a:ext>
             </a:extLst>
           </p:cNvPr>
@@ -9940,7 +9948,7 @@
           <p:cNvPr id="8" name="Picture 7">
             <a:extLst>
               <a:ext uri="{FF2B5EF4-FFF2-40B4-BE49-F238E27FC236}">
-                <a16:creationId xmlns:a16="http://schemas.microsoft.com/office/drawing/2014/main" xmlns="" id="{AC1CFE5D-EA64-4455-B011-2E471DBEC948}"/>
+                <a16:creationId xmlns="" xmlns:a16="http://schemas.microsoft.com/office/drawing/2014/main" id="{AC1CFE5D-EA64-4455-B011-2E471DBEC948}"/>
               </a:ext>
             </a:extLst>
           </p:cNvPr>
@@ -10000,7 +10008,7 @@
           <p:cNvPr id="6" name="Título 1">
             <a:extLst>
               <a:ext uri="{FF2B5EF4-FFF2-40B4-BE49-F238E27FC236}">
-                <a16:creationId xmlns:a16="http://schemas.microsoft.com/office/drawing/2014/main" xmlns="" id="{4420E5F6-C592-489E-8742-39113C67F28C}"/>
+                <a16:creationId xmlns="" xmlns:a16="http://schemas.microsoft.com/office/drawing/2014/main" id="{4420E5F6-C592-489E-8742-39113C67F28C}"/>
               </a:ext>
             </a:extLst>
           </p:cNvPr>
@@ -10096,7 +10104,7 @@
           <p:cNvPr id="6" name="Título 1">
             <a:extLst>
               <a:ext uri="{FF2B5EF4-FFF2-40B4-BE49-F238E27FC236}">
-                <a16:creationId xmlns:a16="http://schemas.microsoft.com/office/drawing/2014/main" xmlns="" id="{4420E5F6-C592-489E-8742-39113C67F28C}"/>
+                <a16:creationId xmlns="" xmlns:a16="http://schemas.microsoft.com/office/drawing/2014/main" id="{4420E5F6-C592-489E-8742-39113C67F28C}"/>
               </a:ext>
             </a:extLst>
           </p:cNvPr>
@@ -10192,7 +10200,7 @@
           <p:cNvPr id="6" name="Título 1">
             <a:extLst>
               <a:ext uri="{FF2B5EF4-FFF2-40B4-BE49-F238E27FC236}">
-                <a16:creationId xmlns:a16="http://schemas.microsoft.com/office/drawing/2014/main" xmlns="" id="{4420E5F6-C592-489E-8742-39113C67F28C}"/>
+                <a16:creationId xmlns="" xmlns:a16="http://schemas.microsoft.com/office/drawing/2014/main" id="{4420E5F6-C592-489E-8742-39113C67F28C}"/>
               </a:ext>
             </a:extLst>
           </p:cNvPr>
@@ -10288,7 +10296,7 @@
           <p:cNvPr id="6" name="Título 1">
             <a:extLst>
               <a:ext uri="{FF2B5EF4-FFF2-40B4-BE49-F238E27FC236}">
-                <a16:creationId xmlns:a16="http://schemas.microsoft.com/office/drawing/2014/main" xmlns="" id="{4420E5F6-C592-489E-8742-39113C67F28C}"/>
+                <a16:creationId xmlns="" xmlns:a16="http://schemas.microsoft.com/office/drawing/2014/main" id="{4420E5F6-C592-489E-8742-39113C67F28C}"/>
               </a:ext>
             </a:extLst>
           </p:cNvPr>

--- a/TCC/5º Encontro/2017-Apresentacao Psystem.pptx
+++ b/TCC/5º Encontro/2017-Apresentacao Psystem.pptx
@@ -4550,7 +4550,7 @@
           <p:cNvPr id="2" name="Picture 1">
             <a:extLst>
               <a:ext uri="{FF2B5EF4-FFF2-40B4-BE49-F238E27FC236}">
-                <a16:creationId xmlns="" xmlns:a16="http://schemas.microsoft.com/office/drawing/2014/main" id="{F5A00150-EB0A-4F28-911C-141811EBFBD4}"/>
+                <a16:creationId xmlns:a16="http://schemas.microsoft.com/office/drawing/2014/main" xmlns="" id="{F5A00150-EB0A-4F28-911C-141811EBFBD4}"/>
               </a:ext>
             </a:extLst>
           </p:cNvPr>
@@ -4697,7 +4697,7 @@
           <p:cNvPr id="3" name="Picture 2">
             <a:extLst>
               <a:ext uri="{FF2B5EF4-FFF2-40B4-BE49-F238E27FC236}">
-                <a16:creationId xmlns="" xmlns:a16="http://schemas.microsoft.com/office/drawing/2014/main" id="{2B1A4BC2-7DE1-4299-98E4-7ED739A14DCC}"/>
+                <a16:creationId xmlns:a16="http://schemas.microsoft.com/office/drawing/2014/main" xmlns="" id="{2B1A4BC2-7DE1-4299-98E4-7ED739A14DCC}"/>
               </a:ext>
             </a:extLst>
           </p:cNvPr>
@@ -4842,7 +4842,7 @@
       </p:sp>
       <p:pic>
         <p:nvPicPr>
-          <p:cNvPr id="5" name="Imagem 4"/>
+          <p:cNvPr id="2" name="Imagem 1"/>
           <p:cNvPicPr>
             <a:picLocks noChangeAspect="1"/>
           </p:cNvPicPr>
@@ -4856,8 +4856,8 @@
         </p:blipFill>
         <p:spPr>
           <a:xfrm>
-            <a:off x="0" y="1182688"/>
-            <a:ext cx="9180512" cy="5675312"/>
+            <a:off x="0" y="1039562"/>
+            <a:ext cx="9144000" cy="5830518"/>
           </a:xfrm>
           <a:prstGeom prst="rect">
             <a:avLst/>
@@ -8224,7 +8224,7 @@
           <p:cNvPr id="3" name="Picture 2">
             <a:extLst>
               <a:ext uri="{FF2B5EF4-FFF2-40B4-BE49-F238E27FC236}">
-                <a16:creationId xmlns="" xmlns:a16="http://schemas.microsoft.com/office/drawing/2014/main" id="{1488CEA1-615B-4D4C-A130-F1FD32F916CA}"/>
+                <a16:creationId xmlns:a16="http://schemas.microsoft.com/office/drawing/2014/main" xmlns="" id="{1488CEA1-615B-4D4C-A130-F1FD32F916CA}"/>
               </a:ext>
             </a:extLst>
           </p:cNvPr>
@@ -8313,7 +8313,7 @@
           <p:cNvPr id="1026" name="Picture 2">
             <a:extLst>
               <a:ext uri="{FF2B5EF4-FFF2-40B4-BE49-F238E27FC236}">
-                <a16:creationId xmlns="" xmlns:a16="http://schemas.microsoft.com/office/drawing/2014/main" id="{680D742B-523C-43D4-9E8B-E4709EAE39EB}"/>
+                <a16:creationId xmlns:a16="http://schemas.microsoft.com/office/drawing/2014/main" xmlns="" id="{680D742B-523C-43D4-9E8B-E4709EAE39EB}"/>
               </a:ext>
             </a:extLst>
           </p:cNvPr>
@@ -8406,7 +8406,7 @@
           <p:cNvPr id="4" name="Título 3">
             <a:extLst>
               <a:ext uri="{FF2B5EF4-FFF2-40B4-BE49-F238E27FC236}">
-                <a16:creationId xmlns="" xmlns:a16="http://schemas.microsoft.com/office/drawing/2014/main" id="{26BCFAA2-D859-44BC-AFEE-2D5119DC4C72}"/>
+                <a16:creationId xmlns:a16="http://schemas.microsoft.com/office/drawing/2014/main" xmlns="" id="{26BCFAA2-D859-44BC-AFEE-2D5119DC4C72}"/>
               </a:ext>
             </a:extLst>
           </p:cNvPr>
@@ -8442,7 +8442,7 @@
           <p:cNvPr id="3" name="Picture 2">
             <a:extLst>
               <a:ext uri="{FF2B5EF4-FFF2-40B4-BE49-F238E27FC236}">
-                <a16:creationId xmlns="" xmlns:a16="http://schemas.microsoft.com/office/drawing/2014/main" id="{697244E8-4C32-432B-82C5-5F541E652E84}"/>
+                <a16:creationId xmlns:a16="http://schemas.microsoft.com/office/drawing/2014/main" xmlns="" id="{697244E8-4C32-432B-82C5-5F541E652E84}"/>
               </a:ext>
             </a:extLst>
           </p:cNvPr>
@@ -8583,7 +8583,7 @@
           <p:cNvPr id="2" name="Rectangle 1">
             <a:extLst>
               <a:ext uri="{FF2B5EF4-FFF2-40B4-BE49-F238E27FC236}">
-                <a16:creationId xmlns="" xmlns:a16="http://schemas.microsoft.com/office/drawing/2014/main" id="{9B84690F-C0BA-45DE-B1F4-7C1D7425D6FC}"/>
+                <a16:creationId xmlns:a16="http://schemas.microsoft.com/office/drawing/2014/main" xmlns="" id="{9B84690F-C0BA-45DE-B1F4-7C1D7425D6FC}"/>
               </a:ext>
             </a:extLst>
           </p:cNvPr>
@@ -8637,7 +8637,7 @@
           <p:cNvPr id="4" name="Picture 3">
             <a:extLst>
               <a:ext uri="{FF2B5EF4-FFF2-40B4-BE49-F238E27FC236}">
-                <a16:creationId xmlns="" xmlns:a16="http://schemas.microsoft.com/office/drawing/2014/main" id="{FF33F444-5274-47FB-9AB9-B9E9F701C115}"/>
+                <a16:creationId xmlns:a16="http://schemas.microsoft.com/office/drawing/2014/main" xmlns="" id="{FF33F444-5274-47FB-9AB9-B9E9F701C115}"/>
               </a:ext>
             </a:extLst>
           </p:cNvPr>
@@ -8722,7 +8722,7 @@
           <p:cNvPr id="5" name="Rectangle 4">
             <a:extLst>
               <a:ext uri="{FF2B5EF4-FFF2-40B4-BE49-F238E27FC236}">
-                <a16:creationId xmlns="" xmlns:a16="http://schemas.microsoft.com/office/drawing/2014/main" id="{E268ED25-8F1E-4CB1-BEC7-9279730C430D}"/>
+                <a16:creationId xmlns:a16="http://schemas.microsoft.com/office/drawing/2014/main" xmlns="" id="{E268ED25-8F1E-4CB1-BEC7-9279730C430D}"/>
               </a:ext>
             </a:extLst>
           </p:cNvPr>
@@ -8776,7 +8776,7 @@
           <p:cNvPr id="2" name="Picture 1">
             <a:extLst>
               <a:ext uri="{FF2B5EF4-FFF2-40B4-BE49-F238E27FC236}">
-                <a16:creationId xmlns="" xmlns:a16="http://schemas.microsoft.com/office/drawing/2014/main" id="{AC3F4872-BBD0-4C85-AF1B-EECA98565237}"/>
+                <a16:creationId xmlns:a16="http://schemas.microsoft.com/office/drawing/2014/main" xmlns="" id="{AC3F4872-BBD0-4C85-AF1B-EECA98565237}"/>
               </a:ext>
             </a:extLst>
           </p:cNvPr>
@@ -9351,7 +9351,7 @@
           <p:cNvPr id="2" name="Título 1">
             <a:extLst>
               <a:ext uri="{FF2B5EF4-FFF2-40B4-BE49-F238E27FC236}">
-                <a16:creationId xmlns="" xmlns:a16="http://schemas.microsoft.com/office/drawing/2014/main" id="{4420E5F6-C592-489E-8742-39113C67F28C}"/>
+                <a16:creationId xmlns:a16="http://schemas.microsoft.com/office/drawing/2014/main" xmlns="" id="{4420E5F6-C592-489E-8742-39113C67F28C}"/>
               </a:ext>
             </a:extLst>
           </p:cNvPr>
@@ -9391,7 +9391,7 @@
           <p:cNvPr id="3" name="Espaço Reservado para Conteúdo 2">
             <a:extLst>
               <a:ext uri="{FF2B5EF4-FFF2-40B4-BE49-F238E27FC236}">
-                <a16:creationId xmlns="" xmlns:a16="http://schemas.microsoft.com/office/drawing/2014/main" id="{FB12D05B-E47F-4BA3-B1A7-F1DCD4D8F90E}"/>
+                <a16:creationId xmlns:a16="http://schemas.microsoft.com/office/drawing/2014/main" xmlns="" id="{FB12D05B-E47F-4BA3-B1A7-F1DCD4D8F90E}"/>
               </a:ext>
             </a:extLst>
           </p:cNvPr>
@@ -9653,7 +9653,7 @@
           <p:cNvPr id="5" name="Título 1">
             <a:extLst>
               <a:ext uri="{FF2B5EF4-FFF2-40B4-BE49-F238E27FC236}">
-                <a16:creationId xmlns="" xmlns:a16="http://schemas.microsoft.com/office/drawing/2014/main" id="{4420E5F6-C592-489E-8742-39113C67F28C}"/>
+                <a16:creationId xmlns:a16="http://schemas.microsoft.com/office/drawing/2014/main" xmlns="" id="{4420E5F6-C592-489E-8742-39113C67F28C}"/>
               </a:ext>
             </a:extLst>
           </p:cNvPr>
@@ -9842,7 +9842,7 @@
           <p:cNvPr id="3" name="Picture 2">
             <a:extLst>
               <a:ext uri="{FF2B5EF4-FFF2-40B4-BE49-F238E27FC236}">
-                <a16:creationId xmlns="" xmlns:a16="http://schemas.microsoft.com/office/drawing/2014/main" id="{8F573B82-A720-4E7D-88E3-7ABD98571312}"/>
+                <a16:creationId xmlns:a16="http://schemas.microsoft.com/office/drawing/2014/main" xmlns="" id="{8F573B82-A720-4E7D-88E3-7ABD98571312}"/>
               </a:ext>
             </a:extLst>
           </p:cNvPr>
@@ -9908,7 +9908,7 @@
           <p:cNvPr id="6" name="Título 1">
             <a:extLst>
               <a:ext uri="{FF2B5EF4-FFF2-40B4-BE49-F238E27FC236}">
-                <a16:creationId xmlns="" xmlns:a16="http://schemas.microsoft.com/office/drawing/2014/main" id="{4420E5F6-C592-489E-8742-39113C67F28C}"/>
+                <a16:creationId xmlns:a16="http://schemas.microsoft.com/office/drawing/2014/main" xmlns="" id="{4420E5F6-C592-489E-8742-39113C67F28C}"/>
               </a:ext>
             </a:extLst>
           </p:cNvPr>
@@ -9948,7 +9948,7 @@
           <p:cNvPr id="8" name="Picture 7">
             <a:extLst>
               <a:ext uri="{FF2B5EF4-FFF2-40B4-BE49-F238E27FC236}">
-                <a16:creationId xmlns="" xmlns:a16="http://schemas.microsoft.com/office/drawing/2014/main" id="{AC1CFE5D-EA64-4455-B011-2E471DBEC948}"/>
+                <a16:creationId xmlns:a16="http://schemas.microsoft.com/office/drawing/2014/main" xmlns="" id="{AC1CFE5D-EA64-4455-B011-2E471DBEC948}"/>
               </a:ext>
             </a:extLst>
           </p:cNvPr>
@@ -10008,7 +10008,7 @@
           <p:cNvPr id="6" name="Título 1">
             <a:extLst>
               <a:ext uri="{FF2B5EF4-FFF2-40B4-BE49-F238E27FC236}">
-                <a16:creationId xmlns="" xmlns:a16="http://schemas.microsoft.com/office/drawing/2014/main" id="{4420E5F6-C592-489E-8742-39113C67F28C}"/>
+                <a16:creationId xmlns:a16="http://schemas.microsoft.com/office/drawing/2014/main" xmlns="" id="{4420E5F6-C592-489E-8742-39113C67F28C}"/>
               </a:ext>
             </a:extLst>
           </p:cNvPr>
@@ -10104,7 +10104,7 @@
           <p:cNvPr id="6" name="Título 1">
             <a:extLst>
               <a:ext uri="{FF2B5EF4-FFF2-40B4-BE49-F238E27FC236}">
-                <a16:creationId xmlns="" xmlns:a16="http://schemas.microsoft.com/office/drawing/2014/main" id="{4420E5F6-C592-489E-8742-39113C67F28C}"/>
+                <a16:creationId xmlns:a16="http://schemas.microsoft.com/office/drawing/2014/main" xmlns="" id="{4420E5F6-C592-489E-8742-39113C67F28C}"/>
               </a:ext>
             </a:extLst>
           </p:cNvPr>
@@ -10200,7 +10200,7 @@
           <p:cNvPr id="6" name="Título 1">
             <a:extLst>
               <a:ext uri="{FF2B5EF4-FFF2-40B4-BE49-F238E27FC236}">
-                <a16:creationId xmlns="" xmlns:a16="http://schemas.microsoft.com/office/drawing/2014/main" id="{4420E5F6-C592-489E-8742-39113C67F28C}"/>
+                <a16:creationId xmlns:a16="http://schemas.microsoft.com/office/drawing/2014/main" xmlns="" id="{4420E5F6-C592-489E-8742-39113C67F28C}"/>
               </a:ext>
             </a:extLst>
           </p:cNvPr>
@@ -10296,7 +10296,7 @@
           <p:cNvPr id="6" name="Título 1">
             <a:extLst>
               <a:ext uri="{FF2B5EF4-FFF2-40B4-BE49-F238E27FC236}">
-                <a16:creationId xmlns="" xmlns:a16="http://schemas.microsoft.com/office/drawing/2014/main" id="{4420E5F6-C592-489E-8742-39113C67F28C}"/>
+                <a16:creationId xmlns:a16="http://schemas.microsoft.com/office/drawing/2014/main" xmlns="" id="{4420E5F6-C592-489E-8742-39113C67F28C}"/>
               </a:ext>
             </a:extLst>
           </p:cNvPr>

--- a/TCC/5º Encontro/2017-Apresentacao Psystem.pptx
+++ b/TCC/5º Encontro/2017-Apresentacao Psystem.pptx
@@ -180,7 +180,7 @@
   </p:defaultTextStyle>
   <p:extLst>
     <p:ext uri="{EFAFB233-063F-42B5-8137-9DF3F51BA10A}">
-      <p15:sldGuideLst xmlns:p15="http://schemas.microsoft.com/office/powerpoint/2012/main">
+      <p15:sldGuideLst xmlns="" xmlns:p15="http://schemas.microsoft.com/office/powerpoint/2012/main">
         <p15:guide id="1" orient="horz" pos="2160">
           <p15:clr>
             <a:srgbClr val="A4A3A4"/>
@@ -250,7 +250,7 @@
             </a:lvl1pPr>
           </a:lstStyle>
           <a:p>
-            <a:endParaRPr lang="pt-BR"/>
+            <a:endParaRPr lang="pt-BR" dirty="0"/>
           </a:p>
         </p:txBody>
       </p:sp>
@@ -286,7 +286,7 @@
               <a:pPr/>
               <a:t>22/11/2017</a:t>
             </a:fld>
-            <a:endParaRPr lang="pt-BR"/>
+            <a:endParaRPr lang="pt-BR" dirty="0"/>
           </a:p>
         </p:txBody>
       </p:sp>
@@ -319,7 +319,7 @@
           <a:bodyPr vert="horz" lIns="91440" tIns="45720" rIns="91440" bIns="45720" rtlCol="0" anchor="ctr"/>
           <a:lstStyle/>
           <a:p>
-            <a:endParaRPr lang="pt-BR"/>
+            <a:endParaRPr lang="pt-BR" dirty="0"/>
           </a:p>
         </p:txBody>
       </p:sp>
@@ -409,7 +409,7 @@
             </a:lvl1pPr>
           </a:lstStyle>
           <a:p>
-            <a:endParaRPr lang="pt-BR"/>
+            <a:endParaRPr lang="pt-BR" dirty="0"/>
           </a:p>
         </p:txBody>
       </p:sp>
@@ -445,14 +445,14 @@
               <a:pPr/>
               <a:t>‹nº›</a:t>
             </a:fld>
-            <a:endParaRPr lang="pt-BR"/>
+            <a:endParaRPr lang="pt-BR" dirty="0"/>
           </a:p>
         </p:txBody>
       </p:sp>
     </p:spTree>
     <p:extLst>
       <p:ext uri="{BB962C8B-B14F-4D97-AF65-F5344CB8AC3E}">
-        <p14:creationId xmlns:p14="http://schemas.microsoft.com/office/powerpoint/2010/main" val="671299352"/>
+        <p14:creationId xmlns="" xmlns:p14="http://schemas.microsoft.com/office/powerpoint/2010/main" val="671299352"/>
       </p:ext>
     </p:extLst>
   </p:cSld>
@@ -655,14 +655,14 @@
               <a:pPr/>
               <a:t>2</a:t>
             </a:fld>
-            <a:endParaRPr lang="pt-BR"/>
+            <a:endParaRPr lang="pt-BR" dirty="0"/>
           </a:p>
         </p:txBody>
       </p:sp>
     </p:spTree>
     <p:extLst>
       <p:ext uri="{BB962C8B-B14F-4D97-AF65-F5344CB8AC3E}">
-        <p14:creationId xmlns:p14="http://schemas.microsoft.com/office/powerpoint/2010/main" val="3274854824"/>
+        <p14:creationId xmlns="" xmlns:p14="http://schemas.microsoft.com/office/powerpoint/2010/main" val="3274854824"/>
       </p:ext>
     </p:extLst>
   </p:cSld>
@@ -750,14 +750,14 @@
               <a:pPr/>
               <a:t>3</a:t>
             </a:fld>
-            <a:endParaRPr lang="pt-BR"/>
+            <a:endParaRPr lang="pt-BR" dirty="0"/>
           </a:p>
         </p:txBody>
       </p:sp>
     </p:spTree>
     <p:extLst>
       <p:ext uri="{BB962C8B-B14F-4D97-AF65-F5344CB8AC3E}">
-        <p14:creationId xmlns:p14="http://schemas.microsoft.com/office/powerpoint/2010/main" val="2786033099"/>
+        <p14:creationId xmlns="" xmlns:p14="http://schemas.microsoft.com/office/powerpoint/2010/main" val="2786033099"/>
       </p:ext>
     </p:extLst>
   </p:cSld>
@@ -843,14 +843,14 @@
               <a:pPr/>
               <a:t>4</a:t>
             </a:fld>
-            <a:endParaRPr lang="pt-BR"/>
+            <a:endParaRPr lang="pt-BR" dirty="0"/>
           </a:p>
         </p:txBody>
       </p:sp>
     </p:spTree>
     <p:extLst>
       <p:ext uri="{BB962C8B-B14F-4D97-AF65-F5344CB8AC3E}">
-        <p14:creationId xmlns:p14="http://schemas.microsoft.com/office/powerpoint/2010/main" val="1775795487"/>
+        <p14:creationId xmlns="" xmlns:p14="http://schemas.microsoft.com/office/powerpoint/2010/main" val="1775795487"/>
       </p:ext>
     </p:extLst>
   </p:cSld>
@@ -966,7 +966,7 @@
     </p:spTree>
     <p:extLst>
       <p:ext uri="{BB962C8B-B14F-4D97-AF65-F5344CB8AC3E}">
-        <p14:creationId xmlns:p14="http://schemas.microsoft.com/office/powerpoint/2010/main" val="3951886733"/>
+        <p14:creationId xmlns="" xmlns:p14="http://schemas.microsoft.com/office/powerpoint/2010/main" val="3951886733"/>
       </p:ext>
     </p:extLst>
   </p:cSld>
@@ -1257,7 +1257,7 @@
     </p:spTree>
     <p:extLst>
       <p:ext uri="{BB962C8B-B14F-4D97-AF65-F5344CB8AC3E}">
-        <p14:creationId xmlns:p14="http://schemas.microsoft.com/office/powerpoint/2010/main" val="1588299535"/>
+        <p14:creationId xmlns="" xmlns:p14="http://schemas.microsoft.com/office/powerpoint/2010/main" val="1588299535"/>
       </p:ext>
     </p:extLst>
   </p:cSld>
@@ -1306,14 +1306,14 @@
           </a:ln>
           <a:extLst>
             <a:ext uri="{909E8E84-426E-40DD-AFC4-6F175D3DCCD1}">
-              <a14:hiddenFill xmlns:a14="http://schemas.microsoft.com/office/drawing/2010/main">
+              <a14:hiddenFill xmlns="" xmlns:a14="http://schemas.microsoft.com/office/drawing/2010/main">
                 <a:solidFill>
                   <a:srgbClr val="FFFFFF"/>
                 </a:solidFill>
               </a14:hiddenFill>
             </a:ext>
             <a:ext uri="{91240B29-F687-4F45-9708-019B960494DF}">
-              <a14:hiddenLine xmlns:a14="http://schemas.microsoft.com/office/drawing/2010/main" w="9525">
+              <a14:hiddenLine xmlns="" xmlns:a14="http://schemas.microsoft.com/office/drawing/2010/main" w="9525">
                 <a:solidFill>
                   <a:srgbClr val="000000"/>
                 </a:solidFill>
@@ -1438,7 +1438,7 @@
           <a:p>
             <a:pPr eaLnBrk="1" hangingPunct="1"/>
             <a:r>
-              <a:rPr lang="pt-BR" sz="1400" b="1">
+              <a:rPr lang="pt-BR" sz="1400" b="1" dirty="0">
                 <a:solidFill>
                   <a:srgbClr val="558ED5"/>
                 </a:solidFill>
@@ -1456,7 +1456,7 @@
               <a:pPr eaLnBrk="1" hangingPunct="1"/>
               <a:t>‹nº›</a:t>
             </a:fld>
-            <a:endParaRPr lang="pt-BR" sz="1400" b="1">
+            <a:endParaRPr lang="pt-BR" sz="1400" b="1" dirty="0">
               <a:solidFill>
                 <a:srgbClr val="558ED5"/>
               </a:solidFill>
@@ -1729,7 +1729,7 @@
     </p:spTree>
     <p:extLst>
       <p:ext uri="{BB962C8B-B14F-4D97-AF65-F5344CB8AC3E}">
-        <p14:creationId xmlns:p14="http://schemas.microsoft.com/office/powerpoint/2010/main" val="3359836669"/>
+        <p14:creationId xmlns="" xmlns:p14="http://schemas.microsoft.com/office/powerpoint/2010/main" val="3359836669"/>
       </p:ext>
     </p:extLst>
   </p:cSld>
@@ -1759,7 +1759,7 @@
     </p:spTree>
     <p:extLst>
       <p:ext uri="{BB962C8B-B14F-4D97-AF65-F5344CB8AC3E}">
-        <p14:creationId xmlns:p14="http://schemas.microsoft.com/office/powerpoint/2010/main" val="413836109"/>
+        <p14:creationId xmlns="" xmlns:p14="http://schemas.microsoft.com/office/powerpoint/2010/main" val="413836109"/>
       </p:ext>
     </p:extLst>
   </p:cSld>
@@ -1843,7 +1843,7 @@
             <a:pPr algn="ctr" eaLnBrk="1" hangingPunct="1">
               <a:defRPr/>
             </a:pPr>
-            <a:endParaRPr lang="pt-BR"/>
+            <a:endParaRPr lang="pt-BR" dirty="0"/>
           </a:p>
         </p:txBody>
       </p:sp>
@@ -1859,7 +1859,7 @@
           <a:blip r:embed="rId2" cstate="print">
             <a:extLst>
               <a:ext uri="{28A0092B-C50C-407E-A947-70E740481C1C}">
-                <a14:useLocalDpi xmlns:a14="http://schemas.microsoft.com/office/drawing/2010/main" val="0"/>
+                <a14:useLocalDpi xmlns="" xmlns:a14="http://schemas.microsoft.com/office/drawing/2010/main" val="0"/>
               </a:ext>
             </a:extLst>
           </a:blip>
@@ -1882,14 +1882,14 @@
           </a:ln>
           <a:extLst>
             <a:ext uri="{909E8E84-426E-40DD-AFC4-6F175D3DCCD1}">
-              <a14:hiddenFill xmlns:a14="http://schemas.microsoft.com/office/drawing/2010/main">
+              <a14:hiddenFill xmlns="" xmlns:a14="http://schemas.microsoft.com/office/drawing/2010/main">
                 <a:solidFill>
                   <a:srgbClr val="FFFFFF"/>
                 </a:solidFill>
               </a14:hiddenFill>
             </a:ext>
             <a:ext uri="{91240B29-F687-4F45-9708-019B960494DF}">
-              <a14:hiddenLine xmlns:a14="http://schemas.microsoft.com/office/drawing/2010/main" w="9525">
+              <a14:hiddenLine xmlns="" xmlns:a14="http://schemas.microsoft.com/office/drawing/2010/main" w="9525">
                 <a:solidFill>
                   <a:srgbClr val="000000"/>
                 </a:solidFill>
@@ -1953,7 +1953,7 @@
     </p:spTree>
     <p:extLst>
       <p:ext uri="{BB962C8B-B14F-4D97-AF65-F5344CB8AC3E}">
-        <p14:creationId xmlns:p14="http://schemas.microsoft.com/office/powerpoint/2010/main" val="2156181659"/>
+        <p14:creationId xmlns="" xmlns:p14="http://schemas.microsoft.com/office/powerpoint/2010/main" val="2156181659"/>
       </p:ext>
     </p:extLst>
   </p:cSld>
@@ -2120,7 +2120,7 @@
     </p:spTree>
     <p:extLst>
       <p:ext uri="{BB962C8B-B14F-4D97-AF65-F5344CB8AC3E}">
-        <p14:creationId xmlns:p14="http://schemas.microsoft.com/office/powerpoint/2010/main" val="83598666"/>
+        <p14:creationId xmlns="" xmlns:p14="http://schemas.microsoft.com/office/powerpoint/2010/main" val="83598666"/>
       </p:ext>
     </p:extLst>
   </p:cSld>
@@ -2164,7 +2164,7 @@
           <a:blip r:embed="rId8" cstate="print">
             <a:extLst>
               <a:ext uri="{28A0092B-C50C-407E-A947-70E740481C1C}">
-                <a14:useLocalDpi xmlns:a14="http://schemas.microsoft.com/office/drawing/2010/main" val="0"/>
+                <a14:useLocalDpi xmlns="" xmlns:a14="http://schemas.microsoft.com/office/drawing/2010/main" val="0"/>
               </a:ext>
             </a:extLst>
           </a:blip>
@@ -2187,14 +2187,14 @@
           </a:ln>
           <a:extLst>
             <a:ext uri="{909E8E84-426E-40DD-AFC4-6F175D3DCCD1}">
-              <a14:hiddenFill xmlns:a14="http://schemas.microsoft.com/office/drawing/2010/main">
+              <a14:hiddenFill xmlns="" xmlns:a14="http://schemas.microsoft.com/office/drawing/2010/main">
                 <a:solidFill>
                   <a:srgbClr val="FFFFFF"/>
                 </a:solidFill>
               </a14:hiddenFill>
             </a:ext>
             <a:ext uri="{91240B29-F687-4F45-9708-019B960494DF}">
-              <a14:hiddenLine xmlns:a14="http://schemas.microsoft.com/office/drawing/2010/main" w="9525">
+              <a14:hiddenLine xmlns="" xmlns:a14="http://schemas.microsoft.com/office/drawing/2010/main" w="9525">
                 <a:solidFill>
                   <a:srgbClr val="000000"/>
                 </a:solidFill>
@@ -2267,7 +2267,7 @@
           <a:blip r:embed="rId9" cstate="print">
             <a:extLst>
               <a:ext uri="{28A0092B-C50C-407E-A947-70E740481C1C}">
-                <a14:useLocalDpi xmlns:a14="http://schemas.microsoft.com/office/drawing/2010/main" val="0"/>
+                <a14:useLocalDpi xmlns="" xmlns:a14="http://schemas.microsoft.com/office/drawing/2010/main" val="0"/>
               </a:ext>
             </a:extLst>
           </a:blip>
@@ -2290,14 +2290,14 @@
           </a:ln>
           <a:extLst>
             <a:ext uri="{909E8E84-426E-40DD-AFC4-6F175D3DCCD1}">
-              <a14:hiddenFill xmlns:a14="http://schemas.microsoft.com/office/drawing/2010/main">
+              <a14:hiddenFill xmlns="" xmlns:a14="http://schemas.microsoft.com/office/drawing/2010/main">
                 <a:solidFill>
                   <a:srgbClr val="FFFFFF"/>
                 </a:solidFill>
               </a14:hiddenFill>
             </a:ext>
             <a:ext uri="{91240B29-F687-4F45-9708-019B960494DF}">
-              <a14:hiddenLine xmlns:a14="http://schemas.microsoft.com/office/drawing/2010/main" w="9525">
+              <a14:hiddenLine xmlns="" xmlns:a14="http://schemas.microsoft.com/office/drawing/2010/main" w="9525">
                 <a:solidFill>
                   <a:srgbClr val="000000"/>
                 </a:solidFill>
@@ -2863,14 +2863,14 @@
             </a:ln>
             <a:extLst>
               <a:ext uri="{909E8E84-426E-40DD-AFC4-6F175D3DCCD1}">
-                <a14:hiddenFill xmlns:a14="http://schemas.microsoft.com/office/drawing/2010/main">
+                <a14:hiddenFill xmlns="" xmlns:a14="http://schemas.microsoft.com/office/drawing/2010/main">
                   <a:solidFill>
                     <a:srgbClr val="FFFFFF"/>
                   </a:solidFill>
                 </a14:hiddenFill>
               </a:ext>
               <a:ext uri="{91240B29-F687-4F45-9708-019B960494DF}">
-                <a14:hiddenLine xmlns:a14="http://schemas.microsoft.com/office/drawing/2010/main" w="9525">
+                <a14:hiddenLine xmlns="" xmlns:a14="http://schemas.microsoft.com/office/drawing/2010/main" w="9525">
                   <a:solidFill>
                     <a:srgbClr val="000000"/>
                   </a:solidFill>
@@ -2994,7 +2994,7 @@
             </a:lstStyle>
             <a:p>
               <a:pPr eaLnBrk="1" hangingPunct="1"/>
-              <a:endParaRPr lang="en-US"/>
+              <a:endParaRPr lang="en-US" dirty="0"/>
             </a:p>
           </p:txBody>
         </p:sp>
@@ -3020,14 +3020,14 @@
             </a:ln>
             <a:extLst>
               <a:ext uri="{909E8E84-426E-40DD-AFC4-6F175D3DCCD1}">
-                <a14:hiddenFill xmlns:a14="http://schemas.microsoft.com/office/drawing/2010/main">
+                <a14:hiddenFill xmlns="" xmlns:a14="http://schemas.microsoft.com/office/drawing/2010/main">
                   <a:solidFill>
                     <a:srgbClr val="FFFFFF"/>
                   </a:solidFill>
                 </a14:hiddenFill>
               </a:ext>
               <a:ext uri="{91240B29-F687-4F45-9708-019B960494DF}">
-                <a14:hiddenLine xmlns:a14="http://schemas.microsoft.com/office/drawing/2010/main" w="9525">
+                <a14:hiddenLine xmlns="" xmlns:a14="http://schemas.microsoft.com/office/drawing/2010/main" w="9525">
                   <a:solidFill>
                     <a:srgbClr val="000000"/>
                   </a:solidFill>
@@ -3151,7 +3151,7 @@
             </a:lstStyle>
             <a:p>
               <a:pPr eaLnBrk="1" hangingPunct="1"/>
-              <a:endParaRPr lang="pt-BR" sz="2400" b="1">
+              <a:endParaRPr lang="pt-BR" sz="2400" b="1" dirty="0">
                 <a:solidFill>
                   <a:srgbClr val="5F5F5F"/>
                 </a:solidFill>
@@ -3345,6 +3345,13 @@
   <p:transition spd="med">
     <p:fade/>
   </p:transition>
+  <p:timing>
+    <p:tnLst>
+      <p:par>
+        <p:cTn id="1" dur="indefinite" restart="never" nodeType="tmRoot"/>
+      </p:par>
+    </p:tnLst>
+  </p:timing>
 </p:sld>
 </file>
 
@@ -3407,7 +3414,7 @@
           <a:blip r:embed="rId2" cstate="print">
             <a:extLst>
               <a:ext uri="{28A0092B-C50C-407E-A947-70E740481C1C}">
-                <a14:useLocalDpi xmlns:a14="http://schemas.microsoft.com/office/drawing/2010/main" val="0"/>
+                <a14:useLocalDpi xmlns="" xmlns:a14="http://schemas.microsoft.com/office/drawing/2010/main" val="0"/>
               </a:ext>
             </a:extLst>
           </a:blip>
@@ -3430,6 +3437,13 @@
   <p:clrMapOvr>
     <a:masterClrMapping/>
   </p:clrMapOvr>
+  <p:timing>
+    <p:tnLst>
+      <p:par>
+        <p:cTn id="1" dur="indefinite" restart="never" nodeType="tmRoot"/>
+      </p:par>
+    </p:tnLst>
+  </p:timing>
 </p:sld>
 </file>
 
@@ -3494,7 +3508,7 @@
           <a:lstStyle/>
           <a:p>
             <a:pPr algn="ctr"/>
-            <a:endParaRPr lang="pt-BR"/>
+            <a:endParaRPr lang="pt-BR" dirty="0"/>
           </a:p>
         </p:txBody>
       </p:sp>
@@ -3542,7 +3556,7 @@
           <a:lstStyle/>
           <a:p>
             <a:pPr algn="ctr"/>
-            <a:endParaRPr lang="pt-BR"/>
+            <a:endParaRPr lang="pt-BR" dirty="0"/>
           </a:p>
         </p:txBody>
       </p:sp>
@@ -3558,7 +3572,7 @@
           <a:blip r:embed="rId2" cstate="print">
             <a:extLst>
               <a:ext uri="{28A0092B-C50C-407E-A947-70E740481C1C}">
-                <a14:useLocalDpi xmlns:a14="http://schemas.microsoft.com/office/drawing/2010/main" val="0"/>
+                <a14:useLocalDpi xmlns="" xmlns:a14="http://schemas.microsoft.com/office/drawing/2010/main" val="0"/>
               </a:ext>
             </a:extLst>
           </a:blip>
@@ -3581,6 +3595,13 @@
   <p:clrMapOvr>
     <a:masterClrMapping/>
   </p:clrMapOvr>
+  <p:timing>
+    <p:tnLst>
+      <p:par>
+        <p:cTn id="1" dur="indefinite" restart="never" nodeType="tmRoot"/>
+      </p:par>
+    </p:tnLst>
+  </p:timing>
 </p:sld>
 </file>
 
@@ -3674,14 +3695,14 @@
             </a:ln>
             <a:extLst>
               <a:ext uri="{909E8E84-426E-40DD-AFC4-6F175D3DCCD1}">
-                <a14:hiddenFill xmlns:a14="http://schemas.microsoft.com/office/drawing/2010/main">
+                <a14:hiddenFill xmlns="" xmlns:a14="http://schemas.microsoft.com/office/drawing/2010/main">
                   <a:solidFill>
                     <a:srgbClr val="FFFFFF"/>
                   </a:solidFill>
                 </a14:hiddenFill>
               </a:ext>
               <a:ext uri="{91240B29-F687-4F45-9708-019B960494DF}">
-                <a14:hiddenLine xmlns:a14="http://schemas.microsoft.com/office/drawing/2010/main" w="9525">
+                <a14:hiddenLine xmlns="" xmlns:a14="http://schemas.microsoft.com/office/drawing/2010/main" w="9525">
                   <a:solidFill>
                     <a:srgbClr val="000000"/>
                   </a:solidFill>
@@ -3805,7 +3826,7 @@
             </a:lstStyle>
             <a:p>
               <a:pPr eaLnBrk="1" hangingPunct="1"/>
-              <a:endParaRPr lang="en-US"/>
+              <a:endParaRPr lang="en-US" dirty="0"/>
             </a:p>
           </p:txBody>
         </p:sp>
@@ -3831,14 +3852,14 @@
             </a:ln>
             <a:extLst>
               <a:ext uri="{909E8E84-426E-40DD-AFC4-6F175D3DCCD1}">
-                <a14:hiddenFill xmlns:a14="http://schemas.microsoft.com/office/drawing/2010/main">
+                <a14:hiddenFill xmlns="" xmlns:a14="http://schemas.microsoft.com/office/drawing/2010/main">
                   <a:solidFill>
                     <a:srgbClr val="FFFFFF"/>
                   </a:solidFill>
                 </a14:hiddenFill>
               </a:ext>
               <a:ext uri="{91240B29-F687-4F45-9708-019B960494DF}">
-                <a14:hiddenLine xmlns:a14="http://schemas.microsoft.com/office/drawing/2010/main" w="9525">
+                <a14:hiddenLine xmlns="" xmlns:a14="http://schemas.microsoft.com/office/drawing/2010/main" w="9525">
                   <a:solidFill>
                     <a:srgbClr val="000000"/>
                   </a:solidFill>
@@ -3962,7 +3983,7 @@
             </a:lstStyle>
             <a:p>
               <a:pPr eaLnBrk="1" hangingPunct="1"/>
-              <a:endParaRPr lang="pt-BR" sz="2400" b="1">
+              <a:endParaRPr lang="pt-BR" sz="2400" b="1" dirty="0">
                 <a:solidFill>
                   <a:srgbClr val="5F5F5F"/>
                 </a:solidFill>
@@ -4045,7 +4066,7 @@
               <a:defRPr/>
             </a:pPr>
             <a:r>
-              <a:rPr kumimoji="0" lang="pt-BR" sz="4000" b="0" i="0" u="none" strike="noStrike" kern="1200" cap="none" spc="0" normalizeH="0" baseline="0" noProof="0" dirty="0" err="1">
+              <a:rPr kumimoji="0" lang="pt-BR" sz="4000" b="0" i="0" u="none" strike="noStrike" kern="1200" cap="none" spc="0" normalizeH="0" baseline="0" noProof="0" dirty="0">
                 <a:ln>
                   <a:noFill/>
                 </a:ln>
@@ -4061,26 +4082,7 @@
                 <a:ea typeface="ＭＳ Ｐゴシック" pitchFamily="-106" charset="-128"/>
                 <a:cs typeface="Verdana" pitchFamily="34" charset="0"/>
               </a:rPr>
-              <a:t>Wender</a:t>
-            </a:r>
-            <a:r>
-              <a:rPr kumimoji="0" lang="pt-BR" sz="4000" b="0" i="0" u="none" strike="noStrike" kern="1200" cap="none" spc="0" normalizeH="0" baseline="0" noProof="0" dirty="0">
-                <a:ln>
-                  <a:noFill/>
-                </a:ln>
-                <a:solidFill>
-                  <a:schemeClr val="tx2">
-                    <a:lumMod val="75000"/>
-                  </a:schemeClr>
-                </a:solidFill>
-                <a:effectLst/>
-                <a:uLnTx/>
-                <a:uFillTx/>
-                <a:latin typeface="Verdana" pitchFamily="34" charset="0"/>
-                <a:ea typeface="ＭＳ Ｐゴシック" pitchFamily="-106" charset="-128"/>
-                <a:cs typeface="Verdana" pitchFamily="34" charset="0"/>
-              </a:rPr>
-              <a:t> Dantas</a:t>
+              <a:t>Wender Dantas</a:t>
             </a:r>
             <a:endParaRPr kumimoji="0" lang="pt-BR" sz="2000" b="1" i="0" u="none" strike="noStrike" kern="1200" cap="none" spc="0" normalizeH="0" baseline="0" noProof="0" dirty="0">
               <a:ln>
@@ -4102,7 +4104,7 @@
     </p:spTree>
     <p:extLst>
       <p:ext uri="{BB962C8B-B14F-4D97-AF65-F5344CB8AC3E}">
-        <p14:creationId xmlns:p14="http://schemas.microsoft.com/office/powerpoint/2010/main" val="2461302196"/>
+        <p14:creationId xmlns="" xmlns:p14="http://schemas.microsoft.com/office/powerpoint/2010/main" val="2461302196"/>
       </p:ext>
     </p:extLst>
   </p:cSld>
@@ -4112,6 +4114,13 @@
   <p:transition spd="med">
     <p:fade/>
   </p:transition>
+  <p:timing>
+    <p:tnLst>
+      <p:par>
+        <p:cTn id="1" dur="indefinite" restart="never" nodeType="tmRoot"/>
+      </p:par>
+    </p:tnLst>
+  </p:timing>
 </p:sld>
 </file>
 
@@ -4174,14 +4183,14 @@
           </a:xfrm>
           <a:extLst>
             <a:ext uri="{909E8E84-426E-40DD-AFC4-6F175D3DCCD1}">
-              <a14:hiddenFill xmlns:a14="http://schemas.microsoft.com/office/drawing/2010/main">
+              <a14:hiddenFill xmlns="" xmlns:a14="http://schemas.microsoft.com/office/drawing/2010/main">
                 <a:solidFill>
                   <a:srgbClr val="FFFFFF"/>
                 </a:solidFill>
               </a14:hiddenFill>
             </a:ext>
             <a:ext uri="{91240B29-F687-4F45-9708-019B960494DF}">
-              <a14:hiddenLine xmlns:a14="http://schemas.microsoft.com/office/drawing/2010/main" w="9525">
+              <a14:hiddenLine xmlns="" xmlns:a14="http://schemas.microsoft.com/office/drawing/2010/main" w="9525">
                 <a:solidFill>
                   <a:srgbClr val="000000"/>
                 </a:solidFill>
@@ -4348,7 +4357,7 @@
     </p:spTree>
     <p:extLst>
       <p:ext uri="{BB962C8B-B14F-4D97-AF65-F5344CB8AC3E}">
-        <p14:creationId xmlns:p14="http://schemas.microsoft.com/office/powerpoint/2010/main" val="1166103754"/>
+        <p14:creationId xmlns="" xmlns:p14="http://schemas.microsoft.com/office/powerpoint/2010/main" val="1166103754"/>
       </p:ext>
     </p:extLst>
   </p:cSld>
@@ -4358,6 +4367,13 @@
   <p:transition spd="med">
     <p:fade/>
   </p:transition>
+  <p:timing>
+    <p:tnLst>
+      <p:par>
+        <p:cTn id="1" dur="indefinite" restart="never" nodeType="tmRoot"/>
+      </p:par>
+    </p:tnLst>
+  </p:timing>
 </p:sld>
 </file>
 
@@ -4412,7 +4428,7 @@
           <a:blip r:embed="rId2" cstate="print">
             <a:extLst>
               <a:ext uri="{28A0092B-C50C-407E-A947-70E740481C1C}">
-                <a14:useLocalDpi xmlns:a14="http://schemas.microsoft.com/office/drawing/2010/main" val="0"/>
+                <a14:useLocalDpi xmlns="" xmlns:a14="http://schemas.microsoft.com/office/drawing/2010/main" val="0"/>
               </a:ext>
             </a:extLst>
           </a:blip>
@@ -4433,13 +4449,20 @@
     </p:spTree>
     <p:extLst>
       <p:ext uri="{BB962C8B-B14F-4D97-AF65-F5344CB8AC3E}">
-        <p14:creationId xmlns:p14="http://schemas.microsoft.com/office/powerpoint/2010/main" val="4100715659"/>
+        <p14:creationId xmlns="" xmlns:p14="http://schemas.microsoft.com/office/powerpoint/2010/main" val="4100715659"/>
       </p:ext>
     </p:extLst>
   </p:cSld>
   <p:clrMapOvr>
     <a:masterClrMapping/>
   </p:clrMapOvr>
+  <p:timing>
+    <p:tnLst>
+      <p:par>
+        <p:cTn id="1" dur="indefinite" restart="never" nodeType="tmRoot"/>
+      </p:par>
+    </p:tnLst>
+  </p:timing>
 </p:sld>
 </file>
 
@@ -4502,14 +4525,14 @@
           </a:xfrm>
           <a:extLst>
             <a:ext uri="{909E8E84-426E-40DD-AFC4-6F175D3DCCD1}">
-              <a14:hiddenFill xmlns:a14="http://schemas.microsoft.com/office/drawing/2010/main">
+              <a14:hiddenFill xmlns="" xmlns:a14="http://schemas.microsoft.com/office/drawing/2010/main">
                 <a:solidFill>
                   <a:srgbClr val="FFFFFF"/>
                 </a:solidFill>
               </a14:hiddenFill>
             </a:ext>
             <a:ext uri="{91240B29-F687-4F45-9708-019B960494DF}">
-              <a14:hiddenLine xmlns:a14="http://schemas.microsoft.com/office/drawing/2010/main" w="9525">
+              <a14:hiddenLine xmlns="" xmlns:a14="http://schemas.microsoft.com/office/drawing/2010/main" w="9525">
                 <a:solidFill>
                   <a:srgbClr val="000000"/>
                 </a:solidFill>
@@ -4547,27 +4570,22 @@
       </p:sp>
       <p:pic>
         <p:nvPicPr>
-          <p:cNvPr id="2" name="Picture 1">
-            <a:extLst>
-              <a:ext uri="{FF2B5EF4-FFF2-40B4-BE49-F238E27FC236}">
-                <a16:creationId xmlns:a16="http://schemas.microsoft.com/office/drawing/2014/main" xmlns="" id="{F5A00150-EB0A-4F28-911C-141811EBFBD4}"/>
-              </a:ext>
-            </a:extLst>
-          </p:cNvPr>
+          <p:cNvPr id="7" name="Imagem 6" descr="001_Home.png"/>
           <p:cNvPicPr>
             <a:picLocks noChangeAspect="1"/>
           </p:cNvPicPr>
           <p:nvPr/>
         </p:nvPicPr>
-        <p:blipFill rotWithShape="1">
+        <p:blipFill>
           <a:blip r:embed="rId2" cstate="print"/>
-          <a:srcRect b="5494"/>
-          <a:stretch/>
+          <a:stretch>
+            <a:fillRect/>
+          </a:stretch>
         </p:blipFill>
         <p:spPr>
           <a:xfrm>
-            <a:off x="-6350" y="1820855"/>
-            <a:ext cx="9144000" cy="4128425"/>
+            <a:off x="0" y="1550581"/>
+            <a:ext cx="9144000" cy="3756837"/>
           </a:xfrm>
           <a:prstGeom prst="rect">
             <a:avLst/>
@@ -4577,7 +4595,7 @@
     </p:spTree>
     <p:extLst>
       <p:ext uri="{BB962C8B-B14F-4D97-AF65-F5344CB8AC3E}">
-        <p14:creationId xmlns:p14="http://schemas.microsoft.com/office/powerpoint/2010/main" val="4234705847"/>
+        <p14:creationId xmlns="" xmlns:p14="http://schemas.microsoft.com/office/powerpoint/2010/main" val="4234705847"/>
       </p:ext>
     </p:extLst>
   </p:cSld>
@@ -4587,6 +4605,13 @@
   <p:transition spd="med">
     <p:fade/>
   </p:transition>
+  <p:timing>
+    <p:tnLst>
+      <p:par>
+        <p:cTn id="1" dur="indefinite" restart="never" nodeType="tmRoot"/>
+      </p:par>
+    </p:tnLst>
+  </p:timing>
 </p:sld>
 </file>
 
@@ -4649,14 +4674,14 @@
           </a:xfrm>
           <a:extLst>
             <a:ext uri="{909E8E84-426E-40DD-AFC4-6F175D3DCCD1}">
-              <a14:hiddenFill xmlns:a14="http://schemas.microsoft.com/office/drawing/2010/main">
+              <a14:hiddenFill xmlns="" xmlns:a14="http://schemas.microsoft.com/office/drawing/2010/main">
                 <a:solidFill>
                   <a:srgbClr val="FFFFFF"/>
                 </a:solidFill>
               </a14:hiddenFill>
             </a:ext>
             <a:ext uri="{91240B29-F687-4F45-9708-019B960494DF}">
-              <a14:hiddenLine xmlns:a14="http://schemas.microsoft.com/office/drawing/2010/main" w="9525">
+              <a14:hiddenLine xmlns="" xmlns:a14="http://schemas.microsoft.com/office/drawing/2010/main" w="9525">
                 <a:solidFill>
                   <a:srgbClr val="000000"/>
                 </a:solidFill>
@@ -4725,7 +4750,7 @@
     </p:spTree>
     <p:extLst>
       <p:ext uri="{BB962C8B-B14F-4D97-AF65-F5344CB8AC3E}">
-        <p14:creationId xmlns:p14="http://schemas.microsoft.com/office/powerpoint/2010/main" val="324456396"/>
+        <p14:creationId xmlns="" xmlns:p14="http://schemas.microsoft.com/office/powerpoint/2010/main" val="324456396"/>
       </p:ext>
     </p:extLst>
   </p:cSld>
@@ -4735,6 +4760,13 @@
   <p:transition spd="med">
     <p:fade/>
   </p:transition>
+  <p:timing>
+    <p:tnLst>
+      <p:par>
+        <p:cTn id="1" dur="indefinite" restart="never" nodeType="tmRoot"/>
+      </p:par>
+    </p:tnLst>
+  </p:timing>
 </p:sld>
 </file>
 
@@ -4797,14 +4829,14 @@
           </a:xfrm>
           <a:extLst>
             <a:ext uri="{909E8E84-426E-40DD-AFC4-6F175D3DCCD1}">
-              <a14:hiddenFill xmlns:a14="http://schemas.microsoft.com/office/drawing/2010/main">
+              <a14:hiddenFill xmlns="" xmlns:a14="http://schemas.microsoft.com/office/drawing/2010/main">
                 <a:solidFill>
                   <a:srgbClr val="FFFFFF"/>
                 </a:solidFill>
               </a14:hiddenFill>
             </a:ext>
             <a:ext uri="{91240B29-F687-4F45-9708-019B960494DF}">
-              <a14:hiddenLine xmlns:a14="http://schemas.microsoft.com/office/drawing/2010/main" w="9525">
+              <a14:hiddenLine xmlns="" xmlns:a14="http://schemas.microsoft.com/office/drawing/2010/main" w="9525">
                 <a:solidFill>
                   <a:srgbClr val="000000"/>
                 </a:solidFill>
@@ -4849,7 +4881,7 @@
           <p:nvPr/>
         </p:nvPicPr>
         <p:blipFill>
-          <a:blip r:embed="rId2"/>
+          <a:blip r:embed="rId2" cstate="print"/>
           <a:stretch>
             <a:fillRect/>
           </a:stretch>
@@ -4867,7 +4899,7 @@
     </p:spTree>
     <p:extLst>
       <p:ext uri="{BB962C8B-B14F-4D97-AF65-F5344CB8AC3E}">
-        <p14:creationId xmlns:p14="http://schemas.microsoft.com/office/powerpoint/2010/main" val="1697811339"/>
+        <p14:creationId xmlns="" xmlns:p14="http://schemas.microsoft.com/office/powerpoint/2010/main" val="1697811339"/>
       </p:ext>
     </p:extLst>
   </p:cSld>
@@ -4977,14 +5009,14 @@
             </a:ln>
             <a:extLst>
               <a:ext uri="{909E8E84-426E-40DD-AFC4-6F175D3DCCD1}">
-                <a14:hiddenFill xmlns:a14="http://schemas.microsoft.com/office/drawing/2010/main">
+                <a14:hiddenFill xmlns="" xmlns:a14="http://schemas.microsoft.com/office/drawing/2010/main">
                   <a:solidFill>
                     <a:srgbClr val="FFFFFF"/>
                   </a:solidFill>
                 </a14:hiddenFill>
               </a:ext>
               <a:ext uri="{91240B29-F687-4F45-9708-019B960494DF}">
-                <a14:hiddenLine xmlns:a14="http://schemas.microsoft.com/office/drawing/2010/main" w="9525">
+                <a14:hiddenLine xmlns="" xmlns:a14="http://schemas.microsoft.com/office/drawing/2010/main" w="9525">
                   <a:solidFill>
                     <a:srgbClr val="000000"/>
                   </a:solidFill>
@@ -5108,7 +5140,7 @@
             </a:lstStyle>
             <a:p>
               <a:pPr eaLnBrk="1" hangingPunct="1"/>
-              <a:endParaRPr lang="en-US"/>
+              <a:endParaRPr lang="en-US" dirty="0"/>
             </a:p>
           </p:txBody>
         </p:sp>
@@ -5134,14 +5166,14 @@
             </a:ln>
             <a:extLst>
               <a:ext uri="{909E8E84-426E-40DD-AFC4-6F175D3DCCD1}">
-                <a14:hiddenFill xmlns:a14="http://schemas.microsoft.com/office/drawing/2010/main">
+                <a14:hiddenFill xmlns="" xmlns:a14="http://schemas.microsoft.com/office/drawing/2010/main">
                   <a:solidFill>
                     <a:srgbClr val="FFFFFF"/>
                   </a:solidFill>
                 </a14:hiddenFill>
               </a:ext>
               <a:ext uri="{91240B29-F687-4F45-9708-019B960494DF}">
-                <a14:hiddenLine xmlns:a14="http://schemas.microsoft.com/office/drawing/2010/main" w="9525">
+                <a14:hiddenLine xmlns="" xmlns:a14="http://schemas.microsoft.com/office/drawing/2010/main" w="9525">
                   <a:solidFill>
                     <a:srgbClr val="000000"/>
                   </a:solidFill>
@@ -5265,7 +5297,7 @@
             </a:lstStyle>
             <a:p>
               <a:pPr eaLnBrk="1" hangingPunct="1"/>
-              <a:endParaRPr lang="pt-BR" sz="2400" b="1">
+              <a:endParaRPr lang="pt-BR" sz="2400" b="1" dirty="0">
                 <a:solidFill>
                   <a:srgbClr val="5F5F5F"/>
                 </a:solidFill>
@@ -5386,7 +5418,7 @@
     </p:spTree>
     <p:extLst>
       <p:ext uri="{BB962C8B-B14F-4D97-AF65-F5344CB8AC3E}">
-        <p14:creationId xmlns:p14="http://schemas.microsoft.com/office/powerpoint/2010/main" val="681014556"/>
+        <p14:creationId xmlns="" xmlns:p14="http://schemas.microsoft.com/office/powerpoint/2010/main" val="681014556"/>
       </p:ext>
     </p:extLst>
   </p:cSld>
@@ -5930,7 +5962,7 @@
     </p:spTree>
     <p:extLst>
       <p:ext uri="{BB962C8B-B14F-4D97-AF65-F5344CB8AC3E}">
-        <p14:creationId xmlns:p14="http://schemas.microsoft.com/office/powerpoint/2010/main" val="3812644496"/>
+        <p14:creationId xmlns="" xmlns:p14="http://schemas.microsoft.com/office/powerpoint/2010/main" val="3812644496"/>
       </p:ext>
     </p:extLst>
   </p:cSld>
@@ -6022,7 +6054,7 @@
           <a:lstStyle/>
           <a:p>
             <a:pPr algn="ctr"/>
-            <a:endParaRPr lang="pt-BR"/>
+            <a:endParaRPr lang="pt-BR" dirty="0"/>
           </a:p>
         </p:txBody>
       </p:sp>
@@ -6058,6 +6090,13 @@
   <p:transition spd="med">
     <p:fade/>
   </p:transition>
+  <p:timing>
+    <p:tnLst>
+      <p:par>
+        <p:cTn id="1" dur="indefinite" restart="never" nodeType="tmRoot"/>
+      </p:par>
+    </p:tnLst>
+  </p:timing>
 </p:sld>
 </file>
 
@@ -6274,7 +6313,7 @@
           <a:blip r:embed="rId2" cstate="print">
             <a:extLst>
               <a:ext uri="{28A0092B-C50C-407E-A947-70E740481C1C}">
-                <a14:useLocalDpi xmlns:a14="http://schemas.microsoft.com/office/drawing/2010/main" val="0"/>
+                <a14:useLocalDpi xmlns="" xmlns:a14="http://schemas.microsoft.com/office/drawing/2010/main" val="0"/>
               </a:ext>
             </a:extLst>
           </a:blip>
@@ -6295,7 +6334,7 @@
     </p:spTree>
     <p:extLst>
       <p:ext uri="{BB962C8B-B14F-4D97-AF65-F5344CB8AC3E}">
-        <p14:creationId xmlns:p14="http://schemas.microsoft.com/office/powerpoint/2010/main" val="1625217003"/>
+        <p14:creationId xmlns="" xmlns:p14="http://schemas.microsoft.com/office/powerpoint/2010/main" val="1625217003"/>
       </p:ext>
     </p:extLst>
   </p:cSld>
@@ -6508,28 +6547,22 @@
       </p:sp>
       <p:pic>
         <p:nvPicPr>
-          <p:cNvPr id="2" name="Imagem 1"/>
+          <p:cNvPr id="5" name="Imagem 4" descr="001_Home.png"/>
           <p:cNvPicPr>
             <a:picLocks noChangeAspect="1"/>
           </p:cNvPicPr>
           <p:nvPr/>
         </p:nvPicPr>
         <p:blipFill>
-          <a:blip r:embed="rId2" cstate="print">
-            <a:extLst>
-              <a:ext uri="{28A0092B-C50C-407E-A947-70E740481C1C}">
-                <a14:useLocalDpi xmlns:a14="http://schemas.microsoft.com/office/drawing/2010/main" val="0"/>
-              </a:ext>
-            </a:extLst>
-          </a:blip>
+          <a:blip r:embed="rId2" cstate="print"/>
           <a:stretch>
             <a:fillRect/>
           </a:stretch>
         </p:blipFill>
         <p:spPr>
           <a:xfrm>
-            <a:off x="-11922" y="1527252"/>
-            <a:ext cx="9155922" cy="4227901"/>
+            <a:off x="0" y="1494122"/>
+            <a:ext cx="9144000" cy="3869755"/>
           </a:xfrm>
           <a:prstGeom prst="rect">
             <a:avLst/>
@@ -6539,7 +6572,7 @@
     </p:spTree>
     <p:extLst>
       <p:ext uri="{BB962C8B-B14F-4D97-AF65-F5344CB8AC3E}">
-        <p14:creationId xmlns:p14="http://schemas.microsoft.com/office/powerpoint/2010/main" val="1256551592"/>
+        <p14:creationId xmlns="" xmlns:p14="http://schemas.microsoft.com/office/powerpoint/2010/main" val="1256551592"/>
       </p:ext>
     </p:extLst>
   </p:cSld>
@@ -6762,7 +6795,7 @@
           <a:blip r:embed="rId2" cstate="print">
             <a:extLst>
               <a:ext uri="{28A0092B-C50C-407E-A947-70E740481C1C}">
-                <a14:useLocalDpi xmlns:a14="http://schemas.microsoft.com/office/drawing/2010/main" val="0"/>
+                <a14:useLocalDpi xmlns="" xmlns:a14="http://schemas.microsoft.com/office/drawing/2010/main" val="0"/>
               </a:ext>
             </a:extLst>
           </a:blip>
@@ -6783,7 +6816,7 @@
     </p:spTree>
     <p:extLst>
       <p:ext uri="{BB962C8B-B14F-4D97-AF65-F5344CB8AC3E}">
-        <p14:creationId xmlns:p14="http://schemas.microsoft.com/office/powerpoint/2010/main" val="3402891464"/>
+        <p14:creationId xmlns="" xmlns:p14="http://schemas.microsoft.com/office/powerpoint/2010/main" val="3402891464"/>
       </p:ext>
     </p:extLst>
   </p:cSld>
@@ -7006,7 +7039,7 @@
           <a:blip r:embed="rId2" cstate="print">
             <a:extLst>
               <a:ext uri="{28A0092B-C50C-407E-A947-70E740481C1C}">
-                <a14:useLocalDpi xmlns:a14="http://schemas.microsoft.com/office/drawing/2010/main" val="0"/>
+                <a14:useLocalDpi xmlns="" xmlns:a14="http://schemas.microsoft.com/office/drawing/2010/main" val="0"/>
               </a:ext>
             </a:extLst>
           </a:blip>
@@ -7027,7 +7060,7 @@
     </p:spTree>
     <p:extLst>
       <p:ext uri="{BB962C8B-B14F-4D97-AF65-F5344CB8AC3E}">
-        <p14:creationId xmlns:p14="http://schemas.microsoft.com/office/powerpoint/2010/main" val="2843391693"/>
+        <p14:creationId xmlns="" xmlns:p14="http://schemas.microsoft.com/office/powerpoint/2010/main" val="2843391693"/>
       </p:ext>
     </p:extLst>
   </p:cSld>
@@ -7250,7 +7283,7 @@
           <a:blip r:embed="rId2" cstate="print">
             <a:extLst>
               <a:ext uri="{28A0092B-C50C-407E-A947-70E740481C1C}">
-                <a14:useLocalDpi xmlns:a14="http://schemas.microsoft.com/office/drawing/2010/main" val="0"/>
+                <a14:useLocalDpi xmlns="" xmlns:a14="http://schemas.microsoft.com/office/drawing/2010/main" val="0"/>
               </a:ext>
             </a:extLst>
           </a:blip>
@@ -7271,7 +7304,7 @@
     </p:spTree>
     <p:extLst>
       <p:ext uri="{BB962C8B-B14F-4D97-AF65-F5344CB8AC3E}">
-        <p14:creationId xmlns:p14="http://schemas.microsoft.com/office/powerpoint/2010/main" val="3776007642"/>
+        <p14:creationId xmlns="" xmlns:p14="http://schemas.microsoft.com/office/powerpoint/2010/main" val="3776007642"/>
       </p:ext>
     </p:extLst>
   </p:cSld>
@@ -7371,14 +7404,14 @@
             </a:ln>
             <a:extLst>
               <a:ext uri="{909E8E84-426E-40DD-AFC4-6F175D3DCCD1}">
-                <a14:hiddenFill xmlns:a14="http://schemas.microsoft.com/office/drawing/2010/main">
+                <a14:hiddenFill xmlns="" xmlns:a14="http://schemas.microsoft.com/office/drawing/2010/main">
                   <a:solidFill>
                     <a:srgbClr val="FFFFFF"/>
                   </a:solidFill>
                 </a14:hiddenFill>
               </a:ext>
               <a:ext uri="{91240B29-F687-4F45-9708-019B960494DF}">
-                <a14:hiddenLine xmlns:a14="http://schemas.microsoft.com/office/drawing/2010/main" w="9525">
+                <a14:hiddenLine xmlns="" xmlns:a14="http://schemas.microsoft.com/office/drawing/2010/main" w="9525">
                   <a:solidFill>
                     <a:srgbClr val="000000"/>
                   </a:solidFill>
@@ -7502,7 +7535,7 @@
             </a:lstStyle>
             <a:p>
               <a:pPr eaLnBrk="1" hangingPunct="1"/>
-              <a:endParaRPr lang="en-US"/>
+              <a:endParaRPr lang="en-US" dirty="0"/>
             </a:p>
           </p:txBody>
         </p:sp>
@@ -7528,14 +7561,14 @@
             </a:ln>
             <a:extLst>
               <a:ext uri="{909E8E84-426E-40DD-AFC4-6F175D3DCCD1}">
-                <a14:hiddenFill xmlns:a14="http://schemas.microsoft.com/office/drawing/2010/main">
+                <a14:hiddenFill xmlns="" xmlns:a14="http://schemas.microsoft.com/office/drawing/2010/main">
                   <a:solidFill>
                     <a:srgbClr val="FFFFFF"/>
                   </a:solidFill>
                 </a14:hiddenFill>
               </a:ext>
               <a:ext uri="{91240B29-F687-4F45-9708-019B960494DF}">
-                <a14:hiddenLine xmlns:a14="http://schemas.microsoft.com/office/drawing/2010/main" w="9525">
+                <a14:hiddenLine xmlns="" xmlns:a14="http://schemas.microsoft.com/office/drawing/2010/main" w="9525">
                   <a:solidFill>
                     <a:srgbClr val="000000"/>
                   </a:solidFill>
@@ -7659,7 +7692,7 @@
             </a:lstStyle>
             <a:p>
               <a:pPr eaLnBrk="1" hangingPunct="1"/>
-              <a:endParaRPr lang="pt-BR" sz="2400" b="1">
+              <a:endParaRPr lang="pt-BR" sz="2400" b="1" dirty="0">
                 <a:solidFill>
                   <a:srgbClr val="5F5F5F"/>
                 </a:solidFill>
@@ -8164,7 +8197,7 @@
     </p:spTree>
     <p:extLst>
       <p:ext uri="{BB962C8B-B14F-4D97-AF65-F5344CB8AC3E}">
-        <p14:creationId xmlns:p14="http://schemas.microsoft.com/office/powerpoint/2010/main" val="2886033736"/>
+        <p14:creationId xmlns="" xmlns:p14="http://schemas.microsoft.com/office/powerpoint/2010/main" val="2886033736"/>
       </p:ext>
     </p:extLst>
   </p:cSld>
@@ -8237,7 +8270,7 @@
           <a:blip r:embed="rId2" cstate="print">
             <a:extLst>
               <a:ext uri="{28A0092B-C50C-407E-A947-70E740481C1C}">
-                <a14:useLocalDpi xmlns:a14="http://schemas.microsoft.com/office/drawing/2010/main" val="0"/>
+                <a14:useLocalDpi xmlns="" xmlns:a14="http://schemas.microsoft.com/office/drawing/2010/main" val="0"/>
               </a:ext>
             </a:extLst>
           </a:blip>
@@ -8310,68 +8343,32 @@
       </p:sp>
       <p:pic>
         <p:nvPicPr>
-          <p:cNvPr id="1026" name="Picture 2">
-            <a:extLst>
-              <a:ext uri="{FF2B5EF4-FFF2-40B4-BE49-F238E27FC236}">
-                <a16:creationId xmlns:a16="http://schemas.microsoft.com/office/drawing/2014/main" xmlns="" id="{680D742B-523C-43D4-9E8B-E4709EAE39EB}"/>
-              </a:ext>
-            </a:extLst>
-          </p:cNvPr>
+          <p:cNvPr id="5" name="Imagem 4" descr="001_Home.png"/>
           <p:cNvPicPr>
-            <a:picLocks noChangeAspect="1" noChangeArrowheads="1"/>
+            <a:picLocks noChangeAspect="1"/>
           </p:cNvPicPr>
           <p:nvPr/>
         </p:nvPicPr>
         <p:blipFill>
-          <a:blip r:embed="rId2" cstate="print">
-            <a:extLst>
-              <a:ext uri="{28A0092B-C50C-407E-A947-70E740481C1C}">
-                <a14:useLocalDpi xmlns:a14="http://schemas.microsoft.com/office/drawing/2010/main" val="0"/>
-              </a:ext>
-            </a:extLst>
-          </a:blip>
-          <a:srcRect/>
+          <a:blip r:embed="rId2" cstate="print"/>
           <a:stretch>
             <a:fillRect/>
           </a:stretch>
         </p:blipFill>
-        <p:spPr bwMode="auto">
+        <p:spPr>
           <a:xfrm>
-            <a:off x="-83041" y="1700808"/>
-            <a:ext cx="9297381" cy="4248472"/>
+            <a:off x="0" y="1405507"/>
+            <a:ext cx="9144000" cy="4046985"/>
           </a:xfrm>
           <a:prstGeom prst="rect">
             <a:avLst/>
           </a:prstGeom>
-          <a:noFill/>
-          <a:ln>
-            <a:noFill/>
-          </a:ln>
-          <a:extLst>
-            <a:ext uri="{909E8E84-426E-40DD-AFC4-6F175D3DCCD1}">
-              <a14:hiddenFill xmlns:a14="http://schemas.microsoft.com/office/drawing/2010/main">
-                <a:solidFill>
-                  <a:srgbClr val="FFFFFF"/>
-                </a:solidFill>
-              </a14:hiddenFill>
-            </a:ext>
-            <a:ext uri="{91240B29-F687-4F45-9708-019B960494DF}">
-              <a14:hiddenLine xmlns:a14="http://schemas.microsoft.com/office/drawing/2010/main" w="9525">
-                <a:solidFill>
-                  <a:srgbClr val="000000"/>
-                </a:solidFill>
-                <a:miter lim="800000"/>
-                <a:headEnd/>
-                <a:tailEnd/>
-              </a14:hiddenLine>
-            </a:ext>
-          </a:extLst>
         </p:spPr>
       </p:pic>
     </p:spTree>
     <p:extLst>
       <p:ext uri="{BB962C8B-B14F-4D97-AF65-F5344CB8AC3E}">
-        <p14:creationId xmlns:p14="http://schemas.microsoft.com/office/powerpoint/2010/main" val="1781569390"/>
+        <p14:creationId xmlns="" xmlns:p14="http://schemas.microsoft.com/office/powerpoint/2010/main" val="1781569390"/>
       </p:ext>
     </p:extLst>
   </p:cSld>
@@ -8532,7 +8529,7 @@
           <a:blip r:embed="rId3" cstate="print">
             <a:extLst>
               <a:ext uri="{28A0092B-C50C-407E-A947-70E740481C1C}">
-                <a14:useLocalDpi xmlns:a14="http://schemas.microsoft.com/office/drawing/2010/main" val="0"/>
+                <a14:useLocalDpi xmlns="" xmlns:a14="http://schemas.microsoft.com/office/drawing/2010/main" val="0"/>
               </a:ext>
             </a:extLst>
           </a:blip>
@@ -8558,6 +8555,13 @@
   <p:transition spd="med">
     <p:fade/>
   </p:transition>
+  <p:timing>
+    <p:tnLst>
+      <p:par>
+        <p:cTn id="1" dur="indefinite" restart="never" nodeType="tmRoot"/>
+      </p:par>
+    </p:tnLst>
+  </p:timing>
 </p:sld>
 </file>
 
@@ -8628,7 +8632,7 @@
           <a:lstStyle/>
           <a:p>
             <a:pPr algn="ctr"/>
-            <a:endParaRPr lang="pt-BR"/>
+            <a:endParaRPr lang="pt-BR" dirty="0"/>
           </a:p>
         </p:txBody>
       </p:sp>
@@ -8665,7 +8669,7 @@
     </p:spTree>
     <p:extLst>
       <p:ext uri="{BB962C8B-B14F-4D97-AF65-F5344CB8AC3E}">
-        <p14:creationId xmlns:p14="http://schemas.microsoft.com/office/powerpoint/2010/main" val="2886251363"/>
+        <p14:creationId xmlns="" xmlns:p14="http://schemas.microsoft.com/office/powerpoint/2010/main" val="2886251363"/>
       </p:ext>
     </p:extLst>
   </p:cSld>
@@ -8767,7 +8771,7 @@
           <a:lstStyle/>
           <a:p>
             <a:pPr algn="ctr"/>
-            <a:endParaRPr lang="pt-BR"/>
+            <a:endParaRPr lang="pt-BR" dirty="0"/>
           </a:p>
         </p:txBody>
       </p:sp>
@@ -8804,7 +8808,7 @@
     </p:spTree>
     <p:extLst>
       <p:ext uri="{BB962C8B-B14F-4D97-AF65-F5344CB8AC3E}">
-        <p14:creationId xmlns:p14="http://schemas.microsoft.com/office/powerpoint/2010/main" val="395963370"/>
+        <p14:creationId xmlns="" xmlns:p14="http://schemas.microsoft.com/office/powerpoint/2010/main" val="395963370"/>
       </p:ext>
     </p:extLst>
   </p:cSld>
@@ -8907,14 +8911,14 @@
             </a:ln>
             <a:extLst>
               <a:ext uri="{909E8E84-426E-40DD-AFC4-6F175D3DCCD1}">
-                <a14:hiddenFill xmlns:a14="http://schemas.microsoft.com/office/drawing/2010/main">
+                <a14:hiddenFill xmlns="" xmlns:a14="http://schemas.microsoft.com/office/drawing/2010/main">
                   <a:solidFill>
                     <a:srgbClr val="FFFFFF"/>
                   </a:solidFill>
                 </a14:hiddenFill>
               </a:ext>
               <a:ext uri="{91240B29-F687-4F45-9708-019B960494DF}">
-                <a14:hiddenLine xmlns:a14="http://schemas.microsoft.com/office/drawing/2010/main" w="9525">
+                <a14:hiddenLine xmlns="" xmlns:a14="http://schemas.microsoft.com/office/drawing/2010/main" w="9525">
                   <a:solidFill>
                     <a:srgbClr val="000000"/>
                   </a:solidFill>
@@ -9038,7 +9042,7 @@
             </a:lstStyle>
             <a:p>
               <a:pPr eaLnBrk="1" hangingPunct="1"/>
-              <a:endParaRPr lang="en-US"/>
+              <a:endParaRPr lang="en-US" dirty="0"/>
             </a:p>
           </p:txBody>
         </p:sp>
@@ -9064,14 +9068,14 @@
             </a:ln>
             <a:extLst>
               <a:ext uri="{909E8E84-426E-40DD-AFC4-6F175D3DCCD1}">
-                <a14:hiddenFill xmlns:a14="http://schemas.microsoft.com/office/drawing/2010/main">
+                <a14:hiddenFill xmlns="" xmlns:a14="http://schemas.microsoft.com/office/drawing/2010/main">
                   <a:solidFill>
                     <a:srgbClr val="FFFFFF"/>
                   </a:solidFill>
                 </a14:hiddenFill>
               </a:ext>
               <a:ext uri="{91240B29-F687-4F45-9708-019B960494DF}">
-                <a14:hiddenLine xmlns:a14="http://schemas.microsoft.com/office/drawing/2010/main" w="9525">
+                <a14:hiddenLine xmlns="" xmlns:a14="http://schemas.microsoft.com/office/drawing/2010/main" w="9525">
                   <a:solidFill>
                     <a:srgbClr val="000000"/>
                   </a:solidFill>
@@ -9195,7 +9199,7 @@
             </a:lstStyle>
             <a:p>
               <a:pPr eaLnBrk="1" hangingPunct="1"/>
-              <a:endParaRPr lang="pt-BR" sz="2400" b="1">
+              <a:endParaRPr lang="pt-BR" sz="2400" b="1" dirty="0">
                 <a:solidFill>
                   <a:srgbClr val="5F5F5F"/>
                 </a:solidFill>
@@ -9316,7 +9320,7 @@
     </p:spTree>
     <p:extLst>
       <p:ext uri="{BB962C8B-B14F-4D97-AF65-F5344CB8AC3E}">
-        <p14:creationId xmlns:p14="http://schemas.microsoft.com/office/powerpoint/2010/main" val="3409322625"/>
+        <p14:creationId xmlns="" xmlns:p14="http://schemas.microsoft.com/office/powerpoint/2010/main" val="3409322625"/>
       </p:ext>
     </p:extLst>
   </p:cSld>
@@ -9621,7 +9625,7 @@
     </p:spTree>
     <p:extLst>
       <p:ext uri="{BB962C8B-B14F-4D97-AF65-F5344CB8AC3E}">
-        <p14:creationId xmlns:p14="http://schemas.microsoft.com/office/powerpoint/2010/main" val="732095642"/>
+        <p14:creationId xmlns="" xmlns:p14="http://schemas.microsoft.com/office/powerpoint/2010/main" val="732095642"/>
       </p:ext>
     </p:extLst>
   </p:cSld>
@@ -9823,17 +9827,16 @@
           </a:lstStyle>
           <a:p>
             <a:r>
-              <a:rPr lang="pt-BR"/>
+              <a:rPr lang="pt-BR" dirty="0"/>
               <a:t>MÓDULO CONTROLE </a:t>
             </a:r>
             <a:br>
-              <a:rPr lang="pt-BR"/>
+              <a:rPr lang="pt-BR" dirty="0"/>
             </a:br>
             <a:r>
-              <a:rPr lang="pt-BR"/>
+              <a:rPr lang="pt-BR" dirty="0"/>
               <a:t>DE ACESSO</a:t>
             </a:r>
-            <a:endParaRPr lang="pt-BR" dirty="0"/>
           </a:p>
         </p:txBody>
       </p:sp>
@@ -9855,7 +9858,7 @@
           <a:blip r:embed="rId2" cstate="print">
             <a:extLst>
               <a:ext uri="{28A0092B-C50C-407E-A947-70E740481C1C}">
-                <a14:useLocalDpi xmlns:a14="http://schemas.microsoft.com/office/drawing/2010/main" val="0"/>
+                <a14:useLocalDpi xmlns="" xmlns:a14="http://schemas.microsoft.com/office/drawing/2010/main" val="0"/>
               </a:ext>
             </a:extLst>
           </a:blip>
@@ -9876,7 +9879,7 @@
     </p:spTree>
     <p:extLst>
       <p:ext uri="{BB962C8B-B14F-4D97-AF65-F5344CB8AC3E}">
-        <p14:creationId xmlns:p14="http://schemas.microsoft.com/office/powerpoint/2010/main" val="1528951847"/>
+        <p14:creationId xmlns="" xmlns:p14="http://schemas.microsoft.com/office/powerpoint/2010/main" val="1528951847"/>
       </p:ext>
     </p:extLst>
   </p:cSld>
@@ -9945,13 +9948,7 @@
       </p:sp>
       <p:pic>
         <p:nvPicPr>
-          <p:cNvPr id="8" name="Picture 7">
-            <a:extLst>
-              <a:ext uri="{FF2B5EF4-FFF2-40B4-BE49-F238E27FC236}">
-                <a16:creationId xmlns:a16="http://schemas.microsoft.com/office/drawing/2014/main" xmlns="" id="{AC1CFE5D-EA64-4455-B011-2E471DBEC948}"/>
-              </a:ext>
-            </a:extLst>
-          </p:cNvPr>
+          <p:cNvPr id="4" name="Imagem 3" descr="001_Home.png"/>
           <p:cNvPicPr>
             <a:picLocks noChangeAspect="1"/>
           </p:cNvPicPr>
@@ -9965,8 +9962,8 @@
         </p:blipFill>
         <p:spPr>
           <a:xfrm>
-            <a:off x="0" y="1844824"/>
-            <a:ext cx="9144000" cy="3697386"/>
+            <a:off x="0" y="1503637"/>
+            <a:ext cx="9144000" cy="3850725"/>
           </a:xfrm>
           <a:prstGeom prst="rect">
             <a:avLst/>
@@ -9976,7 +9973,7 @@
     </p:spTree>
     <p:extLst>
       <p:ext uri="{BB962C8B-B14F-4D97-AF65-F5344CB8AC3E}">
-        <p14:creationId xmlns:p14="http://schemas.microsoft.com/office/powerpoint/2010/main" val="3460844110"/>
+        <p14:creationId xmlns="" xmlns:p14="http://schemas.microsoft.com/office/powerpoint/2010/main" val="3460844110"/>
       </p:ext>
     </p:extLst>
   </p:cSld>
@@ -10072,7 +10069,7 @@
     </p:spTree>
     <p:extLst>
       <p:ext uri="{BB962C8B-B14F-4D97-AF65-F5344CB8AC3E}">
-        <p14:creationId xmlns:p14="http://schemas.microsoft.com/office/powerpoint/2010/main" val="255138212"/>
+        <p14:creationId xmlns="" xmlns:p14="http://schemas.microsoft.com/office/powerpoint/2010/main" val="255138212"/>
       </p:ext>
     </p:extLst>
   </p:cSld>
@@ -10168,7 +10165,7 @@
     </p:spTree>
     <p:extLst>
       <p:ext uri="{BB962C8B-B14F-4D97-AF65-F5344CB8AC3E}">
-        <p14:creationId xmlns:p14="http://schemas.microsoft.com/office/powerpoint/2010/main" val="2944428277"/>
+        <p14:creationId xmlns="" xmlns:p14="http://schemas.microsoft.com/office/powerpoint/2010/main" val="2944428277"/>
       </p:ext>
     </p:extLst>
   </p:cSld>
@@ -10264,7 +10261,7 @@
     </p:spTree>
     <p:extLst>
       <p:ext uri="{BB962C8B-B14F-4D97-AF65-F5344CB8AC3E}">
-        <p14:creationId xmlns:p14="http://schemas.microsoft.com/office/powerpoint/2010/main" val="398228404"/>
+        <p14:creationId xmlns="" xmlns:p14="http://schemas.microsoft.com/office/powerpoint/2010/main" val="398228404"/>
       </p:ext>
     </p:extLst>
   </p:cSld>
@@ -10360,7 +10357,7 @@
     </p:spTree>
     <p:extLst>
       <p:ext uri="{BB962C8B-B14F-4D97-AF65-F5344CB8AC3E}">
-        <p14:creationId xmlns:p14="http://schemas.microsoft.com/office/powerpoint/2010/main" val="3663591352"/>
+        <p14:creationId xmlns="" xmlns:p14="http://schemas.microsoft.com/office/powerpoint/2010/main" val="3663591352"/>
       </p:ext>
     </p:extLst>
   </p:cSld>
@@ -10424,7 +10421,7 @@
           <a:blip r:embed="rId3" cstate="print">
             <a:extLst>
               <a:ext uri="{28A0092B-C50C-407E-A947-70E740481C1C}">
-                <a14:useLocalDpi xmlns:a14="http://schemas.microsoft.com/office/drawing/2010/main" val="0"/>
+                <a14:useLocalDpi xmlns="" xmlns:a14="http://schemas.microsoft.com/office/drawing/2010/main" val="0"/>
               </a:ext>
             </a:extLst>
           </a:blip>
@@ -10450,6 +10447,13 @@
   <p:transition spd="med">
     <p:fade/>
   </p:transition>
+  <p:timing>
+    <p:tnLst>
+      <p:par>
+        <p:cTn id="1" dur="indefinite" restart="never" nodeType="tmRoot"/>
+      </p:par>
+    </p:tnLst>
+  </p:timing>
 </p:sld>
 </file>
 
@@ -10555,7 +10559,7 @@
           <a:blip r:embed="rId2" cstate="print">
             <a:extLst>
               <a:ext uri="{28A0092B-C50C-407E-A947-70E740481C1C}">
-                <a14:useLocalDpi xmlns:a14="http://schemas.microsoft.com/office/drawing/2010/main" val="0"/>
+                <a14:useLocalDpi xmlns="" xmlns:a14="http://schemas.microsoft.com/office/drawing/2010/main" val="0"/>
               </a:ext>
             </a:extLst>
           </a:blip>
@@ -10575,7 +10579,7 @@
           <a:noFill/>
           <a:extLst>
             <a:ext uri="{909E8E84-426E-40DD-AFC4-6F175D3DCCD1}">
-              <a14:hiddenFill xmlns:a14="http://schemas.microsoft.com/office/drawing/2010/main">
+              <a14:hiddenFill xmlns="" xmlns:a14="http://schemas.microsoft.com/office/drawing/2010/main">
                 <a:solidFill>
                   <a:srgbClr val="FFFFFF"/>
                 </a:solidFill>
@@ -10709,7 +10713,7 @@
           <a:blip r:embed="rId2" cstate="print">
             <a:extLst>
               <a:ext uri="{28A0092B-C50C-407E-A947-70E740481C1C}">
-                <a14:useLocalDpi xmlns:a14="http://schemas.microsoft.com/office/drawing/2010/main" val="0"/>
+                <a14:useLocalDpi xmlns="" xmlns:a14="http://schemas.microsoft.com/office/drawing/2010/main" val="0"/>
               </a:ext>
             </a:extLst>
           </a:blip>
@@ -10727,7 +10731,7 @@
           <a:noFill/>
           <a:extLst>
             <a:ext uri="{909E8E84-426E-40DD-AFC4-6F175D3DCCD1}">
-              <a14:hiddenFill xmlns:a14="http://schemas.microsoft.com/office/drawing/2010/main">
+              <a14:hiddenFill xmlns="" xmlns:a14="http://schemas.microsoft.com/office/drawing/2010/main">
                 <a:solidFill>
                   <a:srgbClr val="FFFFFF"/>
                 </a:solidFill>
@@ -10797,7 +10801,7 @@
     </p:spTree>
     <p:extLst>
       <p:ext uri="{BB962C8B-B14F-4D97-AF65-F5344CB8AC3E}">
-        <p14:creationId xmlns:p14="http://schemas.microsoft.com/office/powerpoint/2010/main" val="1990385622"/>
+        <p14:creationId xmlns="" xmlns:p14="http://schemas.microsoft.com/office/powerpoint/2010/main" val="1990385622"/>
       </p:ext>
     </p:extLst>
   </p:cSld>
@@ -10900,14 +10904,14 @@
             </a:ln>
             <a:extLst>
               <a:ext uri="{909E8E84-426E-40DD-AFC4-6F175D3DCCD1}">
-                <a14:hiddenFill xmlns:a14="http://schemas.microsoft.com/office/drawing/2010/main">
+                <a14:hiddenFill xmlns="" xmlns:a14="http://schemas.microsoft.com/office/drawing/2010/main">
                   <a:solidFill>
                     <a:srgbClr val="FFFFFF"/>
                   </a:solidFill>
                 </a14:hiddenFill>
               </a:ext>
               <a:ext uri="{91240B29-F687-4F45-9708-019B960494DF}">
-                <a14:hiddenLine xmlns:a14="http://schemas.microsoft.com/office/drawing/2010/main" w="9525">
+                <a14:hiddenLine xmlns="" xmlns:a14="http://schemas.microsoft.com/office/drawing/2010/main" w="9525">
                   <a:solidFill>
                     <a:srgbClr val="000000"/>
                   </a:solidFill>
@@ -11031,7 +11035,7 @@
             </a:lstStyle>
             <a:p>
               <a:pPr eaLnBrk="1" hangingPunct="1"/>
-              <a:endParaRPr lang="en-US"/>
+              <a:endParaRPr lang="en-US" dirty="0"/>
             </a:p>
           </p:txBody>
         </p:sp>
@@ -11057,14 +11061,14 @@
             </a:ln>
             <a:extLst>
               <a:ext uri="{909E8E84-426E-40DD-AFC4-6F175D3DCCD1}">
-                <a14:hiddenFill xmlns:a14="http://schemas.microsoft.com/office/drawing/2010/main">
+                <a14:hiddenFill xmlns="" xmlns:a14="http://schemas.microsoft.com/office/drawing/2010/main">
                   <a:solidFill>
                     <a:srgbClr val="FFFFFF"/>
                   </a:solidFill>
                 </a14:hiddenFill>
               </a:ext>
               <a:ext uri="{91240B29-F687-4F45-9708-019B960494DF}">
-                <a14:hiddenLine xmlns:a14="http://schemas.microsoft.com/office/drawing/2010/main" w="9525">
+                <a14:hiddenLine xmlns="" xmlns:a14="http://schemas.microsoft.com/office/drawing/2010/main" w="9525">
                   <a:solidFill>
                     <a:srgbClr val="000000"/>
                   </a:solidFill>
@@ -11188,7 +11192,7 @@
             </a:lstStyle>
             <a:p>
               <a:pPr eaLnBrk="1" hangingPunct="1"/>
-              <a:endParaRPr lang="pt-BR" sz="2400" b="1">
+              <a:endParaRPr lang="pt-BR" sz="2400" b="1" dirty="0">
                 <a:solidFill>
                   <a:srgbClr val="5F5F5F"/>
                 </a:solidFill>
@@ -11287,26 +11291,7 @@
                 <a:ea typeface="ＭＳ Ｐゴシック" pitchFamily="-106" charset="-128"/>
                 <a:cs typeface="Verdana" pitchFamily="34" charset="0"/>
               </a:rPr>
-              <a:t>Vagner </a:t>
-            </a:r>
-            <a:r>
-              <a:rPr kumimoji="0" lang="pt-BR" sz="4000" b="0" i="0" u="none" strike="noStrike" kern="1200" cap="none" spc="0" normalizeH="0" baseline="0" noProof="0" dirty="0" err="1">
-                <a:ln>
-                  <a:noFill/>
-                </a:ln>
-                <a:solidFill>
-                  <a:schemeClr val="tx2">
-                    <a:lumMod val="75000"/>
-                  </a:schemeClr>
-                </a:solidFill>
-                <a:effectLst/>
-                <a:uLnTx/>
-                <a:uFillTx/>
-                <a:latin typeface="Verdana" pitchFamily="34" charset="0"/>
-                <a:ea typeface="ＭＳ Ｐゴシック" pitchFamily="-106" charset="-128"/>
-                <a:cs typeface="Verdana" pitchFamily="34" charset="0"/>
-              </a:rPr>
-              <a:t>Alcantara</a:t>
+              <a:t>Vagner Alcantara</a:t>
             </a:r>
             <a:endParaRPr kumimoji="0" lang="pt-BR" sz="2000" b="1" i="0" u="none" strike="noStrike" kern="1200" cap="none" spc="0" normalizeH="0" baseline="0" noProof="0" dirty="0">
               <a:ln>
@@ -11328,7 +11313,7 @@
     </p:spTree>
     <p:extLst>
       <p:ext uri="{BB962C8B-B14F-4D97-AF65-F5344CB8AC3E}">
-        <p14:creationId xmlns:p14="http://schemas.microsoft.com/office/powerpoint/2010/main" val="2005090747"/>
+        <p14:creationId xmlns="" xmlns:p14="http://schemas.microsoft.com/office/powerpoint/2010/main" val="2005090747"/>
       </p:ext>
     </p:extLst>
   </p:cSld>
@@ -11338,6 +11323,13 @@
   <p:transition spd="med">
     <p:fade/>
   </p:transition>
+  <p:timing>
+    <p:tnLst>
+      <p:par>
+        <p:cTn id="1" dur="indefinite" restart="never" nodeType="tmRoot"/>
+      </p:par>
+    </p:tnLst>
+  </p:timing>
 </p:sld>
 </file>
 
@@ -11400,14 +11392,14 @@
           </a:xfrm>
           <a:extLst>
             <a:ext uri="{909E8E84-426E-40DD-AFC4-6F175D3DCCD1}">
-              <a14:hiddenFill xmlns:a14="http://schemas.microsoft.com/office/drawing/2010/main">
+              <a14:hiddenFill xmlns="" xmlns:a14="http://schemas.microsoft.com/office/drawing/2010/main">
                 <a:solidFill>
                   <a:srgbClr val="FFFFFF"/>
                 </a:solidFill>
               </a14:hiddenFill>
             </a:ext>
             <a:ext uri="{91240B29-F687-4F45-9708-019B960494DF}">
-              <a14:hiddenLine xmlns:a14="http://schemas.microsoft.com/office/drawing/2010/main" w="9525">
+              <a14:hiddenLine xmlns="" xmlns:a14="http://schemas.microsoft.com/office/drawing/2010/main" w="9525">
                 <a:solidFill>
                   <a:srgbClr val="000000"/>
                 </a:solidFill>
@@ -11503,7 +11495,27 @@
                   </a:schemeClr>
                 </a:solidFill>
               </a:rPr>
-              <a:t>Agendamento de serviços disponibilizados pela clinica.</a:t>
+              <a:t>Agendamento de serviços disponibilizados pela </a:t>
+            </a:r>
+            <a:r>
+              <a:rPr lang="pt-BR" sz="1850" dirty="0" smtClean="0">
+                <a:solidFill>
+                  <a:schemeClr val="tx2">
+                    <a:lumMod val="75000"/>
+                  </a:schemeClr>
+                </a:solidFill>
+              </a:rPr>
+              <a:t>clínica</a:t>
+            </a:r>
+            <a:r>
+              <a:rPr lang="pt-BR" sz="1850" dirty="0">
+                <a:solidFill>
+                  <a:schemeClr val="tx2">
+                    <a:lumMod val="75000"/>
+                  </a:schemeClr>
+                </a:solidFill>
+              </a:rPr>
+              <a:t>.</a:t>
             </a:r>
           </a:p>
           <a:p>
@@ -11674,6 +11686,13 @@
   <p:transition spd="med">
     <p:fade/>
   </p:transition>
+  <p:timing>
+    <p:tnLst>
+      <p:par>
+        <p:cTn id="1" dur="indefinite" restart="never" nodeType="tmRoot"/>
+      </p:par>
+    </p:tnLst>
+  </p:timing>
 </p:sld>
 </file>
 
@@ -11736,7 +11755,7 @@
           <a:blip r:embed="rId2" cstate="print">
             <a:extLst>
               <a:ext uri="{28A0092B-C50C-407E-A947-70E740481C1C}">
-                <a14:useLocalDpi xmlns:a14="http://schemas.microsoft.com/office/drawing/2010/main" val="0"/>
+                <a14:useLocalDpi xmlns="" xmlns:a14="http://schemas.microsoft.com/office/drawing/2010/main" val="0"/>
               </a:ext>
             </a:extLst>
           </a:blip>
@@ -11759,6 +11778,13 @@
   <p:clrMapOvr>
     <a:masterClrMapping/>
   </p:clrMapOvr>
+  <p:timing>
+    <p:tnLst>
+      <p:par>
+        <p:cTn id="1" dur="indefinite" restart="never" nodeType="tmRoot"/>
+      </p:par>
+    </p:tnLst>
+  </p:timing>
 </p:sld>
 </file>
 
@@ -11811,28 +11837,22 @@
       </p:sp>
       <p:pic>
         <p:nvPicPr>
-          <p:cNvPr id="2" name="Imagem 1"/>
+          <p:cNvPr id="7" name="Imagem 6" descr="001_Home.png"/>
           <p:cNvPicPr>
             <a:picLocks noChangeAspect="1"/>
           </p:cNvPicPr>
           <p:nvPr/>
         </p:nvPicPr>
         <p:blipFill>
-          <a:blip r:embed="rId2" cstate="print">
-            <a:extLst>
-              <a:ext uri="{28A0092B-C50C-407E-A947-70E740481C1C}">
-                <a14:useLocalDpi xmlns:a14="http://schemas.microsoft.com/office/drawing/2010/main" val="0"/>
-              </a:ext>
-            </a:extLst>
-          </a:blip>
+          <a:blip r:embed="rId2" cstate="print"/>
           <a:stretch>
             <a:fillRect/>
           </a:stretch>
         </p:blipFill>
         <p:spPr>
           <a:xfrm>
-            <a:off x="-19641" y="1556792"/>
-            <a:ext cx="9183282" cy="4608512"/>
+            <a:off x="0" y="1628800"/>
+            <a:ext cx="9144000" cy="4227712"/>
           </a:xfrm>
           <a:prstGeom prst="rect">
             <a:avLst/>
@@ -11844,6 +11864,13 @@
   <p:clrMapOvr>
     <a:masterClrMapping/>
   </p:clrMapOvr>
+  <p:timing>
+    <p:tnLst>
+      <p:par>
+        <p:cTn id="1" dur="indefinite" restart="never" nodeType="tmRoot"/>
+      </p:par>
+    </p:tnLst>
+  </p:timing>
 </p:sld>
 </file>
 
@@ -11906,7 +11933,7 @@
           <a:blip r:embed="rId2" cstate="print">
             <a:extLst>
               <a:ext uri="{28A0092B-C50C-407E-A947-70E740481C1C}">
-                <a14:useLocalDpi xmlns:a14="http://schemas.microsoft.com/office/drawing/2010/main" val="0"/>
+                <a14:useLocalDpi xmlns="" xmlns:a14="http://schemas.microsoft.com/office/drawing/2010/main" val="0"/>
               </a:ext>
             </a:extLst>
           </a:blip>
@@ -11929,6 +11956,13 @@
   <p:clrMapOvr>
     <a:masterClrMapping/>
   </p:clrMapOvr>
+  <p:timing>
+    <p:tnLst>
+      <p:par>
+        <p:cTn id="1" dur="indefinite" restart="never" nodeType="tmRoot"/>
+      </p:par>
+    </p:tnLst>
+  </p:timing>
 </p:sld>
 </file>
 
@@ -12527,7 +12561,7 @@
   <a:extraClrSchemeLst/>
   <a:extLst>
     <a:ext uri="{05A4C25C-085E-4340-85A3-A5531E510DB2}">
-      <thm15:themeFamily xmlns:thm15="http://schemas.microsoft.com/office/thememl/2012/main" name="Office Theme" id="{62F939B6-93AF-4DB8-9C6B-D6C7DFDC589F}" vid="{4A3C46E8-61CC-4603-A589-7422A47A8E4A}"/>
+      <thm15:themeFamily xmlns="" xmlns:thm15="http://schemas.microsoft.com/office/thememl/2012/main" name="Office Theme" id="{62F939B6-93AF-4DB8-9C6B-D6C7DFDC589F}" vid="{4A3C46E8-61CC-4603-A589-7422A47A8E4A}"/>
     </a:ext>
   </a:extLst>
 </a:theme>
